--- a/continuous_integration.pptx
+++ b/continuous_integration.pptx
@@ -5,25 +5,26 @@
     <p:sldMasterId id="2147483660" r:id="rId1"/>
   </p:sldMasterIdLst>
   <p:notesMasterIdLst>
-    <p:notesMasterId r:id="rId15"/>
+    <p:notesMasterId r:id="rId16"/>
   </p:notesMasterIdLst>
   <p:handoutMasterIdLst>
-    <p:handoutMasterId r:id="rId16"/>
+    <p:handoutMasterId r:id="rId17"/>
   </p:handoutMasterIdLst>
   <p:sldIdLst>
     <p:sldId id="273" r:id="rId2"/>
-    <p:sldId id="302" r:id="rId3"/>
-    <p:sldId id="300" r:id="rId4"/>
-    <p:sldId id="301" r:id="rId5"/>
-    <p:sldId id="304" r:id="rId6"/>
-    <p:sldId id="305" r:id="rId7"/>
-    <p:sldId id="306" r:id="rId8"/>
-    <p:sldId id="308" r:id="rId9"/>
+    <p:sldId id="300" r:id="rId3"/>
+    <p:sldId id="301" r:id="rId4"/>
+    <p:sldId id="311" r:id="rId5"/>
+    <p:sldId id="305" r:id="rId6"/>
+    <p:sldId id="306" r:id="rId7"/>
+    <p:sldId id="308" r:id="rId8"/>
+    <p:sldId id="312" r:id="rId9"/>
     <p:sldId id="309" r:id="rId10"/>
-    <p:sldId id="299" r:id="rId11"/>
-    <p:sldId id="307" r:id="rId12"/>
-    <p:sldId id="288" r:id="rId13"/>
-    <p:sldId id="298" r:id="rId14"/>
+    <p:sldId id="313" r:id="rId11"/>
+    <p:sldId id="299" r:id="rId12"/>
+    <p:sldId id="307" r:id="rId13"/>
+    <p:sldId id="288" r:id="rId14"/>
+    <p:sldId id="298" r:id="rId15"/>
   </p:sldIdLst>
   <p:sldSz cx="9144000" cy="6858000" type="screen4x3"/>
   <p:notesSz cx="6858000" cy="9144000"/>
@@ -158,14 +159,15 @@
         <p14:section name="Untitled Section" id="{BAA15BF6-FE96-3445-86D7-BE737DCC358B}">
           <p14:sldIdLst>
             <p14:sldId id="273"/>
-            <p14:sldId id="302"/>
             <p14:sldId id="300"/>
             <p14:sldId id="301"/>
-            <p14:sldId id="304"/>
+            <p14:sldId id="311"/>
             <p14:sldId id="305"/>
             <p14:sldId id="306"/>
             <p14:sldId id="308"/>
+            <p14:sldId id="312"/>
             <p14:sldId id="309"/>
+            <p14:sldId id="313"/>
             <p14:sldId id="299"/>
             <p14:sldId id="307"/>
             <p14:sldId id="288"/>
@@ -275,7 +277,7 @@
             <a:fld id="{80AC11AF-147E-0A48-A5B0-8DA858D84551}" type="datetimeFigureOut">
               <a:rPr lang="en-US" smtClean="0"/>
               <a:pPr/>
-              <a:t>7/26/21</a:t>
+              <a:t>8/4/21</a:t>
             </a:fld>
             <a:endParaRPr lang="en-US"/>
           </a:p>
@@ -4704,7 +4706,7 @@
           <p:cNvPr id="2" name="Title 1">
             <a:extLst>
               <a:ext uri="{FF2B5EF4-FFF2-40B4-BE49-F238E27FC236}">
-                <a16:creationId xmlns:a16="http://schemas.microsoft.com/office/drawing/2014/main" id="{B7017452-BCB9-F741-8FCF-3C44B11F783B}"/>
+                <a16:creationId xmlns:a16="http://schemas.microsoft.com/office/drawing/2014/main" id="{33165359-9CD5-EF41-9C08-A5F425B6C08E}"/>
               </a:ext>
             </a:extLst>
           </p:cNvPr>
@@ -4717,18 +4719,12 @@
         </p:nvSpPr>
         <p:spPr/>
         <p:txBody>
-          <a:bodyPr>
-            <a:normAutofit fontScale="90000"/>
-          </a:bodyPr>
-          <a:lstStyle/>
-          <a:p>
-            <a:r>
-              <a:rPr lang="en-CH" dirty="0"/>
-              <a:t>Notes on how to use </a:t>
-            </a:r>
-            <a:r>
-              <a:rPr lang="en-CH"/>
-              <a:t>github actions (is this best practice?)</a:t>
+          <a:bodyPr/>
+          <a:lstStyle/>
+          <a:p>
+            <a:r>
+              <a:rPr lang="de-DE" dirty="0"/>
+              <a:t>Hands On!</a:t>
             </a:r>
             <a:endParaRPr lang="en-CH" dirty="0"/>
           </a:p>
@@ -4739,7 +4735,7 @@
           <p:cNvPr id="3" name="Content Placeholder 2">
             <a:extLst>
               <a:ext uri="{FF2B5EF4-FFF2-40B4-BE49-F238E27FC236}">
-                <a16:creationId xmlns:a16="http://schemas.microsoft.com/office/drawing/2014/main" id="{4C8340C5-F3D8-9449-92D1-7DDEB02F0756}"/>
+                <a16:creationId xmlns:a16="http://schemas.microsoft.com/office/drawing/2014/main" id="{1C9C9C51-D00C-9945-9623-98BDACA07638}"/>
               </a:ext>
             </a:extLst>
           </p:cNvPr>
@@ -4756,33 +4752,67 @@
           <a:lstStyle/>
           <a:p>
             <a:r>
-              <a:rPr lang="en-CH" dirty="0"/>
-              <a:t>set trigger to “push, pull_request” without branches so at every push you can see what is going on</a:t>
-            </a:r>
-          </a:p>
-          <a:p>
-            <a:r>
-              <a:rPr lang="en-CH" dirty="0"/>
-              <a:t>debug by looking at ”Actions/workflows” tabs</a:t>
-            </a:r>
-          </a:p>
-          <a:p>
-            <a:r>
-              <a:rPr lang="en-CH" dirty="0"/>
-              <a:t>once it works, add branches (typically master) if it makes more sense for you</a:t>
-            </a:r>
-          </a:p>
-          <a:p>
-            <a:r>
-              <a:rPr lang="en-CH" dirty="0"/>
-              <a:t>PR -&gt; Actions run</a:t>
-            </a:r>
-          </a:p>
-          <a:p>
-            <a:r>
-              <a:rPr lang="en-CH" dirty="0"/>
-              <a:t>Executed: 1) when pushed to branch, on branch current state 2) when PR is made, on PR branch final state 3) when merged to master (push), on the master+PR final status</a:t>
-            </a:r>
+              <a:rPr lang="de-DE" dirty="0"/>
+              <a:t>Add a CI </a:t>
+            </a:r>
+            <a:r>
+              <a:rPr lang="de-DE" dirty="0" err="1"/>
+              <a:t>pipeline</a:t>
+            </a:r>
+            <a:r>
+              <a:rPr lang="de-DE" dirty="0"/>
+              <a:t> </a:t>
+            </a:r>
+            <a:r>
+              <a:rPr lang="de-DE" dirty="0" err="1"/>
+              <a:t>to</a:t>
+            </a:r>
+            <a:r>
+              <a:rPr lang="de-DE" dirty="0"/>
+              <a:t> </a:t>
+            </a:r>
+            <a:r>
+              <a:rPr lang="de-DE" dirty="0" err="1"/>
+              <a:t>your</a:t>
+            </a:r>
+            <a:r>
+              <a:rPr lang="de-DE" dirty="0"/>
+              <a:t> </a:t>
+            </a:r>
+            <a:r>
+              <a:rPr lang="de-DE" dirty="0" err="1"/>
+              <a:t>logistic</a:t>
+            </a:r>
+            <a:r>
+              <a:rPr lang="de-DE" dirty="0"/>
+              <a:t> </a:t>
+            </a:r>
+            <a:r>
+              <a:rPr lang="de-DE" dirty="0" err="1"/>
+              <a:t>function</a:t>
+            </a:r>
+            <a:r>
+              <a:rPr lang="de-DE" dirty="0"/>
+              <a:t> </a:t>
+            </a:r>
+            <a:r>
+              <a:rPr lang="de-DE" dirty="0" err="1"/>
+              <a:t>project</a:t>
+            </a:r>
+            <a:r>
+              <a:rPr lang="de-DE" dirty="0"/>
+              <a:t>!</a:t>
+            </a:r>
+            <a:endParaRPr lang="en-CH" dirty="0"/>
+          </a:p>
+          <a:p>
+            <a:pPr marL="0" indent="0">
+              <a:buNone/>
+            </a:pPr>
+            <a:endParaRPr lang="en-CH" dirty="0"/>
+          </a:p>
+          <a:p>
+            <a:endParaRPr lang="en-CH" dirty="0"/>
           </a:p>
         </p:txBody>
       </p:sp>
@@ -4791,7 +4821,7 @@
           <p:cNvPr id="4" name="Date Placeholder 3">
             <a:extLst>
               <a:ext uri="{FF2B5EF4-FFF2-40B4-BE49-F238E27FC236}">
-                <a16:creationId xmlns:a16="http://schemas.microsoft.com/office/drawing/2014/main" id="{7394CC83-6E3D-F742-8F53-7736E40C9AA4}"/>
+                <a16:creationId xmlns:a16="http://schemas.microsoft.com/office/drawing/2014/main" id="{06E829B2-1694-924F-8E80-036B417E1533}"/>
               </a:ext>
             </a:extLst>
           </p:cNvPr>
@@ -4820,7 +4850,7 @@
           <p:cNvPr id="5" name="Footer Placeholder 4">
             <a:extLst>
               <a:ext uri="{FF2B5EF4-FFF2-40B4-BE49-F238E27FC236}">
-                <a16:creationId xmlns:a16="http://schemas.microsoft.com/office/drawing/2014/main" id="{D160849F-FCBE-794E-BA2F-348B46DAC22D}"/>
+                <a16:creationId xmlns:a16="http://schemas.microsoft.com/office/drawing/2014/main" id="{AFBE3539-299D-3540-AAA7-1CDBAAD0E777}"/>
               </a:ext>
             </a:extLst>
           </p:cNvPr>
@@ -4847,7 +4877,7 @@
     </p:spTree>
     <p:extLst>
       <p:ext uri="{BB962C8B-B14F-4D97-AF65-F5344CB8AC3E}">
-        <p14:creationId xmlns:p14="http://schemas.microsoft.com/office/powerpoint/2010/main" val="3061818551"/>
+        <p14:creationId xmlns:p14="http://schemas.microsoft.com/office/powerpoint/2010/main" val="492757597"/>
       </p:ext>
     </p:extLst>
   </p:cSld>
@@ -4879,7 +4909,7 @@
           <p:cNvPr id="2" name="Title 1">
             <a:extLst>
               <a:ext uri="{FF2B5EF4-FFF2-40B4-BE49-F238E27FC236}">
-                <a16:creationId xmlns:a16="http://schemas.microsoft.com/office/drawing/2014/main" id="{061016C8-512C-EB4B-9D32-9CF4CB9D4F11}"/>
+                <a16:creationId xmlns:a16="http://schemas.microsoft.com/office/drawing/2014/main" id="{B7017452-BCB9-F741-8FCF-3C44B11F783B}"/>
               </a:ext>
             </a:extLst>
           </p:cNvPr>
@@ -4892,13 +4922,20 @@
         </p:nvSpPr>
         <p:spPr/>
         <p:txBody>
-          <a:bodyPr/>
+          <a:bodyPr>
+            <a:normAutofit fontScale="90000"/>
+          </a:bodyPr>
           <a:lstStyle/>
           <a:p>
             <a:r>
               <a:rPr lang="en-CH" dirty="0"/>
-              <a:t>More advanced topics?</a:t>
-            </a:r>
+              <a:t>Notes on how to use </a:t>
+            </a:r>
+            <a:r>
+              <a:rPr lang="en-CH"/>
+              <a:t>github actions (is this best practice?)</a:t>
+            </a:r>
+            <a:endParaRPr lang="en-CH" dirty="0"/>
           </a:p>
         </p:txBody>
       </p:sp>
@@ -4907,7 +4944,7 @@
           <p:cNvPr id="3" name="Content Placeholder 2">
             <a:extLst>
               <a:ext uri="{FF2B5EF4-FFF2-40B4-BE49-F238E27FC236}">
-                <a16:creationId xmlns:a16="http://schemas.microsoft.com/office/drawing/2014/main" id="{463079FE-7331-C647-815D-07795DC7ED3D}"/>
+                <a16:creationId xmlns:a16="http://schemas.microsoft.com/office/drawing/2014/main" id="{4C8340C5-F3D8-9449-92D1-7DDEB02F0756}"/>
               </a:ext>
             </a:extLst>
           </p:cNvPr>
@@ -4925,7 +4962,95 @@
           <a:p>
             <a:r>
               <a:rPr lang="en-CH" dirty="0"/>
-              <a:t>Security: be careful with passwords and other sensitive information (“secrets”) even on private repositories (needed e.g. to push a package to PyPi). Each CI system has a way to do it safely. In the repository you store a token that is linked to a GitHub account and the actual secret is store encrypted by GitHub. The secret is then decrypted at the moment of running the job and added as environment variable (double-check)</a:t>
+              <a:t>set trigger to “push, pull_request” without branches so at every push you can see what is going on</a:t>
+            </a:r>
+          </a:p>
+          <a:p>
+            <a:r>
+              <a:rPr lang="en-CH" dirty="0"/>
+              <a:t>debug by looking at ”Actions/workflows” tabs</a:t>
+            </a:r>
+          </a:p>
+          <a:p>
+            <a:r>
+              <a:rPr lang="en-CH" dirty="0"/>
+              <a:t>once it works, add branches (</a:t>
+            </a:r>
+            <a:r>
+              <a:rPr lang="en-CH"/>
+              <a:t>typically </a:t>
+            </a:r>
+            <a:r>
+              <a:rPr lang="de-DE" dirty="0" err="1"/>
+              <a:t>main</a:t>
+            </a:r>
+            <a:r>
+              <a:rPr lang="en-CH"/>
+              <a:t>) </a:t>
+            </a:r>
+            <a:r>
+              <a:rPr lang="en-CH" dirty="0"/>
+              <a:t>if it makes more sense for you</a:t>
+            </a:r>
+          </a:p>
+          <a:p>
+            <a:r>
+              <a:rPr lang="en-CH" dirty="0"/>
+              <a:t>PR -&gt; Actions run</a:t>
+            </a:r>
+          </a:p>
+          <a:p>
+            <a:r>
+              <a:rPr lang="en-CH" dirty="0"/>
+              <a:t>Executed</a:t>
+            </a:r>
+            <a:r>
+              <a:rPr lang="en-CH"/>
+              <a:t>: </a:t>
+            </a:r>
+            <a:endParaRPr lang="de-DE" dirty="0"/>
+          </a:p>
+          <a:p>
+            <a:pPr lvl="1"/>
+            <a:r>
+              <a:rPr lang="en-CH"/>
+              <a:t>1</a:t>
+            </a:r>
+            <a:r>
+              <a:rPr lang="en-CH" dirty="0"/>
+              <a:t>) when pushed to branch, on branch current </a:t>
+            </a:r>
+            <a:r>
+              <a:rPr lang="en-CH"/>
+              <a:t>state </a:t>
+            </a:r>
+            <a:endParaRPr lang="de-DE" dirty="0"/>
+          </a:p>
+          <a:p>
+            <a:pPr lvl="1"/>
+            <a:r>
+              <a:rPr lang="en-CH"/>
+              <a:t>2</a:t>
+            </a:r>
+            <a:r>
+              <a:rPr lang="en-CH" dirty="0"/>
+              <a:t>) when PR is made, on PR branch final </a:t>
+            </a:r>
+            <a:r>
+              <a:rPr lang="en-CH"/>
+              <a:t>state </a:t>
+            </a:r>
+            <a:endParaRPr lang="de-DE" dirty="0"/>
+          </a:p>
+          <a:p>
+            <a:pPr lvl="1"/>
+            <a:r>
+              <a:rPr lang="en-CH"/>
+              <a:t>3</a:t>
+            </a:r>
+            <a:r>
+              <a:rPr lang="en-CH" dirty="0"/>
+              <a:t>) when merged to master (push), on the master+PR final status</a:t>
             </a:r>
           </a:p>
         </p:txBody>
@@ -4935,7 +5060,7 @@
           <p:cNvPr id="4" name="Date Placeholder 3">
             <a:extLst>
               <a:ext uri="{FF2B5EF4-FFF2-40B4-BE49-F238E27FC236}">
-                <a16:creationId xmlns:a16="http://schemas.microsoft.com/office/drawing/2014/main" id="{9EE323CB-7E09-7C4F-B160-F4B2E2E319F3}"/>
+                <a16:creationId xmlns:a16="http://schemas.microsoft.com/office/drawing/2014/main" id="{7394CC83-6E3D-F742-8F53-7736E40C9AA4}"/>
               </a:ext>
             </a:extLst>
           </p:cNvPr>
@@ -4964,7 +5089,7 @@
           <p:cNvPr id="5" name="Footer Placeholder 4">
             <a:extLst>
               <a:ext uri="{FF2B5EF4-FFF2-40B4-BE49-F238E27FC236}">
-                <a16:creationId xmlns:a16="http://schemas.microsoft.com/office/drawing/2014/main" id="{3453E2C3-64E5-E44E-8FAB-45D4F29AD119}"/>
+                <a16:creationId xmlns:a16="http://schemas.microsoft.com/office/drawing/2014/main" id="{D160849F-FCBE-794E-BA2F-348B46DAC22D}"/>
               </a:ext>
             </a:extLst>
           </p:cNvPr>
@@ -4991,7 +5116,7 @@
     </p:spTree>
     <p:extLst>
       <p:ext uri="{BB962C8B-B14F-4D97-AF65-F5344CB8AC3E}">
-        <p14:creationId xmlns:p14="http://schemas.microsoft.com/office/powerpoint/2010/main" val="2375245855"/>
+        <p14:creationId xmlns:p14="http://schemas.microsoft.com/office/powerpoint/2010/main" val="3061818551"/>
       </p:ext>
     </p:extLst>
   </p:cSld>
@@ -5020,6 +5145,150 @@
       </p:grpSpPr>
       <p:sp>
         <p:nvSpPr>
+          <p:cNvPr id="2" name="Title 1">
+            <a:extLst>
+              <a:ext uri="{FF2B5EF4-FFF2-40B4-BE49-F238E27FC236}">
+                <a16:creationId xmlns:a16="http://schemas.microsoft.com/office/drawing/2014/main" id="{061016C8-512C-EB4B-9D32-9CF4CB9D4F11}"/>
+              </a:ext>
+            </a:extLst>
+          </p:cNvPr>
+          <p:cNvSpPr>
+            <a:spLocks noGrp="1"/>
+          </p:cNvSpPr>
+          <p:nvPr>
+            <p:ph type="title"/>
+          </p:nvPr>
+        </p:nvSpPr>
+        <p:spPr/>
+        <p:txBody>
+          <a:bodyPr/>
+          <a:lstStyle/>
+          <a:p>
+            <a:r>
+              <a:rPr lang="en-CH" dirty="0"/>
+              <a:t>More advanced topics?</a:t>
+            </a:r>
+          </a:p>
+        </p:txBody>
+      </p:sp>
+      <p:sp>
+        <p:nvSpPr>
+          <p:cNvPr id="3" name="Content Placeholder 2">
+            <a:extLst>
+              <a:ext uri="{FF2B5EF4-FFF2-40B4-BE49-F238E27FC236}">
+                <a16:creationId xmlns:a16="http://schemas.microsoft.com/office/drawing/2014/main" id="{463079FE-7331-C647-815D-07795DC7ED3D}"/>
+              </a:ext>
+            </a:extLst>
+          </p:cNvPr>
+          <p:cNvSpPr>
+            <a:spLocks noGrp="1"/>
+          </p:cNvSpPr>
+          <p:nvPr>
+            <p:ph sz="quarter" idx="1"/>
+          </p:nvPr>
+        </p:nvSpPr>
+        <p:spPr/>
+        <p:txBody>
+          <a:bodyPr/>
+          <a:lstStyle/>
+          <a:p>
+            <a:r>
+              <a:rPr lang="en-CH" dirty="0"/>
+              <a:t>Security: be careful with passwords and other sensitive information (“secrets”) even on private repositories (needed e.g. to push a package to PyPi). Each CI system has a way to do it safely. In the repository you store a token that is linked to a GitHub account and the actual secret is store encrypted by GitHub. The secret is then decrypted at the moment of running the job and added as environment variable (double-check)</a:t>
+            </a:r>
+          </a:p>
+        </p:txBody>
+      </p:sp>
+      <p:sp>
+        <p:nvSpPr>
+          <p:cNvPr id="4" name="Date Placeholder 3">
+            <a:extLst>
+              <a:ext uri="{FF2B5EF4-FFF2-40B4-BE49-F238E27FC236}">
+                <a16:creationId xmlns:a16="http://schemas.microsoft.com/office/drawing/2014/main" id="{9EE323CB-7E09-7C4F-B160-F4B2E2E319F3}"/>
+              </a:ext>
+            </a:extLst>
+          </p:cNvPr>
+          <p:cNvSpPr>
+            <a:spLocks noGrp="1"/>
+          </p:cNvSpPr>
+          <p:nvPr>
+            <p:ph type="dt" sz="half" idx="10"/>
+          </p:nvPr>
+        </p:nvSpPr>
+        <p:spPr/>
+        <p:txBody>
+          <a:bodyPr/>
+          <a:lstStyle/>
+          <a:p>
+            <a:r>
+              <a:rPr lang="en-US" sz="1000"/>
+              <a:t>August 2019, CC BY-SA 4.0</a:t>
+            </a:r>
+            <a:endParaRPr lang="en-US" sz="1000" dirty="0"/>
+          </a:p>
+        </p:txBody>
+      </p:sp>
+      <p:sp>
+        <p:nvSpPr>
+          <p:cNvPr id="5" name="Footer Placeholder 4">
+            <a:extLst>
+              <a:ext uri="{FF2B5EF4-FFF2-40B4-BE49-F238E27FC236}">
+                <a16:creationId xmlns:a16="http://schemas.microsoft.com/office/drawing/2014/main" id="{3453E2C3-64E5-E44E-8FAB-45D4F29AD119}"/>
+              </a:ext>
+            </a:extLst>
+          </p:cNvPr>
+          <p:cNvSpPr>
+            <a:spLocks noGrp="1"/>
+          </p:cNvSpPr>
+          <p:nvPr>
+            <p:ph type="ftr" sz="quarter" idx="11"/>
+          </p:nvPr>
+        </p:nvSpPr>
+        <p:spPr/>
+        <p:txBody>
+          <a:bodyPr/>
+          <a:lstStyle/>
+          <a:p>
+            <a:r>
+              <a:rPr lang="en-US"/>
+              <a:t>Testing scientific code, v12.0</a:t>
+            </a:r>
+            <a:endParaRPr lang="en-US" dirty="0"/>
+          </a:p>
+        </p:txBody>
+      </p:sp>
+    </p:spTree>
+    <p:extLst>
+      <p:ext uri="{BB962C8B-B14F-4D97-AF65-F5344CB8AC3E}">
+        <p14:creationId xmlns:p14="http://schemas.microsoft.com/office/powerpoint/2010/main" val="2375245855"/>
+      </p:ext>
+    </p:extLst>
+  </p:cSld>
+  <p:clrMapOvr>
+    <a:masterClrMapping/>
+  </p:clrMapOvr>
+</p:sld>
+</file>
+
+<file path=ppt/slides/slide13.xml><?xml version="1.0" encoding="utf-8"?>
+<p:sld xmlns:a="http://schemas.openxmlformats.org/drawingml/2006/main" xmlns:r="http://schemas.openxmlformats.org/officeDocument/2006/relationships" xmlns:p="http://schemas.openxmlformats.org/presentationml/2006/main">
+  <p:cSld>
+    <p:spTree>
+      <p:nvGrpSpPr>
+        <p:cNvPr id="1" name=""/>
+        <p:cNvGrpSpPr/>
+        <p:nvPr/>
+      </p:nvGrpSpPr>
+      <p:grpSpPr>
+        <a:xfrm>
+          <a:off x="0" y="0"/>
+          <a:ext cx="0" cy="0"/>
+          <a:chOff x="0" y="0"/>
+          <a:chExt cx="0" cy="0"/>
+        </a:xfrm>
+      </p:grpSpPr>
+      <p:sp>
+        <p:nvSpPr>
           <p:cNvPr id="3" name="Date Placeholder 2"/>
           <p:cNvSpPr>
             <a:spLocks noGrp="1"/>
@@ -5100,7 +5369,7 @@
 </p:sld>
 </file>
 
-<file path=ppt/slides/slide13.xml><?xml version="1.0" encoding="utf-8"?>
+<file path=ppt/slides/slide14.xml><?xml version="1.0" encoding="utf-8"?>
 <p:sld xmlns:a="http://schemas.openxmlformats.org/drawingml/2006/main" xmlns:r="http://schemas.openxmlformats.org/officeDocument/2006/relationships" xmlns:p="http://schemas.openxmlformats.org/presentationml/2006/main">
   <p:cSld>
     <p:spTree>
@@ -5191,7 +5460,7 @@
           <p:cNvPr id="2" name="Title 1">
             <a:extLst>
               <a:ext uri="{FF2B5EF4-FFF2-40B4-BE49-F238E27FC236}">
-                <a16:creationId xmlns:a16="http://schemas.microsoft.com/office/drawing/2014/main" id="{849C4DE7-FDDA-9943-BF91-88CD85DFA84A}"/>
+                <a16:creationId xmlns:a16="http://schemas.microsoft.com/office/drawing/2014/main" id="{74FAFB2A-D26F-3648-9ACC-0C945867D509}"/>
               </a:ext>
             </a:extLst>
           </p:cNvPr>
@@ -5207,7 +5476,10 @@
           <a:bodyPr/>
           <a:lstStyle/>
           <a:p>
-            <a:endParaRPr lang="en-CH"/>
+            <a:r>
+              <a:rPr lang="en-CH" dirty="0"/>
+              <a:t>Topics</a:t>
+            </a:r>
           </a:p>
         </p:txBody>
       </p:sp>
@@ -5216,7 +5488,7 @@
           <p:cNvPr id="3" name="Content Placeholder 2">
             <a:extLst>
               <a:ext uri="{FF2B5EF4-FFF2-40B4-BE49-F238E27FC236}">
-                <a16:creationId xmlns:a16="http://schemas.microsoft.com/office/drawing/2014/main" id="{681FE9DF-4488-DF45-937D-CBAFBDB114B8}"/>
+                <a16:creationId xmlns:a16="http://schemas.microsoft.com/office/drawing/2014/main" id="{D1748B23-D002-AC42-BEAB-62C2B74F2CC0}"/>
               </a:ext>
             </a:extLst>
           </p:cNvPr>
@@ -5229,13 +5501,90 @@
         </p:nvSpPr>
         <p:spPr/>
         <p:txBody>
-          <a:bodyPr/>
+          <a:bodyPr>
+            <a:normAutofit fontScale="92500" lnSpcReduction="10000"/>
+          </a:bodyPr>
           <a:lstStyle/>
           <a:p>
             <a:r>
               <a:rPr lang="en-CH" dirty="0"/>
-              <a:t>I just made a mind dump so far</a:t>
-            </a:r>
+              <a:t>What is it, why</a:t>
+            </a:r>
+          </a:p>
+          <a:p>
+            <a:pPr lvl="1"/>
+            <a:r>
+              <a:rPr lang="en-CH" dirty="0"/>
+              <a:t>automatize non-coding-related tasks</a:t>
+            </a:r>
+          </a:p>
+          <a:p>
+            <a:pPr lvl="1"/>
+            <a:r>
+              <a:rPr lang="en-CH" dirty="0"/>
+              <a:t>“it worked on my machine”</a:t>
+            </a:r>
+          </a:p>
+          <a:p>
+            <a:r>
+              <a:rPr lang="en-CH" dirty="0"/>
+              <a:t>Concepts: events, CI server, virtual machine, jobs</a:t>
+            </a:r>
+          </a:p>
+          <a:p>
+            <a:r>
+              <a:rPr lang="en-CH" dirty="0"/>
+              <a:t>Examples of most typical jobs</a:t>
+            </a:r>
+          </a:p>
+          <a:p>
+            <a:r>
+              <a:rPr lang="en-CH" dirty="0"/>
+              <a:t>Options: Travis CI, Circle CI, Github Actions</a:t>
+            </a:r>
+          </a:p>
+          <a:p>
+            <a:r>
+              <a:rPr lang="en-CH" dirty="0"/>
+              <a:t>Github Actions</a:t>
+            </a:r>
+          </a:p>
+          <a:p>
+            <a:pPr lvl="1"/>
+            <a:r>
+              <a:rPr lang="en-CH" dirty="0"/>
+              <a:t>architecture</a:t>
+            </a:r>
+          </a:p>
+          <a:p>
+            <a:pPr lvl="1"/>
+            <a:r>
+              <a:rPr lang="en-CH" dirty="0"/>
+              <a:t>demonstration and how to debug</a:t>
+            </a:r>
+          </a:p>
+          <a:p>
+            <a:pPr lvl="1"/>
+            <a:r>
+              <a:rPr lang="en-CH" dirty="0"/>
+              <a:t>exercise</a:t>
+            </a:r>
+          </a:p>
+          <a:p>
+            <a:pPr lvl="1"/>
+            <a:r>
+              <a:rPr lang="en-CH" dirty="0"/>
+              <a:t>security: workflow is not executed on first-time commits from branches</a:t>
+            </a:r>
+          </a:p>
+          <a:p>
+            <a:r>
+              <a:rPr lang="en-CH" dirty="0"/>
+              <a:t>Security topics: secrets (just mention)</a:t>
+            </a:r>
+          </a:p>
+          <a:p>
+            <a:endParaRPr lang="en-CH" dirty="0"/>
           </a:p>
         </p:txBody>
       </p:sp>
@@ -5244,7 +5593,7 @@
           <p:cNvPr id="4" name="Date Placeholder 3">
             <a:extLst>
               <a:ext uri="{FF2B5EF4-FFF2-40B4-BE49-F238E27FC236}">
-                <a16:creationId xmlns:a16="http://schemas.microsoft.com/office/drawing/2014/main" id="{05C48504-7183-A64D-82EE-3521E6B67BB3}"/>
+                <a16:creationId xmlns:a16="http://schemas.microsoft.com/office/drawing/2014/main" id="{E74925CE-05A2-3549-9CB0-B7F21222958D}"/>
               </a:ext>
             </a:extLst>
           </p:cNvPr>
@@ -5273,7 +5622,7 @@
           <p:cNvPr id="5" name="Footer Placeholder 4">
             <a:extLst>
               <a:ext uri="{FF2B5EF4-FFF2-40B4-BE49-F238E27FC236}">
-                <a16:creationId xmlns:a16="http://schemas.microsoft.com/office/drawing/2014/main" id="{F2B58AB4-DE38-A942-9C0D-DE54006E8C9E}"/>
+                <a16:creationId xmlns:a16="http://schemas.microsoft.com/office/drawing/2014/main" id="{3C08F752-A120-1F40-8C6F-85F7D166FCC6}"/>
               </a:ext>
             </a:extLst>
           </p:cNvPr>
@@ -5300,7 +5649,7 @@
     </p:spTree>
     <p:extLst>
       <p:ext uri="{BB962C8B-B14F-4D97-AF65-F5344CB8AC3E}">
-        <p14:creationId xmlns:p14="http://schemas.microsoft.com/office/powerpoint/2010/main" val="2445880835"/>
+        <p14:creationId xmlns:p14="http://schemas.microsoft.com/office/powerpoint/2010/main" val="4210066346"/>
       </p:ext>
     </p:extLst>
   </p:cSld>
@@ -5332,7 +5681,7 @@
           <p:cNvPr id="2" name="Title 1">
             <a:extLst>
               <a:ext uri="{FF2B5EF4-FFF2-40B4-BE49-F238E27FC236}">
-                <a16:creationId xmlns:a16="http://schemas.microsoft.com/office/drawing/2014/main" id="{74FAFB2A-D26F-3648-9ACC-0C945867D509}"/>
+                <a16:creationId xmlns:a16="http://schemas.microsoft.com/office/drawing/2014/main" id="{4993AE45-A766-0F4D-9D65-D692ECB4ED00}"/>
               </a:ext>
             </a:extLst>
           </p:cNvPr>
@@ -5350,7 +5699,7 @@
           <a:p>
             <a:r>
               <a:rPr lang="en-CH" dirty="0"/>
-              <a:t>Topics</a:t>
+              <a:t>Continuous Integration</a:t>
             </a:r>
           </a:p>
         </p:txBody>
@@ -5360,7 +5709,7 @@
           <p:cNvPr id="3" name="Content Placeholder 2">
             <a:extLst>
               <a:ext uri="{FF2B5EF4-FFF2-40B4-BE49-F238E27FC236}">
-                <a16:creationId xmlns:a16="http://schemas.microsoft.com/office/drawing/2014/main" id="{D1748B23-D002-AC42-BEAB-62C2B74F2CC0}"/>
+                <a16:creationId xmlns:a16="http://schemas.microsoft.com/office/drawing/2014/main" id="{993A7968-BAB0-2A48-B1DC-9A91DE873775}"/>
               </a:ext>
             </a:extLst>
           </p:cNvPr>
@@ -5373,90 +5722,97 @@
         </p:nvSpPr>
         <p:spPr/>
         <p:txBody>
-          <a:bodyPr>
-            <a:normAutofit fontScale="92500" lnSpcReduction="10000"/>
-          </a:bodyPr>
+          <a:bodyPr/>
           <a:lstStyle/>
           <a:p>
             <a:r>
               <a:rPr lang="en-CH" dirty="0"/>
-              <a:t>What is it, why</a:t>
+              <a:t>Merging the code of multiple contributor often, multiple times a day (originally this was a challenge, there was a person who was in charge of merging things on the main branch). Now merging is peanuts</a:t>
+            </a:r>
+          </a:p>
+          <a:p>
+            <a:r>
+              <a:rPr lang="en-CH" dirty="0"/>
+              <a:t>Today it’s a set of tools and practices to make sure that a project with many contributors (&gt;= 1) runs smoothly</a:t>
             </a:r>
           </a:p>
           <a:p>
             <a:pPr lvl="1"/>
             <a:r>
               <a:rPr lang="en-CH" dirty="0"/>
-              <a:t>automatize non-coding-related tasks</a:t>
+              <a:t>Automatize the non-coding tasks</a:t>
+            </a:r>
+            <a:r>
+              <a:rPr lang="en-CH"/>
+              <a:t>: </a:t>
+            </a:r>
+            <a:endParaRPr lang="de-DE" dirty="0"/>
+          </a:p>
+          <a:p>
+            <a:pPr lvl="2"/>
+            <a:r>
+              <a:rPr lang="en-CH"/>
+              <a:t>making </a:t>
+            </a:r>
+            <a:r>
+              <a:rPr lang="en-CH" dirty="0"/>
+              <a:t>sure that the tests </a:t>
+            </a:r>
+            <a:r>
+              <a:rPr lang="en-CH"/>
+              <a:t>always pass</a:t>
+            </a:r>
+            <a:endParaRPr lang="de-DE" dirty="0"/>
+          </a:p>
+          <a:p>
+            <a:pPr lvl="2"/>
+            <a:r>
+              <a:rPr lang="en-CH"/>
+              <a:t>check </a:t>
+            </a:r>
+            <a:r>
+              <a:rPr lang="en-CH" dirty="0"/>
+              <a:t>for </a:t>
+            </a:r>
+            <a:r>
+              <a:rPr lang="en-CH"/>
+              <a:t>style consistency</a:t>
+            </a:r>
+            <a:endParaRPr lang="de-DE" dirty="0"/>
+          </a:p>
+          <a:p>
+            <a:pPr lvl="2"/>
+            <a:r>
+              <a:rPr lang="en-CH"/>
+              <a:t>build </a:t>
+            </a:r>
+            <a:r>
+              <a:rPr lang="en-CH" dirty="0"/>
+              <a:t>packages for distribution on </a:t>
+            </a:r>
+            <a:r>
+              <a:rPr lang="en-CH"/>
+              <a:t>multiple architectures</a:t>
+            </a:r>
+            <a:endParaRPr lang="de-DE" dirty="0"/>
+          </a:p>
+          <a:p>
+            <a:pPr lvl="2"/>
+            <a:r>
+              <a:rPr lang="en-CH"/>
+              <a:t>build </a:t>
+            </a:r>
+            <a:r>
+              <a:rPr lang="en-CH" dirty="0"/>
+              <a:t>documentation</a:t>
             </a:r>
           </a:p>
           <a:p>
             <a:pPr lvl="1"/>
             <a:r>
               <a:rPr lang="en-CH" dirty="0"/>
-              <a:t>“it worked on my machine”</a:t>
-            </a:r>
-          </a:p>
-          <a:p>
-            <a:r>
-              <a:rPr lang="en-CH" dirty="0"/>
-              <a:t>Concepts: events, CI server, virtual machine, jobs</a:t>
-            </a:r>
-          </a:p>
-          <a:p>
-            <a:r>
-              <a:rPr lang="en-CH" dirty="0"/>
-              <a:t>Examples of most typical jobs</a:t>
-            </a:r>
-          </a:p>
-          <a:p>
-            <a:r>
-              <a:rPr lang="en-CH" dirty="0"/>
-              <a:t>Options: Travis CI, Circle CI, Github Actions</a:t>
-            </a:r>
-          </a:p>
-          <a:p>
-            <a:r>
-              <a:rPr lang="en-CH" dirty="0"/>
-              <a:t>Github Actions</a:t>
-            </a:r>
-          </a:p>
-          <a:p>
-            <a:pPr lvl="1"/>
-            <a:r>
-              <a:rPr lang="en-CH" dirty="0"/>
-              <a:t>architecture</a:t>
-            </a:r>
-          </a:p>
-          <a:p>
-            <a:pPr lvl="1"/>
-            <a:r>
-              <a:rPr lang="en-CH" dirty="0"/>
-              <a:t>demonstration and how to debug</a:t>
-            </a:r>
-          </a:p>
-          <a:p>
-            <a:pPr lvl="1"/>
-            <a:r>
-              <a:rPr lang="en-CH" dirty="0"/>
-              <a:t>exercise</a:t>
-            </a:r>
-          </a:p>
-          <a:p>
-            <a:pPr lvl="1"/>
-            <a:r>
-              <a:rPr lang="en-CH" dirty="0"/>
-              <a:t>security: workflow is not executed on first-time commits from branches</a:t>
-            </a:r>
-          </a:p>
-          <a:p>
-            <a:r>
-              <a:rPr lang="en-CH" dirty="0"/>
-              <a:t>Security topics: secrets (just mention)</a:t>
-            </a:r>
-          </a:p>
-          <a:p>
-            <a:endParaRPr lang="en-CH" dirty="0"/>
+              <a:t>Solves the “it works on my machine” problem</a:t>
+            </a:r>
           </a:p>
         </p:txBody>
       </p:sp>
@@ -5465,7 +5821,7 @@
           <p:cNvPr id="4" name="Date Placeholder 3">
             <a:extLst>
               <a:ext uri="{FF2B5EF4-FFF2-40B4-BE49-F238E27FC236}">
-                <a16:creationId xmlns:a16="http://schemas.microsoft.com/office/drawing/2014/main" id="{E74925CE-05A2-3549-9CB0-B7F21222958D}"/>
+                <a16:creationId xmlns:a16="http://schemas.microsoft.com/office/drawing/2014/main" id="{BB7DFD63-E8DE-9344-BDD0-A143F8BD67AC}"/>
               </a:ext>
             </a:extLst>
           </p:cNvPr>
@@ -5494,7 +5850,7 @@
           <p:cNvPr id="5" name="Footer Placeholder 4">
             <a:extLst>
               <a:ext uri="{FF2B5EF4-FFF2-40B4-BE49-F238E27FC236}">
-                <a16:creationId xmlns:a16="http://schemas.microsoft.com/office/drawing/2014/main" id="{3C08F752-A120-1F40-8C6F-85F7D166FCC6}"/>
+                <a16:creationId xmlns:a16="http://schemas.microsoft.com/office/drawing/2014/main" id="{5138C878-C3D9-AC4C-BDD7-9EFA39DFB1A1}"/>
               </a:ext>
             </a:extLst>
           </p:cNvPr>
@@ -5521,7 +5877,7 @@
     </p:spTree>
     <p:extLst>
       <p:ext uri="{BB962C8B-B14F-4D97-AF65-F5344CB8AC3E}">
-        <p14:creationId xmlns:p14="http://schemas.microsoft.com/office/powerpoint/2010/main" val="4210066346"/>
+        <p14:creationId xmlns:p14="http://schemas.microsoft.com/office/powerpoint/2010/main" val="1572891354"/>
       </p:ext>
     </p:extLst>
   </p:cSld>
@@ -5570,57 +5926,10 @@
           <a:lstStyle/>
           <a:p>
             <a:r>
-              <a:rPr lang="en-CH" dirty="0"/>
-              <a:t>Continuous Integration</a:t>
-            </a:r>
-          </a:p>
-        </p:txBody>
-      </p:sp>
-      <p:sp>
-        <p:nvSpPr>
-          <p:cNvPr id="3" name="Content Placeholder 2">
-            <a:extLst>
-              <a:ext uri="{FF2B5EF4-FFF2-40B4-BE49-F238E27FC236}">
-                <a16:creationId xmlns:a16="http://schemas.microsoft.com/office/drawing/2014/main" id="{993A7968-BAB0-2A48-B1DC-9A91DE873775}"/>
-              </a:ext>
-            </a:extLst>
-          </p:cNvPr>
-          <p:cNvSpPr>
-            <a:spLocks noGrp="1"/>
-          </p:cNvSpPr>
-          <p:nvPr>
-            <p:ph sz="quarter" idx="1"/>
-          </p:nvPr>
-        </p:nvSpPr>
-        <p:spPr/>
-        <p:txBody>
-          <a:bodyPr/>
-          <a:lstStyle/>
-          <a:p>
-            <a:r>
-              <a:rPr lang="en-CH" dirty="0"/>
-              <a:t>Merging the code of multiple contributor often, multiple times a day (originally this was a challenge, there was a person who was in charge of merging things on the main branch). Now merging is peanuts</a:t>
-            </a:r>
-          </a:p>
-          <a:p>
-            <a:r>
-              <a:rPr lang="en-CH" dirty="0"/>
-              <a:t>Today it’s a set of tools and practices to make sure that a project with many contributors (&gt;= 1) runs smoothly</a:t>
-            </a:r>
-          </a:p>
-          <a:p>
-            <a:pPr lvl="1"/>
-            <a:r>
-              <a:rPr lang="en-CH" dirty="0"/>
-              <a:t>Automatize the non-coding tasks: making sure that the tests always pass, check for style consistency, build packages for distribution on multiple architectures, build documentation</a:t>
-            </a:r>
-          </a:p>
-          <a:p>
-            <a:pPr lvl="1"/>
-            <a:r>
-              <a:rPr lang="en-CH" dirty="0"/>
-              <a:t>Solves the “it works on my machine” problem</a:t>
-            </a:r>
+              <a:rPr lang="de-DE" dirty="0" err="1"/>
+              <a:t>Concepts</a:t>
+            </a:r>
+            <a:endParaRPr lang="en-CH" dirty="0"/>
           </a:p>
         </p:txBody>
       </p:sp>
@@ -5682,10 +5991,46 @@
           </a:p>
         </p:txBody>
       </p:sp>
+      <p:pic>
+        <p:nvPicPr>
+          <p:cNvPr id="12" name="Picture 11" descr="Diagram&#10;&#10;Description automatically generated">
+            <a:extLst>
+              <a:ext uri="{FF2B5EF4-FFF2-40B4-BE49-F238E27FC236}">
+                <a16:creationId xmlns:a16="http://schemas.microsoft.com/office/drawing/2014/main" id="{B9839AC5-96DD-7443-A9BF-6572C7FD7E9A}"/>
+              </a:ext>
+            </a:extLst>
+          </p:cNvPr>
+          <p:cNvPicPr>
+            <a:picLocks noChangeAspect="1"/>
+          </p:cNvPicPr>
+          <p:nvPr/>
+        </p:nvPicPr>
+        <p:blipFill>
+          <a:blip r:embed="rId2">
+            <a:extLst>
+              <a:ext uri="{28A0092B-C50C-407E-A947-70E740481C1C}">
+                <a14:useLocalDpi xmlns:a14="http://schemas.microsoft.com/office/drawing/2010/main" val="0"/>
+              </a:ext>
+            </a:extLst>
+          </a:blip>
+          <a:stretch>
+            <a:fillRect/>
+          </a:stretch>
+        </p:blipFill>
+        <p:spPr>
+          <a:xfrm>
+            <a:off x="1403648" y="1020262"/>
+            <a:ext cx="7452320" cy="5468742"/>
+          </a:xfrm>
+          <a:prstGeom prst="rect">
+            <a:avLst/>
+          </a:prstGeom>
+        </p:spPr>
+      </p:pic>
     </p:spTree>
     <p:extLst>
       <p:ext uri="{BB962C8B-B14F-4D97-AF65-F5344CB8AC3E}">
-        <p14:creationId xmlns:p14="http://schemas.microsoft.com/office/powerpoint/2010/main" val="1572891354"/>
+        <p14:creationId xmlns:p14="http://schemas.microsoft.com/office/powerpoint/2010/main" val="3314637399"/>
       </p:ext>
     </p:extLst>
   </p:cSld>
@@ -5714,10 +6059,10 @@
       </p:grpSpPr>
       <p:sp>
         <p:nvSpPr>
-          <p:cNvPr id="4" name="Date Placeholder 3">
+          <p:cNvPr id="4" name="Title 3">
             <a:extLst>
               <a:ext uri="{FF2B5EF4-FFF2-40B4-BE49-F238E27FC236}">
-                <a16:creationId xmlns:a16="http://schemas.microsoft.com/office/drawing/2014/main" id="{762BB4C5-BE42-A94F-AD1F-06AEC4D47395}"/>
+                <a16:creationId xmlns:a16="http://schemas.microsoft.com/office/drawing/2014/main" id="{592155F5-347D-644E-89FD-C442F979301F}"/>
               </a:ext>
             </a:extLst>
           </p:cNvPr>
@@ -5725,28 +6070,27 @@
             <a:spLocks noGrp="1"/>
           </p:cNvSpPr>
           <p:nvPr>
-            <p:ph type="dt" sz="half" idx="10"/>
-          </p:nvPr>
-        </p:nvSpPr>
-        <p:spPr/>
-        <p:txBody>
-          <a:bodyPr/>
-          <a:lstStyle/>
-          <a:p>
-            <a:r>
-              <a:rPr lang="en-US" sz="1000"/>
-              <a:t>August 2019, CC BY-SA 4.0</a:t>
-            </a:r>
-            <a:endParaRPr lang="en-US" sz="1000" dirty="0"/>
-          </a:p>
-        </p:txBody>
-      </p:sp>
-      <p:sp>
-        <p:nvSpPr>
-          <p:cNvPr id="5" name="Footer Placeholder 4">
+            <p:ph type="title"/>
+          </p:nvPr>
+        </p:nvSpPr>
+        <p:spPr/>
+        <p:txBody>
+          <a:bodyPr/>
+          <a:lstStyle/>
+          <a:p>
+            <a:r>
+              <a:rPr lang="en-CH" dirty="0"/>
+              <a:t>The examples that you’ll find 95% of the time</a:t>
+            </a:r>
+          </a:p>
+        </p:txBody>
+      </p:sp>
+      <p:sp>
+        <p:nvSpPr>
+          <p:cNvPr id="5" name="Content Placeholder 4">
             <a:extLst>
               <a:ext uri="{FF2B5EF4-FFF2-40B4-BE49-F238E27FC236}">
-                <a16:creationId xmlns:a16="http://schemas.microsoft.com/office/drawing/2014/main" id="{5E600F7B-FDF6-2648-B3D5-595FFCA9A99E}"/>
+                <a16:creationId xmlns:a16="http://schemas.microsoft.com/office/drawing/2014/main" id="{1C2B1E13-5423-2E41-AA60-63C74E3BAE73}"/>
               </a:ext>
             </a:extLst>
           </p:cNvPr>
@@ -5754,28 +6098,78 @@
             <a:spLocks noGrp="1"/>
           </p:cNvSpPr>
           <p:nvPr>
-            <p:ph type="ftr" sz="quarter" idx="11"/>
-          </p:nvPr>
-        </p:nvSpPr>
-        <p:spPr/>
-        <p:txBody>
-          <a:bodyPr/>
-          <a:lstStyle/>
-          <a:p>
-            <a:r>
-              <a:rPr lang="en-US"/>
-              <a:t>Testing scientific code, v12.0</a:t>
-            </a:r>
-            <a:endParaRPr lang="en-US" dirty="0"/>
-          </a:p>
-        </p:txBody>
-      </p:sp>
-      <p:sp>
-        <p:nvSpPr>
-          <p:cNvPr id="2" name="Title 1">
+            <p:ph sz="quarter" idx="1"/>
+          </p:nvPr>
+        </p:nvSpPr>
+        <p:spPr/>
+        <p:txBody>
+          <a:bodyPr/>
+          <a:lstStyle/>
+          <a:p>
+            <a:r>
+              <a:rPr lang="en-CH" dirty="0"/>
+              <a:t>Event: PR is created or a commit is pushed to master</a:t>
+            </a:r>
+            <a:br>
+              <a:rPr lang="en-CH" dirty="0"/>
+            </a:br>
+            <a:r>
+              <a:rPr lang="en-CH" dirty="0"/>
+              <a:t>Tasks:</a:t>
+            </a:r>
+          </a:p>
+          <a:p>
+            <a:pPr lvl="1"/>
+            <a:r>
+              <a:rPr lang="en-CH" dirty="0"/>
+              <a:t>Run all tests</a:t>
+            </a:r>
+          </a:p>
+          <a:p>
+            <a:pPr lvl="1"/>
+            <a:r>
+              <a:rPr lang="en-CH" dirty="0"/>
+              <a:t>(Verify code coverage)</a:t>
+            </a:r>
+          </a:p>
+          <a:p>
+            <a:pPr lvl="1"/>
+            <a:r>
+              <a:rPr lang="en-CH" dirty="0"/>
+              <a:t>(Check code style)</a:t>
+            </a:r>
+          </a:p>
+          <a:p>
+            <a:r>
+              <a:rPr lang="en-CH" dirty="0"/>
+              <a:t>Event: Repostory is tagged in a certain way</a:t>
+            </a:r>
+          </a:p>
+          <a:p>
+            <a:pPr lvl="1"/>
+            <a:r>
+              <a:rPr lang="en-CH" dirty="0"/>
+              <a:t>Create binary packages for Linux, Mac, Windows and upload them to a package repository</a:t>
+            </a:r>
+          </a:p>
+          <a:p>
+            <a:pPr lvl="1"/>
+            <a:r>
+              <a:rPr lang="en-CH" dirty="0"/>
+              <a:t>Build the documentaion</a:t>
+            </a:r>
+          </a:p>
+          <a:p>
+            <a:endParaRPr lang="en-CH" dirty="0"/>
+          </a:p>
+        </p:txBody>
+      </p:sp>
+      <p:sp>
+        <p:nvSpPr>
+          <p:cNvPr id="2" name="Date Placeholder 1">
             <a:extLst>
               <a:ext uri="{FF2B5EF4-FFF2-40B4-BE49-F238E27FC236}">
-                <a16:creationId xmlns:a16="http://schemas.microsoft.com/office/drawing/2014/main" id="{0932E7A4-429B-F246-AD4A-BD3595AA5D88}"/>
+                <a16:creationId xmlns:a16="http://schemas.microsoft.com/office/drawing/2014/main" id="{6A4B685F-95E0-7E43-B6D9-301502E8D040}"/>
               </a:ext>
             </a:extLst>
           </p:cNvPr>
@@ -5783,392 +6177,45 @@
             <a:spLocks noGrp="1"/>
           </p:cNvSpPr>
           <p:nvPr>
-            <p:ph type="title" idx="4294967295"/>
-          </p:nvPr>
-        </p:nvSpPr>
-        <p:spPr>
-          <a:xfrm>
-            <a:off x="0" y="152400"/>
-            <a:ext cx="8229600" cy="990600"/>
-          </a:xfrm>
-        </p:spPr>
-        <p:txBody>
-          <a:bodyPr/>
-          <a:lstStyle/>
-          <a:p>
-            <a:r>
-              <a:rPr lang="en-CH" dirty="0"/>
-              <a:t>Concepts</a:t>
-            </a:r>
-          </a:p>
-        </p:txBody>
-      </p:sp>
-      <p:grpSp>
-        <p:nvGrpSpPr>
-          <p:cNvPr id="10" name="Group 9">
+            <p:ph type="dt" sz="half" idx="10"/>
+          </p:nvPr>
+        </p:nvSpPr>
+        <p:spPr/>
+        <p:txBody>
+          <a:bodyPr/>
+          <a:lstStyle/>
+          <a:p>
+            <a:r>
+              <a:rPr lang="en-US"/>
+              <a:t>August 2019, CC BY-SA 4.0</a:t>
+            </a:r>
+          </a:p>
+        </p:txBody>
+      </p:sp>
+      <p:sp>
+        <p:nvSpPr>
+          <p:cNvPr id="3" name="Footer Placeholder 2">
             <a:extLst>
               <a:ext uri="{FF2B5EF4-FFF2-40B4-BE49-F238E27FC236}">
-                <a16:creationId xmlns:a16="http://schemas.microsoft.com/office/drawing/2014/main" id="{11522B59-99EF-F446-BF21-117411574FED}"/>
+                <a16:creationId xmlns:a16="http://schemas.microsoft.com/office/drawing/2014/main" id="{9A09B552-3415-3C4E-86C4-1D04C278AD4E}"/>
               </a:ext>
             </a:extLst>
           </p:cNvPr>
-          <p:cNvGrpSpPr/>
-          <p:nvPr/>
-        </p:nvGrpSpPr>
-        <p:grpSpPr>
-          <a:xfrm>
-            <a:off x="827584" y="1700808"/>
-            <a:ext cx="1224136" cy="1080120"/>
-            <a:chOff x="827584" y="1700808"/>
-            <a:chExt cx="1224136" cy="1080120"/>
-          </a:xfrm>
-        </p:grpSpPr>
-        <p:sp>
-          <p:nvSpPr>
-            <p:cNvPr id="7" name="Rectangle 6">
-              <a:extLst>
-                <a:ext uri="{FF2B5EF4-FFF2-40B4-BE49-F238E27FC236}">
-                  <a16:creationId xmlns:a16="http://schemas.microsoft.com/office/drawing/2014/main" id="{78FD121C-74C1-704B-96AC-823D2AECBE59}"/>
-                </a:ext>
-              </a:extLst>
-            </p:cNvPr>
-            <p:cNvSpPr/>
-            <p:nvPr/>
-          </p:nvSpPr>
-          <p:spPr>
-            <a:xfrm>
-              <a:off x="827584" y="1700808"/>
-              <a:ext cx="1224136" cy="1080120"/>
-            </a:xfrm>
-            <a:prstGeom prst="rect">
-              <a:avLst/>
-            </a:prstGeom>
-          </p:spPr>
-          <p:style>
-            <a:lnRef idx="2">
-              <a:schemeClr val="accent1">
-                <a:shade val="50000"/>
-              </a:schemeClr>
-            </a:lnRef>
-            <a:fillRef idx="1">
-              <a:schemeClr val="accent1"/>
-            </a:fillRef>
-            <a:effectRef idx="0">
-              <a:schemeClr val="accent1"/>
-            </a:effectRef>
-            <a:fontRef idx="minor">
-              <a:schemeClr val="lt1"/>
-            </a:fontRef>
-          </p:style>
-          <p:txBody>
-            <a:bodyPr rtlCol="0" anchor="t"/>
-            <a:lstStyle/>
-            <a:p>
-              <a:r>
-                <a:rPr lang="en-CH" dirty="0"/>
-                <a:t>Project</a:t>
-              </a:r>
-            </a:p>
-          </p:txBody>
-        </p:sp>
-        <p:sp>
-          <p:nvSpPr>
-            <p:cNvPr id="8" name="TextBox 7">
-              <a:extLst>
-                <a:ext uri="{FF2B5EF4-FFF2-40B4-BE49-F238E27FC236}">
-                  <a16:creationId xmlns:a16="http://schemas.microsoft.com/office/drawing/2014/main" id="{60ABB111-D4D3-804A-8676-83F1AD8D3001}"/>
-                </a:ext>
-              </a:extLst>
-            </p:cNvPr>
-            <p:cNvSpPr txBox="1"/>
-            <p:nvPr/>
-          </p:nvSpPr>
-          <p:spPr>
-            <a:xfrm>
-              <a:off x="1043608" y="2204864"/>
-              <a:ext cx="936104" cy="523220"/>
-            </a:xfrm>
-            <a:prstGeom prst="rect">
-              <a:avLst/>
-            </a:prstGeom>
-            <a:solidFill>
-              <a:schemeClr val="bg2">
-                <a:lumMod val="75000"/>
-              </a:schemeClr>
-            </a:solidFill>
-          </p:spPr>
-          <p:txBody>
-            <a:bodyPr wrap="square" rtlCol="0">
-              <a:spAutoFit/>
-            </a:bodyPr>
-            <a:lstStyle/>
-            <a:p>
-              <a:r>
-                <a:rPr lang="en-CH" sz="1400" dirty="0"/>
-                <a:t>CI config file</a:t>
-              </a:r>
-            </a:p>
-          </p:txBody>
-        </p:sp>
-      </p:grpSp>
-      <p:sp>
-        <p:nvSpPr>
-          <p:cNvPr id="11" name="Right Arrow 10">
-            <a:extLst>
-              <a:ext uri="{FF2B5EF4-FFF2-40B4-BE49-F238E27FC236}">
-                <a16:creationId xmlns:a16="http://schemas.microsoft.com/office/drawing/2014/main" id="{7A0AE462-7EEA-5F48-AE99-16D88151F0FB}"/>
-              </a:ext>
-            </a:extLst>
-          </p:cNvPr>
-          <p:cNvSpPr/>
-          <p:nvPr/>
-        </p:nvSpPr>
-        <p:spPr>
-          <a:xfrm>
-            <a:off x="2483768" y="2060848"/>
-            <a:ext cx="936104" cy="360040"/>
-          </a:xfrm>
-          <a:prstGeom prst="rightArrow">
-            <a:avLst/>
-          </a:prstGeom>
-        </p:spPr>
-        <p:style>
-          <a:lnRef idx="2">
-            <a:schemeClr val="accent1">
-              <a:shade val="50000"/>
-            </a:schemeClr>
-          </a:lnRef>
-          <a:fillRef idx="1">
-            <a:schemeClr val="accent1"/>
-          </a:fillRef>
-          <a:effectRef idx="0">
-            <a:schemeClr val="accent1"/>
-          </a:effectRef>
-          <a:fontRef idx="minor">
-            <a:schemeClr val="lt1"/>
-          </a:fontRef>
-        </p:style>
-        <p:txBody>
-          <a:bodyPr rtlCol="0" anchor="ctr"/>
-          <a:lstStyle/>
-          <a:p>
-            <a:pPr algn="ctr"/>
-            <a:endParaRPr lang="en-CH"/>
-          </a:p>
-        </p:txBody>
-      </p:sp>
-      <p:sp>
-        <p:nvSpPr>
-          <p:cNvPr id="12" name="TextBox 11">
-            <a:extLst>
-              <a:ext uri="{FF2B5EF4-FFF2-40B4-BE49-F238E27FC236}">
-                <a16:creationId xmlns:a16="http://schemas.microsoft.com/office/drawing/2014/main" id="{579BB1BD-42D5-694C-B142-15D96C4E1D66}"/>
-              </a:ext>
-            </a:extLst>
-          </p:cNvPr>
-          <p:cNvSpPr txBox="1"/>
-          <p:nvPr/>
-        </p:nvSpPr>
-        <p:spPr>
-          <a:xfrm>
-            <a:off x="2483768" y="1556792"/>
-            <a:ext cx="864096" cy="369332"/>
-          </a:xfrm>
-          <a:prstGeom prst="rect">
-            <a:avLst/>
-          </a:prstGeom>
-          <a:noFill/>
-        </p:spPr>
-        <p:txBody>
-          <a:bodyPr wrap="square" rtlCol="0">
-            <a:spAutoFit/>
-          </a:bodyPr>
-          <a:lstStyle/>
-          <a:p>
-            <a:r>
-              <a:rPr lang="en-CH" sz="1800" dirty="0"/>
-              <a:t>events</a:t>
-            </a:r>
-          </a:p>
-        </p:txBody>
-      </p:sp>
-      <p:grpSp>
-        <p:nvGrpSpPr>
-          <p:cNvPr id="13" name="Group 12">
-            <a:extLst>
-              <a:ext uri="{FF2B5EF4-FFF2-40B4-BE49-F238E27FC236}">
-                <a16:creationId xmlns:a16="http://schemas.microsoft.com/office/drawing/2014/main" id="{CF5A89CA-25FF-224F-8E38-2446E5D1027E}"/>
-              </a:ext>
-            </a:extLst>
-          </p:cNvPr>
-          <p:cNvGrpSpPr/>
-          <p:nvPr/>
-        </p:nvGrpSpPr>
-        <p:grpSpPr>
-          <a:xfrm>
-            <a:off x="4283968" y="1700808"/>
-            <a:ext cx="2736304" cy="3168352"/>
-            <a:chOff x="827584" y="1700808"/>
-            <a:chExt cx="1224136" cy="1080120"/>
-          </a:xfrm>
-        </p:grpSpPr>
-        <p:sp>
-          <p:nvSpPr>
-            <p:cNvPr id="14" name="Rectangle 13">
-              <a:extLst>
-                <a:ext uri="{FF2B5EF4-FFF2-40B4-BE49-F238E27FC236}">
-                  <a16:creationId xmlns:a16="http://schemas.microsoft.com/office/drawing/2014/main" id="{29527712-E2AB-554F-97BD-0A96B38E2B6C}"/>
-                </a:ext>
-              </a:extLst>
-            </p:cNvPr>
-            <p:cNvSpPr/>
-            <p:nvPr/>
-          </p:nvSpPr>
-          <p:spPr>
-            <a:xfrm>
-              <a:off x="827584" y="1700808"/>
-              <a:ext cx="1224136" cy="1080120"/>
-            </a:xfrm>
-            <a:prstGeom prst="rect">
-              <a:avLst/>
-            </a:prstGeom>
-          </p:spPr>
-          <p:style>
-            <a:lnRef idx="2">
-              <a:schemeClr val="accent1">
-                <a:shade val="50000"/>
-              </a:schemeClr>
-            </a:lnRef>
-            <a:fillRef idx="1">
-              <a:schemeClr val="accent1"/>
-            </a:fillRef>
-            <a:effectRef idx="0">
-              <a:schemeClr val="accent1"/>
-            </a:effectRef>
-            <a:fontRef idx="minor">
-              <a:schemeClr val="lt1"/>
-            </a:fontRef>
-          </p:style>
-          <p:txBody>
-            <a:bodyPr rtlCol="0" anchor="t"/>
-            <a:lstStyle/>
-            <a:p>
-              <a:r>
-                <a:rPr lang="en-CH" dirty="0"/>
-                <a:t>CI server</a:t>
-              </a:r>
-            </a:p>
-          </p:txBody>
-        </p:sp>
-        <p:sp>
-          <p:nvSpPr>
-            <p:cNvPr id="15" name="TextBox 14">
-              <a:extLst>
-                <a:ext uri="{FF2B5EF4-FFF2-40B4-BE49-F238E27FC236}">
-                  <a16:creationId xmlns:a16="http://schemas.microsoft.com/office/drawing/2014/main" id="{465C3FDF-1B01-3C4B-BF60-1CE1AA55F20B}"/>
-                </a:ext>
-              </a:extLst>
-            </p:cNvPr>
-            <p:cNvSpPr txBox="1"/>
-            <p:nvPr/>
-          </p:nvSpPr>
-          <p:spPr>
-            <a:xfrm>
-              <a:off x="915022" y="1954213"/>
-              <a:ext cx="1092979" cy="765944"/>
-            </a:xfrm>
-            <a:prstGeom prst="rect">
-              <a:avLst/>
-            </a:prstGeom>
-            <a:solidFill>
-              <a:schemeClr val="bg2">
-                <a:lumMod val="75000"/>
-              </a:schemeClr>
-            </a:solidFill>
-          </p:spPr>
-          <p:txBody>
-            <a:bodyPr wrap="square" rtlCol="0">
-              <a:spAutoFit/>
-            </a:bodyPr>
-            <a:lstStyle/>
-            <a:p>
-              <a:r>
-                <a:rPr lang="en-CH" sz="1400" dirty="0"/>
-                <a:t>virtual machine</a:t>
-              </a:r>
-            </a:p>
-            <a:p>
-              <a:r>
-                <a:rPr lang="en-CH" sz="1400" dirty="0"/>
-                <a:t>OS</a:t>
-              </a:r>
-            </a:p>
-            <a:p>
-              <a:r>
-                <a:rPr lang="en-CH" sz="1400" dirty="0"/>
-                <a:t>Python version</a:t>
-              </a:r>
-            </a:p>
-            <a:p>
-              <a:r>
-                <a:rPr lang="en-CH" sz="1400" dirty="0"/>
-                <a:t>packages</a:t>
-              </a:r>
-            </a:p>
-            <a:p>
-              <a:endParaRPr lang="en-CH" sz="1400" dirty="0"/>
-            </a:p>
-            <a:p>
-              <a:endParaRPr lang="en-CH" sz="1400" dirty="0"/>
-            </a:p>
-            <a:p>
-              <a:endParaRPr lang="en-CH" sz="1400" dirty="0"/>
-            </a:p>
-            <a:p>
-              <a:endParaRPr lang="en-CH" sz="1400" dirty="0"/>
-            </a:p>
-            <a:p>
-              <a:endParaRPr lang="en-CH" sz="1400" dirty="0"/>
-            </a:p>
-            <a:p>
-              <a:endParaRPr lang="en-CH" sz="1400" dirty="0"/>
-            </a:p>
-          </p:txBody>
-        </p:sp>
-      </p:grpSp>
-      <p:sp>
-        <p:nvSpPr>
-          <p:cNvPr id="16" name="TextBox 15">
-            <a:extLst>
-              <a:ext uri="{FF2B5EF4-FFF2-40B4-BE49-F238E27FC236}">
-                <a16:creationId xmlns:a16="http://schemas.microsoft.com/office/drawing/2014/main" id="{328B28F2-9366-9B4C-A90A-364B8D624F49}"/>
-              </a:ext>
-            </a:extLst>
-          </p:cNvPr>
-          <p:cNvSpPr txBox="1"/>
-          <p:nvPr/>
-        </p:nvSpPr>
-        <p:spPr>
-          <a:xfrm>
-            <a:off x="4716016" y="3789040"/>
-            <a:ext cx="1872208" cy="338554"/>
-          </a:xfrm>
-          <a:prstGeom prst="rect">
-            <a:avLst/>
-          </a:prstGeom>
-          <a:solidFill>
-            <a:schemeClr val="bg2"/>
-          </a:solidFill>
-        </p:spPr>
-        <p:txBody>
-          <a:bodyPr wrap="square" rtlCol="0">
-            <a:spAutoFit/>
-          </a:bodyPr>
-          <a:lstStyle/>
-          <a:p>
-            <a:r>
-              <a:rPr lang="en-CH" sz="1600" dirty="0"/>
-              <a:t>Run a set of tasks</a:t>
+          <p:cNvSpPr>
+            <a:spLocks noGrp="1"/>
+          </p:cNvSpPr>
+          <p:nvPr>
+            <p:ph type="ftr" sz="quarter" idx="11"/>
+          </p:nvPr>
+        </p:nvSpPr>
+        <p:spPr/>
+        <p:txBody>
+          <a:bodyPr/>
+          <a:lstStyle/>
+          <a:p>
+            <a:r>
+              <a:rPr lang="en-US"/>
+              <a:t>Testing scientific code, v12.0</a:t>
             </a:r>
           </a:p>
         </p:txBody>
@@ -6176,7 +6223,7 @@
     </p:spTree>
     <p:extLst>
       <p:ext uri="{BB962C8B-B14F-4D97-AF65-F5344CB8AC3E}">
-        <p14:creationId xmlns:p14="http://schemas.microsoft.com/office/powerpoint/2010/main" val="1006687292"/>
+        <p14:creationId xmlns:p14="http://schemas.microsoft.com/office/powerpoint/2010/main" val="1370039741"/>
       </p:ext>
     </p:extLst>
   </p:cSld>
@@ -6205,10 +6252,10 @@
       </p:grpSpPr>
       <p:sp>
         <p:nvSpPr>
-          <p:cNvPr id="4" name="Title 3">
+          <p:cNvPr id="2" name="Title 1">
             <a:extLst>
               <a:ext uri="{FF2B5EF4-FFF2-40B4-BE49-F238E27FC236}">
-                <a16:creationId xmlns:a16="http://schemas.microsoft.com/office/drawing/2014/main" id="{592155F5-347D-644E-89FD-C442F979301F}"/>
+                <a16:creationId xmlns:a16="http://schemas.microsoft.com/office/drawing/2014/main" id="{61A0A082-4C3F-FB4A-89CB-D4F309011CE6}"/>
               </a:ext>
             </a:extLst>
           </p:cNvPr>
@@ -6226,17 +6273,17 @@
           <a:p>
             <a:r>
               <a:rPr lang="en-CH" dirty="0"/>
-              <a:t>The examples that you’ll find 95% of the time</a:t>
-            </a:r>
-          </a:p>
-        </p:txBody>
-      </p:sp>
-      <p:sp>
-        <p:nvSpPr>
-          <p:cNvPr id="5" name="Content Placeholder 4">
+              <a:t>CI options</a:t>
+            </a:r>
+          </a:p>
+        </p:txBody>
+      </p:sp>
+      <p:sp>
+        <p:nvSpPr>
+          <p:cNvPr id="3" name="Content Placeholder 2">
             <a:extLst>
               <a:ext uri="{FF2B5EF4-FFF2-40B4-BE49-F238E27FC236}">
-                <a16:creationId xmlns:a16="http://schemas.microsoft.com/office/drawing/2014/main" id="{1C2B1E13-5423-2E41-AA60-63C74E3BAE73}"/>
+                <a16:creationId xmlns:a16="http://schemas.microsoft.com/office/drawing/2014/main" id="{D5A7549D-6C69-FC4D-94A9-2F481DCF80E4}"/>
               </a:ext>
             </a:extLst>
           </p:cNvPr>
@@ -6254,68 +6301,29 @@
           <a:p>
             <a:r>
               <a:rPr lang="en-CH" dirty="0"/>
-              <a:t>Event: PR is created or a commit is pushed to master</a:t>
-            </a:r>
-            <a:br>
+              <a:t>TravisCI</a:t>
+            </a:r>
+          </a:p>
+          <a:p>
+            <a:r>
               <a:rPr lang="en-CH" dirty="0"/>
-            </a:br>
+              <a:t>CircleCI</a:t>
+            </a:r>
+          </a:p>
+          <a:p>
             <a:r>
               <a:rPr lang="en-CH" dirty="0"/>
-              <a:t>Tasks:</a:t>
-            </a:r>
-          </a:p>
-          <a:p>
-            <a:pPr lvl="1"/>
-            <a:r>
-              <a:rPr lang="en-CH" dirty="0"/>
-              <a:t>Run all tests</a:t>
-            </a:r>
-          </a:p>
-          <a:p>
-            <a:pPr lvl="1"/>
-            <a:r>
-              <a:rPr lang="en-CH" dirty="0"/>
-              <a:t>(Verify code coverage)</a:t>
-            </a:r>
-          </a:p>
-          <a:p>
-            <a:pPr lvl="1"/>
-            <a:r>
-              <a:rPr lang="en-CH" dirty="0"/>
-              <a:t>(Check code style)</a:t>
-            </a:r>
-          </a:p>
-          <a:p>
-            <a:r>
-              <a:rPr lang="en-CH" dirty="0"/>
-              <a:t>Event: Repostory is tagged in a certain way</a:t>
-            </a:r>
-          </a:p>
-          <a:p>
-            <a:pPr lvl="1"/>
-            <a:r>
-              <a:rPr lang="en-CH" dirty="0"/>
-              <a:t>Create binary packages for Linux, Mac, Windows and upload them to a package repository</a:t>
-            </a:r>
-          </a:p>
-          <a:p>
-            <a:pPr lvl="1"/>
-            <a:r>
-              <a:rPr lang="en-CH" dirty="0"/>
-              <a:t>Build the documentaion</a:t>
-            </a:r>
-          </a:p>
-          <a:p>
-            <a:endParaRPr lang="en-CH" dirty="0"/>
-          </a:p>
-        </p:txBody>
-      </p:sp>
-      <p:sp>
-        <p:nvSpPr>
-          <p:cNvPr id="2" name="Date Placeholder 1">
+              <a:t>GitHub actions</a:t>
+            </a:r>
+          </a:p>
+        </p:txBody>
+      </p:sp>
+      <p:sp>
+        <p:nvSpPr>
+          <p:cNvPr id="4" name="Date Placeholder 3">
             <a:extLst>
               <a:ext uri="{FF2B5EF4-FFF2-40B4-BE49-F238E27FC236}">
-                <a16:creationId xmlns:a16="http://schemas.microsoft.com/office/drawing/2014/main" id="{6A4B685F-95E0-7E43-B6D9-301502E8D040}"/>
+                <a16:creationId xmlns:a16="http://schemas.microsoft.com/office/drawing/2014/main" id="{164E4951-B129-814A-9CEF-5E059F59DA99}"/>
               </a:ext>
             </a:extLst>
           </p:cNvPr>
@@ -6332,18 +6340,19 @@
           <a:lstStyle/>
           <a:p>
             <a:r>
-              <a:rPr lang="en-US"/>
+              <a:rPr lang="en-US" sz="1000"/>
               <a:t>August 2019, CC BY-SA 4.0</a:t>
             </a:r>
-          </a:p>
-        </p:txBody>
-      </p:sp>
-      <p:sp>
-        <p:nvSpPr>
-          <p:cNvPr id="3" name="Footer Placeholder 2">
+            <a:endParaRPr lang="en-US" sz="1000" dirty="0"/>
+          </a:p>
+        </p:txBody>
+      </p:sp>
+      <p:sp>
+        <p:nvSpPr>
+          <p:cNvPr id="5" name="Footer Placeholder 4">
             <a:extLst>
               <a:ext uri="{FF2B5EF4-FFF2-40B4-BE49-F238E27FC236}">
-                <a16:creationId xmlns:a16="http://schemas.microsoft.com/office/drawing/2014/main" id="{9A09B552-3415-3C4E-86C4-1D04C278AD4E}"/>
+                <a16:creationId xmlns:a16="http://schemas.microsoft.com/office/drawing/2014/main" id="{92A06B6D-EFF0-6C49-AC59-B54B8947E86B}"/>
               </a:ext>
             </a:extLst>
           </p:cNvPr>
@@ -6363,13 +6372,157 @@
               <a:rPr lang="en-US"/>
               <a:t>Testing scientific code, v12.0</a:t>
             </a:r>
-          </a:p>
-        </p:txBody>
-      </p:sp>
+            <a:endParaRPr lang="en-US" dirty="0"/>
+          </a:p>
+        </p:txBody>
+      </p:sp>
+      <p:pic>
+        <p:nvPicPr>
+          <p:cNvPr id="1025" name="Picture 1">
+            <a:extLst>
+              <a:ext uri="{FF2B5EF4-FFF2-40B4-BE49-F238E27FC236}">
+                <a16:creationId xmlns:a16="http://schemas.microsoft.com/office/drawing/2014/main" id="{2D57F371-F9CA-1748-9D55-3E3714299E39}"/>
+              </a:ext>
+            </a:extLst>
+          </p:cNvPr>
+          <p:cNvPicPr>
+            <a:picLocks noChangeAspect="1" noChangeArrowheads="1"/>
+          </p:cNvPicPr>
+          <p:nvPr/>
+        </p:nvPicPr>
+        <p:blipFill>
+          <a:blip r:embed="rId2">
+            <a:extLst>
+              <a:ext uri="{28A0092B-C50C-407E-A947-70E740481C1C}">
+                <a14:useLocalDpi xmlns:a14="http://schemas.microsoft.com/office/drawing/2010/main" val="0"/>
+              </a:ext>
+            </a:extLst>
+          </a:blip>
+          <a:srcRect/>
+          <a:stretch>
+            <a:fillRect/>
+          </a:stretch>
+        </p:blipFill>
+        <p:spPr bwMode="auto">
+          <a:xfrm>
+            <a:off x="5004048" y="1219200"/>
+            <a:ext cx="3024336" cy="933734"/>
+          </a:xfrm>
+          <a:prstGeom prst="rect">
+            <a:avLst/>
+          </a:prstGeom>
+          <a:noFill/>
+          <a:extLst>
+            <a:ext uri="{909E8E84-426E-40DD-AFC4-6F175D3DCCD1}">
+              <a14:hiddenFill xmlns:a14="http://schemas.microsoft.com/office/drawing/2010/main">
+                <a:solidFill>
+                  <a:srgbClr val="FFFFFF"/>
+                </a:solidFill>
+              </a14:hiddenFill>
+            </a:ext>
+          </a:extLst>
+        </p:spPr>
+      </p:pic>
+      <p:pic>
+        <p:nvPicPr>
+          <p:cNvPr id="1027" name="Picture 3">
+            <a:hlinkClick r:id="rId3"/>
+            <a:extLst>
+              <a:ext uri="{FF2B5EF4-FFF2-40B4-BE49-F238E27FC236}">
+                <a16:creationId xmlns:a16="http://schemas.microsoft.com/office/drawing/2014/main" id="{E1038F5B-C610-084E-8920-39B86C78F229}"/>
+              </a:ext>
+            </a:extLst>
+          </p:cNvPr>
+          <p:cNvPicPr>
+            <a:picLocks noChangeAspect="1" noChangeArrowheads="1"/>
+          </p:cNvPicPr>
+          <p:nvPr/>
+        </p:nvPicPr>
+        <p:blipFill>
+          <a:blip r:embed="rId4">
+            <a:extLst>
+              <a:ext uri="{28A0092B-C50C-407E-A947-70E740481C1C}">
+                <a14:useLocalDpi xmlns:a14="http://schemas.microsoft.com/office/drawing/2010/main" val="0"/>
+              </a:ext>
+            </a:extLst>
+          </a:blip>
+          <a:srcRect/>
+          <a:stretch>
+            <a:fillRect/>
+          </a:stretch>
+        </p:blipFill>
+        <p:spPr bwMode="auto">
+          <a:xfrm>
+            <a:off x="5940152" y="2352324"/>
+            <a:ext cx="1749720" cy="1749720"/>
+          </a:xfrm>
+          <a:prstGeom prst="rect">
+            <a:avLst/>
+          </a:prstGeom>
+          <a:noFill/>
+          <a:extLst>
+            <a:ext uri="{909E8E84-426E-40DD-AFC4-6F175D3DCCD1}">
+              <a14:hiddenFill xmlns:a14="http://schemas.microsoft.com/office/drawing/2010/main">
+                <a:solidFill>
+                  <a:srgbClr val="FFFFFF"/>
+                </a:solidFill>
+              </a14:hiddenFill>
+            </a:ext>
+          </a:extLst>
+        </p:spPr>
+      </p:pic>
+      <p:pic>
+        <p:nvPicPr>
+          <p:cNvPr id="1030" name="Picture 6">
+            <a:hlinkClick r:id="rId5"/>
+            <a:extLst>
+              <a:ext uri="{FF2B5EF4-FFF2-40B4-BE49-F238E27FC236}">
+                <a16:creationId xmlns:a16="http://schemas.microsoft.com/office/drawing/2014/main" id="{03029DC7-78CB-DF46-ABFC-183F86763DA9}"/>
+              </a:ext>
+            </a:extLst>
+          </p:cNvPr>
+          <p:cNvPicPr>
+            <a:picLocks noChangeAspect="1" noChangeArrowheads="1"/>
+          </p:cNvPicPr>
+          <p:nvPr/>
+        </p:nvPicPr>
+        <p:blipFill>
+          <a:blip r:embed="rId6">
+            <a:extLst>
+              <a:ext uri="{28A0092B-C50C-407E-A947-70E740481C1C}">
+                <a14:useLocalDpi xmlns:a14="http://schemas.microsoft.com/office/drawing/2010/main" val="0"/>
+              </a:ext>
+            </a:extLst>
+          </a:blip>
+          <a:srcRect/>
+          <a:stretch>
+            <a:fillRect/>
+          </a:stretch>
+        </p:blipFill>
+        <p:spPr bwMode="auto">
+          <a:xfrm>
+            <a:off x="5593796" y="4317356"/>
+            <a:ext cx="2442432" cy="1231522"/>
+          </a:xfrm>
+          <a:prstGeom prst="rect">
+            <a:avLst/>
+          </a:prstGeom>
+          <a:noFill/>
+          <a:extLst>
+            <a:ext uri="{909E8E84-426E-40DD-AFC4-6F175D3DCCD1}">
+              <a14:hiddenFill xmlns:a14="http://schemas.microsoft.com/office/drawing/2010/main">
+                <a:solidFill>
+                  <a:srgbClr val="FFFFFF"/>
+                </a:solidFill>
+              </a14:hiddenFill>
+            </a:ext>
+          </a:extLst>
+        </p:spPr>
+      </p:pic>
     </p:spTree>
     <p:extLst>
       <p:ext uri="{BB962C8B-B14F-4D97-AF65-F5344CB8AC3E}">
-        <p14:creationId xmlns:p14="http://schemas.microsoft.com/office/powerpoint/2010/main" val="1370039741"/>
+        <p14:creationId xmlns:p14="http://schemas.microsoft.com/office/powerpoint/2010/main" val="1680327364"/>
       </p:ext>
     </p:extLst>
   </p:cSld>
@@ -6401,7 +6554,7 @@
           <p:cNvPr id="2" name="Title 1">
             <a:extLst>
               <a:ext uri="{FF2B5EF4-FFF2-40B4-BE49-F238E27FC236}">
-                <a16:creationId xmlns:a16="http://schemas.microsoft.com/office/drawing/2014/main" id="{61A0A082-4C3F-FB4A-89CB-D4F309011CE6}"/>
+                <a16:creationId xmlns:a16="http://schemas.microsoft.com/office/drawing/2014/main" id="{BD476358-0FD2-764F-AEC5-3A574E8F39D1}"/>
               </a:ext>
             </a:extLst>
           </p:cNvPr>
@@ -6419,7 +6572,7 @@
           <a:p>
             <a:r>
               <a:rPr lang="en-CH" dirty="0"/>
-              <a:t>CI options</a:t>
+              <a:t>GitHub Actions basic ideas</a:t>
             </a:r>
           </a:p>
         </p:txBody>
@@ -6429,7 +6582,7 @@
           <p:cNvPr id="3" name="Content Placeholder 2">
             <a:extLst>
               <a:ext uri="{FF2B5EF4-FFF2-40B4-BE49-F238E27FC236}">
-                <a16:creationId xmlns:a16="http://schemas.microsoft.com/office/drawing/2014/main" id="{D5A7549D-6C69-FC4D-94A9-2F481DCF80E4}"/>
+                <a16:creationId xmlns:a16="http://schemas.microsoft.com/office/drawing/2014/main" id="{6D76AC3E-727D-9345-BF91-E141F622FCB8}"/>
               </a:ext>
             </a:extLst>
           </p:cNvPr>
@@ -6447,20 +6600,25 @@
           <a:p>
             <a:r>
               <a:rPr lang="en-CH" dirty="0"/>
-              <a:t>TravisCI</a:t>
+              <a:t>An event occurs, it has an associated commit SHA</a:t>
             </a:r>
           </a:p>
           <a:p>
             <a:r>
               <a:rPr lang="en-CH" dirty="0"/>
-              <a:t>CircleCI</a:t>
+              <a:t>GitHub searches for config files in .github/workflows at that SHA, and looks if there is a trigger that matches the event (the “on:” part of the config file</a:t>
             </a:r>
           </a:p>
           <a:p>
             <a:r>
               <a:rPr lang="en-CH" dirty="0"/>
-              <a:t>GitHub actions</a:t>
-            </a:r>
+              <a:t>It then creates a virtual machine as specified in the config file and runs the commands </a:t>
+            </a:r>
+            <a:r>
+              <a:rPr lang="en-CH"/>
+              <a:t>listed there</a:t>
+            </a:r>
+            <a:endParaRPr lang="en-CH" dirty="0"/>
           </a:p>
         </p:txBody>
       </p:sp>
@@ -6469,7 +6627,7 @@
           <p:cNvPr id="4" name="Date Placeholder 3">
             <a:extLst>
               <a:ext uri="{FF2B5EF4-FFF2-40B4-BE49-F238E27FC236}">
-                <a16:creationId xmlns:a16="http://schemas.microsoft.com/office/drawing/2014/main" id="{164E4951-B129-814A-9CEF-5E059F59DA99}"/>
+                <a16:creationId xmlns:a16="http://schemas.microsoft.com/office/drawing/2014/main" id="{01B74FBB-6928-0E40-87F8-3689137B6A44}"/>
               </a:ext>
             </a:extLst>
           </p:cNvPr>
@@ -6498,7 +6656,7 @@
           <p:cNvPr id="5" name="Footer Placeholder 4">
             <a:extLst>
               <a:ext uri="{FF2B5EF4-FFF2-40B4-BE49-F238E27FC236}">
-                <a16:creationId xmlns:a16="http://schemas.microsoft.com/office/drawing/2014/main" id="{92A06B6D-EFF0-6C49-AC59-B54B8947E86B}"/>
+                <a16:creationId xmlns:a16="http://schemas.microsoft.com/office/drawing/2014/main" id="{4FB5E559-28D2-B742-A608-B353E85B9786}"/>
               </a:ext>
             </a:extLst>
           </p:cNvPr>
@@ -6525,7 +6683,7 @@
     </p:spTree>
     <p:extLst>
       <p:ext uri="{BB962C8B-B14F-4D97-AF65-F5344CB8AC3E}">
-        <p14:creationId xmlns:p14="http://schemas.microsoft.com/office/powerpoint/2010/main" val="1680327364"/>
+        <p14:creationId xmlns:p14="http://schemas.microsoft.com/office/powerpoint/2010/main" val="3315879559"/>
       </p:ext>
     </p:extLst>
   </p:cSld>
@@ -6602,26 +6760,12 @@
           <a:lstStyle/>
           <a:p>
             <a:r>
+              <a:rPr lang="en-CH"/>
+              <a:t>The </a:t>
+            </a:r>
+            <a:r>
               <a:rPr lang="en-CH" dirty="0"/>
-              <a:t>An event occurs, it has an associated commit SHA</a:t>
-            </a:r>
-          </a:p>
-          <a:p>
-            <a:r>
-              <a:rPr lang="en-CH" dirty="0"/>
-              <a:t>GitHub searches for config files in .github/workflows at that SHA, and looks if there is a trigger that matches the event (the “on:” part of the config file</a:t>
-            </a:r>
-          </a:p>
-          <a:p>
-            <a:r>
-              <a:rPr lang="en-CH" dirty="0"/>
-              <a:t>It then creates a virtual machine as specified in the config file and runs the commands listed there</a:t>
-            </a:r>
-          </a:p>
-          <a:p>
-            <a:r>
-              <a:rPr lang="en-CH" dirty="0"/>
-              <a:t>The outcome is logged and if the job exits cleanly it is marked as ”passed” otherwise “failed”</a:t>
+              <a:t>outcome is logged and if the job exits cleanly it is marked as ”passed” otherwise “failed”</a:t>
             </a:r>
           </a:p>
           <a:p>
@@ -6687,10 +6831,82 @@
           </a:p>
         </p:txBody>
       </p:sp>
+      <p:pic>
+        <p:nvPicPr>
+          <p:cNvPr id="8" name="Picture 7" descr="A screenshot of a computer&#10;&#10;Description automatically generated with medium confidence">
+            <a:extLst>
+              <a:ext uri="{FF2B5EF4-FFF2-40B4-BE49-F238E27FC236}">
+                <a16:creationId xmlns:a16="http://schemas.microsoft.com/office/drawing/2014/main" id="{2161033D-8E2B-394A-B1ED-5F835F679C2E}"/>
+              </a:ext>
+            </a:extLst>
+          </p:cNvPr>
+          <p:cNvPicPr>
+            <a:picLocks noChangeAspect="1"/>
+          </p:cNvPicPr>
+          <p:nvPr/>
+        </p:nvPicPr>
+        <p:blipFill>
+          <a:blip r:embed="rId2">
+            <a:extLst>
+              <a:ext uri="{28A0092B-C50C-407E-A947-70E740481C1C}">
+                <a14:useLocalDpi xmlns:a14="http://schemas.microsoft.com/office/drawing/2010/main" val="0"/>
+              </a:ext>
+            </a:extLst>
+          </a:blip>
+          <a:stretch>
+            <a:fillRect/>
+          </a:stretch>
+        </p:blipFill>
+        <p:spPr>
+          <a:xfrm>
+            <a:off x="457200" y="2270610"/>
+            <a:ext cx="5328592" cy="2316779"/>
+          </a:xfrm>
+          <a:prstGeom prst="rect">
+            <a:avLst/>
+          </a:prstGeom>
+        </p:spPr>
+      </p:pic>
+      <p:pic>
+        <p:nvPicPr>
+          <p:cNvPr id="9" name="Picture 8" descr="Graphical user interface, text, application&#10;&#10;Description automatically generated">
+            <a:extLst>
+              <a:ext uri="{FF2B5EF4-FFF2-40B4-BE49-F238E27FC236}">
+                <a16:creationId xmlns:a16="http://schemas.microsoft.com/office/drawing/2014/main" id="{EC30FD2E-55B1-4D4E-8DCD-80DC18F36C5A}"/>
+              </a:ext>
+            </a:extLst>
+          </p:cNvPr>
+          <p:cNvPicPr>
+            <a:picLocks noChangeAspect="1"/>
+          </p:cNvPicPr>
+          <p:nvPr/>
+        </p:nvPicPr>
+        <p:blipFill>
+          <a:blip r:embed="rId3">
+            <a:extLst>
+              <a:ext uri="{28A0092B-C50C-407E-A947-70E740481C1C}">
+                <a14:useLocalDpi xmlns:a14="http://schemas.microsoft.com/office/drawing/2010/main" val="0"/>
+              </a:ext>
+            </a:extLst>
+          </a:blip>
+          <a:stretch>
+            <a:fillRect/>
+          </a:stretch>
+        </p:blipFill>
+        <p:spPr>
+          <a:xfrm>
+            <a:off x="3243876" y="3628398"/>
+            <a:ext cx="5442924" cy="2316762"/>
+          </a:xfrm>
+          <a:prstGeom prst="rect">
+            <a:avLst/>
+          </a:prstGeom>
+        </p:spPr>
+      </p:pic>
     </p:spTree>
     <p:extLst>
       <p:ext uri="{BB962C8B-B14F-4D97-AF65-F5344CB8AC3E}">
-        <p14:creationId xmlns:p14="http://schemas.microsoft.com/office/powerpoint/2010/main" val="3315879559"/>
+        <p14:creationId xmlns:p14="http://schemas.microsoft.com/office/powerpoint/2010/main" val="4034475540"/>
       </p:ext>
     </p:extLst>
   </p:cSld>
@@ -6740,8 +6956,13 @@
           <a:p>
             <a:r>
               <a:rPr lang="en-CH" dirty="0"/>
-              <a:t>GitHub config file, </a:t>
-            </a:r>
+              <a:t>GitHub </a:t>
+            </a:r>
+            <a:r>
+              <a:rPr lang="en-CH"/>
+              <a:t>config file </a:t>
+            </a:r>
+            <a:endParaRPr lang="en-CH" dirty="0"/>
           </a:p>
         </p:txBody>
       </p:sp>
@@ -6767,21 +6988,99 @@
           <a:lstStyle/>
           <a:p>
             <a:r>
-              <a:rPr lang="en-CH" dirty="0"/>
-              <a:t>what is looks like</a:t>
-            </a:r>
-          </a:p>
-          <a:p>
-            <a:r>
-              <a:rPr lang="en-CH" dirty="0"/>
-              <a:t>demo</a:t>
-            </a:r>
-          </a:p>
-          <a:p>
-            <a:r>
-              <a:rPr lang="en-CH" dirty="0"/>
-              <a:t>exercise</a:t>
-            </a:r>
+              <a:rPr lang="en-CH"/>
+              <a:t>what i</a:t>
+            </a:r>
+            <a:r>
+              <a:rPr lang="de-DE" dirty="0"/>
+              <a:t>t</a:t>
+            </a:r>
+            <a:r>
+              <a:rPr lang="en-CH"/>
+              <a:t> looks like</a:t>
+            </a:r>
+            <a:r>
+              <a:rPr lang="de-DE" dirty="0"/>
+              <a:t> (</a:t>
+            </a:r>
+            <a:r>
+              <a:rPr lang="de-DE" dirty="0" err="1"/>
+              <a:t>show</a:t>
+            </a:r>
+            <a:r>
+              <a:rPr lang="de-DE" dirty="0"/>
+              <a:t> </a:t>
+            </a:r>
+            <a:r>
+              <a:rPr lang="de-DE" dirty="0" err="1"/>
+              <a:t>example</a:t>
+            </a:r>
+            <a:r>
+              <a:rPr lang="de-DE" dirty="0"/>
+              <a:t> </a:t>
+            </a:r>
+            <a:r>
+              <a:rPr lang="de-DE" dirty="0" err="1"/>
+              <a:t>with</a:t>
+            </a:r>
+            <a:r>
+              <a:rPr lang="de-DE" dirty="0"/>
+              <a:t> all </a:t>
+            </a:r>
+            <a:r>
+              <a:rPr lang="de-DE" dirty="0" err="1"/>
+              <a:t>the</a:t>
+            </a:r>
+            <a:r>
+              <a:rPr lang="de-DE" dirty="0"/>
+              <a:t> </a:t>
+            </a:r>
+            <a:r>
+              <a:rPr lang="de-DE" dirty="0" err="1"/>
+              <a:t>options</a:t>
+            </a:r>
+            <a:r>
+              <a:rPr lang="de-DE" dirty="0"/>
+              <a:t> </a:t>
+            </a:r>
+            <a:r>
+              <a:rPr lang="de-DE" dirty="0" err="1"/>
+              <a:t>enabled</a:t>
+            </a:r>
+            <a:r>
+              <a:rPr lang="de-DE" dirty="0"/>
+              <a:t> like in </a:t>
+            </a:r>
+            <a:r>
+              <a:rPr lang="de-DE" dirty="0" err="1"/>
+              <a:t>pelita</a:t>
+            </a:r>
+            <a:r>
+              <a:rPr lang="de-DE" dirty="0"/>
+              <a:t>?)</a:t>
+            </a:r>
+            <a:endParaRPr lang="en-CH" dirty="0"/>
+          </a:p>
+          <a:p>
+            <a:r>
+              <a:rPr lang="en-GB" dirty="0"/>
+              <a:t>D</a:t>
+            </a:r>
+            <a:r>
+              <a:rPr lang="en-CH"/>
+              <a:t>emo</a:t>
+            </a:r>
+            <a:r>
+              <a:rPr lang="de-DE" dirty="0"/>
+              <a:t> (?)</a:t>
+            </a:r>
+            <a:endParaRPr lang="en-CH" dirty="0"/>
+          </a:p>
+          <a:p>
+            <a:pPr marL="0" indent="0">
+              <a:buNone/>
+            </a:pPr>
+            <a:endParaRPr lang="en-CH" dirty="0"/>
           </a:p>
           <a:p>
             <a:endParaRPr lang="en-CH" dirty="0"/>

--- a/continuous_integration.pptx
+++ b/continuous_integration.pptx
@@ -5,26 +5,36 @@
     <p:sldMasterId id="2147483660" r:id="rId1"/>
   </p:sldMasterIdLst>
   <p:notesMasterIdLst>
-    <p:notesMasterId r:id="rId16"/>
+    <p:notesMasterId r:id="rId26"/>
   </p:notesMasterIdLst>
   <p:handoutMasterIdLst>
-    <p:handoutMasterId r:id="rId17"/>
+    <p:handoutMasterId r:id="rId27"/>
   </p:handoutMasterIdLst>
   <p:sldIdLst>
     <p:sldId id="273" r:id="rId2"/>
-    <p:sldId id="300" r:id="rId3"/>
-    <p:sldId id="301" r:id="rId4"/>
-    <p:sldId id="311" r:id="rId5"/>
-    <p:sldId id="305" r:id="rId6"/>
+    <p:sldId id="316" r:id="rId3"/>
+    <p:sldId id="314" r:id="rId4"/>
+    <p:sldId id="317" r:id="rId5"/>
+    <p:sldId id="315" r:id="rId6"/>
     <p:sldId id="306" r:id="rId7"/>
-    <p:sldId id="308" r:id="rId8"/>
-    <p:sldId id="312" r:id="rId9"/>
-    <p:sldId id="309" r:id="rId10"/>
-    <p:sldId id="313" r:id="rId11"/>
-    <p:sldId id="299" r:id="rId12"/>
-    <p:sldId id="307" r:id="rId13"/>
-    <p:sldId id="288" r:id="rId14"/>
-    <p:sldId id="298" r:id="rId15"/>
+    <p:sldId id="318" r:id="rId8"/>
+    <p:sldId id="308" r:id="rId9"/>
+    <p:sldId id="312" r:id="rId10"/>
+    <p:sldId id="329" r:id="rId11"/>
+    <p:sldId id="324" r:id="rId12"/>
+    <p:sldId id="323" r:id="rId13"/>
+    <p:sldId id="313" r:id="rId14"/>
+    <p:sldId id="319" r:id="rId15"/>
+    <p:sldId id="325" r:id="rId16"/>
+    <p:sldId id="326" r:id="rId17"/>
+    <p:sldId id="327" r:id="rId18"/>
+    <p:sldId id="320" r:id="rId19"/>
+    <p:sldId id="328" r:id="rId20"/>
+    <p:sldId id="307" r:id="rId21"/>
+    <p:sldId id="321" r:id="rId22"/>
+    <p:sldId id="322" r:id="rId23"/>
+    <p:sldId id="288" r:id="rId24"/>
+    <p:sldId id="298" r:id="rId25"/>
   </p:sldIdLst>
   <p:sldSz cx="9144000" cy="6858000" type="screen4x3"/>
   <p:notesSz cx="6858000" cy="9144000"/>
@@ -159,17 +169,27 @@
         <p14:section name="Untitled Section" id="{BAA15BF6-FE96-3445-86D7-BE737DCC358B}">
           <p14:sldIdLst>
             <p14:sldId id="273"/>
-            <p14:sldId id="300"/>
-            <p14:sldId id="301"/>
-            <p14:sldId id="311"/>
-            <p14:sldId id="305"/>
+            <p14:sldId id="316"/>
+            <p14:sldId id="314"/>
+            <p14:sldId id="317"/>
+            <p14:sldId id="315"/>
             <p14:sldId id="306"/>
+            <p14:sldId id="318"/>
             <p14:sldId id="308"/>
             <p14:sldId id="312"/>
-            <p14:sldId id="309"/>
+            <p14:sldId id="329"/>
+            <p14:sldId id="324"/>
+            <p14:sldId id="323"/>
             <p14:sldId id="313"/>
-            <p14:sldId id="299"/>
+            <p14:sldId id="319"/>
+            <p14:sldId id="325"/>
+            <p14:sldId id="326"/>
+            <p14:sldId id="327"/>
+            <p14:sldId id="320"/>
+            <p14:sldId id="328"/>
             <p14:sldId id="307"/>
+            <p14:sldId id="321"/>
+            <p14:sldId id="322"/>
             <p14:sldId id="288"/>
             <p14:sldId id="298"/>
           </p14:sldIdLst>
@@ -277,7 +297,7 @@
             <a:fld id="{80AC11AF-147E-0A48-A5B0-8DA858D84551}" type="datetimeFigureOut">
               <a:rPr lang="en-US" smtClean="0"/>
               <a:pPr/>
-              <a:t>8/4/21</a:t>
+              <a:t>8/22/21</a:t>
             </a:fld>
             <a:endParaRPr lang="en-US"/>
           </a:p>
@@ -876,6 +896,97 @@
 </p:notes>
 </file>
 
+<file path=ppt/notesSlides/notesSlide2.xml><?xml version="1.0" encoding="utf-8"?>
+<p:notes xmlns:a="http://schemas.openxmlformats.org/drawingml/2006/main" xmlns:r="http://schemas.openxmlformats.org/officeDocument/2006/relationships" xmlns:p="http://schemas.openxmlformats.org/presentationml/2006/main">
+  <p:cSld>
+    <p:spTree>
+      <p:nvGrpSpPr>
+        <p:cNvPr id="1" name=""/>
+        <p:cNvGrpSpPr/>
+        <p:nvPr/>
+      </p:nvGrpSpPr>
+      <p:grpSpPr>
+        <a:xfrm>
+          <a:off x="0" y="0"/>
+          <a:ext cx="0" cy="0"/>
+          <a:chOff x="0" y="0"/>
+          <a:chExt cx="0" cy="0"/>
+        </a:xfrm>
+      </p:grpSpPr>
+      <p:sp>
+        <p:nvSpPr>
+          <p:cNvPr id="2" name="Slide Image Placeholder 1"/>
+          <p:cNvSpPr>
+            <a:spLocks noGrp="1" noRot="1" noChangeAspect="1"/>
+          </p:cNvSpPr>
+          <p:nvPr>
+            <p:ph type="sldImg"/>
+          </p:nvPr>
+        </p:nvSpPr>
+        <p:spPr/>
+      </p:sp>
+      <p:sp>
+        <p:nvSpPr>
+          <p:cNvPr id="3" name="Notes Placeholder 2"/>
+          <p:cNvSpPr>
+            <a:spLocks noGrp="1"/>
+          </p:cNvSpPr>
+          <p:nvPr>
+            <p:ph type="body" idx="1"/>
+          </p:nvPr>
+        </p:nvSpPr>
+        <p:spPr/>
+        <p:txBody>
+          <a:bodyPr/>
+          <a:lstStyle/>
+          <a:p>
+            <a:r>
+              <a:rPr lang="en-CH" dirty="0"/>
+              <a:t>Continuous integration originally meant the programming practice merging the code of multiple contributor often, multiple times a day. Before git, that was a a big problem, and it could even be some person’s job to do the merges</a:t>
+            </a:r>
+          </a:p>
+          <a:p>
+            <a:endParaRPr lang="en-CH" dirty="0"/>
+          </a:p>
+        </p:txBody>
+      </p:sp>
+      <p:sp>
+        <p:nvSpPr>
+          <p:cNvPr id="4" name="Slide Number Placeholder 3"/>
+          <p:cNvSpPr>
+            <a:spLocks noGrp="1"/>
+          </p:cNvSpPr>
+          <p:nvPr>
+            <p:ph type="sldNum" sz="quarter" idx="5"/>
+          </p:nvPr>
+        </p:nvSpPr>
+        <p:spPr/>
+        <p:txBody>
+          <a:bodyPr/>
+          <a:lstStyle/>
+          <a:p>
+            <a:fld id="{99B30722-7DAA-4E93-8206-71F83E275281}" type="slidenum">
+              <a:rPr lang="en-US" smtClean="0"/>
+              <a:pPr/>
+              <a:t>3</a:t>
+            </a:fld>
+            <a:endParaRPr lang="en-US"/>
+          </a:p>
+        </p:txBody>
+      </p:sp>
+    </p:spTree>
+    <p:extLst>
+      <p:ext uri="{BB962C8B-B14F-4D97-AF65-F5344CB8AC3E}">
+        <p14:creationId xmlns:p14="http://schemas.microsoft.com/office/powerpoint/2010/main" val="3969588026"/>
+      </p:ext>
+    </p:extLst>
+  </p:cSld>
+  <p:clrMapOvr>
+    <a:masterClrMapping/>
+  </p:clrMapOvr>
+</p:notes>
+</file>
+
 <file path=ppt/slideLayouts/slideLayout1.xml><?xml version="1.0" encoding="utf-8"?>
 <p:sldLayout xmlns:a="http://schemas.openxmlformats.org/drawingml/2006/main" xmlns:r="http://schemas.openxmlformats.org/officeDocument/2006/relationships" xmlns:p="http://schemas.openxmlformats.org/presentationml/2006/main" showMasterSp="0" type="title" preserve="1">
   <p:cSld name="Title Slide">
@@ -1191,30 +1302,31 @@
           <a:lstStyle/>
           <a:p>
             <a:r>
+              <a:rPr lang="de-CH"/>
+              <a:t>August 2021, CC BY-SA 4.0</a:t>
+            </a:r>
+            <a:endParaRPr lang="en-US"/>
+          </a:p>
+        </p:txBody>
+      </p:sp>
+      <p:sp>
+        <p:nvSpPr>
+          <p:cNvPr id="3" name="Footer Placeholder 2"/>
+          <p:cNvSpPr>
+            <a:spLocks noGrp="1"/>
+          </p:cNvSpPr>
+          <p:nvPr>
+            <p:ph type="ftr" sz="quarter" idx="11"/>
+          </p:nvPr>
+        </p:nvSpPr>
+        <p:spPr/>
+        <p:txBody>
+          <a:bodyPr/>
+          <a:lstStyle/>
+          <a:p>
+            <a:r>
               <a:rPr lang="en-US"/>
-              <a:t>August 2019, CC BY-SA 4.0</a:t>
-            </a:r>
-          </a:p>
-        </p:txBody>
-      </p:sp>
-      <p:sp>
-        <p:nvSpPr>
-          <p:cNvPr id="3" name="Footer Placeholder 2"/>
-          <p:cNvSpPr>
-            <a:spLocks noGrp="1"/>
-          </p:cNvSpPr>
-          <p:nvPr>
-            <p:ph type="ftr" sz="quarter" idx="11"/>
-          </p:nvPr>
-        </p:nvSpPr>
-        <p:spPr/>
-        <p:txBody>
-          <a:bodyPr/>
-          <a:lstStyle/>
-          <a:p>
-            <a:r>
-              <a:rPr lang="en-US"/>
-              <a:t>Testing scientific code, v12.0</a:t>
+              <a:t>Continuous integration, v1.0</a:t>
             </a:r>
           </a:p>
         </p:txBody>
@@ -1358,30 +1470,31 @@
           <a:lstStyle/>
           <a:p>
             <a:r>
+              <a:rPr lang="de-CH"/>
+              <a:t>August 2021, CC BY-SA 4.0</a:t>
+            </a:r>
+            <a:endParaRPr lang="en-US"/>
+          </a:p>
+        </p:txBody>
+      </p:sp>
+      <p:sp>
+        <p:nvSpPr>
+          <p:cNvPr id="5" name="Footer Placeholder 4"/>
+          <p:cNvSpPr>
+            <a:spLocks noGrp="1"/>
+          </p:cNvSpPr>
+          <p:nvPr>
+            <p:ph type="ftr" sz="quarter" idx="11"/>
+          </p:nvPr>
+        </p:nvSpPr>
+        <p:spPr/>
+        <p:txBody>
+          <a:bodyPr/>
+          <a:lstStyle/>
+          <a:p>
+            <a:r>
               <a:rPr lang="en-US"/>
-              <a:t>August 2019, CC BY-SA 4.0</a:t>
-            </a:r>
-          </a:p>
-        </p:txBody>
-      </p:sp>
-      <p:sp>
-        <p:nvSpPr>
-          <p:cNvPr id="5" name="Footer Placeholder 4"/>
-          <p:cNvSpPr>
-            <a:spLocks noGrp="1"/>
-          </p:cNvSpPr>
-          <p:nvPr>
-            <p:ph type="ftr" sz="quarter" idx="11"/>
-          </p:nvPr>
-        </p:nvSpPr>
-        <p:spPr/>
-        <p:txBody>
-          <a:bodyPr/>
-          <a:lstStyle/>
-          <a:p>
-            <a:r>
-              <a:rPr lang="en-US"/>
-              <a:t>Testing scientific code, v12.0</a:t>
+              <a:t>Continuous integration, v1.0</a:t>
             </a:r>
           </a:p>
         </p:txBody>
@@ -1657,30 +1770,31 @@
           <a:lstStyle/>
           <a:p>
             <a:r>
+              <a:rPr lang="de-CH"/>
+              <a:t>August 2021, CC BY-SA 4.0</a:t>
+            </a:r>
+            <a:endParaRPr lang="en-US"/>
+          </a:p>
+        </p:txBody>
+      </p:sp>
+      <p:sp>
+        <p:nvSpPr>
+          <p:cNvPr id="11" name="Footer Placeholder 10"/>
+          <p:cNvSpPr>
+            <a:spLocks noGrp="1"/>
+          </p:cNvSpPr>
+          <p:nvPr>
+            <p:ph type="ftr" sz="quarter" idx="11"/>
+          </p:nvPr>
+        </p:nvSpPr>
+        <p:spPr/>
+        <p:txBody>
+          <a:bodyPr/>
+          <a:lstStyle/>
+          <a:p>
+            <a:r>
               <a:rPr lang="en-US"/>
-              <a:t>August 2019, CC BY-SA 4.0</a:t>
-            </a:r>
-          </a:p>
-        </p:txBody>
-      </p:sp>
-      <p:sp>
-        <p:nvSpPr>
-          <p:cNvPr id="11" name="Footer Placeholder 10"/>
-          <p:cNvSpPr>
-            <a:spLocks noGrp="1"/>
-          </p:cNvSpPr>
-          <p:nvPr>
-            <p:ph type="ftr" sz="quarter" idx="11"/>
-          </p:nvPr>
-        </p:nvSpPr>
-        <p:spPr/>
-        <p:txBody>
-          <a:bodyPr/>
-          <a:lstStyle/>
-          <a:p>
-            <a:r>
-              <a:rPr lang="en-US"/>
-              <a:t>Testing scientific code, v12.0</a:t>
+              <a:t>Continuous integration, v1.0</a:t>
             </a:r>
           </a:p>
         </p:txBody>
@@ -1846,8 +1960,8 @@
           </a:lstStyle>
           <a:p>
             <a:r>
-              <a:rPr lang="en-US" sz="1000"/>
-              <a:t>August 2019, CC BY-SA 4.0</a:t>
+              <a:rPr lang="de-CH" sz="1000"/>
+              <a:t>August 2021, CC BY-SA 4.0</a:t>
             </a:r>
             <a:endParaRPr lang="en-US" sz="1000" dirty="0"/>
           </a:p>
@@ -1874,7 +1988,7 @@
           <a:p>
             <a:r>
               <a:rPr lang="en-US"/>
-              <a:t>Testing scientific code, v12.0</a:t>
+              <a:t>Continuous integration, v1.0</a:t>
             </a:r>
             <a:endParaRPr lang="en-US" dirty="0"/>
           </a:p>
@@ -2153,30 +2267,31 @@
           <a:lstStyle/>
           <a:p>
             <a:r>
+              <a:rPr lang="de-CH"/>
+              <a:t>August 2021, CC BY-SA 4.0</a:t>
+            </a:r>
+            <a:endParaRPr lang="en-US"/>
+          </a:p>
+        </p:txBody>
+      </p:sp>
+      <p:sp>
+        <p:nvSpPr>
+          <p:cNvPr id="10" name="Footer Placeholder 9"/>
+          <p:cNvSpPr>
+            <a:spLocks noGrp="1"/>
+          </p:cNvSpPr>
+          <p:nvPr>
+            <p:ph type="ftr" sz="quarter" idx="11"/>
+          </p:nvPr>
+        </p:nvSpPr>
+        <p:spPr/>
+        <p:txBody>
+          <a:bodyPr/>
+          <a:lstStyle/>
+          <a:p>
+            <a:r>
               <a:rPr lang="en-US"/>
-              <a:t>August 2019, CC BY-SA 4.0</a:t>
-            </a:r>
-          </a:p>
-        </p:txBody>
-      </p:sp>
-      <p:sp>
-        <p:nvSpPr>
-          <p:cNvPr id="10" name="Footer Placeholder 9"/>
-          <p:cNvSpPr>
-            <a:spLocks noGrp="1"/>
-          </p:cNvSpPr>
-          <p:nvPr>
-            <p:ph type="ftr" sz="quarter" idx="11"/>
-          </p:nvPr>
-        </p:nvSpPr>
-        <p:spPr/>
-        <p:txBody>
-          <a:bodyPr/>
-          <a:lstStyle/>
-          <a:p>
-            <a:r>
-              <a:rPr lang="en-US"/>
-              <a:t>Testing scientific code, v12.0</a:t>
+              <a:t>Continuous integration, v1.0</a:t>
             </a:r>
           </a:p>
         </p:txBody>
@@ -2387,30 +2502,31 @@
           <a:lstStyle/>
           <a:p>
             <a:r>
+              <a:rPr lang="de-CH"/>
+              <a:t>August 2021, CC BY-SA 4.0</a:t>
+            </a:r>
+            <a:endParaRPr lang="en-US"/>
+          </a:p>
+        </p:txBody>
+      </p:sp>
+      <p:sp>
+        <p:nvSpPr>
+          <p:cNvPr id="4" name="Footer Placeholder 3"/>
+          <p:cNvSpPr>
+            <a:spLocks noGrp="1"/>
+          </p:cNvSpPr>
+          <p:nvPr>
+            <p:ph type="ftr" sz="quarter" idx="11"/>
+          </p:nvPr>
+        </p:nvSpPr>
+        <p:spPr/>
+        <p:txBody>
+          <a:bodyPr/>
+          <a:lstStyle/>
+          <a:p>
+            <a:r>
               <a:rPr lang="en-US"/>
-              <a:t>August 2019, CC BY-SA 4.0</a:t>
-            </a:r>
-          </a:p>
-        </p:txBody>
-      </p:sp>
-      <p:sp>
-        <p:nvSpPr>
-          <p:cNvPr id="4" name="Footer Placeholder 3"/>
-          <p:cNvSpPr>
-            <a:spLocks noGrp="1"/>
-          </p:cNvSpPr>
-          <p:nvPr>
-            <p:ph type="ftr" sz="quarter" idx="11"/>
-          </p:nvPr>
-        </p:nvSpPr>
-        <p:spPr/>
-        <p:txBody>
-          <a:bodyPr/>
-          <a:lstStyle/>
-          <a:p>
-            <a:r>
-              <a:rPr lang="en-US"/>
-              <a:t>Testing scientific code, v12.0</a:t>
+              <a:t>Continuous integration, v1.0</a:t>
             </a:r>
           </a:p>
         </p:txBody>
@@ -2741,30 +2857,31 @@
           <a:lstStyle/>
           <a:p>
             <a:r>
+              <a:rPr lang="de-CH"/>
+              <a:t>August 2021, CC BY-SA 4.0</a:t>
+            </a:r>
+            <a:endParaRPr lang="en-US"/>
+          </a:p>
+        </p:txBody>
+      </p:sp>
+      <p:sp>
+        <p:nvSpPr>
+          <p:cNvPr id="6" name="Footer Placeholder 5"/>
+          <p:cNvSpPr>
+            <a:spLocks noGrp="1"/>
+          </p:cNvSpPr>
+          <p:nvPr>
+            <p:ph type="ftr" sz="quarter" idx="11"/>
+          </p:nvPr>
+        </p:nvSpPr>
+        <p:spPr/>
+        <p:txBody>
+          <a:bodyPr/>
+          <a:lstStyle/>
+          <a:p>
+            <a:r>
               <a:rPr lang="en-US"/>
-              <a:t>August 2019, CC BY-SA 4.0</a:t>
-            </a:r>
-          </a:p>
-        </p:txBody>
-      </p:sp>
-      <p:sp>
-        <p:nvSpPr>
-          <p:cNvPr id="6" name="Footer Placeholder 5"/>
-          <p:cNvSpPr>
-            <a:spLocks noGrp="1"/>
-          </p:cNvSpPr>
-          <p:nvPr>
-            <p:ph type="ftr" sz="quarter" idx="11"/>
-          </p:nvPr>
-        </p:nvSpPr>
-        <p:spPr/>
-        <p:txBody>
-          <a:bodyPr/>
-          <a:lstStyle/>
-          <a:p>
-            <a:r>
-              <a:rPr lang="en-US"/>
-              <a:t>Testing scientific code, v12.0</a:t>
+              <a:t>Continuous integration, v1.0</a:t>
             </a:r>
           </a:p>
         </p:txBody>
@@ -2911,30 +3028,31 @@
           <a:lstStyle/>
           <a:p>
             <a:r>
+              <a:rPr lang="de-CH"/>
+              <a:t>August 2021, CC BY-SA 4.0</a:t>
+            </a:r>
+            <a:endParaRPr lang="en-US"/>
+          </a:p>
+        </p:txBody>
+      </p:sp>
+      <p:sp>
+        <p:nvSpPr>
+          <p:cNvPr id="8" name="Footer Placeholder 7"/>
+          <p:cNvSpPr>
+            <a:spLocks noGrp="1"/>
+          </p:cNvSpPr>
+          <p:nvPr>
+            <p:ph type="ftr" sz="quarter" idx="11"/>
+          </p:nvPr>
+        </p:nvSpPr>
+        <p:spPr/>
+        <p:txBody>
+          <a:bodyPr/>
+          <a:lstStyle/>
+          <a:p>
+            <a:r>
               <a:rPr lang="en-US"/>
-              <a:t>August 2019, CC BY-SA 4.0</a:t>
-            </a:r>
-          </a:p>
-        </p:txBody>
-      </p:sp>
-      <p:sp>
-        <p:nvSpPr>
-          <p:cNvPr id="8" name="Footer Placeholder 7"/>
-          <p:cNvSpPr>
-            <a:spLocks noGrp="1"/>
-          </p:cNvSpPr>
-          <p:nvPr>
-            <p:ph type="ftr" sz="quarter" idx="11"/>
-          </p:nvPr>
-        </p:nvSpPr>
-        <p:spPr/>
-        <p:txBody>
-          <a:bodyPr/>
-          <a:lstStyle/>
-          <a:p>
-            <a:r>
-              <a:rPr lang="en-US"/>
-              <a:t>Testing scientific code, v12.0</a:t>
+              <a:t>Continuous integration, v1.0</a:t>
             </a:r>
           </a:p>
         </p:txBody>
@@ -3090,30 +3208,31 @@
           <a:lstStyle/>
           <a:p>
             <a:r>
+              <a:rPr lang="de-CH"/>
+              <a:t>August 2021, CC BY-SA 4.0</a:t>
+            </a:r>
+            <a:endParaRPr lang="en-US"/>
+          </a:p>
+        </p:txBody>
+      </p:sp>
+      <p:sp>
+        <p:nvSpPr>
+          <p:cNvPr id="8" name="Footer Placeholder 7"/>
+          <p:cNvSpPr>
+            <a:spLocks noGrp="1"/>
+          </p:cNvSpPr>
+          <p:nvPr>
+            <p:ph type="ftr" sz="quarter" idx="11"/>
+          </p:nvPr>
+        </p:nvSpPr>
+        <p:spPr/>
+        <p:txBody>
+          <a:bodyPr/>
+          <a:lstStyle/>
+          <a:p>
+            <a:r>
               <a:rPr lang="en-US"/>
-              <a:t>August 2019, CC BY-SA 4.0</a:t>
-            </a:r>
-          </a:p>
-        </p:txBody>
-      </p:sp>
-      <p:sp>
-        <p:nvSpPr>
-          <p:cNvPr id="8" name="Footer Placeholder 7"/>
-          <p:cNvSpPr>
-            <a:spLocks noGrp="1"/>
-          </p:cNvSpPr>
-          <p:nvPr>
-            <p:ph type="ftr" sz="quarter" idx="11"/>
-          </p:nvPr>
-        </p:nvSpPr>
-        <p:spPr/>
-        <p:txBody>
-          <a:bodyPr/>
-          <a:lstStyle/>
-          <a:p>
-            <a:r>
-              <a:rPr lang="en-US"/>
-              <a:t>Testing scientific code, v12.0</a:t>
+              <a:t>Continuous integration, v1.0</a:t>
             </a:r>
           </a:p>
         </p:txBody>
@@ -3462,30 +3581,31 @@
           <a:lstStyle/>
           <a:p>
             <a:r>
+              <a:rPr lang="de-CH"/>
+              <a:t>August 2021, CC BY-SA 4.0</a:t>
+            </a:r>
+            <a:endParaRPr lang="en-US"/>
+          </a:p>
+        </p:txBody>
+      </p:sp>
+      <p:sp>
+        <p:nvSpPr>
+          <p:cNvPr id="11" name="Footer Placeholder 10"/>
+          <p:cNvSpPr>
+            <a:spLocks noGrp="1"/>
+          </p:cNvSpPr>
+          <p:nvPr>
+            <p:ph type="ftr" sz="quarter" idx="11"/>
+          </p:nvPr>
+        </p:nvSpPr>
+        <p:spPr/>
+        <p:txBody>
+          <a:bodyPr/>
+          <a:lstStyle/>
+          <a:p>
+            <a:r>
               <a:rPr lang="en-US"/>
-              <a:t>August 2019, CC BY-SA 4.0</a:t>
-            </a:r>
-          </a:p>
-        </p:txBody>
-      </p:sp>
-      <p:sp>
-        <p:nvSpPr>
-          <p:cNvPr id="11" name="Footer Placeholder 10"/>
-          <p:cNvSpPr>
-            <a:spLocks noGrp="1"/>
-          </p:cNvSpPr>
-          <p:nvPr>
-            <p:ph type="ftr" sz="quarter" idx="11"/>
-          </p:nvPr>
-        </p:nvSpPr>
-        <p:spPr/>
-        <p:txBody>
-          <a:bodyPr/>
-          <a:lstStyle/>
-          <a:p>
-            <a:r>
-              <a:rPr lang="en-US"/>
-              <a:t>Testing scientific code, v12.0</a:t>
+              <a:t>Continuous integration, v1.0</a:t>
             </a:r>
           </a:p>
         </p:txBody>
@@ -3692,30 +3812,31 @@
           <a:lstStyle/>
           <a:p>
             <a:r>
+              <a:rPr lang="de-CH"/>
+              <a:t>August 2021, CC BY-SA 4.0</a:t>
+            </a:r>
+            <a:endParaRPr lang="en-US"/>
+          </a:p>
+        </p:txBody>
+      </p:sp>
+      <p:sp>
+        <p:nvSpPr>
+          <p:cNvPr id="6" name="Footer Placeholder 5"/>
+          <p:cNvSpPr>
+            <a:spLocks noGrp="1"/>
+          </p:cNvSpPr>
+          <p:nvPr>
+            <p:ph type="ftr" sz="quarter" idx="11"/>
+          </p:nvPr>
+        </p:nvSpPr>
+        <p:spPr/>
+        <p:txBody>
+          <a:bodyPr/>
+          <a:lstStyle/>
+          <a:p>
+            <a:r>
               <a:rPr lang="en-US"/>
-              <a:t>August 2019, CC BY-SA 4.0</a:t>
-            </a:r>
-          </a:p>
-        </p:txBody>
-      </p:sp>
-      <p:sp>
-        <p:nvSpPr>
-          <p:cNvPr id="6" name="Footer Placeholder 5"/>
-          <p:cNvSpPr>
-            <a:spLocks noGrp="1"/>
-          </p:cNvSpPr>
-          <p:nvPr>
-            <p:ph type="ftr" sz="quarter" idx="11"/>
-          </p:nvPr>
-        </p:nvSpPr>
-        <p:spPr/>
-        <p:txBody>
-          <a:bodyPr/>
-          <a:lstStyle/>
-          <a:p>
-            <a:r>
-              <a:rPr lang="en-US"/>
-              <a:t>Testing scientific code, v12.0</a:t>
+              <a:t>Continuous integration, v1.0</a:t>
             </a:r>
           </a:p>
         </p:txBody>
@@ -4031,8 +4152,8 @@
           </a:lstStyle>
           <a:p>
             <a:r>
-              <a:rPr lang="en-US"/>
-              <a:t>August 2019, CC BY-SA 4.0</a:t>
+              <a:rPr lang="de-CH"/>
+              <a:t>August 2021, CC BY-SA 4.0</a:t>
             </a:r>
             <a:endParaRPr lang="en-US" dirty="0"/>
           </a:p>
@@ -4071,7 +4192,7 @@
           <a:p>
             <a:r>
               <a:rPr lang="en-US"/>
-              <a:t>Testing scientific code, v12.0</a:t>
+              <a:t>Continuous integration, v1.0</a:t>
             </a:r>
             <a:endParaRPr lang="en-US" dirty="0"/>
           </a:p>
@@ -4630,7 +4751,7 @@
         </p:nvSpPr>
         <p:spPr>
           <a:xfrm>
-            <a:off x="1187624" y="3609231"/>
+            <a:off x="1924944" y="3609231"/>
             <a:ext cx="6120680" cy="533400"/>
           </a:xfrm>
         </p:spPr>
@@ -4642,40 +4763,19 @@
           <a:p>
             <a:r>
               <a:rPr lang="en-GB" sz="2800" dirty="0"/>
-              <a:t>Pietro Berkes, NAGRA </a:t>
+              <a:t>Lisa </a:t>
             </a:r>
             <a:r>
               <a:rPr lang="en-GB" sz="2800" dirty="0" err="1"/>
-              <a:t>Insight</a:t>
-            </a:r>
-            <a:endParaRPr lang="en-GB" sz="2800" dirty="0"/>
-          </a:p>
-        </p:txBody>
-      </p:sp>
-      <p:pic>
-        <p:nvPicPr>
-          <p:cNvPr id="4" name="Picture 3"/>
-          <p:cNvPicPr>
-            <a:picLocks noChangeAspect="1"/>
-          </p:cNvPicPr>
-          <p:nvPr/>
-        </p:nvPicPr>
-        <p:blipFill>
-          <a:blip r:embed="rId3"/>
-          <a:stretch>
-            <a:fillRect/>
-          </a:stretch>
-        </p:blipFill>
-        <p:spPr>
-          <a:xfrm>
-            <a:off x="7380312" y="3428999"/>
-            <a:ext cx="864096" cy="946185"/>
-          </a:xfrm>
-          <a:prstGeom prst="rect">
-            <a:avLst/>
-          </a:prstGeom>
-        </p:spPr>
-      </p:pic>
+              <a:t>Schwetlick</a:t>
+            </a:r>
+            <a:r>
+              <a:rPr lang="en-GB" sz="2800" dirty="0"/>
+              <a:t> and Pietro Berkes</a:t>
+            </a:r>
+          </a:p>
+        </p:txBody>
+      </p:sp>
     </p:spTree>
   </p:cSld>
   <p:clrMapOvr>
@@ -4706,7 +4806,7 @@
           <p:cNvPr id="2" name="Title 1">
             <a:extLst>
               <a:ext uri="{FF2B5EF4-FFF2-40B4-BE49-F238E27FC236}">
-                <a16:creationId xmlns:a16="http://schemas.microsoft.com/office/drawing/2014/main" id="{33165359-9CD5-EF41-9C08-A5F425B6C08E}"/>
+                <a16:creationId xmlns:a16="http://schemas.microsoft.com/office/drawing/2014/main" id="{C7CDE157-4CBF-1945-A0D6-4ACAD77885F7}"/>
               </a:ext>
             </a:extLst>
           </p:cNvPr>
@@ -4723,105 +4823,53 @@
           <a:lstStyle/>
           <a:p>
             <a:r>
-              <a:rPr lang="de-DE" dirty="0"/>
-              <a:t>Hands On!</a:t>
-            </a:r>
-            <a:endParaRPr lang="en-CH" dirty="0"/>
-          </a:p>
-        </p:txBody>
-      </p:sp>
-      <p:sp>
-        <p:nvSpPr>
-          <p:cNvPr id="3" name="Content Placeholder 2">
+              <a:rPr lang="en-DE" dirty="0"/>
+              <a:t>Github Actions</a:t>
+            </a:r>
+          </a:p>
+        </p:txBody>
+      </p:sp>
+      <p:pic>
+        <p:nvPicPr>
+          <p:cNvPr id="7" name="Content Placeholder 6" descr="A screenshot of a computer&#10;&#10;Description automatically generated">
             <a:extLst>
               <a:ext uri="{FF2B5EF4-FFF2-40B4-BE49-F238E27FC236}">
-                <a16:creationId xmlns:a16="http://schemas.microsoft.com/office/drawing/2014/main" id="{1C9C9C51-D00C-9945-9623-98BDACA07638}"/>
+                <a16:creationId xmlns:a16="http://schemas.microsoft.com/office/drawing/2014/main" id="{23A74B6E-928C-724A-84B7-6BF823057F76}"/>
               </a:ext>
             </a:extLst>
           </p:cNvPr>
-          <p:cNvSpPr>
-            <a:spLocks noGrp="1"/>
-          </p:cNvSpPr>
+          <p:cNvPicPr>
+            <a:picLocks noGrp="1" noChangeAspect="1"/>
+          </p:cNvPicPr>
           <p:nvPr>
             <p:ph sz="quarter" idx="1"/>
           </p:nvPr>
-        </p:nvSpPr>
-        <p:spPr/>
-        <p:txBody>
-          <a:bodyPr/>
-          <a:lstStyle/>
-          <a:p>
-            <a:r>
-              <a:rPr lang="de-DE" dirty="0"/>
-              <a:t>Add a CI </a:t>
-            </a:r>
-            <a:r>
-              <a:rPr lang="de-DE" dirty="0" err="1"/>
-              <a:t>pipeline</a:t>
-            </a:r>
-            <a:r>
-              <a:rPr lang="de-DE" dirty="0"/>
-              <a:t> </a:t>
-            </a:r>
-            <a:r>
-              <a:rPr lang="de-DE" dirty="0" err="1"/>
-              <a:t>to</a:t>
-            </a:r>
-            <a:r>
-              <a:rPr lang="de-DE" dirty="0"/>
-              <a:t> </a:t>
-            </a:r>
-            <a:r>
-              <a:rPr lang="de-DE" dirty="0" err="1"/>
-              <a:t>your</a:t>
-            </a:r>
-            <a:r>
-              <a:rPr lang="de-DE" dirty="0"/>
-              <a:t> </a:t>
-            </a:r>
-            <a:r>
-              <a:rPr lang="de-DE" dirty="0" err="1"/>
-              <a:t>logistic</a:t>
-            </a:r>
-            <a:r>
-              <a:rPr lang="de-DE" dirty="0"/>
-              <a:t> </a:t>
-            </a:r>
-            <a:r>
-              <a:rPr lang="de-DE" dirty="0" err="1"/>
-              <a:t>function</a:t>
-            </a:r>
-            <a:r>
-              <a:rPr lang="de-DE" dirty="0"/>
-              <a:t> </a:t>
-            </a:r>
-            <a:r>
-              <a:rPr lang="de-DE" dirty="0" err="1"/>
-              <a:t>project</a:t>
-            </a:r>
-            <a:r>
-              <a:rPr lang="de-DE" dirty="0"/>
-              <a:t>!</a:t>
-            </a:r>
-            <a:endParaRPr lang="en-CH" dirty="0"/>
-          </a:p>
-          <a:p>
-            <a:pPr marL="0" indent="0">
-              <a:buNone/>
-            </a:pPr>
-            <a:endParaRPr lang="en-CH" dirty="0"/>
-          </a:p>
-          <a:p>
-            <a:endParaRPr lang="en-CH" dirty="0"/>
-          </a:p>
-        </p:txBody>
-      </p:sp>
+        </p:nvPicPr>
+        <p:blipFill>
+          <a:blip r:embed="rId2">
+            <a:extLst>
+              <a:ext uri="{28A0092B-C50C-407E-A947-70E740481C1C}">
+                <a14:useLocalDpi xmlns:a14="http://schemas.microsoft.com/office/drawing/2010/main" val="0"/>
+              </a:ext>
+            </a:extLst>
+          </a:blip>
+          <a:stretch>
+            <a:fillRect/>
+          </a:stretch>
+        </p:blipFill>
+        <p:spPr>
+          <a:xfrm>
+            <a:off x="105306" y="2466161"/>
+            <a:ext cx="8933387" cy="2520280"/>
+          </a:xfrm>
+        </p:spPr>
+      </p:pic>
       <p:sp>
         <p:nvSpPr>
           <p:cNvPr id="4" name="Date Placeholder 3">
             <a:extLst>
               <a:ext uri="{FF2B5EF4-FFF2-40B4-BE49-F238E27FC236}">
-                <a16:creationId xmlns:a16="http://schemas.microsoft.com/office/drawing/2014/main" id="{06E829B2-1694-924F-8E80-036B417E1533}"/>
+                <a16:creationId xmlns:a16="http://schemas.microsoft.com/office/drawing/2014/main" id="{342FFAB5-423B-1D41-B2C5-C1A2600E6F90}"/>
               </a:ext>
             </a:extLst>
           </p:cNvPr>
@@ -4838,8 +4886,8 @@
           <a:lstStyle/>
           <a:p>
             <a:r>
-              <a:rPr lang="en-US" sz="1000"/>
-              <a:t>August 2019, CC BY-SA 4.0</a:t>
+              <a:rPr lang="de-CH" sz="1000"/>
+              <a:t>August 2021, CC BY-SA 4.0</a:t>
             </a:r>
             <a:endParaRPr lang="en-US" sz="1000" dirty="0"/>
           </a:p>
@@ -4850,7 +4898,7 @@
           <p:cNvPr id="5" name="Footer Placeholder 4">
             <a:extLst>
               <a:ext uri="{FF2B5EF4-FFF2-40B4-BE49-F238E27FC236}">
-                <a16:creationId xmlns:a16="http://schemas.microsoft.com/office/drawing/2014/main" id="{AFBE3539-299D-3540-AAA7-1CDBAAD0E777}"/>
+                <a16:creationId xmlns:a16="http://schemas.microsoft.com/office/drawing/2014/main" id="{90C36CB0-9AB6-CE4F-B8E4-260EF8D0233A}"/>
               </a:ext>
             </a:extLst>
           </p:cNvPr>
@@ -4868,7 +4916,7 @@
           <a:p>
             <a:r>
               <a:rPr lang="en-US"/>
-              <a:t>Testing scientific code, v12.0</a:t>
+              <a:t>Continuous integration, v1.0</a:t>
             </a:r>
             <a:endParaRPr lang="en-US" dirty="0"/>
           </a:p>
@@ -4877,7 +4925,7 @@
     </p:spTree>
     <p:extLst>
       <p:ext uri="{BB962C8B-B14F-4D97-AF65-F5344CB8AC3E}">
-        <p14:creationId xmlns:p14="http://schemas.microsoft.com/office/powerpoint/2010/main" val="492757597"/>
+        <p14:creationId xmlns:p14="http://schemas.microsoft.com/office/powerpoint/2010/main" val="3480709266"/>
       </p:ext>
     </p:extLst>
   </p:cSld>
@@ -4906,10 +4954,10 @@
       </p:grpSpPr>
       <p:sp>
         <p:nvSpPr>
-          <p:cNvPr id="2" name="Title 1">
+          <p:cNvPr id="10" name="Title 9">
             <a:extLst>
               <a:ext uri="{FF2B5EF4-FFF2-40B4-BE49-F238E27FC236}">
-                <a16:creationId xmlns:a16="http://schemas.microsoft.com/office/drawing/2014/main" id="{B7017452-BCB9-F741-8FCF-3C44B11F783B}"/>
+                <a16:creationId xmlns:a16="http://schemas.microsoft.com/office/drawing/2014/main" id="{6BCDDE6C-95FD-C646-A705-53F2F10B2BB2}"/>
               </a:ext>
             </a:extLst>
           </p:cNvPr>
@@ -4929,22 +4977,17 @@
           <a:p>
             <a:r>
               <a:rPr lang="en-CH" dirty="0"/>
-              <a:t>Notes on how to use </a:t>
-            </a:r>
-            <a:r>
-              <a:rPr lang="en-CH"/>
-              <a:t>github actions (is this best practice?)</a:t>
-            </a:r>
-            <a:endParaRPr lang="en-CH" dirty="0"/>
-          </a:p>
-        </p:txBody>
-      </p:sp>
-      <p:sp>
-        <p:nvSpPr>
-          <p:cNvPr id="3" name="Content Placeholder 2">
+              <a:t>GitHub config file: Simple example to run tests every time a PR is opened or a commit is pushed</a:t>
+            </a:r>
+          </a:p>
+        </p:txBody>
+      </p:sp>
+      <p:sp>
+        <p:nvSpPr>
+          <p:cNvPr id="4" name="Date Placeholder 3">
             <a:extLst>
               <a:ext uri="{FF2B5EF4-FFF2-40B4-BE49-F238E27FC236}">
-                <a16:creationId xmlns:a16="http://schemas.microsoft.com/office/drawing/2014/main" id="{4C8340C5-F3D8-9449-92D1-7DDEB02F0756}"/>
+                <a16:creationId xmlns:a16="http://schemas.microsoft.com/office/drawing/2014/main" id="{98A5A538-B68A-CF4E-B4CD-86663BB3D546}"/>
               </a:ext>
             </a:extLst>
           </p:cNvPr>
@@ -4952,7 +4995,7 @@
             <a:spLocks noGrp="1"/>
           </p:cNvSpPr>
           <p:nvPr>
-            <p:ph sz="quarter" idx="1"/>
+            <p:ph type="dt" sz="half" idx="10"/>
           </p:nvPr>
         </p:nvSpPr>
         <p:spPr/>
@@ -4961,106 +5004,19 @@
           <a:lstStyle/>
           <a:p>
             <a:r>
-              <a:rPr lang="en-CH" dirty="0"/>
-              <a:t>set trigger to “push, pull_request” without branches so at every push you can see what is going on</a:t>
-            </a:r>
-          </a:p>
-          <a:p>
-            <a:r>
-              <a:rPr lang="en-CH" dirty="0"/>
-              <a:t>debug by looking at ”Actions/workflows” tabs</a:t>
-            </a:r>
-          </a:p>
-          <a:p>
-            <a:r>
-              <a:rPr lang="en-CH" dirty="0"/>
-              <a:t>once it works, add branches (</a:t>
-            </a:r>
-            <a:r>
-              <a:rPr lang="en-CH"/>
-              <a:t>typically </a:t>
-            </a:r>
-            <a:r>
-              <a:rPr lang="de-DE" dirty="0" err="1"/>
-              <a:t>main</a:t>
-            </a:r>
-            <a:r>
-              <a:rPr lang="en-CH"/>
-              <a:t>) </a:t>
-            </a:r>
-            <a:r>
-              <a:rPr lang="en-CH" dirty="0"/>
-              <a:t>if it makes more sense for you</a:t>
-            </a:r>
-          </a:p>
-          <a:p>
-            <a:r>
-              <a:rPr lang="en-CH" dirty="0"/>
-              <a:t>PR -&gt; Actions run</a:t>
-            </a:r>
-          </a:p>
-          <a:p>
-            <a:r>
-              <a:rPr lang="en-CH" dirty="0"/>
-              <a:t>Executed</a:t>
-            </a:r>
-            <a:r>
-              <a:rPr lang="en-CH"/>
-              <a:t>: </a:t>
-            </a:r>
-            <a:endParaRPr lang="de-DE" dirty="0"/>
-          </a:p>
-          <a:p>
-            <a:pPr lvl="1"/>
-            <a:r>
-              <a:rPr lang="en-CH"/>
-              <a:t>1</a:t>
-            </a:r>
-            <a:r>
-              <a:rPr lang="en-CH" dirty="0"/>
-              <a:t>) when pushed to branch, on branch current </a:t>
-            </a:r>
-            <a:r>
-              <a:rPr lang="en-CH"/>
-              <a:t>state </a:t>
-            </a:r>
-            <a:endParaRPr lang="de-DE" dirty="0"/>
-          </a:p>
-          <a:p>
-            <a:pPr lvl="1"/>
-            <a:r>
-              <a:rPr lang="en-CH"/>
-              <a:t>2</a:t>
-            </a:r>
-            <a:r>
-              <a:rPr lang="en-CH" dirty="0"/>
-              <a:t>) when PR is made, on PR branch final </a:t>
-            </a:r>
-            <a:r>
-              <a:rPr lang="en-CH"/>
-              <a:t>state </a:t>
-            </a:r>
-            <a:endParaRPr lang="de-DE" dirty="0"/>
-          </a:p>
-          <a:p>
-            <a:pPr lvl="1"/>
-            <a:r>
-              <a:rPr lang="en-CH"/>
-              <a:t>3</a:t>
-            </a:r>
-            <a:r>
-              <a:rPr lang="en-CH" dirty="0"/>
-              <a:t>) when merged to master (push), on the master+PR final status</a:t>
-            </a:r>
-          </a:p>
-        </p:txBody>
-      </p:sp>
-      <p:sp>
-        <p:nvSpPr>
-          <p:cNvPr id="4" name="Date Placeholder 3">
+              <a:rPr lang="de-CH" sz="1000"/>
+              <a:t>August 2021, CC BY-SA 4.0</a:t>
+            </a:r>
+            <a:endParaRPr lang="en-US" sz="1000" dirty="0"/>
+          </a:p>
+        </p:txBody>
+      </p:sp>
+      <p:sp>
+        <p:nvSpPr>
+          <p:cNvPr id="5" name="Footer Placeholder 4">
             <a:extLst>
               <a:ext uri="{FF2B5EF4-FFF2-40B4-BE49-F238E27FC236}">
-                <a16:creationId xmlns:a16="http://schemas.microsoft.com/office/drawing/2014/main" id="{7394CC83-6E3D-F742-8F53-7736E40C9AA4}"/>
+                <a16:creationId xmlns:a16="http://schemas.microsoft.com/office/drawing/2014/main" id="{E326726F-DB75-FC4E-B1FF-F1C9E3CC4514}"/>
               </a:ext>
             </a:extLst>
           </p:cNvPr>
@@ -5068,7 +5024,7 @@
             <a:spLocks noGrp="1"/>
           </p:cNvSpPr>
           <p:nvPr>
-            <p:ph type="dt" sz="half" idx="10"/>
+            <p:ph type="ftr" sz="quarter" idx="11"/>
           </p:nvPr>
         </p:nvSpPr>
         <p:spPr/>
@@ -5077,46 +5033,741 @@
           <a:lstStyle/>
           <a:p>
             <a:r>
-              <a:rPr lang="en-US" sz="1000"/>
-              <a:t>August 2019, CC BY-SA 4.0</a:t>
-            </a:r>
-            <a:endParaRPr lang="en-US" sz="1000" dirty="0"/>
-          </a:p>
-        </p:txBody>
-      </p:sp>
-      <p:sp>
-        <p:nvSpPr>
-          <p:cNvPr id="5" name="Footer Placeholder 4">
+              <a:rPr lang="en-US"/>
+              <a:t>Continuous integration, v1.0</a:t>
+            </a:r>
+            <a:endParaRPr lang="en-US" dirty="0"/>
+          </a:p>
+        </p:txBody>
+      </p:sp>
+      <p:sp>
+        <p:nvSpPr>
+          <p:cNvPr id="9" name="TextBox 8">
             <a:extLst>
               <a:ext uri="{FF2B5EF4-FFF2-40B4-BE49-F238E27FC236}">
-                <a16:creationId xmlns:a16="http://schemas.microsoft.com/office/drawing/2014/main" id="{D160849F-FCBE-794E-BA2F-348B46DAC22D}"/>
+                <a16:creationId xmlns:a16="http://schemas.microsoft.com/office/drawing/2014/main" id="{1C39B175-DFD8-C646-8C37-ABD922326EAB}"/>
               </a:ext>
             </a:extLst>
           </p:cNvPr>
-          <p:cNvSpPr>
-            <a:spLocks noGrp="1"/>
-          </p:cNvSpPr>
-          <p:nvPr>
-            <p:ph type="ftr" sz="quarter" idx="11"/>
-          </p:nvPr>
-        </p:nvSpPr>
-        <p:spPr/>
-        <p:txBody>
-          <a:bodyPr/>
-          <a:lstStyle/>
-          <a:p>
-            <a:r>
-              <a:rPr lang="en-US"/>
-              <a:t>Testing scientific code, v12.0</a:t>
-            </a:r>
-            <a:endParaRPr lang="en-US" dirty="0"/>
+          <p:cNvSpPr txBox="1"/>
+          <p:nvPr/>
+        </p:nvSpPr>
+        <p:spPr>
+          <a:xfrm>
+            <a:off x="853857" y="1719247"/>
+            <a:ext cx="4695516" cy="4401205"/>
+          </a:xfrm>
+          <a:prstGeom prst="rect">
+            <a:avLst/>
+          </a:prstGeom>
+          <a:solidFill>
+            <a:schemeClr val="bg1"/>
+          </a:solidFill>
+        </p:spPr>
+        <p:txBody>
+          <a:bodyPr wrap="none" rtlCol="0">
+            <a:spAutoFit/>
+          </a:bodyPr>
+          <a:lstStyle/>
+          <a:p>
+            <a:r>
+              <a:rPr lang="en-US" sz="1400" dirty="0">
+                <a:latin typeface="Courier New" panose="02070309020205020404" pitchFamily="49" charset="0"/>
+                <a:cs typeface="Courier New" panose="02070309020205020404" pitchFamily="49" charset="0"/>
+              </a:rPr>
+              <a:t>name: Run all the tests for PRs</a:t>
+            </a:r>
+          </a:p>
+          <a:p>
+            <a:r>
+              <a:rPr lang="en-US" sz="1400" dirty="0">
+                <a:latin typeface="Courier New" panose="02070309020205020404" pitchFamily="49" charset="0"/>
+                <a:cs typeface="Courier New" panose="02070309020205020404" pitchFamily="49" charset="0"/>
+              </a:rPr>
+              <a:t>on:</a:t>
+            </a:r>
+          </a:p>
+          <a:p>
+            <a:r>
+              <a:rPr lang="en-US" sz="1400" dirty="0">
+                <a:latin typeface="Courier New" panose="02070309020205020404" pitchFamily="49" charset="0"/>
+                <a:cs typeface="Courier New" panose="02070309020205020404" pitchFamily="49" charset="0"/>
+              </a:rPr>
+              <a:t>  [push, </a:t>
+            </a:r>
+            <a:r>
+              <a:rPr lang="en-US" sz="1400" dirty="0" err="1">
+                <a:latin typeface="Courier New" panose="02070309020205020404" pitchFamily="49" charset="0"/>
+                <a:cs typeface="Courier New" panose="02070309020205020404" pitchFamily="49" charset="0"/>
+              </a:rPr>
+              <a:t>pull_request</a:t>
+            </a:r>
+            <a:r>
+              <a:rPr lang="en-US" sz="1400" dirty="0">
+                <a:latin typeface="Courier New" panose="02070309020205020404" pitchFamily="49" charset="0"/>
+                <a:cs typeface="Courier New" panose="02070309020205020404" pitchFamily="49" charset="0"/>
+              </a:rPr>
+              <a:t>]</a:t>
+            </a:r>
+          </a:p>
+          <a:p>
+            <a:endParaRPr lang="en-US" sz="1400" dirty="0">
+              <a:latin typeface="Courier New" panose="02070309020205020404" pitchFamily="49" charset="0"/>
+              <a:cs typeface="Courier New" panose="02070309020205020404" pitchFamily="49" charset="0"/>
+            </a:endParaRPr>
+          </a:p>
+          <a:p>
+            <a:r>
+              <a:rPr lang="en-US" sz="1400" dirty="0">
+                <a:latin typeface="Courier New" panose="02070309020205020404" pitchFamily="49" charset="0"/>
+                <a:cs typeface="Courier New" panose="02070309020205020404" pitchFamily="49" charset="0"/>
+              </a:rPr>
+              <a:t>jobs:</a:t>
+            </a:r>
+          </a:p>
+          <a:p>
+            <a:r>
+              <a:rPr lang="en-US" sz="1400" dirty="0">
+                <a:latin typeface="Courier New" panose="02070309020205020404" pitchFamily="49" charset="0"/>
+                <a:cs typeface="Courier New" panose="02070309020205020404" pitchFamily="49" charset="0"/>
+              </a:rPr>
+              <a:t>  run-tests:</a:t>
+            </a:r>
+          </a:p>
+          <a:p>
+            <a:r>
+              <a:rPr lang="en-US" sz="1400" dirty="0">
+                <a:latin typeface="Courier New" panose="02070309020205020404" pitchFamily="49" charset="0"/>
+                <a:cs typeface="Courier New" panose="02070309020205020404" pitchFamily="49" charset="0"/>
+              </a:rPr>
+              <a:t>    runs-on: ubuntu-latest</a:t>
+            </a:r>
+          </a:p>
+          <a:p>
+            <a:endParaRPr lang="en-US" sz="1400" dirty="0">
+              <a:latin typeface="Courier New" panose="02070309020205020404" pitchFamily="49" charset="0"/>
+              <a:cs typeface="Courier New" panose="02070309020205020404" pitchFamily="49" charset="0"/>
+            </a:endParaRPr>
+          </a:p>
+          <a:p>
+            <a:r>
+              <a:rPr lang="en-US" sz="1400" dirty="0">
+                <a:latin typeface="Courier New" panose="02070309020205020404" pitchFamily="49" charset="0"/>
+                <a:cs typeface="Courier New" panose="02070309020205020404" pitchFamily="49" charset="0"/>
+              </a:rPr>
+              <a:t>    steps:</a:t>
+            </a:r>
+          </a:p>
+          <a:p>
+            <a:r>
+              <a:rPr lang="en-US" sz="1400" dirty="0">
+                <a:latin typeface="Courier New" panose="02070309020205020404" pitchFamily="49" charset="0"/>
+                <a:cs typeface="Courier New" panose="02070309020205020404" pitchFamily="49" charset="0"/>
+              </a:rPr>
+              <a:t>    - uses: actions/checkout@v2</a:t>
+            </a:r>
+          </a:p>
+          <a:p>
+            <a:r>
+              <a:rPr lang="en-US" sz="1400" dirty="0">
+                <a:latin typeface="Courier New" panose="02070309020205020404" pitchFamily="49" charset="0"/>
+                <a:cs typeface="Courier New" panose="02070309020205020404" pitchFamily="49" charset="0"/>
+              </a:rPr>
+              <a:t>    - name: Set up Python</a:t>
+            </a:r>
+          </a:p>
+          <a:p>
+            <a:r>
+              <a:rPr lang="en-US" sz="1400" dirty="0">
+                <a:latin typeface="Courier New" panose="02070309020205020404" pitchFamily="49" charset="0"/>
+                <a:cs typeface="Courier New" panose="02070309020205020404" pitchFamily="49" charset="0"/>
+              </a:rPr>
+              <a:t>      uses: actions/setup-python@v2</a:t>
+            </a:r>
+          </a:p>
+          <a:p>
+            <a:r>
+              <a:rPr lang="en-US" sz="1400" dirty="0">
+                <a:latin typeface="Courier New" panose="02070309020205020404" pitchFamily="49" charset="0"/>
+                <a:cs typeface="Courier New" panose="02070309020205020404" pitchFamily="49" charset="0"/>
+              </a:rPr>
+              <a:t>      with:</a:t>
+            </a:r>
+          </a:p>
+          <a:p>
+            <a:r>
+              <a:rPr lang="en-US" sz="1400" dirty="0">
+                <a:latin typeface="Courier New" panose="02070309020205020404" pitchFamily="49" charset="0"/>
+                <a:cs typeface="Courier New" panose="02070309020205020404" pitchFamily="49" charset="0"/>
+              </a:rPr>
+              <a:t>        python-version: 3.9</a:t>
+            </a:r>
+          </a:p>
+          <a:p>
+            <a:r>
+              <a:rPr lang="en-US" sz="1400" dirty="0">
+                <a:latin typeface="Courier New" panose="02070309020205020404" pitchFamily="49" charset="0"/>
+                <a:cs typeface="Courier New" panose="02070309020205020404" pitchFamily="49" charset="0"/>
+              </a:rPr>
+              <a:t>    - name: Install dependencies</a:t>
+            </a:r>
+          </a:p>
+          <a:p>
+            <a:r>
+              <a:rPr lang="en-US" sz="1400" dirty="0">
+                <a:latin typeface="Courier New" panose="02070309020205020404" pitchFamily="49" charset="0"/>
+                <a:cs typeface="Courier New" panose="02070309020205020404" pitchFamily="49" charset="0"/>
+              </a:rPr>
+              <a:t>      run:</a:t>
+            </a:r>
+          </a:p>
+          <a:p>
+            <a:r>
+              <a:rPr lang="en-US" sz="1400" dirty="0">
+                <a:latin typeface="Courier New" panose="02070309020205020404" pitchFamily="49" charset="0"/>
+                <a:cs typeface="Courier New" panose="02070309020205020404" pitchFamily="49" charset="0"/>
+              </a:rPr>
+              <a:t>        python -m pip install </a:t>
+            </a:r>
+            <a:r>
+              <a:rPr lang="en-US" sz="1400" dirty="0" err="1">
+                <a:latin typeface="Courier New" panose="02070309020205020404" pitchFamily="49" charset="0"/>
+                <a:cs typeface="Courier New" panose="02070309020205020404" pitchFamily="49" charset="0"/>
+              </a:rPr>
+              <a:t>pytest</a:t>
+            </a:r>
+            <a:r>
+              <a:rPr lang="en-US" sz="1400" dirty="0">
+                <a:latin typeface="Courier New" panose="02070309020205020404" pitchFamily="49" charset="0"/>
+                <a:cs typeface="Courier New" panose="02070309020205020404" pitchFamily="49" charset="0"/>
+              </a:rPr>
+              <a:t> </a:t>
+            </a:r>
+            <a:r>
+              <a:rPr lang="en-US" sz="1400" dirty="0" err="1">
+                <a:latin typeface="Courier New" panose="02070309020205020404" pitchFamily="49" charset="0"/>
+                <a:cs typeface="Courier New" panose="02070309020205020404" pitchFamily="49" charset="0"/>
+              </a:rPr>
+              <a:t>numpy</a:t>
+            </a:r>
+            <a:endParaRPr lang="en-US" sz="1400" dirty="0">
+              <a:latin typeface="Courier New" panose="02070309020205020404" pitchFamily="49" charset="0"/>
+              <a:cs typeface="Courier New" panose="02070309020205020404" pitchFamily="49" charset="0"/>
+            </a:endParaRPr>
+          </a:p>
+          <a:p>
+            <a:r>
+              <a:rPr lang="en-US" sz="1400" dirty="0">
+                <a:latin typeface="Courier New" panose="02070309020205020404" pitchFamily="49" charset="0"/>
+                <a:cs typeface="Courier New" panose="02070309020205020404" pitchFamily="49" charset="0"/>
+              </a:rPr>
+              <a:t>    - name: Test with </a:t>
+            </a:r>
+            <a:r>
+              <a:rPr lang="en-US" sz="1400" dirty="0" err="1">
+                <a:latin typeface="Courier New" panose="02070309020205020404" pitchFamily="49" charset="0"/>
+                <a:cs typeface="Courier New" panose="02070309020205020404" pitchFamily="49" charset="0"/>
+              </a:rPr>
+              <a:t>pytest</a:t>
+            </a:r>
+            <a:endParaRPr lang="en-US" sz="1400" dirty="0">
+              <a:latin typeface="Courier New" panose="02070309020205020404" pitchFamily="49" charset="0"/>
+              <a:cs typeface="Courier New" panose="02070309020205020404" pitchFamily="49" charset="0"/>
+            </a:endParaRPr>
+          </a:p>
+          <a:p>
+            <a:r>
+              <a:rPr lang="en-US" sz="1400" dirty="0">
+                <a:latin typeface="Courier New" panose="02070309020205020404" pitchFamily="49" charset="0"/>
+                <a:cs typeface="Courier New" panose="02070309020205020404" pitchFamily="49" charset="0"/>
+              </a:rPr>
+              <a:t>      run:</a:t>
+            </a:r>
+          </a:p>
+          <a:p>
+            <a:r>
+              <a:rPr lang="en-US" sz="1400" dirty="0">
+                <a:latin typeface="Courier New" panose="02070309020205020404" pitchFamily="49" charset="0"/>
+                <a:cs typeface="Courier New" panose="02070309020205020404" pitchFamily="49" charset="0"/>
+              </a:rPr>
+              <a:t>        </a:t>
+            </a:r>
+            <a:r>
+              <a:rPr lang="en-US" sz="1400" dirty="0" err="1">
+                <a:latin typeface="Courier New" panose="02070309020205020404" pitchFamily="49" charset="0"/>
+                <a:cs typeface="Courier New" panose="02070309020205020404" pitchFamily="49" charset="0"/>
+              </a:rPr>
+              <a:t>pytest</a:t>
+            </a:r>
+            <a:r>
+              <a:rPr lang="en-US" sz="1400" dirty="0">
+                <a:latin typeface="Courier New" panose="02070309020205020404" pitchFamily="49" charset="0"/>
+                <a:cs typeface="Courier New" panose="02070309020205020404" pitchFamily="49" charset="0"/>
+              </a:rPr>
+              <a:t> -</a:t>
+            </a:r>
+            <a:r>
+              <a:rPr lang="en-US" sz="1400" dirty="0" err="1">
+                <a:latin typeface="Courier New" panose="02070309020205020404" pitchFamily="49" charset="0"/>
+                <a:cs typeface="Courier New" panose="02070309020205020404" pitchFamily="49" charset="0"/>
+              </a:rPr>
+              <a:t>sv</a:t>
+            </a:r>
+            <a:r>
+              <a:rPr lang="en-US" sz="1400" dirty="0">
+                <a:latin typeface="Courier New" panose="02070309020205020404" pitchFamily="49" charset="0"/>
+                <a:cs typeface="Courier New" panose="02070309020205020404" pitchFamily="49" charset="0"/>
+              </a:rPr>
+              <a:t> </a:t>
+            </a:r>
+            <a:r>
+              <a:rPr lang="en-US" sz="1400" dirty="0" err="1">
+                <a:latin typeface="Courier New" panose="02070309020205020404" pitchFamily="49" charset="0"/>
+                <a:cs typeface="Courier New" panose="02070309020205020404" pitchFamily="49" charset="0"/>
+              </a:rPr>
+              <a:t>hands_on</a:t>
+            </a:r>
+            <a:r>
+              <a:rPr lang="en-US" sz="1400" dirty="0">
+                <a:latin typeface="Courier New" panose="02070309020205020404" pitchFamily="49" charset="0"/>
+                <a:cs typeface="Courier New" panose="02070309020205020404" pitchFamily="49" charset="0"/>
+              </a:rPr>
+              <a:t>/</a:t>
+            </a:r>
+            <a:r>
+              <a:rPr lang="en-US" sz="1400" dirty="0" err="1">
+                <a:latin typeface="Courier New" panose="02070309020205020404" pitchFamily="49" charset="0"/>
+                <a:cs typeface="Courier New" panose="02070309020205020404" pitchFamily="49" charset="0"/>
+              </a:rPr>
+              <a:t>pyanno_voting</a:t>
+            </a:r>
+            <a:endParaRPr lang="en-CH" sz="1400" dirty="0">
+              <a:latin typeface="Courier New" panose="02070309020205020404" pitchFamily="49" charset="0"/>
+              <a:cs typeface="Courier New" panose="02070309020205020404" pitchFamily="49" charset="0"/>
+            </a:endParaRPr>
+          </a:p>
+        </p:txBody>
+      </p:sp>
+      <p:sp>
+        <p:nvSpPr>
+          <p:cNvPr id="11" name="TextBox 10">
+            <a:extLst>
+              <a:ext uri="{FF2B5EF4-FFF2-40B4-BE49-F238E27FC236}">
+                <a16:creationId xmlns:a16="http://schemas.microsoft.com/office/drawing/2014/main" id="{DEE13081-9E83-A44C-B226-BAAABE3F5163}"/>
+              </a:ext>
+            </a:extLst>
+          </p:cNvPr>
+          <p:cNvSpPr txBox="1"/>
+          <p:nvPr/>
+        </p:nvSpPr>
+        <p:spPr>
+          <a:xfrm>
+            <a:off x="457200" y="1124744"/>
+            <a:ext cx="8075240" cy="615553"/>
+          </a:xfrm>
+          <a:prstGeom prst="rect">
+            <a:avLst/>
+          </a:prstGeom>
+          <a:noFill/>
+        </p:spPr>
+        <p:txBody>
+          <a:bodyPr wrap="square" rtlCol="0">
+            <a:spAutoFit/>
+          </a:bodyPr>
+          <a:lstStyle/>
+          <a:p>
+            <a:r>
+              <a:rPr lang="en-CH" sz="1800" dirty="0"/>
+              <a:t>The configuration file is saved somewhere in </a:t>
+            </a:r>
+            <a:br>
+              <a:rPr lang="en-CH" sz="1800" dirty="0"/>
+            </a:br>
+            <a:r>
+              <a:rPr lang="en-CH" sz="1600" dirty="0">
+                <a:latin typeface="Courier New" panose="02070309020205020404" pitchFamily="49" charset="0"/>
+                <a:cs typeface="Courier New" panose="02070309020205020404" pitchFamily="49" charset="0"/>
+              </a:rPr>
+              <a:t>.github/worflows/config-name.yml</a:t>
+            </a:r>
+            <a:endParaRPr lang="en-CH" sz="1800" dirty="0">
+              <a:latin typeface="Courier New" panose="02070309020205020404" pitchFamily="49" charset="0"/>
+              <a:cs typeface="Courier New" panose="02070309020205020404" pitchFamily="49" charset="0"/>
+            </a:endParaRPr>
+          </a:p>
+        </p:txBody>
+      </p:sp>
+      <p:sp>
+        <p:nvSpPr>
+          <p:cNvPr id="12" name="Rectangle 11">
+            <a:extLst>
+              <a:ext uri="{FF2B5EF4-FFF2-40B4-BE49-F238E27FC236}">
+                <a16:creationId xmlns:a16="http://schemas.microsoft.com/office/drawing/2014/main" id="{4F801947-E24A-D048-B9D9-DAE8729A7778}"/>
+              </a:ext>
+            </a:extLst>
+          </p:cNvPr>
+          <p:cNvSpPr/>
+          <p:nvPr/>
+        </p:nvSpPr>
+        <p:spPr>
+          <a:xfrm>
+            <a:off x="853855" y="2008303"/>
+            <a:ext cx="7832943" cy="529206"/>
+          </a:xfrm>
+          <a:prstGeom prst="rect">
+            <a:avLst/>
+          </a:prstGeom>
+          <a:solidFill>
+            <a:srgbClr val="FFFF00">
+              <a:alpha val="30196"/>
+            </a:srgbClr>
+          </a:solidFill>
+          <a:ln>
+            <a:noFill/>
+          </a:ln>
+        </p:spPr>
+        <p:style>
+          <a:lnRef idx="2">
+            <a:schemeClr val="accent1">
+              <a:shade val="50000"/>
+            </a:schemeClr>
+          </a:lnRef>
+          <a:fillRef idx="1">
+            <a:schemeClr val="accent1"/>
+          </a:fillRef>
+          <a:effectRef idx="0">
+            <a:schemeClr val="accent1"/>
+          </a:effectRef>
+          <a:fontRef idx="minor">
+            <a:schemeClr val="lt1"/>
+          </a:fontRef>
+        </p:style>
+        <p:txBody>
+          <a:bodyPr rtlCol="0" anchor="ctr"/>
+          <a:lstStyle/>
+          <a:p>
+            <a:pPr algn="ctr"/>
+            <a:endParaRPr lang="en-CH" dirty="0"/>
+          </a:p>
+        </p:txBody>
+      </p:sp>
+      <p:sp>
+        <p:nvSpPr>
+          <p:cNvPr id="13" name="TextBox 12">
+            <a:extLst>
+              <a:ext uri="{FF2B5EF4-FFF2-40B4-BE49-F238E27FC236}">
+                <a16:creationId xmlns:a16="http://schemas.microsoft.com/office/drawing/2014/main" id="{75978976-BAFF-FA49-B539-F30FEBD8ADB6}"/>
+              </a:ext>
+            </a:extLst>
+          </p:cNvPr>
+          <p:cNvSpPr txBox="1"/>
+          <p:nvPr/>
+        </p:nvSpPr>
+        <p:spPr>
+          <a:xfrm>
+            <a:off x="5491513" y="1959682"/>
+            <a:ext cx="3168352" cy="584775"/>
+          </a:xfrm>
+          <a:prstGeom prst="rect">
+            <a:avLst/>
+          </a:prstGeom>
+          <a:noFill/>
+        </p:spPr>
+        <p:txBody>
+          <a:bodyPr wrap="square" rtlCol="0">
+            <a:spAutoFit/>
+          </a:bodyPr>
+          <a:lstStyle/>
+          <a:p>
+            <a:pPr algn="r"/>
+            <a:r>
+              <a:rPr lang="en-CH" sz="1600" dirty="0"/>
+              <a:t>Specifies the events that trigger the jobs below</a:t>
+            </a:r>
+          </a:p>
+        </p:txBody>
+      </p:sp>
+      <p:sp>
+        <p:nvSpPr>
+          <p:cNvPr id="14" name="Rectangle 13">
+            <a:extLst>
+              <a:ext uri="{FF2B5EF4-FFF2-40B4-BE49-F238E27FC236}">
+                <a16:creationId xmlns:a16="http://schemas.microsoft.com/office/drawing/2014/main" id="{CBB4318B-84F3-454E-8135-8D505AF389B5}"/>
+              </a:ext>
+            </a:extLst>
+          </p:cNvPr>
+          <p:cNvSpPr/>
+          <p:nvPr/>
+        </p:nvSpPr>
+        <p:spPr>
+          <a:xfrm>
+            <a:off x="853855" y="3009378"/>
+            <a:ext cx="7832943" cy="495426"/>
+          </a:xfrm>
+          <a:prstGeom prst="rect">
+            <a:avLst/>
+          </a:prstGeom>
+          <a:solidFill>
+            <a:srgbClr val="FF9300">
+              <a:alpha val="30196"/>
+            </a:srgbClr>
+          </a:solidFill>
+          <a:ln>
+            <a:noFill/>
+          </a:ln>
+        </p:spPr>
+        <p:style>
+          <a:lnRef idx="2">
+            <a:schemeClr val="accent1">
+              <a:shade val="50000"/>
+            </a:schemeClr>
+          </a:lnRef>
+          <a:fillRef idx="1">
+            <a:schemeClr val="accent1"/>
+          </a:fillRef>
+          <a:effectRef idx="0">
+            <a:schemeClr val="accent1"/>
+          </a:effectRef>
+          <a:fontRef idx="minor">
+            <a:schemeClr val="lt1"/>
+          </a:fontRef>
+        </p:style>
+        <p:txBody>
+          <a:bodyPr rtlCol="0" anchor="ctr"/>
+          <a:lstStyle/>
+          <a:p>
+            <a:pPr algn="ctr"/>
+            <a:endParaRPr lang="en-CH"/>
+          </a:p>
+        </p:txBody>
+      </p:sp>
+      <p:sp>
+        <p:nvSpPr>
+          <p:cNvPr id="15" name="TextBox 14">
+            <a:extLst>
+              <a:ext uri="{FF2B5EF4-FFF2-40B4-BE49-F238E27FC236}">
+                <a16:creationId xmlns:a16="http://schemas.microsoft.com/office/drawing/2014/main" id="{5EE61C67-6E7D-BC49-BF75-750DF40DCBC6}"/>
+              </a:ext>
+            </a:extLst>
+          </p:cNvPr>
+          <p:cNvSpPr txBox="1"/>
+          <p:nvPr/>
+        </p:nvSpPr>
+        <p:spPr>
+          <a:xfrm>
+            <a:off x="5513071" y="2959461"/>
+            <a:ext cx="3168352" cy="584775"/>
+          </a:xfrm>
+          <a:prstGeom prst="rect">
+            <a:avLst/>
+          </a:prstGeom>
+          <a:noFill/>
+        </p:spPr>
+        <p:txBody>
+          <a:bodyPr wrap="square" rtlCol="0">
+            <a:spAutoFit/>
+          </a:bodyPr>
+          <a:lstStyle/>
+          <a:p>
+            <a:pPr algn="r"/>
+            <a:r>
+              <a:rPr lang="en-CH" sz="1600" dirty="0"/>
+              <a:t>The type of virtual machine used to run the workflow </a:t>
+            </a:r>
+          </a:p>
+        </p:txBody>
+      </p:sp>
+      <p:sp>
+        <p:nvSpPr>
+          <p:cNvPr id="16" name="Rectangle 15">
+            <a:extLst>
+              <a:ext uri="{FF2B5EF4-FFF2-40B4-BE49-F238E27FC236}">
+                <a16:creationId xmlns:a16="http://schemas.microsoft.com/office/drawing/2014/main" id="{9C632AD0-4DDD-EF4B-AB97-4738A1232939}"/>
+              </a:ext>
+            </a:extLst>
+          </p:cNvPr>
+          <p:cNvSpPr/>
+          <p:nvPr/>
+        </p:nvSpPr>
+        <p:spPr>
+          <a:xfrm>
+            <a:off x="853856" y="3677100"/>
+            <a:ext cx="7832943" cy="1717819"/>
+          </a:xfrm>
+          <a:prstGeom prst="rect">
+            <a:avLst/>
+          </a:prstGeom>
+          <a:solidFill>
+            <a:srgbClr val="FF0000">
+              <a:alpha val="30196"/>
+            </a:srgbClr>
+          </a:solidFill>
+          <a:ln>
+            <a:noFill/>
+          </a:ln>
+        </p:spPr>
+        <p:style>
+          <a:lnRef idx="2">
+            <a:schemeClr val="accent1">
+              <a:shade val="50000"/>
+            </a:schemeClr>
+          </a:lnRef>
+          <a:fillRef idx="1">
+            <a:schemeClr val="accent1"/>
+          </a:fillRef>
+          <a:effectRef idx="0">
+            <a:schemeClr val="accent1"/>
+          </a:effectRef>
+          <a:fontRef idx="minor">
+            <a:schemeClr val="lt1"/>
+          </a:fontRef>
+        </p:style>
+        <p:txBody>
+          <a:bodyPr rtlCol="0" anchor="ctr"/>
+          <a:lstStyle/>
+          <a:p>
+            <a:pPr algn="ctr"/>
+            <a:endParaRPr lang="en-CH"/>
+          </a:p>
+        </p:txBody>
+      </p:sp>
+      <p:sp>
+        <p:nvSpPr>
+          <p:cNvPr id="17" name="TextBox 16">
+            <a:extLst>
+              <a:ext uri="{FF2B5EF4-FFF2-40B4-BE49-F238E27FC236}">
+                <a16:creationId xmlns:a16="http://schemas.microsoft.com/office/drawing/2014/main" id="{4123B4AD-B136-F14B-879D-415CA5BBE3D0}"/>
+              </a:ext>
+            </a:extLst>
+          </p:cNvPr>
+          <p:cNvSpPr txBox="1"/>
+          <p:nvPr/>
+        </p:nvSpPr>
+        <p:spPr>
+          <a:xfrm>
+            <a:off x="5513071" y="3692139"/>
+            <a:ext cx="3168352" cy="1323439"/>
+          </a:xfrm>
+          <a:prstGeom prst="rect">
+            <a:avLst/>
+          </a:prstGeom>
+          <a:noFill/>
+        </p:spPr>
+        <p:txBody>
+          <a:bodyPr wrap="square" rtlCol="0">
+            <a:spAutoFit/>
+          </a:bodyPr>
+          <a:lstStyle/>
+          <a:p>
+            <a:pPr algn="r"/>
+            <a:r>
+              <a:rPr lang="en-CH" sz="1600" dirty="0"/>
+              <a:t>Multiple steps are used to set up the environment so that we can run the tests.</a:t>
+            </a:r>
+            <a:br>
+              <a:rPr lang="en-CH" sz="1600" dirty="0"/>
+            </a:br>
+            <a:r>
+              <a:rPr lang="en-CH" sz="1600" dirty="0"/>
+              <a:t>Notice the use of community actions </a:t>
+            </a:r>
+          </a:p>
+        </p:txBody>
+      </p:sp>
+      <p:sp>
+        <p:nvSpPr>
+          <p:cNvPr id="18" name="Rectangle 17">
+            <a:extLst>
+              <a:ext uri="{FF2B5EF4-FFF2-40B4-BE49-F238E27FC236}">
+                <a16:creationId xmlns:a16="http://schemas.microsoft.com/office/drawing/2014/main" id="{FE2E6A0F-3DAE-4E4D-B6DE-2204DEFEA814}"/>
+              </a:ext>
+            </a:extLst>
+          </p:cNvPr>
+          <p:cNvSpPr/>
+          <p:nvPr/>
+        </p:nvSpPr>
+        <p:spPr>
+          <a:xfrm>
+            <a:off x="853856" y="5833882"/>
+            <a:ext cx="7832943" cy="483036"/>
+          </a:xfrm>
+          <a:prstGeom prst="rect">
+            <a:avLst/>
+          </a:prstGeom>
+          <a:solidFill>
+            <a:srgbClr val="92D050">
+              <a:alpha val="30196"/>
+            </a:srgbClr>
+          </a:solidFill>
+          <a:ln>
+            <a:noFill/>
+          </a:ln>
+        </p:spPr>
+        <p:style>
+          <a:lnRef idx="2">
+            <a:schemeClr val="accent1">
+              <a:shade val="50000"/>
+            </a:schemeClr>
+          </a:lnRef>
+          <a:fillRef idx="1">
+            <a:schemeClr val="accent1"/>
+          </a:fillRef>
+          <a:effectRef idx="0">
+            <a:schemeClr val="accent1"/>
+          </a:effectRef>
+          <a:fontRef idx="minor">
+            <a:schemeClr val="lt1"/>
+          </a:fontRef>
+        </p:style>
+        <p:txBody>
+          <a:bodyPr rtlCol="0" anchor="ctr"/>
+          <a:lstStyle/>
+          <a:p>
+            <a:pPr algn="ctr"/>
+            <a:endParaRPr lang="en-CH"/>
+          </a:p>
+        </p:txBody>
+      </p:sp>
+      <p:sp>
+        <p:nvSpPr>
+          <p:cNvPr id="19" name="TextBox 18">
+            <a:extLst>
+              <a:ext uri="{FF2B5EF4-FFF2-40B4-BE49-F238E27FC236}">
+                <a16:creationId xmlns:a16="http://schemas.microsoft.com/office/drawing/2014/main" id="{45661346-B527-5749-86F7-0FEC00E7A812}"/>
+              </a:ext>
+            </a:extLst>
+          </p:cNvPr>
+          <p:cNvSpPr txBox="1"/>
+          <p:nvPr/>
+        </p:nvSpPr>
+        <p:spPr>
+          <a:xfrm>
+            <a:off x="5508104" y="5796553"/>
+            <a:ext cx="3168352" cy="584775"/>
+          </a:xfrm>
+          <a:prstGeom prst="rect">
+            <a:avLst/>
+          </a:prstGeom>
+          <a:noFill/>
+        </p:spPr>
+        <p:txBody>
+          <a:bodyPr wrap="square" rtlCol="0">
+            <a:spAutoFit/>
+          </a:bodyPr>
+          <a:lstStyle/>
+          <a:p>
+            <a:pPr algn="r"/>
+            <a:r>
+              <a:rPr lang="en-CH" sz="1600" dirty="0"/>
+              <a:t>The command that we wanted to execute all along</a:t>
+            </a:r>
           </a:p>
         </p:txBody>
       </p:sp>
     </p:spTree>
     <p:extLst>
       <p:ext uri="{BB962C8B-B14F-4D97-AF65-F5344CB8AC3E}">
-        <p14:creationId xmlns:p14="http://schemas.microsoft.com/office/powerpoint/2010/main" val="3061818551"/>
+        <p14:creationId xmlns:p14="http://schemas.microsoft.com/office/powerpoint/2010/main" val="4154345638"/>
       </p:ext>
     </p:extLst>
   </p:cSld>
@@ -5148,7 +5799,7 @@
           <p:cNvPr id="2" name="Title 1">
             <a:extLst>
               <a:ext uri="{FF2B5EF4-FFF2-40B4-BE49-F238E27FC236}">
-                <a16:creationId xmlns:a16="http://schemas.microsoft.com/office/drawing/2014/main" id="{061016C8-512C-EB4B-9D32-9CF4CB9D4F11}"/>
+                <a16:creationId xmlns:a16="http://schemas.microsoft.com/office/drawing/2014/main" id="{EACC7A8A-CD41-EB49-BCCF-D1CC9D385024}"/>
               </a:ext>
             </a:extLst>
           </p:cNvPr>
@@ -5166,7 +5817,7 @@
           <a:p>
             <a:r>
               <a:rPr lang="en-CH" dirty="0"/>
-              <a:t>More advanced topics?</a:t>
+              <a:t>GitHub Actions reference</a:t>
             </a:r>
           </a:p>
         </p:txBody>
@@ -5176,7 +5827,7 @@
           <p:cNvPr id="3" name="Content Placeholder 2">
             <a:extLst>
               <a:ext uri="{FF2B5EF4-FFF2-40B4-BE49-F238E27FC236}">
-                <a16:creationId xmlns:a16="http://schemas.microsoft.com/office/drawing/2014/main" id="{463079FE-7331-C647-815D-07795DC7ED3D}"/>
+                <a16:creationId xmlns:a16="http://schemas.microsoft.com/office/drawing/2014/main" id="{DE78B902-F52A-5B4E-AC89-A7164CC5CB2E}"/>
               </a:ext>
             </a:extLst>
           </p:cNvPr>
@@ -5189,13 +5840,84 @@
         </p:nvSpPr>
         <p:spPr/>
         <p:txBody>
-          <a:bodyPr/>
+          <a:bodyPr>
+            <a:normAutofit/>
+          </a:bodyPr>
           <a:lstStyle/>
           <a:p>
             <a:r>
               <a:rPr lang="en-CH" dirty="0"/>
-              <a:t>Security: be careful with passwords and other sensitive information (“secrets”) even on private repositories (needed e.g. to push a package to PyPi). Each CI system has a way to do it safely. In the repository you store a token that is linked to a GitHub account and the actual secret is store encrypted by GitHub. The secret is then decrypted at the moment of running the job and added as environment variable (double-check)</a:t>
-            </a:r>
+              <a:t>Introduction:</a:t>
+            </a:r>
+            <a:br>
+              <a:rPr lang="en-CH" dirty="0"/>
+            </a:br>
+            <a:r>
+              <a:rPr lang="en-US" sz="1800" dirty="0">
+                <a:latin typeface="Courier New" panose="02070309020205020404" pitchFamily="49" charset="0"/>
+                <a:cs typeface="Courier New" panose="02070309020205020404" pitchFamily="49" charset="0"/>
+                <a:hlinkClick r:id="rId2"/>
+              </a:rPr>
+              <a:t>https://docs.github.com/en/actions/learn-github-actions/introduction-to-github-actions</a:t>
+            </a:r>
+            <a:endParaRPr lang="en-US" sz="1800" dirty="0">
+              <a:latin typeface="Courier New" panose="02070309020205020404" pitchFamily="49" charset="0"/>
+              <a:cs typeface="Courier New" panose="02070309020205020404" pitchFamily="49" charset="0"/>
+            </a:endParaRPr>
+          </a:p>
+          <a:p>
+            <a:r>
+              <a:rPr lang="en-US" dirty="0"/>
+              <a:t>Events that can trigger actions, and their config options:</a:t>
+            </a:r>
+            <a:br>
+              <a:rPr lang="en-US" dirty="0"/>
+            </a:br>
+            <a:r>
+              <a:rPr lang="en-US" sz="1800" dirty="0">
+                <a:latin typeface="Courier New" panose="02070309020205020404" pitchFamily="49" charset="0"/>
+                <a:cs typeface="Courier New" panose="02070309020205020404" pitchFamily="49" charset="0"/>
+                <a:hlinkClick r:id="rId3"/>
+              </a:rPr>
+              <a:t>https://docs.github.com/en/actions/reference/events-that-trigger-workflows#pull_request</a:t>
+            </a:r>
+            <a:endParaRPr lang="en-US" sz="1800" dirty="0">
+              <a:latin typeface="Courier New" panose="02070309020205020404" pitchFamily="49" charset="0"/>
+              <a:cs typeface="Courier New" panose="02070309020205020404" pitchFamily="49" charset="0"/>
+            </a:endParaRPr>
+          </a:p>
+          <a:p>
+            <a:r>
+              <a:rPr lang="en-US" dirty="0"/>
+              <a:t>Catalog of community actions:</a:t>
+            </a:r>
+            <a:br>
+              <a:rPr lang="en-US" dirty="0"/>
+            </a:br>
+            <a:r>
+              <a:rPr lang="en-US" sz="1800" dirty="0">
+                <a:latin typeface="Courier New" panose="02070309020205020404" pitchFamily="49" charset="0"/>
+                <a:cs typeface="Courier New" panose="02070309020205020404" pitchFamily="49" charset="0"/>
+                <a:hlinkClick r:id="rId4"/>
+              </a:rPr>
+              <a:t>https://github.com/marketplace?type=actions</a:t>
+            </a:r>
+            <a:endParaRPr lang="en-US" sz="1800" dirty="0">
+              <a:latin typeface="Courier New" panose="02070309020205020404" pitchFamily="49" charset="0"/>
+              <a:cs typeface="Courier New" panose="02070309020205020404" pitchFamily="49" charset="0"/>
+            </a:endParaRPr>
+          </a:p>
+          <a:p>
+            <a:pPr marL="0" indent="0">
+              <a:buNone/>
+            </a:pPr>
+            <a:endParaRPr lang="en-US" dirty="0"/>
+          </a:p>
+          <a:p>
+            <a:pPr marL="0" indent="0">
+              <a:buNone/>
+            </a:pPr>
+            <a:endParaRPr lang="en-CH" dirty="0"/>
           </a:p>
         </p:txBody>
       </p:sp>
@@ -5204,7 +5926,7 @@
           <p:cNvPr id="4" name="Date Placeholder 3">
             <a:extLst>
               <a:ext uri="{FF2B5EF4-FFF2-40B4-BE49-F238E27FC236}">
-                <a16:creationId xmlns:a16="http://schemas.microsoft.com/office/drawing/2014/main" id="{9EE323CB-7E09-7C4F-B160-F4B2E2E319F3}"/>
+                <a16:creationId xmlns:a16="http://schemas.microsoft.com/office/drawing/2014/main" id="{BD10E3E1-D420-6649-A15F-D53900236E0F}"/>
               </a:ext>
             </a:extLst>
           </p:cNvPr>
@@ -5221,8 +5943,8 @@
           <a:lstStyle/>
           <a:p>
             <a:r>
-              <a:rPr lang="en-US" sz="1000"/>
-              <a:t>August 2019, CC BY-SA 4.0</a:t>
+              <a:rPr lang="de-CH" sz="1000"/>
+              <a:t>August 2021, CC BY-SA 4.0</a:t>
             </a:r>
             <a:endParaRPr lang="en-US" sz="1000" dirty="0"/>
           </a:p>
@@ -5233,7 +5955,7 @@
           <p:cNvPr id="5" name="Footer Placeholder 4">
             <a:extLst>
               <a:ext uri="{FF2B5EF4-FFF2-40B4-BE49-F238E27FC236}">
-                <a16:creationId xmlns:a16="http://schemas.microsoft.com/office/drawing/2014/main" id="{3453E2C3-64E5-E44E-8FAB-45D4F29AD119}"/>
+                <a16:creationId xmlns:a16="http://schemas.microsoft.com/office/drawing/2014/main" id="{6F012DDD-E088-A248-B0DC-043A5AFA7F11}"/>
               </a:ext>
             </a:extLst>
           </p:cNvPr>
@@ -5251,7 +5973,7 @@
           <a:p>
             <a:r>
               <a:rPr lang="en-US"/>
-              <a:t>Testing scientific code, v12.0</a:t>
+              <a:t>Continuous integration, v1.0</a:t>
             </a:r>
             <a:endParaRPr lang="en-US" dirty="0"/>
           </a:p>
@@ -5260,7 +5982,7 @@
     </p:spTree>
     <p:extLst>
       <p:ext uri="{BB962C8B-B14F-4D97-AF65-F5344CB8AC3E}">
-        <p14:creationId xmlns:p14="http://schemas.microsoft.com/office/powerpoint/2010/main" val="2375245855"/>
+        <p14:creationId xmlns:p14="http://schemas.microsoft.com/office/powerpoint/2010/main" val="2663453477"/>
       </p:ext>
     </p:extLst>
   </p:cSld>
@@ -5289,12 +6011,18 @@
       </p:grpSpPr>
       <p:sp>
         <p:nvSpPr>
-          <p:cNvPr id="3" name="Date Placeholder 2"/>
-          <p:cNvSpPr>
-            <a:spLocks noGrp="1"/>
-          </p:cNvSpPr>
-          <p:nvPr>
-            <p:ph type="dt" sz="half" idx="10"/>
+          <p:cNvPr id="2" name="Title 1">
+            <a:extLst>
+              <a:ext uri="{FF2B5EF4-FFF2-40B4-BE49-F238E27FC236}">
+                <a16:creationId xmlns:a16="http://schemas.microsoft.com/office/drawing/2014/main" id="{33165359-9CD5-EF41-9C08-A5F425B6C08E}"/>
+              </a:ext>
+            </a:extLst>
+          </p:cNvPr>
+          <p:cNvSpPr>
+            <a:spLocks noGrp="1"/>
+          </p:cNvSpPr>
+          <p:nvPr>
+            <p:ph type="title"/>
           </p:nvPr>
         </p:nvSpPr>
         <p:spPr/>
@@ -5303,65 +6031,859 @@
           <a:lstStyle/>
           <a:p>
             <a:r>
-              <a:rPr lang="en-US"/>
-              <a:t>August 2019, CC BY-SA 4.0</a:t>
-            </a:r>
-          </a:p>
-        </p:txBody>
-      </p:sp>
-      <p:sp>
-        <p:nvSpPr>
-          <p:cNvPr id="4" name="Footer Placeholder 3"/>
-          <p:cNvSpPr>
-            <a:spLocks noGrp="1"/>
-          </p:cNvSpPr>
-          <p:nvPr>
-            <p:ph type="ftr" sz="quarter" idx="11"/>
-          </p:nvPr>
-        </p:nvSpPr>
-        <p:spPr/>
-        <p:txBody>
-          <a:bodyPr/>
-          <a:lstStyle/>
-          <a:p>
-            <a:r>
-              <a:rPr lang="en-US"/>
-              <a:t>Testing scientific code, v12.0</a:t>
-            </a:r>
-          </a:p>
-        </p:txBody>
-      </p:sp>
-      <p:sp>
-        <p:nvSpPr>
-          <p:cNvPr id="2" name="Title 1"/>
-          <p:cNvSpPr>
-            <a:spLocks noGrp="1"/>
-          </p:cNvSpPr>
-          <p:nvPr>
-            <p:ph type="title" idx="4294967295"/>
+              <a:rPr lang="de-DE" dirty="0"/>
+              <a:t>Hands On!</a:t>
+            </a:r>
+            <a:endParaRPr lang="en-CH" dirty="0"/>
+          </a:p>
+        </p:txBody>
+      </p:sp>
+      <p:sp>
+        <p:nvSpPr>
+          <p:cNvPr id="3" name="Content Placeholder 2">
+            <a:extLst>
+              <a:ext uri="{FF2B5EF4-FFF2-40B4-BE49-F238E27FC236}">
+                <a16:creationId xmlns:a16="http://schemas.microsoft.com/office/drawing/2014/main" id="{1C9C9C51-D00C-9945-9623-98BDACA07638}"/>
+              </a:ext>
+            </a:extLst>
+          </p:cNvPr>
+          <p:cNvSpPr>
+            <a:spLocks noGrp="1"/>
+          </p:cNvSpPr>
+          <p:nvPr>
+            <p:ph sz="quarter" idx="1"/>
           </p:nvPr>
         </p:nvSpPr>
         <p:spPr>
           <a:xfrm>
-            <a:off x="460248" y="2705375"/>
-            <a:ext cx="8229600" cy="990600"/>
+            <a:off x="457200" y="1295400"/>
+            <a:ext cx="8291264" cy="4861560"/>
           </a:xfrm>
         </p:spPr>
         <p:txBody>
-          <a:bodyPr anchor="ctr">
-            <a:normAutofit/>
+          <a:bodyPr>
+            <a:normAutofit lnSpcReduction="10000"/>
           </a:bodyPr>
           <a:lstStyle/>
           <a:p>
+            <a:pPr marL="0" indent="0">
+              <a:buNone/>
+            </a:pPr>
+            <a:r>
+              <a:rPr lang="de-DE" b="1" dirty="0"/>
+              <a:t>Add a CI </a:t>
+            </a:r>
+            <a:r>
+              <a:rPr lang="de-DE" b="1" dirty="0" err="1"/>
+              <a:t>pipeline</a:t>
+            </a:r>
+            <a:r>
+              <a:rPr lang="de-DE" b="1" dirty="0"/>
+              <a:t> </a:t>
+            </a:r>
+            <a:r>
+              <a:rPr lang="de-DE" b="1" dirty="0" err="1"/>
+              <a:t>to</a:t>
+            </a:r>
+            <a:r>
+              <a:rPr lang="de-DE" b="1" dirty="0"/>
+              <a:t> </a:t>
+            </a:r>
+            <a:r>
+              <a:rPr lang="de-DE" b="1" dirty="0" err="1"/>
+              <a:t>your</a:t>
+            </a:r>
+            <a:r>
+              <a:rPr lang="de-DE" b="1" dirty="0"/>
+              <a:t> </a:t>
+            </a:r>
+            <a:r>
+              <a:rPr lang="de-DE" b="1" dirty="0" err="1"/>
+              <a:t>logistic</a:t>
+            </a:r>
+            <a:r>
+              <a:rPr lang="de-DE" b="1" dirty="0"/>
+              <a:t> </a:t>
+            </a:r>
+            <a:r>
+              <a:rPr lang="de-DE" b="1" dirty="0" err="1"/>
+              <a:t>function</a:t>
+            </a:r>
+            <a:r>
+              <a:rPr lang="de-DE" b="1" dirty="0"/>
+              <a:t> </a:t>
+            </a:r>
+            <a:r>
+              <a:rPr lang="de-DE" b="1" dirty="0" err="1"/>
+              <a:t>project</a:t>
+            </a:r>
+            <a:r>
+              <a:rPr lang="de-DE" b="1" dirty="0"/>
+              <a:t>!</a:t>
+            </a:r>
+          </a:p>
+          <a:p>
+            <a:pPr marL="731520" lvl="1" indent="-457200">
+              <a:buFont typeface="+mj-lt"/>
+              <a:buAutoNum type="arabicPeriod"/>
+            </a:pPr>
+            <a:r>
+              <a:rPr lang="de-DE" dirty="0"/>
+              <a:t>In </a:t>
+            </a:r>
+            <a:r>
+              <a:rPr lang="de-DE" dirty="0" err="1"/>
+              <a:t>your</a:t>
+            </a:r>
+            <a:r>
+              <a:rPr lang="de-DE" dirty="0"/>
+              <a:t> </a:t>
+            </a:r>
+            <a:r>
+              <a:rPr lang="de-DE" dirty="0" err="1"/>
+              <a:t>local</a:t>
+            </a:r>
+            <a:r>
+              <a:rPr lang="de-DE" dirty="0"/>
+              <a:t> </a:t>
+            </a:r>
+            <a:r>
+              <a:rPr lang="de-DE" dirty="0" err="1"/>
+              <a:t>version</a:t>
+            </a:r>
+            <a:r>
+              <a:rPr lang="de-DE" dirty="0"/>
+              <a:t> </a:t>
+            </a:r>
+            <a:r>
+              <a:rPr lang="de-DE" dirty="0" err="1"/>
+              <a:t>of</a:t>
+            </a:r>
+            <a:r>
+              <a:rPr lang="de-DE" dirty="0"/>
+              <a:t> </a:t>
+            </a:r>
+            <a:r>
+              <a:rPr lang="de-DE" dirty="0" err="1"/>
+              <a:t>the</a:t>
+            </a:r>
+            <a:r>
+              <a:rPr lang="de-DE" dirty="0"/>
+              <a:t> </a:t>
+            </a:r>
+            <a:r>
+              <a:rPr lang="de-DE" dirty="0" err="1"/>
+              <a:t>project</a:t>
+            </a:r>
+            <a:r>
+              <a:rPr lang="de-DE" dirty="0"/>
+              <a:t> </a:t>
+            </a:r>
+            <a:r>
+              <a:rPr lang="de-DE" dirty="0" err="1"/>
+              <a:t>make</a:t>
+            </a:r>
+            <a:r>
+              <a:rPr lang="de-DE" dirty="0"/>
+              <a:t> a </a:t>
+            </a:r>
+            <a:r>
+              <a:rPr lang="de-DE" dirty="0" err="1"/>
+              <a:t>folder</a:t>
+            </a:r>
+            <a:r>
+              <a:rPr lang="de-DE" dirty="0"/>
+              <a:t> </a:t>
+            </a:r>
+            <a:r>
+              <a:rPr lang="de-DE" dirty="0">
+                <a:latin typeface="Courier New" panose="02070309020205020404" pitchFamily="49" charset="0"/>
+                <a:cs typeface="Courier New" panose="02070309020205020404" pitchFamily="49" charset="0"/>
+              </a:rPr>
+              <a:t>.</a:t>
+            </a:r>
+            <a:r>
+              <a:rPr lang="de-DE" dirty="0" err="1">
+                <a:latin typeface="Courier New" panose="02070309020205020404" pitchFamily="49" charset="0"/>
+                <a:cs typeface="Courier New" panose="02070309020205020404" pitchFamily="49" charset="0"/>
+              </a:rPr>
+              <a:t>github</a:t>
+            </a:r>
+            <a:r>
+              <a:rPr lang="de-DE" dirty="0">
+                <a:latin typeface="Courier New" panose="02070309020205020404" pitchFamily="49" charset="0"/>
+                <a:cs typeface="Courier New" panose="02070309020205020404" pitchFamily="49" charset="0"/>
+              </a:rPr>
+              <a:t>/</a:t>
+            </a:r>
+            <a:r>
+              <a:rPr lang="de-DE" dirty="0" err="1">
+                <a:latin typeface="Courier New" panose="02070309020205020404" pitchFamily="49" charset="0"/>
+                <a:cs typeface="Courier New" panose="02070309020205020404" pitchFamily="49" charset="0"/>
+              </a:rPr>
+              <a:t>workflows</a:t>
+            </a:r>
+            <a:endParaRPr lang="de-DE" dirty="0">
+              <a:latin typeface="Courier New" panose="02070309020205020404" pitchFamily="49" charset="0"/>
+              <a:cs typeface="Courier New" panose="02070309020205020404" pitchFamily="49" charset="0"/>
+            </a:endParaRPr>
+          </a:p>
+          <a:p>
+            <a:pPr marL="731520" lvl="1" indent="-457200">
+              <a:buFont typeface="+mj-lt"/>
+              <a:buAutoNum type="arabicPeriod"/>
+            </a:pPr>
+            <a:r>
+              <a:rPr lang="de-DE" dirty="0"/>
+              <a:t>Create a </a:t>
+            </a:r>
+            <a:r>
+              <a:rPr lang="de-DE" dirty="0" err="1"/>
+              <a:t>file</a:t>
+            </a:r>
+            <a:r>
+              <a:rPr lang="de-DE" dirty="0"/>
+              <a:t> </a:t>
+            </a:r>
+            <a:r>
+              <a:rPr lang="de-DE" dirty="0" err="1"/>
+              <a:t>called</a:t>
+            </a:r>
+            <a:r>
+              <a:rPr lang="de-DE" dirty="0"/>
+              <a:t> </a:t>
+            </a:r>
+            <a:r>
+              <a:rPr lang="de-DE" dirty="0" err="1">
+                <a:latin typeface="Courier New" panose="02070309020205020404" pitchFamily="49" charset="0"/>
+                <a:cs typeface="Courier New" panose="02070309020205020404" pitchFamily="49" charset="0"/>
+              </a:rPr>
+              <a:t>my_configuration.yml</a:t>
+            </a:r>
+            <a:endParaRPr lang="de-DE" dirty="0">
+              <a:latin typeface="Courier New" panose="02070309020205020404" pitchFamily="49" charset="0"/>
+              <a:cs typeface="Courier New" panose="02070309020205020404" pitchFamily="49" charset="0"/>
+            </a:endParaRPr>
+          </a:p>
+          <a:p>
+            <a:pPr marL="731520" lvl="1" indent="-457200">
+              <a:buFont typeface="+mj-lt"/>
+              <a:buAutoNum type="arabicPeriod"/>
+            </a:pPr>
+            <a:r>
+              <a:rPr lang="de-DE" dirty="0">
+                <a:cs typeface="Courier New" panose="02070309020205020404" pitchFamily="49" charset="0"/>
+              </a:rPr>
+              <a:t>Write </a:t>
+            </a:r>
+            <a:r>
+              <a:rPr lang="de-DE" dirty="0" err="1">
+                <a:cs typeface="Courier New" panose="02070309020205020404" pitchFamily="49" charset="0"/>
+              </a:rPr>
+              <a:t>your</a:t>
+            </a:r>
+            <a:r>
+              <a:rPr lang="de-DE" dirty="0">
+                <a:cs typeface="Courier New" panose="02070309020205020404" pitchFamily="49" charset="0"/>
+              </a:rPr>
+              <a:t> </a:t>
+            </a:r>
+            <a:r>
+              <a:rPr lang="de-DE" dirty="0" err="1">
+                <a:cs typeface="Courier New" panose="02070309020205020404" pitchFamily="49" charset="0"/>
+              </a:rPr>
+              <a:t>configuration</a:t>
+            </a:r>
+            <a:r>
+              <a:rPr lang="de-DE" dirty="0">
+                <a:cs typeface="Courier New" panose="02070309020205020404" pitchFamily="49" charset="0"/>
+              </a:rPr>
+              <a:t> </a:t>
+            </a:r>
+            <a:r>
+              <a:rPr lang="de-DE" dirty="0" err="1">
+                <a:cs typeface="Courier New" panose="02070309020205020404" pitchFamily="49" charset="0"/>
+              </a:rPr>
+              <a:t>file</a:t>
+            </a:r>
+            <a:r>
+              <a:rPr lang="de-DE" dirty="0">
+                <a:cs typeface="Courier New" panose="02070309020205020404" pitchFamily="49" charset="0"/>
+              </a:rPr>
+              <a:t> </a:t>
+            </a:r>
+            <a:r>
+              <a:rPr lang="de-DE" dirty="0" err="1">
+                <a:cs typeface="Courier New" panose="02070309020205020404" pitchFamily="49" charset="0"/>
+              </a:rPr>
+              <a:t>to</a:t>
+            </a:r>
+            <a:r>
+              <a:rPr lang="de-DE" dirty="0">
+                <a:cs typeface="Courier New" panose="02070309020205020404" pitchFamily="49" charset="0"/>
+              </a:rPr>
+              <a:t> </a:t>
+            </a:r>
+            <a:r>
+              <a:rPr lang="de-DE" dirty="0"/>
+              <a:t>Run </a:t>
+            </a:r>
+            <a:r>
+              <a:rPr lang="de-DE" dirty="0" err="1"/>
+              <a:t>the</a:t>
+            </a:r>
+            <a:r>
+              <a:rPr lang="de-DE" dirty="0"/>
+              <a:t> </a:t>
+            </a:r>
+            <a:r>
+              <a:rPr lang="de-DE" dirty="0" err="1"/>
+              <a:t>tests</a:t>
+            </a:r>
+            <a:r>
+              <a:rPr lang="de-DE" dirty="0"/>
+              <a:t> </a:t>
+            </a:r>
+            <a:r>
+              <a:rPr lang="de-DE" dirty="0" err="1"/>
+              <a:t>every</a:t>
+            </a:r>
+            <a:r>
+              <a:rPr lang="de-DE" dirty="0"/>
+              <a:t> time </a:t>
+            </a:r>
+            <a:r>
+              <a:rPr lang="de-DE" dirty="0" err="1"/>
+              <a:t>someone</a:t>
+            </a:r>
+            <a:r>
+              <a:rPr lang="de-DE" dirty="0"/>
+              <a:t> </a:t>
+            </a:r>
+            <a:r>
+              <a:rPr lang="de-DE" dirty="0" err="1"/>
+              <a:t>pushes</a:t>
+            </a:r>
+            <a:r>
+              <a:rPr lang="de-DE" dirty="0"/>
+              <a:t> </a:t>
+            </a:r>
+            <a:r>
+              <a:rPr lang="de-DE" dirty="0" err="1"/>
+              <a:t>some</a:t>
+            </a:r>
+            <a:r>
+              <a:rPr lang="de-DE" dirty="0"/>
+              <a:t> </a:t>
+            </a:r>
+            <a:r>
+              <a:rPr lang="de-DE" dirty="0" err="1"/>
+              <a:t>commits</a:t>
+            </a:r>
+            <a:r>
+              <a:rPr lang="de-DE" dirty="0"/>
+              <a:t> </a:t>
+            </a:r>
+            <a:r>
+              <a:rPr lang="de-DE" dirty="0" err="1"/>
+              <a:t>or</a:t>
+            </a:r>
+            <a:r>
+              <a:rPr lang="de-DE" dirty="0"/>
+              <a:t> </a:t>
+            </a:r>
+            <a:r>
+              <a:rPr lang="de-DE" dirty="0" err="1"/>
+              <a:t>every</a:t>
+            </a:r>
+            <a:r>
+              <a:rPr lang="de-DE" dirty="0"/>
+              <a:t> time </a:t>
+            </a:r>
+            <a:r>
+              <a:rPr lang="de-DE" dirty="0" err="1"/>
+              <a:t>someone</a:t>
+            </a:r>
+            <a:r>
+              <a:rPr lang="de-DE" dirty="0"/>
+              <a:t> </a:t>
+            </a:r>
+            <a:r>
+              <a:rPr lang="de-DE" dirty="0" err="1"/>
+              <a:t>creates</a:t>
+            </a:r>
+            <a:r>
+              <a:rPr lang="de-DE" dirty="0"/>
+              <a:t> a pull </a:t>
+            </a:r>
+            <a:r>
+              <a:rPr lang="de-DE" dirty="0" err="1"/>
+              <a:t>request</a:t>
+            </a:r>
+            <a:endParaRPr lang="de-DE" dirty="0"/>
+          </a:p>
+          <a:p>
+            <a:pPr marL="731520" lvl="1" indent="-457200">
+              <a:buFont typeface="+mj-lt"/>
+              <a:buAutoNum type="arabicPeriod"/>
+            </a:pPr>
+            <a:r>
+              <a:rPr lang="de-DE" dirty="0"/>
+              <a:t>Commit </a:t>
+            </a:r>
+            <a:r>
+              <a:rPr lang="de-DE" dirty="0" err="1"/>
+              <a:t>and</a:t>
+            </a:r>
+            <a:r>
+              <a:rPr lang="de-DE" dirty="0"/>
+              <a:t> push </a:t>
+            </a:r>
+            <a:r>
+              <a:rPr lang="de-DE" dirty="0" err="1"/>
+              <a:t>the</a:t>
+            </a:r>
+            <a:r>
+              <a:rPr lang="de-DE" dirty="0"/>
+              <a:t> </a:t>
+            </a:r>
+            <a:r>
+              <a:rPr lang="de-DE" dirty="0" err="1"/>
+              <a:t>changes</a:t>
+            </a:r>
+            <a:r>
+              <a:rPr lang="de-DE" dirty="0"/>
+              <a:t> </a:t>
+            </a:r>
+            <a:r>
+              <a:rPr lang="de-DE" dirty="0" err="1"/>
+              <a:t>to</a:t>
+            </a:r>
+            <a:r>
+              <a:rPr lang="de-DE" dirty="0"/>
+              <a:t> </a:t>
+            </a:r>
+            <a:r>
+              <a:rPr lang="de-DE" dirty="0" err="1"/>
+              <a:t>GitHub</a:t>
+            </a:r>
+            <a:endParaRPr lang="de-DE" dirty="0"/>
+          </a:p>
+          <a:p>
+            <a:pPr marL="731520" lvl="1" indent="-457200">
+              <a:buFont typeface="+mj-lt"/>
+              <a:buAutoNum type="arabicPeriod"/>
+            </a:pPr>
+            <a:r>
+              <a:rPr lang="de-DE" dirty="0"/>
+              <a:t>Check </a:t>
+            </a:r>
+            <a:r>
+              <a:rPr lang="de-DE" dirty="0" err="1"/>
+              <a:t>the</a:t>
+            </a:r>
+            <a:r>
+              <a:rPr lang="de-DE" dirty="0"/>
+              <a:t> </a:t>
+            </a:r>
+            <a:r>
+              <a:rPr lang="de-DE" dirty="0" err="1"/>
+              <a:t>actions</a:t>
+            </a:r>
+            <a:r>
+              <a:rPr lang="de-DE" dirty="0"/>
+              <a:t> </a:t>
+            </a:r>
+            <a:r>
+              <a:rPr lang="de-DE" dirty="0" err="1"/>
+              <a:t>tab</a:t>
+            </a:r>
+            <a:r>
+              <a:rPr lang="de-DE" dirty="0"/>
+              <a:t> </a:t>
+            </a:r>
+            <a:r>
+              <a:rPr lang="de-DE" dirty="0" err="1"/>
+              <a:t>of</a:t>
+            </a:r>
+            <a:r>
+              <a:rPr lang="de-DE" dirty="0"/>
+              <a:t> </a:t>
+            </a:r>
+            <a:r>
+              <a:rPr lang="de-DE" dirty="0" err="1"/>
+              <a:t>your</a:t>
+            </a:r>
+            <a:r>
+              <a:rPr lang="de-DE" dirty="0"/>
+              <a:t> </a:t>
+            </a:r>
+            <a:r>
+              <a:rPr lang="de-DE" dirty="0" err="1"/>
+              <a:t>GitHub</a:t>
+            </a:r>
+            <a:r>
+              <a:rPr lang="de-DE" dirty="0"/>
+              <a:t> </a:t>
+            </a:r>
+            <a:r>
+              <a:rPr lang="de-DE" dirty="0" err="1"/>
+              <a:t>repo</a:t>
+            </a:r>
+            <a:r>
+              <a:rPr lang="de-DE" dirty="0"/>
+              <a:t> </a:t>
+            </a:r>
+            <a:r>
+              <a:rPr lang="de-DE" dirty="0" err="1"/>
+              <a:t>to</a:t>
+            </a:r>
+            <a:r>
+              <a:rPr lang="de-DE" dirty="0"/>
+              <a:t> </a:t>
+            </a:r>
+            <a:r>
+              <a:rPr lang="de-DE" dirty="0" err="1"/>
+              <a:t>see</a:t>
+            </a:r>
+            <a:r>
+              <a:rPr lang="de-DE" dirty="0"/>
+              <a:t> </a:t>
+            </a:r>
+            <a:r>
+              <a:rPr lang="de-DE" dirty="0" err="1"/>
+              <a:t>if</a:t>
+            </a:r>
+            <a:r>
+              <a:rPr lang="de-DE" dirty="0"/>
+              <a:t> </a:t>
+            </a:r>
+            <a:r>
+              <a:rPr lang="de-DE" dirty="0" err="1"/>
+              <a:t>it</a:t>
+            </a:r>
+            <a:r>
+              <a:rPr lang="de-DE" dirty="0"/>
+              <a:t> </a:t>
+            </a:r>
+            <a:r>
+              <a:rPr lang="de-DE" dirty="0" err="1"/>
+              <a:t>worked</a:t>
+            </a:r>
+            <a:endParaRPr lang="de-DE" dirty="0"/>
+          </a:p>
+          <a:p>
+            <a:pPr marL="0" indent="0">
+              <a:buNone/>
+            </a:pPr>
+            <a:endParaRPr lang="en-CH" dirty="0"/>
+          </a:p>
+          <a:p>
+            <a:pPr lvl="1"/>
+            <a:r>
+              <a:rPr lang="de-DE" dirty="0"/>
+              <a:t>Bonus: check </a:t>
+            </a:r>
+            <a:r>
+              <a:rPr lang="de-DE" dirty="0" err="1"/>
+              <a:t>the</a:t>
+            </a:r>
+            <a:r>
+              <a:rPr lang="de-DE" dirty="0"/>
+              <a:t> </a:t>
+            </a:r>
+            <a:r>
+              <a:rPr lang="de-DE" dirty="0" err="1"/>
+              <a:t>GitHub</a:t>
+            </a:r>
+            <a:r>
+              <a:rPr lang="de-DE" dirty="0"/>
+              <a:t> </a:t>
+            </a:r>
+            <a:r>
+              <a:rPr lang="de-DE" dirty="0" err="1"/>
+              <a:t>actions</a:t>
+            </a:r>
+            <a:r>
+              <a:rPr lang="de-DE" dirty="0"/>
+              <a:t> </a:t>
+            </a:r>
+            <a:r>
+              <a:rPr lang="de-DE" dirty="0" err="1"/>
+              <a:t>documentation</a:t>
+            </a:r>
+            <a:r>
+              <a:rPr lang="de-DE" dirty="0"/>
+              <a:t> </a:t>
+            </a:r>
+            <a:r>
+              <a:rPr lang="de-DE" dirty="0" err="1"/>
+              <a:t>and</a:t>
+            </a:r>
+            <a:r>
+              <a:rPr lang="de-DE" dirty="0"/>
+              <a:t> </a:t>
+            </a:r>
+            <a:r>
+              <a:rPr lang="de-DE" dirty="0" err="1"/>
+              <a:t>modify</a:t>
+            </a:r>
+            <a:r>
+              <a:rPr lang="de-DE" dirty="0"/>
+              <a:t> </a:t>
+            </a:r>
+            <a:r>
+              <a:rPr lang="de-DE" dirty="0" err="1"/>
+              <a:t>the</a:t>
+            </a:r>
+            <a:r>
+              <a:rPr lang="de-DE" dirty="0"/>
+              <a:t> </a:t>
+            </a:r>
+            <a:r>
+              <a:rPr lang="de-DE" dirty="0" err="1"/>
+              <a:t>configuration</a:t>
+            </a:r>
+            <a:r>
+              <a:rPr lang="de-DE" dirty="0"/>
+              <a:t> </a:t>
+            </a:r>
+            <a:r>
+              <a:rPr lang="de-DE" dirty="0" err="1"/>
+              <a:t>file</a:t>
+            </a:r>
+            <a:r>
+              <a:rPr lang="de-DE" dirty="0"/>
+              <a:t> so </a:t>
+            </a:r>
+            <a:r>
+              <a:rPr lang="de-DE" dirty="0" err="1"/>
+              <a:t>that</a:t>
+            </a:r>
+            <a:r>
+              <a:rPr lang="de-DE" dirty="0"/>
+              <a:t> </a:t>
+            </a:r>
+            <a:r>
+              <a:rPr lang="de-DE" dirty="0" err="1"/>
+              <a:t>the</a:t>
+            </a:r>
+            <a:r>
+              <a:rPr lang="de-DE" dirty="0"/>
+              <a:t> </a:t>
+            </a:r>
+            <a:r>
+              <a:rPr lang="de-DE" dirty="0" err="1"/>
+              <a:t>tasks</a:t>
+            </a:r>
+            <a:r>
+              <a:rPr lang="de-DE" dirty="0"/>
+              <a:t> </a:t>
+            </a:r>
+            <a:r>
+              <a:rPr lang="de-DE" dirty="0" err="1"/>
+              <a:t>run</a:t>
+            </a:r>
+            <a:r>
+              <a:rPr lang="de-DE" dirty="0"/>
+              <a:t> </a:t>
+            </a:r>
+            <a:r>
+              <a:rPr lang="de-DE" dirty="0" err="1"/>
+              <a:t>only</a:t>
+            </a:r>
+            <a:r>
+              <a:rPr lang="de-DE" dirty="0"/>
+              <a:t> </a:t>
+            </a:r>
+            <a:r>
+              <a:rPr lang="de-DE" dirty="0" err="1"/>
+              <a:t>for</a:t>
+            </a:r>
+            <a:r>
+              <a:rPr lang="de-DE" dirty="0"/>
+              <a:t> </a:t>
+            </a:r>
+            <a:r>
+              <a:rPr lang="de-DE" dirty="0" err="1"/>
+              <a:t>pushes</a:t>
+            </a:r>
+            <a:r>
+              <a:rPr lang="de-DE" dirty="0"/>
+              <a:t> </a:t>
+            </a:r>
+            <a:r>
+              <a:rPr lang="de-DE" dirty="0" err="1"/>
+              <a:t>and</a:t>
+            </a:r>
+            <a:r>
+              <a:rPr lang="de-DE" dirty="0"/>
+              <a:t> PRs </a:t>
+            </a:r>
+            <a:r>
+              <a:rPr lang="de-DE" dirty="0" err="1"/>
+              <a:t>against</a:t>
+            </a:r>
+            <a:r>
+              <a:rPr lang="de-DE" dirty="0"/>
+              <a:t> </a:t>
+            </a:r>
+            <a:r>
+              <a:rPr lang="de-DE" dirty="0" err="1"/>
+              <a:t>the</a:t>
+            </a:r>
+            <a:r>
+              <a:rPr lang="de-DE" dirty="0"/>
+              <a:t> </a:t>
+            </a:r>
+            <a:r>
+              <a:rPr lang="de-DE" dirty="0" err="1"/>
+              <a:t>branch</a:t>
+            </a:r>
+            <a:r>
+              <a:rPr lang="de-DE" dirty="0"/>
+              <a:t> </a:t>
+            </a:r>
+            <a:r>
+              <a:rPr lang="de-DE" dirty="0" err="1">
+                <a:latin typeface="Courier New" panose="02070309020205020404" pitchFamily="49" charset="0"/>
+                <a:cs typeface="Courier New" panose="02070309020205020404" pitchFamily="49" charset="0"/>
+              </a:rPr>
+              <a:t>main</a:t>
+            </a:r>
+            <a:r>
+              <a:rPr lang="de-DE" dirty="0"/>
+              <a:t> </a:t>
+            </a:r>
+          </a:p>
+          <a:p>
+            <a:pPr marL="0" indent="0">
+              <a:buNone/>
+            </a:pPr>
+            <a:endParaRPr lang="en-CH" dirty="0"/>
+          </a:p>
+          <a:p>
+            <a:endParaRPr lang="en-CH" dirty="0"/>
+          </a:p>
+        </p:txBody>
+      </p:sp>
+      <p:sp>
+        <p:nvSpPr>
+          <p:cNvPr id="4" name="Date Placeholder 3">
+            <a:extLst>
+              <a:ext uri="{FF2B5EF4-FFF2-40B4-BE49-F238E27FC236}">
+                <a16:creationId xmlns:a16="http://schemas.microsoft.com/office/drawing/2014/main" id="{06E829B2-1694-924F-8E80-036B417E1533}"/>
+              </a:ext>
+            </a:extLst>
+          </p:cNvPr>
+          <p:cNvSpPr>
+            <a:spLocks noGrp="1"/>
+          </p:cNvSpPr>
+          <p:nvPr>
+            <p:ph type="dt" sz="half" idx="10"/>
+          </p:nvPr>
+        </p:nvSpPr>
+        <p:spPr/>
+        <p:txBody>
+          <a:bodyPr/>
+          <a:lstStyle/>
+          <a:p>
+            <a:r>
+              <a:rPr lang="de-CH" sz="1000"/>
+              <a:t>August 2021, CC BY-SA 4.0</a:t>
+            </a:r>
+            <a:endParaRPr lang="en-US" sz="1000" dirty="0"/>
+          </a:p>
+        </p:txBody>
+      </p:sp>
+      <p:sp>
+        <p:nvSpPr>
+          <p:cNvPr id="5" name="Footer Placeholder 4">
+            <a:extLst>
+              <a:ext uri="{FF2B5EF4-FFF2-40B4-BE49-F238E27FC236}">
+                <a16:creationId xmlns:a16="http://schemas.microsoft.com/office/drawing/2014/main" id="{AFBE3539-299D-3540-AAA7-1CDBAAD0E777}"/>
+              </a:ext>
+            </a:extLst>
+          </p:cNvPr>
+          <p:cNvSpPr>
+            <a:spLocks noGrp="1"/>
+          </p:cNvSpPr>
+          <p:nvPr>
+            <p:ph type="ftr" sz="quarter" idx="11"/>
+          </p:nvPr>
+        </p:nvSpPr>
+        <p:spPr/>
+        <p:txBody>
+          <a:bodyPr/>
+          <a:lstStyle/>
+          <a:p>
+            <a:r>
+              <a:rPr lang="en-US"/>
+              <a:t>Continuous integration, v1.0</a:t>
+            </a:r>
+            <a:endParaRPr lang="en-US" dirty="0"/>
+          </a:p>
+        </p:txBody>
+      </p:sp>
+      <p:sp>
+        <p:nvSpPr>
+          <p:cNvPr id="8" name="Rectangle 7">
+            <a:extLst>
+              <a:ext uri="{FF2B5EF4-FFF2-40B4-BE49-F238E27FC236}">
+                <a16:creationId xmlns:a16="http://schemas.microsoft.com/office/drawing/2014/main" id="{6C932C02-C830-234A-8ED4-85FE0FEAB2F7}"/>
+              </a:ext>
+            </a:extLst>
+          </p:cNvPr>
+          <p:cNvSpPr/>
+          <p:nvPr/>
+        </p:nvSpPr>
+        <p:spPr>
+          <a:xfrm>
+            <a:off x="0" y="0"/>
+            <a:ext cx="9144000" cy="6858000"/>
+          </a:xfrm>
+          <a:prstGeom prst="rect">
+            <a:avLst/>
+          </a:prstGeom>
+          <a:noFill/>
+          <a:ln w="165100">
+            <a:solidFill>
+              <a:srgbClr val="00B050"/>
+            </a:solidFill>
+            <a:miter lim="800000"/>
+          </a:ln>
+        </p:spPr>
+        <p:style>
+          <a:lnRef idx="2">
+            <a:schemeClr val="accent1">
+              <a:shade val="50000"/>
+            </a:schemeClr>
+          </a:lnRef>
+          <a:fillRef idx="1">
+            <a:schemeClr val="accent1"/>
+          </a:fillRef>
+          <a:effectRef idx="0">
+            <a:schemeClr val="accent1"/>
+          </a:effectRef>
+          <a:fontRef idx="minor">
+            <a:schemeClr val="lt1"/>
+          </a:fontRef>
+        </p:style>
+        <p:txBody>
+          <a:bodyPr rtlCol="0" anchor="ctr"/>
+          <a:lstStyle/>
+          <a:p>
             <a:pPr algn="ctr"/>
-            <a:r>
-              <a:rPr lang="en-GB" sz="5400" dirty="0"/>
-              <a:t>Thank you!</a:t>
-            </a:r>
+            <a:endParaRPr lang="en-DE"/>
           </a:p>
         </p:txBody>
       </p:sp>
     </p:spTree>
+    <p:extLst>
+      <p:ext uri="{BB962C8B-B14F-4D97-AF65-F5344CB8AC3E}">
+        <p14:creationId xmlns:p14="http://schemas.microsoft.com/office/powerpoint/2010/main" val="492757597"/>
+      </p:ext>
+    </p:extLst>
   </p:cSld>
   <p:clrMapOvr>
     <a:masterClrMapping/>
@@ -5388,7 +6910,69 @@
       </p:grpSpPr>
       <p:sp>
         <p:nvSpPr>
-          <p:cNvPr id="2" name="Date Placeholder 1"/>
+          <p:cNvPr id="2" name="Title 1">
+            <a:extLst>
+              <a:ext uri="{FF2B5EF4-FFF2-40B4-BE49-F238E27FC236}">
+                <a16:creationId xmlns:a16="http://schemas.microsoft.com/office/drawing/2014/main" id="{57E14FB0-00D9-3449-A581-B95EB9D004CC}"/>
+              </a:ext>
+            </a:extLst>
+          </p:cNvPr>
+          <p:cNvSpPr>
+            <a:spLocks noGrp="1"/>
+          </p:cNvSpPr>
+          <p:nvPr>
+            <p:ph type="title"/>
+          </p:nvPr>
+        </p:nvSpPr>
+        <p:spPr/>
+        <p:txBody>
+          <a:bodyPr/>
+          <a:lstStyle/>
+          <a:p>
+            <a:r>
+              <a:rPr lang="en-CH" dirty="0"/>
+              <a:t>Matrix configuration</a:t>
+            </a:r>
+          </a:p>
+        </p:txBody>
+      </p:sp>
+      <p:sp>
+        <p:nvSpPr>
+          <p:cNvPr id="3" name="Content Placeholder 2">
+            <a:extLst>
+              <a:ext uri="{FF2B5EF4-FFF2-40B4-BE49-F238E27FC236}">
+                <a16:creationId xmlns:a16="http://schemas.microsoft.com/office/drawing/2014/main" id="{6E940115-7748-1C4C-80AE-D0F5CFAA0367}"/>
+              </a:ext>
+            </a:extLst>
+          </p:cNvPr>
+          <p:cNvSpPr>
+            <a:spLocks noGrp="1"/>
+          </p:cNvSpPr>
+          <p:nvPr>
+            <p:ph sz="quarter" idx="1"/>
+          </p:nvPr>
+        </p:nvSpPr>
+        <p:spPr/>
+        <p:txBody>
+          <a:bodyPr/>
+          <a:lstStyle/>
+          <a:p>
+            <a:r>
+              <a:rPr lang="en-CH" dirty="0"/>
+              <a:t>If your project supports multiple OSes, Python versions, and library version, you might want to run our tests on all the combinations of those</a:t>
+            </a:r>
+          </a:p>
+        </p:txBody>
+      </p:sp>
+      <p:sp>
+        <p:nvSpPr>
+          <p:cNvPr id="4" name="Date Placeholder 3">
+            <a:extLst>
+              <a:ext uri="{FF2B5EF4-FFF2-40B4-BE49-F238E27FC236}">
+                <a16:creationId xmlns:a16="http://schemas.microsoft.com/office/drawing/2014/main" id="{79D0E2A1-114C-5744-9DE0-127FD305F50E}"/>
+              </a:ext>
+            </a:extLst>
+          </p:cNvPr>
           <p:cNvSpPr>
             <a:spLocks noGrp="1"/>
           </p:cNvSpPr>
@@ -5402,15 +6986,170 @@
           <a:lstStyle/>
           <a:p>
             <a:r>
+              <a:rPr lang="de-CH" sz="1000"/>
+              <a:t>August 2021, CC BY-SA 4.0</a:t>
+            </a:r>
+            <a:endParaRPr lang="en-US" sz="1000" dirty="0"/>
+          </a:p>
+        </p:txBody>
+      </p:sp>
+      <p:sp>
+        <p:nvSpPr>
+          <p:cNvPr id="5" name="Footer Placeholder 4">
+            <a:extLst>
+              <a:ext uri="{FF2B5EF4-FFF2-40B4-BE49-F238E27FC236}">
+                <a16:creationId xmlns:a16="http://schemas.microsoft.com/office/drawing/2014/main" id="{04D8B6C8-482F-5947-8272-E27CA2AAC4C6}"/>
+              </a:ext>
+            </a:extLst>
+          </p:cNvPr>
+          <p:cNvSpPr>
+            <a:spLocks noGrp="1"/>
+          </p:cNvSpPr>
+          <p:nvPr>
+            <p:ph type="ftr" sz="quarter" idx="11"/>
+          </p:nvPr>
+        </p:nvSpPr>
+        <p:spPr/>
+        <p:txBody>
+          <a:bodyPr/>
+          <a:lstStyle/>
+          <a:p>
+            <a:r>
               <a:rPr lang="en-US"/>
-              <a:t>August 2019, CC BY-SA 4.0</a:t>
-            </a:r>
-          </a:p>
-        </p:txBody>
-      </p:sp>
-      <p:sp>
-        <p:nvSpPr>
-          <p:cNvPr id="3" name="Footer Placeholder 2"/>
+              <a:t>Continuous integration, v1.0</a:t>
+            </a:r>
+            <a:endParaRPr lang="en-US" dirty="0"/>
+          </a:p>
+        </p:txBody>
+      </p:sp>
+      <p:pic>
+        <p:nvPicPr>
+          <p:cNvPr id="6" name="Picture 5">
+            <a:extLst>
+              <a:ext uri="{FF2B5EF4-FFF2-40B4-BE49-F238E27FC236}">
+                <a16:creationId xmlns:a16="http://schemas.microsoft.com/office/drawing/2014/main" id="{965A5FDC-E135-6F4A-AB07-19A1888D10F5}"/>
+              </a:ext>
+            </a:extLst>
+          </p:cNvPr>
+          <p:cNvPicPr>
+            <a:picLocks noChangeAspect="1"/>
+          </p:cNvPicPr>
+          <p:nvPr/>
+        </p:nvPicPr>
+        <p:blipFill>
+          <a:blip r:embed="rId2"/>
+          <a:stretch>
+            <a:fillRect/>
+          </a:stretch>
+        </p:blipFill>
+        <p:spPr>
+          <a:xfrm>
+            <a:off x="1043608" y="2564904"/>
+            <a:ext cx="7056784" cy="3501633"/>
+          </a:xfrm>
+          <a:prstGeom prst="rect">
+            <a:avLst/>
+          </a:prstGeom>
+        </p:spPr>
+      </p:pic>
+    </p:spTree>
+    <p:extLst>
+      <p:ext uri="{BB962C8B-B14F-4D97-AF65-F5344CB8AC3E}">
+        <p14:creationId xmlns:p14="http://schemas.microsoft.com/office/powerpoint/2010/main" val="2547453365"/>
+      </p:ext>
+    </p:extLst>
+  </p:cSld>
+  <p:clrMapOvr>
+    <a:masterClrMapping/>
+  </p:clrMapOvr>
+</p:sld>
+</file>
+
+<file path=ppt/slides/slide15.xml><?xml version="1.0" encoding="utf-8"?>
+<p:sld xmlns:a="http://schemas.openxmlformats.org/drawingml/2006/main" xmlns:r="http://schemas.openxmlformats.org/officeDocument/2006/relationships" xmlns:p="http://schemas.openxmlformats.org/presentationml/2006/main">
+  <p:cSld>
+    <p:spTree>
+      <p:nvGrpSpPr>
+        <p:cNvPr id="1" name=""/>
+        <p:cNvGrpSpPr/>
+        <p:nvPr/>
+      </p:nvGrpSpPr>
+      <p:grpSpPr>
+        <a:xfrm>
+          <a:off x="0" y="0"/>
+          <a:ext cx="0" cy="0"/>
+          <a:chOff x="0" y="0"/>
+          <a:chExt cx="0" cy="0"/>
+        </a:xfrm>
+      </p:grpSpPr>
+      <p:sp>
+        <p:nvSpPr>
+          <p:cNvPr id="10" name="Title 9">
+            <a:extLst>
+              <a:ext uri="{FF2B5EF4-FFF2-40B4-BE49-F238E27FC236}">
+                <a16:creationId xmlns:a16="http://schemas.microsoft.com/office/drawing/2014/main" id="{6BCDDE6C-95FD-C646-A705-53F2F10B2BB2}"/>
+              </a:ext>
+            </a:extLst>
+          </p:cNvPr>
+          <p:cNvSpPr>
+            <a:spLocks noGrp="1"/>
+          </p:cNvSpPr>
+          <p:nvPr>
+            <p:ph type="title"/>
+          </p:nvPr>
+        </p:nvSpPr>
+        <p:spPr/>
+        <p:txBody>
+          <a:bodyPr>
+            <a:normAutofit/>
+          </a:bodyPr>
+          <a:lstStyle/>
+          <a:p>
+            <a:r>
+              <a:rPr lang="en-CH" dirty="0"/>
+              <a:t>GitHub Actions workflow with matrix config</a:t>
+            </a:r>
+          </a:p>
+        </p:txBody>
+      </p:sp>
+      <p:sp>
+        <p:nvSpPr>
+          <p:cNvPr id="4" name="Date Placeholder 3">
+            <a:extLst>
+              <a:ext uri="{FF2B5EF4-FFF2-40B4-BE49-F238E27FC236}">
+                <a16:creationId xmlns:a16="http://schemas.microsoft.com/office/drawing/2014/main" id="{98A5A538-B68A-CF4E-B4CD-86663BB3D546}"/>
+              </a:ext>
+            </a:extLst>
+          </p:cNvPr>
+          <p:cNvSpPr>
+            <a:spLocks noGrp="1"/>
+          </p:cNvSpPr>
+          <p:nvPr>
+            <p:ph type="dt" sz="half" idx="10"/>
+          </p:nvPr>
+        </p:nvSpPr>
+        <p:spPr/>
+        <p:txBody>
+          <a:bodyPr/>
+          <a:lstStyle/>
+          <a:p>
+            <a:r>
+              <a:rPr lang="de-CH" sz="1000"/>
+              <a:t>August 2021, CC BY-SA 4.0</a:t>
+            </a:r>
+            <a:endParaRPr lang="en-US" sz="1000" dirty="0"/>
+          </a:p>
+        </p:txBody>
+      </p:sp>
+      <p:sp>
+        <p:nvSpPr>
+          <p:cNvPr id="5" name="Footer Placeholder 4">
+            <a:extLst>
+              <a:ext uri="{FF2B5EF4-FFF2-40B4-BE49-F238E27FC236}">
+                <a16:creationId xmlns:a16="http://schemas.microsoft.com/office/drawing/2014/main" id="{E326726F-DB75-FC4E-B1FF-F1C9E3CC4514}"/>
+              </a:ext>
+            </a:extLst>
+          </p:cNvPr>
           <p:cNvSpPr>
             <a:spLocks noGrp="1"/>
           </p:cNvSpPr>
@@ -5425,12 +7164,2292 @@
           <a:p>
             <a:r>
               <a:rPr lang="en-US"/>
-              <a:t>Testing scientific code, v12.0</a:t>
+              <a:t>Continuous integration, v1.0</a:t>
+            </a:r>
+            <a:endParaRPr lang="en-US" dirty="0"/>
+          </a:p>
+        </p:txBody>
+      </p:sp>
+      <p:sp>
+        <p:nvSpPr>
+          <p:cNvPr id="9" name="TextBox 8">
+            <a:extLst>
+              <a:ext uri="{FF2B5EF4-FFF2-40B4-BE49-F238E27FC236}">
+                <a16:creationId xmlns:a16="http://schemas.microsoft.com/office/drawing/2014/main" id="{1C39B175-DFD8-C646-8C37-ABD922326EAB}"/>
+              </a:ext>
+            </a:extLst>
+          </p:cNvPr>
+          <p:cNvSpPr txBox="1"/>
+          <p:nvPr/>
+        </p:nvSpPr>
+        <p:spPr>
+          <a:xfrm>
+            <a:off x="827946" y="1164134"/>
+            <a:ext cx="5205271" cy="4893647"/>
+          </a:xfrm>
+          <a:prstGeom prst="rect">
+            <a:avLst/>
+          </a:prstGeom>
+          <a:solidFill>
+            <a:schemeClr val="bg1"/>
+          </a:solidFill>
+        </p:spPr>
+        <p:txBody>
+          <a:bodyPr wrap="none" rtlCol="0">
+            <a:spAutoFit/>
+          </a:bodyPr>
+          <a:lstStyle/>
+          <a:p>
+            <a:r>
+              <a:rPr lang="en-US" sz="1200" dirty="0">
+                <a:latin typeface="Courier New" panose="02070309020205020404" pitchFamily="49" charset="0"/>
+                <a:cs typeface="Courier New" panose="02070309020205020404" pitchFamily="49" charset="0"/>
+              </a:rPr>
+              <a:t>Name: Run all the tests for PRs, with OS/Python matrix</a:t>
+            </a:r>
+          </a:p>
+          <a:p>
+            <a:endParaRPr lang="en-US" sz="1200" dirty="0">
+              <a:latin typeface="Courier New" panose="02070309020205020404" pitchFamily="49" charset="0"/>
+              <a:cs typeface="Courier New" panose="02070309020205020404" pitchFamily="49" charset="0"/>
+            </a:endParaRPr>
+          </a:p>
+          <a:p>
+            <a:r>
+              <a:rPr lang="en-US" sz="1200" dirty="0">
+                <a:latin typeface="Courier New" panose="02070309020205020404" pitchFamily="49" charset="0"/>
+                <a:cs typeface="Courier New" panose="02070309020205020404" pitchFamily="49" charset="0"/>
+              </a:rPr>
+              <a:t>on:</a:t>
+            </a:r>
+          </a:p>
+          <a:p>
+            <a:r>
+              <a:rPr lang="en-US" sz="1200" dirty="0">
+                <a:latin typeface="Courier New" panose="02070309020205020404" pitchFamily="49" charset="0"/>
+                <a:cs typeface="Courier New" panose="02070309020205020404" pitchFamily="49" charset="0"/>
+              </a:rPr>
+              <a:t>  [push, </a:t>
+            </a:r>
+            <a:r>
+              <a:rPr lang="en-US" sz="1200" dirty="0" err="1">
+                <a:latin typeface="Courier New" panose="02070309020205020404" pitchFamily="49" charset="0"/>
+                <a:cs typeface="Courier New" panose="02070309020205020404" pitchFamily="49" charset="0"/>
+              </a:rPr>
+              <a:t>pull_request</a:t>
+            </a:r>
+            <a:r>
+              <a:rPr lang="en-US" sz="1200" dirty="0">
+                <a:latin typeface="Courier New" panose="02070309020205020404" pitchFamily="49" charset="0"/>
+                <a:cs typeface="Courier New" panose="02070309020205020404" pitchFamily="49" charset="0"/>
+              </a:rPr>
+              <a:t>]</a:t>
+            </a:r>
+          </a:p>
+          <a:p>
+            <a:endParaRPr lang="en-US" sz="1200" dirty="0">
+              <a:latin typeface="Courier New" panose="02070309020205020404" pitchFamily="49" charset="0"/>
+              <a:cs typeface="Courier New" panose="02070309020205020404" pitchFamily="49" charset="0"/>
+            </a:endParaRPr>
+          </a:p>
+          <a:p>
+            <a:r>
+              <a:rPr lang="en-US" sz="1200" dirty="0">
+                <a:latin typeface="Courier New" panose="02070309020205020404" pitchFamily="49" charset="0"/>
+                <a:cs typeface="Courier New" panose="02070309020205020404" pitchFamily="49" charset="0"/>
+              </a:rPr>
+              <a:t>jobs:</a:t>
+            </a:r>
+          </a:p>
+          <a:p>
+            <a:r>
+              <a:rPr lang="en-US" sz="1200" dirty="0">
+                <a:latin typeface="Courier New" panose="02070309020205020404" pitchFamily="49" charset="0"/>
+                <a:cs typeface="Courier New" panose="02070309020205020404" pitchFamily="49" charset="0"/>
+              </a:rPr>
+              <a:t>  run-tests:</a:t>
+            </a:r>
+          </a:p>
+          <a:p>
+            <a:r>
+              <a:rPr lang="en-US" sz="1200" dirty="0">
+                <a:latin typeface="Courier New" panose="02070309020205020404" pitchFamily="49" charset="0"/>
+                <a:cs typeface="Courier New" panose="02070309020205020404" pitchFamily="49" charset="0"/>
+              </a:rPr>
+              <a:t>    runs-on: ${{ </a:t>
+            </a:r>
+            <a:r>
+              <a:rPr lang="en-US" sz="1200" dirty="0" err="1">
+                <a:latin typeface="Courier New" panose="02070309020205020404" pitchFamily="49" charset="0"/>
+                <a:cs typeface="Courier New" panose="02070309020205020404" pitchFamily="49" charset="0"/>
+              </a:rPr>
+              <a:t>matrix.os</a:t>
+            </a:r>
+            <a:r>
+              <a:rPr lang="en-US" sz="1200" dirty="0">
+                <a:latin typeface="Courier New" panose="02070309020205020404" pitchFamily="49" charset="0"/>
+                <a:cs typeface="Courier New" panose="02070309020205020404" pitchFamily="49" charset="0"/>
+              </a:rPr>
+              <a:t> }}</a:t>
+            </a:r>
+          </a:p>
+          <a:p>
+            <a:r>
+              <a:rPr lang="en-US" sz="1200" dirty="0">
+                <a:latin typeface="Courier New" panose="02070309020205020404" pitchFamily="49" charset="0"/>
+                <a:cs typeface="Courier New" panose="02070309020205020404" pitchFamily="49" charset="0"/>
+              </a:rPr>
+              <a:t>    </a:t>
+            </a:r>
+          </a:p>
+          <a:p>
+            <a:r>
+              <a:rPr lang="en-US" sz="1200" dirty="0">
+                <a:latin typeface="Courier New" panose="02070309020205020404" pitchFamily="49" charset="0"/>
+                <a:cs typeface="Courier New" panose="02070309020205020404" pitchFamily="49" charset="0"/>
+              </a:rPr>
+              <a:t>    strategy:</a:t>
+            </a:r>
+          </a:p>
+          <a:p>
+            <a:r>
+              <a:rPr lang="en-US" sz="1200" dirty="0">
+                <a:latin typeface="Courier New" panose="02070309020205020404" pitchFamily="49" charset="0"/>
+                <a:cs typeface="Courier New" panose="02070309020205020404" pitchFamily="49" charset="0"/>
+              </a:rPr>
+              <a:t>      matrix:</a:t>
+            </a:r>
+          </a:p>
+          <a:p>
+            <a:r>
+              <a:rPr lang="en-US" sz="1200" dirty="0">
+                <a:latin typeface="Courier New" panose="02070309020205020404" pitchFamily="49" charset="0"/>
+                <a:cs typeface="Courier New" panose="02070309020205020404" pitchFamily="49" charset="0"/>
+              </a:rPr>
+              <a:t>        </a:t>
+            </a:r>
+            <a:r>
+              <a:rPr lang="en-US" sz="1200" dirty="0" err="1">
+                <a:latin typeface="Courier New" panose="02070309020205020404" pitchFamily="49" charset="0"/>
+                <a:cs typeface="Courier New" panose="02070309020205020404" pitchFamily="49" charset="0"/>
+              </a:rPr>
+              <a:t>os</a:t>
+            </a:r>
+            <a:r>
+              <a:rPr lang="en-US" sz="1200" dirty="0">
+                <a:latin typeface="Courier New" panose="02070309020205020404" pitchFamily="49" charset="0"/>
+                <a:cs typeface="Courier New" panose="02070309020205020404" pitchFamily="49" charset="0"/>
+              </a:rPr>
+              <a:t>: [ubuntu-latest, </a:t>
+            </a:r>
+            <a:r>
+              <a:rPr lang="en-US" sz="1200" dirty="0" err="1">
+                <a:latin typeface="Courier New" panose="02070309020205020404" pitchFamily="49" charset="0"/>
+                <a:cs typeface="Courier New" panose="02070309020205020404" pitchFamily="49" charset="0"/>
+              </a:rPr>
+              <a:t>macos</a:t>
+            </a:r>
+            <a:r>
+              <a:rPr lang="en-US" sz="1200" dirty="0">
+                <a:latin typeface="Courier New" panose="02070309020205020404" pitchFamily="49" charset="0"/>
+                <a:cs typeface="Courier New" panose="02070309020205020404" pitchFamily="49" charset="0"/>
+              </a:rPr>
+              <a:t>-latest]</a:t>
+            </a:r>
+          </a:p>
+          <a:p>
+            <a:r>
+              <a:rPr lang="en-US" sz="1200" dirty="0">
+                <a:latin typeface="Courier New" panose="02070309020205020404" pitchFamily="49" charset="0"/>
+                <a:cs typeface="Courier New" panose="02070309020205020404" pitchFamily="49" charset="0"/>
+              </a:rPr>
+              <a:t>        python-version: [3.8, 3.9]</a:t>
+            </a:r>
+          </a:p>
+          <a:p>
+            <a:endParaRPr lang="en-US" sz="1200" dirty="0">
+              <a:latin typeface="Courier New" panose="02070309020205020404" pitchFamily="49" charset="0"/>
+              <a:cs typeface="Courier New" panose="02070309020205020404" pitchFamily="49" charset="0"/>
+            </a:endParaRPr>
+          </a:p>
+          <a:p>
+            <a:r>
+              <a:rPr lang="en-US" sz="1200" dirty="0">
+                <a:latin typeface="Courier New" panose="02070309020205020404" pitchFamily="49" charset="0"/>
+                <a:cs typeface="Courier New" panose="02070309020205020404" pitchFamily="49" charset="0"/>
+              </a:rPr>
+              <a:t>    steps:</a:t>
+            </a:r>
+          </a:p>
+          <a:p>
+            <a:r>
+              <a:rPr lang="en-US" sz="1200" dirty="0">
+                <a:latin typeface="Courier New" panose="02070309020205020404" pitchFamily="49" charset="0"/>
+                <a:cs typeface="Courier New" panose="02070309020205020404" pitchFamily="49" charset="0"/>
+              </a:rPr>
+              <a:t>    - uses: actions/checkout@v2</a:t>
+            </a:r>
+          </a:p>
+          <a:p>
+            <a:r>
+              <a:rPr lang="en-US" sz="1200" dirty="0">
+                <a:latin typeface="Courier New" panose="02070309020205020404" pitchFamily="49" charset="0"/>
+                <a:cs typeface="Courier New" panose="02070309020205020404" pitchFamily="49" charset="0"/>
+              </a:rPr>
+              <a:t>    - name: Set up Python ${{ </a:t>
+            </a:r>
+            <a:r>
+              <a:rPr lang="en-US" sz="1200" dirty="0" err="1">
+                <a:latin typeface="Courier New" panose="02070309020205020404" pitchFamily="49" charset="0"/>
+                <a:cs typeface="Courier New" panose="02070309020205020404" pitchFamily="49" charset="0"/>
+              </a:rPr>
+              <a:t>matrix.python</a:t>
+            </a:r>
+            <a:r>
+              <a:rPr lang="en-US" sz="1200" dirty="0">
+                <a:latin typeface="Courier New" panose="02070309020205020404" pitchFamily="49" charset="0"/>
+                <a:cs typeface="Courier New" panose="02070309020205020404" pitchFamily="49" charset="0"/>
+              </a:rPr>
+              <a:t>-version }}</a:t>
+            </a:r>
+          </a:p>
+          <a:p>
+            <a:r>
+              <a:rPr lang="en-US" sz="1200" dirty="0">
+                <a:latin typeface="Courier New" panose="02070309020205020404" pitchFamily="49" charset="0"/>
+                <a:cs typeface="Courier New" panose="02070309020205020404" pitchFamily="49" charset="0"/>
+              </a:rPr>
+              <a:t>      uses: actions/setup-python@v2</a:t>
+            </a:r>
+          </a:p>
+          <a:p>
+            <a:r>
+              <a:rPr lang="en-US" sz="1200" dirty="0">
+                <a:latin typeface="Courier New" panose="02070309020205020404" pitchFamily="49" charset="0"/>
+                <a:cs typeface="Courier New" panose="02070309020205020404" pitchFamily="49" charset="0"/>
+              </a:rPr>
+              <a:t>      with:</a:t>
+            </a:r>
+          </a:p>
+          <a:p>
+            <a:r>
+              <a:rPr lang="en-US" sz="1200" dirty="0">
+                <a:latin typeface="Courier New" panose="02070309020205020404" pitchFamily="49" charset="0"/>
+                <a:cs typeface="Courier New" panose="02070309020205020404" pitchFamily="49" charset="0"/>
+              </a:rPr>
+              <a:t>        python-version: ${{ </a:t>
+            </a:r>
+            <a:r>
+              <a:rPr lang="en-US" sz="1200" dirty="0" err="1">
+                <a:latin typeface="Courier New" panose="02070309020205020404" pitchFamily="49" charset="0"/>
+                <a:cs typeface="Courier New" panose="02070309020205020404" pitchFamily="49" charset="0"/>
+              </a:rPr>
+              <a:t>matrix.python</a:t>
+            </a:r>
+            <a:r>
+              <a:rPr lang="en-US" sz="1200" dirty="0">
+                <a:latin typeface="Courier New" panose="02070309020205020404" pitchFamily="49" charset="0"/>
+                <a:cs typeface="Courier New" panose="02070309020205020404" pitchFamily="49" charset="0"/>
+              </a:rPr>
+              <a:t>-version }}</a:t>
+            </a:r>
+          </a:p>
+          <a:p>
+            <a:r>
+              <a:rPr lang="en-US" sz="1200" dirty="0">
+                <a:latin typeface="Courier New" panose="02070309020205020404" pitchFamily="49" charset="0"/>
+                <a:cs typeface="Courier New" panose="02070309020205020404" pitchFamily="49" charset="0"/>
+              </a:rPr>
+              <a:t>    - name: Install dependencies</a:t>
+            </a:r>
+          </a:p>
+          <a:p>
+            <a:r>
+              <a:rPr lang="en-US" sz="1200" dirty="0">
+                <a:latin typeface="Courier New" panose="02070309020205020404" pitchFamily="49" charset="0"/>
+                <a:cs typeface="Courier New" panose="02070309020205020404" pitchFamily="49" charset="0"/>
+              </a:rPr>
+              <a:t>      run:</a:t>
+            </a:r>
+          </a:p>
+          <a:p>
+            <a:r>
+              <a:rPr lang="en-US" sz="1200" dirty="0">
+                <a:latin typeface="Courier New" panose="02070309020205020404" pitchFamily="49" charset="0"/>
+                <a:cs typeface="Courier New" panose="02070309020205020404" pitchFamily="49" charset="0"/>
+              </a:rPr>
+              <a:t>        python -m pip install </a:t>
+            </a:r>
+            <a:r>
+              <a:rPr lang="en-US" sz="1200" dirty="0" err="1">
+                <a:latin typeface="Courier New" panose="02070309020205020404" pitchFamily="49" charset="0"/>
+                <a:cs typeface="Courier New" panose="02070309020205020404" pitchFamily="49" charset="0"/>
+              </a:rPr>
+              <a:t>pytest</a:t>
+            </a:r>
+            <a:r>
+              <a:rPr lang="en-US" sz="1200" dirty="0">
+                <a:latin typeface="Courier New" panose="02070309020205020404" pitchFamily="49" charset="0"/>
+                <a:cs typeface="Courier New" panose="02070309020205020404" pitchFamily="49" charset="0"/>
+              </a:rPr>
+              <a:t> </a:t>
+            </a:r>
+            <a:r>
+              <a:rPr lang="en-US" sz="1200" dirty="0" err="1">
+                <a:latin typeface="Courier New" panose="02070309020205020404" pitchFamily="49" charset="0"/>
+                <a:cs typeface="Courier New" panose="02070309020205020404" pitchFamily="49" charset="0"/>
+              </a:rPr>
+              <a:t>numpy</a:t>
+            </a:r>
+            <a:endParaRPr lang="en-US" sz="1200" dirty="0">
+              <a:latin typeface="Courier New" panose="02070309020205020404" pitchFamily="49" charset="0"/>
+              <a:cs typeface="Courier New" panose="02070309020205020404" pitchFamily="49" charset="0"/>
+            </a:endParaRPr>
+          </a:p>
+          <a:p>
+            <a:r>
+              <a:rPr lang="en-US" sz="1200" dirty="0">
+                <a:latin typeface="Courier New" panose="02070309020205020404" pitchFamily="49" charset="0"/>
+                <a:cs typeface="Courier New" panose="02070309020205020404" pitchFamily="49" charset="0"/>
+              </a:rPr>
+              <a:t>    - name: Test with </a:t>
+            </a:r>
+            <a:r>
+              <a:rPr lang="en-US" sz="1200" dirty="0" err="1">
+                <a:latin typeface="Courier New" panose="02070309020205020404" pitchFamily="49" charset="0"/>
+                <a:cs typeface="Courier New" panose="02070309020205020404" pitchFamily="49" charset="0"/>
+              </a:rPr>
+              <a:t>pytest</a:t>
+            </a:r>
+            <a:endParaRPr lang="en-US" sz="1200" dirty="0">
+              <a:latin typeface="Courier New" panose="02070309020205020404" pitchFamily="49" charset="0"/>
+              <a:cs typeface="Courier New" panose="02070309020205020404" pitchFamily="49" charset="0"/>
+            </a:endParaRPr>
+          </a:p>
+          <a:p>
+            <a:r>
+              <a:rPr lang="en-US" sz="1200" dirty="0">
+                <a:latin typeface="Courier New" panose="02070309020205020404" pitchFamily="49" charset="0"/>
+                <a:cs typeface="Courier New" panose="02070309020205020404" pitchFamily="49" charset="0"/>
+              </a:rPr>
+              <a:t>      run:</a:t>
+            </a:r>
+          </a:p>
+          <a:p>
+            <a:r>
+              <a:rPr lang="en-US" sz="1200" dirty="0">
+                <a:latin typeface="Courier New" panose="02070309020205020404" pitchFamily="49" charset="0"/>
+                <a:cs typeface="Courier New" panose="02070309020205020404" pitchFamily="49" charset="0"/>
+              </a:rPr>
+              <a:t>        </a:t>
+            </a:r>
+            <a:r>
+              <a:rPr lang="en-US" sz="1200" dirty="0" err="1">
+                <a:latin typeface="Courier New" panose="02070309020205020404" pitchFamily="49" charset="0"/>
+                <a:cs typeface="Courier New" panose="02070309020205020404" pitchFamily="49" charset="0"/>
+              </a:rPr>
+              <a:t>pytest</a:t>
+            </a:r>
+            <a:r>
+              <a:rPr lang="en-US" sz="1200" dirty="0">
+                <a:latin typeface="Courier New" panose="02070309020205020404" pitchFamily="49" charset="0"/>
+                <a:cs typeface="Courier New" panose="02070309020205020404" pitchFamily="49" charset="0"/>
+              </a:rPr>
+              <a:t> -</a:t>
+            </a:r>
+            <a:r>
+              <a:rPr lang="en-US" sz="1200" dirty="0" err="1">
+                <a:latin typeface="Courier New" panose="02070309020205020404" pitchFamily="49" charset="0"/>
+                <a:cs typeface="Courier New" panose="02070309020205020404" pitchFamily="49" charset="0"/>
+              </a:rPr>
+              <a:t>sv</a:t>
+            </a:r>
+            <a:r>
+              <a:rPr lang="en-US" sz="1200" dirty="0">
+                <a:latin typeface="Courier New" panose="02070309020205020404" pitchFamily="49" charset="0"/>
+                <a:cs typeface="Courier New" panose="02070309020205020404" pitchFamily="49" charset="0"/>
+              </a:rPr>
+              <a:t> </a:t>
+            </a:r>
+            <a:r>
+              <a:rPr lang="en-US" sz="1200" dirty="0" err="1">
+                <a:latin typeface="Courier New" panose="02070309020205020404" pitchFamily="49" charset="0"/>
+                <a:cs typeface="Courier New" panose="02070309020205020404" pitchFamily="49" charset="0"/>
+              </a:rPr>
+              <a:t>hands_on</a:t>
+            </a:r>
+            <a:r>
+              <a:rPr lang="en-US" sz="1200" dirty="0">
+                <a:latin typeface="Courier New" panose="02070309020205020404" pitchFamily="49" charset="0"/>
+                <a:cs typeface="Courier New" panose="02070309020205020404" pitchFamily="49" charset="0"/>
+              </a:rPr>
+              <a:t>/</a:t>
+            </a:r>
+            <a:r>
+              <a:rPr lang="en-US" sz="1200" dirty="0" err="1">
+                <a:latin typeface="Courier New" panose="02070309020205020404" pitchFamily="49" charset="0"/>
+                <a:cs typeface="Courier New" panose="02070309020205020404" pitchFamily="49" charset="0"/>
+              </a:rPr>
+              <a:t>pyanno_votin</a:t>
+            </a:r>
+            <a:endParaRPr lang="en-CH" sz="1200" dirty="0">
+              <a:latin typeface="Courier New" panose="02070309020205020404" pitchFamily="49" charset="0"/>
+              <a:cs typeface="Courier New" panose="02070309020205020404" pitchFamily="49" charset="0"/>
+            </a:endParaRPr>
+          </a:p>
+        </p:txBody>
+      </p:sp>
+      <p:sp>
+        <p:nvSpPr>
+          <p:cNvPr id="18" name="Rectangle 17">
+            <a:extLst>
+              <a:ext uri="{FF2B5EF4-FFF2-40B4-BE49-F238E27FC236}">
+                <a16:creationId xmlns:a16="http://schemas.microsoft.com/office/drawing/2014/main" id="{FE2E6A0F-3DAE-4E4D-B6DE-2204DEFEA814}"/>
+              </a:ext>
+            </a:extLst>
+          </p:cNvPr>
+          <p:cNvSpPr/>
+          <p:nvPr/>
+        </p:nvSpPr>
+        <p:spPr>
+          <a:xfrm>
+            <a:off x="826922" y="2810714"/>
+            <a:ext cx="7832943" cy="811632"/>
+          </a:xfrm>
+          <a:prstGeom prst="rect">
+            <a:avLst/>
+          </a:prstGeom>
+          <a:solidFill>
+            <a:srgbClr val="92D050">
+              <a:alpha val="30196"/>
+            </a:srgbClr>
+          </a:solidFill>
+          <a:ln>
+            <a:noFill/>
+          </a:ln>
+        </p:spPr>
+        <p:style>
+          <a:lnRef idx="2">
+            <a:schemeClr val="accent1">
+              <a:shade val="50000"/>
+            </a:schemeClr>
+          </a:lnRef>
+          <a:fillRef idx="1">
+            <a:schemeClr val="accent1"/>
+          </a:fillRef>
+          <a:effectRef idx="0">
+            <a:schemeClr val="accent1"/>
+          </a:effectRef>
+          <a:fontRef idx="minor">
+            <a:schemeClr val="lt1"/>
+          </a:fontRef>
+        </p:style>
+        <p:txBody>
+          <a:bodyPr rtlCol="0" anchor="ctr"/>
+          <a:lstStyle/>
+          <a:p>
+            <a:pPr algn="ctr"/>
+            <a:endParaRPr lang="en-CH"/>
+          </a:p>
+        </p:txBody>
+      </p:sp>
+      <p:sp>
+        <p:nvSpPr>
+          <p:cNvPr id="20" name="TextBox 19">
+            <a:extLst>
+              <a:ext uri="{FF2B5EF4-FFF2-40B4-BE49-F238E27FC236}">
+                <a16:creationId xmlns:a16="http://schemas.microsoft.com/office/drawing/2014/main" id="{28374184-3346-1D41-BC5F-66E64EAB2FBC}"/>
+              </a:ext>
+            </a:extLst>
+          </p:cNvPr>
+          <p:cNvSpPr txBox="1"/>
+          <p:nvPr/>
+        </p:nvSpPr>
+        <p:spPr>
+          <a:xfrm>
+            <a:off x="5076056" y="2780928"/>
+            <a:ext cx="3577568" cy="830997"/>
+          </a:xfrm>
+          <a:prstGeom prst="rect">
+            <a:avLst/>
+          </a:prstGeom>
+          <a:noFill/>
+        </p:spPr>
+        <p:txBody>
+          <a:bodyPr wrap="square" rtlCol="0">
+            <a:spAutoFit/>
+          </a:bodyPr>
+          <a:lstStyle/>
+          <a:p>
+            <a:pPr algn="r"/>
+            <a:r>
+              <a:rPr lang="en-CH" sz="1600" dirty="0"/>
+              <a:t>The strategy/matrix section specifies lists of parameters. The workflow is run for all combinations</a:t>
             </a:r>
           </a:p>
         </p:txBody>
       </p:sp>
     </p:spTree>
+    <p:extLst>
+      <p:ext uri="{BB962C8B-B14F-4D97-AF65-F5344CB8AC3E}">
+        <p14:creationId xmlns:p14="http://schemas.microsoft.com/office/powerpoint/2010/main" val="3550112132"/>
+      </p:ext>
+    </p:extLst>
+  </p:cSld>
+  <p:clrMapOvr>
+    <a:masterClrMapping/>
+  </p:clrMapOvr>
+</p:sld>
+</file>
+
+<file path=ppt/slides/slide16.xml><?xml version="1.0" encoding="utf-8"?>
+<p:sld xmlns:a="http://schemas.openxmlformats.org/drawingml/2006/main" xmlns:r="http://schemas.openxmlformats.org/officeDocument/2006/relationships" xmlns:p="http://schemas.openxmlformats.org/presentationml/2006/main">
+  <p:cSld>
+    <p:spTree>
+      <p:nvGrpSpPr>
+        <p:cNvPr id="1" name=""/>
+        <p:cNvGrpSpPr/>
+        <p:nvPr/>
+      </p:nvGrpSpPr>
+      <p:grpSpPr>
+        <a:xfrm>
+          <a:off x="0" y="0"/>
+          <a:ext cx="0" cy="0"/>
+          <a:chOff x="0" y="0"/>
+          <a:chExt cx="0" cy="0"/>
+        </a:xfrm>
+      </p:grpSpPr>
+      <p:sp>
+        <p:nvSpPr>
+          <p:cNvPr id="10" name="Title 9">
+            <a:extLst>
+              <a:ext uri="{FF2B5EF4-FFF2-40B4-BE49-F238E27FC236}">
+                <a16:creationId xmlns:a16="http://schemas.microsoft.com/office/drawing/2014/main" id="{6BCDDE6C-95FD-C646-A705-53F2F10B2BB2}"/>
+              </a:ext>
+            </a:extLst>
+          </p:cNvPr>
+          <p:cNvSpPr>
+            <a:spLocks noGrp="1"/>
+          </p:cNvSpPr>
+          <p:nvPr>
+            <p:ph type="title"/>
+          </p:nvPr>
+        </p:nvSpPr>
+        <p:spPr/>
+        <p:txBody>
+          <a:bodyPr>
+            <a:normAutofit/>
+          </a:bodyPr>
+          <a:lstStyle/>
+          <a:p>
+            <a:r>
+              <a:rPr lang="en-CH"/>
+              <a:t>GitHub Actions workflow with matrix config</a:t>
+            </a:r>
+            <a:endParaRPr lang="en-CH" dirty="0"/>
+          </a:p>
+        </p:txBody>
+      </p:sp>
+      <p:sp>
+        <p:nvSpPr>
+          <p:cNvPr id="4" name="Date Placeholder 3">
+            <a:extLst>
+              <a:ext uri="{FF2B5EF4-FFF2-40B4-BE49-F238E27FC236}">
+                <a16:creationId xmlns:a16="http://schemas.microsoft.com/office/drawing/2014/main" id="{98A5A538-B68A-CF4E-B4CD-86663BB3D546}"/>
+              </a:ext>
+            </a:extLst>
+          </p:cNvPr>
+          <p:cNvSpPr>
+            <a:spLocks noGrp="1"/>
+          </p:cNvSpPr>
+          <p:nvPr>
+            <p:ph type="dt" sz="half" idx="10"/>
+          </p:nvPr>
+        </p:nvSpPr>
+        <p:spPr/>
+        <p:txBody>
+          <a:bodyPr/>
+          <a:lstStyle/>
+          <a:p>
+            <a:r>
+              <a:rPr lang="de-CH" sz="1000"/>
+              <a:t>August 2021, CC BY-SA 4.0</a:t>
+            </a:r>
+            <a:endParaRPr lang="en-US" sz="1000" dirty="0"/>
+          </a:p>
+        </p:txBody>
+      </p:sp>
+      <p:sp>
+        <p:nvSpPr>
+          <p:cNvPr id="5" name="Footer Placeholder 4">
+            <a:extLst>
+              <a:ext uri="{FF2B5EF4-FFF2-40B4-BE49-F238E27FC236}">
+                <a16:creationId xmlns:a16="http://schemas.microsoft.com/office/drawing/2014/main" id="{E326726F-DB75-FC4E-B1FF-F1C9E3CC4514}"/>
+              </a:ext>
+            </a:extLst>
+          </p:cNvPr>
+          <p:cNvSpPr>
+            <a:spLocks noGrp="1"/>
+          </p:cNvSpPr>
+          <p:nvPr>
+            <p:ph type="ftr" sz="quarter" idx="11"/>
+          </p:nvPr>
+        </p:nvSpPr>
+        <p:spPr/>
+        <p:txBody>
+          <a:bodyPr/>
+          <a:lstStyle/>
+          <a:p>
+            <a:r>
+              <a:rPr lang="en-US"/>
+              <a:t>Continuous integration, v1.0</a:t>
+            </a:r>
+            <a:endParaRPr lang="en-US" dirty="0"/>
+          </a:p>
+        </p:txBody>
+      </p:sp>
+      <p:sp>
+        <p:nvSpPr>
+          <p:cNvPr id="9" name="TextBox 8">
+            <a:extLst>
+              <a:ext uri="{FF2B5EF4-FFF2-40B4-BE49-F238E27FC236}">
+                <a16:creationId xmlns:a16="http://schemas.microsoft.com/office/drawing/2014/main" id="{1C39B175-DFD8-C646-8C37-ABD922326EAB}"/>
+              </a:ext>
+            </a:extLst>
+          </p:cNvPr>
+          <p:cNvSpPr txBox="1"/>
+          <p:nvPr/>
+        </p:nvSpPr>
+        <p:spPr>
+          <a:xfrm>
+            <a:off x="827946" y="1164134"/>
+            <a:ext cx="5205271" cy="4893647"/>
+          </a:xfrm>
+          <a:prstGeom prst="rect">
+            <a:avLst/>
+          </a:prstGeom>
+          <a:solidFill>
+            <a:schemeClr val="bg1"/>
+          </a:solidFill>
+        </p:spPr>
+        <p:txBody>
+          <a:bodyPr wrap="none" rtlCol="0">
+            <a:spAutoFit/>
+          </a:bodyPr>
+          <a:lstStyle/>
+          <a:p>
+            <a:r>
+              <a:rPr lang="en-US" sz="1200" dirty="0">
+                <a:latin typeface="Courier New" panose="02070309020205020404" pitchFamily="49" charset="0"/>
+                <a:cs typeface="Courier New" panose="02070309020205020404" pitchFamily="49" charset="0"/>
+              </a:rPr>
+              <a:t>Name: Run all the tests for PRs, with OS/Python matrix</a:t>
+            </a:r>
+          </a:p>
+          <a:p>
+            <a:endParaRPr lang="en-US" sz="1200" dirty="0">
+              <a:latin typeface="Courier New" panose="02070309020205020404" pitchFamily="49" charset="0"/>
+              <a:cs typeface="Courier New" panose="02070309020205020404" pitchFamily="49" charset="0"/>
+            </a:endParaRPr>
+          </a:p>
+          <a:p>
+            <a:r>
+              <a:rPr lang="en-US" sz="1200" dirty="0">
+                <a:latin typeface="Courier New" panose="02070309020205020404" pitchFamily="49" charset="0"/>
+                <a:cs typeface="Courier New" panose="02070309020205020404" pitchFamily="49" charset="0"/>
+              </a:rPr>
+              <a:t>on:</a:t>
+            </a:r>
+          </a:p>
+          <a:p>
+            <a:r>
+              <a:rPr lang="en-US" sz="1200" dirty="0">
+                <a:latin typeface="Courier New" panose="02070309020205020404" pitchFamily="49" charset="0"/>
+                <a:cs typeface="Courier New" panose="02070309020205020404" pitchFamily="49" charset="0"/>
+              </a:rPr>
+              <a:t>  [push, </a:t>
+            </a:r>
+            <a:r>
+              <a:rPr lang="en-US" sz="1200" dirty="0" err="1">
+                <a:latin typeface="Courier New" panose="02070309020205020404" pitchFamily="49" charset="0"/>
+                <a:cs typeface="Courier New" panose="02070309020205020404" pitchFamily="49" charset="0"/>
+              </a:rPr>
+              <a:t>pull_request</a:t>
+            </a:r>
+            <a:r>
+              <a:rPr lang="en-US" sz="1200" dirty="0">
+                <a:latin typeface="Courier New" panose="02070309020205020404" pitchFamily="49" charset="0"/>
+                <a:cs typeface="Courier New" panose="02070309020205020404" pitchFamily="49" charset="0"/>
+              </a:rPr>
+              <a:t>]</a:t>
+            </a:r>
+          </a:p>
+          <a:p>
+            <a:endParaRPr lang="en-US" sz="1200" dirty="0">
+              <a:latin typeface="Courier New" panose="02070309020205020404" pitchFamily="49" charset="0"/>
+              <a:cs typeface="Courier New" panose="02070309020205020404" pitchFamily="49" charset="0"/>
+            </a:endParaRPr>
+          </a:p>
+          <a:p>
+            <a:r>
+              <a:rPr lang="en-US" sz="1200" dirty="0">
+                <a:latin typeface="Courier New" panose="02070309020205020404" pitchFamily="49" charset="0"/>
+                <a:cs typeface="Courier New" panose="02070309020205020404" pitchFamily="49" charset="0"/>
+              </a:rPr>
+              <a:t>jobs:</a:t>
+            </a:r>
+          </a:p>
+          <a:p>
+            <a:r>
+              <a:rPr lang="en-US" sz="1200" dirty="0">
+                <a:latin typeface="Courier New" panose="02070309020205020404" pitchFamily="49" charset="0"/>
+                <a:cs typeface="Courier New" panose="02070309020205020404" pitchFamily="49" charset="0"/>
+              </a:rPr>
+              <a:t>  run-tests:</a:t>
+            </a:r>
+          </a:p>
+          <a:p>
+            <a:r>
+              <a:rPr lang="en-US" sz="1200" dirty="0">
+                <a:latin typeface="Courier New" panose="02070309020205020404" pitchFamily="49" charset="0"/>
+                <a:cs typeface="Courier New" panose="02070309020205020404" pitchFamily="49" charset="0"/>
+              </a:rPr>
+              <a:t>    runs-on: ${{ </a:t>
+            </a:r>
+            <a:r>
+              <a:rPr lang="en-US" sz="1200" dirty="0" err="1">
+                <a:latin typeface="Courier New" panose="02070309020205020404" pitchFamily="49" charset="0"/>
+                <a:cs typeface="Courier New" panose="02070309020205020404" pitchFamily="49" charset="0"/>
+              </a:rPr>
+              <a:t>matrix.os</a:t>
+            </a:r>
+            <a:r>
+              <a:rPr lang="en-US" sz="1200" dirty="0">
+                <a:latin typeface="Courier New" panose="02070309020205020404" pitchFamily="49" charset="0"/>
+                <a:cs typeface="Courier New" panose="02070309020205020404" pitchFamily="49" charset="0"/>
+              </a:rPr>
+              <a:t> }}</a:t>
+            </a:r>
+          </a:p>
+          <a:p>
+            <a:r>
+              <a:rPr lang="en-US" sz="1200" dirty="0">
+                <a:latin typeface="Courier New" panose="02070309020205020404" pitchFamily="49" charset="0"/>
+                <a:cs typeface="Courier New" panose="02070309020205020404" pitchFamily="49" charset="0"/>
+              </a:rPr>
+              <a:t>    </a:t>
+            </a:r>
+          </a:p>
+          <a:p>
+            <a:r>
+              <a:rPr lang="en-US" sz="1200" dirty="0">
+                <a:latin typeface="Courier New" panose="02070309020205020404" pitchFamily="49" charset="0"/>
+                <a:cs typeface="Courier New" panose="02070309020205020404" pitchFamily="49" charset="0"/>
+              </a:rPr>
+              <a:t>    strategy:</a:t>
+            </a:r>
+          </a:p>
+          <a:p>
+            <a:r>
+              <a:rPr lang="en-US" sz="1200" dirty="0">
+                <a:latin typeface="Courier New" panose="02070309020205020404" pitchFamily="49" charset="0"/>
+                <a:cs typeface="Courier New" panose="02070309020205020404" pitchFamily="49" charset="0"/>
+              </a:rPr>
+              <a:t>      matrix:</a:t>
+            </a:r>
+          </a:p>
+          <a:p>
+            <a:r>
+              <a:rPr lang="en-US" sz="1200" dirty="0">
+                <a:latin typeface="Courier New" panose="02070309020205020404" pitchFamily="49" charset="0"/>
+                <a:cs typeface="Courier New" panose="02070309020205020404" pitchFamily="49" charset="0"/>
+              </a:rPr>
+              <a:t>        </a:t>
+            </a:r>
+            <a:r>
+              <a:rPr lang="en-US" sz="1200" dirty="0" err="1">
+                <a:latin typeface="Courier New" panose="02070309020205020404" pitchFamily="49" charset="0"/>
+                <a:cs typeface="Courier New" panose="02070309020205020404" pitchFamily="49" charset="0"/>
+              </a:rPr>
+              <a:t>os</a:t>
+            </a:r>
+            <a:r>
+              <a:rPr lang="en-US" sz="1200" dirty="0">
+                <a:latin typeface="Courier New" panose="02070309020205020404" pitchFamily="49" charset="0"/>
+                <a:cs typeface="Courier New" panose="02070309020205020404" pitchFamily="49" charset="0"/>
+              </a:rPr>
+              <a:t>: [ubuntu-latest, </a:t>
+            </a:r>
+            <a:r>
+              <a:rPr lang="en-US" sz="1200" dirty="0" err="1">
+                <a:latin typeface="Courier New" panose="02070309020205020404" pitchFamily="49" charset="0"/>
+                <a:cs typeface="Courier New" panose="02070309020205020404" pitchFamily="49" charset="0"/>
+              </a:rPr>
+              <a:t>macos</a:t>
+            </a:r>
+            <a:r>
+              <a:rPr lang="en-US" sz="1200" dirty="0">
+                <a:latin typeface="Courier New" panose="02070309020205020404" pitchFamily="49" charset="0"/>
+                <a:cs typeface="Courier New" panose="02070309020205020404" pitchFamily="49" charset="0"/>
+              </a:rPr>
+              <a:t>-latest]</a:t>
+            </a:r>
+          </a:p>
+          <a:p>
+            <a:r>
+              <a:rPr lang="en-US" sz="1200" dirty="0">
+                <a:latin typeface="Courier New" panose="02070309020205020404" pitchFamily="49" charset="0"/>
+                <a:cs typeface="Courier New" panose="02070309020205020404" pitchFamily="49" charset="0"/>
+              </a:rPr>
+              <a:t>        python-version: [3.8, 3.9]</a:t>
+            </a:r>
+          </a:p>
+          <a:p>
+            <a:endParaRPr lang="en-US" sz="1200" dirty="0">
+              <a:latin typeface="Courier New" panose="02070309020205020404" pitchFamily="49" charset="0"/>
+              <a:cs typeface="Courier New" panose="02070309020205020404" pitchFamily="49" charset="0"/>
+            </a:endParaRPr>
+          </a:p>
+          <a:p>
+            <a:r>
+              <a:rPr lang="en-US" sz="1200" dirty="0">
+                <a:latin typeface="Courier New" panose="02070309020205020404" pitchFamily="49" charset="0"/>
+                <a:cs typeface="Courier New" panose="02070309020205020404" pitchFamily="49" charset="0"/>
+              </a:rPr>
+              <a:t>    steps:</a:t>
+            </a:r>
+          </a:p>
+          <a:p>
+            <a:r>
+              <a:rPr lang="en-US" sz="1200" dirty="0">
+                <a:latin typeface="Courier New" panose="02070309020205020404" pitchFamily="49" charset="0"/>
+                <a:cs typeface="Courier New" panose="02070309020205020404" pitchFamily="49" charset="0"/>
+              </a:rPr>
+              <a:t>    - uses: actions/checkout@v2</a:t>
+            </a:r>
+          </a:p>
+          <a:p>
+            <a:r>
+              <a:rPr lang="en-US" sz="1200" dirty="0">
+                <a:latin typeface="Courier New" panose="02070309020205020404" pitchFamily="49" charset="0"/>
+                <a:cs typeface="Courier New" panose="02070309020205020404" pitchFamily="49" charset="0"/>
+              </a:rPr>
+              <a:t>    - name: Set up Python ${{ </a:t>
+            </a:r>
+            <a:r>
+              <a:rPr lang="en-US" sz="1200" dirty="0" err="1">
+                <a:latin typeface="Courier New" panose="02070309020205020404" pitchFamily="49" charset="0"/>
+                <a:cs typeface="Courier New" panose="02070309020205020404" pitchFamily="49" charset="0"/>
+              </a:rPr>
+              <a:t>matrix.python</a:t>
+            </a:r>
+            <a:r>
+              <a:rPr lang="en-US" sz="1200" dirty="0">
+                <a:latin typeface="Courier New" panose="02070309020205020404" pitchFamily="49" charset="0"/>
+                <a:cs typeface="Courier New" panose="02070309020205020404" pitchFamily="49" charset="0"/>
+              </a:rPr>
+              <a:t>-version }}</a:t>
+            </a:r>
+          </a:p>
+          <a:p>
+            <a:r>
+              <a:rPr lang="en-US" sz="1200" dirty="0">
+                <a:latin typeface="Courier New" panose="02070309020205020404" pitchFamily="49" charset="0"/>
+                <a:cs typeface="Courier New" panose="02070309020205020404" pitchFamily="49" charset="0"/>
+              </a:rPr>
+              <a:t>      uses: actions/setup-python@v2</a:t>
+            </a:r>
+          </a:p>
+          <a:p>
+            <a:r>
+              <a:rPr lang="en-US" sz="1200" dirty="0">
+                <a:latin typeface="Courier New" panose="02070309020205020404" pitchFamily="49" charset="0"/>
+                <a:cs typeface="Courier New" panose="02070309020205020404" pitchFamily="49" charset="0"/>
+              </a:rPr>
+              <a:t>      with:</a:t>
+            </a:r>
+          </a:p>
+          <a:p>
+            <a:r>
+              <a:rPr lang="en-US" sz="1200" dirty="0">
+                <a:latin typeface="Courier New" panose="02070309020205020404" pitchFamily="49" charset="0"/>
+                <a:cs typeface="Courier New" panose="02070309020205020404" pitchFamily="49" charset="0"/>
+              </a:rPr>
+              <a:t>        python-version: ${{ </a:t>
+            </a:r>
+            <a:r>
+              <a:rPr lang="en-US" sz="1200" dirty="0" err="1">
+                <a:latin typeface="Courier New" panose="02070309020205020404" pitchFamily="49" charset="0"/>
+                <a:cs typeface="Courier New" panose="02070309020205020404" pitchFamily="49" charset="0"/>
+              </a:rPr>
+              <a:t>matrix.python</a:t>
+            </a:r>
+            <a:r>
+              <a:rPr lang="en-US" sz="1200" dirty="0">
+                <a:latin typeface="Courier New" panose="02070309020205020404" pitchFamily="49" charset="0"/>
+                <a:cs typeface="Courier New" panose="02070309020205020404" pitchFamily="49" charset="0"/>
+              </a:rPr>
+              <a:t>-version }}</a:t>
+            </a:r>
+          </a:p>
+          <a:p>
+            <a:r>
+              <a:rPr lang="en-US" sz="1200" dirty="0">
+                <a:latin typeface="Courier New" panose="02070309020205020404" pitchFamily="49" charset="0"/>
+                <a:cs typeface="Courier New" panose="02070309020205020404" pitchFamily="49" charset="0"/>
+              </a:rPr>
+              <a:t>    - name: Install dependencies</a:t>
+            </a:r>
+          </a:p>
+          <a:p>
+            <a:r>
+              <a:rPr lang="en-US" sz="1200" dirty="0">
+                <a:latin typeface="Courier New" panose="02070309020205020404" pitchFamily="49" charset="0"/>
+                <a:cs typeface="Courier New" panose="02070309020205020404" pitchFamily="49" charset="0"/>
+              </a:rPr>
+              <a:t>      run:</a:t>
+            </a:r>
+          </a:p>
+          <a:p>
+            <a:r>
+              <a:rPr lang="en-US" sz="1200" dirty="0">
+                <a:latin typeface="Courier New" panose="02070309020205020404" pitchFamily="49" charset="0"/>
+                <a:cs typeface="Courier New" panose="02070309020205020404" pitchFamily="49" charset="0"/>
+              </a:rPr>
+              <a:t>        python -m pip install </a:t>
+            </a:r>
+            <a:r>
+              <a:rPr lang="en-US" sz="1200" dirty="0" err="1">
+                <a:latin typeface="Courier New" panose="02070309020205020404" pitchFamily="49" charset="0"/>
+                <a:cs typeface="Courier New" panose="02070309020205020404" pitchFamily="49" charset="0"/>
+              </a:rPr>
+              <a:t>pytest</a:t>
+            </a:r>
+            <a:r>
+              <a:rPr lang="en-US" sz="1200" dirty="0">
+                <a:latin typeface="Courier New" panose="02070309020205020404" pitchFamily="49" charset="0"/>
+                <a:cs typeface="Courier New" panose="02070309020205020404" pitchFamily="49" charset="0"/>
+              </a:rPr>
+              <a:t> </a:t>
+            </a:r>
+            <a:r>
+              <a:rPr lang="en-US" sz="1200" dirty="0" err="1">
+                <a:latin typeface="Courier New" panose="02070309020205020404" pitchFamily="49" charset="0"/>
+                <a:cs typeface="Courier New" panose="02070309020205020404" pitchFamily="49" charset="0"/>
+              </a:rPr>
+              <a:t>numpy</a:t>
+            </a:r>
+            <a:endParaRPr lang="en-US" sz="1200" dirty="0">
+              <a:latin typeface="Courier New" panose="02070309020205020404" pitchFamily="49" charset="0"/>
+              <a:cs typeface="Courier New" panose="02070309020205020404" pitchFamily="49" charset="0"/>
+            </a:endParaRPr>
+          </a:p>
+          <a:p>
+            <a:r>
+              <a:rPr lang="en-US" sz="1200" dirty="0">
+                <a:latin typeface="Courier New" panose="02070309020205020404" pitchFamily="49" charset="0"/>
+                <a:cs typeface="Courier New" panose="02070309020205020404" pitchFamily="49" charset="0"/>
+              </a:rPr>
+              <a:t>    - name: Test with </a:t>
+            </a:r>
+            <a:r>
+              <a:rPr lang="en-US" sz="1200" dirty="0" err="1">
+                <a:latin typeface="Courier New" panose="02070309020205020404" pitchFamily="49" charset="0"/>
+                <a:cs typeface="Courier New" panose="02070309020205020404" pitchFamily="49" charset="0"/>
+              </a:rPr>
+              <a:t>pytest</a:t>
+            </a:r>
+            <a:endParaRPr lang="en-US" sz="1200" dirty="0">
+              <a:latin typeface="Courier New" panose="02070309020205020404" pitchFamily="49" charset="0"/>
+              <a:cs typeface="Courier New" panose="02070309020205020404" pitchFamily="49" charset="0"/>
+            </a:endParaRPr>
+          </a:p>
+          <a:p>
+            <a:r>
+              <a:rPr lang="en-US" sz="1200" dirty="0">
+                <a:latin typeface="Courier New" panose="02070309020205020404" pitchFamily="49" charset="0"/>
+                <a:cs typeface="Courier New" panose="02070309020205020404" pitchFamily="49" charset="0"/>
+              </a:rPr>
+              <a:t>      run:</a:t>
+            </a:r>
+          </a:p>
+          <a:p>
+            <a:r>
+              <a:rPr lang="en-US" sz="1200" dirty="0">
+                <a:latin typeface="Courier New" panose="02070309020205020404" pitchFamily="49" charset="0"/>
+                <a:cs typeface="Courier New" panose="02070309020205020404" pitchFamily="49" charset="0"/>
+              </a:rPr>
+              <a:t>        </a:t>
+            </a:r>
+            <a:r>
+              <a:rPr lang="en-US" sz="1200" dirty="0" err="1">
+                <a:latin typeface="Courier New" panose="02070309020205020404" pitchFamily="49" charset="0"/>
+                <a:cs typeface="Courier New" panose="02070309020205020404" pitchFamily="49" charset="0"/>
+              </a:rPr>
+              <a:t>pytest</a:t>
+            </a:r>
+            <a:r>
+              <a:rPr lang="en-US" sz="1200" dirty="0">
+                <a:latin typeface="Courier New" panose="02070309020205020404" pitchFamily="49" charset="0"/>
+                <a:cs typeface="Courier New" panose="02070309020205020404" pitchFamily="49" charset="0"/>
+              </a:rPr>
+              <a:t> -</a:t>
+            </a:r>
+            <a:r>
+              <a:rPr lang="en-US" sz="1200" dirty="0" err="1">
+                <a:latin typeface="Courier New" panose="02070309020205020404" pitchFamily="49" charset="0"/>
+                <a:cs typeface="Courier New" panose="02070309020205020404" pitchFamily="49" charset="0"/>
+              </a:rPr>
+              <a:t>sv</a:t>
+            </a:r>
+            <a:r>
+              <a:rPr lang="en-US" sz="1200" dirty="0">
+                <a:latin typeface="Courier New" panose="02070309020205020404" pitchFamily="49" charset="0"/>
+                <a:cs typeface="Courier New" panose="02070309020205020404" pitchFamily="49" charset="0"/>
+              </a:rPr>
+              <a:t> </a:t>
+            </a:r>
+            <a:r>
+              <a:rPr lang="en-US" sz="1200" dirty="0" err="1">
+                <a:latin typeface="Courier New" panose="02070309020205020404" pitchFamily="49" charset="0"/>
+                <a:cs typeface="Courier New" panose="02070309020205020404" pitchFamily="49" charset="0"/>
+              </a:rPr>
+              <a:t>hands_on</a:t>
+            </a:r>
+            <a:r>
+              <a:rPr lang="en-US" sz="1200" dirty="0">
+                <a:latin typeface="Courier New" panose="02070309020205020404" pitchFamily="49" charset="0"/>
+                <a:cs typeface="Courier New" panose="02070309020205020404" pitchFamily="49" charset="0"/>
+              </a:rPr>
+              <a:t>/</a:t>
+            </a:r>
+            <a:r>
+              <a:rPr lang="en-US" sz="1200" dirty="0" err="1">
+                <a:latin typeface="Courier New" panose="02070309020205020404" pitchFamily="49" charset="0"/>
+                <a:cs typeface="Courier New" panose="02070309020205020404" pitchFamily="49" charset="0"/>
+              </a:rPr>
+              <a:t>pyanno_votin</a:t>
+            </a:r>
+            <a:endParaRPr lang="en-CH" sz="1200" dirty="0">
+              <a:latin typeface="Courier New" panose="02070309020205020404" pitchFamily="49" charset="0"/>
+              <a:cs typeface="Courier New" panose="02070309020205020404" pitchFamily="49" charset="0"/>
+            </a:endParaRPr>
+          </a:p>
+        </p:txBody>
+      </p:sp>
+      <p:sp>
+        <p:nvSpPr>
+          <p:cNvPr id="12" name="Rectangle 11">
+            <a:extLst>
+              <a:ext uri="{FF2B5EF4-FFF2-40B4-BE49-F238E27FC236}">
+                <a16:creationId xmlns:a16="http://schemas.microsoft.com/office/drawing/2014/main" id="{4F801947-E24A-D048-B9D9-DAE8729A7778}"/>
+              </a:ext>
+            </a:extLst>
+          </p:cNvPr>
+          <p:cNvSpPr/>
+          <p:nvPr/>
+        </p:nvSpPr>
+        <p:spPr>
+          <a:xfrm>
+            <a:off x="853855" y="2477377"/>
+            <a:ext cx="7832943" cy="176992"/>
+          </a:xfrm>
+          <a:prstGeom prst="rect">
+            <a:avLst/>
+          </a:prstGeom>
+          <a:solidFill>
+            <a:srgbClr val="FFFF00">
+              <a:alpha val="30196"/>
+            </a:srgbClr>
+          </a:solidFill>
+          <a:ln>
+            <a:noFill/>
+          </a:ln>
+        </p:spPr>
+        <p:style>
+          <a:lnRef idx="2">
+            <a:schemeClr val="accent1">
+              <a:shade val="50000"/>
+            </a:schemeClr>
+          </a:lnRef>
+          <a:fillRef idx="1">
+            <a:schemeClr val="accent1"/>
+          </a:fillRef>
+          <a:effectRef idx="0">
+            <a:schemeClr val="accent1"/>
+          </a:effectRef>
+          <a:fontRef idx="minor">
+            <a:schemeClr val="lt1"/>
+          </a:fontRef>
+        </p:style>
+        <p:txBody>
+          <a:bodyPr rtlCol="0" anchor="ctr"/>
+          <a:lstStyle/>
+          <a:p>
+            <a:pPr algn="ctr"/>
+            <a:endParaRPr lang="en-CH" dirty="0"/>
+          </a:p>
+        </p:txBody>
+      </p:sp>
+      <p:sp>
+        <p:nvSpPr>
+          <p:cNvPr id="18" name="Rectangle 17">
+            <a:extLst>
+              <a:ext uri="{FF2B5EF4-FFF2-40B4-BE49-F238E27FC236}">
+                <a16:creationId xmlns:a16="http://schemas.microsoft.com/office/drawing/2014/main" id="{FE2E6A0F-3DAE-4E4D-B6DE-2204DEFEA814}"/>
+              </a:ext>
+            </a:extLst>
+          </p:cNvPr>
+          <p:cNvSpPr/>
+          <p:nvPr/>
+        </p:nvSpPr>
+        <p:spPr>
+          <a:xfrm>
+            <a:off x="826922" y="2810714"/>
+            <a:ext cx="7832943" cy="811632"/>
+          </a:xfrm>
+          <a:prstGeom prst="rect">
+            <a:avLst/>
+          </a:prstGeom>
+          <a:solidFill>
+            <a:srgbClr val="92D050">
+              <a:alpha val="30196"/>
+            </a:srgbClr>
+          </a:solidFill>
+          <a:ln>
+            <a:noFill/>
+          </a:ln>
+        </p:spPr>
+        <p:style>
+          <a:lnRef idx="2">
+            <a:schemeClr val="accent1">
+              <a:shade val="50000"/>
+            </a:schemeClr>
+          </a:lnRef>
+          <a:fillRef idx="1">
+            <a:schemeClr val="accent1"/>
+          </a:fillRef>
+          <a:effectRef idx="0">
+            <a:schemeClr val="accent1"/>
+          </a:effectRef>
+          <a:fontRef idx="minor">
+            <a:schemeClr val="lt1"/>
+          </a:fontRef>
+        </p:style>
+        <p:txBody>
+          <a:bodyPr rtlCol="0" anchor="ctr"/>
+          <a:lstStyle/>
+          <a:p>
+            <a:pPr algn="ctr"/>
+            <a:endParaRPr lang="en-CH"/>
+          </a:p>
+        </p:txBody>
+      </p:sp>
+      <p:sp>
+        <p:nvSpPr>
+          <p:cNvPr id="21" name="Rectangle 20">
+            <a:extLst>
+              <a:ext uri="{FF2B5EF4-FFF2-40B4-BE49-F238E27FC236}">
+                <a16:creationId xmlns:a16="http://schemas.microsoft.com/office/drawing/2014/main" id="{0595ADB4-9113-B542-892F-AD58810595B1}"/>
+              </a:ext>
+            </a:extLst>
+          </p:cNvPr>
+          <p:cNvSpPr/>
+          <p:nvPr/>
+        </p:nvSpPr>
+        <p:spPr>
+          <a:xfrm>
+            <a:off x="820681" y="4663071"/>
+            <a:ext cx="7832943" cy="176992"/>
+          </a:xfrm>
+          <a:prstGeom prst="rect">
+            <a:avLst/>
+          </a:prstGeom>
+          <a:solidFill>
+            <a:srgbClr val="FFFF00">
+              <a:alpha val="30196"/>
+            </a:srgbClr>
+          </a:solidFill>
+          <a:ln>
+            <a:noFill/>
+          </a:ln>
+        </p:spPr>
+        <p:style>
+          <a:lnRef idx="2">
+            <a:schemeClr val="accent1">
+              <a:shade val="50000"/>
+            </a:schemeClr>
+          </a:lnRef>
+          <a:fillRef idx="1">
+            <a:schemeClr val="accent1"/>
+          </a:fillRef>
+          <a:effectRef idx="0">
+            <a:schemeClr val="accent1"/>
+          </a:effectRef>
+          <a:fontRef idx="minor">
+            <a:schemeClr val="lt1"/>
+          </a:fontRef>
+        </p:style>
+        <p:txBody>
+          <a:bodyPr rtlCol="0" anchor="ctr"/>
+          <a:lstStyle/>
+          <a:p>
+            <a:pPr algn="ctr"/>
+            <a:endParaRPr lang="en-CH" dirty="0"/>
+          </a:p>
+        </p:txBody>
+      </p:sp>
+      <p:sp>
+        <p:nvSpPr>
+          <p:cNvPr id="22" name="Rectangle 21">
+            <a:extLst>
+              <a:ext uri="{FF2B5EF4-FFF2-40B4-BE49-F238E27FC236}">
+                <a16:creationId xmlns:a16="http://schemas.microsoft.com/office/drawing/2014/main" id="{D9205CE2-DB49-B641-81FC-6501DDD12FD7}"/>
+              </a:ext>
+            </a:extLst>
+          </p:cNvPr>
+          <p:cNvSpPr/>
+          <p:nvPr/>
+        </p:nvSpPr>
+        <p:spPr>
+          <a:xfrm>
+            <a:off x="853855" y="4140868"/>
+            <a:ext cx="7832943" cy="176992"/>
+          </a:xfrm>
+          <a:prstGeom prst="rect">
+            <a:avLst/>
+          </a:prstGeom>
+          <a:solidFill>
+            <a:srgbClr val="FFFF00">
+              <a:alpha val="30196"/>
+            </a:srgbClr>
+          </a:solidFill>
+          <a:ln>
+            <a:noFill/>
+          </a:ln>
+        </p:spPr>
+        <p:style>
+          <a:lnRef idx="2">
+            <a:schemeClr val="accent1">
+              <a:shade val="50000"/>
+            </a:schemeClr>
+          </a:lnRef>
+          <a:fillRef idx="1">
+            <a:schemeClr val="accent1"/>
+          </a:fillRef>
+          <a:effectRef idx="0">
+            <a:schemeClr val="accent1"/>
+          </a:effectRef>
+          <a:fontRef idx="minor">
+            <a:schemeClr val="lt1"/>
+          </a:fontRef>
+        </p:style>
+        <p:txBody>
+          <a:bodyPr rtlCol="0" anchor="ctr"/>
+          <a:lstStyle/>
+          <a:p>
+            <a:pPr algn="ctr"/>
+            <a:endParaRPr lang="en-CH" dirty="0"/>
+          </a:p>
+        </p:txBody>
+      </p:sp>
+      <p:sp>
+        <p:nvSpPr>
+          <p:cNvPr id="24" name="TextBox 23">
+            <a:extLst>
+              <a:ext uri="{FF2B5EF4-FFF2-40B4-BE49-F238E27FC236}">
+                <a16:creationId xmlns:a16="http://schemas.microsoft.com/office/drawing/2014/main" id="{5FE83D7C-5E2B-DA4F-A3D4-DE8F1A54ED65}"/>
+              </a:ext>
+            </a:extLst>
+          </p:cNvPr>
+          <p:cNvSpPr txBox="1"/>
+          <p:nvPr/>
+        </p:nvSpPr>
+        <p:spPr>
+          <a:xfrm>
+            <a:off x="5109230" y="2093288"/>
+            <a:ext cx="3577568" cy="584775"/>
+          </a:xfrm>
+          <a:prstGeom prst="rect">
+            <a:avLst/>
+          </a:prstGeom>
+          <a:noFill/>
+        </p:spPr>
+        <p:txBody>
+          <a:bodyPr wrap="square" rtlCol="0">
+            <a:spAutoFit/>
+          </a:bodyPr>
+          <a:lstStyle/>
+          <a:p>
+            <a:pPr algn="r"/>
+            <a:r>
+              <a:rPr lang="en-CH" sz="1600" dirty="0"/>
+              <a:t>This is how we refer to the matrix parameters in the config file</a:t>
+            </a:r>
+          </a:p>
+        </p:txBody>
+      </p:sp>
+    </p:spTree>
+    <p:extLst>
+      <p:ext uri="{BB962C8B-B14F-4D97-AF65-F5344CB8AC3E}">
+        <p14:creationId xmlns:p14="http://schemas.microsoft.com/office/powerpoint/2010/main" val="2711912215"/>
+      </p:ext>
+    </p:extLst>
+  </p:cSld>
+  <p:clrMapOvr>
+    <a:masterClrMapping/>
+  </p:clrMapOvr>
+</p:sld>
+</file>
+
+<file path=ppt/slides/slide17.xml><?xml version="1.0" encoding="utf-8"?>
+<p:sld xmlns:a="http://schemas.openxmlformats.org/drawingml/2006/main" xmlns:r="http://schemas.openxmlformats.org/officeDocument/2006/relationships" xmlns:p="http://schemas.openxmlformats.org/presentationml/2006/main">
+  <p:cSld>
+    <p:spTree>
+      <p:nvGrpSpPr>
+        <p:cNvPr id="1" name=""/>
+        <p:cNvGrpSpPr/>
+        <p:nvPr/>
+      </p:nvGrpSpPr>
+      <p:grpSpPr>
+        <a:xfrm>
+          <a:off x="0" y="0"/>
+          <a:ext cx="0" cy="0"/>
+          <a:chOff x="0" y="0"/>
+          <a:chExt cx="0" cy="0"/>
+        </a:xfrm>
+      </p:grpSpPr>
+      <p:sp>
+        <p:nvSpPr>
+          <p:cNvPr id="2" name="Title 1">
+            <a:extLst>
+              <a:ext uri="{FF2B5EF4-FFF2-40B4-BE49-F238E27FC236}">
+                <a16:creationId xmlns:a16="http://schemas.microsoft.com/office/drawing/2014/main" id="{EACC7A8A-CD41-EB49-BCCF-D1CC9D385024}"/>
+              </a:ext>
+            </a:extLst>
+          </p:cNvPr>
+          <p:cNvSpPr>
+            <a:spLocks noGrp="1"/>
+          </p:cNvSpPr>
+          <p:nvPr>
+            <p:ph type="title"/>
+          </p:nvPr>
+        </p:nvSpPr>
+        <p:spPr/>
+        <p:txBody>
+          <a:bodyPr/>
+          <a:lstStyle/>
+          <a:p>
+            <a:r>
+              <a:rPr lang="en-CH" dirty="0"/>
+              <a:t>GitHub Actions reference</a:t>
+            </a:r>
+          </a:p>
+        </p:txBody>
+      </p:sp>
+      <p:sp>
+        <p:nvSpPr>
+          <p:cNvPr id="3" name="Content Placeholder 2">
+            <a:extLst>
+              <a:ext uri="{FF2B5EF4-FFF2-40B4-BE49-F238E27FC236}">
+                <a16:creationId xmlns:a16="http://schemas.microsoft.com/office/drawing/2014/main" id="{DE78B902-F52A-5B4E-AC89-A7164CC5CB2E}"/>
+              </a:ext>
+            </a:extLst>
+          </p:cNvPr>
+          <p:cNvSpPr>
+            <a:spLocks noGrp="1"/>
+          </p:cNvSpPr>
+          <p:nvPr>
+            <p:ph sz="quarter" idx="1"/>
+          </p:nvPr>
+        </p:nvSpPr>
+        <p:spPr/>
+        <p:txBody>
+          <a:bodyPr>
+            <a:normAutofit/>
+          </a:bodyPr>
+          <a:lstStyle/>
+          <a:p>
+            <a:r>
+              <a:rPr lang="en-US" dirty="0"/>
+              <a:t>Types of virtual machines available on GitHub Actions:</a:t>
+            </a:r>
+            <a:br>
+              <a:rPr lang="en-US" dirty="0"/>
+            </a:br>
+            <a:r>
+              <a:rPr lang="en-US" sz="1800" dirty="0">
+                <a:latin typeface="Courier New" panose="02070309020205020404" pitchFamily="49" charset="0"/>
+                <a:cs typeface="Courier New" panose="02070309020205020404" pitchFamily="49" charset="0"/>
+                <a:hlinkClick r:id="rId2"/>
+              </a:rPr>
+              <a:t>https://docs.github.com/en/actions/using-github-hosted-runners/about-github-hosted-runners#supported-runners-and-hardware-resources</a:t>
+            </a:r>
+            <a:endParaRPr lang="en-US" sz="1800" dirty="0">
+              <a:latin typeface="Courier New" panose="02070309020205020404" pitchFamily="49" charset="0"/>
+              <a:cs typeface="Courier New" panose="02070309020205020404" pitchFamily="49" charset="0"/>
+            </a:endParaRPr>
+          </a:p>
+          <a:p>
+            <a:r>
+              <a:rPr lang="en-US" sz="1800" dirty="0">
+                <a:latin typeface="Courier New" panose="02070309020205020404" pitchFamily="49" charset="0"/>
+                <a:cs typeface="Courier New" panose="02070309020205020404" pitchFamily="49" charset="0"/>
+              </a:rPr>
+              <a:t>setup-python</a:t>
+            </a:r>
+            <a:r>
+              <a:rPr lang="en-US" sz="1800" dirty="0">
+                <a:cs typeface="Courier New" panose="02070309020205020404" pitchFamily="49" charset="0"/>
+              </a:rPr>
+              <a:t> </a:t>
+            </a:r>
+            <a:r>
+              <a:rPr lang="en-US" sz="2000" dirty="0">
+                <a:cs typeface="Courier New" panose="02070309020205020404" pitchFamily="49" charset="0"/>
+              </a:rPr>
+              <a:t>community action, all available Python flavors and versions:</a:t>
+            </a:r>
+            <a:br>
+              <a:rPr lang="en-US" sz="2000" dirty="0">
+                <a:cs typeface="Courier New" panose="02070309020205020404" pitchFamily="49" charset="0"/>
+              </a:rPr>
+            </a:br>
+            <a:r>
+              <a:rPr lang="en-US" sz="1800" dirty="0">
+                <a:latin typeface="Courier New" panose="02070309020205020404" pitchFamily="49" charset="0"/>
+                <a:cs typeface="Courier New" panose="02070309020205020404" pitchFamily="49" charset="0"/>
+                <a:hlinkClick r:id="rId3"/>
+              </a:rPr>
+              <a:t>https://github.com/marketplace/actions/setup-python</a:t>
+            </a:r>
+            <a:endParaRPr lang="en-US" sz="1800" dirty="0">
+              <a:latin typeface="Courier New" panose="02070309020205020404" pitchFamily="49" charset="0"/>
+              <a:cs typeface="Courier New" panose="02070309020205020404" pitchFamily="49" charset="0"/>
+            </a:endParaRPr>
+          </a:p>
+          <a:p>
+            <a:endParaRPr lang="en-US" sz="1800" dirty="0">
+              <a:latin typeface="Courier New" panose="02070309020205020404" pitchFamily="49" charset="0"/>
+              <a:cs typeface="Courier New" panose="02070309020205020404" pitchFamily="49" charset="0"/>
+            </a:endParaRPr>
+          </a:p>
+          <a:p>
+            <a:pPr marL="0" indent="0">
+              <a:buNone/>
+            </a:pPr>
+            <a:endParaRPr lang="en-US" dirty="0"/>
+          </a:p>
+          <a:p>
+            <a:pPr marL="0" indent="0">
+              <a:buNone/>
+            </a:pPr>
+            <a:endParaRPr lang="en-CH" dirty="0"/>
+          </a:p>
+        </p:txBody>
+      </p:sp>
+      <p:sp>
+        <p:nvSpPr>
+          <p:cNvPr id="4" name="Date Placeholder 3">
+            <a:extLst>
+              <a:ext uri="{FF2B5EF4-FFF2-40B4-BE49-F238E27FC236}">
+                <a16:creationId xmlns:a16="http://schemas.microsoft.com/office/drawing/2014/main" id="{BD10E3E1-D420-6649-A15F-D53900236E0F}"/>
+              </a:ext>
+            </a:extLst>
+          </p:cNvPr>
+          <p:cNvSpPr>
+            <a:spLocks noGrp="1"/>
+          </p:cNvSpPr>
+          <p:nvPr>
+            <p:ph type="dt" sz="half" idx="10"/>
+          </p:nvPr>
+        </p:nvSpPr>
+        <p:spPr/>
+        <p:txBody>
+          <a:bodyPr/>
+          <a:lstStyle/>
+          <a:p>
+            <a:r>
+              <a:rPr lang="de-CH" sz="1000"/>
+              <a:t>August 2021, CC BY-SA 4.0</a:t>
+            </a:r>
+            <a:endParaRPr lang="en-US" sz="1000" dirty="0"/>
+          </a:p>
+        </p:txBody>
+      </p:sp>
+      <p:sp>
+        <p:nvSpPr>
+          <p:cNvPr id="5" name="Footer Placeholder 4">
+            <a:extLst>
+              <a:ext uri="{FF2B5EF4-FFF2-40B4-BE49-F238E27FC236}">
+                <a16:creationId xmlns:a16="http://schemas.microsoft.com/office/drawing/2014/main" id="{6F012DDD-E088-A248-B0DC-043A5AFA7F11}"/>
+              </a:ext>
+            </a:extLst>
+          </p:cNvPr>
+          <p:cNvSpPr>
+            <a:spLocks noGrp="1"/>
+          </p:cNvSpPr>
+          <p:nvPr>
+            <p:ph type="ftr" sz="quarter" idx="11"/>
+          </p:nvPr>
+        </p:nvSpPr>
+        <p:spPr/>
+        <p:txBody>
+          <a:bodyPr/>
+          <a:lstStyle/>
+          <a:p>
+            <a:r>
+              <a:rPr lang="en-US"/>
+              <a:t>Continuous integration, v1.0</a:t>
+            </a:r>
+            <a:endParaRPr lang="en-US" dirty="0"/>
+          </a:p>
+        </p:txBody>
+      </p:sp>
+    </p:spTree>
+    <p:extLst>
+      <p:ext uri="{BB962C8B-B14F-4D97-AF65-F5344CB8AC3E}">
+        <p14:creationId xmlns:p14="http://schemas.microsoft.com/office/powerpoint/2010/main" val="3469218920"/>
+      </p:ext>
+    </p:extLst>
+  </p:cSld>
+  <p:clrMapOvr>
+    <a:masterClrMapping/>
+  </p:clrMapOvr>
+</p:sld>
+</file>
+
+<file path=ppt/slides/slide18.xml><?xml version="1.0" encoding="utf-8"?>
+<p:sld xmlns:a="http://schemas.openxmlformats.org/drawingml/2006/main" xmlns:r="http://schemas.openxmlformats.org/officeDocument/2006/relationships" xmlns:p="http://schemas.openxmlformats.org/presentationml/2006/main">
+  <p:cSld>
+    <p:spTree>
+      <p:nvGrpSpPr>
+        <p:cNvPr id="1" name=""/>
+        <p:cNvGrpSpPr/>
+        <p:nvPr/>
+      </p:nvGrpSpPr>
+      <p:grpSpPr>
+        <a:xfrm>
+          <a:off x="0" y="0"/>
+          <a:ext cx="0" cy="0"/>
+          <a:chOff x="0" y="0"/>
+          <a:chExt cx="0" cy="0"/>
+        </a:xfrm>
+      </p:grpSpPr>
+      <p:sp>
+        <p:nvSpPr>
+          <p:cNvPr id="2" name="Title 1">
+            <a:extLst>
+              <a:ext uri="{FF2B5EF4-FFF2-40B4-BE49-F238E27FC236}">
+                <a16:creationId xmlns:a16="http://schemas.microsoft.com/office/drawing/2014/main" id="{33165359-9CD5-EF41-9C08-A5F425B6C08E}"/>
+              </a:ext>
+            </a:extLst>
+          </p:cNvPr>
+          <p:cNvSpPr>
+            <a:spLocks noGrp="1"/>
+          </p:cNvSpPr>
+          <p:nvPr>
+            <p:ph type="title"/>
+          </p:nvPr>
+        </p:nvSpPr>
+        <p:spPr/>
+        <p:txBody>
+          <a:bodyPr/>
+          <a:lstStyle/>
+          <a:p>
+            <a:r>
+              <a:rPr lang="de-DE" dirty="0"/>
+              <a:t>Hands On!</a:t>
+            </a:r>
+            <a:endParaRPr lang="en-CH" dirty="0"/>
+          </a:p>
+        </p:txBody>
+      </p:sp>
+      <p:sp>
+        <p:nvSpPr>
+          <p:cNvPr id="3" name="Content Placeholder 2">
+            <a:extLst>
+              <a:ext uri="{FF2B5EF4-FFF2-40B4-BE49-F238E27FC236}">
+                <a16:creationId xmlns:a16="http://schemas.microsoft.com/office/drawing/2014/main" id="{1C9C9C51-D00C-9945-9623-98BDACA07638}"/>
+              </a:ext>
+            </a:extLst>
+          </p:cNvPr>
+          <p:cNvSpPr>
+            <a:spLocks noGrp="1"/>
+          </p:cNvSpPr>
+          <p:nvPr>
+            <p:ph sz="quarter" idx="1"/>
+          </p:nvPr>
+        </p:nvSpPr>
+        <p:spPr/>
+        <p:txBody>
+          <a:bodyPr/>
+          <a:lstStyle/>
+          <a:p>
+            <a:r>
+              <a:rPr lang="en-US" dirty="0"/>
+              <a:t>Adapt your configuration file and push it to GitHub</a:t>
+            </a:r>
+          </a:p>
+          <a:p>
+            <a:r>
+              <a:rPr lang="en-US" dirty="0"/>
+              <a:t>Run the logistic function CI workflow on Python 3.7, 3.8, 3.9, and on Linux and Windows</a:t>
+            </a:r>
+            <a:endParaRPr lang="en-CH" dirty="0"/>
+          </a:p>
+          <a:p>
+            <a:pPr marL="0" indent="0">
+              <a:buNone/>
+            </a:pPr>
+            <a:endParaRPr lang="en-CH" dirty="0"/>
+          </a:p>
+          <a:p>
+            <a:endParaRPr lang="en-CH" dirty="0"/>
+          </a:p>
+        </p:txBody>
+      </p:sp>
+      <p:sp>
+        <p:nvSpPr>
+          <p:cNvPr id="4" name="Date Placeholder 3">
+            <a:extLst>
+              <a:ext uri="{FF2B5EF4-FFF2-40B4-BE49-F238E27FC236}">
+                <a16:creationId xmlns:a16="http://schemas.microsoft.com/office/drawing/2014/main" id="{06E829B2-1694-924F-8E80-036B417E1533}"/>
+              </a:ext>
+            </a:extLst>
+          </p:cNvPr>
+          <p:cNvSpPr>
+            <a:spLocks noGrp="1"/>
+          </p:cNvSpPr>
+          <p:nvPr>
+            <p:ph type="dt" sz="half" idx="10"/>
+          </p:nvPr>
+        </p:nvSpPr>
+        <p:spPr/>
+        <p:txBody>
+          <a:bodyPr/>
+          <a:lstStyle/>
+          <a:p>
+            <a:r>
+              <a:rPr lang="de-CH" sz="1000"/>
+              <a:t>August 2021, CC BY-SA 4.0</a:t>
+            </a:r>
+            <a:endParaRPr lang="en-US" sz="1000" dirty="0"/>
+          </a:p>
+        </p:txBody>
+      </p:sp>
+      <p:sp>
+        <p:nvSpPr>
+          <p:cNvPr id="5" name="Footer Placeholder 4">
+            <a:extLst>
+              <a:ext uri="{FF2B5EF4-FFF2-40B4-BE49-F238E27FC236}">
+                <a16:creationId xmlns:a16="http://schemas.microsoft.com/office/drawing/2014/main" id="{AFBE3539-299D-3540-AAA7-1CDBAAD0E777}"/>
+              </a:ext>
+            </a:extLst>
+          </p:cNvPr>
+          <p:cNvSpPr>
+            <a:spLocks noGrp="1"/>
+          </p:cNvSpPr>
+          <p:nvPr>
+            <p:ph type="ftr" sz="quarter" idx="11"/>
+          </p:nvPr>
+        </p:nvSpPr>
+        <p:spPr/>
+        <p:txBody>
+          <a:bodyPr/>
+          <a:lstStyle/>
+          <a:p>
+            <a:r>
+              <a:rPr lang="en-US"/>
+              <a:t>Continuous integration, v1.0</a:t>
+            </a:r>
+            <a:endParaRPr lang="en-US" dirty="0"/>
+          </a:p>
+        </p:txBody>
+      </p:sp>
+      <p:sp>
+        <p:nvSpPr>
+          <p:cNvPr id="6" name="Rectangle 5">
+            <a:extLst>
+              <a:ext uri="{FF2B5EF4-FFF2-40B4-BE49-F238E27FC236}">
+                <a16:creationId xmlns:a16="http://schemas.microsoft.com/office/drawing/2014/main" id="{E5E7F766-B28F-8E46-8D39-C90C55B110F6}"/>
+              </a:ext>
+            </a:extLst>
+          </p:cNvPr>
+          <p:cNvSpPr/>
+          <p:nvPr/>
+        </p:nvSpPr>
+        <p:spPr>
+          <a:xfrm>
+            <a:off x="0" y="0"/>
+            <a:ext cx="9144000" cy="6858000"/>
+          </a:xfrm>
+          <a:prstGeom prst="rect">
+            <a:avLst/>
+          </a:prstGeom>
+          <a:noFill/>
+          <a:ln w="165100">
+            <a:solidFill>
+              <a:srgbClr val="00B050"/>
+            </a:solidFill>
+            <a:miter lim="800000"/>
+          </a:ln>
+        </p:spPr>
+        <p:style>
+          <a:lnRef idx="2">
+            <a:schemeClr val="accent1">
+              <a:shade val="50000"/>
+            </a:schemeClr>
+          </a:lnRef>
+          <a:fillRef idx="1">
+            <a:schemeClr val="accent1"/>
+          </a:fillRef>
+          <a:effectRef idx="0">
+            <a:schemeClr val="accent1"/>
+          </a:effectRef>
+          <a:fontRef idx="minor">
+            <a:schemeClr val="lt1"/>
+          </a:fontRef>
+        </p:style>
+        <p:txBody>
+          <a:bodyPr rtlCol="0" anchor="ctr"/>
+          <a:lstStyle/>
+          <a:p>
+            <a:pPr algn="ctr"/>
+            <a:endParaRPr lang="en-DE"/>
+          </a:p>
+        </p:txBody>
+      </p:sp>
+    </p:spTree>
+    <p:extLst>
+      <p:ext uri="{BB962C8B-B14F-4D97-AF65-F5344CB8AC3E}">
+        <p14:creationId xmlns:p14="http://schemas.microsoft.com/office/powerpoint/2010/main" val="173241951"/>
+      </p:ext>
+    </p:extLst>
+  </p:cSld>
+  <p:clrMapOvr>
+    <a:masterClrMapping/>
+  </p:clrMapOvr>
+</p:sld>
+</file>
+
+<file path=ppt/slides/slide19.xml><?xml version="1.0" encoding="utf-8"?>
+<p:sld xmlns:a="http://schemas.openxmlformats.org/drawingml/2006/main" xmlns:r="http://schemas.openxmlformats.org/officeDocument/2006/relationships" xmlns:p="http://schemas.openxmlformats.org/presentationml/2006/main">
+  <p:cSld>
+    <p:spTree>
+      <p:nvGrpSpPr>
+        <p:cNvPr id="1" name=""/>
+        <p:cNvGrpSpPr/>
+        <p:nvPr/>
+      </p:nvGrpSpPr>
+      <p:grpSpPr>
+        <a:xfrm>
+          <a:off x="0" y="0"/>
+          <a:ext cx="0" cy="0"/>
+          <a:chOff x="0" y="0"/>
+          <a:chExt cx="0" cy="0"/>
+        </a:xfrm>
+      </p:grpSpPr>
+      <p:sp>
+        <p:nvSpPr>
+          <p:cNvPr id="2" name="Title 1">
+            <a:extLst>
+              <a:ext uri="{FF2B5EF4-FFF2-40B4-BE49-F238E27FC236}">
+                <a16:creationId xmlns:a16="http://schemas.microsoft.com/office/drawing/2014/main" id="{061016C8-512C-EB4B-9D32-9CF4CB9D4F11}"/>
+              </a:ext>
+            </a:extLst>
+          </p:cNvPr>
+          <p:cNvSpPr>
+            <a:spLocks noGrp="1"/>
+          </p:cNvSpPr>
+          <p:nvPr>
+            <p:ph type="title"/>
+          </p:nvPr>
+        </p:nvSpPr>
+        <p:spPr/>
+        <p:txBody>
+          <a:bodyPr/>
+          <a:lstStyle/>
+          <a:p>
+            <a:r>
+              <a:rPr lang="en-CH" dirty="0"/>
+              <a:t>Security</a:t>
+            </a:r>
+          </a:p>
+        </p:txBody>
+      </p:sp>
+      <p:sp>
+        <p:nvSpPr>
+          <p:cNvPr id="3" name="Content Placeholder 2">
+            <a:extLst>
+              <a:ext uri="{FF2B5EF4-FFF2-40B4-BE49-F238E27FC236}">
+                <a16:creationId xmlns:a16="http://schemas.microsoft.com/office/drawing/2014/main" id="{463079FE-7331-C647-815D-07795DC7ED3D}"/>
+              </a:ext>
+            </a:extLst>
+          </p:cNvPr>
+          <p:cNvSpPr>
+            <a:spLocks noGrp="1"/>
+          </p:cNvSpPr>
+          <p:nvPr>
+            <p:ph sz="quarter" idx="1"/>
+          </p:nvPr>
+        </p:nvSpPr>
+        <p:spPr>
+          <a:xfrm>
+            <a:off x="457200" y="1484784"/>
+            <a:ext cx="8229600" cy="4672176"/>
+          </a:xfrm>
+        </p:spPr>
+        <p:txBody>
+          <a:bodyPr>
+            <a:normAutofit/>
+          </a:bodyPr>
+          <a:lstStyle/>
+          <a:p>
+            <a:r>
+              <a:rPr lang="en-CH" dirty="0"/>
+              <a:t>Some tasks require “secrets” like usernames and passwords, for instance to upload </a:t>
+            </a:r>
+            <a:r>
+              <a:rPr lang="en-CH"/>
+              <a:t>the documentat</a:t>
+            </a:r>
+            <a:r>
+              <a:rPr lang="de-DE" dirty="0"/>
+              <a:t>i</a:t>
+            </a:r>
+            <a:r>
+              <a:rPr lang="en-CH"/>
+              <a:t>on </a:t>
+            </a:r>
+            <a:r>
+              <a:rPr lang="de-DE" dirty="0" err="1"/>
+              <a:t>to</a:t>
+            </a:r>
+            <a:r>
+              <a:rPr lang="en-CH"/>
+              <a:t> a</a:t>
+            </a:r>
+            <a:r>
+              <a:rPr lang="de-DE" dirty="0"/>
+              <a:t> remote</a:t>
+            </a:r>
+            <a:r>
+              <a:rPr lang="en-CH"/>
+              <a:t> machine</a:t>
+            </a:r>
+            <a:r>
+              <a:rPr lang="de-DE" dirty="0"/>
+              <a:t>.</a:t>
+            </a:r>
+            <a:endParaRPr lang="en-CH" dirty="0"/>
+          </a:p>
+          <a:p>
+            <a:r>
+              <a:rPr lang="en-CH" dirty="0"/>
+              <a:t>Do not push passwords and other sensitive information to a repository, not even a private one! Each CI system has a way to deal with secret safely.</a:t>
+            </a:r>
+          </a:p>
+          <a:p>
+            <a:pPr marL="0" indent="0">
+              <a:buNone/>
+            </a:pPr>
+            <a:br>
+              <a:rPr lang="en-CH" dirty="0"/>
+            </a:br>
+            <a:endParaRPr lang="en-CH" dirty="0"/>
+          </a:p>
+        </p:txBody>
+      </p:sp>
+      <p:sp>
+        <p:nvSpPr>
+          <p:cNvPr id="4" name="Date Placeholder 3">
+            <a:extLst>
+              <a:ext uri="{FF2B5EF4-FFF2-40B4-BE49-F238E27FC236}">
+                <a16:creationId xmlns:a16="http://schemas.microsoft.com/office/drawing/2014/main" id="{9EE323CB-7E09-7C4F-B160-F4B2E2E319F3}"/>
+              </a:ext>
+            </a:extLst>
+          </p:cNvPr>
+          <p:cNvSpPr>
+            <a:spLocks noGrp="1"/>
+          </p:cNvSpPr>
+          <p:nvPr>
+            <p:ph type="dt" sz="half" idx="10"/>
+          </p:nvPr>
+        </p:nvSpPr>
+        <p:spPr/>
+        <p:txBody>
+          <a:bodyPr/>
+          <a:lstStyle/>
+          <a:p>
+            <a:r>
+              <a:rPr lang="de-CH" sz="1000"/>
+              <a:t>August 2021, CC BY-SA 4.0</a:t>
+            </a:r>
+            <a:endParaRPr lang="en-US" sz="1000" dirty="0"/>
+          </a:p>
+        </p:txBody>
+      </p:sp>
+      <p:sp>
+        <p:nvSpPr>
+          <p:cNvPr id="5" name="Footer Placeholder 4">
+            <a:extLst>
+              <a:ext uri="{FF2B5EF4-FFF2-40B4-BE49-F238E27FC236}">
+                <a16:creationId xmlns:a16="http://schemas.microsoft.com/office/drawing/2014/main" id="{3453E2C3-64E5-E44E-8FAB-45D4F29AD119}"/>
+              </a:ext>
+            </a:extLst>
+          </p:cNvPr>
+          <p:cNvSpPr>
+            <a:spLocks noGrp="1"/>
+          </p:cNvSpPr>
+          <p:nvPr>
+            <p:ph type="ftr" sz="quarter" idx="11"/>
+          </p:nvPr>
+        </p:nvSpPr>
+        <p:spPr/>
+        <p:txBody>
+          <a:bodyPr/>
+          <a:lstStyle/>
+          <a:p>
+            <a:r>
+              <a:rPr lang="en-US"/>
+              <a:t>Continuous integration, v1.0</a:t>
+            </a:r>
+            <a:endParaRPr lang="en-US" dirty="0"/>
+          </a:p>
+        </p:txBody>
+      </p:sp>
+      <p:grpSp>
+        <p:nvGrpSpPr>
+          <p:cNvPr id="10" name="Group 9">
+            <a:extLst>
+              <a:ext uri="{FF2B5EF4-FFF2-40B4-BE49-F238E27FC236}">
+                <a16:creationId xmlns:a16="http://schemas.microsoft.com/office/drawing/2014/main" id="{85988FC4-FB33-C24C-BE84-E41EB47EB5E5}"/>
+              </a:ext>
+            </a:extLst>
+          </p:cNvPr>
+          <p:cNvGrpSpPr/>
+          <p:nvPr/>
+        </p:nvGrpSpPr>
+        <p:grpSpPr>
+          <a:xfrm rot="1160388">
+            <a:off x="5319971" y="4898591"/>
+            <a:ext cx="3888432" cy="830997"/>
+            <a:chOff x="3707904" y="4221088"/>
+            <a:chExt cx="3888432" cy="830997"/>
+          </a:xfrm>
+        </p:grpSpPr>
+        <p:sp>
+          <p:nvSpPr>
+            <p:cNvPr id="7" name="TextBox 6">
+              <a:extLst>
+                <a:ext uri="{FF2B5EF4-FFF2-40B4-BE49-F238E27FC236}">
+                  <a16:creationId xmlns:a16="http://schemas.microsoft.com/office/drawing/2014/main" id="{D79E5C25-B2A5-FB48-9C9B-A89D949AD63A}"/>
+                </a:ext>
+              </a:extLst>
+            </p:cNvPr>
+            <p:cNvSpPr txBox="1"/>
+            <p:nvPr/>
+          </p:nvSpPr>
+          <p:spPr>
+            <a:xfrm>
+              <a:off x="3779912" y="4221088"/>
+              <a:ext cx="3816424" cy="830997"/>
+            </a:xfrm>
+            <a:prstGeom prst="rect">
+              <a:avLst/>
+            </a:prstGeom>
+            <a:noFill/>
+          </p:spPr>
+          <p:txBody>
+            <a:bodyPr wrap="square" rtlCol="0">
+              <a:spAutoFit/>
+            </a:bodyPr>
+            <a:lstStyle/>
+            <a:p>
+              <a:r>
+                <a:rPr lang="en-DE" sz="4800" dirty="0">
+                  <a:solidFill>
+                    <a:srgbClr val="C00000"/>
+                  </a:solidFill>
+                  <a:latin typeface="Stencil" pitchFamily="82" charset="77"/>
+                </a:rPr>
+                <a:t>Top Secret</a:t>
+              </a:r>
+            </a:p>
+          </p:txBody>
+        </p:sp>
+        <p:sp>
+          <p:nvSpPr>
+            <p:cNvPr id="9" name="Rectangle 8">
+              <a:extLst>
+                <a:ext uri="{FF2B5EF4-FFF2-40B4-BE49-F238E27FC236}">
+                  <a16:creationId xmlns:a16="http://schemas.microsoft.com/office/drawing/2014/main" id="{5CC9EA66-636A-E14D-9656-3A6078382092}"/>
+                </a:ext>
+              </a:extLst>
+            </p:cNvPr>
+            <p:cNvSpPr/>
+            <p:nvPr/>
+          </p:nvSpPr>
+          <p:spPr>
+            <a:xfrm>
+              <a:off x="3707904" y="4221088"/>
+              <a:ext cx="3816424" cy="830997"/>
+            </a:xfrm>
+            <a:prstGeom prst="rect">
+              <a:avLst/>
+            </a:prstGeom>
+            <a:noFill/>
+            <a:ln w="69850">
+              <a:solidFill>
+                <a:srgbClr val="C00000"/>
+              </a:solidFill>
+              <a:miter lim="800000"/>
+              <a:extLst>
+                <a:ext uri="{C807C97D-BFC1-408E-A445-0C87EB9F89A2}">
+                  <ask:lineSketchStyleProps xmlns:ask="http://schemas.microsoft.com/office/drawing/2018/sketchyshapes" sd="1219033472">
+                    <a:custGeom>
+                      <a:avLst/>
+                      <a:gdLst>
+                        <a:gd name="connsiteX0" fmla="*/ 0 w 3816424"/>
+                        <a:gd name="connsiteY0" fmla="*/ 0 h 830997"/>
+                        <a:gd name="connsiteX1" fmla="*/ 507039 w 3816424"/>
+                        <a:gd name="connsiteY1" fmla="*/ 0 h 830997"/>
+                        <a:gd name="connsiteX2" fmla="*/ 937750 w 3816424"/>
+                        <a:gd name="connsiteY2" fmla="*/ 0 h 830997"/>
+                        <a:gd name="connsiteX3" fmla="*/ 1559282 w 3816424"/>
+                        <a:gd name="connsiteY3" fmla="*/ 0 h 830997"/>
+                        <a:gd name="connsiteX4" fmla="*/ 2066321 w 3816424"/>
+                        <a:gd name="connsiteY4" fmla="*/ 0 h 830997"/>
+                        <a:gd name="connsiteX5" fmla="*/ 2573360 w 3816424"/>
+                        <a:gd name="connsiteY5" fmla="*/ 0 h 830997"/>
+                        <a:gd name="connsiteX6" fmla="*/ 3194892 w 3816424"/>
+                        <a:gd name="connsiteY6" fmla="*/ 0 h 830997"/>
+                        <a:gd name="connsiteX7" fmla="*/ 3816424 w 3816424"/>
+                        <a:gd name="connsiteY7" fmla="*/ 0 h 830997"/>
+                        <a:gd name="connsiteX8" fmla="*/ 3816424 w 3816424"/>
+                        <a:gd name="connsiteY8" fmla="*/ 432118 h 830997"/>
+                        <a:gd name="connsiteX9" fmla="*/ 3816424 w 3816424"/>
+                        <a:gd name="connsiteY9" fmla="*/ 830997 h 830997"/>
+                        <a:gd name="connsiteX10" fmla="*/ 3347549 w 3816424"/>
+                        <a:gd name="connsiteY10" fmla="*/ 830997 h 830997"/>
+                        <a:gd name="connsiteX11" fmla="*/ 2802346 w 3816424"/>
+                        <a:gd name="connsiteY11" fmla="*/ 830997 h 830997"/>
+                        <a:gd name="connsiteX12" fmla="*/ 2295306 w 3816424"/>
+                        <a:gd name="connsiteY12" fmla="*/ 830997 h 830997"/>
+                        <a:gd name="connsiteX13" fmla="*/ 1673775 w 3816424"/>
+                        <a:gd name="connsiteY13" fmla="*/ 830997 h 830997"/>
+                        <a:gd name="connsiteX14" fmla="*/ 1052243 w 3816424"/>
+                        <a:gd name="connsiteY14" fmla="*/ 830997 h 830997"/>
+                        <a:gd name="connsiteX15" fmla="*/ 583368 w 3816424"/>
+                        <a:gd name="connsiteY15" fmla="*/ 830997 h 830997"/>
+                        <a:gd name="connsiteX16" fmla="*/ 0 w 3816424"/>
+                        <a:gd name="connsiteY16" fmla="*/ 830997 h 830997"/>
+                        <a:gd name="connsiteX17" fmla="*/ 0 w 3816424"/>
+                        <a:gd name="connsiteY17" fmla="*/ 398879 h 830997"/>
+                        <a:gd name="connsiteX18" fmla="*/ 0 w 3816424"/>
+                        <a:gd name="connsiteY18" fmla="*/ 0 h 830997"/>
+                      </a:gdLst>
+                      <a:ahLst/>
+                      <a:cxnLst>
+                        <a:cxn ang="0">
+                          <a:pos x="connsiteX0" y="connsiteY0"/>
+                        </a:cxn>
+                        <a:cxn ang="0">
+                          <a:pos x="connsiteX1" y="connsiteY1"/>
+                        </a:cxn>
+                        <a:cxn ang="0">
+                          <a:pos x="connsiteX2" y="connsiteY2"/>
+                        </a:cxn>
+                        <a:cxn ang="0">
+                          <a:pos x="connsiteX3" y="connsiteY3"/>
+                        </a:cxn>
+                        <a:cxn ang="0">
+                          <a:pos x="connsiteX4" y="connsiteY4"/>
+                        </a:cxn>
+                        <a:cxn ang="0">
+                          <a:pos x="connsiteX5" y="connsiteY5"/>
+                        </a:cxn>
+                        <a:cxn ang="0">
+                          <a:pos x="connsiteX6" y="connsiteY6"/>
+                        </a:cxn>
+                        <a:cxn ang="0">
+                          <a:pos x="connsiteX7" y="connsiteY7"/>
+                        </a:cxn>
+                        <a:cxn ang="0">
+                          <a:pos x="connsiteX8" y="connsiteY8"/>
+                        </a:cxn>
+                        <a:cxn ang="0">
+                          <a:pos x="connsiteX9" y="connsiteY9"/>
+                        </a:cxn>
+                        <a:cxn ang="0">
+                          <a:pos x="connsiteX10" y="connsiteY10"/>
+                        </a:cxn>
+                        <a:cxn ang="0">
+                          <a:pos x="connsiteX11" y="connsiteY11"/>
+                        </a:cxn>
+                        <a:cxn ang="0">
+                          <a:pos x="connsiteX12" y="connsiteY12"/>
+                        </a:cxn>
+                        <a:cxn ang="0">
+                          <a:pos x="connsiteX13" y="connsiteY13"/>
+                        </a:cxn>
+                        <a:cxn ang="0">
+                          <a:pos x="connsiteX14" y="connsiteY14"/>
+                        </a:cxn>
+                        <a:cxn ang="0">
+                          <a:pos x="connsiteX15" y="connsiteY15"/>
+                        </a:cxn>
+                        <a:cxn ang="0">
+                          <a:pos x="connsiteX16" y="connsiteY16"/>
+                        </a:cxn>
+                        <a:cxn ang="0">
+                          <a:pos x="connsiteX17" y="connsiteY17"/>
+                        </a:cxn>
+                        <a:cxn ang="0">
+                          <a:pos x="connsiteX18" y="connsiteY18"/>
+                        </a:cxn>
+                      </a:cxnLst>
+                      <a:rect l="l" t="t" r="r" b="b"/>
+                      <a:pathLst>
+                        <a:path w="3816424" h="830997" extrusionOk="0">
+                          <a:moveTo>
+                            <a:pt x="0" y="0"/>
+                          </a:moveTo>
+                          <a:cubicBezTo>
+                            <a:pt x="221687" y="-21605"/>
+                            <a:pt x="272516" y="51183"/>
+                            <a:pt x="507039" y="0"/>
+                          </a:cubicBezTo>
+                          <a:cubicBezTo>
+                            <a:pt x="741562" y="-51183"/>
+                            <a:pt x="818512" y="6247"/>
+                            <a:pt x="937750" y="0"/>
+                          </a:cubicBezTo>
+                          <a:cubicBezTo>
+                            <a:pt x="1056988" y="-6247"/>
+                            <a:pt x="1308851" y="53192"/>
+                            <a:pt x="1559282" y="0"/>
+                          </a:cubicBezTo>
+                          <a:cubicBezTo>
+                            <a:pt x="1809713" y="-53192"/>
+                            <a:pt x="1856140" y="41994"/>
+                            <a:pt x="2066321" y="0"/>
+                          </a:cubicBezTo>
+                          <a:cubicBezTo>
+                            <a:pt x="2276502" y="-41994"/>
+                            <a:pt x="2412693" y="5266"/>
+                            <a:pt x="2573360" y="0"/>
+                          </a:cubicBezTo>
+                          <a:cubicBezTo>
+                            <a:pt x="2734027" y="-5266"/>
+                            <a:pt x="2929800" y="64887"/>
+                            <a:pt x="3194892" y="0"/>
+                          </a:cubicBezTo>
+                          <a:cubicBezTo>
+                            <a:pt x="3459984" y="-64887"/>
+                            <a:pt x="3544325" y="59747"/>
+                            <a:pt x="3816424" y="0"/>
+                          </a:cubicBezTo>
+                          <a:cubicBezTo>
+                            <a:pt x="3821334" y="91743"/>
+                            <a:pt x="3810918" y="224361"/>
+                            <a:pt x="3816424" y="432118"/>
+                          </a:cubicBezTo>
+                          <a:cubicBezTo>
+                            <a:pt x="3821930" y="639875"/>
+                            <a:pt x="3815446" y="668997"/>
+                            <a:pt x="3816424" y="830997"/>
+                          </a:cubicBezTo>
+                          <a:cubicBezTo>
+                            <a:pt x="3647509" y="847914"/>
+                            <a:pt x="3538097" y="802039"/>
+                            <a:pt x="3347549" y="830997"/>
+                          </a:cubicBezTo>
+                          <a:cubicBezTo>
+                            <a:pt x="3157002" y="859955"/>
+                            <a:pt x="3028301" y="817815"/>
+                            <a:pt x="2802346" y="830997"/>
+                          </a:cubicBezTo>
+                          <a:cubicBezTo>
+                            <a:pt x="2576391" y="844179"/>
+                            <a:pt x="2499141" y="787605"/>
+                            <a:pt x="2295306" y="830997"/>
+                          </a:cubicBezTo>
+                          <a:cubicBezTo>
+                            <a:pt x="2091471" y="874389"/>
+                            <a:pt x="1894473" y="782883"/>
+                            <a:pt x="1673775" y="830997"/>
+                          </a:cubicBezTo>
+                          <a:cubicBezTo>
+                            <a:pt x="1453077" y="879111"/>
+                            <a:pt x="1303123" y="787064"/>
+                            <a:pt x="1052243" y="830997"/>
+                          </a:cubicBezTo>
+                          <a:cubicBezTo>
+                            <a:pt x="801363" y="874930"/>
+                            <a:pt x="698965" y="826516"/>
+                            <a:pt x="583368" y="830997"/>
+                          </a:cubicBezTo>
+                          <a:cubicBezTo>
+                            <a:pt x="467772" y="835478"/>
+                            <a:pt x="282862" y="807656"/>
+                            <a:pt x="0" y="830997"/>
+                          </a:cubicBezTo>
+                          <a:cubicBezTo>
+                            <a:pt x="-32050" y="724287"/>
+                            <a:pt x="46237" y="606371"/>
+                            <a:pt x="0" y="398879"/>
+                          </a:cubicBezTo>
+                          <a:cubicBezTo>
+                            <a:pt x="-46237" y="191387"/>
+                            <a:pt x="42725" y="185550"/>
+                            <a:pt x="0" y="0"/>
+                          </a:cubicBezTo>
+                          <a:close/>
+                        </a:path>
+                      </a:pathLst>
+                    </a:custGeom>
+                    <ask:type>
+                      <ask:lineSketchNone/>
+                    </ask:type>
+                  </ask:lineSketchStyleProps>
+                </a:ext>
+              </a:extLst>
+            </a:ln>
+          </p:spPr>
+          <p:style>
+            <a:lnRef idx="2">
+              <a:schemeClr val="accent1">
+                <a:shade val="50000"/>
+              </a:schemeClr>
+            </a:lnRef>
+            <a:fillRef idx="1">
+              <a:schemeClr val="accent1"/>
+            </a:fillRef>
+            <a:effectRef idx="0">
+              <a:schemeClr val="accent1"/>
+            </a:effectRef>
+            <a:fontRef idx="minor">
+              <a:schemeClr val="lt1"/>
+            </a:fontRef>
+          </p:style>
+          <p:txBody>
+            <a:bodyPr rtlCol="0" anchor="ctr"/>
+            <a:lstStyle/>
+            <a:p>
+              <a:pPr algn="ctr"/>
+              <a:endParaRPr lang="en-DE"/>
+            </a:p>
+          </p:txBody>
+        </p:sp>
+      </p:grpSp>
+    </p:spTree>
+    <p:extLst>
+      <p:ext uri="{BB962C8B-B14F-4D97-AF65-F5344CB8AC3E}">
+        <p14:creationId xmlns:p14="http://schemas.microsoft.com/office/powerpoint/2010/main" val="261603392"/>
+      </p:ext>
+    </p:extLst>
   </p:cSld>
   <p:clrMapOvr>
     <a:masterClrMapping/>
@@ -5460,7 +9479,7 @@
           <p:cNvPr id="2" name="Title 1">
             <a:extLst>
               <a:ext uri="{FF2B5EF4-FFF2-40B4-BE49-F238E27FC236}">
-                <a16:creationId xmlns:a16="http://schemas.microsoft.com/office/drawing/2014/main" id="{74FAFB2A-D26F-3648-9ACC-0C945867D509}"/>
+                <a16:creationId xmlns:a16="http://schemas.microsoft.com/office/drawing/2014/main" id="{4993AE45-A766-0F4D-9D65-D692ECB4ED00}"/>
               </a:ext>
             </a:extLst>
           </p:cNvPr>
@@ -5477,8 +9496,241 @@
           <a:lstStyle/>
           <a:p>
             <a:r>
+              <a:rPr lang="de-DE" dirty="0"/>
+              <a:t>Collaborative Development </a:t>
+            </a:r>
+            <a:r>
+              <a:rPr lang="de-DE" dirty="0" err="1"/>
+              <a:t>without</a:t>
+            </a:r>
+            <a:r>
+              <a:rPr lang="de-DE" dirty="0"/>
+              <a:t> CI</a:t>
+            </a:r>
+            <a:endParaRPr lang="en-CH" dirty="0"/>
+          </a:p>
+        </p:txBody>
+      </p:sp>
+      <p:sp>
+        <p:nvSpPr>
+          <p:cNvPr id="4" name="Date Placeholder 3">
+            <a:extLst>
+              <a:ext uri="{FF2B5EF4-FFF2-40B4-BE49-F238E27FC236}">
+                <a16:creationId xmlns:a16="http://schemas.microsoft.com/office/drawing/2014/main" id="{BB7DFD63-E8DE-9344-BDD0-A143F8BD67AC}"/>
+              </a:ext>
+            </a:extLst>
+          </p:cNvPr>
+          <p:cNvSpPr>
+            <a:spLocks noGrp="1"/>
+          </p:cNvSpPr>
+          <p:nvPr>
+            <p:ph type="dt" sz="half" idx="10"/>
+          </p:nvPr>
+        </p:nvSpPr>
+        <p:spPr/>
+        <p:txBody>
+          <a:bodyPr/>
+          <a:lstStyle/>
+          <a:p>
+            <a:r>
+              <a:rPr lang="de-CH" sz="1000"/>
+              <a:t>August 2021, CC BY-SA 4.0</a:t>
+            </a:r>
+            <a:endParaRPr lang="en-US" sz="1000" dirty="0"/>
+          </a:p>
+        </p:txBody>
+      </p:sp>
+      <p:sp>
+        <p:nvSpPr>
+          <p:cNvPr id="5" name="Footer Placeholder 4">
+            <a:extLst>
+              <a:ext uri="{FF2B5EF4-FFF2-40B4-BE49-F238E27FC236}">
+                <a16:creationId xmlns:a16="http://schemas.microsoft.com/office/drawing/2014/main" id="{5138C878-C3D9-AC4C-BDD7-9EFA39DFB1A1}"/>
+              </a:ext>
+            </a:extLst>
+          </p:cNvPr>
+          <p:cNvSpPr>
+            <a:spLocks noGrp="1"/>
+          </p:cNvSpPr>
+          <p:nvPr>
+            <p:ph type="ftr" sz="quarter" idx="11"/>
+          </p:nvPr>
+        </p:nvSpPr>
+        <p:spPr/>
+        <p:txBody>
+          <a:bodyPr/>
+          <a:lstStyle/>
+          <a:p>
+            <a:r>
+              <a:rPr lang="en-US"/>
+              <a:t>Continuous integration, v1.0</a:t>
+            </a:r>
+            <a:endParaRPr lang="en-US" dirty="0"/>
+          </a:p>
+        </p:txBody>
+      </p:sp>
+      <p:sp>
+        <p:nvSpPr>
+          <p:cNvPr id="15" name="Rectangle 14">
+            <a:extLst>
+              <a:ext uri="{FF2B5EF4-FFF2-40B4-BE49-F238E27FC236}">
+                <a16:creationId xmlns:a16="http://schemas.microsoft.com/office/drawing/2014/main" id="{A6D19DE0-5F67-1746-9159-5DDB1C4C03CA}"/>
+              </a:ext>
+            </a:extLst>
+          </p:cNvPr>
+          <p:cNvSpPr/>
+          <p:nvPr/>
+        </p:nvSpPr>
+        <p:spPr>
+          <a:xfrm>
+            <a:off x="354569" y="4145012"/>
+            <a:ext cx="8537911" cy="2308324"/>
+          </a:xfrm>
+          <a:prstGeom prst="rect">
+            <a:avLst/>
+          </a:prstGeom>
+        </p:spPr>
+        <p:txBody>
+          <a:bodyPr wrap="square">
+            <a:spAutoFit/>
+          </a:bodyPr>
+          <a:lstStyle/>
+          <a:p>
+            <a:r>
+              <a:rPr lang="en-CH" dirty="0">
+                <a:latin typeface="+mn-lt"/>
+              </a:rPr>
+              <a:t>Potential issues</a:t>
+            </a:r>
+          </a:p>
+          <a:p>
+            <a:pPr marL="342900" indent="-342900">
+              <a:buFontTx/>
+              <a:buChar char="-"/>
+            </a:pPr>
+            <a:r>
+              <a:rPr lang="en-CH" sz="2000" dirty="0">
+                <a:latin typeface="+mn-lt"/>
+              </a:rPr>
+              <a:t>The tests might pass on one machine and/or the other, but not in a third-party environment (versions, OS, computer ghosts)</a:t>
+            </a:r>
+          </a:p>
+          <a:p>
+            <a:pPr marL="342900" indent="-342900">
+              <a:buFontTx/>
+              <a:buChar char="-"/>
+            </a:pPr>
+            <a:r>
+              <a:rPr lang="en-CH" sz="2000" dirty="0">
+                <a:latin typeface="+mn-lt"/>
+              </a:rPr>
+              <a:t>A maintainer needs to ensure that the software works on all the supported combinations of versions / OSs</a:t>
+            </a:r>
+          </a:p>
+          <a:p>
+            <a:pPr marL="342900" indent="-342900">
+              <a:buFontTx/>
+              <a:buChar char="-"/>
+            </a:pPr>
+            <a:r>
+              <a:rPr lang="en-CH" sz="2000" dirty="0">
+                <a:latin typeface="+mn-lt"/>
+              </a:rPr>
+              <a:t>A maintainer needs to create and upload artifacts like binary packages, documentation, etc </a:t>
+            </a:r>
+          </a:p>
+        </p:txBody>
+      </p:sp>
+      <p:pic>
+        <p:nvPicPr>
+          <p:cNvPr id="7" name="Picture 6" descr="Graphical user interface, diagram&#10;&#10;Description automatically generated">
+            <a:extLst>
+              <a:ext uri="{FF2B5EF4-FFF2-40B4-BE49-F238E27FC236}">
+                <a16:creationId xmlns:a16="http://schemas.microsoft.com/office/drawing/2014/main" id="{D7FC7664-635F-E842-8D8C-22F2EAE1C75C}"/>
+              </a:ext>
+            </a:extLst>
+          </p:cNvPr>
+          <p:cNvPicPr>
+            <a:picLocks noChangeAspect="1"/>
+          </p:cNvPicPr>
+          <p:nvPr/>
+        </p:nvPicPr>
+        <p:blipFill>
+          <a:blip r:embed="rId2">
+            <a:extLst>
+              <a:ext uri="{28A0092B-C50C-407E-A947-70E740481C1C}">
+                <a14:useLocalDpi xmlns:a14="http://schemas.microsoft.com/office/drawing/2010/main" val="0"/>
+              </a:ext>
+            </a:extLst>
+          </a:blip>
+          <a:stretch>
+            <a:fillRect/>
+          </a:stretch>
+        </p:blipFill>
+        <p:spPr>
+          <a:xfrm>
+            <a:off x="1050848" y="1053132"/>
+            <a:ext cx="7200800" cy="3181749"/>
+          </a:xfrm>
+          <a:prstGeom prst="rect">
+            <a:avLst/>
+          </a:prstGeom>
+        </p:spPr>
+      </p:pic>
+    </p:spTree>
+    <p:extLst>
+      <p:ext uri="{BB962C8B-B14F-4D97-AF65-F5344CB8AC3E}">
+        <p14:creationId xmlns:p14="http://schemas.microsoft.com/office/powerpoint/2010/main" val="578119186"/>
+      </p:ext>
+    </p:extLst>
+  </p:cSld>
+  <p:clrMapOvr>
+    <a:masterClrMapping/>
+  </p:clrMapOvr>
+</p:sld>
+</file>
+
+<file path=ppt/slides/slide20.xml><?xml version="1.0" encoding="utf-8"?>
+<p:sld xmlns:a="http://schemas.openxmlformats.org/drawingml/2006/main" xmlns:r="http://schemas.openxmlformats.org/officeDocument/2006/relationships" xmlns:p="http://schemas.openxmlformats.org/presentationml/2006/main">
+  <p:cSld>
+    <p:spTree>
+      <p:nvGrpSpPr>
+        <p:cNvPr id="1" name=""/>
+        <p:cNvGrpSpPr/>
+        <p:nvPr/>
+      </p:nvGrpSpPr>
+      <p:grpSpPr>
+        <a:xfrm>
+          <a:off x="0" y="0"/>
+          <a:ext cx="0" cy="0"/>
+          <a:chOff x="0" y="0"/>
+          <a:chExt cx="0" cy="0"/>
+        </a:xfrm>
+      </p:grpSpPr>
+      <p:sp>
+        <p:nvSpPr>
+          <p:cNvPr id="2" name="Title 1">
+            <a:extLst>
+              <a:ext uri="{FF2B5EF4-FFF2-40B4-BE49-F238E27FC236}">
+                <a16:creationId xmlns:a16="http://schemas.microsoft.com/office/drawing/2014/main" id="{061016C8-512C-EB4B-9D32-9CF4CB9D4F11}"/>
+              </a:ext>
+            </a:extLst>
+          </p:cNvPr>
+          <p:cNvSpPr>
+            <a:spLocks noGrp="1"/>
+          </p:cNvSpPr>
+          <p:nvPr>
+            <p:ph type="title"/>
+          </p:nvPr>
+        </p:nvSpPr>
+        <p:spPr/>
+        <p:txBody>
+          <a:bodyPr/>
+          <a:lstStyle/>
+          <a:p>
+            <a:r>
               <a:rPr lang="en-CH" dirty="0"/>
-              <a:t>Topics</a:t>
+              <a:t>Security</a:t>
             </a:r>
           </a:p>
         </p:txBody>
@@ -5488,7 +9740,7 @@
           <p:cNvPr id="3" name="Content Placeholder 2">
             <a:extLst>
               <a:ext uri="{FF2B5EF4-FFF2-40B4-BE49-F238E27FC236}">
-                <a16:creationId xmlns:a16="http://schemas.microsoft.com/office/drawing/2014/main" id="{D1748B23-D002-AC42-BEAB-62C2B74F2CC0}"/>
+                <a16:creationId xmlns:a16="http://schemas.microsoft.com/office/drawing/2014/main" id="{463079FE-7331-C647-815D-07795DC7ED3D}"/>
               </a:ext>
             </a:extLst>
           </p:cNvPr>
@@ -5499,91 +9751,74 @@
             <p:ph sz="quarter" idx="1"/>
           </p:nvPr>
         </p:nvSpPr>
-        <p:spPr/>
+        <p:spPr>
+          <a:xfrm>
+            <a:off x="457200" y="1412776"/>
+            <a:ext cx="8229600" cy="4744184"/>
+          </a:xfrm>
+        </p:spPr>
         <p:txBody>
           <a:bodyPr>
-            <a:normAutofit fontScale="92500" lnSpcReduction="10000"/>
+            <a:normAutofit/>
           </a:bodyPr>
           <a:lstStyle/>
           <a:p>
             <a:r>
+              <a:rPr lang="en-CH"/>
+              <a:t>Secrets </a:t>
+            </a:r>
+            <a:r>
               <a:rPr lang="en-CH" dirty="0"/>
-              <a:t>What is it, why</a:t>
-            </a:r>
-          </a:p>
-          <a:p>
-            <a:pPr lvl="1"/>
+              <a:t>in GitHub actions can be added </a:t>
+            </a:r>
+            <a:r>
+              <a:rPr lang="en-CH"/>
+              <a:t>under </a:t>
+            </a:r>
+            <a:br>
+              <a:rPr lang="de-DE" dirty="0"/>
+            </a:br>
+            <a:r>
+              <a:rPr lang="en-CH">
+                <a:latin typeface="Courier New" panose="02070309020205020404" pitchFamily="49" charset="0"/>
+                <a:cs typeface="Courier New" panose="02070309020205020404" pitchFamily="49" charset="0"/>
+              </a:rPr>
+              <a:t>Settings </a:t>
+            </a:r>
+            <a:r>
+              <a:rPr lang="de-DE" dirty="0">
+                <a:latin typeface="Courier New" panose="02070309020205020404" pitchFamily="49" charset="0"/>
+                <a:cs typeface="Courier New" panose="02070309020205020404" pitchFamily="49" charset="0"/>
+              </a:rPr>
+              <a:t>-</a:t>
+            </a:r>
+            <a:r>
+              <a:rPr lang="en-CH">
+                <a:latin typeface="Courier New" panose="02070309020205020404" pitchFamily="49" charset="0"/>
+                <a:cs typeface="Courier New" panose="02070309020205020404" pitchFamily="49" charset="0"/>
+              </a:rPr>
+              <a:t>&gt; </a:t>
+            </a:r>
+            <a:r>
+              <a:rPr lang="en-CH" dirty="0">
+                <a:latin typeface="Courier New" panose="02070309020205020404" pitchFamily="49" charset="0"/>
+                <a:cs typeface="Courier New" panose="02070309020205020404" pitchFamily="49" charset="0"/>
+              </a:rPr>
+              <a:t>Secrets</a:t>
+            </a:r>
             <a:r>
               <a:rPr lang="en-CH" dirty="0"/>
-              <a:t>automatize non-coding-related tasks</a:t>
-            </a:r>
-          </a:p>
-          <a:p>
-            <a:pPr lvl="1"/>
+              <a:t>.  The secret is stored encrypted by GitHub, and decrypted at the moment of running the workflow</a:t>
+            </a:r>
+          </a:p>
+          <a:p>
             <a:r>
               <a:rPr lang="en-CH" dirty="0"/>
-              <a:t>“it worked on my machine”</a:t>
-            </a:r>
-          </a:p>
-          <a:p>
-            <a:r>
+              <a:t>Secrets can then be referred to in the workflow as</a:t>
+            </a:r>
+            <a:br>
               <a:rPr lang="en-CH" dirty="0"/>
-              <a:t>Concepts: events, CI server, virtual machine, jobs</a:t>
-            </a:r>
-          </a:p>
-          <a:p>
-            <a:r>
-              <a:rPr lang="en-CH" dirty="0"/>
-              <a:t>Examples of most typical jobs</a:t>
-            </a:r>
-          </a:p>
-          <a:p>
-            <a:r>
-              <a:rPr lang="en-CH" dirty="0"/>
-              <a:t>Options: Travis CI, Circle CI, Github Actions</a:t>
-            </a:r>
-          </a:p>
-          <a:p>
-            <a:r>
-              <a:rPr lang="en-CH" dirty="0"/>
-              <a:t>Github Actions</a:t>
-            </a:r>
-          </a:p>
-          <a:p>
-            <a:pPr lvl="1"/>
-            <a:r>
-              <a:rPr lang="en-CH" dirty="0"/>
-              <a:t>architecture</a:t>
-            </a:r>
-          </a:p>
-          <a:p>
-            <a:pPr lvl="1"/>
-            <a:r>
-              <a:rPr lang="en-CH" dirty="0"/>
-              <a:t>demonstration and how to debug</a:t>
-            </a:r>
-          </a:p>
-          <a:p>
-            <a:pPr lvl="1"/>
-            <a:r>
-              <a:rPr lang="en-CH" dirty="0"/>
-              <a:t>exercise</a:t>
-            </a:r>
-          </a:p>
-          <a:p>
-            <a:pPr lvl="1"/>
-            <a:r>
-              <a:rPr lang="en-CH" dirty="0"/>
-              <a:t>security: workflow is not executed on first-time commits from branches</a:t>
-            </a:r>
-          </a:p>
-          <a:p>
-            <a:r>
-              <a:rPr lang="en-CH" dirty="0"/>
-              <a:t>Security topics: secrets (just mention)</a:t>
-            </a:r>
-          </a:p>
-          <a:p>
+            </a:br>
             <a:endParaRPr lang="en-CH" dirty="0"/>
           </a:p>
         </p:txBody>
@@ -5593,7 +9828,7 @@
           <p:cNvPr id="4" name="Date Placeholder 3">
             <a:extLst>
               <a:ext uri="{FF2B5EF4-FFF2-40B4-BE49-F238E27FC236}">
-                <a16:creationId xmlns:a16="http://schemas.microsoft.com/office/drawing/2014/main" id="{E74925CE-05A2-3549-9CB0-B7F21222958D}"/>
+                <a16:creationId xmlns:a16="http://schemas.microsoft.com/office/drawing/2014/main" id="{9EE323CB-7E09-7C4F-B160-F4B2E2E319F3}"/>
               </a:ext>
             </a:extLst>
           </p:cNvPr>
@@ -5610,8 +9845,8 @@
           <a:lstStyle/>
           <a:p>
             <a:r>
-              <a:rPr lang="en-US" sz="1000"/>
-              <a:t>August 2019, CC BY-SA 4.0</a:t>
+              <a:rPr lang="de-CH" sz="1000"/>
+              <a:t>August 2021, CC BY-SA 4.0</a:t>
             </a:r>
             <a:endParaRPr lang="en-US" sz="1000" dirty="0"/>
           </a:p>
@@ -5622,7 +9857,7 @@
           <p:cNvPr id="5" name="Footer Placeholder 4">
             <a:extLst>
               <a:ext uri="{FF2B5EF4-FFF2-40B4-BE49-F238E27FC236}">
-                <a16:creationId xmlns:a16="http://schemas.microsoft.com/office/drawing/2014/main" id="{3C08F752-A120-1F40-8C6F-85F7D166FCC6}"/>
+                <a16:creationId xmlns:a16="http://schemas.microsoft.com/office/drawing/2014/main" id="{3453E2C3-64E5-E44E-8FAB-45D4F29AD119}"/>
               </a:ext>
             </a:extLst>
           </p:cNvPr>
@@ -5640,18 +9875,797 @@
           <a:p>
             <a:r>
               <a:rPr lang="en-US"/>
-              <a:t>Testing scientific code, v12.0</a:t>
+              <a:t>Continuous integration, v1.0</a:t>
             </a:r>
             <a:endParaRPr lang="en-US" dirty="0"/>
           </a:p>
         </p:txBody>
       </p:sp>
+      <p:pic>
+        <p:nvPicPr>
+          <p:cNvPr id="6" name="Picture 5">
+            <a:extLst>
+              <a:ext uri="{FF2B5EF4-FFF2-40B4-BE49-F238E27FC236}">
+                <a16:creationId xmlns:a16="http://schemas.microsoft.com/office/drawing/2014/main" id="{6160D76E-090E-DD4A-92D3-5E3DA427B157}"/>
+              </a:ext>
+            </a:extLst>
+          </p:cNvPr>
+          <p:cNvPicPr>
+            <a:picLocks noChangeAspect="1"/>
+          </p:cNvPicPr>
+          <p:nvPr/>
+        </p:nvPicPr>
+        <p:blipFill>
+          <a:blip r:embed="rId2"/>
+          <a:stretch>
+            <a:fillRect/>
+          </a:stretch>
+        </p:blipFill>
+        <p:spPr>
+          <a:xfrm>
+            <a:off x="1619672" y="3789040"/>
+            <a:ext cx="5643482" cy="1800200"/>
+          </a:xfrm>
+          <a:prstGeom prst="rect">
+            <a:avLst/>
+          </a:prstGeom>
+        </p:spPr>
+      </p:pic>
     </p:spTree>
     <p:extLst>
       <p:ext uri="{BB962C8B-B14F-4D97-AF65-F5344CB8AC3E}">
-        <p14:creationId xmlns:p14="http://schemas.microsoft.com/office/powerpoint/2010/main" val="4210066346"/>
+        <p14:creationId xmlns:p14="http://schemas.microsoft.com/office/powerpoint/2010/main" val="2375245855"/>
       </p:ext>
     </p:extLst>
+  </p:cSld>
+  <p:clrMapOvr>
+    <a:masterClrMapping/>
+  </p:clrMapOvr>
+</p:sld>
+</file>
+
+<file path=ppt/slides/slide21.xml><?xml version="1.0" encoding="utf-8"?>
+<p:sld xmlns:a="http://schemas.openxmlformats.org/drawingml/2006/main" xmlns:r="http://schemas.openxmlformats.org/officeDocument/2006/relationships" xmlns:p="http://schemas.openxmlformats.org/presentationml/2006/main">
+  <p:cSld>
+    <p:spTree>
+      <p:nvGrpSpPr>
+        <p:cNvPr id="1" name=""/>
+        <p:cNvGrpSpPr/>
+        <p:nvPr/>
+      </p:nvGrpSpPr>
+      <p:grpSpPr>
+        <a:xfrm>
+          <a:off x="0" y="0"/>
+          <a:ext cx="0" cy="0"/>
+          <a:chOff x="0" y="0"/>
+          <a:chExt cx="0" cy="0"/>
+        </a:xfrm>
+      </p:grpSpPr>
+      <p:sp>
+        <p:nvSpPr>
+          <p:cNvPr id="2" name="Title 1">
+            <a:extLst>
+              <a:ext uri="{FF2B5EF4-FFF2-40B4-BE49-F238E27FC236}">
+                <a16:creationId xmlns:a16="http://schemas.microsoft.com/office/drawing/2014/main" id="{D85EDF41-0FBB-5548-8206-29D15F1E1334}"/>
+              </a:ext>
+            </a:extLst>
+          </p:cNvPr>
+          <p:cNvSpPr>
+            <a:spLocks noGrp="1"/>
+          </p:cNvSpPr>
+          <p:nvPr>
+            <p:ph type="title"/>
+          </p:nvPr>
+        </p:nvSpPr>
+        <p:spPr/>
+        <p:txBody>
+          <a:bodyPr/>
+          <a:lstStyle/>
+          <a:p>
+            <a:r>
+              <a:rPr lang="en-CH" dirty="0"/>
+              <a:t>Examples of handling secrets</a:t>
+            </a:r>
+          </a:p>
+        </p:txBody>
+      </p:sp>
+      <p:sp>
+        <p:nvSpPr>
+          <p:cNvPr id="3" name="Content Placeholder 2">
+            <a:extLst>
+              <a:ext uri="{FF2B5EF4-FFF2-40B4-BE49-F238E27FC236}">
+                <a16:creationId xmlns:a16="http://schemas.microsoft.com/office/drawing/2014/main" id="{BB2C67C3-32BF-C441-8A6B-23796F786C85}"/>
+              </a:ext>
+            </a:extLst>
+          </p:cNvPr>
+          <p:cNvSpPr>
+            <a:spLocks noGrp="1"/>
+          </p:cNvSpPr>
+          <p:nvPr>
+            <p:ph sz="quarter" idx="1"/>
+          </p:nvPr>
+        </p:nvSpPr>
+        <p:spPr>
+          <a:xfrm>
+            <a:off x="457200" y="5318720"/>
+            <a:ext cx="8229600" cy="990600"/>
+          </a:xfrm>
+        </p:spPr>
+        <p:txBody>
+          <a:bodyPr>
+            <a:normAutofit lnSpcReduction="10000"/>
+          </a:bodyPr>
+          <a:lstStyle/>
+          <a:p>
+            <a:pPr marL="0" indent="0">
+              <a:buNone/>
+            </a:pPr>
+            <a:r>
+              <a:rPr lang="en-CH" dirty="0"/>
+              <a:t>Details available at</a:t>
+            </a:r>
+            <a:br>
+              <a:rPr lang="en-CH" dirty="0"/>
+            </a:br>
+            <a:r>
+              <a:rPr lang="en-US" sz="1800" dirty="0">
+                <a:latin typeface="Courier New" panose="02070309020205020404" pitchFamily="49" charset="0"/>
+                <a:cs typeface="Courier New" panose="02070309020205020404" pitchFamily="49" charset="0"/>
+                <a:hlinkClick r:id="rId2"/>
+              </a:rPr>
+              <a:t>https://docs.github.com/en/actions/reference/encrypted-secrets</a:t>
+            </a:r>
+            <a:endParaRPr lang="en-US" sz="1800" dirty="0">
+              <a:latin typeface="Courier New" panose="02070309020205020404" pitchFamily="49" charset="0"/>
+              <a:cs typeface="Courier New" panose="02070309020205020404" pitchFamily="49" charset="0"/>
+            </a:endParaRPr>
+          </a:p>
+          <a:p>
+            <a:pPr marL="0" indent="0">
+              <a:buNone/>
+            </a:pPr>
+            <a:endParaRPr lang="en-CH" dirty="0">
+              <a:latin typeface="Courier New" panose="02070309020205020404" pitchFamily="49" charset="0"/>
+              <a:cs typeface="Courier New" panose="02070309020205020404" pitchFamily="49" charset="0"/>
+            </a:endParaRPr>
+          </a:p>
+        </p:txBody>
+      </p:sp>
+      <p:sp>
+        <p:nvSpPr>
+          <p:cNvPr id="4" name="Date Placeholder 3">
+            <a:extLst>
+              <a:ext uri="{FF2B5EF4-FFF2-40B4-BE49-F238E27FC236}">
+                <a16:creationId xmlns:a16="http://schemas.microsoft.com/office/drawing/2014/main" id="{EFDE6383-63B8-0F40-A2F9-3C9190716F80}"/>
+              </a:ext>
+            </a:extLst>
+          </p:cNvPr>
+          <p:cNvSpPr>
+            <a:spLocks noGrp="1"/>
+          </p:cNvSpPr>
+          <p:nvPr>
+            <p:ph type="dt" sz="half" idx="10"/>
+          </p:nvPr>
+        </p:nvSpPr>
+        <p:spPr/>
+        <p:txBody>
+          <a:bodyPr/>
+          <a:lstStyle/>
+          <a:p>
+            <a:r>
+              <a:rPr lang="de-CH" sz="1000"/>
+              <a:t>August 2021, CC BY-SA 4.0</a:t>
+            </a:r>
+            <a:endParaRPr lang="en-US" sz="1000" dirty="0"/>
+          </a:p>
+        </p:txBody>
+      </p:sp>
+      <p:sp>
+        <p:nvSpPr>
+          <p:cNvPr id="5" name="Footer Placeholder 4">
+            <a:extLst>
+              <a:ext uri="{FF2B5EF4-FFF2-40B4-BE49-F238E27FC236}">
+                <a16:creationId xmlns:a16="http://schemas.microsoft.com/office/drawing/2014/main" id="{33A31BB0-4A2A-6C47-9EAA-F64406BF1A82}"/>
+              </a:ext>
+            </a:extLst>
+          </p:cNvPr>
+          <p:cNvSpPr>
+            <a:spLocks noGrp="1"/>
+          </p:cNvSpPr>
+          <p:nvPr>
+            <p:ph type="ftr" sz="quarter" idx="11"/>
+          </p:nvPr>
+        </p:nvSpPr>
+        <p:spPr/>
+        <p:txBody>
+          <a:bodyPr/>
+          <a:lstStyle/>
+          <a:p>
+            <a:r>
+              <a:rPr lang="en-US"/>
+              <a:t>Continuous integration, v1.0</a:t>
+            </a:r>
+            <a:endParaRPr lang="en-US" dirty="0"/>
+          </a:p>
+        </p:txBody>
+      </p:sp>
+      <p:sp>
+        <p:nvSpPr>
+          <p:cNvPr id="7" name="TextBox 6">
+            <a:extLst>
+              <a:ext uri="{FF2B5EF4-FFF2-40B4-BE49-F238E27FC236}">
+                <a16:creationId xmlns:a16="http://schemas.microsoft.com/office/drawing/2014/main" id="{039746D5-6BF5-384F-93EB-C12A9E07EB20}"/>
+              </a:ext>
+            </a:extLst>
+          </p:cNvPr>
+          <p:cNvSpPr txBox="1"/>
+          <p:nvPr/>
+        </p:nvSpPr>
+        <p:spPr>
+          <a:xfrm>
+            <a:off x="457200" y="1268760"/>
+            <a:ext cx="6563072" cy="3970318"/>
+          </a:xfrm>
+          <a:prstGeom prst="rect">
+            <a:avLst/>
+          </a:prstGeom>
+          <a:solidFill>
+            <a:schemeClr val="bg1"/>
+          </a:solidFill>
+        </p:spPr>
+        <p:txBody>
+          <a:bodyPr wrap="square" rtlCol="0">
+            <a:spAutoFit/>
+          </a:bodyPr>
+          <a:lstStyle/>
+          <a:p>
+            <a:r>
+              <a:rPr lang="en-US" sz="1200" dirty="0">
+                <a:latin typeface="Courier New" panose="02070309020205020404" pitchFamily="49" charset="0"/>
+                <a:cs typeface="Courier New" panose="02070309020205020404" pitchFamily="49" charset="0"/>
+              </a:rPr>
+              <a:t>name: Reveal a secret when the repository is tagged as something starting by secret</a:t>
+            </a:r>
+          </a:p>
+          <a:p>
+            <a:endParaRPr lang="en-US" sz="1200" dirty="0">
+              <a:latin typeface="Courier New" panose="02070309020205020404" pitchFamily="49" charset="0"/>
+              <a:cs typeface="Courier New" panose="02070309020205020404" pitchFamily="49" charset="0"/>
+            </a:endParaRPr>
+          </a:p>
+          <a:p>
+            <a:r>
+              <a:rPr lang="en-US" sz="1200" dirty="0">
+                <a:latin typeface="Courier New" panose="02070309020205020404" pitchFamily="49" charset="0"/>
+                <a:cs typeface="Courier New" panose="02070309020205020404" pitchFamily="49" charset="0"/>
+              </a:rPr>
+              <a:t>on:</a:t>
+            </a:r>
+          </a:p>
+          <a:p>
+            <a:r>
+              <a:rPr lang="en-US" sz="1200" dirty="0">
+                <a:latin typeface="Courier New" panose="02070309020205020404" pitchFamily="49" charset="0"/>
+                <a:cs typeface="Courier New" panose="02070309020205020404" pitchFamily="49" charset="0"/>
+              </a:rPr>
+              <a:t>  push:</a:t>
+            </a:r>
+          </a:p>
+          <a:p>
+            <a:r>
+              <a:rPr lang="en-US" sz="1200" dirty="0">
+                <a:latin typeface="Courier New" panose="02070309020205020404" pitchFamily="49" charset="0"/>
+                <a:cs typeface="Courier New" panose="02070309020205020404" pitchFamily="49" charset="0"/>
+              </a:rPr>
+              <a:t>    tags:</a:t>
+            </a:r>
+          </a:p>
+          <a:p>
+            <a:r>
+              <a:rPr lang="en-US" sz="1200" dirty="0">
+                <a:latin typeface="Courier New" panose="02070309020205020404" pitchFamily="49" charset="0"/>
+                <a:cs typeface="Courier New" panose="02070309020205020404" pitchFamily="49" charset="0"/>
+              </a:rPr>
+              <a:t>      - 'secret*'</a:t>
+            </a:r>
+          </a:p>
+          <a:p>
+            <a:endParaRPr lang="en-US" sz="1200" dirty="0">
+              <a:latin typeface="Courier New" panose="02070309020205020404" pitchFamily="49" charset="0"/>
+              <a:cs typeface="Courier New" panose="02070309020205020404" pitchFamily="49" charset="0"/>
+            </a:endParaRPr>
+          </a:p>
+          <a:p>
+            <a:r>
+              <a:rPr lang="en-US" sz="1200" dirty="0">
+                <a:latin typeface="Courier New" panose="02070309020205020404" pitchFamily="49" charset="0"/>
+                <a:cs typeface="Courier New" panose="02070309020205020404" pitchFamily="49" charset="0"/>
+              </a:rPr>
+              <a:t>jobs:</a:t>
+            </a:r>
+          </a:p>
+          <a:p>
+            <a:r>
+              <a:rPr lang="en-US" sz="1200" dirty="0">
+                <a:latin typeface="Courier New" panose="02070309020205020404" pitchFamily="49" charset="0"/>
+                <a:cs typeface="Courier New" panose="02070309020205020404" pitchFamily="49" charset="0"/>
+              </a:rPr>
+              <a:t>  reveal-secret:</a:t>
+            </a:r>
+          </a:p>
+          <a:p>
+            <a:r>
+              <a:rPr lang="en-US" sz="1200" dirty="0">
+                <a:latin typeface="Courier New" panose="02070309020205020404" pitchFamily="49" charset="0"/>
+                <a:cs typeface="Courier New" panose="02070309020205020404" pitchFamily="49" charset="0"/>
+              </a:rPr>
+              <a:t>    runs-on: ubuntu-latest</a:t>
+            </a:r>
+          </a:p>
+          <a:p>
+            <a:endParaRPr lang="en-US" sz="1200" dirty="0">
+              <a:latin typeface="Courier New" panose="02070309020205020404" pitchFamily="49" charset="0"/>
+              <a:cs typeface="Courier New" panose="02070309020205020404" pitchFamily="49" charset="0"/>
+            </a:endParaRPr>
+          </a:p>
+          <a:p>
+            <a:r>
+              <a:rPr lang="en-US" sz="1200" dirty="0">
+                <a:latin typeface="Courier New" panose="02070309020205020404" pitchFamily="49" charset="0"/>
+                <a:cs typeface="Courier New" panose="02070309020205020404" pitchFamily="49" charset="0"/>
+              </a:rPr>
+              <a:t>    steps:</a:t>
+            </a:r>
+          </a:p>
+          <a:p>
+            <a:r>
+              <a:rPr lang="en-US" sz="1200" dirty="0">
+                <a:latin typeface="Courier New" panose="02070309020205020404" pitchFamily="49" charset="0"/>
+                <a:cs typeface="Courier New" panose="02070309020205020404" pitchFamily="49" charset="0"/>
+              </a:rPr>
+              <a:t>    - shell: bash</a:t>
+            </a:r>
+          </a:p>
+          <a:p>
+            <a:r>
+              <a:rPr lang="en-US" sz="1200" dirty="0">
+                <a:latin typeface="Courier New" panose="02070309020205020404" pitchFamily="49" charset="0"/>
+                <a:cs typeface="Courier New" panose="02070309020205020404" pitchFamily="49" charset="0"/>
+              </a:rPr>
+              <a:t>      env:</a:t>
+            </a:r>
+          </a:p>
+          <a:p>
+            <a:r>
+              <a:rPr lang="en-US" sz="1200" dirty="0">
+                <a:latin typeface="Courier New" panose="02070309020205020404" pitchFamily="49" charset="0"/>
+                <a:cs typeface="Courier New" panose="02070309020205020404" pitchFamily="49" charset="0"/>
+              </a:rPr>
+              <a:t>        SECRET_MSG: ${{ </a:t>
+            </a:r>
+            <a:r>
+              <a:rPr lang="en-US" sz="1200" dirty="0" err="1">
+                <a:latin typeface="Courier New" panose="02070309020205020404" pitchFamily="49" charset="0"/>
+                <a:cs typeface="Courier New" panose="02070309020205020404" pitchFamily="49" charset="0"/>
+              </a:rPr>
+              <a:t>secrets.TOP_SECRET</a:t>
+            </a:r>
+            <a:r>
+              <a:rPr lang="en-US" sz="1200" dirty="0">
+                <a:latin typeface="Courier New" panose="02070309020205020404" pitchFamily="49" charset="0"/>
+                <a:cs typeface="Courier New" panose="02070309020205020404" pitchFamily="49" charset="0"/>
+              </a:rPr>
+              <a:t> }}</a:t>
+            </a:r>
+          </a:p>
+          <a:p>
+            <a:r>
+              <a:rPr lang="en-US" sz="1200" dirty="0">
+                <a:latin typeface="Courier New" panose="02070309020205020404" pitchFamily="49" charset="0"/>
+                <a:cs typeface="Courier New" panose="02070309020205020404" pitchFamily="49" charset="0"/>
+              </a:rPr>
+              <a:t>      run: |</a:t>
+            </a:r>
+          </a:p>
+          <a:p>
+            <a:r>
+              <a:rPr lang="en-US" sz="1200" dirty="0">
+                <a:latin typeface="Courier New" panose="02070309020205020404" pitchFamily="49" charset="0"/>
+                <a:cs typeface="Courier New" panose="02070309020205020404" pitchFamily="49" charset="0"/>
+              </a:rPr>
+              <a:t>        echo The secret is "$SECRET_MSG"</a:t>
+            </a:r>
+          </a:p>
+          <a:p>
+            <a:r>
+              <a:rPr lang="en-US" sz="1200" dirty="0">
+                <a:latin typeface="Courier New" panose="02070309020205020404" pitchFamily="49" charset="0"/>
+                <a:cs typeface="Courier New" panose="02070309020205020404" pitchFamily="49" charset="0"/>
+              </a:rPr>
+              <a:t>        if [ "$SECRET_MSG" = 'do not tell anyone' ]; then</a:t>
+            </a:r>
+          </a:p>
+          <a:p>
+            <a:r>
+              <a:rPr lang="en-US" sz="1200" dirty="0">
+                <a:latin typeface="Courier New" panose="02070309020205020404" pitchFamily="49" charset="0"/>
+                <a:cs typeface="Courier New" panose="02070309020205020404" pitchFamily="49" charset="0"/>
+              </a:rPr>
+              <a:t>          echo matches</a:t>
+            </a:r>
+          </a:p>
+          <a:p>
+            <a:r>
+              <a:rPr lang="en-US" sz="1200" dirty="0">
+                <a:latin typeface="Courier New" panose="02070309020205020404" pitchFamily="49" charset="0"/>
+                <a:cs typeface="Courier New" panose="02070309020205020404" pitchFamily="49" charset="0"/>
+              </a:rPr>
+              <a:t>        fi</a:t>
+            </a:r>
+          </a:p>
+        </p:txBody>
+      </p:sp>
+    </p:spTree>
+    <p:extLst>
+      <p:ext uri="{BB962C8B-B14F-4D97-AF65-F5344CB8AC3E}">
+        <p14:creationId xmlns:p14="http://schemas.microsoft.com/office/powerpoint/2010/main" val="2944273705"/>
+      </p:ext>
+    </p:extLst>
+  </p:cSld>
+  <p:clrMapOvr>
+    <a:masterClrMapping/>
+  </p:clrMapOvr>
+</p:sld>
+</file>
+
+<file path=ppt/slides/slide22.xml><?xml version="1.0" encoding="utf-8"?>
+<p:sld xmlns:a="http://schemas.openxmlformats.org/drawingml/2006/main" xmlns:r="http://schemas.openxmlformats.org/officeDocument/2006/relationships" xmlns:p="http://schemas.openxmlformats.org/presentationml/2006/main">
+  <p:cSld>
+    <p:spTree>
+      <p:nvGrpSpPr>
+        <p:cNvPr id="1" name=""/>
+        <p:cNvGrpSpPr/>
+        <p:nvPr/>
+      </p:nvGrpSpPr>
+      <p:grpSpPr>
+        <a:xfrm>
+          <a:off x="0" y="0"/>
+          <a:ext cx="0" cy="0"/>
+          <a:chOff x="0" y="0"/>
+          <a:chExt cx="0" cy="0"/>
+        </a:xfrm>
+      </p:grpSpPr>
+      <p:sp>
+        <p:nvSpPr>
+          <p:cNvPr id="2" name="Title 1">
+            <a:extLst>
+              <a:ext uri="{FF2B5EF4-FFF2-40B4-BE49-F238E27FC236}">
+                <a16:creationId xmlns:a16="http://schemas.microsoft.com/office/drawing/2014/main" id="{0209F7B9-B500-6A48-B3AA-7D5C6DC44CB2}"/>
+              </a:ext>
+            </a:extLst>
+          </p:cNvPr>
+          <p:cNvSpPr>
+            <a:spLocks noGrp="1"/>
+          </p:cNvSpPr>
+          <p:nvPr>
+            <p:ph type="title"/>
+          </p:nvPr>
+        </p:nvSpPr>
+        <p:spPr/>
+        <p:txBody>
+          <a:bodyPr/>
+          <a:lstStyle/>
+          <a:p>
+            <a:r>
+              <a:rPr lang="en-CH" dirty="0"/>
+              <a:t>Conclusions</a:t>
+            </a:r>
+          </a:p>
+        </p:txBody>
+      </p:sp>
+      <p:sp>
+        <p:nvSpPr>
+          <p:cNvPr id="3" name="Content Placeholder 2">
+            <a:extLst>
+              <a:ext uri="{FF2B5EF4-FFF2-40B4-BE49-F238E27FC236}">
+                <a16:creationId xmlns:a16="http://schemas.microsoft.com/office/drawing/2014/main" id="{B483744F-BEF5-0B46-9B81-355BEB76BA2A}"/>
+              </a:ext>
+            </a:extLst>
+          </p:cNvPr>
+          <p:cNvSpPr>
+            <a:spLocks noGrp="1"/>
+          </p:cNvSpPr>
+          <p:nvPr>
+            <p:ph sz="quarter" idx="1"/>
+          </p:nvPr>
+        </p:nvSpPr>
+        <p:spPr/>
+        <p:txBody>
+          <a:bodyPr/>
+          <a:lstStyle/>
+          <a:p>
+            <a:r>
+              <a:rPr lang="en-CH" dirty="0"/>
+              <a:t>It takes a bit of time to set up and debug a Continuous Integration workflow, but it’s a good investment that can save you a lot </a:t>
+            </a:r>
+            <a:r>
+              <a:rPr lang="en-CH"/>
+              <a:t>of time later on!</a:t>
+            </a:r>
+            <a:endParaRPr lang="en-CH" dirty="0"/>
+          </a:p>
+        </p:txBody>
+      </p:sp>
+      <p:sp>
+        <p:nvSpPr>
+          <p:cNvPr id="4" name="Date Placeholder 3">
+            <a:extLst>
+              <a:ext uri="{FF2B5EF4-FFF2-40B4-BE49-F238E27FC236}">
+                <a16:creationId xmlns:a16="http://schemas.microsoft.com/office/drawing/2014/main" id="{C03D37C7-B59B-1048-A802-78F6FA69F6C7}"/>
+              </a:ext>
+            </a:extLst>
+          </p:cNvPr>
+          <p:cNvSpPr>
+            <a:spLocks noGrp="1"/>
+          </p:cNvSpPr>
+          <p:nvPr>
+            <p:ph type="dt" sz="half" idx="10"/>
+          </p:nvPr>
+        </p:nvSpPr>
+        <p:spPr/>
+        <p:txBody>
+          <a:bodyPr/>
+          <a:lstStyle/>
+          <a:p>
+            <a:r>
+              <a:rPr lang="de-CH" sz="1000"/>
+              <a:t>August 2021, CC BY-SA 4.0</a:t>
+            </a:r>
+            <a:endParaRPr lang="en-US" sz="1000" dirty="0"/>
+          </a:p>
+        </p:txBody>
+      </p:sp>
+      <p:sp>
+        <p:nvSpPr>
+          <p:cNvPr id="5" name="Footer Placeholder 4">
+            <a:extLst>
+              <a:ext uri="{FF2B5EF4-FFF2-40B4-BE49-F238E27FC236}">
+                <a16:creationId xmlns:a16="http://schemas.microsoft.com/office/drawing/2014/main" id="{DB93DB5F-4A03-CA44-A54B-D5F34E39E00B}"/>
+              </a:ext>
+            </a:extLst>
+          </p:cNvPr>
+          <p:cNvSpPr>
+            <a:spLocks noGrp="1"/>
+          </p:cNvSpPr>
+          <p:nvPr>
+            <p:ph type="ftr" sz="quarter" idx="11"/>
+          </p:nvPr>
+        </p:nvSpPr>
+        <p:spPr/>
+        <p:txBody>
+          <a:bodyPr/>
+          <a:lstStyle/>
+          <a:p>
+            <a:r>
+              <a:rPr lang="en-US"/>
+              <a:t>Continuous integration, v1.0</a:t>
+            </a:r>
+            <a:endParaRPr lang="en-US" dirty="0"/>
+          </a:p>
+        </p:txBody>
+      </p:sp>
+      <p:pic>
+        <p:nvPicPr>
+          <p:cNvPr id="7" name="Picture 6" descr="A picture containing metalware, gear, white&#10;&#10;Description automatically generated">
+            <a:extLst>
+              <a:ext uri="{FF2B5EF4-FFF2-40B4-BE49-F238E27FC236}">
+                <a16:creationId xmlns:a16="http://schemas.microsoft.com/office/drawing/2014/main" id="{1C8CF780-D6FA-BB4C-A576-417D77749A00}"/>
+              </a:ext>
+            </a:extLst>
+          </p:cNvPr>
+          <p:cNvPicPr>
+            <a:picLocks noChangeAspect="1"/>
+          </p:cNvPicPr>
+          <p:nvPr/>
+        </p:nvPicPr>
+        <p:blipFill>
+          <a:blip r:embed="rId2">
+            <a:extLst>
+              <a:ext uri="{28A0092B-C50C-407E-A947-70E740481C1C}">
+                <a14:useLocalDpi xmlns:a14="http://schemas.microsoft.com/office/drawing/2010/main" val="0"/>
+              </a:ext>
+            </a:extLst>
+          </a:blip>
+          <a:stretch>
+            <a:fillRect/>
+          </a:stretch>
+        </p:blipFill>
+        <p:spPr>
+          <a:xfrm rot="16200000">
+            <a:off x="5957585" y="3157241"/>
+            <a:ext cx="3830908" cy="2567310"/>
+          </a:xfrm>
+          <a:prstGeom prst="rect">
+            <a:avLst/>
+          </a:prstGeom>
+        </p:spPr>
+      </p:pic>
+    </p:spTree>
+    <p:extLst>
+      <p:ext uri="{BB962C8B-B14F-4D97-AF65-F5344CB8AC3E}">
+        <p14:creationId xmlns:p14="http://schemas.microsoft.com/office/powerpoint/2010/main" val="202595180"/>
+      </p:ext>
+    </p:extLst>
+  </p:cSld>
+  <p:clrMapOvr>
+    <a:masterClrMapping/>
+  </p:clrMapOvr>
+</p:sld>
+</file>
+
+<file path=ppt/slides/slide23.xml><?xml version="1.0" encoding="utf-8"?>
+<p:sld xmlns:a="http://schemas.openxmlformats.org/drawingml/2006/main" xmlns:r="http://schemas.openxmlformats.org/officeDocument/2006/relationships" xmlns:p="http://schemas.openxmlformats.org/presentationml/2006/main">
+  <p:cSld>
+    <p:spTree>
+      <p:nvGrpSpPr>
+        <p:cNvPr id="1" name=""/>
+        <p:cNvGrpSpPr/>
+        <p:nvPr/>
+      </p:nvGrpSpPr>
+      <p:grpSpPr>
+        <a:xfrm>
+          <a:off x="0" y="0"/>
+          <a:ext cx="0" cy="0"/>
+          <a:chOff x="0" y="0"/>
+          <a:chExt cx="0" cy="0"/>
+        </a:xfrm>
+      </p:grpSpPr>
+      <p:sp>
+        <p:nvSpPr>
+          <p:cNvPr id="3" name="Date Placeholder 2"/>
+          <p:cNvSpPr>
+            <a:spLocks noGrp="1"/>
+          </p:cNvSpPr>
+          <p:nvPr>
+            <p:ph type="dt" sz="half" idx="10"/>
+          </p:nvPr>
+        </p:nvSpPr>
+        <p:spPr/>
+        <p:txBody>
+          <a:bodyPr/>
+          <a:lstStyle/>
+          <a:p>
+            <a:r>
+              <a:rPr lang="de-CH"/>
+              <a:t>August 2021, CC BY-SA 4.0</a:t>
+            </a:r>
+            <a:endParaRPr lang="en-US"/>
+          </a:p>
+        </p:txBody>
+      </p:sp>
+      <p:sp>
+        <p:nvSpPr>
+          <p:cNvPr id="4" name="Footer Placeholder 3"/>
+          <p:cNvSpPr>
+            <a:spLocks noGrp="1"/>
+          </p:cNvSpPr>
+          <p:nvPr>
+            <p:ph type="ftr" sz="quarter" idx="11"/>
+          </p:nvPr>
+        </p:nvSpPr>
+        <p:spPr/>
+        <p:txBody>
+          <a:bodyPr/>
+          <a:lstStyle/>
+          <a:p>
+            <a:r>
+              <a:rPr lang="en-US"/>
+              <a:t>Continuous integration, v1.0</a:t>
+            </a:r>
+          </a:p>
+        </p:txBody>
+      </p:sp>
+      <p:sp>
+        <p:nvSpPr>
+          <p:cNvPr id="2" name="Title 1"/>
+          <p:cNvSpPr>
+            <a:spLocks noGrp="1"/>
+          </p:cNvSpPr>
+          <p:nvPr>
+            <p:ph type="title" idx="4294967295"/>
+          </p:nvPr>
+        </p:nvSpPr>
+        <p:spPr>
+          <a:xfrm>
+            <a:off x="460248" y="2705375"/>
+            <a:ext cx="8229600" cy="990600"/>
+          </a:xfrm>
+        </p:spPr>
+        <p:txBody>
+          <a:bodyPr anchor="ctr">
+            <a:normAutofit/>
+          </a:bodyPr>
+          <a:lstStyle/>
+          <a:p>
+            <a:pPr algn="ctr"/>
+            <a:r>
+              <a:rPr lang="en-GB" sz="5400" dirty="0"/>
+              <a:t>Thank you!</a:t>
+            </a:r>
+          </a:p>
+        </p:txBody>
+      </p:sp>
+    </p:spTree>
+  </p:cSld>
+  <p:clrMapOvr>
+    <a:masterClrMapping/>
+  </p:clrMapOvr>
+</p:sld>
+</file>
+
+<file path=ppt/slides/slide24.xml><?xml version="1.0" encoding="utf-8"?>
+<p:sld xmlns:a="http://schemas.openxmlformats.org/drawingml/2006/main" xmlns:r="http://schemas.openxmlformats.org/officeDocument/2006/relationships" xmlns:p="http://schemas.openxmlformats.org/presentationml/2006/main">
+  <p:cSld>
+    <p:spTree>
+      <p:nvGrpSpPr>
+        <p:cNvPr id="1" name=""/>
+        <p:cNvGrpSpPr/>
+        <p:nvPr/>
+      </p:nvGrpSpPr>
+      <p:grpSpPr>
+        <a:xfrm>
+          <a:off x="0" y="0"/>
+          <a:ext cx="0" cy="0"/>
+          <a:chOff x="0" y="0"/>
+          <a:chExt cx="0" cy="0"/>
+        </a:xfrm>
+      </p:grpSpPr>
+      <p:sp>
+        <p:nvSpPr>
+          <p:cNvPr id="2" name="Date Placeholder 1"/>
+          <p:cNvSpPr>
+            <a:spLocks noGrp="1"/>
+          </p:cNvSpPr>
+          <p:nvPr>
+            <p:ph type="dt" sz="half" idx="10"/>
+          </p:nvPr>
+        </p:nvSpPr>
+        <p:spPr/>
+        <p:txBody>
+          <a:bodyPr/>
+          <a:lstStyle/>
+          <a:p>
+            <a:r>
+              <a:rPr lang="de-CH"/>
+              <a:t>August 2021, CC BY-SA 4.0</a:t>
+            </a:r>
+            <a:endParaRPr lang="en-US"/>
+          </a:p>
+        </p:txBody>
+      </p:sp>
+      <p:sp>
+        <p:nvSpPr>
+          <p:cNvPr id="3" name="Footer Placeholder 2"/>
+          <p:cNvSpPr>
+            <a:spLocks noGrp="1"/>
+          </p:cNvSpPr>
+          <p:nvPr>
+            <p:ph type="ftr" sz="quarter" idx="11"/>
+          </p:nvPr>
+        </p:nvSpPr>
+        <p:spPr/>
+        <p:txBody>
+          <a:bodyPr/>
+          <a:lstStyle/>
+          <a:p>
+            <a:r>
+              <a:rPr lang="en-US"/>
+              <a:t>Continuous integration, v1.0</a:t>
+            </a:r>
+          </a:p>
+        </p:txBody>
+      </p:sp>
+    </p:spTree>
   </p:cSld>
   <p:clrMapOvr>
     <a:masterClrMapping/>
@@ -5676,12 +10690,58 @@
           <a:chExt cx="0" cy="0"/>
         </a:xfrm>
       </p:grpSpPr>
+      <p:pic>
+        <p:nvPicPr>
+          <p:cNvPr id="1026" name="Picture 2" descr="Merging High Res Stock Images | Shutterstock">
+            <a:extLst>
+              <a:ext uri="{FF2B5EF4-FFF2-40B4-BE49-F238E27FC236}">
+                <a16:creationId xmlns:a16="http://schemas.microsoft.com/office/drawing/2014/main" id="{1505F79C-DCC1-CB40-ADC0-DDC55C7A0D61}"/>
+              </a:ext>
+            </a:extLst>
+          </p:cNvPr>
+          <p:cNvPicPr>
+            <a:picLocks noChangeAspect="1" noChangeArrowheads="1"/>
+          </p:cNvPicPr>
+          <p:nvPr/>
+        </p:nvPicPr>
+        <p:blipFill rotWithShape="1">
+          <a:blip r:embed="rId3">
+            <a:alphaModFix amt="57000"/>
+            <a:extLst>
+              <a:ext uri="{28A0092B-C50C-407E-A947-70E740481C1C}">
+                <a14:useLocalDpi xmlns:a14="http://schemas.microsoft.com/office/drawing/2010/main" val="0"/>
+              </a:ext>
+            </a:extLst>
+          </a:blip>
+          <a:srcRect b="6852"/>
+          <a:stretch/>
+        </p:blipFill>
+        <p:spPr bwMode="auto">
+          <a:xfrm>
+            <a:off x="-7425" y="1784350"/>
+            <a:ext cx="7818891" cy="4937760"/>
+          </a:xfrm>
+          <a:prstGeom prst="rect">
+            <a:avLst/>
+          </a:prstGeom>
+          <a:noFill/>
+          <a:extLst>
+            <a:ext uri="{909E8E84-426E-40DD-AFC4-6F175D3DCCD1}">
+              <a14:hiddenFill xmlns:a14="http://schemas.microsoft.com/office/drawing/2010/main">
+                <a:solidFill>
+                  <a:srgbClr val="FFFFFF"/>
+                </a:solidFill>
+              </a14:hiddenFill>
+            </a:ext>
+          </a:extLst>
+        </p:spPr>
+      </p:pic>
       <p:sp>
         <p:nvSpPr>
           <p:cNvPr id="2" name="Title 1">
             <a:extLst>
               <a:ext uri="{FF2B5EF4-FFF2-40B4-BE49-F238E27FC236}">
-                <a16:creationId xmlns:a16="http://schemas.microsoft.com/office/drawing/2014/main" id="{4993AE45-A766-0F4D-9D65-D692ECB4ED00}"/>
+                <a16:creationId xmlns:a16="http://schemas.microsoft.com/office/drawing/2014/main" id="{89C17104-B515-8845-8810-9CB3E2A1715A}"/>
               </a:ext>
             </a:extLst>
           </p:cNvPr>
@@ -5706,10 +10766,10 @@
       </p:sp>
       <p:sp>
         <p:nvSpPr>
-          <p:cNvPr id="3" name="Content Placeholder 2">
+          <p:cNvPr id="5" name="Content Placeholder 4">
             <a:extLst>
               <a:ext uri="{FF2B5EF4-FFF2-40B4-BE49-F238E27FC236}">
-                <a16:creationId xmlns:a16="http://schemas.microsoft.com/office/drawing/2014/main" id="{993A7968-BAB0-2A48-B1DC-9A91DE873775}"/>
+                <a16:creationId xmlns:a16="http://schemas.microsoft.com/office/drawing/2014/main" id="{8D8ED8E0-5C7A-D748-8472-ACBA1C9481B7}"/>
               </a:ext>
             </a:extLst>
           </p:cNvPr>
@@ -5727,101 +10787,67 @@
           <a:p>
             <a:r>
               <a:rPr lang="en-CH" dirty="0"/>
-              <a:t>Merging the code of multiple contributor often, multiple times a day (originally this was a challenge, there was a person who was in charge of merging things on the main branch). Now merging is peanuts</a:t>
+              <a:t>Continuous Integration is a set of tools and practices to make sure that a project with many contributors (&gt;= 1) runs smoothly</a:t>
             </a:r>
           </a:p>
           <a:p>
             <a:r>
               <a:rPr lang="en-CH" dirty="0"/>
-              <a:t>Today it’s a set of tools and practices to make sure that a project with many contributors (&gt;= 1) runs smoothly</a:t>
-            </a:r>
-          </a:p>
-          <a:p>
-            <a:pPr lvl="1"/>
+              <a:t>One goal is to automatize the non-coding tasks: </a:t>
+            </a:r>
+            <a:endParaRPr lang="de-DE" dirty="0"/>
+          </a:p>
+          <a:p>
+            <a:pPr lvl="2"/>
             <a:r>
               <a:rPr lang="en-CH" dirty="0"/>
-              <a:t>Automatize the non-coding tasks</a:t>
-            </a:r>
-            <a:r>
-              <a:rPr lang="en-CH"/>
-              <a:t>: </a:t>
+              <a:t>making sure that the tests always pass</a:t>
             </a:r>
             <a:endParaRPr lang="de-DE" dirty="0"/>
           </a:p>
           <a:p>
             <a:pPr lvl="2"/>
             <a:r>
-              <a:rPr lang="en-CH"/>
-              <a:t>making </a:t>
-            </a:r>
-            <a:r>
               <a:rPr lang="en-CH" dirty="0"/>
-              <a:t>sure that the tests </a:t>
-            </a:r>
-            <a:r>
-              <a:rPr lang="en-CH"/>
-              <a:t>always pass</a:t>
+              <a:t>check for style consistency</a:t>
             </a:r>
             <a:endParaRPr lang="de-DE" dirty="0"/>
           </a:p>
           <a:p>
             <a:pPr lvl="2"/>
             <a:r>
-              <a:rPr lang="en-CH"/>
-              <a:t>check </a:t>
-            </a:r>
-            <a:r>
               <a:rPr lang="en-CH" dirty="0"/>
-              <a:t>for </a:t>
-            </a:r>
-            <a:r>
-              <a:rPr lang="en-CH"/>
-              <a:t>style consistency</a:t>
+              <a:t>build packages for distribution on multiple architectures</a:t>
             </a:r>
             <a:endParaRPr lang="de-DE" dirty="0"/>
           </a:p>
           <a:p>
             <a:pPr lvl="2"/>
             <a:r>
-              <a:rPr lang="en-CH"/>
-              <a:t>build </a:t>
-            </a:r>
-            <a:r>
               <a:rPr lang="en-CH" dirty="0"/>
-              <a:t>packages for distribution on </a:t>
-            </a:r>
-            <a:r>
-              <a:rPr lang="en-CH"/>
-              <a:t>multiple architectures</a:t>
-            </a:r>
-            <a:endParaRPr lang="de-DE" dirty="0"/>
-          </a:p>
-          <a:p>
-            <a:pPr lvl="2"/>
-            <a:r>
-              <a:rPr lang="en-CH"/>
-              <a:t>build </a:t>
-            </a:r>
+              <a:t>build documentation</a:t>
+            </a:r>
+          </a:p>
+          <a:p>
+            <a:pPr marL="594360" lvl="2" indent="0">
+              <a:buNone/>
+            </a:pPr>
+            <a:endParaRPr lang="en-CH" dirty="0"/>
+          </a:p>
+          <a:p>
             <a:r>
               <a:rPr lang="en-CH" dirty="0"/>
-              <a:t>documentation</a:t>
-            </a:r>
-          </a:p>
-          <a:p>
-            <a:pPr lvl="1"/>
-            <a:r>
-              <a:rPr lang="en-CH" dirty="0"/>
-              <a:t>Solves the “it works on my machine” problem</a:t>
-            </a:r>
-          </a:p>
-        </p:txBody>
-      </p:sp>
-      <p:sp>
-        <p:nvSpPr>
-          <p:cNvPr id="4" name="Date Placeholder 3">
+              <a:t>Another goal is to solve the “it works on my machine” problem</a:t>
+            </a:r>
+          </a:p>
+        </p:txBody>
+      </p:sp>
+      <p:sp>
+        <p:nvSpPr>
+          <p:cNvPr id="3" name="Date Placeholder 2">
             <a:extLst>
               <a:ext uri="{FF2B5EF4-FFF2-40B4-BE49-F238E27FC236}">
-                <a16:creationId xmlns:a16="http://schemas.microsoft.com/office/drawing/2014/main" id="{BB7DFD63-E8DE-9344-BDD0-A143F8BD67AC}"/>
+                <a16:creationId xmlns:a16="http://schemas.microsoft.com/office/drawing/2014/main" id="{016273A7-253A-F544-8F1D-B0EB48B1B10F}"/>
               </a:ext>
             </a:extLst>
           </p:cNvPr>
@@ -5838,19 +10864,19 @@
           <a:lstStyle/>
           <a:p>
             <a:r>
-              <a:rPr lang="en-US" sz="1000"/>
-              <a:t>August 2019, CC BY-SA 4.0</a:t>
-            </a:r>
-            <a:endParaRPr lang="en-US" sz="1000" dirty="0"/>
-          </a:p>
-        </p:txBody>
-      </p:sp>
-      <p:sp>
-        <p:nvSpPr>
-          <p:cNvPr id="5" name="Footer Placeholder 4">
+              <a:rPr lang="de-CH"/>
+              <a:t>August 2021, CC BY-SA 4.0</a:t>
+            </a:r>
+            <a:endParaRPr lang="en-US"/>
+          </a:p>
+        </p:txBody>
+      </p:sp>
+      <p:sp>
+        <p:nvSpPr>
+          <p:cNvPr id="4" name="Footer Placeholder 3">
             <a:extLst>
               <a:ext uri="{FF2B5EF4-FFF2-40B4-BE49-F238E27FC236}">
-                <a16:creationId xmlns:a16="http://schemas.microsoft.com/office/drawing/2014/main" id="{5138C878-C3D9-AC4C-BDD7-9EFA39DFB1A1}"/>
+                <a16:creationId xmlns:a16="http://schemas.microsoft.com/office/drawing/2014/main" id="{80BE4441-0F92-4746-83E0-D9DDECD6FBC0}"/>
               </a:ext>
             </a:extLst>
           </p:cNvPr>
@@ -5868,16 +10894,15 @@
           <a:p>
             <a:r>
               <a:rPr lang="en-US"/>
-              <a:t>Testing scientific code, v12.0</a:t>
-            </a:r>
-            <a:endParaRPr lang="en-US" dirty="0"/>
+              <a:t>Continuous integration, v1.0</a:t>
+            </a:r>
           </a:p>
         </p:txBody>
       </p:sp>
     </p:spTree>
     <p:extLst>
       <p:ext uri="{BB962C8B-B14F-4D97-AF65-F5344CB8AC3E}">
-        <p14:creationId xmlns:p14="http://schemas.microsoft.com/office/powerpoint/2010/main" val="1572891354"/>
+        <p14:creationId xmlns:p14="http://schemas.microsoft.com/office/powerpoint/2010/main" val="3735436255"/>
       </p:ext>
     </p:extLst>
   </p:cSld>
@@ -5926,8 +10951,16 @@
           <a:lstStyle/>
           <a:p>
             <a:r>
+              <a:rPr lang="de-DE" dirty="0"/>
+              <a:t>Collaborative Development </a:t>
+            </a:r>
+            <a:r>
               <a:rPr lang="de-DE" dirty="0" err="1"/>
-              <a:t>Concepts</a:t>
+              <a:t>with</a:t>
+            </a:r>
+            <a:r>
+              <a:rPr lang="de-DE" dirty="0"/>
+              <a:t> CI</a:t>
             </a:r>
             <a:endParaRPr lang="en-CH" dirty="0"/>
           </a:p>
@@ -5955,8 +10988,8 @@
           <a:lstStyle/>
           <a:p>
             <a:r>
-              <a:rPr lang="en-US" sz="1000"/>
-              <a:t>August 2019, CC BY-SA 4.0</a:t>
+              <a:rPr lang="de-CH" sz="1000"/>
+              <a:t>August 2021, CC BY-SA 4.0</a:t>
             </a:r>
             <a:endParaRPr lang="en-US" sz="1000" dirty="0"/>
           </a:p>
@@ -5985,7 +11018,7 @@
           <a:p>
             <a:r>
               <a:rPr lang="en-US"/>
-              <a:t>Testing scientific code, v12.0</a:t>
+              <a:t>Continuous integration, v1.0</a:t>
             </a:r>
             <a:endParaRPr lang="en-US" dirty="0"/>
           </a:p>
@@ -5993,10 +11026,10 @@
       </p:sp>
       <p:pic>
         <p:nvPicPr>
-          <p:cNvPr id="12" name="Picture 11" descr="Diagram&#10;&#10;Description automatically generated">
+          <p:cNvPr id="6" name="Picture 5" descr="A picture containing application&#10;&#10;Description automatically generated">
             <a:extLst>
               <a:ext uri="{FF2B5EF4-FFF2-40B4-BE49-F238E27FC236}">
-                <a16:creationId xmlns:a16="http://schemas.microsoft.com/office/drawing/2014/main" id="{B9839AC5-96DD-7443-A9BF-6572C7FD7E9A}"/>
+                <a16:creationId xmlns:a16="http://schemas.microsoft.com/office/drawing/2014/main" id="{6EC17484-7560-D747-BFCF-9E42372CCE84}"/>
               </a:ext>
             </a:extLst>
           </p:cNvPr>
@@ -6019,8 +11052,8 @@
         </p:blipFill>
         <p:spPr>
           <a:xfrm>
-            <a:off x="1403648" y="1020262"/>
-            <a:ext cx="7452320" cy="5468742"/>
+            <a:off x="1297510" y="1134012"/>
+            <a:ext cx="6718140" cy="5222338"/>
           </a:xfrm>
           <a:prstGeom prst="rect">
             <a:avLst/>
@@ -6030,7 +11063,7 @@
     </p:spTree>
     <p:extLst>
       <p:ext uri="{BB962C8B-B14F-4D97-AF65-F5344CB8AC3E}">
-        <p14:creationId xmlns:p14="http://schemas.microsoft.com/office/powerpoint/2010/main" val="3314637399"/>
+        <p14:creationId xmlns:p14="http://schemas.microsoft.com/office/powerpoint/2010/main" val="2070377527"/>
       </p:ext>
     </p:extLst>
   </p:cSld>
@@ -6080,7 +11113,7 @@
           <a:p>
             <a:r>
               <a:rPr lang="en-CH" dirty="0"/>
-              <a:t>The examples that you’ll find 95% of the time</a:t>
+              <a:t>The CI tasks that you’ll find 95% of the time</a:t>
             </a:r>
           </a:p>
         </p:txBody>
@@ -6101,28 +11134,39 @@
             <p:ph sz="quarter" idx="1"/>
           </p:nvPr>
         </p:nvSpPr>
-        <p:spPr/>
-        <p:txBody>
-          <a:bodyPr/>
-          <a:lstStyle/>
-          <a:p>
+        <p:spPr>
+          <a:xfrm>
+            <a:off x="457200" y="1219200"/>
+            <a:ext cx="8229600" cy="5090120"/>
+          </a:xfrm>
+        </p:spPr>
+        <p:txBody>
+          <a:bodyPr>
+            <a:normAutofit/>
+          </a:bodyPr>
+          <a:lstStyle/>
+          <a:p>
+            <a:r>
+              <a:rPr lang="en-CH" b="1" dirty="0"/>
+              <a:t>Event trigger: </a:t>
+            </a:r>
             <a:r>
               <a:rPr lang="en-CH" dirty="0"/>
-              <a:t>Event: PR is created or a commit is pushed to master</a:t>
+              <a:t>PR is created or a commit is pushed to master</a:t>
             </a:r>
             <a:br>
               <a:rPr lang="en-CH" dirty="0"/>
             </a:br>
             <a:r>
+              <a:rPr lang="en-CH" b="1" dirty="0"/>
+              <a:t>Tasks:</a:t>
+            </a:r>
+          </a:p>
+          <a:p>
+            <a:pPr lvl="1"/>
+            <a:r>
               <a:rPr lang="en-CH" dirty="0"/>
-              <a:t>Tasks:</a:t>
-            </a:r>
-          </a:p>
-          <a:p>
-            <a:pPr lvl="1"/>
-            <a:r>
-              <a:rPr lang="en-CH" dirty="0"/>
-              <a:t>Run all tests</a:t>
+              <a:t>Run all tests for different Python versions </a:t>
             </a:r>
           </a:p>
           <a:p>
@@ -6141,8 +11185,19 @@
           </a:p>
           <a:p>
             <a:r>
+              <a:rPr lang="en-CH" b="1" dirty="0"/>
+              <a:t>Event trigger:  </a:t>
+            </a:r>
+            <a:r>
               <a:rPr lang="en-CH" dirty="0"/>
-              <a:t>Event: Repostory is tagged in a certain way</a:t>
+              <a:t>Version is bumped</a:t>
+            </a:r>
+            <a:br>
+              <a:rPr lang="en-CH" dirty="0"/>
+            </a:br>
+            <a:r>
+              <a:rPr lang="en-CH" b="1" dirty="0"/>
+              <a:t>Tasks:</a:t>
             </a:r>
           </a:p>
           <a:p>
@@ -6153,13 +11208,32 @@
             </a:r>
           </a:p>
           <a:p>
+            <a:r>
+              <a:rPr lang="en-CH" b="1" dirty="0"/>
+              <a:t>Event trigger:</a:t>
+            </a:r>
+            <a:r>
+              <a:rPr lang="en-CH" dirty="0"/>
+              <a:t> Repository is tagged in a certain way</a:t>
+            </a:r>
+            <a:br>
+              <a:rPr lang="en-CH" dirty="0"/>
+            </a:br>
+            <a:r>
+              <a:rPr lang="en-CH" b="1" dirty="0"/>
+              <a:t>Tasks:</a:t>
+            </a:r>
+          </a:p>
+          <a:p>
             <a:pPr lvl="1"/>
             <a:r>
               <a:rPr lang="en-CH" dirty="0"/>
-              <a:t>Build the documentaion</a:t>
-            </a:r>
-          </a:p>
-          <a:p>
+              <a:t>Build and publish </a:t>
+            </a:r>
+            <a:r>
+              <a:rPr lang="en-CH"/>
+              <a:t>the documentation</a:t>
+            </a:r>
             <a:endParaRPr lang="en-CH" dirty="0"/>
           </a:p>
         </p:txBody>
@@ -6186,9 +11260,10 @@
           <a:lstStyle/>
           <a:p>
             <a:r>
-              <a:rPr lang="en-US"/>
-              <a:t>August 2019, CC BY-SA 4.0</a:t>
-            </a:r>
+              <a:rPr lang="de-CH"/>
+              <a:t>August 2021, CC BY-SA 4.0</a:t>
+            </a:r>
+            <a:endParaRPr lang="en-US"/>
           </a:p>
         </p:txBody>
       </p:sp>
@@ -6215,7 +11290,7 @@
           <a:p>
             <a:r>
               <a:rPr lang="en-US"/>
-              <a:t>Testing scientific code, v12.0</a:t>
+              <a:t>Continuous integration, v1.0</a:t>
             </a:r>
           </a:p>
         </p:txBody>
@@ -6223,7 +11298,7 @@
     </p:spTree>
     <p:extLst>
       <p:ext uri="{BB962C8B-B14F-4D97-AF65-F5344CB8AC3E}">
-        <p14:creationId xmlns:p14="http://schemas.microsoft.com/office/powerpoint/2010/main" val="1370039741"/>
+        <p14:creationId xmlns:p14="http://schemas.microsoft.com/office/powerpoint/2010/main" val="3902177127"/>
       </p:ext>
     </p:extLst>
   </p:cSld>
@@ -6280,46 +11355,6 @@
       </p:sp>
       <p:sp>
         <p:nvSpPr>
-          <p:cNvPr id="3" name="Content Placeholder 2">
-            <a:extLst>
-              <a:ext uri="{FF2B5EF4-FFF2-40B4-BE49-F238E27FC236}">
-                <a16:creationId xmlns:a16="http://schemas.microsoft.com/office/drawing/2014/main" id="{D5A7549D-6C69-FC4D-94A9-2F481DCF80E4}"/>
-              </a:ext>
-            </a:extLst>
-          </p:cNvPr>
-          <p:cNvSpPr>
-            <a:spLocks noGrp="1"/>
-          </p:cNvSpPr>
-          <p:nvPr>
-            <p:ph sz="quarter" idx="1"/>
-          </p:nvPr>
-        </p:nvSpPr>
-        <p:spPr/>
-        <p:txBody>
-          <a:bodyPr/>
-          <a:lstStyle/>
-          <a:p>
-            <a:r>
-              <a:rPr lang="en-CH" dirty="0"/>
-              <a:t>TravisCI</a:t>
-            </a:r>
-          </a:p>
-          <a:p>
-            <a:r>
-              <a:rPr lang="en-CH" dirty="0"/>
-              <a:t>CircleCI</a:t>
-            </a:r>
-          </a:p>
-          <a:p>
-            <a:r>
-              <a:rPr lang="en-CH" dirty="0"/>
-              <a:t>GitHub actions</a:t>
-            </a:r>
-          </a:p>
-        </p:txBody>
-      </p:sp>
-      <p:sp>
-        <p:nvSpPr>
           <p:cNvPr id="4" name="Date Placeholder 3">
             <a:extLst>
               <a:ext uri="{FF2B5EF4-FFF2-40B4-BE49-F238E27FC236}">
@@ -6340,8 +11375,8 @@
           <a:lstStyle/>
           <a:p>
             <a:r>
-              <a:rPr lang="en-US" sz="1000"/>
-              <a:t>August 2019, CC BY-SA 4.0</a:t>
+              <a:rPr lang="de-CH" sz="1000"/>
+              <a:t>August 2021, CC BY-SA 4.0</a:t>
             </a:r>
             <a:endParaRPr lang="en-US" sz="1000" dirty="0"/>
           </a:p>
@@ -6370,7 +11405,7 @@
           <a:p>
             <a:r>
               <a:rPr lang="en-US"/>
-              <a:t>Testing scientific code, v12.0</a:t>
+              <a:t>Continuous integration, v1.0</a:t>
             </a:r>
             <a:endParaRPr lang="en-US" dirty="0"/>
           </a:p>
@@ -6405,7 +11440,7 @@
         </p:blipFill>
         <p:spPr bwMode="auto">
           <a:xfrm>
-            <a:off x="5004048" y="1219200"/>
+            <a:off x="1315651" y="1772816"/>
             <a:ext cx="3024336" cy="933734"/>
           </a:xfrm>
           <a:prstGeom prst="rect">
@@ -6453,8 +11488,8 @@
         </p:blipFill>
         <p:spPr bwMode="auto">
           <a:xfrm>
-            <a:off x="5940152" y="2352324"/>
-            <a:ext cx="1749720" cy="1749720"/>
+            <a:off x="5836179" y="1243598"/>
+            <a:ext cx="1992169" cy="1992169"/>
           </a:xfrm>
           <a:prstGeom prst="rect">
             <a:avLst/>
@@ -6501,8 +11536,8 @@
         </p:blipFill>
         <p:spPr bwMode="auto">
           <a:xfrm>
-            <a:off x="5593796" y="4317356"/>
-            <a:ext cx="2442432" cy="1231522"/>
+            <a:off x="1243643" y="3856391"/>
+            <a:ext cx="3168352" cy="1597545"/>
           </a:xfrm>
           <a:prstGeom prst="rect">
             <a:avLst/>
@@ -6519,6 +11554,61 @@
           </a:extLst>
         </p:spPr>
       </p:pic>
+      <p:sp>
+        <p:nvSpPr>
+          <p:cNvPr id="6" name="TextBox 5">
+            <a:extLst>
+              <a:ext uri="{FF2B5EF4-FFF2-40B4-BE49-F238E27FC236}">
+                <a16:creationId xmlns:a16="http://schemas.microsoft.com/office/drawing/2014/main" id="{74084D39-E1A8-0C4F-97EA-F7B133658BE6}"/>
+              </a:ext>
+            </a:extLst>
+          </p:cNvPr>
+          <p:cNvSpPr txBox="1"/>
+          <p:nvPr/>
+        </p:nvSpPr>
+        <p:spPr>
+          <a:xfrm>
+            <a:off x="5248088" y="3916499"/>
+            <a:ext cx="3168352" cy="1477328"/>
+          </a:xfrm>
+          <a:prstGeom prst="rect">
+            <a:avLst/>
+          </a:prstGeom>
+          <a:noFill/>
+        </p:spPr>
+        <p:txBody>
+          <a:bodyPr wrap="square" rtlCol="0">
+            <a:spAutoFit/>
+          </a:bodyPr>
+          <a:lstStyle/>
+          <a:p>
+            <a:r>
+              <a:rPr lang="en-CH" sz="1800">
+                <a:latin typeface="+mn-lt"/>
+              </a:rPr>
+              <a:t>GitHub </a:t>
+            </a:r>
+            <a:r>
+              <a:rPr lang="de-DE" sz="1800" dirty="0">
+                <a:latin typeface="+mn-lt"/>
+              </a:rPr>
+              <a:t>A</a:t>
+            </a:r>
+            <a:r>
+              <a:rPr lang="en-CH" sz="1800">
+                <a:latin typeface="+mn-lt"/>
+              </a:rPr>
+              <a:t>ctions </a:t>
+            </a:r>
+            <a:r>
+              <a:rPr lang="en-CH" sz="1800" dirty="0">
+                <a:latin typeface="+mn-lt"/>
+              </a:rPr>
+              <a:t>is at the moment the preferred choice for many open source projects. It is very flexible and well integrated with GitHub.</a:t>
+            </a:r>
+          </a:p>
+        </p:txBody>
+      </p:sp>
     </p:spTree>
     <p:extLst>
       <p:ext uri="{BB962C8B-B14F-4D97-AF65-F5344CB8AC3E}">
@@ -6554,7 +11644,7 @@
           <p:cNvPr id="2" name="Title 1">
             <a:extLst>
               <a:ext uri="{FF2B5EF4-FFF2-40B4-BE49-F238E27FC236}">
-                <a16:creationId xmlns:a16="http://schemas.microsoft.com/office/drawing/2014/main" id="{BD476358-0FD2-764F-AEC5-3A574E8F39D1}"/>
+                <a16:creationId xmlns:a16="http://schemas.microsoft.com/office/drawing/2014/main" id="{4993AE45-A766-0F4D-9D65-D692ECB4ED00}"/>
               </a:ext>
             </a:extLst>
           </p:cNvPr>
@@ -6571,18 +11661,43 @@
           <a:lstStyle/>
           <a:p>
             <a:r>
-              <a:rPr lang="en-CH" dirty="0"/>
-              <a:t>GitHub Actions basic ideas</a:t>
-            </a:r>
-          </a:p>
-        </p:txBody>
-      </p:sp>
-      <p:sp>
-        <p:nvSpPr>
-          <p:cNvPr id="3" name="Content Placeholder 2">
+              <a:rPr lang="de-DE" dirty="0"/>
+              <a:t>Collaborative </a:t>
+            </a:r>
+            <a:r>
+              <a:rPr lang="de-DE" dirty="0" err="1"/>
+              <a:t>development</a:t>
+            </a:r>
+            <a:r>
+              <a:rPr lang="de-DE" dirty="0"/>
+              <a:t> </a:t>
+            </a:r>
+            <a:r>
+              <a:rPr lang="de-DE" dirty="0" err="1"/>
+              <a:t>with</a:t>
+            </a:r>
+            <a:r>
+              <a:rPr lang="de-DE" dirty="0"/>
+              <a:t> </a:t>
+            </a:r>
+            <a:r>
+              <a:rPr lang="de-DE" dirty="0" err="1"/>
+              <a:t>GitHub</a:t>
+            </a:r>
+            <a:r>
+              <a:rPr lang="de-DE" dirty="0"/>
+              <a:t> Actions</a:t>
+            </a:r>
+            <a:endParaRPr lang="en-CH" dirty="0"/>
+          </a:p>
+        </p:txBody>
+      </p:sp>
+      <p:sp>
+        <p:nvSpPr>
+          <p:cNvPr id="4" name="Date Placeholder 3">
             <a:extLst>
               <a:ext uri="{FF2B5EF4-FFF2-40B4-BE49-F238E27FC236}">
-                <a16:creationId xmlns:a16="http://schemas.microsoft.com/office/drawing/2014/main" id="{6D76AC3E-727D-9345-BF91-E141F622FCB8}"/>
+                <a16:creationId xmlns:a16="http://schemas.microsoft.com/office/drawing/2014/main" id="{BB7DFD63-E8DE-9344-BDD0-A143F8BD67AC}"/>
               </a:ext>
             </a:extLst>
           </p:cNvPr>
@@ -6590,7 +11705,7 @@
             <a:spLocks noGrp="1"/>
           </p:cNvSpPr>
           <p:nvPr>
-            <p:ph sz="quarter" idx="1"/>
+            <p:ph type="dt" sz="half" idx="10"/>
           </p:nvPr>
         </p:nvSpPr>
         <p:spPr/>
@@ -6599,35 +11714,19 @@
           <a:lstStyle/>
           <a:p>
             <a:r>
-              <a:rPr lang="en-CH" dirty="0"/>
-              <a:t>An event occurs, it has an associated commit SHA</a:t>
-            </a:r>
-          </a:p>
-          <a:p>
-            <a:r>
-              <a:rPr lang="en-CH" dirty="0"/>
-              <a:t>GitHub searches for config files in .github/workflows at that SHA, and looks if there is a trigger that matches the event (the “on:” part of the config file</a:t>
-            </a:r>
-          </a:p>
-          <a:p>
-            <a:r>
-              <a:rPr lang="en-CH" dirty="0"/>
-              <a:t>It then creates a virtual machine as specified in the config file and runs the commands </a:t>
-            </a:r>
-            <a:r>
-              <a:rPr lang="en-CH"/>
-              <a:t>listed there</a:t>
-            </a:r>
-            <a:endParaRPr lang="en-CH" dirty="0"/>
-          </a:p>
-        </p:txBody>
-      </p:sp>
-      <p:sp>
-        <p:nvSpPr>
-          <p:cNvPr id="4" name="Date Placeholder 3">
+              <a:rPr lang="de-CH" sz="1000"/>
+              <a:t>August 2021, CC BY-SA 4.0</a:t>
+            </a:r>
+            <a:endParaRPr lang="en-US" sz="1000" dirty="0"/>
+          </a:p>
+        </p:txBody>
+      </p:sp>
+      <p:sp>
+        <p:nvSpPr>
+          <p:cNvPr id="5" name="Footer Placeholder 4">
             <a:extLst>
               <a:ext uri="{FF2B5EF4-FFF2-40B4-BE49-F238E27FC236}">
-                <a16:creationId xmlns:a16="http://schemas.microsoft.com/office/drawing/2014/main" id="{01B74FBB-6928-0E40-87F8-3689137B6A44}"/>
+                <a16:creationId xmlns:a16="http://schemas.microsoft.com/office/drawing/2014/main" id="{5138C878-C3D9-AC4C-BDD7-9EFA39DFB1A1}"/>
               </a:ext>
             </a:extLst>
           </p:cNvPr>
@@ -6635,7 +11734,7 @@
             <a:spLocks noGrp="1"/>
           </p:cNvSpPr>
           <p:nvPr>
-            <p:ph type="dt" sz="half" idx="10"/>
+            <p:ph type="ftr" sz="quarter" idx="11"/>
           </p:nvPr>
         </p:nvSpPr>
         <p:spPr/>
@@ -6644,46 +11743,88 @@
           <a:lstStyle/>
           <a:p>
             <a:r>
-              <a:rPr lang="en-US" sz="1000"/>
-              <a:t>August 2019, CC BY-SA 4.0</a:t>
-            </a:r>
-            <a:endParaRPr lang="en-US" sz="1000" dirty="0"/>
-          </a:p>
-        </p:txBody>
-      </p:sp>
-      <p:sp>
-        <p:nvSpPr>
-          <p:cNvPr id="5" name="Footer Placeholder 4">
+              <a:rPr lang="en-US"/>
+              <a:t>Continuous integration, v1.0</a:t>
+            </a:r>
+            <a:endParaRPr lang="en-US" dirty="0"/>
+          </a:p>
+        </p:txBody>
+      </p:sp>
+      <p:sp>
+        <p:nvSpPr>
+          <p:cNvPr id="3" name="TextBox 2">
             <a:extLst>
               <a:ext uri="{FF2B5EF4-FFF2-40B4-BE49-F238E27FC236}">
-                <a16:creationId xmlns:a16="http://schemas.microsoft.com/office/drawing/2014/main" id="{4FB5E559-28D2-B742-A608-B353E85B9786}"/>
+                <a16:creationId xmlns:a16="http://schemas.microsoft.com/office/drawing/2014/main" id="{BD2CD179-DAE0-6E46-ADCE-D39859FCD15C}"/>
               </a:ext>
             </a:extLst>
           </p:cNvPr>
-          <p:cNvSpPr>
-            <a:spLocks noGrp="1"/>
-          </p:cNvSpPr>
-          <p:nvPr>
-            <p:ph type="ftr" sz="quarter" idx="11"/>
-          </p:nvPr>
-        </p:nvSpPr>
-        <p:spPr/>
-        <p:txBody>
-          <a:bodyPr/>
-          <a:lstStyle/>
-          <a:p>
-            <a:r>
-              <a:rPr lang="en-US"/>
-              <a:t>Testing scientific code, v12.0</a:t>
-            </a:r>
-            <a:endParaRPr lang="en-US" dirty="0"/>
-          </a:p>
-        </p:txBody>
-      </p:sp>
+          <p:cNvSpPr txBox="1"/>
+          <p:nvPr/>
+        </p:nvSpPr>
+        <p:spPr>
+          <a:xfrm>
+            <a:off x="6696128" y="2595513"/>
+            <a:ext cx="2289048" cy="1631216"/>
+          </a:xfrm>
+          <a:prstGeom prst="rect">
+            <a:avLst/>
+          </a:prstGeom>
+          <a:noFill/>
+        </p:spPr>
+        <p:txBody>
+          <a:bodyPr wrap="square" rtlCol="0">
+            <a:spAutoFit/>
+          </a:bodyPr>
+          <a:lstStyle/>
+          <a:p>
+            <a:r>
+              <a:rPr lang="en-CH" sz="2000" dirty="0"/>
+              <a:t>GitHub acts as both the central repository and the CI server, but the rest is the same</a:t>
+            </a:r>
+          </a:p>
+        </p:txBody>
+      </p:sp>
+      <p:pic>
+        <p:nvPicPr>
+          <p:cNvPr id="7" name="Picture 6" descr="A picture containing application&#10;&#10;Description automatically generated">
+            <a:extLst>
+              <a:ext uri="{FF2B5EF4-FFF2-40B4-BE49-F238E27FC236}">
+                <a16:creationId xmlns:a16="http://schemas.microsoft.com/office/drawing/2014/main" id="{53415463-8305-1844-AC9E-24F1997C7A86}"/>
+              </a:ext>
+            </a:extLst>
+          </p:cNvPr>
+          <p:cNvPicPr>
+            <a:picLocks noChangeAspect="1"/>
+          </p:cNvPicPr>
+          <p:nvPr/>
+        </p:nvPicPr>
+        <p:blipFill>
+          <a:blip r:embed="rId2">
+            <a:extLst>
+              <a:ext uri="{28A0092B-C50C-407E-A947-70E740481C1C}">
+                <a14:useLocalDpi xmlns:a14="http://schemas.microsoft.com/office/drawing/2010/main" val="0"/>
+              </a:ext>
+            </a:extLst>
+          </a:blip>
+          <a:stretch>
+            <a:fillRect/>
+          </a:stretch>
+        </p:blipFill>
+        <p:spPr>
+          <a:xfrm>
+            <a:off x="524274" y="1143001"/>
+            <a:ext cx="6063950" cy="5382344"/>
+          </a:xfrm>
+          <a:prstGeom prst="rect">
+            <a:avLst/>
+          </a:prstGeom>
+        </p:spPr>
+      </p:pic>
     </p:spTree>
     <p:extLst>
       <p:ext uri="{BB962C8B-B14F-4D97-AF65-F5344CB8AC3E}">
-        <p14:creationId xmlns:p14="http://schemas.microsoft.com/office/powerpoint/2010/main" val="3315879559"/>
+        <p14:creationId xmlns:p14="http://schemas.microsoft.com/office/powerpoint/2010/main" val="2659219238"/>
       </p:ext>
     </p:extLst>
   </p:cSld>
@@ -6759,17 +11900,80 @@
           <a:bodyPr/>
           <a:lstStyle/>
           <a:p>
+            <a:pPr marL="0" indent="0">
+              <a:buNone/>
+            </a:pPr>
+            <a:r>
+              <a:rPr lang="en-CH" dirty="0"/>
+              <a:t>An event occurs, it has an associated commit SHA</a:t>
+            </a:r>
+            <a:br>
+              <a:rPr lang="en-CH" dirty="0"/>
+            </a:br>
+            <a:r>
+              <a:rPr lang="en-CH" dirty="0"/>
+              <a:t>(e.g., a PR is opened or a commit tag is pushed)</a:t>
+            </a:r>
+          </a:p>
+          <a:p>
+            <a:pPr marL="0" indent="0">
+              <a:buNone/>
+            </a:pPr>
+            <a:endParaRPr lang="de-DE" dirty="0"/>
+          </a:p>
+          <a:p>
+            <a:pPr marL="0" indent="0">
+              <a:buNone/>
+            </a:pPr>
             <a:r>
               <a:rPr lang="en-CH"/>
-              <a:t>The </a:t>
+              <a:t>GitHub </a:t>
             </a:r>
             <a:r>
               <a:rPr lang="en-CH" dirty="0"/>
-              <a:t>outcome is logged and if the job exits cleanly it is marked as ”passed” otherwise “failed”</a:t>
-            </a:r>
-          </a:p>
-          <a:p>
-            <a:endParaRPr lang="en-CH" dirty="0"/>
+              <a:t>searches for config files in </a:t>
+            </a:r>
+            <a:r>
+              <a:rPr lang="en-CH" sz="2000" dirty="0">
+                <a:latin typeface="Courier New" panose="02070309020205020404" pitchFamily="49" charset="0"/>
+                <a:cs typeface="Courier New" panose="02070309020205020404" pitchFamily="49" charset="0"/>
+              </a:rPr>
+              <a:t>.github/workflows </a:t>
+            </a:r>
+            <a:r>
+              <a:rPr lang="en-CH" dirty="0"/>
+              <a:t>at that SHA, and looks if there is a trigger that matches the event (the “</a:t>
+            </a:r>
+            <a:r>
+              <a:rPr lang="en-CH" dirty="0">
+                <a:latin typeface="Courier New" panose="02070309020205020404" pitchFamily="49" charset="0"/>
+                <a:cs typeface="Courier New" panose="02070309020205020404" pitchFamily="49" charset="0"/>
+              </a:rPr>
+              <a:t>on:</a:t>
+            </a:r>
+            <a:r>
+              <a:rPr lang="en-CH" dirty="0"/>
+              <a:t>” part of the config file)</a:t>
+            </a:r>
+          </a:p>
+          <a:p>
+            <a:pPr marL="0" indent="0">
+              <a:buNone/>
+            </a:pPr>
+            <a:endParaRPr lang="de-DE" dirty="0"/>
+          </a:p>
+          <a:p>
+            <a:pPr marL="0" indent="0">
+              <a:buNone/>
+            </a:pPr>
+            <a:r>
+              <a:rPr lang="en-CH"/>
+              <a:t>It </a:t>
+            </a:r>
+            <a:r>
+              <a:rPr lang="en-CH" dirty="0"/>
+              <a:t>then creates a virtual machine as specified in the config file and runs the commands listed there</a:t>
+            </a:r>
           </a:p>
         </p:txBody>
       </p:sp>
@@ -6795,8 +11999,8 @@
           <a:lstStyle/>
           <a:p>
             <a:r>
-              <a:rPr lang="en-US" sz="1000"/>
-              <a:t>August 2019, CC BY-SA 4.0</a:t>
+              <a:rPr lang="de-CH" sz="1000"/>
+              <a:t>August 2021, CC BY-SA 4.0</a:t>
             </a:r>
             <a:endParaRPr lang="en-US" sz="1000" dirty="0"/>
           </a:p>
@@ -6825,7 +12029,252 @@
           <a:p>
             <a:r>
               <a:rPr lang="en-US"/>
-              <a:t>Testing scientific code, v12.0</a:t>
+              <a:t>Continuous integration, v1.0</a:t>
+            </a:r>
+            <a:endParaRPr lang="en-US" dirty="0"/>
+          </a:p>
+        </p:txBody>
+      </p:sp>
+      <p:sp>
+        <p:nvSpPr>
+          <p:cNvPr id="6" name="Down Arrow 5">
+            <a:extLst>
+              <a:ext uri="{FF2B5EF4-FFF2-40B4-BE49-F238E27FC236}">
+                <a16:creationId xmlns:a16="http://schemas.microsoft.com/office/drawing/2014/main" id="{50A72591-34F8-1346-A0C1-FA32BF9E01FA}"/>
+              </a:ext>
+            </a:extLst>
+          </p:cNvPr>
+          <p:cNvSpPr/>
+          <p:nvPr/>
+        </p:nvSpPr>
+        <p:spPr>
+          <a:xfrm>
+            <a:off x="4139952" y="2060848"/>
+            <a:ext cx="720080" cy="504056"/>
+          </a:xfrm>
+          <a:prstGeom prst="downArrow">
+            <a:avLst/>
+          </a:prstGeom>
+        </p:spPr>
+        <p:style>
+          <a:lnRef idx="2">
+            <a:schemeClr val="dk1">
+              <a:shade val="50000"/>
+            </a:schemeClr>
+          </a:lnRef>
+          <a:fillRef idx="1">
+            <a:schemeClr val="dk1"/>
+          </a:fillRef>
+          <a:effectRef idx="0">
+            <a:schemeClr val="dk1"/>
+          </a:effectRef>
+          <a:fontRef idx="minor">
+            <a:schemeClr val="lt1"/>
+          </a:fontRef>
+        </p:style>
+        <p:txBody>
+          <a:bodyPr rtlCol="0" anchor="ctr"/>
+          <a:lstStyle/>
+          <a:p>
+            <a:pPr algn="ctr"/>
+            <a:endParaRPr lang="en-DE"/>
+          </a:p>
+        </p:txBody>
+      </p:sp>
+      <p:sp>
+        <p:nvSpPr>
+          <p:cNvPr id="7" name="Down Arrow 6">
+            <a:extLst>
+              <a:ext uri="{FF2B5EF4-FFF2-40B4-BE49-F238E27FC236}">
+                <a16:creationId xmlns:a16="http://schemas.microsoft.com/office/drawing/2014/main" id="{CDB19F76-86CF-6A42-A378-4363121B737B}"/>
+              </a:ext>
+            </a:extLst>
+          </p:cNvPr>
+          <p:cNvSpPr/>
+          <p:nvPr/>
+        </p:nvSpPr>
+        <p:spPr>
+          <a:xfrm>
+            <a:off x="4139952" y="3897053"/>
+            <a:ext cx="720080" cy="504056"/>
+          </a:xfrm>
+          <a:prstGeom prst="downArrow">
+            <a:avLst/>
+          </a:prstGeom>
+        </p:spPr>
+        <p:style>
+          <a:lnRef idx="2">
+            <a:schemeClr val="dk1">
+              <a:shade val="50000"/>
+            </a:schemeClr>
+          </a:lnRef>
+          <a:fillRef idx="1">
+            <a:schemeClr val="dk1"/>
+          </a:fillRef>
+          <a:effectRef idx="0">
+            <a:schemeClr val="dk1"/>
+          </a:effectRef>
+          <a:fontRef idx="minor">
+            <a:schemeClr val="lt1"/>
+          </a:fontRef>
+        </p:style>
+        <p:txBody>
+          <a:bodyPr rtlCol="0" anchor="ctr"/>
+          <a:lstStyle/>
+          <a:p>
+            <a:pPr algn="ctr"/>
+            <a:endParaRPr lang="en-DE"/>
+          </a:p>
+        </p:txBody>
+      </p:sp>
+    </p:spTree>
+    <p:extLst>
+      <p:ext uri="{BB962C8B-B14F-4D97-AF65-F5344CB8AC3E}">
+        <p14:creationId xmlns:p14="http://schemas.microsoft.com/office/powerpoint/2010/main" val="3315879559"/>
+      </p:ext>
+    </p:extLst>
+  </p:cSld>
+  <p:clrMapOvr>
+    <a:masterClrMapping/>
+  </p:clrMapOvr>
+</p:sld>
+</file>
+
+<file path=ppt/slides/slide9.xml><?xml version="1.0" encoding="utf-8"?>
+<p:sld xmlns:a="http://schemas.openxmlformats.org/drawingml/2006/main" xmlns:r="http://schemas.openxmlformats.org/officeDocument/2006/relationships" xmlns:p="http://schemas.openxmlformats.org/presentationml/2006/main">
+  <p:cSld>
+    <p:spTree>
+      <p:nvGrpSpPr>
+        <p:cNvPr id="1" name=""/>
+        <p:cNvGrpSpPr/>
+        <p:nvPr/>
+      </p:nvGrpSpPr>
+      <p:grpSpPr>
+        <a:xfrm>
+          <a:off x="0" y="0"/>
+          <a:ext cx="0" cy="0"/>
+          <a:chOff x="0" y="0"/>
+          <a:chExt cx="0" cy="0"/>
+        </a:xfrm>
+      </p:grpSpPr>
+      <p:sp>
+        <p:nvSpPr>
+          <p:cNvPr id="2" name="Title 1">
+            <a:extLst>
+              <a:ext uri="{FF2B5EF4-FFF2-40B4-BE49-F238E27FC236}">
+                <a16:creationId xmlns:a16="http://schemas.microsoft.com/office/drawing/2014/main" id="{BD476358-0FD2-764F-AEC5-3A574E8F39D1}"/>
+              </a:ext>
+            </a:extLst>
+          </p:cNvPr>
+          <p:cNvSpPr>
+            <a:spLocks noGrp="1"/>
+          </p:cNvSpPr>
+          <p:nvPr>
+            <p:ph type="title"/>
+          </p:nvPr>
+        </p:nvSpPr>
+        <p:spPr/>
+        <p:txBody>
+          <a:bodyPr/>
+          <a:lstStyle/>
+          <a:p>
+            <a:r>
+              <a:rPr lang="en-CH" dirty="0"/>
+              <a:t>GitHub Actions basic ideas</a:t>
+            </a:r>
+          </a:p>
+        </p:txBody>
+      </p:sp>
+      <p:sp>
+        <p:nvSpPr>
+          <p:cNvPr id="3" name="Content Placeholder 2">
+            <a:extLst>
+              <a:ext uri="{FF2B5EF4-FFF2-40B4-BE49-F238E27FC236}">
+                <a16:creationId xmlns:a16="http://schemas.microsoft.com/office/drawing/2014/main" id="{6D76AC3E-727D-9345-BF91-E141F622FCB8}"/>
+              </a:ext>
+            </a:extLst>
+          </p:cNvPr>
+          <p:cNvSpPr>
+            <a:spLocks noGrp="1"/>
+          </p:cNvSpPr>
+          <p:nvPr>
+            <p:ph sz="quarter" idx="1"/>
+          </p:nvPr>
+        </p:nvSpPr>
+        <p:spPr/>
+        <p:txBody>
+          <a:bodyPr/>
+          <a:lstStyle/>
+          <a:p>
+            <a:r>
+              <a:rPr lang="en-CH"/>
+              <a:t>The </a:t>
+            </a:r>
+            <a:r>
+              <a:rPr lang="en-CH" dirty="0"/>
+              <a:t>outcome is logged and if the job exits cleanly it is marked as ”passed” otherwise “</a:t>
+            </a:r>
+            <a:r>
+              <a:rPr lang="en-CH"/>
+              <a:t>failed”</a:t>
+            </a:r>
+            <a:endParaRPr lang="de-DE" dirty="0"/>
+          </a:p>
+        </p:txBody>
+      </p:sp>
+      <p:sp>
+        <p:nvSpPr>
+          <p:cNvPr id="4" name="Date Placeholder 3">
+            <a:extLst>
+              <a:ext uri="{FF2B5EF4-FFF2-40B4-BE49-F238E27FC236}">
+                <a16:creationId xmlns:a16="http://schemas.microsoft.com/office/drawing/2014/main" id="{01B74FBB-6928-0E40-87F8-3689137B6A44}"/>
+              </a:ext>
+            </a:extLst>
+          </p:cNvPr>
+          <p:cNvSpPr>
+            <a:spLocks noGrp="1"/>
+          </p:cNvSpPr>
+          <p:nvPr>
+            <p:ph type="dt" sz="half" idx="10"/>
+          </p:nvPr>
+        </p:nvSpPr>
+        <p:spPr/>
+        <p:txBody>
+          <a:bodyPr/>
+          <a:lstStyle/>
+          <a:p>
+            <a:r>
+              <a:rPr lang="de-CH" sz="1000"/>
+              <a:t>August 2021, CC BY-SA 4.0</a:t>
+            </a:r>
+            <a:endParaRPr lang="en-US" sz="1000" dirty="0"/>
+          </a:p>
+        </p:txBody>
+      </p:sp>
+      <p:sp>
+        <p:nvSpPr>
+          <p:cNvPr id="5" name="Footer Placeholder 4">
+            <a:extLst>
+              <a:ext uri="{FF2B5EF4-FFF2-40B4-BE49-F238E27FC236}">
+                <a16:creationId xmlns:a16="http://schemas.microsoft.com/office/drawing/2014/main" id="{4FB5E559-28D2-B742-A608-B353E85B9786}"/>
+              </a:ext>
+            </a:extLst>
+          </p:cNvPr>
+          <p:cNvSpPr>
+            <a:spLocks noGrp="1"/>
+          </p:cNvSpPr>
+          <p:nvPr>
+            <p:ph type="ftr" sz="quarter" idx="11"/>
+          </p:nvPr>
+        </p:nvSpPr>
+        <p:spPr/>
+        <p:txBody>
+          <a:bodyPr/>
+          <a:lstStyle/>
+          <a:p>
+            <a:r>
+              <a:rPr lang="en-US"/>
+              <a:t>Continuous integration, v1.0</a:t>
             </a:r>
             <a:endParaRPr lang="en-US" dirty="0"/>
           </a:p>
@@ -6859,7 +12308,7 @@
         </p:blipFill>
         <p:spPr>
           <a:xfrm>
-            <a:off x="457200" y="2270610"/>
+            <a:off x="467544" y="2562762"/>
             <a:ext cx="5328592" cy="2316779"/>
           </a:xfrm>
           <a:prstGeom prst="rect">
@@ -6895,7 +12344,7 @@
         </p:blipFill>
         <p:spPr>
           <a:xfrm>
-            <a:off x="3243876" y="3628398"/>
+            <a:off x="3254220" y="3920550"/>
             <a:ext cx="5442924" cy="2316762"/>
           </a:xfrm>
           <a:prstGeom prst="rect">
@@ -6907,248 +12356,6 @@
     <p:extLst>
       <p:ext uri="{BB962C8B-B14F-4D97-AF65-F5344CB8AC3E}">
         <p14:creationId xmlns:p14="http://schemas.microsoft.com/office/powerpoint/2010/main" val="4034475540"/>
-      </p:ext>
-    </p:extLst>
-  </p:cSld>
-  <p:clrMapOvr>
-    <a:masterClrMapping/>
-  </p:clrMapOvr>
-</p:sld>
-</file>
-
-<file path=ppt/slides/slide9.xml><?xml version="1.0" encoding="utf-8"?>
-<p:sld xmlns:a="http://schemas.openxmlformats.org/drawingml/2006/main" xmlns:r="http://schemas.openxmlformats.org/officeDocument/2006/relationships" xmlns:p="http://schemas.openxmlformats.org/presentationml/2006/main">
-  <p:cSld>
-    <p:spTree>
-      <p:nvGrpSpPr>
-        <p:cNvPr id="1" name=""/>
-        <p:cNvGrpSpPr/>
-        <p:nvPr/>
-      </p:nvGrpSpPr>
-      <p:grpSpPr>
-        <a:xfrm>
-          <a:off x="0" y="0"/>
-          <a:ext cx="0" cy="0"/>
-          <a:chOff x="0" y="0"/>
-          <a:chExt cx="0" cy="0"/>
-        </a:xfrm>
-      </p:grpSpPr>
-      <p:sp>
-        <p:nvSpPr>
-          <p:cNvPr id="2" name="Title 1">
-            <a:extLst>
-              <a:ext uri="{FF2B5EF4-FFF2-40B4-BE49-F238E27FC236}">
-                <a16:creationId xmlns:a16="http://schemas.microsoft.com/office/drawing/2014/main" id="{33165359-9CD5-EF41-9C08-A5F425B6C08E}"/>
-              </a:ext>
-            </a:extLst>
-          </p:cNvPr>
-          <p:cNvSpPr>
-            <a:spLocks noGrp="1"/>
-          </p:cNvSpPr>
-          <p:nvPr>
-            <p:ph type="title"/>
-          </p:nvPr>
-        </p:nvSpPr>
-        <p:spPr/>
-        <p:txBody>
-          <a:bodyPr/>
-          <a:lstStyle/>
-          <a:p>
-            <a:r>
-              <a:rPr lang="en-CH" dirty="0"/>
-              <a:t>GitHub </a:t>
-            </a:r>
-            <a:r>
-              <a:rPr lang="en-CH"/>
-              <a:t>config file </a:t>
-            </a:r>
-            <a:endParaRPr lang="en-CH" dirty="0"/>
-          </a:p>
-        </p:txBody>
-      </p:sp>
-      <p:sp>
-        <p:nvSpPr>
-          <p:cNvPr id="3" name="Content Placeholder 2">
-            <a:extLst>
-              <a:ext uri="{FF2B5EF4-FFF2-40B4-BE49-F238E27FC236}">
-                <a16:creationId xmlns:a16="http://schemas.microsoft.com/office/drawing/2014/main" id="{1C9C9C51-D00C-9945-9623-98BDACA07638}"/>
-              </a:ext>
-            </a:extLst>
-          </p:cNvPr>
-          <p:cNvSpPr>
-            <a:spLocks noGrp="1"/>
-          </p:cNvSpPr>
-          <p:nvPr>
-            <p:ph sz="quarter" idx="1"/>
-          </p:nvPr>
-        </p:nvSpPr>
-        <p:spPr/>
-        <p:txBody>
-          <a:bodyPr/>
-          <a:lstStyle/>
-          <a:p>
-            <a:r>
-              <a:rPr lang="en-CH"/>
-              <a:t>what i</a:t>
-            </a:r>
-            <a:r>
-              <a:rPr lang="de-DE" dirty="0"/>
-              <a:t>t</a:t>
-            </a:r>
-            <a:r>
-              <a:rPr lang="en-CH"/>
-              <a:t> looks like</a:t>
-            </a:r>
-            <a:r>
-              <a:rPr lang="de-DE" dirty="0"/>
-              <a:t> (</a:t>
-            </a:r>
-            <a:r>
-              <a:rPr lang="de-DE" dirty="0" err="1"/>
-              <a:t>show</a:t>
-            </a:r>
-            <a:r>
-              <a:rPr lang="de-DE" dirty="0"/>
-              <a:t> </a:t>
-            </a:r>
-            <a:r>
-              <a:rPr lang="de-DE" dirty="0" err="1"/>
-              <a:t>example</a:t>
-            </a:r>
-            <a:r>
-              <a:rPr lang="de-DE" dirty="0"/>
-              <a:t> </a:t>
-            </a:r>
-            <a:r>
-              <a:rPr lang="de-DE" dirty="0" err="1"/>
-              <a:t>with</a:t>
-            </a:r>
-            <a:r>
-              <a:rPr lang="de-DE" dirty="0"/>
-              <a:t> all </a:t>
-            </a:r>
-            <a:r>
-              <a:rPr lang="de-DE" dirty="0" err="1"/>
-              <a:t>the</a:t>
-            </a:r>
-            <a:r>
-              <a:rPr lang="de-DE" dirty="0"/>
-              <a:t> </a:t>
-            </a:r>
-            <a:r>
-              <a:rPr lang="de-DE" dirty="0" err="1"/>
-              <a:t>options</a:t>
-            </a:r>
-            <a:r>
-              <a:rPr lang="de-DE" dirty="0"/>
-              <a:t> </a:t>
-            </a:r>
-            <a:r>
-              <a:rPr lang="de-DE" dirty="0" err="1"/>
-              <a:t>enabled</a:t>
-            </a:r>
-            <a:r>
-              <a:rPr lang="de-DE" dirty="0"/>
-              <a:t> like in </a:t>
-            </a:r>
-            <a:r>
-              <a:rPr lang="de-DE" dirty="0" err="1"/>
-              <a:t>pelita</a:t>
-            </a:r>
-            <a:r>
-              <a:rPr lang="de-DE" dirty="0"/>
-              <a:t>?)</a:t>
-            </a:r>
-            <a:endParaRPr lang="en-CH" dirty="0"/>
-          </a:p>
-          <a:p>
-            <a:r>
-              <a:rPr lang="en-GB" dirty="0"/>
-              <a:t>D</a:t>
-            </a:r>
-            <a:r>
-              <a:rPr lang="en-CH"/>
-              <a:t>emo</a:t>
-            </a:r>
-            <a:r>
-              <a:rPr lang="de-DE" dirty="0"/>
-              <a:t> (?)</a:t>
-            </a:r>
-            <a:endParaRPr lang="en-CH" dirty="0"/>
-          </a:p>
-          <a:p>
-            <a:pPr marL="0" indent="0">
-              <a:buNone/>
-            </a:pPr>
-            <a:endParaRPr lang="en-CH" dirty="0"/>
-          </a:p>
-          <a:p>
-            <a:endParaRPr lang="en-CH" dirty="0"/>
-          </a:p>
-        </p:txBody>
-      </p:sp>
-      <p:sp>
-        <p:nvSpPr>
-          <p:cNvPr id="4" name="Date Placeholder 3">
-            <a:extLst>
-              <a:ext uri="{FF2B5EF4-FFF2-40B4-BE49-F238E27FC236}">
-                <a16:creationId xmlns:a16="http://schemas.microsoft.com/office/drawing/2014/main" id="{06E829B2-1694-924F-8E80-036B417E1533}"/>
-              </a:ext>
-            </a:extLst>
-          </p:cNvPr>
-          <p:cNvSpPr>
-            <a:spLocks noGrp="1"/>
-          </p:cNvSpPr>
-          <p:nvPr>
-            <p:ph type="dt" sz="half" idx="10"/>
-          </p:nvPr>
-        </p:nvSpPr>
-        <p:spPr/>
-        <p:txBody>
-          <a:bodyPr/>
-          <a:lstStyle/>
-          <a:p>
-            <a:r>
-              <a:rPr lang="en-US" sz="1000"/>
-              <a:t>August 2019, CC BY-SA 4.0</a:t>
-            </a:r>
-            <a:endParaRPr lang="en-US" sz="1000" dirty="0"/>
-          </a:p>
-        </p:txBody>
-      </p:sp>
-      <p:sp>
-        <p:nvSpPr>
-          <p:cNvPr id="5" name="Footer Placeholder 4">
-            <a:extLst>
-              <a:ext uri="{FF2B5EF4-FFF2-40B4-BE49-F238E27FC236}">
-                <a16:creationId xmlns:a16="http://schemas.microsoft.com/office/drawing/2014/main" id="{AFBE3539-299D-3540-AAA7-1CDBAAD0E777}"/>
-              </a:ext>
-            </a:extLst>
-          </p:cNvPr>
-          <p:cNvSpPr>
-            <a:spLocks noGrp="1"/>
-          </p:cNvSpPr>
-          <p:nvPr>
-            <p:ph type="ftr" sz="quarter" idx="11"/>
-          </p:nvPr>
-        </p:nvSpPr>
-        <p:spPr/>
-        <p:txBody>
-          <a:bodyPr/>
-          <a:lstStyle/>
-          <a:p>
-            <a:r>
-              <a:rPr lang="en-US"/>
-              <a:t>Testing scientific code, v12.0</a:t>
-            </a:r>
-            <a:endParaRPr lang="en-US" dirty="0"/>
-          </a:p>
-        </p:txBody>
-      </p:sp>
-    </p:spTree>
-    <p:extLst>
-      <p:ext uri="{BB962C8B-B14F-4D97-AF65-F5344CB8AC3E}">
-        <p14:creationId xmlns:p14="http://schemas.microsoft.com/office/powerpoint/2010/main" val="591404376"/>
       </p:ext>
     </p:extLst>
   </p:cSld>

--- a/continuous_integration.pptx
+++ b/continuous_integration.pptx
@@ -297,7 +297,7 @@
             <a:fld id="{80AC11AF-147E-0A48-A5B0-8DA858D84551}" type="datetimeFigureOut">
               <a:rPr lang="en-US" smtClean="0"/>
               <a:pPr/>
-              <a:t>8/22/21</a:t>
+              <a:t>8/23/21</a:t>
             </a:fld>
             <a:endParaRPr lang="en-US"/>
           </a:p>
@@ -6325,8 +6325,18 @@
               <a:t> </a:t>
             </a:r>
             <a:r>
+              <a:rPr lang="de-DE" dirty="0" err="1">
+                <a:cs typeface="Courier New" panose="02070309020205020404" pitchFamily="49" charset="0"/>
+              </a:rPr>
+              <a:t>r</a:t>
+            </a:r>
+            <a:r>
+              <a:rPr lang="de-DE" dirty="0" err="1"/>
+              <a:t>un</a:t>
+            </a:r>
+            <a:r>
               <a:rPr lang="de-DE" dirty="0"/>
-              <a:t>Run </a:t>
+              <a:t> </a:t>
             </a:r>
             <a:r>
               <a:rPr lang="de-DE" dirty="0" err="1"/>
@@ -9612,7 +9622,7 @@
               <a:rPr lang="en-CH" sz="2000" dirty="0">
                 <a:latin typeface="+mn-lt"/>
               </a:rPr>
-              <a:t>The tests might pass on one machine and/or the other, but not in a third-party environment (versions, OS, computer ghosts)</a:t>
+              <a:t>The tests might pass on one machine and/or the other, but not in a third-party environment (versions, OS, etc.)</a:t>
             </a:r>
           </a:p>
           <a:p>
@@ -11655,22 +11665,21 @@
             <p:ph type="title"/>
           </p:nvPr>
         </p:nvSpPr>
-        <p:spPr/>
-        <p:txBody>
-          <a:bodyPr/>
+        <p:spPr>
+          <a:xfrm>
+            <a:off x="457200" y="228600"/>
+            <a:ext cx="8527976" cy="914400"/>
+          </a:xfrm>
+        </p:spPr>
+        <p:txBody>
+          <a:bodyPr>
+            <a:normAutofit/>
+          </a:bodyPr>
           <a:lstStyle/>
           <a:p>
             <a:r>
               <a:rPr lang="de-DE" dirty="0"/>
-              <a:t>Collaborative </a:t>
-            </a:r>
-            <a:r>
-              <a:rPr lang="de-DE" dirty="0" err="1"/>
-              <a:t>development</a:t>
-            </a:r>
-            <a:r>
-              <a:rPr lang="de-DE" dirty="0"/>
-              <a:t> </a:t>
+              <a:t>Collaborative Development </a:t>
             </a:r>
             <a:r>
               <a:rPr lang="de-DE" dirty="0" err="1"/>
@@ -11926,12 +11935,8 @@
               <a:buNone/>
             </a:pPr>
             <a:r>
-              <a:rPr lang="en-CH"/>
-              <a:t>GitHub </a:t>
-            </a:r>
-            <a:r>
               <a:rPr lang="en-CH" dirty="0"/>
-              <a:t>searches for config files in </a:t>
+              <a:t>GitHub searches for config files in </a:t>
             </a:r>
             <a:r>
               <a:rPr lang="en-CH" sz="2000" dirty="0">
@@ -11942,37 +11947,26 @@
             </a:r>
             <a:r>
               <a:rPr lang="en-CH" dirty="0"/>
-              <a:t>at that SHA, and looks if there is a trigger that matches the event (the “</a:t>
-            </a:r>
-            <a:r>
-              <a:rPr lang="en-CH" dirty="0">
-                <a:latin typeface="Courier New" panose="02070309020205020404" pitchFamily="49" charset="0"/>
-                <a:cs typeface="Courier New" panose="02070309020205020404" pitchFamily="49" charset="0"/>
-              </a:rPr>
-              <a:t>on:</a:t>
-            </a:r>
-            <a:r>
+              <a:t>at that SHA, and looks if there is a trigger that matches the event</a:t>
+            </a:r>
+            <a:br>
               <a:rPr lang="en-CH" dirty="0"/>
-              <a:t>” part of the config file)</a:t>
-            </a:r>
+            </a:br>
+            <a:br>
+              <a:rPr lang="en-CH" dirty="0"/>
+            </a:br>
+            <a:br>
+              <a:rPr lang="en-CH" dirty="0"/>
+            </a:br>
+            <a:endParaRPr lang="de-DE" dirty="0"/>
           </a:p>
           <a:p>
             <a:pPr marL="0" indent="0">
               <a:buNone/>
             </a:pPr>
-            <a:endParaRPr lang="de-DE" dirty="0"/>
-          </a:p>
-          <a:p>
-            <a:pPr marL="0" indent="0">
-              <a:buNone/>
-            </a:pPr>
-            <a:r>
-              <a:rPr lang="en-CH"/>
-              <a:t>It </a:t>
-            </a:r>
             <a:r>
               <a:rPr lang="en-CH" dirty="0"/>
-              <a:t>then creates a virtual machine as specified in the config file and runs the commands listed there</a:t>
+              <a:t>It then creates a virtual machine as specified in the config file and runs the commands listed there</a:t>
             </a:r>
           </a:p>
         </p:txBody>

--- a/continuous_integration.pptx
+++ b/continuous_integration.pptx
@@ -29,11 +29,11 @@
     <p:sldId id="326" r:id="rId17"/>
     <p:sldId id="327" r:id="rId18"/>
     <p:sldId id="320" r:id="rId19"/>
-    <p:sldId id="328" r:id="rId20"/>
-    <p:sldId id="307" r:id="rId21"/>
-    <p:sldId id="321" r:id="rId22"/>
-    <p:sldId id="322" r:id="rId23"/>
-    <p:sldId id="288" r:id="rId24"/>
+    <p:sldId id="322" r:id="rId20"/>
+    <p:sldId id="288" r:id="rId21"/>
+    <p:sldId id="328" r:id="rId22"/>
+    <p:sldId id="307" r:id="rId23"/>
+    <p:sldId id="321" r:id="rId24"/>
     <p:sldId id="298" r:id="rId25"/>
   </p:sldIdLst>
   <p:sldSz cx="9144000" cy="6858000" type="screen4x3"/>
@@ -186,11 +186,11 @@
             <p14:sldId id="326"/>
             <p14:sldId id="327"/>
             <p14:sldId id="320"/>
+            <p14:sldId id="322"/>
+            <p14:sldId id="288"/>
             <p14:sldId id="328"/>
             <p14:sldId id="307"/>
             <p14:sldId id="321"/>
-            <p14:sldId id="322"/>
-            <p14:sldId id="288"/>
             <p14:sldId id="298"/>
           </p14:sldIdLst>
         </p14:section>
@@ -297,7 +297,7 @@
             <a:fld id="{80AC11AF-147E-0A48-A5B0-8DA858D84551}" type="datetimeFigureOut">
               <a:rPr lang="en-US" smtClean="0"/>
               <a:pPr/>
-              <a:t>8/23/21</a:t>
+              <a:t>8/24/22</a:t>
             </a:fld>
             <a:endParaRPr lang="en-US"/>
           </a:p>
@@ -8965,6 +8965,524 @@
           <p:cNvPr id="2" name="Title 1">
             <a:extLst>
               <a:ext uri="{FF2B5EF4-FFF2-40B4-BE49-F238E27FC236}">
+                <a16:creationId xmlns:a16="http://schemas.microsoft.com/office/drawing/2014/main" id="{0209F7B9-B500-6A48-B3AA-7D5C6DC44CB2}"/>
+              </a:ext>
+            </a:extLst>
+          </p:cNvPr>
+          <p:cNvSpPr>
+            <a:spLocks noGrp="1"/>
+          </p:cNvSpPr>
+          <p:nvPr>
+            <p:ph type="title"/>
+          </p:nvPr>
+        </p:nvSpPr>
+        <p:spPr/>
+        <p:txBody>
+          <a:bodyPr/>
+          <a:lstStyle/>
+          <a:p>
+            <a:r>
+              <a:rPr lang="en-CH" dirty="0"/>
+              <a:t>Conclusions</a:t>
+            </a:r>
+          </a:p>
+        </p:txBody>
+      </p:sp>
+      <p:sp>
+        <p:nvSpPr>
+          <p:cNvPr id="3" name="Content Placeholder 2">
+            <a:extLst>
+              <a:ext uri="{FF2B5EF4-FFF2-40B4-BE49-F238E27FC236}">
+                <a16:creationId xmlns:a16="http://schemas.microsoft.com/office/drawing/2014/main" id="{B483744F-BEF5-0B46-9B81-355BEB76BA2A}"/>
+              </a:ext>
+            </a:extLst>
+          </p:cNvPr>
+          <p:cNvSpPr>
+            <a:spLocks noGrp="1"/>
+          </p:cNvSpPr>
+          <p:nvPr>
+            <p:ph sz="quarter" idx="1"/>
+          </p:nvPr>
+        </p:nvSpPr>
+        <p:spPr/>
+        <p:txBody>
+          <a:bodyPr/>
+          <a:lstStyle/>
+          <a:p>
+            <a:r>
+              <a:rPr lang="en-CH" dirty="0"/>
+              <a:t>It takes a bit of time to set up and debug a Continuous Integration workflow, but it’s a good investment that can save you a lot </a:t>
+            </a:r>
+            <a:r>
+              <a:rPr lang="en-CH"/>
+              <a:t>of time later on!</a:t>
+            </a:r>
+            <a:endParaRPr lang="en-CH" dirty="0"/>
+          </a:p>
+        </p:txBody>
+      </p:sp>
+      <p:sp>
+        <p:nvSpPr>
+          <p:cNvPr id="4" name="Date Placeholder 3">
+            <a:extLst>
+              <a:ext uri="{FF2B5EF4-FFF2-40B4-BE49-F238E27FC236}">
+                <a16:creationId xmlns:a16="http://schemas.microsoft.com/office/drawing/2014/main" id="{C03D37C7-B59B-1048-A802-78F6FA69F6C7}"/>
+              </a:ext>
+            </a:extLst>
+          </p:cNvPr>
+          <p:cNvSpPr>
+            <a:spLocks noGrp="1"/>
+          </p:cNvSpPr>
+          <p:nvPr>
+            <p:ph type="dt" sz="half" idx="10"/>
+          </p:nvPr>
+        </p:nvSpPr>
+        <p:spPr/>
+        <p:txBody>
+          <a:bodyPr/>
+          <a:lstStyle/>
+          <a:p>
+            <a:r>
+              <a:rPr lang="de-CH" sz="1000"/>
+              <a:t>August 2021, CC BY-SA 4.0</a:t>
+            </a:r>
+            <a:endParaRPr lang="en-US" sz="1000" dirty="0"/>
+          </a:p>
+        </p:txBody>
+      </p:sp>
+      <p:sp>
+        <p:nvSpPr>
+          <p:cNvPr id="5" name="Footer Placeholder 4">
+            <a:extLst>
+              <a:ext uri="{FF2B5EF4-FFF2-40B4-BE49-F238E27FC236}">
+                <a16:creationId xmlns:a16="http://schemas.microsoft.com/office/drawing/2014/main" id="{DB93DB5F-4A03-CA44-A54B-D5F34E39E00B}"/>
+              </a:ext>
+            </a:extLst>
+          </p:cNvPr>
+          <p:cNvSpPr>
+            <a:spLocks noGrp="1"/>
+          </p:cNvSpPr>
+          <p:nvPr>
+            <p:ph type="ftr" sz="quarter" idx="11"/>
+          </p:nvPr>
+        </p:nvSpPr>
+        <p:spPr/>
+        <p:txBody>
+          <a:bodyPr/>
+          <a:lstStyle/>
+          <a:p>
+            <a:r>
+              <a:rPr lang="en-US"/>
+              <a:t>Continuous integration, v1.0</a:t>
+            </a:r>
+            <a:endParaRPr lang="en-US" dirty="0"/>
+          </a:p>
+        </p:txBody>
+      </p:sp>
+      <p:pic>
+        <p:nvPicPr>
+          <p:cNvPr id="7" name="Picture 6" descr="A picture containing metalware, gear, white&#10;&#10;Description automatically generated">
+            <a:extLst>
+              <a:ext uri="{FF2B5EF4-FFF2-40B4-BE49-F238E27FC236}">
+                <a16:creationId xmlns:a16="http://schemas.microsoft.com/office/drawing/2014/main" id="{1C8CF780-D6FA-BB4C-A576-417D77749A00}"/>
+              </a:ext>
+            </a:extLst>
+          </p:cNvPr>
+          <p:cNvPicPr>
+            <a:picLocks noChangeAspect="1"/>
+          </p:cNvPicPr>
+          <p:nvPr/>
+        </p:nvPicPr>
+        <p:blipFill>
+          <a:blip r:embed="rId2">
+            <a:extLst>
+              <a:ext uri="{28A0092B-C50C-407E-A947-70E740481C1C}">
+                <a14:useLocalDpi xmlns:a14="http://schemas.microsoft.com/office/drawing/2010/main" val="0"/>
+              </a:ext>
+            </a:extLst>
+          </a:blip>
+          <a:stretch>
+            <a:fillRect/>
+          </a:stretch>
+        </p:blipFill>
+        <p:spPr>
+          <a:xfrm rot="16200000">
+            <a:off x="5957585" y="3157241"/>
+            <a:ext cx="3830908" cy="2567310"/>
+          </a:xfrm>
+          <a:prstGeom prst="rect">
+            <a:avLst/>
+          </a:prstGeom>
+        </p:spPr>
+      </p:pic>
+    </p:spTree>
+    <p:extLst>
+      <p:ext uri="{BB962C8B-B14F-4D97-AF65-F5344CB8AC3E}">
+        <p14:creationId xmlns:p14="http://schemas.microsoft.com/office/powerpoint/2010/main" val="202595180"/>
+      </p:ext>
+    </p:extLst>
+  </p:cSld>
+  <p:clrMapOvr>
+    <a:masterClrMapping/>
+  </p:clrMapOvr>
+</p:sld>
+</file>
+
+<file path=ppt/slides/slide2.xml><?xml version="1.0" encoding="utf-8"?>
+<p:sld xmlns:a="http://schemas.openxmlformats.org/drawingml/2006/main" xmlns:r="http://schemas.openxmlformats.org/officeDocument/2006/relationships" xmlns:p="http://schemas.openxmlformats.org/presentationml/2006/main">
+  <p:cSld>
+    <p:spTree>
+      <p:nvGrpSpPr>
+        <p:cNvPr id="1" name=""/>
+        <p:cNvGrpSpPr/>
+        <p:nvPr/>
+      </p:nvGrpSpPr>
+      <p:grpSpPr>
+        <a:xfrm>
+          <a:off x="0" y="0"/>
+          <a:ext cx="0" cy="0"/>
+          <a:chOff x="0" y="0"/>
+          <a:chExt cx="0" cy="0"/>
+        </a:xfrm>
+      </p:grpSpPr>
+      <p:sp>
+        <p:nvSpPr>
+          <p:cNvPr id="2" name="Title 1">
+            <a:extLst>
+              <a:ext uri="{FF2B5EF4-FFF2-40B4-BE49-F238E27FC236}">
+                <a16:creationId xmlns:a16="http://schemas.microsoft.com/office/drawing/2014/main" id="{4993AE45-A766-0F4D-9D65-D692ECB4ED00}"/>
+              </a:ext>
+            </a:extLst>
+          </p:cNvPr>
+          <p:cNvSpPr>
+            <a:spLocks noGrp="1"/>
+          </p:cNvSpPr>
+          <p:nvPr>
+            <p:ph type="title"/>
+          </p:nvPr>
+        </p:nvSpPr>
+        <p:spPr/>
+        <p:txBody>
+          <a:bodyPr/>
+          <a:lstStyle/>
+          <a:p>
+            <a:r>
+              <a:rPr lang="de-DE" dirty="0"/>
+              <a:t>Collaborative Development </a:t>
+            </a:r>
+            <a:r>
+              <a:rPr lang="de-DE" dirty="0" err="1"/>
+              <a:t>without</a:t>
+            </a:r>
+            <a:r>
+              <a:rPr lang="de-DE" dirty="0"/>
+              <a:t> CI</a:t>
+            </a:r>
+            <a:endParaRPr lang="en-CH" dirty="0"/>
+          </a:p>
+        </p:txBody>
+      </p:sp>
+      <p:sp>
+        <p:nvSpPr>
+          <p:cNvPr id="4" name="Date Placeholder 3">
+            <a:extLst>
+              <a:ext uri="{FF2B5EF4-FFF2-40B4-BE49-F238E27FC236}">
+                <a16:creationId xmlns:a16="http://schemas.microsoft.com/office/drawing/2014/main" id="{BB7DFD63-E8DE-9344-BDD0-A143F8BD67AC}"/>
+              </a:ext>
+            </a:extLst>
+          </p:cNvPr>
+          <p:cNvSpPr>
+            <a:spLocks noGrp="1"/>
+          </p:cNvSpPr>
+          <p:nvPr>
+            <p:ph type="dt" sz="half" idx="10"/>
+          </p:nvPr>
+        </p:nvSpPr>
+        <p:spPr/>
+        <p:txBody>
+          <a:bodyPr/>
+          <a:lstStyle/>
+          <a:p>
+            <a:r>
+              <a:rPr lang="de-CH" sz="1000"/>
+              <a:t>August 2021, CC BY-SA 4.0</a:t>
+            </a:r>
+            <a:endParaRPr lang="en-US" sz="1000" dirty="0"/>
+          </a:p>
+        </p:txBody>
+      </p:sp>
+      <p:sp>
+        <p:nvSpPr>
+          <p:cNvPr id="5" name="Footer Placeholder 4">
+            <a:extLst>
+              <a:ext uri="{FF2B5EF4-FFF2-40B4-BE49-F238E27FC236}">
+                <a16:creationId xmlns:a16="http://schemas.microsoft.com/office/drawing/2014/main" id="{5138C878-C3D9-AC4C-BDD7-9EFA39DFB1A1}"/>
+              </a:ext>
+            </a:extLst>
+          </p:cNvPr>
+          <p:cNvSpPr>
+            <a:spLocks noGrp="1"/>
+          </p:cNvSpPr>
+          <p:nvPr>
+            <p:ph type="ftr" sz="quarter" idx="11"/>
+          </p:nvPr>
+        </p:nvSpPr>
+        <p:spPr/>
+        <p:txBody>
+          <a:bodyPr/>
+          <a:lstStyle/>
+          <a:p>
+            <a:r>
+              <a:rPr lang="en-US"/>
+              <a:t>Continuous integration, v1.0</a:t>
+            </a:r>
+            <a:endParaRPr lang="en-US" dirty="0"/>
+          </a:p>
+        </p:txBody>
+      </p:sp>
+      <p:sp>
+        <p:nvSpPr>
+          <p:cNvPr id="15" name="Rectangle 14">
+            <a:extLst>
+              <a:ext uri="{FF2B5EF4-FFF2-40B4-BE49-F238E27FC236}">
+                <a16:creationId xmlns:a16="http://schemas.microsoft.com/office/drawing/2014/main" id="{A6D19DE0-5F67-1746-9159-5DDB1C4C03CA}"/>
+              </a:ext>
+            </a:extLst>
+          </p:cNvPr>
+          <p:cNvSpPr/>
+          <p:nvPr/>
+        </p:nvSpPr>
+        <p:spPr>
+          <a:xfrm>
+            <a:off x="354569" y="4145012"/>
+            <a:ext cx="8537911" cy="2308324"/>
+          </a:xfrm>
+          <a:prstGeom prst="rect">
+            <a:avLst/>
+          </a:prstGeom>
+        </p:spPr>
+        <p:txBody>
+          <a:bodyPr wrap="square">
+            <a:spAutoFit/>
+          </a:bodyPr>
+          <a:lstStyle/>
+          <a:p>
+            <a:r>
+              <a:rPr lang="en-CH" dirty="0">
+                <a:latin typeface="+mn-lt"/>
+              </a:rPr>
+              <a:t>Potential issues</a:t>
+            </a:r>
+          </a:p>
+          <a:p>
+            <a:pPr marL="342900" indent="-342900">
+              <a:buFontTx/>
+              <a:buChar char="-"/>
+            </a:pPr>
+            <a:r>
+              <a:rPr lang="en-CH" sz="2000" dirty="0">
+                <a:latin typeface="+mn-lt"/>
+              </a:rPr>
+              <a:t>The tests might pass on one machine and/or the other, but not in a third-party environment (versions, OS, etc.)</a:t>
+            </a:r>
+          </a:p>
+          <a:p>
+            <a:pPr marL="342900" indent="-342900">
+              <a:buFontTx/>
+              <a:buChar char="-"/>
+            </a:pPr>
+            <a:r>
+              <a:rPr lang="en-CH" sz="2000" dirty="0">
+                <a:latin typeface="+mn-lt"/>
+              </a:rPr>
+              <a:t>A maintainer needs to ensure that the software works on all the supported combinations of versions / OSs</a:t>
+            </a:r>
+          </a:p>
+          <a:p>
+            <a:pPr marL="342900" indent="-342900">
+              <a:buFontTx/>
+              <a:buChar char="-"/>
+            </a:pPr>
+            <a:r>
+              <a:rPr lang="en-CH" sz="2000" dirty="0">
+                <a:latin typeface="+mn-lt"/>
+              </a:rPr>
+              <a:t>A maintainer needs to create and upload artifacts like binary packages, documentation, etc </a:t>
+            </a:r>
+          </a:p>
+        </p:txBody>
+      </p:sp>
+      <p:pic>
+        <p:nvPicPr>
+          <p:cNvPr id="7" name="Picture 6" descr="Graphical user interface, diagram&#10;&#10;Description automatically generated">
+            <a:extLst>
+              <a:ext uri="{FF2B5EF4-FFF2-40B4-BE49-F238E27FC236}">
+                <a16:creationId xmlns:a16="http://schemas.microsoft.com/office/drawing/2014/main" id="{D7FC7664-635F-E842-8D8C-22F2EAE1C75C}"/>
+              </a:ext>
+            </a:extLst>
+          </p:cNvPr>
+          <p:cNvPicPr>
+            <a:picLocks noChangeAspect="1"/>
+          </p:cNvPicPr>
+          <p:nvPr/>
+        </p:nvPicPr>
+        <p:blipFill>
+          <a:blip r:embed="rId2">
+            <a:extLst>
+              <a:ext uri="{28A0092B-C50C-407E-A947-70E740481C1C}">
+                <a14:useLocalDpi xmlns:a14="http://schemas.microsoft.com/office/drawing/2010/main" val="0"/>
+              </a:ext>
+            </a:extLst>
+          </a:blip>
+          <a:stretch>
+            <a:fillRect/>
+          </a:stretch>
+        </p:blipFill>
+        <p:spPr>
+          <a:xfrm>
+            <a:off x="1050848" y="1053132"/>
+            <a:ext cx="7200800" cy="3181749"/>
+          </a:xfrm>
+          <a:prstGeom prst="rect">
+            <a:avLst/>
+          </a:prstGeom>
+        </p:spPr>
+      </p:pic>
+    </p:spTree>
+    <p:extLst>
+      <p:ext uri="{BB962C8B-B14F-4D97-AF65-F5344CB8AC3E}">
+        <p14:creationId xmlns:p14="http://schemas.microsoft.com/office/powerpoint/2010/main" val="578119186"/>
+      </p:ext>
+    </p:extLst>
+  </p:cSld>
+  <p:clrMapOvr>
+    <a:masterClrMapping/>
+  </p:clrMapOvr>
+</p:sld>
+</file>
+
+<file path=ppt/slides/slide20.xml><?xml version="1.0" encoding="utf-8"?>
+<p:sld xmlns:a="http://schemas.openxmlformats.org/drawingml/2006/main" xmlns:r="http://schemas.openxmlformats.org/officeDocument/2006/relationships" xmlns:p="http://schemas.openxmlformats.org/presentationml/2006/main">
+  <p:cSld>
+    <p:spTree>
+      <p:nvGrpSpPr>
+        <p:cNvPr id="1" name=""/>
+        <p:cNvGrpSpPr/>
+        <p:nvPr/>
+      </p:nvGrpSpPr>
+      <p:grpSpPr>
+        <a:xfrm>
+          <a:off x="0" y="0"/>
+          <a:ext cx="0" cy="0"/>
+          <a:chOff x="0" y="0"/>
+          <a:chExt cx="0" cy="0"/>
+        </a:xfrm>
+      </p:grpSpPr>
+      <p:sp>
+        <p:nvSpPr>
+          <p:cNvPr id="3" name="Date Placeholder 2"/>
+          <p:cNvSpPr>
+            <a:spLocks noGrp="1"/>
+          </p:cNvSpPr>
+          <p:nvPr>
+            <p:ph type="dt" sz="half" idx="10"/>
+          </p:nvPr>
+        </p:nvSpPr>
+        <p:spPr/>
+        <p:txBody>
+          <a:bodyPr/>
+          <a:lstStyle/>
+          <a:p>
+            <a:r>
+              <a:rPr lang="de-CH"/>
+              <a:t>August 2021, CC BY-SA 4.0</a:t>
+            </a:r>
+            <a:endParaRPr lang="en-US"/>
+          </a:p>
+        </p:txBody>
+      </p:sp>
+      <p:sp>
+        <p:nvSpPr>
+          <p:cNvPr id="4" name="Footer Placeholder 3"/>
+          <p:cNvSpPr>
+            <a:spLocks noGrp="1"/>
+          </p:cNvSpPr>
+          <p:nvPr>
+            <p:ph type="ftr" sz="quarter" idx="11"/>
+          </p:nvPr>
+        </p:nvSpPr>
+        <p:spPr/>
+        <p:txBody>
+          <a:bodyPr/>
+          <a:lstStyle/>
+          <a:p>
+            <a:r>
+              <a:rPr lang="en-US"/>
+              <a:t>Continuous integration, v1.0</a:t>
+            </a:r>
+          </a:p>
+        </p:txBody>
+      </p:sp>
+      <p:sp>
+        <p:nvSpPr>
+          <p:cNvPr id="2" name="Title 1"/>
+          <p:cNvSpPr>
+            <a:spLocks noGrp="1"/>
+          </p:cNvSpPr>
+          <p:nvPr>
+            <p:ph type="title" idx="4294967295"/>
+          </p:nvPr>
+        </p:nvSpPr>
+        <p:spPr>
+          <a:xfrm>
+            <a:off x="460248" y="2705375"/>
+            <a:ext cx="8229600" cy="990600"/>
+          </a:xfrm>
+        </p:spPr>
+        <p:txBody>
+          <a:bodyPr anchor="ctr">
+            <a:normAutofit/>
+          </a:bodyPr>
+          <a:lstStyle/>
+          <a:p>
+            <a:pPr algn="ctr"/>
+            <a:r>
+              <a:rPr lang="en-GB" sz="5400" dirty="0"/>
+              <a:t>Thank you!</a:t>
+            </a:r>
+          </a:p>
+        </p:txBody>
+      </p:sp>
+    </p:spTree>
+  </p:cSld>
+  <p:clrMapOvr>
+    <a:masterClrMapping/>
+  </p:clrMapOvr>
+</p:sld>
+</file>
+
+<file path=ppt/slides/slide21.xml><?xml version="1.0" encoding="utf-8"?>
+<p:sld xmlns:a="http://schemas.openxmlformats.org/drawingml/2006/main" xmlns:r="http://schemas.openxmlformats.org/officeDocument/2006/relationships" xmlns:p="http://schemas.openxmlformats.org/presentationml/2006/main">
+  <p:cSld>
+    <p:spTree>
+      <p:nvGrpSpPr>
+        <p:cNvPr id="1" name=""/>
+        <p:cNvGrpSpPr/>
+        <p:nvPr/>
+      </p:nvGrpSpPr>
+      <p:grpSpPr>
+        <a:xfrm>
+          <a:off x="0" y="0"/>
+          <a:ext cx="0" cy="0"/>
+          <a:chOff x="0" y="0"/>
+          <a:chExt cx="0" cy="0"/>
+        </a:xfrm>
+      </p:grpSpPr>
+      <p:sp>
+        <p:nvSpPr>
+          <p:cNvPr id="2" name="Title 1">
+            <a:extLst>
+              <a:ext uri="{FF2B5EF4-FFF2-40B4-BE49-F238E27FC236}">
                 <a16:creationId xmlns:a16="http://schemas.microsoft.com/office/drawing/2014/main" id="{061016C8-512C-EB4B-9D32-9CF4CB9D4F11}"/>
               </a:ext>
             </a:extLst>
@@ -8982,9 +9500,14 @@
           <a:lstStyle/>
           <a:p>
             <a:r>
-              <a:rPr lang="en-CH" dirty="0"/>
+              <a:rPr lang="de-DE" dirty="0"/>
+              <a:t>Bonus: </a:t>
+            </a:r>
+            <a:r>
+              <a:rPr lang="en-CH"/>
               <a:t>Security</a:t>
             </a:r>
+            <a:endParaRPr lang="en-CH" dirty="0"/>
           </a:p>
         </p:txBody>
       </p:sp>
@@ -9467,7 +9990,7 @@
 </p:sld>
 </file>
 
-<file path=ppt/slides/slide2.xml><?xml version="1.0" encoding="utf-8"?>
+<file path=ppt/slides/slide22.xml><?xml version="1.0" encoding="utf-8"?>
 <p:sld xmlns:a="http://schemas.openxmlformats.org/drawingml/2006/main" xmlns:r="http://schemas.openxmlformats.org/officeDocument/2006/relationships" xmlns:p="http://schemas.openxmlformats.org/presentationml/2006/main">
   <p:cSld>
     <p:spTree>
@@ -9489,239 +10012,6 @@
           <p:cNvPr id="2" name="Title 1">
             <a:extLst>
               <a:ext uri="{FF2B5EF4-FFF2-40B4-BE49-F238E27FC236}">
-                <a16:creationId xmlns:a16="http://schemas.microsoft.com/office/drawing/2014/main" id="{4993AE45-A766-0F4D-9D65-D692ECB4ED00}"/>
-              </a:ext>
-            </a:extLst>
-          </p:cNvPr>
-          <p:cNvSpPr>
-            <a:spLocks noGrp="1"/>
-          </p:cNvSpPr>
-          <p:nvPr>
-            <p:ph type="title"/>
-          </p:nvPr>
-        </p:nvSpPr>
-        <p:spPr/>
-        <p:txBody>
-          <a:bodyPr/>
-          <a:lstStyle/>
-          <a:p>
-            <a:r>
-              <a:rPr lang="de-DE" dirty="0"/>
-              <a:t>Collaborative Development </a:t>
-            </a:r>
-            <a:r>
-              <a:rPr lang="de-DE" dirty="0" err="1"/>
-              <a:t>without</a:t>
-            </a:r>
-            <a:r>
-              <a:rPr lang="de-DE" dirty="0"/>
-              <a:t> CI</a:t>
-            </a:r>
-            <a:endParaRPr lang="en-CH" dirty="0"/>
-          </a:p>
-        </p:txBody>
-      </p:sp>
-      <p:sp>
-        <p:nvSpPr>
-          <p:cNvPr id="4" name="Date Placeholder 3">
-            <a:extLst>
-              <a:ext uri="{FF2B5EF4-FFF2-40B4-BE49-F238E27FC236}">
-                <a16:creationId xmlns:a16="http://schemas.microsoft.com/office/drawing/2014/main" id="{BB7DFD63-E8DE-9344-BDD0-A143F8BD67AC}"/>
-              </a:ext>
-            </a:extLst>
-          </p:cNvPr>
-          <p:cNvSpPr>
-            <a:spLocks noGrp="1"/>
-          </p:cNvSpPr>
-          <p:nvPr>
-            <p:ph type="dt" sz="half" idx="10"/>
-          </p:nvPr>
-        </p:nvSpPr>
-        <p:spPr/>
-        <p:txBody>
-          <a:bodyPr/>
-          <a:lstStyle/>
-          <a:p>
-            <a:r>
-              <a:rPr lang="de-CH" sz="1000"/>
-              <a:t>August 2021, CC BY-SA 4.0</a:t>
-            </a:r>
-            <a:endParaRPr lang="en-US" sz="1000" dirty="0"/>
-          </a:p>
-        </p:txBody>
-      </p:sp>
-      <p:sp>
-        <p:nvSpPr>
-          <p:cNvPr id="5" name="Footer Placeholder 4">
-            <a:extLst>
-              <a:ext uri="{FF2B5EF4-FFF2-40B4-BE49-F238E27FC236}">
-                <a16:creationId xmlns:a16="http://schemas.microsoft.com/office/drawing/2014/main" id="{5138C878-C3D9-AC4C-BDD7-9EFA39DFB1A1}"/>
-              </a:ext>
-            </a:extLst>
-          </p:cNvPr>
-          <p:cNvSpPr>
-            <a:spLocks noGrp="1"/>
-          </p:cNvSpPr>
-          <p:nvPr>
-            <p:ph type="ftr" sz="quarter" idx="11"/>
-          </p:nvPr>
-        </p:nvSpPr>
-        <p:spPr/>
-        <p:txBody>
-          <a:bodyPr/>
-          <a:lstStyle/>
-          <a:p>
-            <a:r>
-              <a:rPr lang="en-US"/>
-              <a:t>Continuous integration, v1.0</a:t>
-            </a:r>
-            <a:endParaRPr lang="en-US" dirty="0"/>
-          </a:p>
-        </p:txBody>
-      </p:sp>
-      <p:sp>
-        <p:nvSpPr>
-          <p:cNvPr id="15" name="Rectangle 14">
-            <a:extLst>
-              <a:ext uri="{FF2B5EF4-FFF2-40B4-BE49-F238E27FC236}">
-                <a16:creationId xmlns:a16="http://schemas.microsoft.com/office/drawing/2014/main" id="{A6D19DE0-5F67-1746-9159-5DDB1C4C03CA}"/>
-              </a:ext>
-            </a:extLst>
-          </p:cNvPr>
-          <p:cNvSpPr/>
-          <p:nvPr/>
-        </p:nvSpPr>
-        <p:spPr>
-          <a:xfrm>
-            <a:off x="354569" y="4145012"/>
-            <a:ext cx="8537911" cy="2308324"/>
-          </a:xfrm>
-          <a:prstGeom prst="rect">
-            <a:avLst/>
-          </a:prstGeom>
-        </p:spPr>
-        <p:txBody>
-          <a:bodyPr wrap="square">
-            <a:spAutoFit/>
-          </a:bodyPr>
-          <a:lstStyle/>
-          <a:p>
-            <a:r>
-              <a:rPr lang="en-CH" dirty="0">
-                <a:latin typeface="+mn-lt"/>
-              </a:rPr>
-              <a:t>Potential issues</a:t>
-            </a:r>
-          </a:p>
-          <a:p>
-            <a:pPr marL="342900" indent="-342900">
-              <a:buFontTx/>
-              <a:buChar char="-"/>
-            </a:pPr>
-            <a:r>
-              <a:rPr lang="en-CH" sz="2000" dirty="0">
-                <a:latin typeface="+mn-lt"/>
-              </a:rPr>
-              <a:t>The tests might pass on one machine and/or the other, but not in a third-party environment (versions, OS, etc.)</a:t>
-            </a:r>
-          </a:p>
-          <a:p>
-            <a:pPr marL="342900" indent="-342900">
-              <a:buFontTx/>
-              <a:buChar char="-"/>
-            </a:pPr>
-            <a:r>
-              <a:rPr lang="en-CH" sz="2000" dirty="0">
-                <a:latin typeface="+mn-lt"/>
-              </a:rPr>
-              <a:t>A maintainer needs to ensure that the software works on all the supported combinations of versions / OSs</a:t>
-            </a:r>
-          </a:p>
-          <a:p>
-            <a:pPr marL="342900" indent="-342900">
-              <a:buFontTx/>
-              <a:buChar char="-"/>
-            </a:pPr>
-            <a:r>
-              <a:rPr lang="en-CH" sz="2000" dirty="0">
-                <a:latin typeface="+mn-lt"/>
-              </a:rPr>
-              <a:t>A maintainer needs to create and upload artifacts like binary packages, documentation, etc </a:t>
-            </a:r>
-          </a:p>
-        </p:txBody>
-      </p:sp>
-      <p:pic>
-        <p:nvPicPr>
-          <p:cNvPr id="7" name="Picture 6" descr="Graphical user interface, diagram&#10;&#10;Description automatically generated">
-            <a:extLst>
-              <a:ext uri="{FF2B5EF4-FFF2-40B4-BE49-F238E27FC236}">
-                <a16:creationId xmlns:a16="http://schemas.microsoft.com/office/drawing/2014/main" id="{D7FC7664-635F-E842-8D8C-22F2EAE1C75C}"/>
-              </a:ext>
-            </a:extLst>
-          </p:cNvPr>
-          <p:cNvPicPr>
-            <a:picLocks noChangeAspect="1"/>
-          </p:cNvPicPr>
-          <p:nvPr/>
-        </p:nvPicPr>
-        <p:blipFill>
-          <a:blip r:embed="rId2">
-            <a:extLst>
-              <a:ext uri="{28A0092B-C50C-407E-A947-70E740481C1C}">
-                <a14:useLocalDpi xmlns:a14="http://schemas.microsoft.com/office/drawing/2010/main" val="0"/>
-              </a:ext>
-            </a:extLst>
-          </a:blip>
-          <a:stretch>
-            <a:fillRect/>
-          </a:stretch>
-        </p:blipFill>
-        <p:spPr>
-          <a:xfrm>
-            <a:off x="1050848" y="1053132"/>
-            <a:ext cx="7200800" cy="3181749"/>
-          </a:xfrm>
-          <a:prstGeom prst="rect">
-            <a:avLst/>
-          </a:prstGeom>
-        </p:spPr>
-      </p:pic>
-    </p:spTree>
-    <p:extLst>
-      <p:ext uri="{BB962C8B-B14F-4D97-AF65-F5344CB8AC3E}">
-        <p14:creationId xmlns:p14="http://schemas.microsoft.com/office/powerpoint/2010/main" val="578119186"/>
-      </p:ext>
-    </p:extLst>
-  </p:cSld>
-  <p:clrMapOvr>
-    <a:masterClrMapping/>
-  </p:clrMapOvr>
-</p:sld>
-</file>
-
-<file path=ppt/slides/slide20.xml><?xml version="1.0" encoding="utf-8"?>
-<p:sld xmlns:a="http://schemas.openxmlformats.org/drawingml/2006/main" xmlns:r="http://schemas.openxmlformats.org/officeDocument/2006/relationships" xmlns:p="http://schemas.openxmlformats.org/presentationml/2006/main">
-  <p:cSld>
-    <p:spTree>
-      <p:nvGrpSpPr>
-        <p:cNvPr id="1" name=""/>
-        <p:cNvGrpSpPr/>
-        <p:nvPr/>
-      </p:nvGrpSpPr>
-      <p:grpSpPr>
-        <a:xfrm>
-          <a:off x="0" y="0"/>
-          <a:ext cx="0" cy="0"/>
-          <a:chOff x="0" y="0"/>
-          <a:chExt cx="0" cy="0"/>
-        </a:xfrm>
-      </p:grpSpPr>
-      <p:sp>
-        <p:nvSpPr>
-          <p:cNvPr id="2" name="Title 1">
-            <a:extLst>
-              <a:ext uri="{FF2B5EF4-FFF2-40B4-BE49-F238E27FC236}">
                 <a16:creationId xmlns:a16="http://schemas.microsoft.com/office/drawing/2014/main" id="{061016C8-512C-EB4B-9D32-9CF4CB9D4F11}"/>
               </a:ext>
             </a:extLst>
@@ -9739,9 +10029,14 @@
           <a:lstStyle/>
           <a:p>
             <a:r>
-              <a:rPr lang="en-CH" dirty="0"/>
+              <a:rPr lang="de-DE" dirty="0"/>
+              <a:t>Bonus: </a:t>
+            </a:r>
+            <a:r>
+              <a:rPr lang="en-CH"/>
               <a:t>Security</a:t>
             </a:r>
+            <a:endParaRPr lang="en-CH" dirty="0"/>
           </a:p>
         </p:txBody>
       </p:sp>
@@ -9934,585 +10229,6 @@
 </p:sld>
 </file>
 
-<file path=ppt/slides/slide21.xml><?xml version="1.0" encoding="utf-8"?>
-<p:sld xmlns:a="http://schemas.openxmlformats.org/drawingml/2006/main" xmlns:r="http://schemas.openxmlformats.org/officeDocument/2006/relationships" xmlns:p="http://schemas.openxmlformats.org/presentationml/2006/main">
-  <p:cSld>
-    <p:spTree>
-      <p:nvGrpSpPr>
-        <p:cNvPr id="1" name=""/>
-        <p:cNvGrpSpPr/>
-        <p:nvPr/>
-      </p:nvGrpSpPr>
-      <p:grpSpPr>
-        <a:xfrm>
-          <a:off x="0" y="0"/>
-          <a:ext cx="0" cy="0"/>
-          <a:chOff x="0" y="0"/>
-          <a:chExt cx="0" cy="0"/>
-        </a:xfrm>
-      </p:grpSpPr>
-      <p:sp>
-        <p:nvSpPr>
-          <p:cNvPr id="2" name="Title 1">
-            <a:extLst>
-              <a:ext uri="{FF2B5EF4-FFF2-40B4-BE49-F238E27FC236}">
-                <a16:creationId xmlns:a16="http://schemas.microsoft.com/office/drawing/2014/main" id="{D85EDF41-0FBB-5548-8206-29D15F1E1334}"/>
-              </a:ext>
-            </a:extLst>
-          </p:cNvPr>
-          <p:cNvSpPr>
-            <a:spLocks noGrp="1"/>
-          </p:cNvSpPr>
-          <p:nvPr>
-            <p:ph type="title"/>
-          </p:nvPr>
-        </p:nvSpPr>
-        <p:spPr/>
-        <p:txBody>
-          <a:bodyPr/>
-          <a:lstStyle/>
-          <a:p>
-            <a:r>
-              <a:rPr lang="en-CH" dirty="0"/>
-              <a:t>Examples of handling secrets</a:t>
-            </a:r>
-          </a:p>
-        </p:txBody>
-      </p:sp>
-      <p:sp>
-        <p:nvSpPr>
-          <p:cNvPr id="3" name="Content Placeholder 2">
-            <a:extLst>
-              <a:ext uri="{FF2B5EF4-FFF2-40B4-BE49-F238E27FC236}">
-                <a16:creationId xmlns:a16="http://schemas.microsoft.com/office/drawing/2014/main" id="{BB2C67C3-32BF-C441-8A6B-23796F786C85}"/>
-              </a:ext>
-            </a:extLst>
-          </p:cNvPr>
-          <p:cNvSpPr>
-            <a:spLocks noGrp="1"/>
-          </p:cNvSpPr>
-          <p:nvPr>
-            <p:ph sz="quarter" idx="1"/>
-          </p:nvPr>
-        </p:nvSpPr>
-        <p:spPr>
-          <a:xfrm>
-            <a:off x="457200" y="5318720"/>
-            <a:ext cx="8229600" cy="990600"/>
-          </a:xfrm>
-        </p:spPr>
-        <p:txBody>
-          <a:bodyPr>
-            <a:normAutofit lnSpcReduction="10000"/>
-          </a:bodyPr>
-          <a:lstStyle/>
-          <a:p>
-            <a:pPr marL="0" indent="0">
-              <a:buNone/>
-            </a:pPr>
-            <a:r>
-              <a:rPr lang="en-CH" dirty="0"/>
-              <a:t>Details available at</a:t>
-            </a:r>
-            <a:br>
-              <a:rPr lang="en-CH" dirty="0"/>
-            </a:br>
-            <a:r>
-              <a:rPr lang="en-US" sz="1800" dirty="0">
-                <a:latin typeface="Courier New" panose="02070309020205020404" pitchFamily="49" charset="0"/>
-                <a:cs typeface="Courier New" panose="02070309020205020404" pitchFamily="49" charset="0"/>
-                <a:hlinkClick r:id="rId2"/>
-              </a:rPr>
-              <a:t>https://docs.github.com/en/actions/reference/encrypted-secrets</a:t>
-            </a:r>
-            <a:endParaRPr lang="en-US" sz="1800" dirty="0">
-              <a:latin typeface="Courier New" panose="02070309020205020404" pitchFamily="49" charset="0"/>
-              <a:cs typeface="Courier New" panose="02070309020205020404" pitchFamily="49" charset="0"/>
-            </a:endParaRPr>
-          </a:p>
-          <a:p>
-            <a:pPr marL="0" indent="0">
-              <a:buNone/>
-            </a:pPr>
-            <a:endParaRPr lang="en-CH" dirty="0">
-              <a:latin typeface="Courier New" panose="02070309020205020404" pitchFamily="49" charset="0"/>
-              <a:cs typeface="Courier New" panose="02070309020205020404" pitchFamily="49" charset="0"/>
-            </a:endParaRPr>
-          </a:p>
-        </p:txBody>
-      </p:sp>
-      <p:sp>
-        <p:nvSpPr>
-          <p:cNvPr id="4" name="Date Placeholder 3">
-            <a:extLst>
-              <a:ext uri="{FF2B5EF4-FFF2-40B4-BE49-F238E27FC236}">
-                <a16:creationId xmlns:a16="http://schemas.microsoft.com/office/drawing/2014/main" id="{EFDE6383-63B8-0F40-A2F9-3C9190716F80}"/>
-              </a:ext>
-            </a:extLst>
-          </p:cNvPr>
-          <p:cNvSpPr>
-            <a:spLocks noGrp="1"/>
-          </p:cNvSpPr>
-          <p:nvPr>
-            <p:ph type="dt" sz="half" idx="10"/>
-          </p:nvPr>
-        </p:nvSpPr>
-        <p:spPr/>
-        <p:txBody>
-          <a:bodyPr/>
-          <a:lstStyle/>
-          <a:p>
-            <a:r>
-              <a:rPr lang="de-CH" sz="1000"/>
-              <a:t>August 2021, CC BY-SA 4.0</a:t>
-            </a:r>
-            <a:endParaRPr lang="en-US" sz="1000" dirty="0"/>
-          </a:p>
-        </p:txBody>
-      </p:sp>
-      <p:sp>
-        <p:nvSpPr>
-          <p:cNvPr id="5" name="Footer Placeholder 4">
-            <a:extLst>
-              <a:ext uri="{FF2B5EF4-FFF2-40B4-BE49-F238E27FC236}">
-                <a16:creationId xmlns:a16="http://schemas.microsoft.com/office/drawing/2014/main" id="{33A31BB0-4A2A-6C47-9EAA-F64406BF1A82}"/>
-              </a:ext>
-            </a:extLst>
-          </p:cNvPr>
-          <p:cNvSpPr>
-            <a:spLocks noGrp="1"/>
-          </p:cNvSpPr>
-          <p:nvPr>
-            <p:ph type="ftr" sz="quarter" idx="11"/>
-          </p:nvPr>
-        </p:nvSpPr>
-        <p:spPr/>
-        <p:txBody>
-          <a:bodyPr/>
-          <a:lstStyle/>
-          <a:p>
-            <a:r>
-              <a:rPr lang="en-US"/>
-              <a:t>Continuous integration, v1.0</a:t>
-            </a:r>
-            <a:endParaRPr lang="en-US" dirty="0"/>
-          </a:p>
-        </p:txBody>
-      </p:sp>
-      <p:sp>
-        <p:nvSpPr>
-          <p:cNvPr id="7" name="TextBox 6">
-            <a:extLst>
-              <a:ext uri="{FF2B5EF4-FFF2-40B4-BE49-F238E27FC236}">
-                <a16:creationId xmlns:a16="http://schemas.microsoft.com/office/drawing/2014/main" id="{039746D5-6BF5-384F-93EB-C12A9E07EB20}"/>
-              </a:ext>
-            </a:extLst>
-          </p:cNvPr>
-          <p:cNvSpPr txBox="1"/>
-          <p:nvPr/>
-        </p:nvSpPr>
-        <p:spPr>
-          <a:xfrm>
-            <a:off x="457200" y="1268760"/>
-            <a:ext cx="6563072" cy="3970318"/>
-          </a:xfrm>
-          <a:prstGeom prst="rect">
-            <a:avLst/>
-          </a:prstGeom>
-          <a:solidFill>
-            <a:schemeClr val="bg1"/>
-          </a:solidFill>
-        </p:spPr>
-        <p:txBody>
-          <a:bodyPr wrap="square" rtlCol="0">
-            <a:spAutoFit/>
-          </a:bodyPr>
-          <a:lstStyle/>
-          <a:p>
-            <a:r>
-              <a:rPr lang="en-US" sz="1200" dirty="0">
-                <a:latin typeface="Courier New" panose="02070309020205020404" pitchFamily="49" charset="0"/>
-                <a:cs typeface="Courier New" panose="02070309020205020404" pitchFamily="49" charset="0"/>
-              </a:rPr>
-              <a:t>name: Reveal a secret when the repository is tagged as something starting by secret</a:t>
-            </a:r>
-          </a:p>
-          <a:p>
-            <a:endParaRPr lang="en-US" sz="1200" dirty="0">
-              <a:latin typeface="Courier New" panose="02070309020205020404" pitchFamily="49" charset="0"/>
-              <a:cs typeface="Courier New" panose="02070309020205020404" pitchFamily="49" charset="0"/>
-            </a:endParaRPr>
-          </a:p>
-          <a:p>
-            <a:r>
-              <a:rPr lang="en-US" sz="1200" dirty="0">
-                <a:latin typeface="Courier New" panose="02070309020205020404" pitchFamily="49" charset="0"/>
-                <a:cs typeface="Courier New" panose="02070309020205020404" pitchFamily="49" charset="0"/>
-              </a:rPr>
-              <a:t>on:</a:t>
-            </a:r>
-          </a:p>
-          <a:p>
-            <a:r>
-              <a:rPr lang="en-US" sz="1200" dirty="0">
-                <a:latin typeface="Courier New" panose="02070309020205020404" pitchFamily="49" charset="0"/>
-                <a:cs typeface="Courier New" panose="02070309020205020404" pitchFamily="49" charset="0"/>
-              </a:rPr>
-              <a:t>  push:</a:t>
-            </a:r>
-          </a:p>
-          <a:p>
-            <a:r>
-              <a:rPr lang="en-US" sz="1200" dirty="0">
-                <a:latin typeface="Courier New" panose="02070309020205020404" pitchFamily="49" charset="0"/>
-                <a:cs typeface="Courier New" panose="02070309020205020404" pitchFamily="49" charset="0"/>
-              </a:rPr>
-              <a:t>    tags:</a:t>
-            </a:r>
-          </a:p>
-          <a:p>
-            <a:r>
-              <a:rPr lang="en-US" sz="1200" dirty="0">
-                <a:latin typeface="Courier New" panose="02070309020205020404" pitchFamily="49" charset="0"/>
-                <a:cs typeface="Courier New" panose="02070309020205020404" pitchFamily="49" charset="0"/>
-              </a:rPr>
-              <a:t>      - 'secret*'</a:t>
-            </a:r>
-          </a:p>
-          <a:p>
-            <a:endParaRPr lang="en-US" sz="1200" dirty="0">
-              <a:latin typeface="Courier New" panose="02070309020205020404" pitchFamily="49" charset="0"/>
-              <a:cs typeface="Courier New" panose="02070309020205020404" pitchFamily="49" charset="0"/>
-            </a:endParaRPr>
-          </a:p>
-          <a:p>
-            <a:r>
-              <a:rPr lang="en-US" sz="1200" dirty="0">
-                <a:latin typeface="Courier New" panose="02070309020205020404" pitchFamily="49" charset="0"/>
-                <a:cs typeface="Courier New" panose="02070309020205020404" pitchFamily="49" charset="0"/>
-              </a:rPr>
-              <a:t>jobs:</a:t>
-            </a:r>
-          </a:p>
-          <a:p>
-            <a:r>
-              <a:rPr lang="en-US" sz="1200" dirty="0">
-                <a:latin typeface="Courier New" panose="02070309020205020404" pitchFamily="49" charset="0"/>
-                <a:cs typeface="Courier New" panose="02070309020205020404" pitchFamily="49" charset="0"/>
-              </a:rPr>
-              <a:t>  reveal-secret:</a:t>
-            </a:r>
-          </a:p>
-          <a:p>
-            <a:r>
-              <a:rPr lang="en-US" sz="1200" dirty="0">
-                <a:latin typeface="Courier New" panose="02070309020205020404" pitchFamily="49" charset="0"/>
-                <a:cs typeface="Courier New" panose="02070309020205020404" pitchFamily="49" charset="0"/>
-              </a:rPr>
-              <a:t>    runs-on: ubuntu-latest</a:t>
-            </a:r>
-          </a:p>
-          <a:p>
-            <a:endParaRPr lang="en-US" sz="1200" dirty="0">
-              <a:latin typeface="Courier New" panose="02070309020205020404" pitchFamily="49" charset="0"/>
-              <a:cs typeface="Courier New" panose="02070309020205020404" pitchFamily="49" charset="0"/>
-            </a:endParaRPr>
-          </a:p>
-          <a:p>
-            <a:r>
-              <a:rPr lang="en-US" sz="1200" dirty="0">
-                <a:latin typeface="Courier New" panose="02070309020205020404" pitchFamily="49" charset="0"/>
-                <a:cs typeface="Courier New" panose="02070309020205020404" pitchFamily="49" charset="0"/>
-              </a:rPr>
-              <a:t>    steps:</a:t>
-            </a:r>
-          </a:p>
-          <a:p>
-            <a:r>
-              <a:rPr lang="en-US" sz="1200" dirty="0">
-                <a:latin typeface="Courier New" panose="02070309020205020404" pitchFamily="49" charset="0"/>
-                <a:cs typeface="Courier New" panose="02070309020205020404" pitchFamily="49" charset="0"/>
-              </a:rPr>
-              <a:t>    - shell: bash</a:t>
-            </a:r>
-          </a:p>
-          <a:p>
-            <a:r>
-              <a:rPr lang="en-US" sz="1200" dirty="0">
-                <a:latin typeface="Courier New" panose="02070309020205020404" pitchFamily="49" charset="0"/>
-                <a:cs typeface="Courier New" panose="02070309020205020404" pitchFamily="49" charset="0"/>
-              </a:rPr>
-              <a:t>      env:</a:t>
-            </a:r>
-          </a:p>
-          <a:p>
-            <a:r>
-              <a:rPr lang="en-US" sz="1200" dirty="0">
-                <a:latin typeface="Courier New" panose="02070309020205020404" pitchFamily="49" charset="0"/>
-                <a:cs typeface="Courier New" panose="02070309020205020404" pitchFamily="49" charset="0"/>
-              </a:rPr>
-              <a:t>        SECRET_MSG: ${{ </a:t>
-            </a:r>
-            <a:r>
-              <a:rPr lang="en-US" sz="1200" dirty="0" err="1">
-                <a:latin typeface="Courier New" panose="02070309020205020404" pitchFamily="49" charset="0"/>
-                <a:cs typeface="Courier New" panose="02070309020205020404" pitchFamily="49" charset="0"/>
-              </a:rPr>
-              <a:t>secrets.TOP_SECRET</a:t>
-            </a:r>
-            <a:r>
-              <a:rPr lang="en-US" sz="1200" dirty="0">
-                <a:latin typeface="Courier New" panose="02070309020205020404" pitchFamily="49" charset="0"/>
-                <a:cs typeface="Courier New" panose="02070309020205020404" pitchFamily="49" charset="0"/>
-              </a:rPr>
-              <a:t> }}</a:t>
-            </a:r>
-          </a:p>
-          <a:p>
-            <a:r>
-              <a:rPr lang="en-US" sz="1200" dirty="0">
-                <a:latin typeface="Courier New" panose="02070309020205020404" pitchFamily="49" charset="0"/>
-                <a:cs typeface="Courier New" panose="02070309020205020404" pitchFamily="49" charset="0"/>
-              </a:rPr>
-              <a:t>      run: |</a:t>
-            </a:r>
-          </a:p>
-          <a:p>
-            <a:r>
-              <a:rPr lang="en-US" sz="1200" dirty="0">
-                <a:latin typeface="Courier New" panose="02070309020205020404" pitchFamily="49" charset="0"/>
-                <a:cs typeface="Courier New" panose="02070309020205020404" pitchFamily="49" charset="0"/>
-              </a:rPr>
-              <a:t>        echo The secret is "$SECRET_MSG"</a:t>
-            </a:r>
-          </a:p>
-          <a:p>
-            <a:r>
-              <a:rPr lang="en-US" sz="1200" dirty="0">
-                <a:latin typeface="Courier New" panose="02070309020205020404" pitchFamily="49" charset="0"/>
-                <a:cs typeface="Courier New" panose="02070309020205020404" pitchFamily="49" charset="0"/>
-              </a:rPr>
-              <a:t>        if [ "$SECRET_MSG" = 'do not tell anyone' ]; then</a:t>
-            </a:r>
-          </a:p>
-          <a:p>
-            <a:r>
-              <a:rPr lang="en-US" sz="1200" dirty="0">
-                <a:latin typeface="Courier New" panose="02070309020205020404" pitchFamily="49" charset="0"/>
-                <a:cs typeface="Courier New" panose="02070309020205020404" pitchFamily="49" charset="0"/>
-              </a:rPr>
-              <a:t>          echo matches</a:t>
-            </a:r>
-          </a:p>
-          <a:p>
-            <a:r>
-              <a:rPr lang="en-US" sz="1200" dirty="0">
-                <a:latin typeface="Courier New" panose="02070309020205020404" pitchFamily="49" charset="0"/>
-                <a:cs typeface="Courier New" panose="02070309020205020404" pitchFamily="49" charset="0"/>
-              </a:rPr>
-              <a:t>        fi</a:t>
-            </a:r>
-          </a:p>
-        </p:txBody>
-      </p:sp>
-    </p:spTree>
-    <p:extLst>
-      <p:ext uri="{BB962C8B-B14F-4D97-AF65-F5344CB8AC3E}">
-        <p14:creationId xmlns:p14="http://schemas.microsoft.com/office/powerpoint/2010/main" val="2944273705"/>
-      </p:ext>
-    </p:extLst>
-  </p:cSld>
-  <p:clrMapOvr>
-    <a:masterClrMapping/>
-  </p:clrMapOvr>
-</p:sld>
-</file>
-
-<file path=ppt/slides/slide22.xml><?xml version="1.0" encoding="utf-8"?>
-<p:sld xmlns:a="http://schemas.openxmlformats.org/drawingml/2006/main" xmlns:r="http://schemas.openxmlformats.org/officeDocument/2006/relationships" xmlns:p="http://schemas.openxmlformats.org/presentationml/2006/main">
-  <p:cSld>
-    <p:spTree>
-      <p:nvGrpSpPr>
-        <p:cNvPr id="1" name=""/>
-        <p:cNvGrpSpPr/>
-        <p:nvPr/>
-      </p:nvGrpSpPr>
-      <p:grpSpPr>
-        <a:xfrm>
-          <a:off x="0" y="0"/>
-          <a:ext cx="0" cy="0"/>
-          <a:chOff x="0" y="0"/>
-          <a:chExt cx="0" cy="0"/>
-        </a:xfrm>
-      </p:grpSpPr>
-      <p:sp>
-        <p:nvSpPr>
-          <p:cNvPr id="2" name="Title 1">
-            <a:extLst>
-              <a:ext uri="{FF2B5EF4-FFF2-40B4-BE49-F238E27FC236}">
-                <a16:creationId xmlns:a16="http://schemas.microsoft.com/office/drawing/2014/main" id="{0209F7B9-B500-6A48-B3AA-7D5C6DC44CB2}"/>
-              </a:ext>
-            </a:extLst>
-          </p:cNvPr>
-          <p:cNvSpPr>
-            <a:spLocks noGrp="1"/>
-          </p:cNvSpPr>
-          <p:nvPr>
-            <p:ph type="title"/>
-          </p:nvPr>
-        </p:nvSpPr>
-        <p:spPr/>
-        <p:txBody>
-          <a:bodyPr/>
-          <a:lstStyle/>
-          <a:p>
-            <a:r>
-              <a:rPr lang="en-CH" dirty="0"/>
-              <a:t>Conclusions</a:t>
-            </a:r>
-          </a:p>
-        </p:txBody>
-      </p:sp>
-      <p:sp>
-        <p:nvSpPr>
-          <p:cNvPr id="3" name="Content Placeholder 2">
-            <a:extLst>
-              <a:ext uri="{FF2B5EF4-FFF2-40B4-BE49-F238E27FC236}">
-                <a16:creationId xmlns:a16="http://schemas.microsoft.com/office/drawing/2014/main" id="{B483744F-BEF5-0B46-9B81-355BEB76BA2A}"/>
-              </a:ext>
-            </a:extLst>
-          </p:cNvPr>
-          <p:cNvSpPr>
-            <a:spLocks noGrp="1"/>
-          </p:cNvSpPr>
-          <p:nvPr>
-            <p:ph sz="quarter" idx="1"/>
-          </p:nvPr>
-        </p:nvSpPr>
-        <p:spPr/>
-        <p:txBody>
-          <a:bodyPr/>
-          <a:lstStyle/>
-          <a:p>
-            <a:r>
-              <a:rPr lang="en-CH" dirty="0"/>
-              <a:t>It takes a bit of time to set up and debug a Continuous Integration workflow, but it’s a good investment that can save you a lot </a:t>
-            </a:r>
-            <a:r>
-              <a:rPr lang="en-CH"/>
-              <a:t>of time later on!</a:t>
-            </a:r>
-            <a:endParaRPr lang="en-CH" dirty="0"/>
-          </a:p>
-        </p:txBody>
-      </p:sp>
-      <p:sp>
-        <p:nvSpPr>
-          <p:cNvPr id="4" name="Date Placeholder 3">
-            <a:extLst>
-              <a:ext uri="{FF2B5EF4-FFF2-40B4-BE49-F238E27FC236}">
-                <a16:creationId xmlns:a16="http://schemas.microsoft.com/office/drawing/2014/main" id="{C03D37C7-B59B-1048-A802-78F6FA69F6C7}"/>
-              </a:ext>
-            </a:extLst>
-          </p:cNvPr>
-          <p:cNvSpPr>
-            <a:spLocks noGrp="1"/>
-          </p:cNvSpPr>
-          <p:nvPr>
-            <p:ph type="dt" sz="half" idx="10"/>
-          </p:nvPr>
-        </p:nvSpPr>
-        <p:spPr/>
-        <p:txBody>
-          <a:bodyPr/>
-          <a:lstStyle/>
-          <a:p>
-            <a:r>
-              <a:rPr lang="de-CH" sz="1000"/>
-              <a:t>August 2021, CC BY-SA 4.0</a:t>
-            </a:r>
-            <a:endParaRPr lang="en-US" sz="1000" dirty="0"/>
-          </a:p>
-        </p:txBody>
-      </p:sp>
-      <p:sp>
-        <p:nvSpPr>
-          <p:cNvPr id="5" name="Footer Placeholder 4">
-            <a:extLst>
-              <a:ext uri="{FF2B5EF4-FFF2-40B4-BE49-F238E27FC236}">
-                <a16:creationId xmlns:a16="http://schemas.microsoft.com/office/drawing/2014/main" id="{DB93DB5F-4A03-CA44-A54B-D5F34E39E00B}"/>
-              </a:ext>
-            </a:extLst>
-          </p:cNvPr>
-          <p:cNvSpPr>
-            <a:spLocks noGrp="1"/>
-          </p:cNvSpPr>
-          <p:nvPr>
-            <p:ph type="ftr" sz="quarter" idx="11"/>
-          </p:nvPr>
-        </p:nvSpPr>
-        <p:spPr/>
-        <p:txBody>
-          <a:bodyPr/>
-          <a:lstStyle/>
-          <a:p>
-            <a:r>
-              <a:rPr lang="en-US"/>
-              <a:t>Continuous integration, v1.0</a:t>
-            </a:r>
-            <a:endParaRPr lang="en-US" dirty="0"/>
-          </a:p>
-        </p:txBody>
-      </p:sp>
-      <p:pic>
-        <p:nvPicPr>
-          <p:cNvPr id="7" name="Picture 6" descr="A picture containing metalware, gear, white&#10;&#10;Description automatically generated">
-            <a:extLst>
-              <a:ext uri="{FF2B5EF4-FFF2-40B4-BE49-F238E27FC236}">
-                <a16:creationId xmlns:a16="http://schemas.microsoft.com/office/drawing/2014/main" id="{1C8CF780-D6FA-BB4C-A576-417D77749A00}"/>
-              </a:ext>
-            </a:extLst>
-          </p:cNvPr>
-          <p:cNvPicPr>
-            <a:picLocks noChangeAspect="1"/>
-          </p:cNvPicPr>
-          <p:nvPr/>
-        </p:nvPicPr>
-        <p:blipFill>
-          <a:blip r:embed="rId2">
-            <a:extLst>
-              <a:ext uri="{28A0092B-C50C-407E-A947-70E740481C1C}">
-                <a14:useLocalDpi xmlns:a14="http://schemas.microsoft.com/office/drawing/2010/main" val="0"/>
-              </a:ext>
-            </a:extLst>
-          </a:blip>
-          <a:stretch>
-            <a:fillRect/>
-          </a:stretch>
-        </p:blipFill>
-        <p:spPr>
-          <a:xfrm rot="16200000">
-            <a:off x="5957585" y="3157241"/>
-            <a:ext cx="3830908" cy="2567310"/>
-          </a:xfrm>
-          <a:prstGeom prst="rect">
-            <a:avLst/>
-          </a:prstGeom>
-        </p:spPr>
-      </p:pic>
-    </p:spTree>
-    <p:extLst>
-      <p:ext uri="{BB962C8B-B14F-4D97-AF65-F5344CB8AC3E}">
-        <p14:creationId xmlns:p14="http://schemas.microsoft.com/office/powerpoint/2010/main" val="202595180"/>
-      </p:ext>
-    </p:extLst>
-  </p:cSld>
-  <p:clrMapOvr>
-    <a:masterClrMapping/>
-  </p:clrMapOvr>
-</p:sld>
-</file>
-
 <file path=ppt/slides/slide23.xml><?xml version="1.0" encoding="utf-8"?>
 <p:sld xmlns:a="http://schemas.openxmlformats.org/drawingml/2006/main" xmlns:r="http://schemas.openxmlformats.org/officeDocument/2006/relationships" xmlns:p="http://schemas.openxmlformats.org/presentationml/2006/main">
   <p:cSld>
@@ -10532,12 +10248,18 @@
       </p:grpSpPr>
       <p:sp>
         <p:nvSpPr>
-          <p:cNvPr id="3" name="Date Placeholder 2"/>
-          <p:cNvSpPr>
-            <a:spLocks noGrp="1"/>
-          </p:cNvSpPr>
-          <p:nvPr>
-            <p:ph type="dt" sz="half" idx="10"/>
+          <p:cNvPr id="2" name="Title 1">
+            <a:extLst>
+              <a:ext uri="{FF2B5EF4-FFF2-40B4-BE49-F238E27FC236}">
+                <a16:creationId xmlns:a16="http://schemas.microsoft.com/office/drawing/2014/main" id="{D85EDF41-0FBB-5548-8206-29D15F1E1334}"/>
+              </a:ext>
+            </a:extLst>
+          </p:cNvPr>
+          <p:cNvSpPr>
+            <a:spLocks noGrp="1"/>
+          </p:cNvSpPr>
+          <p:nvPr>
+            <p:ph type="title"/>
           </p:nvPr>
         </p:nvSpPr>
         <p:spPr/>
@@ -10546,66 +10268,362 @@
           <a:lstStyle/>
           <a:p>
             <a:r>
-              <a:rPr lang="de-CH"/>
-              <a:t>August 2021, CC BY-SA 4.0</a:t>
-            </a:r>
-            <a:endParaRPr lang="en-US"/>
-          </a:p>
-        </p:txBody>
-      </p:sp>
-      <p:sp>
-        <p:nvSpPr>
-          <p:cNvPr id="4" name="Footer Placeholder 3"/>
-          <p:cNvSpPr>
-            <a:spLocks noGrp="1"/>
-          </p:cNvSpPr>
-          <p:nvPr>
-            <p:ph type="ftr" sz="quarter" idx="11"/>
-          </p:nvPr>
-        </p:nvSpPr>
-        <p:spPr/>
-        <p:txBody>
-          <a:bodyPr/>
-          <a:lstStyle/>
-          <a:p>
-            <a:r>
-              <a:rPr lang="en-US"/>
-              <a:t>Continuous integration, v1.0</a:t>
-            </a:r>
-          </a:p>
-        </p:txBody>
-      </p:sp>
-      <p:sp>
-        <p:nvSpPr>
-          <p:cNvPr id="2" name="Title 1"/>
-          <p:cNvSpPr>
-            <a:spLocks noGrp="1"/>
-          </p:cNvSpPr>
-          <p:nvPr>
-            <p:ph type="title" idx="4294967295"/>
+              <a:rPr lang="de-DE" dirty="0"/>
+              <a:t>Bonus: </a:t>
+            </a:r>
+            <a:r>
+              <a:rPr lang="en-CH"/>
+              <a:t>Examples </a:t>
+            </a:r>
+            <a:r>
+              <a:rPr lang="en-CH" dirty="0"/>
+              <a:t>of handling secrets</a:t>
+            </a:r>
+          </a:p>
+        </p:txBody>
+      </p:sp>
+      <p:sp>
+        <p:nvSpPr>
+          <p:cNvPr id="3" name="Content Placeholder 2">
+            <a:extLst>
+              <a:ext uri="{FF2B5EF4-FFF2-40B4-BE49-F238E27FC236}">
+                <a16:creationId xmlns:a16="http://schemas.microsoft.com/office/drawing/2014/main" id="{BB2C67C3-32BF-C441-8A6B-23796F786C85}"/>
+              </a:ext>
+            </a:extLst>
+          </p:cNvPr>
+          <p:cNvSpPr>
+            <a:spLocks noGrp="1"/>
+          </p:cNvSpPr>
+          <p:nvPr>
+            <p:ph sz="quarter" idx="1"/>
           </p:nvPr>
         </p:nvSpPr>
         <p:spPr>
           <a:xfrm>
-            <a:off x="460248" y="2705375"/>
+            <a:off x="457200" y="5318720"/>
             <a:ext cx="8229600" cy="990600"/>
           </a:xfrm>
         </p:spPr>
         <p:txBody>
-          <a:bodyPr anchor="ctr">
-            <a:normAutofit/>
+          <a:bodyPr>
+            <a:normAutofit lnSpcReduction="10000"/>
           </a:bodyPr>
           <a:lstStyle/>
           <a:p>
-            <a:pPr algn="ctr"/>
-            <a:r>
-              <a:rPr lang="en-GB" sz="5400" dirty="0"/>
-              <a:t>Thank you!</a:t>
+            <a:pPr marL="0" indent="0">
+              <a:buNone/>
+            </a:pPr>
+            <a:r>
+              <a:rPr lang="en-CH" dirty="0"/>
+              <a:t>Details available at</a:t>
+            </a:r>
+            <a:br>
+              <a:rPr lang="en-CH" dirty="0"/>
+            </a:br>
+            <a:r>
+              <a:rPr lang="en-US" sz="1800" dirty="0">
+                <a:latin typeface="Courier New" panose="02070309020205020404" pitchFamily="49" charset="0"/>
+                <a:cs typeface="Courier New" panose="02070309020205020404" pitchFamily="49" charset="0"/>
+                <a:hlinkClick r:id="rId2"/>
+              </a:rPr>
+              <a:t>https://docs.github.com/en/actions/reference/encrypted-secrets</a:t>
+            </a:r>
+            <a:endParaRPr lang="en-US" sz="1800" dirty="0">
+              <a:latin typeface="Courier New" panose="02070309020205020404" pitchFamily="49" charset="0"/>
+              <a:cs typeface="Courier New" panose="02070309020205020404" pitchFamily="49" charset="0"/>
+            </a:endParaRPr>
+          </a:p>
+          <a:p>
+            <a:pPr marL="0" indent="0">
+              <a:buNone/>
+            </a:pPr>
+            <a:endParaRPr lang="en-CH" dirty="0">
+              <a:latin typeface="Courier New" panose="02070309020205020404" pitchFamily="49" charset="0"/>
+              <a:cs typeface="Courier New" panose="02070309020205020404" pitchFamily="49" charset="0"/>
+            </a:endParaRPr>
+          </a:p>
+        </p:txBody>
+      </p:sp>
+      <p:sp>
+        <p:nvSpPr>
+          <p:cNvPr id="4" name="Date Placeholder 3">
+            <a:extLst>
+              <a:ext uri="{FF2B5EF4-FFF2-40B4-BE49-F238E27FC236}">
+                <a16:creationId xmlns:a16="http://schemas.microsoft.com/office/drawing/2014/main" id="{EFDE6383-63B8-0F40-A2F9-3C9190716F80}"/>
+              </a:ext>
+            </a:extLst>
+          </p:cNvPr>
+          <p:cNvSpPr>
+            <a:spLocks noGrp="1"/>
+          </p:cNvSpPr>
+          <p:nvPr>
+            <p:ph type="dt" sz="half" idx="10"/>
+          </p:nvPr>
+        </p:nvSpPr>
+        <p:spPr/>
+        <p:txBody>
+          <a:bodyPr/>
+          <a:lstStyle/>
+          <a:p>
+            <a:r>
+              <a:rPr lang="de-CH" sz="1000"/>
+              <a:t>August 2021, CC BY-SA 4.0</a:t>
+            </a:r>
+            <a:endParaRPr lang="en-US" sz="1000" dirty="0"/>
+          </a:p>
+        </p:txBody>
+      </p:sp>
+      <p:sp>
+        <p:nvSpPr>
+          <p:cNvPr id="5" name="Footer Placeholder 4">
+            <a:extLst>
+              <a:ext uri="{FF2B5EF4-FFF2-40B4-BE49-F238E27FC236}">
+                <a16:creationId xmlns:a16="http://schemas.microsoft.com/office/drawing/2014/main" id="{33A31BB0-4A2A-6C47-9EAA-F64406BF1A82}"/>
+              </a:ext>
+            </a:extLst>
+          </p:cNvPr>
+          <p:cNvSpPr>
+            <a:spLocks noGrp="1"/>
+          </p:cNvSpPr>
+          <p:nvPr>
+            <p:ph type="ftr" sz="quarter" idx="11"/>
+          </p:nvPr>
+        </p:nvSpPr>
+        <p:spPr/>
+        <p:txBody>
+          <a:bodyPr/>
+          <a:lstStyle/>
+          <a:p>
+            <a:r>
+              <a:rPr lang="en-US"/>
+              <a:t>Continuous integration, v1.0</a:t>
+            </a:r>
+            <a:endParaRPr lang="en-US" dirty="0"/>
+          </a:p>
+        </p:txBody>
+      </p:sp>
+      <p:sp>
+        <p:nvSpPr>
+          <p:cNvPr id="7" name="TextBox 6">
+            <a:extLst>
+              <a:ext uri="{FF2B5EF4-FFF2-40B4-BE49-F238E27FC236}">
+                <a16:creationId xmlns:a16="http://schemas.microsoft.com/office/drawing/2014/main" id="{039746D5-6BF5-384F-93EB-C12A9E07EB20}"/>
+              </a:ext>
+            </a:extLst>
+          </p:cNvPr>
+          <p:cNvSpPr txBox="1"/>
+          <p:nvPr/>
+        </p:nvSpPr>
+        <p:spPr>
+          <a:xfrm>
+            <a:off x="457200" y="1268760"/>
+            <a:ext cx="6563072" cy="3970318"/>
+          </a:xfrm>
+          <a:prstGeom prst="rect">
+            <a:avLst/>
+          </a:prstGeom>
+          <a:solidFill>
+            <a:schemeClr val="bg1"/>
+          </a:solidFill>
+        </p:spPr>
+        <p:txBody>
+          <a:bodyPr wrap="square" rtlCol="0">
+            <a:spAutoFit/>
+          </a:bodyPr>
+          <a:lstStyle/>
+          <a:p>
+            <a:r>
+              <a:rPr lang="en-US" sz="1200" dirty="0">
+                <a:latin typeface="Courier New" panose="02070309020205020404" pitchFamily="49" charset="0"/>
+                <a:cs typeface="Courier New" panose="02070309020205020404" pitchFamily="49" charset="0"/>
+              </a:rPr>
+              <a:t>name: Reveal a secret when the repository is tagged as something starting by secret</a:t>
+            </a:r>
+          </a:p>
+          <a:p>
+            <a:endParaRPr lang="en-US" sz="1200" dirty="0">
+              <a:latin typeface="Courier New" panose="02070309020205020404" pitchFamily="49" charset="0"/>
+              <a:cs typeface="Courier New" panose="02070309020205020404" pitchFamily="49" charset="0"/>
+            </a:endParaRPr>
+          </a:p>
+          <a:p>
+            <a:r>
+              <a:rPr lang="en-US" sz="1200" dirty="0">
+                <a:latin typeface="Courier New" panose="02070309020205020404" pitchFamily="49" charset="0"/>
+                <a:cs typeface="Courier New" panose="02070309020205020404" pitchFamily="49" charset="0"/>
+              </a:rPr>
+              <a:t>on:</a:t>
+            </a:r>
+          </a:p>
+          <a:p>
+            <a:r>
+              <a:rPr lang="en-US" sz="1200" dirty="0">
+                <a:latin typeface="Courier New" panose="02070309020205020404" pitchFamily="49" charset="0"/>
+                <a:cs typeface="Courier New" panose="02070309020205020404" pitchFamily="49" charset="0"/>
+              </a:rPr>
+              <a:t>  push:</a:t>
+            </a:r>
+          </a:p>
+          <a:p>
+            <a:r>
+              <a:rPr lang="en-US" sz="1200" dirty="0">
+                <a:latin typeface="Courier New" panose="02070309020205020404" pitchFamily="49" charset="0"/>
+                <a:cs typeface="Courier New" panose="02070309020205020404" pitchFamily="49" charset="0"/>
+              </a:rPr>
+              <a:t>    tags:</a:t>
+            </a:r>
+          </a:p>
+          <a:p>
+            <a:r>
+              <a:rPr lang="en-US" sz="1200" dirty="0">
+                <a:latin typeface="Courier New" panose="02070309020205020404" pitchFamily="49" charset="0"/>
+                <a:cs typeface="Courier New" panose="02070309020205020404" pitchFamily="49" charset="0"/>
+              </a:rPr>
+              <a:t>      - 'secret*'</a:t>
+            </a:r>
+          </a:p>
+          <a:p>
+            <a:endParaRPr lang="en-US" sz="1200" dirty="0">
+              <a:latin typeface="Courier New" panose="02070309020205020404" pitchFamily="49" charset="0"/>
+              <a:cs typeface="Courier New" panose="02070309020205020404" pitchFamily="49" charset="0"/>
+            </a:endParaRPr>
+          </a:p>
+          <a:p>
+            <a:r>
+              <a:rPr lang="en-US" sz="1200" dirty="0">
+                <a:latin typeface="Courier New" panose="02070309020205020404" pitchFamily="49" charset="0"/>
+                <a:cs typeface="Courier New" panose="02070309020205020404" pitchFamily="49" charset="0"/>
+              </a:rPr>
+              <a:t>jobs:</a:t>
+            </a:r>
+          </a:p>
+          <a:p>
+            <a:r>
+              <a:rPr lang="en-US" sz="1200" dirty="0">
+                <a:latin typeface="Courier New" panose="02070309020205020404" pitchFamily="49" charset="0"/>
+                <a:cs typeface="Courier New" panose="02070309020205020404" pitchFamily="49" charset="0"/>
+              </a:rPr>
+              <a:t>  reveal-secret:</a:t>
+            </a:r>
+          </a:p>
+          <a:p>
+            <a:r>
+              <a:rPr lang="en-US" sz="1200" dirty="0">
+                <a:latin typeface="Courier New" panose="02070309020205020404" pitchFamily="49" charset="0"/>
+                <a:cs typeface="Courier New" panose="02070309020205020404" pitchFamily="49" charset="0"/>
+              </a:rPr>
+              <a:t>    runs-on: ubuntu-latest</a:t>
+            </a:r>
+          </a:p>
+          <a:p>
+            <a:endParaRPr lang="en-US" sz="1200" dirty="0">
+              <a:latin typeface="Courier New" panose="02070309020205020404" pitchFamily="49" charset="0"/>
+              <a:cs typeface="Courier New" panose="02070309020205020404" pitchFamily="49" charset="0"/>
+            </a:endParaRPr>
+          </a:p>
+          <a:p>
+            <a:r>
+              <a:rPr lang="en-US" sz="1200" dirty="0">
+                <a:latin typeface="Courier New" panose="02070309020205020404" pitchFamily="49" charset="0"/>
+                <a:cs typeface="Courier New" panose="02070309020205020404" pitchFamily="49" charset="0"/>
+              </a:rPr>
+              <a:t>    steps:</a:t>
+            </a:r>
+          </a:p>
+          <a:p>
+            <a:r>
+              <a:rPr lang="en-US" sz="1200" dirty="0">
+                <a:latin typeface="Courier New" panose="02070309020205020404" pitchFamily="49" charset="0"/>
+                <a:cs typeface="Courier New" panose="02070309020205020404" pitchFamily="49" charset="0"/>
+              </a:rPr>
+              <a:t>    - shell: bash</a:t>
+            </a:r>
+          </a:p>
+          <a:p>
+            <a:r>
+              <a:rPr lang="en-US" sz="1200" dirty="0">
+                <a:latin typeface="Courier New" panose="02070309020205020404" pitchFamily="49" charset="0"/>
+                <a:cs typeface="Courier New" panose="02070309020205020404" pitchFamily="49" charset="0"/>
+              </a:rPr>
+              <a:t>      env:</a:t>
+            </a:r>
+          </a:p>
+          <a:p>
+            <a:r>
+              <a:rPr lang="en-US" sz="1200" dirty="0">
+                <a:latin typeface="Courier New" panose="02070309020205020404" pitchFamily="49" charset="0"/>
+                <a:cs typeface="Courier New" panose="02070309020205020404" pitchFamily="49" charset="0"/>
+              </a:rPr>
+              <a:t>        SECRET_MSG: ${{ </a:t>
+            </a:r>
+            <a:r>
+              <a:rPr lang="en-US" sz="1200" dirty="0" err="1">
+                <a:latin typeface="Courier New" panose="02070309020205020404" pitchFamily="49" charset="0"/>
+                <a:cs typeface="Courier New" panose="02070309020205020404" pitchFamily="49" charset="0"/>
+              </a:rPr>
+              <a:t>secrets.TOP_SECRET</a:t>
+            </a:r>
+            <a:r>
+              <a:rPr lang="en-US" sz="1200" dirty="0">
+                <a:latin typeface="Courier New" panose="02070309020205020404" pitchFamily="49" charset="0"/>
+                <a:cs typeface="Courier New" panose="02070309020205020404" pitchFamily="49" charset="0"/>
+              </a:rPr>
+              <a:t> }}</a:t>
+            </a:r>
+          </a:p>
+          <a:p>
+            <a:r>
+              <a:rPr lang="en-US" sz="1200" dirty="0">
+                <a:latin typeface="Courier New" panose="02070309020205020404" pitchFamily="49" charset="0"/>
+                <a:cs typeface="Courier New" panose="02070309020205020404" pitchFamily="49" charset="0"/>
+              </a:rPr>
+              <a:t>      run: |</a:t>
+            </a:r>
+          </a:p>
+          <a:p>
+            <a:r>
+              <a:rPr lang="en-US" sz="1200" dirty="0">
+                <a:latin typeface="Courier New" panose="02070309020205020404" pitchFamily="49" charset="0"/>
+                <a:cs typeface="Courier New" panose="02070309020205020404" pitchFamily="49" charset="0"/>
+              </a:rPr>
+              <a:t>        echo The secret is "$SECRET_MSG"</a:t>
+            </a:r>
+          </a:p>
+          <a:p>
+            <a:r>
+              <a:rPr lang="en-US" sz="1200" dirty="0">
+                <a:latin typeface="Courier New" panose="02070309020205020404" pitchFamily="49" charset="0"/>
+                <a:cs typeface="Courier New" panose="02070309020205020404" pitchFamily="49" charset="0"/>
+              </a:rPr>
+              <a:t>        if [ "$SECRET_MSG" = 'do not tell anyone' ]; then</a:t>
+            </a:r>
+          </a:p>
+          <a:p>
+            <a:r>
+              <a:rPr lang="en-US" sz="1200" dirty="0">
+                <a:latin typeface="Courier New" panose="02070309020205020404" pitchFamily="49" charset="0"/>
+                <a:cs typeface="Courier New" panose="02070309020205020404" pitchFamily="49" charset="0"/>
+              </a:rPr>
+              <a:t>          echo matches</a:t>
+            </a:r>
+          </a:p>
+          <a:p>
+            <a:r>
+              <a:rPr lang="en-US" sz="1200" dirty="0">
+                <a:latin typeface="Courier New" panose="02070309020205020404" pitchFamily="49" charset="0"/>
+                <a:cs typeface="Courier New" panose="02070309020205020404" pitchFamily="49" charset="0"/>
+              </a:rPr>
+              <a:t>        fi</a:t>
             </a:r>
           </a:p>
         </p:txBody>
       </p:sp>
     </p:spTree>
+    <p:extLst>
+      <p:ext uri="{BB962C8B-B14F-4D97-AF65-F5344CB8AC3E}">
+        <p14:creationId xmlns:p14="http://schemas.microsoft.com/office/powerpoint/2010/main" val="2944273705"/>
+      </p:ext>
+    </p:extLst>
   </p:cSld>
   <p:clrMapOvr>
     <a:masterClrMapping/>

--- a/continuous_integration.pptx
+++ b/continuous_integration.pptx
@@ -297,7 +297,7 @@
             <a:fld id="{80AC11AF-147E-0A48-A5B0-8DA858D84551}" type="datetimeFigureOut">
               <a:rPr lang="en-US" smtClean="0"/>
               <a:pPr/>
-              <a:t>8/24/22</a:t>
+              <a:t>9/2/22</a:t>
             </a:fld>
             <a:endParaRPr lang="en-US"/>
           </a:p>

--- a/continuous_integration.pptx
+++ b/continuous_integration.pptx
@@ -297,7 +297,7 @@
             <a:fld id="{80AC11AF-147E-0A48-A5B0-8DA858D84551}" type="datetimeFigureOut">
               <a:rPr lang="en-US" smtClean="0"/>
               <a:pPr/>
-              <a:t>9/2/22</a:t>
+              <a:t>9/4/22</a:t>
             </a:fld>
             <a:endParaRPr lang="en-US"/>
           </a:p>
@@ -1303,7 +1303,7 @@
           <a:p>
             <a:r>
               <a:rPr lang="de-CH"/>
-              <a:t>August 2021, CC BY-SA 4.0</a:t>
+              <a:t>Sept 2022, CC BY-SA 4.0</a:t>
             </a:r>
             <a:endParaRPr lang="en-US"/>
           </a:p>
@@ -1326,7 +1326,7 @@
           <a:p>
             <a:r>
               <a:rPr lang="en-US"/>
-              <a:t>Continuous integration, v1.0</a:t>
+              <a:t>Continuous integration, v2.0</a:t>
             </a:r>
           </a:p>
         </p:txBody>
@@ -1471,7 +1471,7 @@
           <a:p>
             <a:r>
               <a:rPr lang="de-CH"/>
-              <a:t>August 2021, CC BY-SA 4.0</a:t>
+              <a:t>Sept 2022, CC BY-SA 4.0</a:t>
             </a:r>
             <a:endParaRPr lang="en-US"/>
           </a:p>
@@ -1494,7 +1494,7 @@
           <a:p>
             <a:r>
               <a:rPr lang="en-US"/>
-              <a:t>Continuous integration, v1.0</a:t>
+              <a:t>Continuous integration, v2.0</a:t>
             </a:r>
           </a:p>
         </p:txBody>
@@ -1771,7 +1771,7 @@
           <a:p>
             <a:r>
               <a:rPr lang="de-CH"/>
-              <a:t>August 2021, CC BY-SA 4.0</a:t>
+              <a:t>Sept 2022, CC BY-SA 4.0</a:t>
             </a:r>
             <a:endParaRPr lang="en-US"/>
           </a:p>
@@ -1794,7 +1794,7 @@
           <a:p>
             <a:r>
               <a:rPr lang="en-US"/>
-              <a:t>Continuous integration, v1.0</a:t>
+              <a:t>Continuous integration, v2.0</a:t>
             </a:r>
           </a:p>
         </p:txBody>
@@ -1961,7 +1961,7 @@
           <a:p>
             <a:r>
               <a:rPr lang="de-CH" sz="1000"/>
-              <a:t>August 2021, CC BY-SA 4.0</a:t>
+              <a:t>Sept 2022, CC BY-SA 4.0</a:t>
             </a:r>
             <a:endParaRPr lang="en-US" sz="1000" dirty="0"/>
           </a:p>
@@ -1988,7 +1988,7 @@
           <a:p>
             <a:r>
               <a:rPr lang="en-US"/>
-              <a:t>Continuous integration, v1.0</a:t>
+              <a:t>Continuous integration, v2.0</a:t>
             </a:r>
             <a:endParaRPr lang="en-US" dirty="0"/>
           </a:p>
@@ -2268,7 +2268,7 @@
           <a:p>
             <a:r>
               <a:rPr lang="de-CH"/>
-              <a:t>August 2021, CC BY-SA 4.0</a:t>
+              <a:t>Sept 2022, CC BY-SA 4.0</a:t>
             </a:r>
             <a:endParaRPr lang="en-US"/>
           </a:p>
@@ -2291,7 +2291,7 @@
           <a:p>
             <a:r>
               <a:rPr lang="en-US"/>
-              <a:t>Continuous integration, v1.0</a:t>
+              <a:t>Continuous integration, v2.0</a:t>
             </a:r>
           </a:p>
         </p:txBody>
@@ -2503,7 +2503,7 @@
           <a:p>
             <a:r>
               <a:rPr lang="de-CH"/>
-              <a:t>August 2021, CC BY-SA 4.0</a:t>
+              <a:t>Sept 2022, CC BY-SA 4.0</a:t>
             </a:r>
             <a:endParaRPr lang="en-US"/>
           </a:p>
@@ -2526,7 +2526,7 @@
           <a:p>
             <a:r>
               <a:rPr lang="en-US"/>
-              <a:t>Continuous integration, v1.0</a:t>
+              <a:t>Continuous integration, v2.0</a:t>
             </a:r>
           </a:p>
         </p:txBody>
@@ -2858,7 +2858,7 @@
           <a:p>
             <a:r>
               <a:rPr lang="de-CH"/>
-              <a:t>August 2021, CC BY-SA 4.0</a:t>
+              <a:t>Sept 2022, CC BY-SA 4.0</a:t>
             </a:r>
             <a:endParaRPr lang="en-US"/>
           </a:p>
@@ -2881,7 +2881,7 @@
           <a:p>
             <a:r>
               <a:rPr lang="en-US"/>
-              <a:t>Continuous integration, v1.0</a:t>
+              <a:t>Continuous integration, v2.0</a:t>
             </a:r>
           </a:p>
         </p:txBody>
@@ -3029,7 +3029,7 @@
           <a:p>
             <a:r>
               <a:rPr lang="de-CH"/>
-              <a:t>August 2021, CC BY-SA 4.0</a:t>
+              <a:t>Sept 2022, CC BY-SA 4.0</a:t>
             </a:r>
             <a:endParaRPr lang="en-US"/>
           </a:p>
@@ -3052,7 +3052,7 @@
           <a:p>
             <a:r>
               <a:rPr lang="en-US"/>
-              <a:t>Continuous integration, v1.0</a:t>
+              <a:t>Continuous integration, v2.0</a:t>
             </a:r>
           </a:p>
         </p:txBody>
@@ -3209,7 +3209,7 @@
           <a:p>
             <a:r>
               <a:rPr lang="de-CH"/>
-              <a:t>August 2021, CC BY-SA 4.0</a:t>
+              <a:t>Sept 2022, CC BY-SA 4.0</a:t>
             </a:r>
             <a:endParaRPr lang="en-US"/>
           </a:p>
@@ -3232,7 +3232,7 @@
           <a:p>
             <a:r>
               <a:rPr lang="en-US"/>
-              <a:t>Continuous integration, v1.0</a:t>
+              <a:t>Continuous integration, v2.0</a:t>
             </a:r>
           </a:p>
         </p:txBody>
@@ -3582,7 +3582,7 @@
           <a:p>
             <a:r>
               <a:rPr lang="de-CH"/>
-              <a:t>August 2021, CC BY-SA 4.0</a:t>
+              <a:t>Sept 2022, CC BY-SA 4.0</a:t>
             </a:r>
             <a:endParaRPr lang="en-US"/>
           </a:p>
@@ -3605,7 +3605,7 @@
           <a:p>
             <a:r>
               <a:rPr lang="en-US"/>
-              <a:t>Continuous integration, v1.0</a:t>
+              <a:t>Continuous integration, v2.0</a:t>
             </a:r>
           </a:p>
         </p:txBody>
@@ -3813,7 +3813,7 @@
           <a:p>
             <a:r>
               <a:rPr lang="de-CH"/>
-              <a:t>August 2021, CC BY-SA 4.0</a:t>
+              <a:t>Sept 2022, CC BY-SA 4.0</a:t>
             </a:r>
             <a:endParaRPr lang="en-US"/>
           </a:p>
@@ -3836,7 +3836,7 @@
           <a:p>
             <a:r>
               <a:rPr lang="en-US"/>
-              <a:t>Continuous integration, v1.0</a:t>
+              <a:t>Continuous integration, v2.0</a:t>
             </a:r>
           </a:p>
         </p:txBody>
@@ -4153,7 +4153,7 @@
           <a:p>
             <a:r>
               <a:rPr lang="de-CH"/>
-              <a:t>August 2021, CC BY-SA 4.0</a:t>
+              <a:t>Sept 2022, CC BY-SA 4.0</a:t>
             </a:r>
             <a:endParaRPr lang="en-US" dirty="0"/>
           </a:p>
@@ -4192,7 +4192,7 @@
           <a:p>
             <a:r>
               <a:rPr lang="en-US"/>
-              <a:t>Continuous integration, v1.0</a:t>
+              <a:t>Continuous integration, v2.0</a:t>
             </a:r>
             <a:endParaRPr lang="en-US" dirty="0"/>
           </a:p>
@@ -4887,7 +4887,7 @@
           <a:p>
             <a:r>
               <a:rPr lang="de-CH" sz="1000"/>
-              <a:t>August 2021, CC BY-SA 4.0</a:t>
+              <a:t>Sept 2022, CC BY-SA 4.0</a:t>
             </a:r>
             <a:endParaRPr lang="en-US" sz="1000" dirty="0"/>
           </a:p>
@@ -4916,7 +4916,7 @@
           <a:p>
             <a:r>
               <a:rPr lang="en-US"/>
-              <a:t>Continuous integration, v1.0</a:t>
+              <a:t>Continuous integration, v2.0</a:t>
             </a:r>
             <a:endParaRPr lang="en-US" dirty="0"/>
           </a:p>
@@ -5005,7 +5005,7 @@
           <a:p>
             <a:r>
               <a:rPr lang="de-CH" sz="1000"/>
-              <a:t>August 2021, CC BY-SA 4.0</a:t>
+              <a:t>Sept 2022, CC BY-SA 4.0</a:t>
             </a:r>
             <a:endParaRPr lang="en-US" sz="1000" dirty="0"/>
           </a:p>
@@ -5034,7 +5034,7 @@
           <a:p>
             <a:r>
               <a:rPr lang="en-US"/>
-              <a:t>Continuous integration, v1.0</a:t>
+              <a:t>Continuous integration, v2.0</a:t>
             </a:r>
             <a:endParaRPr lang="en-US" dirty="0"/>
           </a:p>
@@ -5944,7 +5944,7 @@
           <a:p>
             <a:r>
               <a:rPr lang="de-CH" sz="1000"/>
-              <a:t>August 2021, CC BY-SA 4.0</a:t>
+              <a:t>Sept 2022, CC BY-SA 4.0</a:t>
             </a:r>
             <a:endParaRPr lang="en-US" sz="1000" dirty="0"/>
           </a:p>
@@ -5973,7 +5973,7 @@
           <a:p>
             <a:r>
               <a:rPr lang="en-US"/>
-              <a:t>Continuous integration, v1.0</a:t>
+              <a:t>Continuous integration, v2.0</a:t>
             </a:r>
             <a:endParaRPr lang="en-US" dirty="0"/>
           </a:p>
@@ -6800,7 +6800,7 @@
           <a:p>
             <a:r>
               <a:rPr lang="de-CH" sz="1000"/>
-              <a:t>August 2021, CC BY-SA 4.0</a:t>
+              <a:t>Sept 2022, CC BY-SA 4.0</a:t>
             </a:r>
             <a:endParaRPr lang="en-US" sz="1000" dirty="0"/>
           </a:p>
@@ -6829,7 +6829,7 @@
           <a:p>
             <a:r>
               <a:rPr lang="en-US"/>
-              <a:t>Continuous integration, v1.0</a:t>
+              <a:t>Continuous integration, v2.0</a:t>
             </a:r>
             <a:endParaRPr lang="en-US" dirty="0"/>
           </a:p>
@@ -6997,7 +6997,7 @@
           <a:p>
             <a:r>
               <a:rPr lang="de-CH" sz="1000"/>
-              <a:t>August 2021, CC BY-SA 4.0</a:t>
+              <a:t>Sept 2022, CC BY-SA 4.0</a:t>
             </a:r>
             <a:endParaRPr lang="en-US" sz="1000" dirty="0"/>
           </a:p>
@@ -7026,7 +7026,7 @@
           <a:p>
             <a:r>
               <a:rPr lang="en-US"/>
-              <a:t>Continuous integration, v1.0</a:t>
+              <a:t>Continuous integration, v2.0</a:t>
             </a:r>
             <a:endParaRPr lang="en-US" dirty="0"/>
           </a:p>
@@ -7145,7 +7145,7 @@
           <a:p>
             <a:r>
               <a:rPr lang="de-CH" sz="1000"/>
-              <a:t>August 2021, CC BY-SA 4.0</a:t>
+              <a:t>Sept 2022, CC BY-SA 4.0</a:t>
             </a:r>
             <a:endParaRPr lang="en-US" sz="1000" dirty="0"/>
           </a:p>
@@ -7174,7 +7174,7 @@
           <a:p>
             <a:r>
               <a:rPr lang="en-US"/>
-              <a:t>Continuous integration, v1.0</a:t>
+              <a:t>Continuous integration, v2.0</a:t>
             </a:r>
             <a:endParaRPr lang="en-US" dirty="0"/>
           </a:p>
@@ -7783,7 +7783,7 @@
           <a:p>
             <a:r>
               <a:rPr lang="de-CH" sz="1000"/>
-              <a:t>August 2021, CC BY-SA 4.0</a:t>
+              <a:t>Sept 2022, CC BY-SA 4.0</a:t>
             </a:r>
             <a:endParaRPr lang="en-US" sz="1000" dirty="0"/>
           </a:p>
@@ -7812,7 +7812,7 @@
           <a:p>
             <a:r>
               <a:rPr lang="en-US"/>
-              <a:t>Continuous integration, v1.0</a:t>
+              <a:t>Continuous integration, v2.0</a:t>
             </a:r>
             <a:endParaRPr lang="en-US" dirty="0"/>
           </a:p>
@@ -8681,7 +8681,7 @@
           <a:p>
             <a:r>
               <a:rPr lang="de-CH" sz="1000"/>
-              <a:t>August 2021, CC BY-SA 4.0</a:t>
+              <a:t>Sept 2022, CC BY-SA 4.0</a:t>
             </a:r>
             <a:endParaRPr lang="en-US" sz="1000" dirty="0"/>
           </a:p>
@@ -8710,7 +8710,7 @@
           <a:p>
             <a:r>
               <a:rPr lang="en-US"/>
-              <a:t>Continuous integration, v1.0</a:t>
+              <a:t>Continuous integration, v2.0</a:t>
             </a:r>
             <a:endParaRPr lang="en-US" dirty="0"/>
           </a:p>
@@ -8842,7 +8842,7 @@
           <a:p>
             <a:r>
               <a:rPr lang="de-CH" sz="1000"/>
-              <a:t>August 2021, CC BY-SA 4.0</a:t>
+              <a:t>Sept 2022, CC BY-SA 4.0</a:t>
             </a:r>
             <a:endParaRPr lang="en-US" sz="1000" dirty="0"/>
           </a:p>
@@ -8871,7 +8871,7 @@
           <a:p>
             <a:r>
               <a:rPr lang="en-US"/>
-              <a:t>Continuous integration, v1.0</a:t>
+              <a:t>Continuous integration, v2.0</a:t>
             </a:r>
             <a:endParaRPr lang="en-US" dirty="0"/>
           </a:p>
@@ -9044,7 +9044,7 @@
           <a:p>
             <a:r>
               <a:rPr lang="de-CH" sz="1000"/>
-              <a:t>August 2021, CC BY-SA 4.0</a:t>
+              <a:t>Sept 2022, CC BY-SA 4.0</a:t>
             </a:r>
             <a:endParaRPr lang="en-US" sz="1000" dirty="0"/>
           </a:p>
@@ -9073,7 +9073,7 @@
           <a:p>
             <a:r>
               <a:rPr lang="en-US"/>
-              <a:t>Continuous integration, v1.0</a:t>
+              <a:t>Continuous integration, v2.0</a:t>
             </a:r>
             <a:endParaRPr lang="en-US" dirty="0"/>
           </a:p>
@@ -9205,7 +9205,7 @@
           <a:p>
             <a:r>
               <a:rPr lang="de-CH" sz="1000"/>
-              <a:t>August 2021, CC BY-SA 4.0</a:t>
+              <a:t>Sept 2022, CC BY-SA 4.0</a:t>
             </a:r>
             <a:endParaRPr lang="en-US" sz="1000" dirty="0"/>
           </a:p>
@@ -9234,7 +9234,7 @@
           <a:p>
             <a:r>
               <a:rPr lang="en-US"/>
-              <a:t>Continuous integration, v1.0</a:t>
+              <a:t>Continuous integration, v2.0</a:t>
             </a:r>
             <a:endParaRPr lang="en-US" dirty="0"/>
           </a:p>
@@ -9395,7 +9395,7 @@
           <a:p>
             <a:r>
               <a:rPr lang="de-CH"/>
-              <a:t>August 2021, CC BY-SA 4.0</a:t>
+              <a:t>Sept 2022, CC BY-SA 4.0</a:t>
             </a:r>
             <a:endParaRPr lang="en-US"/>
           </a:p>
@@ -9418,7 +9418,7 @@
           <a:p>
             <a:r>
               <a:rPr lang="en-US"/>
-              <a:t>Continuous integration, v1.0</a:t>
+              <a:t>Continuous integration, v2.0</a:t>
             </a:r>
           </a:p>
         </p:txBody>
@@ -9617,7 +9617,7 @@
           <a:p>
             <a:r>
               <a:rPr lang="de-CH" sz="1000"/>
-              <a:t>August 2021, CC BY-SA 4.0</a:t>
+              <a:t>Sept 2022, CC BY-SA 4.0</a:t>
             </a:r>
             <a:endParaRPr lang="en-US" sz="1000" dirty="0"/>
           </a:p>
@@ -9646,7 +9646,7 @@
           <a:p>
             <a:r>
               <a:rPr lang="en-US"/>
-              <a:t>Continuous integration, v1.0</a:t>
+              <a:t>Continuous integration, v2.0</a:t>
             </a:r>
             <a:endParaRPr lang="en-US" dirty="0"/>
           </a:p>
@@ -10151,7 +10151,7 @@
           <a:p>
             <a:r>
               <a:rPr lang="de-CH" sz="1000"/>
-              <a:t>August 2021, CC BY-SA 4.0</a:t>
+              <a:t>Sept 2022, CC BY-SA 4.0</a:t>
             </a:r>
             <a:endParaRPr lang="en-US" sz="1000" dirty="0"/>
           </a:p>
@@ -10180,7 +10180,7 @@
           <a:p>
             <a:r>
               <a:rPr lang="en-US"/>
-              <a:t>Continuous integration, v1.0</a:t>
+              <a:t>Continuous integration, v2.0</a:t>
             </a:r>
             <a:endParaRPr lang="en-US" dirty="0"/>
           </a:p>
@@ -10367,7 +10367,7 @@
           <a:p>
             <a:r>
               <a:rPr lang="de-CH" sz="1000"/>
-              <a:t>August 2021, CC BY-SA 4.0</a:t>
+              <a:t>Sept 2022, CC BY-SA 4.0</a:t>
             </a:r>
             <a:endParaRPr lang="en-US" sz="1000" dirty="0"/>
           </a:p>
@@ -10396,7 +10396,7 @@
           <a:p>
             <a:r>
               <a:rPr lang="en-US"/>
-              <a:t>Continuous integration, v1.0</a:t>
+              <a:t>Continuous integration, v2.0</a:t>
             </a:r>
             <a:endParaRPr lang="en-US" dirty="0"/>
           </a:p>
@@ -10665,7 +10665,7 @@
           <a:p>
             <a:r>
               <a:rPr lang="de-CH"/>
-              <a:t>August 2021, CC BY-SA 4.0</a:t>
+              <a:t>Sept 2022, CC BY-SA 4.0</a:t>
             </a:r>
             <a:endParaRPr lang="en-US"/>
           </a:p>
@@ -10688,7 +10688,7 @@
           <a:p>
             <a:r>
               <a:rPr lang="en-US"/>
-              <a:t>Continuous integration, v1.0</a:t>
+              <a:t>Continuous integration, v2.0</a:t>
             </a:r>
           </a:p>
         </p:txBody>
@@ -10893,7 +10893,7 @@
           <a:p>
             <a:r>
               <a:rPr lang="de-CH"/>
-              <a:t>August 2021, CC BY-SA 4.0</a:t>
+              <a:t>Sept 2022, CC BY-SA 4.0</a:t>
             </a:r>
             <a:endParaRPr lang="en-US"/>
           </a:p>
@@ -10922,7 +10922,7 @@
           <a:p>
             <a:r>
               <a:rPr lang="en-US"/>
-              <a:t>Continuous integration, v1.0</a:t>
+              <a:t>Continuous integration, v2.0</a:t>
             </a:r>
           </a:p>
         </p:txBody>
@@ -11017,7 +11017,7 @@
           <a:p>
             <a:r>
               <a:rPr lang="de-CH" sz="1000"/>
-              <a:t>August 2021, CC BY-SA 4.0</a:t>
+              <a:t>Sept 2022, CC BY-SA 4.0</a:t>
             </a:r>
             <a:endParaRPr lang="en-US" sz="1000" dirty="0"/>
           </a:p>
@@ -11046,7 +11046,7 @@
           <a:p>
             <a:r>
               <a:rPr lang="en-US"/>
-              <a:t>Continuous integration, v1.0</a:t>
+              <a:t>Continuous integration, v2.0</a:t>
             </a:r>
             <a:endParaRPr lang="en-US" dirty="0"/>
           </a:p>
@@ -11289,7 +11289,7 @@
           <a:p>
             <a:r>
               <a:rPr lang="de-CH"/>
-              <a:t>August 2021, CC BY-SA 4.0</a:t>
+              <a:t>Sept 2022, CC BY-SA 4.0</a:t>
             </a:r>
             <a:endParaRPr lang="en-US"/>
           </a:p>
@@ -11318,7 +11318,7 @@
           <a:p>
             <a:r>
               <a:rPr lang="en-US"/>
-              <a:t>Continuous integration, v1.0</a:t>
+              <a:t>Continuous integration, v2.0</a:t>
             </a:r>
           </a:p>
         </p:txBody>
@@ -11404,7 +11404,7 @@
           <a:p>
             <a:r>
               <a:rPr lang="de-CH" sz="1000"/>
-              <a:t>August 2021, CC BY-SA 4.0</a:t>
+              <a:t>Sept 2022, CC BY-SA 4.0</a:t>
             </a:r>
             <a:endParaRPr lang="en-US" sz="1000" dirty="0"/>
           </a:p>
@@ -11433,7 +11433,7 @@
           <a:p>
             <a:r>
               <a:rPr lang="en-US"/>
-              <a:t>Continuous integration, v1.0</a:t>
+              <a:t>Continuous integration, v2.0</a:t>
             </a:r>
             <a:endParaRPr lang="en-US" dirty="0"/>
           </a:p>
@@ -11742,7 +11742,7 @@
           <a:p>
             <a:r>
               <a:rPr lang="de-CH" sz="1000"/>
-              <a:t>August 2021, CC BY-SA 4.0</a:t>
+              <a:t>Sept 2022, CC BY-SA 4.0</a:t>
             </a:r>
             <a:endParaRPr lang="en-US" sz="1000" dirty="0"/>
           </a:p>
@@ -11771,7 +11771,7 @@
           <a:p>
             <a:r>
               <a:rPr lang="en-US"/>
-              <a:t>Continuous integration, v1.0</a:t>
+              <a:t>Continuous integration, v2.0</a:t>
             </a:r>
             <a:endParaRPr lang="en-US" dirty="0"/>
           </a:p>
@@ -12012,7 +12012,7 @@
           <a:p>
             <a:r>
               <a:rPr lang="de-CH" sz="1000"/>
-              <a:t>August 2021, CC BY-SA 4.0</a:t>
+              <a:t>Sept 2022, CC BY-SA 4.0</a:t>
             </a:r>
             <a:endParaRPr lang="en-US" sz="1000" dirty="0"/>
           </a:p>
@@ -12041,7 +12041,7 @@
           <a:p>
             <a:r>
               <a:rPr lang="en-US"/>
-              <a:t>Continuous integration, v1.0</a:t>
+              <a:t>Continuous integration, v2.0</a:t>
             </a:r>
             <a:endParaRPr lang="en-US" dirty="0"/>
           </a:p>
@@ -12257,7 +12257,7 @@
           <a:p>
             <a:r>
               <a:rPr lang="de-CH" sz="1000"/>
-              <a:t>August 2021, CC BY-SA 4.0</a:t>
+              <a:t>Sept 2022, CC BY-SA 4.0</a:t>
             </a:r>
             <a:endParaRPr lang="en-US" sz="1000" dirty="0"/>
           </a:p>
@@ -12286,7 +12286,7 @@
           <a:p>
             <a:r>
               <a:rPr lang="en-US"/>
-              <a:t>Continuous integration, v1.0</a:t>
+              <a:t>Continuous integration, v2.0</a:t>
             </a:r>
             <a:endParaRPr lang="en-US" dirty="0"/>
           </a:p>

--- a/continuous_integration.pptx
+++ b/continuous_integration.pptx
@@ -297,7 +297,7 @@
             <a:fld id="{80AC11AF-147E-0A48-A5B0-8DA858D84551}" type="datetimeFigureOut">
               <a:rPr lang="en-US" smtClean="0"/>
               <a:pPr/>
-              <a:t>9/4/22</a:t>
+              <a:t>6/26/23</a:t>
             </a:fld>
             <a:endParaRPr lang="en-US"/>
           </a:p>

--- a/continuous_integration.pptx
+++ b/continuous_integration.pptx
@@ -5,10 +5,10 @@
     <p:sldMasterId id="2147483660" r:id="rId1"/>
   </p:sldMasterIdLst>
   <p:notesMasterIdLst>
-    <p:notesMasterId r:id="rId26"/>
+    <p:notesMasterId r:id="rId27"/>
   </p:notesMasterIdLst>
   <p:handoutMasterIdLst>
-    <p:handoutMasterId r:id="rId27"/>
+    <p:handoutMasterId r:id="rId28"/>
   </p:handoutMasterIdLst>
   <p:sldIdLst>
     <p:sldId id="273" r:id="rId2"/>
@@ -30,11 +30,12 @@
     <p:sldId id="327" r:id="rId18"/>
     <p:sldId id="320" r:id="rId19"/>
     <p:sldId id="322" r:id="rId20"/>
-    <p:sldId id="288" r:id="rId21"/>
-    <p:sldId id="328" r:id="rId22"/>
-    <p:sldId id="307" r:id="rId23"/>
-    <p:sldId id="321" r:id="rId24"/>
-    <p:sldId id="298" r:id="rId25"/>
+    <p:sldId id="476" r:id="rId21"/>
+    <p:sldId id="288" r:id="rId22"/>
+    <p:sldId id="328" r:id="rId23"/>
+    <p:sldId id="307" r:id="rId24"/>
+    <p:sldId id="321" r:id="rId25"/>
+    <p:sldId id="298" r:id="rId26"/>
   </p:sldIdLst>
   <p:sldSz cx="9144000" cy="6858000" type="screen4x3"/>
   <p:notesSz cx="6858000" cy="9144000"/>
@@ -187,6 +188,7 @@
             <p14:sldId id="327"/>
             <p14:sldId id="320"/>
             <p14:sldId id="322"/>
+            <p14:sldId id="476"/>
             <p14:sldId id="288"/>
             <p14:sldId id="328"/>
             <p14:sldId id="307"/>
@@ -9380,6 +9382,177 @@
       </p:grpSpPr>
       <p:sp>
         <p:nvSpPr>
+          <p:cNvPr id="6" name="Title 5"/>
+          <p:cNvSpPr>
+            <a:spLocks noGrp="1"/>
+          </p:cNvSpPr>
+          <p:nvPr>
+            <p:ph type="title"/>
+          </p:nvPr>
+        </p:nvSpPr>
+        <p:spPr/>
+        <p:txBody>
+          <a:bodyPr>
+            <a:normAutofit/>
+          </a:bodyPr>
+          <a:lstStyle/>
+          <a:p>
+            <a:r>
+              <a:rPr lang="en-US" dirty="0"/>
+              <a:t>Recommended reading</a:t>
+            </a:r>
+          </a:p>
+        </p:txBody>
+      </p:sp>
+      <p:pic>
+        <p:nvPicPr>
+          <p:cNvPr id="9" name="Picture 8"/>
+          <p:cNvPicPr>
+            <a:picLocks noChangeAspect="1"/>
+          </p:cNvPicPr>
+          <p:nvPr/>
+        </p:nvPicPr>
+        <p:blipFill>
+          <a:blip r:embed="rId2"/>
+          <a:stretch>
+            <a:fillRect/>
+          </a:stretch>
+        </p:blipFill>
+        <p:spPr>
+          <a:xfrm>
+            <a:off x="827584" y="2132856"/>
+            <a:ext cx="2352367" cy="2952328"/>
+          </a:xfrm>
+          <a:prstGeom prst="rect">
+            <a:avLst/>
+          </a:prstGeom>
+        </p:spPr>
+      </p:pic>
+      <p:pic>
+        <p:nvPicPr>
+          <p:cNvPr id="10" name="Picture 9"/>
+          <p:cNvPicPr>
+            <a:picLocks noChangeAspect="1"/>
+          </p:cNvPicPr>
+          <p:nvPr/>
+        </p:nvPicPr>
+        <p:blipFill>
+          <a:blip r:embed="rId3"/>
+          <a:stretch>
+            <a:fillRect/>
+          </a:stretch>
+        </p:blipFill>
+        <p:spPr>
+          <a:xfrm>
+            <a:off x="3491880" y="2132856"/>
+            <a:ext cx="2355484" cy="2952328"/>
+          </a:xfrm>
+          <a:prstGeom prst="rect">
+            <a:avLst/>
+          </a:prstGeom>
+        </p:spPr>
+      </p:pic>
+      <p:pic>
+        <p:nvPicPr>
+          <p:cNvPr id="11" name="Picture 10"/>
+          <p:cNvPicPr>
+            <a:picLocks noChangeAspect="1"/>
+          </p:cNvPicPr>
+          <p:nvPr/>
+        </p:nvPicPr>
+        <p:blipFill>
+          <a:blip r:embed="rId4"/>
+          <a:stretch>
+            <a:fillRect/>
+          </a:stretch>
+        </p:blipFill>
+        <p:spPr>
+          <a:xfrm>
+            <a:off x="6156176" y="2132856"/>
+            <a:ext cx="2273475" cy="2952328"/>
+          </a:xfrm>
+          <a:prstGeom prst="rect">
+            <a:avLst/>
+          </a:prstGeom>
+        </p:spPr>
+      </p:pic>
+      <p:sp>
+        <p:nvSpPr>
+          <p:cNvPr id="2" name="Date Placeholder 1"/>
+          <p:cNvSpPr>
+            <a:spLocks noGrp="1"/>
+          </p:cNvSpPr>
+          <p:nvPr>
+            <p:ph type="dt" sz="half" idx="10"/>
+          </p:nvPr>
+        </p:nvSpPr>
+        <p:spPr/>
+        <p:txBody>
+          <a:bodyPr/>
+          <a:lstStyle/>
+          <a:p>
+            <a:r>
+              <a:rPr lang="de-CH"/>
+              <a:t>June 2023, CC BY-SA 4.0</a:t>
+            </a:r>
+            <a:endParaRPr lang="en-US"/>
+          </a:p>
+        </p:txBody>
+      </p:sp>
+      <p:sp>
+        <p:nvSpPr>
+          <p:cNvPr id="3" name="Footer Placeholder 2"/>
+          <p:cNvSpPr>
+            <a:spLocks noGrp="1"/>
+          </p:cNvSpPr>
+          <p:nvPr>
+            <p:ph type="ftr" sz="quarter" idx="11"/>
+          </p:nvPr>
+        </p:nvSpPr>
+        <p:spPr/>
+        <p:txBody>
+          <a:bodyPr/>
+          <a:lstStyle/>
+          <a:p>
+            <a:r>
+              <a:rPr lang="en-US"/>
+              <a:t>Testing scientific code, v15.0</a:t>
+            </a:r>
+          </a:p>
+        </p:txBody>
+      </p:sp>
+    </p:spTree>
+    <p:extLst>
+      <p:ext uri="{BB962C8B-B14F-4D97-AF65-F5344CB8AC3E}">
+        <p14:creationId xmlns:p14="http://schemas.microsoft.com/office/powerpoint/2010/main" val="554997526"/>
+      </p:ext>
+    </p:extLst>
+  </p:cSld>
+  <p:clrMapOvr>
+    <a:masterClrMapping/>
+  </p:clrMapOvr>
+</p:sld>
+</file>
+
+<file path=ppt/slides/slide21.xml><?xml version="1.0" encoding="utf-8"?>
+<p:sld xmlns:a="http://schemas.openxmlformats.org/drawingml/2006/main" xmlns:r="http://schemas.openxmlformats.org/officeDocument/2006/relationships" xmlns:p="http://schemas.openxmlformats.org/presentationml/2006/main">
+  <p:cSld>
+    <p:spTree>
+      <p:nvGrpSpPr>
+        <p:cNvPr id="1" name=""/>
+        <p:cNvGrpSpPr/>
+        <p:nvPr/>
+      </p:nvGrpSpPr>
+      <p:grpSpPr>
+        <a:xfrm>
+          <a:off x="0" y="0"/>
+          <a:ext cx="0" cy="0"/>
+          <a:chOff x="0" y="0"/>
+          <a:chExt cx="0" cy="0"/>
+        </a:xfrm>
+      </p:grpSpPr>
+      <p:sp>
+        <p:nvSpPr>
           <p:cNvPr id="3" name="Date Placeholder 2"/>
           <p:cNvSpPr>
             <a:spLocks noGrp="1"/>
@@ -9461,7 +9634,7 @@
 </p:sld>
 </file>
 
-<file path=ppt/slides/slide21.xml><?xml version="1.0" encoding="utf-8"?>
+<file path=ppt/slides/slide22.xml><?xml version="1.0" encoding="utf-8"?>
 <p:sld xmlns:a="http://schemas.openxmlformats.org/drawingml/2006/main" xmlns:r="http://schemas.openxmlformats.org/officeDocument/2006/relationships" xmlns:p="http://schemas.openxmlformats.org/presentationml/2006/main">
   <p:cSld>
     <p:spTree>
@@ -9990,7 +10163,7 @@
 </p:sld>
 </file>
 
-<file path=ppt/slides/slide22.xml><?xml version="1.0" encoding="utf-8"?>
+<file path=ppt/slides/slide23.xml><?xml version="1.0" encoding="utf-8"?>
 <p:sld xmlns:a="http://schemas.openxmlformats.org/drawingml/2006/main" xmlns:r="http://schemas.openxmlformats.org/officeDocument/2006/relationships" xmlns:p="http://schemas.openxmlformats.org/presentationml/2006/main">
   <p:cSld>
     <p:spTree>
@@ -10229,7 +10402,7 @@
 </p:sld>
 </file>
 
-<file path=ppt/slides/slide23.xml><?xml version="1.0" encoding="utf-8"?>
+<file path=ppt/slides/slide24.xml><?xml version="1.0" encoding="utf-8"?>
 <p:sld xmlns:a="http://schemas.openxmlformats.org/drawingml/2006/main" xmlns:r="http://schemas.openxmlformats.org/officeDocument/2006/relationships" xmlns:p="http://schemas.openxmlformats.org/presentationml/2006/main">
   <p:cSld>
     <p:spTree>
@@ -10631,7 +10804,7 @@
 </p:sld>
 </file>
 
-<file path=ppt/slides/slide24.xml><?xml version="1.0" encoding="utf-8"?>
+<file path=ppt/slides/slide25.xml><?xml version="1.0" encoding="utf-8"?>
 <p:sld xmlns:a="http://schemas.openxmlformats.org/drawingml/2006/main" xmlns:r="http://schemas.openxmlformats.org/officeDocument/2006/relationships" xmlns:p="http://schemas.openxmlformats.org/presentationml/2006/main">
   <p:cSld>
     <p:spTree>

--- a/continuous_integration.pptx
+++ b/continuous_integration.pptx
@@ -1305,7 +1305,7 @@
           <a:p>
             <a:r>
               <a:rPr lang="de-CH"/>
-              <a:t>Sept 2022, CC BY-SA 4.0</a:t>
+              <a:t>June 2023, CC BY-SA 4.0</a:t>
             </a:r>
             <a:endParaRPr lang="en-US"/>
           </a:p>
@@ -1328,7 +1328,7 @@
           <a:p>
             <a:r>
               <a:rPr lang="en-US"/>
-              <a:t>Continuous integration, v2.0</a:t>
+              <a:t>Continuous integration, v3.0</a:t>
             </a:r>
           </a:p>
         </p:txBody>
@@ -1473,7 +1473,7 @@
           <a:p>
             <a:r>
               <a:rPr lang="de-CH"/>
-              <a:t>Sept 2022, CC BY-SA 4.0</a:t>
+              <a:t>June 2023, CC BY-SA 4.0</a:t>
             </a:r>
             <a:endParaRPr lang="en-US"/>
           </a:p>
@@ -1496,7 +1496,7 @@
           <a:p>
             <a:r>
               <a:rPr lang="en-US"/>
-              <a:t>Continuous integration, v2.0</a:t>
+              <a:t>Continuous integration, v3.0</a:t>
             </a:r>
           </a:p>
         </p:txBody>
@@ -1773,7 +1773,7 @@
           <a:p>
             <a:r>
               <a:rPr lang="de-CH"/>
-              <a:t>Sept 2022, CC BY-SA 4.0</a:t>
+              <a:t>June 2023, CC BY-SA 4.0</a:t>
             </a:r>
             <a:endParaRPr lang="en-US"/>
           </a:p>
@@ -1796,7 +1796,7 @@
           <a:p>
             <a:r>
               <a:rPr lang="en-US"/>
-              <a:t>Continuous integration, v2.0</a:t>
+              <a:t>Continuous integration, v3.0</a:t>
             </a:r>
           </a:p>
         </p:txBody>
@@ -1963,7 +1963,7 @@
           <a:p>
             <a:r>
               <a:rPr lang="de-CH" sz="1000"/>
-              <a:t>Sept 2022, CC BY-SA 4.0</a:t>
+              <a:t>June 2023, CC BY-SA 4.0</a:t>
             </a:r>
             <a:endParaRPr lang="en-US" sz="1000" dirty="0"/>
           </a:p>
@@ -1990,7 +1990,7 @@
           <a:p>
             <a:r>
               <a:rPr lang="en-US"/>
-              <a:t>Continuous integration, v2.0</a:t>
+              <a:t>Continuous integration, v3.0</a:t>
             </a:r>
             <a:endParaRPr lang="en-US" dirty="0"/>
           </a:p>
@@ -2270,7 +2270,7 @@
           <a:p>
             <a:r>
               <a:rPr lang="de-CH"/>
-              <a:t>Sept 2022, CC BY-SA 4.0</a:t>
+              <a:t>June 2023, CC BY-SA 4.0</a:t>
             </a:r>
             <a:endParaRPr lang="en-US"/>
           </a:p>
@@ -2293,7 +2293,7 @@
           <a:p>
             <a:r>
               <a:rPr lang="en-US"/>
-              <a:t>Continuous integration, v2.0</a:t>
+              <a:t>Continuous integration, v3.0</a:t>
             </a:r>
           </a:p>
         </p:txBody>
@@ -2505,7 +2505,7 @@
           <a:p>
             <a:r>
               <a:rPr lang="de-CH"/>
-              <a:t>Sept 2022, CC BY-SA 4.0</a:t>
+              <a:t>June 2023, CC BY-SA 4.0</a:t>
             </a:r>
             <a:endParaRPr lang="en-US"/>
           </a:p>
@@ -2528,7 +2528,7 @@
           <a:p>
             <a:r>
               <a:rPr lang="en-US"/>
-              <a:t>Continuous integration, v2.0</a:t>
+              <a:t>Continuous integration, v3.0</a:t>
             </a:r>
           </a:p>
         </p:txBody>
@@ -2860,7 +2860,7 @@
           <a:p>
             <a:r>
               <a:rPr lang="de-CH"/>
-              <a:t>Sept 2022, CC BY-SA 4.0</a:t>
+              <a:t>June 2023, CC BY-SA 4.0</a:t>
             </a:r>
             <a:endParaRPr lang="en-US"/>
           </a:p>
@@ -2883,7 +2883,7 @@
           <a:p>
             <a:r>
               <a:rPr lang="en-US"/>
-              <a:t>Continuous integration, v2.0</a:t>
+              <a:t>Continuous integration, v3.0</a:t>
             </a:r>
           </a:p>
         </p:txBody>
@@ -3031,7 +3031,7 @@
           <a:p>
             <a:r>
               <a:rPr lang="de-CH"/>
-              <a:t>Sept 2022, CC BY-SA 4.0</a:t>
+              <a:t>June 2023, CC BY-SA 4.0</a:t>
             </a:r>
             <a:endParaRPr lang="en-US"/>
           </a:p>
@@ -3054,7 +3054,7 @@
           <a:p>
             <a:r>
               <a:rPr lang="en-US"/>
-              <a:t>Continuous integration, v2.0</a:t>
+              <a:t>Continuous integration, v3.0</a:t>
             </a:r>
           </a:p>
         </p:txBody>
@@ -3211,7 +3211,7 @@
           <a:p>
             <a:r>
               <a:rPr lang="de-CH"/>
-              <a:t>Sept 2022, CC BY-SA 4.0</a:t>
+              <a:t>June 2023, CC BY-SA 4.0</a:t>
             </a:r>
             <a:endParaRPr lang="en-US"/>
           </a:p>
@@ -3234,7 +3234,7 @@
           <a:p>
             <a:r>
               <a:rPr lang="en-US"/>
-              <a:t>Continuous integration, v2.0</a:t>
+              <a:t>Continuous integration, v3.0</a:t>
             </a:r>
           </a:p>
         </p:txBody>
@@ -3584,7 +3584,7 @@
           <a:p>
             <a:r>
               <a:rPr lang="de-CH"/>
-              <a:t>Sept 2022, CC BY-SA 4.0</a:t>
+              <a:t>June 2023, CC BY-SA 4.0</a:t>
             </a:r>
             <a:endParaRPr lang="en-US"/>
           </a:p>
@@ -3607,7 +3607,7 @@
           <a:p>
             <a:r>
               <a:rPr lang="en-US"/>
-              <a:t>Continuous integration, v2.0</a:t>
+              <a:t>Continuous integration, v3.0</a:t>
             </a:r>
           </a:p>
         </p:txBody>
@@ -3815,7 +3815,7 @@
           <a:p>
             <a:r>
               <a:rPr lang="de-CH"/>
-              <a:t>Sept 2022, CC BY-SA 4.0</a:t>
+              <a:t>June 2023, CC BY-SA 4.0</a:t>
             </a:r>
             <a:endParaRPr lang="en-US"/>
           </a:p>
@@ -3838,7 +3838,7 @@
           <a:p>
             <a:r>
               <a:rPr lang="en-US"/>
-              <a:t>Continuous integration, v2.0</a:t>
+              <a:t>Continuous integration, v3.0</a:t>
             </a:r>
           </a:p>
         </p:txBody>
@@ -4155,7 +4155,7 @@
           <a:p>
             <a:r>
               <a:rPr lang="de-CH"/>
-              <a:t>Sept 2022, CC BY-SA 4.0</a:t>
+              <a:t>June 2023, CC BY-SA 4.0</a:t>
             </a:r>
             <a:endParaRPr lang="en-US" dirty="0"/>
           </a:p>
@@ -4194,7 +4194,7 @@
           <a:p>
             <a:r>
               <a:rPr lang="en-US"/>
-              <a:t>Continuous integration, v2.0</a:t>
+              <a:t>Continuous integration, v3.0</a:t>
             </a:r>
             <a:endParaRPr lang="en-US" dirty="0"/>
           </a:p>
@@ -4889,7 +4889,7 @@
           <a:p>
             <a:r>
               <a:rPr lang="de-CH" sz="1000"/>
-              <a:t>Sept 2022, CC BY-SA 4.0</a:t>
+              <a:t>June 2023, CC BY-SA 4.0</a:t>
             </a:r>
             <a:endParaRPr lang="en-US" sz="1000" dirty="0"/>
           </a:p>
@@ -4918,7 +4918,7 @@
           <a:p>
             <a:r>
               <a:rPr lang="en-US"/>
-              <a:t>Continuous integration, v2.0</a:t>
+              <a:t>Continuous integration, v3.0</a:t>
             </a:r>
             <a:endParaRPr lang="en-US" dirty="0"/>
           </a:p>
@@ -5007,7 +5007,7 @@
           <a:p>
             <a:r>
               <a:rPr lang="de-CH" sz="1000"/>
-              <a:t>Sept 2022, CC BY-SA 4.0</a:t>
+              <a:t>June 2023, CC BY-SA 4.0</a:t>
             </a:r>
             <a:endParaRPr lang="en-US" sz="1000" dirty="0"/>
           </a:p>
@@ -5036,7 +5036,7 @@
           <a:p>
             <a:r>
               <a:rPr lang="en-US"/>
-              <a:t>Continuous integration, v2.0</a:t>
+              <a:t>Continuous integration, v3.0</a:t>
             </a:r>
             <a:endParaRPr lang="en-US" dirty="0"/>
           </a:p>
@@ -5946,7 +5946,7 @@
           <a:p>
             <a:r>
               <a:rPr lang="de-CH" sz="1000"/>
-              <a:t>Sept 2022, CC BY-SA 4.0</a:t>
+              <a:t>June 2023, CC BY-SA 4.0</a:t>
             </a:r>
             <a:endParaRPr lang="en-US" sz="1000" dirty="0"/>
           </a:p>
@@ -5975,7 +5975,7 @@
           <a:p>
             <a:r>
               <a:rPr lang="en-US"/>
-              <a:t>Continuous integration, v2.0</a:t>
+              <a:t>Continuous integration, v3.0</a:t>
             </a:r>
             <a:endParaRPr lang="en-US" dirty="0"/>
           </a:p>
@@ -6802,7 +6802,7 @@
           <a:p>
             <a:r>
               <a:rPr lang="de-CH" sz="1000"/>
-              <a:t>Sept 2022, CC BY-SA 4.0</a:t>
+              <a:t>June 2023, CC BY-SA 4.0</a:t>
             </a:r>
             <a:endParaRPr lang="en-US" sz="1000" dirty="0"/>
           </a:p>
@@ -6831,7 +6831,7 @@
           <a:p>
             <a:r>
               <a:rPr lang="en-US"/>
-              <a:t>Continuous integration, v2.0</a:t>
+              <a:t>Continuous integration, v3.0</a:t>
             </a:r>
             <a:endParaRPr lang="en-US" dirty="0"/>
           </a:p>
@@ -6999,7 +6999,7 @@
           <a:p>
             <a:r>
               <a:rPr lang="de-CH" sz="1000"/>
-              <a:t>Sept 2022, CC BY-SA 4.0</a:t>
+              <a:t>June 2023, CC BY-SA 4.0</a:t>
             </a:r>
             <a:endParaRPr lang="en-US" sz="1000" dirty="0"/>
           </a:p>
@@ -7028,7 +7028,7 @@
           <a:p>
             <a:r>
               <a:rPr lang="en-US"/>
-              <a:t>Continuous integration, v2.0</a:t>
+              <a:t>Continuous integration, v3.0</a:t>
             </a:r>
             <a:endParaRPr lang="en-US" dirty="0"/>
           </a:p>
@@ -7147,7 +7147,7 @@
           <a:p>
             <a:r>
               <a:rPr lang="de-CH" sz="1000"/>
-              <a:t>Sept 2022, CC BY-SA 4.0</a:t>
+              <a:t>June 2023, CC BY-SA 4.0</a:t>
             </a:r>
             <a:endParaRPr lang="en-US" sz="1000" dirty="0"/>
           </a:p>
@@ -7176,7 +7176,7 @@
           <a:p>
             <a:r>
               <a:rPr lang="en-US"/>
-              <a:t>Continuous integration, v2.0</a:t>
+              <a:t>Continuous integration, v3.0</a:t>
             </a:r>
             <a:endParaRPr lang="en-US" dirty="0"/>
           </a:p>
@@ -7785,7 +7785,7 @@
           <a:p>
             <a:r>
               <a:rPr lang="de-CH" sz="1000"/>
-              <a:t>Sept 2022, CC BY-SA 4.0</a:t>
+              <a:t>June 2023, CC BY-SA 4.0</a:t>
             </a:r>
             <a:endParaRPr lang="en-US" sz="1000" dirty="0"/>
           </a:p>
@@ -7814,7 +7814,7 @@
           <a:p>
             <a:r>
               <a:rPr lang="en-US"/>
-              <a:t>Continuous integration, v2.0</a:t>
+              <a:t>Continuous integration, v3.0</a:t>
             </a:r>
             <a:endParaRPr lang="en-US" dirty="0"/>
           </a:p>
@@ -8683,7 +8683,7 @@
           <a:p>
             <a:r>
               <a:rPr lang="de-CH" sz="1000"/>
-              <a:t>Sept 2022, CC BY-SA 4.0</a:t>
+              <a:t>June 2023, CC BY-SA 4.0</a:t>
             </a:r>
             <a:endParaRPr lang="en-US" sz="1000" dirty="0"/>
           </a:p>
@@ -8712,7 +8712,7 @@
           <a:p>
             <a:r>
               <a:rPr lang="en-US"/>
-              <a:t>Continuous integration, v2.0</a:t>
+              <a:t>Continuous integration, v3.0</a:t>
             </a:r>
             <a:endParaRPr lang="en-US" dirty="0"/>
           </a:p>
@@ -8844,7 +8844,7 @@
           <a:p>
             <a:r>
               <a:rPr lang="de-CH" sz="1000"/>
-              <a:t>Sept 2022, CC BY-SA 4.0</a:t>
+              <a:t>June 2023, CC BY-SA 4.0</a:t>
             </a:r>
             <a:endParaRPr lang="en-US" sz="1000" dirty="0"/>
           </a:p>
@@ -8873,7 +8873,7 @@
           <a:p>
             <a:r>
               <a:rPr lang="en-US"/>
-              <a:t>Continuous integration, v2.0</a:t>
+              <a:t>Continuous integration, v3.0</a:t>
             </a:r>
             <a:endParaRPr lang="en-US" dirty="0"/>
           </a:p>
@@ -9046,7 +9046,7 @@
           <a:p>
             <a:r>
               <a:rPr lang="de-CH" sz="1000"/>
-              <a:t>Sept 2022, CC BY-SA 4.0</a:t>
+              <a:t>June 2023, CC BY-SA 4.0</a:t>
             </a:r>
             <a:endParaRPr lang="en-US" sz="1000" dirty="0"/>
           </a:p>
@@ -9075,7 +9075,7 @@
           <a:p>
             <a:r>
               <a:rPr lang="en-US"/>
-              <a:t>Continuous integration, v2.0</a:t>
+              <a:t>Continuous integration, v3.0</a:t>
             </a:r>
             <a:endParaRPr lang="en-US" dirty="0"/>
           </a:p>
@@ -9207,7 +9207,7 @@
           <a:p>
             <a:r>
               <a:rPr lang="de-CH" sz="1000"/>
-              <a:t>Sept 2022, CC BY-SA 4.0</a:t>
+              <a:t>June 2023, CC BY-SA 4.0</a:t>
             </a:r>
             <a:endParaRPr lang="en-US" sz="1000" dirty="0"/>
           </a:p>
@@ -9236,7 +9236,7 @@
           <a:p>
             <a:r>
               <a:rPr lang="en-US"/>
-              <a:t>Continuous integration, v2.0</a:t>
+              <a:t>Continuous integration, v3.0</a:t>
             </a:r>
             <a:endParaRPr lang="en-US" dirty="0"/>
           </a:p>
@@ -9516,7 +9516,7 @@
           <a:p>
             <a:r>
               <a:rPr lang="en-US"/>
-              <a:t>Testing scientific code, v15.0</a:t>
+              <a:t>Continuous integration, v3.0</a:t>
             </a:r>
           </a:p>
         </p:txBody>
@@ -9568,7 +9568,7 @@
           <a:p>
             <a:r>
               <a:rPr lang="de-CH"/>
-              <a:t>Sept 2022, CC BY-SA 4.0</a:t>
+              <a:t>June 2023, CC BY-SA 4.0</a:t>
             </a:r>
             <a:endParaRPr lang="en-US"/>
           </a:p>
@@ -9591,7 +9591,7 @@
           <a:p>
             <a:r>
               <a:rPr lang="en-US"/>
-              <a:t>Continuous integration, v2.0</a:t>
+              <a:t>Continuous integration, v3.0</a:t>
             </a:r>
           </a:p>
         </p:txBody>
@@ -9790,7 +9790,7 @@
           <a:p>
             <a:r>
               <a:rPr lang="de-CH" sz="1000"/>
-              <a:t>Sept 2022, CC BY-SA 4.0</a:t>
+              <a:t>June 2023, CC BY-SA 4.0</a:t>
             </a:r>
             <a:endParaRPr lang="en-US" sz="1000" dirty="0"/>
           </a:p>
@@ -9819,7 +9819,7 @@
           <a:p>
             <a:r>
               <a:rPr lang="en-US"/>
-              <a:t>Continuous integration, v2.0</a:t>
+              <a:t>Continuous integration, v3.0</a:t>
             </a:r>
             <a:endParaRPr lang="en-US" dirty="0"/>
           </a:p>
@@ -10324,7 +10324,7 @@
           <a:p>
             <a:r>
               <a:rPr lang="de-CH" sz="1000"/>
-              <a:t>Sept 2022, CC BY-SA 4.0</a:t>
+              <a:t>June 2023, CC BY-SA 4.0</a:t>
             </a:r>
             <a:endParaRPr lang="en-US" sz="1000" dirty="0"/>
           </a:p>
@@ -10353,7 +10353,7 @@
           <a:p>
             <a:r>
               <a:rPr lang="en-US"/>
-              <a:t>Continuous integration, v2.0</a:t>
+              <a:t>Continuous integration, v3.0</a:t>
             </a:r>
             <a:endParaRPr lang="en-US" dirty="0"/>
           </a:p>
@@ -10540,7 +10540,7 @@
           <a:p>
             <a:r>
               <a:rPr lang="de-CH" sz="1000"/>
-              <a:t>Sept 2022, CC BY-SA 4.0</a:t>
+              <a:t>June 2023, CC BY-SA 4.0</a:t>
             </a:r>
             <a:endParaRPr lang="en-US" sz="1000" dirty="0"/>
           </a:p>
@@ -10569,7 +10569,7 @@
           <a:p>
             <a:r>
               <a:rPr lang="en-US"/>
-              <a:t>Continuous integration, v2.0</a:t>
+              <a:t>Continuous integration, v3.0</a:t>
             </a:r>
             <a:endParaRPr lang="en-US" dirty="0"/>
           </a:p>
@@ -10838,7 +10838,7 @@
           <a:p>
             <a:r>
               <a:rPr lang="de-CH"/>
-              <a:t>Sept 2022, CC BY-SA 4.0</a:t>
+              <a:t>June 2023, CC BY-SA 4.0</a:t>
             </a:r>
             <a:endParaRPr lang="en-US"/>
           </a:p>
@@ -10861,7 +10861,7 @@
           <a:p>
             <a:r>
               <a:rPr lang="en-US"/>
-              <a:t>Continuous integration, v2.0</a:t>
+              <a:t>Continuous integration, v3.0</a:t>
             </a:r>
           </a:p>
         </p:txBody>
@@ -11066,7 +11066,7 @@
           <a:p>
             <a:r>
               <a:rPr lang="de-CH"/>
-              <a:t>Sept 2022, CC BY-SA 4.0</a:t>
+              <a:t>June 2023, CC BY-SA 4.0</a:t>
             </a:r>
             <a:endParaRPr lang="en-US"/>
           </a:p>
@@ -11095,7 +11095,7 @@
           <a:p>
             <a:r>
               <a:rPr lang="en-US"/>
-              <a:t>Continuous integration, v2.0</a:t>
+              <a:t>Continuous integration, v3.0</a:t>
             </a:r>
           </a:p>
         </p:txBody>
@@ -11190,7 +11190,7 @@
           <a:p>
             <a:r>
               <a:rPr lang="de-CH" sz="1000"/>
-              <a:t>Sept 2022, CC BY-SA 4.0</a:t>
+              <a:t>June 2023, CC BY-SA 4.0</a:t>
             </a:r>
             <a:endParaRPr lang="en-US" sz="1000" dirty="0"/>
           </a:p>
@@ -11219,7 +11219,7 @@
           <a:p>
             <a:r>
               <a:rPr lang="en-US"/>
-              <a:t>Continuous integration, v2.0</a:t>
+              <a:t>Continuous integration, v3.0</a:t>
             </a:r>
             <a:endParaRPr lang="en-US" dirty="0"/>
           </a:p>
@@ -11462,7 +11462,7 @@
           <a:p>
             <a:r>
               <a:rPr lang="de-CH"/>
-              <a:t>Sept 2022, CC BY-SA 4.0</a:t>
+              <a:t>June 2023, CC BY-SA 4.0</a:t>
             </a:r>
             <a:endParaRPr lang="en-US"/>
           </a:p>
@@ -11491,7 +11491,7 @@
           <a:p>
             <a:r>
               <a:rPr lang="en-US"/>
-              <a:t>Continuous integration, v2.0</a:t>
+              <a:t>Continuous integration, v3.0</a:t>
             </a:r>
           </a:p>
         </p:txBody>
@@ -11577,7 +11577,7 @@
           <a:p>
             <a:r>
               <a:rPr lang="de-CH" sz="1000"/>
-              <a:t>Sept 2022, CC BY-SA 4.0</a:t>
+              <a:t>June 2023, CC BY-SA 4.0</a:t>
             </a:r>
             <a:endParaRPr lang="en-US" sz="1000" dirty="0"/>
           </a:p>
@@ -11606,7 +11606,7 @@
           <a:p>
             <a:r>
               <a:rPr lang="en-US"/>
-              <a:t>Continuous integration, v2.0</a:t>
+              <a:t>Continuous integration, v3.0</a:t>
             </a:r>
             <a:endParaRPr lang="en-US" dirty="0"/>
           </a:p>
@@ -11915,7 +11915,7 @@
           <a:p>
             <a:r>
               <a:rPr lang="de-CH" sz="1000"/>
-              <a:t>Sept 2022, CC BY-SA 4.0</a:t>
+              <a:t>June 2023, CC BY-SA 4.0</a:t>
             </a:r>
             <a:endParaRPr lang="en-US" sz="1000" dirty="0"/>
           </a:p>
@@ -11944,7 +11944,7 @@
           <a:p>
             <a:r>
               <a:rPr lang="en-US"/>
-              <a:t>Continuous integration, v2.0</a:t>
+              <a:t>Continuous integration, v3.0</a:t>
             </a:r>
             <a:endParaRPr lang="en-US" dirty="0"/>
           </a:p>
@@ -12185,7 +12185,7 @@
           <a:p>
             <a:r>
               <a:rPr lang="de-CH" sz="1000"/>
-              <a:t>Sept 2022, CC BY-SA 4.0</a:t>
+              <a:t>June 2023, CC BY-SA 4.0</a:t>
             </a:r>
             <a:endParaRPr lang="en-US" sz="1000" dirty="0"/>
           </a:p>
@@ -12214,7 +12214,7 @@
           <a:p>
             <a:r>
               <a:rPr lang="en-US"/>
-              <a:t>Continuous integration, v2.0</a:t>
+              <a:t>Continuous integration, v3.0</a:t>
             </a:r>
             <a:endParaRPr lang="en-US" dirty="0"/>
           </a:p>
@@ -12430,7 +12430,7 @@
           <a:p>
             <a:r>
               <a:rPr lang="de-CH" sz="1000"/>
-              <a:t>Sept 2022, CC BY-SA 4.0</a:t>
+              <a:t>June 2023, CC BY-SA 4.0</a:t>
             </a:r>
             <a:endParaRPr lang="en-US" sz="1000" dirty="0"/>
           </a:p>
@@ -12459,7 +12459,7 @@
           <a:p>
             <a:r>
               <a:rPr lang="en-US"/>
-              <a:t>Continuous integration, v2.0</a:t>
+              <a:t>Continuous integration, v3.0</a:t>
             </a:r>
             <a:endParaRPr lang="en-US" dirty="0"/>
           </a:p>

--- a/continuous_integration.pptx
+++ b/continuous_integration.pptx
@@ -2,7 +2,7 @@
 <file path=ppt/presentation.xml><?xml version="1.0" encoding="utf-8"?>
 <p:presentation xmlns:a="http://schemas.openxmlformats.org/drawingml/2006/main" xmlns:r="http://schemas.openxmlformats.org/officeDocument/2006/relationships" xmlns:p="http://schemas.openxmlformats.org/presentationml/2006/main" showSpecialPlsOnTitleSld="0" strictFirstAndLastChars="0" saveSubsetFonts="1">
   <p:sldMasterIdLst>
-    <p:sldMasterId id="2147483660" r:id="rId1"/>
+    <p:sldMasterId id="2147483672" r:id="rId1"/>
   </p:sldMasterIdLst>
   <p:notesMasterIdLst>
     <p:notesMasterId r:id="rId27"/>
@@ -37,129 +37,99 @@
     <p:sldId id="321" r:id="rId25"/>
     <p:sldId id="298" r:id="rId26"/>
   </p:sldIdLst>
-  <p:sldSz cx="9144000" cy="6858000" type="screen4x3"/>
+  <p:sldSz cx="12192000" cy="6858000"/>
   <p:notesSz cx="6858000" cy="9144000"/>
   <p:defaultTextStyle>
     <a:defPPr>
-      <a:defRPr lang="en-US"/>
+      <a:defRPr lang="en-CH"/>
     </a:defPPr>
-    <a:lvl1pPr algn="l" rtl="0" eaLnBrk="0" fontAlgn="base" hangingPunct="0">
-      <a:spcBef>
-        <a:spcPct val="0"/>
-      </a:spcBef>
-      <a:spcAft>
-        <a:spcPct val="0"/>
-      </a:spcAft>
-      <a:defRPr sz="2400" kern="1200">
+    <a:lvl1pPr marL="0" algn="l" defTabSz="914400" rtl="0" eaLnBrk="1" latinLnBrk="0" hangingPunct="1">
+      <a:defRPr sz="1800" kern="1200">
         <a:solidFill>
           <a:schemeClr val="tx1"/>
         </a:solidFill>
-        <a:latin typeface="Arial" charset="0"/>
-        <a:ea typeface="ＭＳ Ｐゴシック" pitchFamily="80" charset="-128"/>
+        <a:latin typeface="+mn-lt"/>
+        <a:ea typeface="+mn-ea"/>
         <a:cs typeface="+mn-cs"/>
       </a:defRPr>
     </a:lvl1pPr>
-    <a:lvl2pPr marL="457200" algn="l" rtl="0" eaLnBrk="0" fontAlgn="base" hangingPunct="0">
-      <a:spcBef>
-        <a:spcPct val="0"/>
-      </a:spcBef>
-      <a:spcAft>
-        <a:spcPct val="0"/>
-      </a:spcAft>
-      <a:defRPr sz="2400" kern="1200">
+    <a:lvl2pPr marL="457200" algn="l" defTabSz="914400" rtl="0" eaLnBrk="1" latinLnBrk="0" hangingPunct="1">
+      <a:defRPr sz="1800" kern="1200">
         <a:solidFill>
           <a:schemeClr val="tx1"/>
         </a:solidFill>
-        <a:latin typeface="Arial" charset="0"/>
-        <a:ea typeface="ＭＳ Ｐゴシック" pitchFamily="80" charset="-128"/>
+        <a:latin typeface="+mn-lt"/>
+        <a:ea typeface="+mn-ea"/>
         <a:cs typeface="+mn-cs"/>
       </a:defRPr>
     </a:lvl2pPr>
-    <a:lvl3pPr marL="914400" algn="l" rtl="0" eaLnBrk="0" fontAlgn="base" hangingPunct="0">
-      <a:spcBef>
-        <a:spcPct val="0"/>
-      </a:spcBef>
-      <a:spcAft>
-        <a:spcPct val="0"/>
-      </a:spcAft>
-      <a:defRPr sz="2400" kern="1200">
+    <a:lvl3pPr marL="914400" algn="l" defTabSz="914400" rtl="0" eaLnBrk="1" latinLnBrk="0" hangingPunct="1">
+      <a:defRPr sz="1800" kern="1200">
         <a:solidFill>
           <a:schemeClr val="tx1"/>
         </a:solidFill>
-        <a:latin typeface="Arial" charset="0"/>
-        <a:ea typeface="ＭＳ Ｐゴシック" pitchFamily="80" charset="-128"/>
+        <a:latin typeface="+mn-lt"/>
+        <a:ea typeface="+mn-ea"/>
         <a:cs typeface="+mn-cs"/>
       </a:defRPr>
     </a:lvl3pPr>
-    <a:lvl4pPr marL="1371600" algn="l" rtl="0" eaLnBrk="0" fontAlgn="base" hangingPunct="0">
-      <a:spcBef>
-        <a:spcPct val="0"/>
-      </a:spcBef>
-      <a:spcAft>
-        <a:spcPct val="0"/>
-      </a:spcAft>
-      <a:defRPr sz="2400" kern="1200">
+    <a:lvl4pPr marL="1371600" algn="l" defTabSz="914400" rtl="0" eaLnBrk="1" latinLnBrk="0" hangingPunct="1">
+      <a:defRPr sz="1800" kern="1200">
         <a:solidFill>
           <a:schemeClr val="tx1"/>
         </a:solidFill>
-        <a:latin typeface="Arial" charset="0"/>
-        <a:ea typeface="ＭＳ Ｐゴシック" pitchFamily="80" charset="-128"/>
+        <a:latin typeface="+mn-lt"/>
+        <a:ea typeface="+mn-ea"/>
         <a:cs typeface="+mn-cs"/>
       </a:defRPr>
     </a:lvl4pPr>
-    <a:lvl5pPr marL="1828800" algn="l" rtl="0" eaLnBrk="0" fontAlgn="base" hangingPunct="0">
-      <a:spcBef>
-        <a:spcPct val="0"/>
-      </a:spcBef>
-      <a:spcAft>
-        <a:spcPct val="0"/>
-      </a:spcAft>
-      <a:defRPr sz="2400" kern="1200">
+    <a:lvl5pPr marL="1828800" algn="l" defTabSz="914400" rtl="0" eaLnBrk="1" latinLnBrk="0" hangingPunct="1">
+      <a:defRPr sz="1800" kern="1200">
         <a:solidFill>
           <a:schemeClr val="tx1"/>
         </a:solidFill>
-        <a:latin typeface="Arial" charset="0"/>
-        <a:ea typeface="ＭＳ Ｐゴシック" pitchFamily="80" charset="-128"/>
+        <a:latin typeface="+mn-lt"/>
+        <a:ea typeface="+mn-ea"/>
         <a:cs typeface="+mn-cs"/>
       </a:defRPr>
     </a:lvl5pPr>
     <a:lvl6pPr marL="2286000" algn="l" defTabSz="914400" rtl="0" eaLnBrk="1" latinLnBrk="0" hangingPunct="1">
-      <a:defRPr sz="2400" kern="1200">
+      <a:defRPr sz="1800" kern="1200">
         <a:solidFill>
           <a:schemeClr val="tx1"/>
         </a:solidFill>
-        <a:latin typeface="Arial" charset="0"/>
-        <a:ea typeface="ＭＳ Ｐゴシック" pitchFamily="80" charset="-128"/>
+        <a:latin typeface="+mn-lt"/>
+        <a:ea typeface="+mn-ea"/>
         <a:cs typeface="+mn-cs"/>
       </a:defRPr>
     </a:lvl6pPr>
     <a:lvl7pPr marL="2743200" algn="l" defTabSz="914400" rtl="0" eaLnBrk="1" latinLnBrk="0" hangingPunct="1">
-      <a:defRPr sz="2400" kern="1200">
+      <a:defRPr sz="1800" kern="1200">
         <a:solidFill>
           <a:schemeClr val="tx1"/>
         </a:solidFill>
-        <a:latin typeface="Arial" charset="0"/>
-        <a:ea typeface="ＭＳ Ｐゴシック" pitchFamily="80" charset="-128"/>
+        <a:latin typeface="+mn-lt"/>
+        <a:ea typeface="+mn-ea"/>
         <a:cs typeface="+mn-cs"/>
       </a:defRPr>
     </a:lvl7pPr>
     <a:lvl8pPr marL="3200400" algn="l" defTabSz="914400" rtl="0" eaLnBrk="1" latinLnBrk="0" hangingPunct="1">
-      <a:defRPr sz="2400" kern="1200">
+      <a:defRPr sz="1800" kern="1200">
         <a:solidFill>
           <a:schemeClr val="tx1"/>
         </a:solidFill>
-        <a:latin typeface="Arial" charset="0"/>
-        <a:ea typeface="ＭＳ Ｐゴシック" pitchFamily="80" charset="-128"/>
+        <a:latin typeface="+mn-lt"/>
+        <a:ea typeface="+mn-ea"/>
         <a:cs typeface="+mn-cs"/>
       </a:defRPr>
     </a:lvl8pPr>
     <a:lvl9pPr marL="3657600" algn="l" defTabSz="914400" rtl="0" eaLnBrk="1" latinLnBrk="0" hangingPunct="1">
-      <a:defRPr sz="2400" kern="1200">
+      <a:defRPr sz="1800" kern="1200">
         <a:solidFill>
           <a:schemeClr val="tx1"/>
         </a:solidFill>
-        <a:latin typeface="Arial" charset="0"/>
-        <a:ea typeface="ＭＳ Ｐゴシック" pitchFamily="80" charset="-128"/>
+        <a:latin typeface="+mn-lt"/>
+        <a:ea typeface="+mn-ea"/>
         <a:cs typeface="+mn-cs"/>
       </a:defRPr>
     </a:lvl9pPr>
@@ -200,12 +170,12 @@
     </p:ext>
     <p:ext uri="{EFAFB233-063F-42B5-8137-9DF3F51BA10A}">
       <p15:sldGuideLst xmlns:p15="http://schemas.microsoft.com/office/powerpoint/2012/main">
-        <p15:guide id="1" orient="horz" pos="2160">
+        <p15:guide id="1" orient="horz" pos="2160" userDrawn="1">
           <p15:clr>
             <a:srgbClr val="A4A3A4"/>
           </p15:clr>
         </p15:guide>
-        <p15:guide id="2" pos="2880">
+        <p15:guide id="2" pos="3840" userDrawn="1">
           <p15:clr>
             <a:srgbClr val="A4A3A4"/>
           </p15:clr>
@@ -299,7 +269,7 @@
             <a:fld id="{80AC11AF-147E-0A48-A5B0-8DA858D84551}" type="datetimeFigureOut">
               <a:rPr lang="en-US" smtClean="0"/>
               <a:pPr/>
-              <a:t>6/26/23</a:t>
+              <a:t>8/3/23</a:t>
             </a:fld>
             <a:endParaRPr lang="en-US"/>
           </a:p>
@@ -505,8 +475,8 @@
         </p:nvSpPr>
         <p:spPr bwMode="auto">
           <a:xfrm>
-            <a:off x="1143000" y="685800"/>
-            <a:ext cx="4572000" cy="3429000"/>
+            <a:off x="381000" y="685800"/>
+            <a:ext cx="6096000" cy="3429000"/>
           </a:xfrm>
           <a:prstGeom prst="rect">
             <a:avLst/>
@@ -843,7 +813,12 @@
             <p:ph type="sldImg"/>
           </p:nvPr>
         </p:nvSpPr>
-        <p:spPr/>
+        <p:spPr>
+          <a:xfrm>
+            <a:off x="381000" y="685800"/>
+            <a:ext cx="6096000" cy="3429000"/>
+          </a:xfrm>
+        </p:spPr>
       </p:sp>
       <p:sp>
         <p:nvSpPr>
@@ -925,7 +900,12 @@
             <p:ph type="sldImg"/>
           </p:nvPr>
         </p:nvSpPr>
-        <p:spPr/>
+        <p:spPr>
+          <a:xfrm>
+            <a:off x="381000" y="685800"/>
+            <a:ext cx="6096000" cy="3429000"/>
+          </a:xfrm>
+        </p:spPr>
       </p:sp>
       <p:sp>
         <p:nvSpPr>
@@ -990,7 +970,7 @@
 </file>
 
 <file path=ppt/slideLayouts/slideLayout1.xml><?xml version="1.0" encoding="utf-8"?>
-<p:sldLayout xmlns:a="http://schemas.openxmlformats.org/drawingml/2006/main" xmlns:r="http://schemas.openxmlformats.org/officeDocument/2006/relationships" xmlns:p="http://schemas.openxmlformats.org/presentationml/2006/main" showMasterSp="0" type="title" preserve="1">
+<p:sldLayout xmlns:a="http://schemas.openxmlformats.org/drawingml/2006/main" xmlns:r="http://schemas.openxmlformats.org/officeDocument/2006/relationships" xmlns:p="http://schemas.openxmlformats.org/presentationml/2006/main" type="title" preserve="1">
   <p:cSld name="Title Slide">
     <p:spTree>
       <p:nvGrpSpPr>
@@ -1008,42 +988,51 @@
       </p:grpSpPr>
       <p:sp>
         <p:nvSpPr>
-          <p:cNvPr id="8" name="Title 7"/>
-          <p:cNvSpPr>
-            <a:spLocks noGrp="1"/>
-          </p:cNvSpPr>
-          <p:nvPr>
-            <p:ph type="ctrTitle" hasCustomPrompt="1"/>
+          <p:cNvPr id="2" name="Title 1">
+            <a:extLst>
+              <a:ext uri="{FF2B5EF4-FFF2-40B4-BE49-F238E27FC236}">
+                <a16:creationId xmlns:a16="http://schemas.microsoft.com/office/drawing/2014/main" id="{86E42428-D064-4D26-903C-787E6E9BD38C}"/>
+              </a:ext>
+            </a:extLst>
+          </p:cNvPr>
+          <p:cNvSpPr>
+            <a:spLocks noGrp="1"/>
+          </p:cNvSpPr>
+          <p:nvPr>
+            <p:ph type="ctrTitle"/>
           </p:nvPr>
         </p:nvSpPr>
         <p:spPr>
           <a:xfrm>
-            <a:off x="1219200" y="2370981"/>
-            <a:ext cx="6858000" cy="990600"/>
+            <a:off x="1524000" y="1122363"/>
+            <a:ext cx="9144000" cy="2387600"/>
           </a:xfrm>
         </p:spPr>
         <p:txBody>
-          <a:bodyPr anchor="t" anchorCtr="0"/>
+          <a:bodyPr anchor="b"/>
           <a:lstStyle>
-            <a:lvl1pPr algn="r">
-              <a:defRPr sz="3200">
-                <a:solidFill>
-                  <a:schemeClr val="tx1"/>
-                </a:solidFill>
-              </a:defRPr>
+            <a:lvl1pPr algn="ctr">
+              <a:defRPr sz="6000"/>
             </a:lvl1pPr>
           </a:lstStyle>
           <a:p>
             <a:r>
-              <a:rPr kumimoji="0" lang="en-US" dirty="0"/>
-              <a:t>Software Carpentry, Part II</a:t>
-            </a:r>
-          </a:p>
-        </p:txBody>
-      </p:sp>
-      <p:sp>
-        <p:nvSpPr>
-          <p:cNvPr id="9" name="Subtitle 8"/>
+              <a:rPr lang="en-US"/>
+              <a:t>Click to edit Master title style</a:t>
+            </a:r>
+            <a:endParaRPr lang="en-CH"/>
+          </a:p>
+        </p:txBody>
+      </p:sp>
+      <p:sp>
+        <p:nvSpPr>
+          <p:cNvPr id="3" name="Subtitle 2">
+            <a:extLst>
+              <a:ext uri="{FF2B5EF4-FFF2-40B4-BE49-F238E27FC236}">
+                <a16:creationId xmlns:a16="http://schemas.microsoft.com/office/drawing/2014/main" id="{08FEAB03-A4D3-0B6C-EAC3-DDEC07A23419}"/>
+              </a:ext>
+            </a:extLst>
+          </p:cNvPr>
           <p:cNvSpPr>
             <a:spLocks noGrp="1"/>
           </p:cNvSpPr>
@@ -1053,244 +1042,68 @@
         </p:nvSpPr>
         <p:spPr>
           <a:xfrm>
-            <a:off x="1219200" y="3609231"/>
-            <a:ext cx="6858000" cy="533400"/>
+            <a:off x="1524000" y="3602038"/>
+            <a:ext cx="9144000" cy="1655762"/>
           </a:xfrm>
         </p:spPr>
         <p:txBody>
           <a:bodyPr/>
           <a:lstStyle>
-            <a:lvl1pPr marL="0" indent="0" algn="r">
+            <a:lvl1pPr marL="0" indent="0" algn="ctr">
               <a:buNone/>
-              <a:defRPr sz="2000">
-                <a:solidFill>
-                  <a:schemeClr val="tx2"/>
-                </a:solidFill>
-                <a:latin typeface="+mj-lt"/>
-                <a:ea typeface="+mj-ea"/>
-                <a:cs typeface="+mj-cs"/>
-              </a:defRPr>
+              <a:defRPr sz="2400"/>
             </a:lvl1pPr>
             <a:lvl2pPr marL="457200" indent="0" algn="ctr">
               <a:buNone/>
+              <a:defRPr sz="2000"/>
             </a:lvl2pPr>
             <a:lvl3pPr marL="914400" indent="0" algn="ctr">
               <a:buNone/>
+              <a:defRPr sz="1800"/>
             </a:lvl3pPr>
             <a:lvl4pPr marL="1371600" indent="0" algn="ctr">
               <a:buNone/>
+              <a:defRPr sz="1600"/>
             </a:lvl4pPr>
             <a:lvl5pPr marL="1828800" indent="0" algn="ctr">
               <a:buNone/>
+              <a:defRPr sz="1600"/>
             </a:lvl5pPr>
             <a:lvl6pPr marL="2286000" indent="0" algn="ctr">
               <a:buNone/>
+              <a:defRPr sz="1600"/>
             </a:lvl6pPr>
             <a:lvl7pPr marL="2743200" indent="0" algn="ctr">
               <a:buNone/>
+              <a:defRPr sz="1600"/>
             </a:lvl7pPr>
             <a:lvl8pPr marL="3200400" indent="0" algn="ctr">
               <a:buNone/>
+              <a:defRPr sz="1600"/>
             </a:lvl8pPr>
             <a:lvl9pPr marL="3657600" indent="0" algn="ctr">
               <a:buNone/>
+              <a:defRPr sz="1600"/>
             </a:lvl9pPr>
           </a:lstStyle>
           <a:p>
             <a:r>
-              <a:rPr kumimoji="0" lang="en-US"/>
+              <a:rPr lang="en-US"/>
               <a:t>Click to edit Master subtitle style</a:t>
             </a:r>
-          </a:p>
-        </p:txBody>
-      </p:sp>
-      <p:sp>
-        <p:nvSpPr>
-          <p:cNvPr id="21" name="Rectangle 20"/>
-          <p:cNvSpPr/>
-          <p:nvPr/>
-        </p:nvSpPr>
-        <p:spPr>
-          <a:xfrm>
-            <a:off x="904875" y="2132856"/>
-            <a:ext cx="7315200" cy="1280160"/>
-          </a:xfrm>
-          <a:prstGeom prst="rect">
-            <a:avLst/>
-          </a:prstGeom>
-          <a:noFill/>
-          <a:ln w="6350" cap="rnd" cmpd="sng" algn="ctr">
-            <a:solidFill>
-              <a:schemeClr val="accent1"/>
-            </a:solidFill>
-            <a:prstDash val="solid"/>
-          </a:ln>
-          <a:effectLst/>
-        </p:spPr>
-        <p:style>
-          <a:lnRef idx="3">
-            <a:schemeClr val="lt1"/>
-          </a:lnRef>
-          <a:fillRef idx="1">
-            <a:schemeClr val="accent1"/>
-          </a:fillRef>
-          <a:effectRef idx="1">
-            <a:schemeClr val="accent1"/>
-          </a:effectRef>
-          <a:fontRef idx="minor">
-            <a:schemeClr val="lt1"/>
-          </a:fontRef>
-        </p:style>
-        <p:txBody>
-          <a:bodyPr anchor="ctr"/>
-          <a:lstStyle/>
-          <a:p>
-            <a:pPr algn="ctr" eaLnBrk="1" latinLnBrk="0" hangingPunct="1"/>
-            <a:endParaRPr kumimoji="0" lang="en-US"/>
-          </a:p>
-        </p:txBody>
-      </p:sp>
-      <p:sp>
-        <p:nvSpPr>
-          <p:cNvPr id="33" name="Rectangle 32"/>
-          <p:cNvSpPr/>
-          <p:nvPr/>
-        </p:nvSpPr>
-        <p:spPr>
-          <a:xfrm>
-            <a:off x="914400" y="3533031"/>
-            <a:ext cx="7315200" cy="685800"/>
-          </a:xfrm>
-          <a:prstGeom prst="rect">
-            <a:avLst/>
-          </a:prstGeom>
-          <a:noFill/>
-          <a:ln w="6350" cap="rnd" cmpd="sng" algn="ctr">
-            <a:solidFill>
-              <a:schemeClr val="accent2"/>
-            </a:solidFill>
-            <a:prstDash val="solid"/>
-          </a:ln>
-          <a:effectLst/>
-        </p:spPr>
-        <p:style>
-          <a:lnRef idx="3">
-            <a:schemeClr val="lt1"/>
-          </a:lnRef>
-          <a:fillRef idx="1">
-            <a:schemeClr val="accent1"/>
-          </a:fillRef>
-          <a:effectRef idx="1">
-            <a:schemeClr val="accent1"/>
-          </a:effectRef>
-          <a:fontRef idx="minor">
-            <a:schemeClr val="lt1"/>
-          </a:fontRef>
-        </p:style>
-        <p:txBody>
-          <a:bodyPr anchor="ctr"/>
-          <a:lstStyle/>
-          <a:p>
-            <a:pPr algn="ctr" eaLnBrk="1" latinLnBrk="0" hangingPunct="1"/>
-            <a:endParaRPr kumimoji="0" lang="en-US"/>
-          </a:p>
-        </p:txBody>
-      </p:sp>
-      <p:sp>
-        <p:nvSpPr>
-          <p:cNvPr id="22" name="Rectangle 21"/>
-          <p:cNvSpPr/>
-          <p:nvPr/>
-        </p:nvSpPr>
-        <p:spPr>
-          <a:xfrm>
-            <a:off x="904875" y="2132856"/>
-            <a:ext cx="228600" cy="1280160"/>
-          </a:xfrm>
-          <a:prstGeom prst="rect">
-            <a:avLst/>
-          </a:prstGeom>
-          <a:solidFill>
-            <a:schemeClr val="accent1"/>
-          </a:solidFill>
-          <a:ln w="6350" cap="rnd" cmpd="sng" algn="ctr">
-            <a:noFill/>
-            <a:prstDash val="solid"/>
-          </a:ln>
-          <a:effectLst/>
-        </p:spPr>
-        <p:style>
-          <a:lnRef idx="3">
-            <a:schemeClr val="lt1"/>
-          </a:lnRef>
-          <a:fillRef idx="1">
-            <a:schemeClr val="accent1"/>
-          </a:fillRef>
-          <a:effectRef idx="1">
-            <a:schemeClr val="accent1"/>
-          </a:effectRef>
-          <a:fontRef idx="minor">
-            <a:schemeClr val="lt1"/>
-          </a:fontRef>
-        </p:style>
-        <p:txBody>
-          <a:bodyPr anchor="ctr"/>
-          <a:lstStyle/>
-          <a:p>
-            <a:pPr algn="ctr" eaLnBrk="1" latinLnBrk="0" hangingPunct="1"/>
-            <a:endParaRPr kumimoji="0" lang="en-US"/>
-          </a:p>
-        </p:txBody>
-      </p:sp>
-      <p:sp>
-        <p:nvSpPr>
-          <p:cNvPr id="32" name="Rectangle 31"/>
-          <p:cNvSpPr/>
-          <p:nvPr/>
-        </p:nvSpPr>
-        <p:spPr>
-          <a:xfrm>
-            <a:off x="914400" y="3533031"/>
-            <a:ext cx="228600" cy="685800"/>
-          </a:xfrm>
-          <a:prstGeom prst="rect">
-            <a:avLst/>
-          </a:prstGeom>
-          <a:solidFill>
-            <a:schemeClr val="accent2"/>
-          </a:solidFill>
-          <a:ln w="6350" cap="rnd" cmpd="sng" algn="ctr">
-            <a:noFill/>
-            <a:prstDash val="solid"/>
-          </a:ln>
-          <a:effectLst/>
-        </p:spPr>
-        <p:style>
-          <a:lnRef idx="3">
-            <a:schemeClr val="lt1"/>
-          </a:lnRef>
-          <a:fillRef idx="1">
-            <a:schemeClr val="accent1"/>
-          </a:fillRef>
-          <a:effectRef idx="1">
-            <a:schemeClr val="accent1"/>
-          </a:effectRef>
-          <a:fontRef idx="minor">
-            <a:schemeClr val="lt1"/>
-          </a:fontRef>
-        </p:style>
-        <p:txBody>
-          <a:bodyPr anchor="ctr"/>
-          <a:lstStyle/>
-          <a:p>
-            <a:pPr algn="ctr" eaLnBrk="1" latinLnBrk="0" hangingPunct="1"/>
-            <a:endParaRPr kumimoji="0" lang="en-US"/>
-          </a:p>
-        </p:txBody>
-      </p:sp>
-      <p:sp>
-        <p:nvSpPr>
-          <p:cNvPr id="2" name="Date Placeholder 1"/>
+            <a:endParaRPr lang="en-CH"/>
+          </a:p>
+        </p:txBody>
+      </p:sp>
+      <p:sp>
+        <p:nvSpPr>
+          <p:cNvPr id="4" name="Date Placeholder 3">
+            <a:extLst>
+              <a:ext uri="{FF2B5EF4-FFF2-40B4-BE49-F238E27FC236}">
+                <a16:creationId xmlns:a16="http://schemas.microsoft.com/office/drawing/2014/main" id="{C024A0C6-F887-5E4F-1779-832FC6B63869}"/>
+              </a:ext>
+            </a:extLst>
+          </p:cNvPr>
           <p:cNvSpPr>
             <a:spLocks noGrp="1"/>
           </p:cNvSpPr>
@@ -1305,7 +1118,7 @@
           <a:p>
             <a:r>
               <a:rPr lang="de-CH"/>
-              <a:t>June 2023, CC BY-SA 4.0</a:t>
+              <a:t>August 2023, CC BY-SA 4.0</a:t>
             </a:r>
             <a:endParaRPr lang="en-US"/>
           </a:p>
@@ -1313,7 +1126,13 @@
       </p:sp>
       <p:sp>
         <p:nvSpPr>
-          <p:cNvPr id="3" name="Footer Placeholder 2"/>
+          <p:cNvPr id="5" name="Footer Placeholder 4">
+            <a:extLst>
+              <a:ext uri="{FF2B5EF4-FFF2-40B4-BE49-F238E27FC236}">
+                <a16:creationId xmlns:a16="http://schemas.microsoft.com/office/drawing/2014/main" id="{BB7786AE-0FD8-F124-1932-3B132C87F7F6}"/>
+              </a:ext>
+            </a:extLst>
+          </p:cNvPr>
           <p:cNvSpPr>
             <a:spLocks noGrp="1"/>
           </p:cNvSpPr>
@@ -1328,14 +1147,20 @@
           <a:p>
             <a:r>
               <a:rPr lang="en-US"/>
-              <a:t>Continuous integration, v3.0</a:t>
-            </a:r>
-          </a:p>
-        </p:txBody>
-      </p:sp>
-      <p:sp>
-        <p:nvSpPr>
-          <p:cNvPr id="4" name="Slide Number Placeholder 3"/>
+              <a:t>Continuous integration, v4.0</a:t>
+            </a:r>
+          </a:p>
+        </p:txBody>
+      </p:sp>
+      <p:sp>
+        <p:nvSpPr>
+          <p:cNvPr id="6" name="Slide Number Placeholder 5">
+            <a:extLst>
+              <a:ext uri="{FF2B5EF4-FFF2-40B4-BE49-F238E27FC236}">
+                <a16:creationId xmlns:a16="http://schemas.microsoft.com/office/drawing/2014/main" id="{19F25C91-4FF2-EC55-89E3-9570D932A2D1}"/>
+              </a:ext>
+            </a:extLst>
+          </p:cNvPr>
           <p:cNvSpPr>
             <a:spLocks noGrp="1"/>
           </p:cNvSpPr>
@@ -1358,6 +1183,11 @@
         </p:txBody>
       </p:sp>
     </p:spTree>
+    <p:extLst>
+      <p:ext uri="{BB962C8B-B14F-4D97-AF65-F5344CB8AC3E}">
+        <p14:creationId xmlns:p14="http://schemas.microsoft.com/office/powerpoint/2010/main" val="890160610"/>
+      </p:ext>
+    </p:extLst>
   </p:cSld>
   <p:clrMapOvr>
     <a:masterClrMapping/>
@@ -1384,7 +1214,13 @@
       </p:grpSpPr>
       <p:sp>
         <p:nvSpPr>
-          <p:cNvPr id="2" name="Title 1"/>
+          <p:cNvPr id="2" name="Title 1">
+            <a:extLst>
+              <a:ext uri="{FF2B5EF4-FFF2-40B4-BE49-F238E27FC236}">
+                <a16:creationId xmlns:a16="http://schemas.microsoft.com/office/drawing/2014/main" id="{84355986-966B-9454-9DA3-8D3FAB0160C4}"/>
+              </a:ext>
+            </a:extLst>
+          </p:cNvPr>
           <p:cNvSpPr>
             <a:spLocks noGrp="1"/>
           </p:cNvSpPr>
@@ -1398,15 +1234,22 @@
           <a:lstStyle/>
           <a:p>
             <a:r>
-              <a:rPr kumimoji="0" lang="en-US"/>
+              <a:rPr lang="en-US"/>
               <a:t>Click to edit Master title style</a:t>
             </a:r>
-          </a:p>
-        </p:txBody>
-      </p:sp>
-      <p:sp>
-        <p:nvSpPr>
-          <p:cNvPr id="3" name="Vertical Text Placeholder 2"/>
+            <a:endParaRPr lang="en-CH"/>
+          </a:p>
+        </p:txBody>
+      </p:sp>
+      <p:sp>
+        <p:nvSpPr>
+          <p:cNvPr id="3" name="Vertical Text Placeholder 2">
+            <a:extLst>
+              <a:ext uri="{FF2B5EF4-FFF2-40B4-BE49-F238E27FC236}">
+                <a16:creationId xmlns:a16="http://schemas.microsoft.com/office/drawing/2014/main" id="{AE572BF6-2D14-4BA4-3A19-7056B55729EE}"/>
+              </a:ext>
+            </a:extLst>
+          </p:cNvPr>
           <p:cNvSpPr>
             <a:spLocks noGrp="1"/>
           </p:cNvSpPr>
@@ -1419,46 +1262,52 @@
           <a:bodyPr vert="eaVert"/>
           <a:lstStyle/>
           <a:p>
-            <a:pPr lvl="0" eaLnBrk="1" latinLnBrk="0" hangingPunct="1"/>
+            <a:pPr lvl="0"/>
             <a:r>
               <a:rPr lang="en-US"/>
               <a:t>Click to edit Master text styles</a:t>
             </a:r>
           </a:p>
           <a:p>
-            <a:pPr lvl="1" eaLnBrk="1" latinLnBrk="0" hangingPunct="1"/>
+            <a:pPr lvl="1"/>
             <a:r>
               <a:rPr lang="en-US"/>
               <a:t>Second level</a:t>
             </a:r>
           </a:p>
           <a:p>
-            <a:pPr lvl="2" eaLnBrk="1" latinLnBrk="0" hangingPunct="1"/>
+            <a:pPr lvl="2"/>
             <a:r>
               <a:rPr lang="en-US"/>
               <a:t>Third level</a:t>
             </a:r>
           </a:p>
           <a:p>
-            <a:pPr lvl="3" eaLnBrk="1" latinLnBrk="0" hangingPunct="1"/>
+            <a:pPr lvl="3"/>
             <a:r>
               <a:rPr lang="en-US"/>
               <a:t>Fourth level</a:t>
             </a:r>
           </a:p>
           <a:p>
-            <a:pPr lvl="4" eaLnBrk="1" latinLnBrk="0" hangingPunct="1"/>
+            <a:pPr lvl="4"/>
             <a:r>
               <a:rPr lang="en-US"/>
               <a:t>Fifth level</a:t>
             </a:r>
-            <a:endParaRPr kumimoji="0" lang="en-US"/>
-          </a:p>
-        </p:txBody>
-      </p:sp>
-      <p:sp>
-        <p:nvSpPr>
-          <p:cNvPr id="4" name="Date Placeholder 3"/>
+            <a:endParaRPr lang="en-CH"/>
+          </a:p>
+        </p:txBody>
+      </p:sp>
+      <p:sp>
+        <p:nvSpPr>
+          <p:cNvPr id="4" name="Date Placeholder 3">
+            <a:extLst>
+              <a:ext uri="{FF2B5EF4-FFF2-40B4-BE49-F238E27FC236}">
+                <a16:creationId xmlns:a16="http://schemas.microsoft.com/office/drawing/2014/main" id="{AE459736-4F1E-1859-9ED9-C50D5023DEFE}"/>
+              </a:ext>
+            </a:extLst>
+          </p:cNvPr>
           <p:cNvSpPr>
             <a:spLocks noGrp="1"/>
           </p:cNvSpPr>
@@ -1473,7 +1322,7 @@
           <a:p>
             <a:r>
               <a:rPr lang="de-CH"/>
-              <a:t>June 2023, CC BY-SA 4.0</a:t>
+              <a:t>August 2023, CC BY-SA 4.0</a:t>
             </a:r>
             <a:endParaRPr lang="en-US"/>
           </a:p>
@@ -1481,7 +1330,13 @@
       </p:sp>
       <p:sp>
         <p:nvSpPr>
-          <p:cNvPr id="5" name="Footer Placeholder 4"/>
+          <p:cNvPr id="5" name="Footer Placeholder 4">
+            <a:extLst>
+              <a:ext uri="{FF2B5EF4-FFF2-40B4-BE49-F238E27FC236}">
+                <a16:creationId xmlns:a16="http://schemas.microsoft.com/office/drawing/2014/main" id="{F14BBBDB-42FD-346F-3A12-BACA4B738873}"/>
+              </a:ext>
+            </a:extLst>
+          </p:cNvPr>
           <p:cNvSpPr>
             <a:spLocks noGrp="1"/>
           </p:cNvSpPr>
@@ -1496,14 +1351,20 @@
           <a:p>
             <a:r>
               <a:rPr lang="en-US"/>
-              <a:t>Continuous integration, v3.0</a:t>
-            </a:r>
-          </a:p>
-        </p:txBody>
-      </p:sp>
-      <p:sp>
-        <p:nvSpPr>
-          <p:cNvPr id="6" name="Slide Number Placeholder 5"/>
+              <a:t>Continuous integration, v4.0</a:t>
+            </a:r>
+          </a:p>
+        </p:txBody>
+      </p:sp>
+      <p:sp>
+        <p:nvSpPr>
+          <p:cNvPr id="6" name="Slide Number Placeholder 5">
+            <a:extLst>
+              <a:ext uri="{FF2B5EF4-FFF2-40B4-BE49-F238E27FC236}">
+                <a16:creationId xmlns:a16="http://schemas.microsoft.com/office/drawing/2014/main" id="{BF735BF8-561D-BD52-461A-BD105EAD9347}"/>
+              </a:ext>
+            </a:extLst>
+          </p:cNvPr>
           <p:cNvSpPr>
             <a:spLocks noGrp="1"/>
           </p:cNvSpPr>
@@ -1526,6 +1387,11 @@
         </p:txBody>
       </p:sp>
     </p:spTree>
+    <p:extLst>
+      <p:ext uri="{BB962C8B-B14F-4D97-AF65-F5344CB8AC3E}">
+        <p14:creationId xmlns:p14="http://schemas.microsoft.com/office/powerpoint/2010/main" val="3977880147"/>
+      </p:ext>
+    </p:extLst>
   </p:cSld>
   <p:clrMapOvr>
     <a:masterClrMapping/>
@@ -1534,7 +1400,7 @@
 </file>
 
 <file path=ppt/slideLayouts/slideLayout11.xml><?xml version="1.0" encoding="utf-8"?>
-<p:sldLayout xmlns:a="http://schemas.openxmlformats.org/drawingml/2006/main" xmlns:r="http://schemas.openxmlformats.org/officeDocument/2006/relationships" xmlns:p="http://schemas.openxmlformats.org/presentationml/2006/main" showMasterSp="0" type="vertTitleAndTx" preserve="1">
+<p:sldLayout xmlns:a="http://schemas.openxmlformats.org/drawingml/2006/main" xmlns:r="http://schemas.openxmlformats.org/officeDocument/2006/relationships" xmlns:p="http://schemas.openxmlformats.org/presentationml/2006/main" type="vertTitleAndTx" preserve="1">
   <p:cSld name="Vertical Title and Text">
     <p:spTree>
       <p:nvGrpSpPr>
@@ -1552,7 +1418,13 @@
       </p:grpSpPr>
       <p:sp>
         <p:nvSpPr>
-          <p:cNvPr id="2" name="Vertical Title 1"/>
+          <p:cNvPr id="2" name="Vertical Title 1">
+            <a:extLst>
+              <a:ext uri="{FF2B5EF4-FFF2-40B4-BE49-F238E27FC236}">
+                <a16:creationId xmlns:a16="http://schemas.microsoft.com/office/drawing/2014/main" id="{F517DADE-4588-53DD-44AF-698AD64DA4EB}"/>
+              </a:ext>
+            </a:extLst>
+          </p:cNvPr>
           <p:cNvSpPr>
             <a:spLocks noGrp="1"/>
           </p:cNvSpPr>
@@ -1562,8 +1434,8 @@
         </p:nvSpPr>
         <p:spPr>
           <a:xfrm>
-            <a:off x="6629400" y="274638"/>
-            <a:ext cx="2057400" cy="5851525"/>
+            <a:off x="8724900" y="365125"/>
+            <a:ext cx="2628900" cy="5811838"/>
           </a:xfrm>
         </p:spPr>
         <p:txBody>
@@ -1571,15 +1443,22 @@
           <a:lstStyle/>
           <a:p>
             <a:r>
-              <a:rPr kumimoji="0" lang="en-US"/>
+              <a:rPr lang="en-US"/>
               <a:t>Click to edit Master title style</a:t>
             </a:r>
-          </a:p>
-        </p:txBody>
-      </p:sp>
-      <p:sp>
-        <p:nvSpPr>
-          <p:cNvPr id="3" name="Vertical Text Placeholder 2"/>
+            <a:endParaRPr lang="en-CH"/>
+          </a:p>
+        </p:txBody>
+      </p:sp>
+      <p:sp>
+        <p:nvSpPr>
+          <p:cNvPr id="3" name="Vertical Text Placeholder 2">
+            <a:extLst>
+              <a:ext uri="{FF2B5EF4-FFF2-40B4-BE49-F238E27FC236}">
+                <a16:creationId xmlns:a16="http://schemas.microsoft.com/office/drawing/2014/main" id="{FD811096-5632-0D00-943C-B5A9EA2CF2E7}"/>
+              </a:ext>
+            </a:extLst>
+          </p:cNvPr>
           <p:cNvSpPr>
             <a:spLocks noGrp="1"/>
           </p:cNvSpPr>
@@ -1589,176 +1468,60 @@
         </p:nvSpPr>
         <p:spPr>
           <a:xfrm>
-            <a:off x="457200" y="274638"/>
-            <a:ext cx="6019800" cy="5851525"/>
+            <a:off x="838200" y="365125"/>
+            <a:ext cx="7734300" cy="5811838"/>
           </a:xfrm>
         </p:spPr>
         <p:txBody>
           <a:bodyPr vert="eaVert"/>
           <a:lstStyle/>
           <a:p>
-            <a:pPr lvl="0" eaLnBrk="1" latinLnBrk="0" hangingPunct="1"/>
+            <a:pPr lvl="0"/>
             <a:r>
               <a:rPr lang="en-US"/>
               <a:t>Click to edit Master text styles</a:t>
             </a:r>
           </a:p>
           <a:p>
-            <a:pPr lvl="1" eaLnBrk="1" latinLnBrk="0" hangingPunct="1"/>
+            <a:pPr lvl="1"/>
             <a:r>
               <a:rPr lang="en-US"/>
               <a:t>Second level</a:t>
             </a:r>
           </a:p>
           <a:p>
-            <a:pPr lvl="2" eaLnBrk="1" latinLnBrk="0" hangingPunct="1"/>
+            <a:pPr lvl="2"/>
             <a:r>
               <a:rPr lang="en-US"/>
               <a:t>Third level</a:t>
             </a:r>
           </a:p>
           <a:p>
-            <a:pPr lvl="3" eaLnBrk="1" latinLnBrk="0" hangingPunct="1"/>
+            <a:pPr lvl="3"/>
             <a:r>
               <a:rPr lang="en-US"/>
               <a:t>Fourth level</a:t>
             </a:r>
           </a:p>
           <a:p>
-            <a:pPr lvl="4" eaLnBrk="1" latinLnBrk="0" hangingPunct="1"/>
+            <a:pPr lvl="4"/>
             <a:r>
               <a:rPr lang="en-US"/>
               <a:t>Fifth level</a:t>
             </a:r>
-            <a:endParaRPr kumimoji="0" lang="en-US"/>
-          </a:p>
-        </p:txBody>
-      </p:sp>
-      <p:sp>
-        <p:nvSpPr>
-          <p:cNvPr id="7" name="Straight Connector 6"/>
-          <p:cNvSpPr>
-            <a:spLocks noChangeShapeType="1"/>
-          </p:cNvSpPr>
-          <p:nvPr/>
-        </p:nvSpPr>
-        <p:spPr bwMode="auto">
-          <a:xfrm>
-            <a:off x="457200" y="6353175"/>
-            <a:ext cx="8229600" cy="0"/>
-          </a:xfrm>
-          <a:prstGeom prst="line">
-            <a:avLst/>
-          </a:prstGeom>
-          <a:noFill/>
-          <a:ln w="9525" cap="flat" cmpd="sng" algn="ctr">
-            <a:solidFill>
-              <a:schemeClr val="accent2"/>
-            </a:solidFill>
-            <a:prstDash val="dash"/>
-            <a:round/>
-            <a:headEnd type="none" w="med" len="med"/>
-            <a:tailEnd type="none" w="med" len="med"/>
-          </a:ln>
-          <a:effectLst/>
-        </p:spPr>
-        <p:txBody>
-          <a:bodyPr vert="horz" wrap="square" lIns="91440" tIns="45720" rIns="91440" bIns="45720" anchor="t" compatLnSpc="1"/>
-          <a:lstStyle/>
-          <a:p>
-            <a:endParaRPr kumimoji="0" lang="en-US"/>
-          </a:p>
-        </p:txBody>
-      </p:sp>
-      <p:sp>
-        <p:nvSpPr>
-          <p:cNvPr id="8" name="Isosceles Triangle 7"/>
-          <p:cNvSpPr>
-            <a:spLocks noChangeAspect="1"/>
-          </p:cNvSpPr>
-          <p:nvPr/>
-        </p:nvSpPr>
-        <p:spPr>
-          <a:xfrm rot="5400000">
-            <a:off x="419100" y="6467475"/>
-            <a:ext cx="190849" cy="120314"/>
-          </a:xfrm>
-          <a:prstGeom prst="triangle">
-            <a:avLst>
-              <a:gd name="adj" fmla="val 50000"/>
-            </a:avLst>
-          </a:prstGeom>
-          <a:solidFill>
-            <a:schemeClr val="accent2"/>
-          </a:solidFill>
-          <a:ln w="25400" cap="rnd" cmpd="sng" algn="ctr">
-            <a:noFill/>
-            <a:prstDash val="solid"/>
-          </a:ln>
-          <a:effectLst/>
-        </p:spPr>
-        <p:style>
-          <a:lnRef idx="3">
-            <a:schemeClr val="lt1"/>
-          </a:lnRef>
-          <a:fillRef idx="1">
-            <a:schemeClr val="accent1"/>
-          </a:fillRef>
-          <a:effectRef idx="1">
-            <a:schemeClr val="accent1"/>
-          </a:effectRef>
-          <a:fontRef idx="minor">
-            <a:schemeClr val="lt1"/>
-          </a:fontRef>
-        </p:style>
-        <p:txBody>
-          <a:bodyPr anchor="ctr"/>
-          <a:lstStyle/>
-          <a:p>
-            <a:pPr algn="ctr" eaLnBrk="1" latinLnBrk="0" hangingPunct="1"/>
-            <a:endParaRPr kumimoji="0" lang="en-US"/>
-          </a:p>
-        </p:txBody>
-      </p:sp>
-      <p:sp>
-        <p:nvSpPr>
-          <p:cNvPr id="9" name="Straight Connector 8"/>
-          <p:cNvSpPr>
-            <a:spLocks noChangeShapeType="1"/>
-          </p:cNvSpPr>
-          <p:nvPr/>
-        </p:nvSpPr>
-        <p:spPr bwMode="auto">
-          <a:xfrm rot="5400000">
-            <a:off x="3629607" y="3201952"/>
-            <a:ext cx="5852160" cy="0"/>
-          </a:xfrm>
-          <a:prstGeom prst="line">
-            <a:avLst/>
-          </a:prstGeom>
-          <a:noFill/>
-          <a:ln w="9525" cap="flat" cmpd="sng" algn="ctr">
-            <a:solidFill>
-              <a:schemeClr val="accent2"/>
-            </a:solidFill>
-            <a:prstDash val="dash"/>
-            <a:round/>
-            <a:headEnd type="none" w="med" len="med"/>
-            <a:tailEnd type="none" w="med" len="med"/>
-          </a:ln>
-          <a:effectLst/>
-        </p:spPr>
-        <p:txBody>
-          <a:bodyPr vert="horz" wrap="square" lIns="91440" tIns="45720" rIns="91440" bIns="45720" anchor="t" compatLnSpc="1"/>
-          <a:lstStyle/>
-          <a:p>
-            <a:endParaRPr kumimoji="0" lang="en-US"/>
-          </a:p>
-        </p:txBody>
-      </p:sp>
-      <p:sp>
-        <p:nvSpPr>
-          <p:cNvPr id="10" name="Date Placeholder 9"/>
+            <a:endParaRPr lang="en-CH"/>
+          </a:p>
+        </p:txBody>
+      </p:sp>
+      <p:sp>
+        <p:nvSpPr>
+          <p:cNvPr id="4" name="Date Placeholder 3">
+            <a:extLst>
+              <a:ext uri="{FF2B5EF4-FFF2-40B4-BE49-F238E27FC236}">
+                <a16:creationId xmlns:a16="http://schemas.microsoft.com/office/drawing/2014/main" id="{82B76AF7-0A7A-72E9-2C5B-0C7AE6E50D0C}"/>
+              </a:ext>
+            </a:extLst>
+          </p:cNvPr>
           <p:cNvSpPr>
             <a:spLocks noGrp="1"/>
           </p:cNvSpPr>
@@ -1773,7 +1536,7 @@
           <a:p>
             <a:r>
               <a:rPr lang="de-CH"/>
-              <a:t>June 2023, CC BY-SA 4.0</a:t>
+              <a:t>August 2023, CC BY-SA 4.0</a:t>
             </a:r>
             <a:endParaRPr lang="en-US"/>
           </a:p>
@@ -1781,7 +1544,13 @@
       </p:sp>
       <p:sp>
         <p:nvSpPr>
-          <p:cNvPr id="11" name="Footer Placeholder 10"/>
+          <p:cNvPr id="5" name="Footer Placeholder 4">
+            <a:extLst>
+              <a:ext uri="{FF2B5EF4-FFF2-40B4-BE49-F238E27FC236}">
+                <a16:creationId xmlns:a16="http://schemas.microsoft.com/office/drawing/2014/main" id="{089340AD-E597-66FB-F3FA-3DD5F853A2A5}"/>
+              </a:ext>
+            </a:extLst>
+          </p:cNvPr>
           <p:cNvSpPr>
             <a:spLocks noGrp="1"/>
           </p:cNvSpPr>
@@ -1796,14 +1565,20 @@
           <a:p>
             <a:r>
               <a:rPr lang="en-US"/>
-              <a:t>Continuous integration, v3.0</a:t>
-            </a:r>
-          </a:p>
-        </p:txBody>
-      </p:sp>
-      <p:sp>
-        <p:nvSpPr>
-          <p:cNvPr id="12" name="Slide Number Placeholder 11"/>
+              <a:t>Continuous integration, v4.0</a:t>
+            </a:r>
+          </a:p>
+        </p:txBody>
+      </p:sp>
+      <p:sp>
+        <p:nvSpPr>
+          <p:cNvPr id="6" name="Slide Number Placeholder 5">
+            <a:extLst>
+              <a:ext uri="{FF2B5EF4-FFF2-40B4-BE49-F238E27FC236}">
+                <a16:creationId xmlns:a16="http://schemas.microsoft.com/office/drawing/2014/main" id="{4E4431D6-F305-DFC9-910A-55BABE7DDCF4}"/>
+              </a:ext>
+            </a:extLst>
+          </p:cNvPr>
           <p:cNvSpPr>
             <a:spLocks noGrp="1"/>
           </p:cNvSpPr>
@@ -1826,6 +1601,11 @@
         </p:txBody>
       </p:sp>
     </p:spTree>
+    <p:extLst>
+      <p:ext uri="{BB962C8B-B14F-4D97-AF65-F5344CB8AC3E}">
+        <p14:creationId xmlns:p14="http://schemas.microsoft.com/office/powerpoint/2010/main" val="991081602"/>
+      </p:ext>
+    </p:extLst>
   </p:cSld>
   <p:clrMapOvr>
     <a:masterClrMapping/>
@@ -1852,7 +1632,13 @@
       </p:grpSpPr>
       <p:sp>
         <p:nvSpPr>
-          <p:cNvPr id="2" name="Title 1"/>
+          <p:cNvPr id="2" name="Title 1">
+            <a:extLst>
+              <a:ext uri="{FF2B5EF4-FFF2-40B4-BE49-F238E27FC236}">
+                <a16:creationId xmlns:a16="http://schemas.microsoft.com/office/drawing/2014/main" id="{680DCB8A-3F5E-8F2A-9B28-BC341914FB56}"/>
+              </a:ext>
+            </a:extLst>
+          </p:cNvPr>
           <p:cNvSpPr>
             <a:spLocks noGrp="1"/>
           </p:cNvSpPr>
@@ -1866,85 +1652,80 @@
           <a:lstStyle/>
           <a:p>
             <a:r>
-              <a:rPr kumimoji="0" lang="en-US"/>
+              <a:rPr lang="en-US"/>
               <a:t>Click to edit Master title style</a:t>
             </a:r>
-          </a:p>
-        </p:txBody>
-      </p:sp>
-      <p:sp>
-        <p:nvSpPr>
-          <p:cNvPr id="8" name="Content Placeholder 7"/>
-          <p:cNvSpPr>
-            <a:spLocks noGrp="1"/>
-          </p:cNvSpPr>
-          <p:nvPr>
-            <p:ph sz="quarter" idx="1"/>
-          </p:nvPr>
-        </p:nvSpPr>
-        <p:spPr>
-          <a:xfrm>
-            <a:off x="457200" y="1219200"/>
-            <a:ext cx="8229600" cy="4937760"/>
-          </a:xfrm>
-        </p:spPr>
-        <p:txBody>
-          <a:bodyPr/>
-          <a:lstStyle>
-            <a:lvl1pPr>
-              <a:lnSpc>
-                <a:spcPct val="100000"/>
-              </a:lnSpc>
-              <a:spcBef>
-                <a:spcPts val="1200"/>
-              </a:spcBef>
-              <a:defRPr sz="2400"/>
-            </a:lvl1pPr>
-            <a:lvl2pPr>
-              <a:defRPr sz="2200"/>
-            </a:lvl2pPr>
-          </a:lstStyle>
-          <a:p>
-            <a:pPr lvl="0" eaLnBrk="1" latinLnBrk="0" hangingPunct="1"/>
-            <a:r>
-              <a:rPr lang="en-US" dirty="0"/>
+            <a:endParaRPr lang="en-CH"/>
+          </a:p>
+        </p:txBody>
+      </p:sp>
+      <p:sp>
+        <p:nvSpPr>
+          <p:cNvPr id="3" name="Content Placeholder 2">
+            <a:extLst>
+              <a:ext uri="{FF2B5EF4-FFF2-40B4-BE49-F238E27FC236}">
+                <a16:creationId xmlns:a16="http://schemas.microsoft.com/office/drawing/2014/main" id="{3ADAF64A-46E1-B61F-67EE-97DC2C5E99C5}"/>
+              </a:ext>
+            </a:extLst>
+          </p:cNvPr>
+          <p:cNvSpPr>
+            <a:spLocks noGrp="1"/>
+          </p:cNvSpPr>
+          <p:nvPr>
+            <p:ph idx="1"/>
+          </p:nvPr>
+        </p:nvSpPr>
+        <p:spPr/>
+        <p:txBody>
+          <a:bodyPr/>
+          <a:lstStyle/>
+          <a:p>
+            <a:pPr lvl="0"/>
+            <a:r>
+              <a:rPr lang="en-US"/>
               <a:t>Click to edit Master text styles</a:t>
             </a:r>
           </a:p>
           <a:p>
-            <a:pPr lvl="1" eaLnBrk="1" latinLnBrk="0" hangingPunct="1"/>
-            <a:r>
-              <a:rPr lang="en-US" dirty="0"/>
+            <a:pPr lvl="1"/>
+            <a:r>
+              <a:rPr lang="en-US"/>
               <a:t>Second level</a:t>
             </a:r>
           </a:p>
           <a:p>
-            <a:pPr lvl="2" eaLnBrk="1" latinLnBrk="0" hangingPunct="1"/>
-            <a:r>
-              <a:rPr lang="en-US" dirty="0"/>
+            <a:pPr lvl="2"/>
+            <a:r>
+              <a:rPr lang="en-US"/>
               <a:t>Third level</a:t>
             </a:r>
           </a:p>
           <a:p>
-            <a:pPr lvl="3" eaLnBrk="1" latinLnBrk="0" hangingPunct="1"/>
-            <a:r>
-              <a:rPr lang="en-US" dirty="0"/>
+            <a:pPr lvl="3"/>
+            <a:r>
+              <a:rPr lang="en-US"/>
               <a:t>Fourth level</a:t>
             </a:r>
           </a:p>
           <a:p>
-            <a:pPr lvl="4" eaLnBrk="1" latinLnBrk="0" hangingPunct="1"/>
-            <a:r>
-              <a:rPr lang="en-US" dirty="0"/>
+            <a:pPr lvl="4"/>
+            <a:r>
+              <a:rPr lang="en-US"/>
               <a:t>Fifth level</a:t>
             </a:r>
-            <a:endParaRPr kumimoji="0" lang="en-US" dirty="0"/>
-          </a:p>
-        </p:txBody>
-      </p:sp>
-      <p:sp>
-        <p:nvSpPr>
-          <p:cNvPr id="3" name="Date Placeholder 2"/>
+            <a:endParaRPr lang="en-CH"/>
+          </a:p>
+        </p:txBody>
+      </p:sp>
+      <p:sp>
+        <p:nvSpPr>
+          <p:cNvPr id="4" name="Date Placeholder 3">
+            <a:extLst>
+              <a:ext uri="{FF2B5EF4-FFF2-40B4-BE49-F238E27FC236}">
+                <a16:creationId xmlns:a16="http://schemas.microsoft.com/office/drawing/2014/main" id="{77545078-5683-BC6D-6E81-836C44388CAE}"/>
+              </a:ext>
+            </a:extLst>
+          </p:cNvPr>
           <p:cNvSpPr>
             <a:spLocks noGrp="1"/>
           </p:cNvSpPr>
@@ -1955,15 +1736,11 @@
         <p:spPr/>
         <p:txBody>
           <a:bodyPr/>
-          <a:lstStyle>
-            <a:lvl1pPr>
-              <a:defRPr sz="1050"/>
-            </a:lvl1pPr>
-          </a:lstStyle>
+          <a:lstStyle/>
           <a:p>
             <a:r>
               <a:rPr lang="de-CH" sz="1000"/>
-              <a:t>June 2023, CC BY-SA 4.0</a:t>
+              <a:t>August 2023, CC BY-SA 4.0</a:t>
             </a:r>
             <a:endParaRPr lang="en-US" sz="1000" dirty="0"/>
           </a:p>
@@ -1971,7 +1748,13 @@
       </p:sp>
       <p:sp>
         <p:nvSpPr>
-          <p:cNvPr id="7" name="Footer Placeholder 6"/>
+          <p:cNvPr id="5" name="Footer Placeholder 4">
+            <a:extLst>
+              <a:ext uri="{FF2B5EF4-FFF2-40B4-BE49-F238E27FC236}">
+                <a16:creationId xmlns:a16="http://schemas.microsoft.com/office/drawing/2014/main" id="{422E7271-4F6C-3790-7BE7-D4938ADC43A8}"/>
+              </a:ext>
+            </a:extLst>
+          </p:cNvPr>
           <p:cNvSpPr>
             <a:spLocks noGrp="1"/>
           </p:cNvSpPr>
@@ -1982,15 +1765,11 @@
         <p:spPr/>
         <p:txBody>
           <a:bodyPr/>
-          <a:lstStyle>
-            <a:lvl1pPr>
-              <a:defRPr sz="1050"/>
-            </a:lvl1pPr>
-          </a:lstStyle>
+          <a:lstStyle/>
           <a:p>
             <a:r>
               <a:rPr lang="en-US"/>
-              <a:t>Continuous integration, v3.0</a:t>
+              <a:t>Continuous integration, v4.0</a:t>
             </a:r>
             <a:endParaRPr lang="en-US" dirty="0"/>
           </a:p>
@@ -1998,7 +1777,13 @@
       </p:sp>
       <p:sp>
         <p:nvSpPr>
-          <p:cNvPr id="9" name="Slide Number Placeholder 8"/>
+          <p:cNvPr id="6" name="Slide Number Placeholder 5">
+            <a:extLst>
+              <a:ext uri="{FF2B5EF4-FFF2-40B4-BE49-F238E27FC236}">
+                <a16:creationId xmlns:a16="http://schemas.microsoft.com/office/drawing/2014/main" id="{F254F1A3-5B36-E2F6-E6AA-EF31D669590C}"/>
+              </a:ext>
+            </a:extLst>
+          </p:cNvPr>
           <p:cNvSpPr>
             <a:spLocks noGrp="1"/>
           </p:cNvSpPr>
@@ -2021,6 +1806,11 @@
         </p:txBody>
       </p:sp>
     </p:spTree>
+    <p:extLst>
+      <p:ext uri="{BB962C8B-B14F-4D97-AF65-F5344CB8AC3E}">
+        <p14:creationId xmlns:p14="http://schemas.microsoft.com/office/powerpoint/2010/main" val="3752816354"/>
+      </p:ext>
+    </p:extLst>
   </p:cSld>
   <p:clrMapOvr>
     <a:masterClrMapping/>
@@ -2029,13 +1819,8 @@
 </file>
 
 <file path=ppt/slideLayouts/slideLayout3.xml><?xml version="1.0" encoding="utf-8"?>
-<p:sldLayout xmlns:a="http://schemas.openxmlformats.org/drawingml/2006/main" xmlns:r="http://schemas.openxmlformats.org/officeDocument/2006/relationships" xmlns:p="http://schemas.openxmlformats.org/presentationml/2006/main" showMasterSp="0" type="secHead" preserve="1">
+<p:sldLayout xmlns:a="http://schemas.openxmlformats.org/drawingml/2006/main" xmlns:r="http://schemas.openxmlformats.org/officeDocument/2006/relationships" xmlns:p="http://schemas.openxmlformats.org/presentationml/2006/main" type="secHead" preserve="1">
   <p:cSld name="Section Header">
-    <p:bg>
-      <p:bgRef idx="1001">
-        <a:schemeClr val="bg2"/>
-      </p:bgRef>
-    </p:bg>
     <p:spTree>
       <p:nvGrpSpPr>
         <p:cNvPr id="1" name=""/>
@@ -2052,7 +1837,13 @@
       </p:grpSpPr>
       <p:sp>
         <p:nvSpPr>
-          <p:cNvPr id="2" name="Title 1"/>
+          <p:cNvPr id="2" name="Title 1">
+            <a:extLst>
+              <a:ext uri="{FF2B5EF4-FFF2-40B4-BE49-F238E27FC236}">
+                <a16:creationId xmlns:a16="http://schemas.microsoft.com/office/drawing/2014/main" id="{5DE8468A-AC54-B628-8AA7-706CE7951B08}"/>
+              </a:ext>
+            </a:extLst>
+          </p:cNvPr>
           <p:cNvSpPr>
             <a:spLocks noGrp="1"/>
           </p:cNvSpPr>
@@ -2062,29 +1853,35 @@
         </p:nvSpPr>
         <p:spPr>
           <a:xfrm>
-            <a:off x="1219200" y="2971800"/>
-            <a:ext cx="6858000" cy="1066800"/>
+            <a:off x="831850" y="1709738"/>
+            <a:ext cx="10515600" cy="2852737"/>
           </a:xfrm>
         </p:spPr>
         <p:txBody>
-          <a:bodyPr anchor="t" anchorCtr="0"/>
+          <a:bodyPr anchor="b"/>
           <a:lstStyle>
-            <a:lvl1pPr algn="r">
-              <a:buNone/>
-              <a:defRPr sz="3200" b="0" cap="none" baseline="0"/>
+            <a:lvl1pPr>
+              <a:defRPr sz="6000"/>
             </a:lvl1pPr>
           </a:lstStyle>
           <a:p>
             <a:r>
-              <a:rPr kumimoji="0" lang="en-US"/>
+              <a:rPr lang="en-US"/>
               <a:t>Click to edit Master title style</a:t>
             </a:r>
-          </a:p>
-        </p:txBody>
-      </p:sp>
-      <p:sp>
-        <p:nvSpPr>
-          <p:cNvPr id="3" name="Text Placeholder 2"/>
+            <a:endParaRPr lang="en-CH"/>
+          </a:p>
+        </p:txBody>
+      </p:sp>
+      <p:sp>
+        <p:nvSpPr>
+          <p:cNvPr id="3" name="Text Placeholder 2">
+            <a:extLst>
+              <a:ext uri="{FF2B5EF4-FFF2-40B4-BE49-F238E27FC236}">
+                <a16:creationId xmlns:a16="http://schemas.microsoft.com/office/drawing/2014/main" id="{53AE0C24-DE8E-AF0E-1DA4-9443CFC46DBB}"/>
+              </a:ext>
+            </a:extLst>
+          </p:cNvPr>
           <p:cNvSpPr>
             <a:spLocks noGrp="1"/>
           </p:cNvSpPr>
@@ -2094,14 +1891,24 @@
         </p:nvSpPr>
         <p:spPr>
           <a:xfrm>
-            <a:off x="1295400" y="4267200"/>
-            <a:ext cx="6781800" cy="1143000"/>
+            <a:off x="831850" y="4589463"/>
+            <a:ext cx="10515600" cy="1500187"/>
           </a:xfrm>
         </p:spPr>
         <p:txBody>
-          <a:bodyPr anchor="t" anchorCtr="0"/>
+          <a:bodyPr/>
           <a:lstStyle>
-            <a:lvl1pPr marL="0" indent="0" algn="r">
+            <a:lvl1pPr marL="0" indent="0">
+              <a:buNone/>
+              <a:defRPr sz="2400">
+                <a:solidFill>
+                  <a:schemeClr val="tx1">
+                    <a:tint val="75000"/>
+                  </a:schemeClr>
+                </a:solidFill>
+              </a:defRPr>
+            </a:lvl1pPr>
+            <a:lvl2pPr marL="457200" indent="0">
               <a:buNone/>
               <a:defRPr sz="2000">
                 <a:solidFill>
@@ -2110,8 +1917,8 @@
                   </a:schemeClr>
                 </a:solidFill>
               </a:defRPr>
-            </a:lvl1pPr>
-            <a:lvl2pPr>
+            </a:lvl2pPr>
+            <a:lvl3pPr marL="914400" indent="0">
               <a:buNone/>
               <a:defRPr sz="1800">
                 <a:solidFill>
@@ -2120,8 +1927,8 @@
                   </a:schemeClr>
                 </a:solidFill>
               </a:defRPr>
-            </a:lvl2pPr>
-            <a:lvl3pPr>
+            </a:lvl3pPr>
+            <a:lvl4pPr marL="1371600" indent="0">
               <a:buNone/>
               <a:defRPr sz="1600">
                 <a:solidFill>
@@ -2130,20 +1937,10 @@
                   </a:schemeClr>
                 </a:solidFill>
               </a:defRPr>
-            </a:lvl3pPr>
-            <a:lvl4pPr>
+            </a:lvl4pPr>
+            <a:lvl5pPr marL="1828800" indent="0">
               <a:buNone/>
-              <a:defRPr sz="1400">
-                <a:solidFill>
-                  <a:schemeClr val="tx1">
-                    <a:tint val="75000"/>
-                  </a:schemeClr>
-                </a:solidFill>
-              </a:defRPr>
-            </a:lvl4pPr>
-            <a:lvl5pPr>
-              <a:buNone/>
-              <a:defRPr sz="1400">
+              <a:defRPr sz="1600">
                 <a:solidFill>
                   <a:schemeClr val="tx1">
                     <a:tint val="75000"/>
@@ -2151,11 +1948,51 @@
                 </a:solidFill>
               </a:defRPr>
             </a:lvl5pPr>
+            <a:lvl6pPr marL="2286000" indent="0">
+              <a:buNone/>
+              <a:defRPr sz="1600">
+                <a:solidFill>
+                  <a:schemeClr val="tx1">
+                    <a:tint val="75000"/>
+                  </a:schemeClr>
+                </a:solidFill>
+              </a:defRPr>
+            </a:lvl6pPr>
+            <a:lvl7pPr marL="2743200" indent="0">
+              <a:buNone/>
+              <a:defRPr sz="1600">
+                <a:solidFill>
+                  <a:schemeClr val="tx1">
+                    <a:tint val="75000"/>
+                  </a:schemeClr>
+                </a:solidFill>
+              </a:defRPr>
+            </a:lvl7pPr>
+            <a:lvl8pPr marL="3200400" indent="0">
+              <a:buNone/>
+              <a:defRPr sz="1600">
+                <a:solidFill>
+                  <a:schemeClr val="tx1">
+                    <a:tint val="75000"/>
+                  </a:schemeClr>
+                </a:solidFill>
+              </a:defRPr>
+            </a:lvl8pPr>
+            <a:lvl9pPr marL="3657600" indent="0">
+              <a:buNone/>
+              <a:defRPr sz="1600">
+                <a:solidFill>
+                  <a:schemeClr val="tx1">
+                    <a:tint val="75000"/>
+                  </a:schemeClr>
+                </a:solidFill>
+              </a:defRPr>
+            </a:lvl9pPr>
           </a:lstStyle>
           <a:p>
-            <a:pPr lvl="0" eaLnBrk="1" latinLnBrk="0" hangingPunct="1"/>
-            <a:r>
-              <a:rPr kumimoji="0" lang="en-US"/>
+            <a:pPr lvl="0"/>
+            <a:r>
+              <a:rPr lang="en-US"/>
               <a:t>Click to edit Master text styles</a:t>
             </a:r>
           </a:p>
@@ -2163,99 +2000,13 @@
       </p:sp>
       <p:sp>
         <p:nvSpPr>
-          <p:cNvPr id="7" name="Rectangle 6"/>
-          <p:cNvSpPr/>
-          <p:nvPr/>
-        </p:nvSpPr>
-        <p:spPr>
-          <a:xfrm>
-            <a:off x="914400" y="2819400"/>
-            <a:ext cx="7315200" cy="1280160"/>
-          </a:xfrm>
-          <a:prstGeom prst="rect">
-            <a:avLst/>
-          </a:prstGeom>
-          <a:noFill/>
-          <a:ln w="6350" cap="rnd" cmpd="sng" algn="ctr">
-            <a:solidFill>
-              <a:schemeClr val="accent1"/>
-            </a:solidFill>
-            <a:prstDash val="solid"/>
-          </a:ln>
-          <a:effectLst/>
-        </p:spPr>
-        <p:style>
-          <a:lnRef idx="3">
-            <a:schemeClr val="lt1"/>
-          </a:lnRef>
-          <a:fillRef idx="1">
-            <a:schemeClr val="accent1"/>
-          </a:fillRef>
-          <a:effectRef idx="1">
-            <a:schemeClr val="accent1"/>
-          </a:effectRef>
-          <a:fontRef idx="minor">
-            <a:schemeClr val="lt1"/>
-          </a:fontRef>
-        </p:style>
-        <p:txBody>
-          <a:bodyPr anchor="ctr"/>
-          <a:lstStyle/>
-          <a:p>
-            <a:pPr algn="ctr" eaLnBrk="1" latinLnBrk="0" hangingPunct="1"/>
-            <a:endParaRPr kumimoji="0" lang="en-US"/>
-          </a:p>
-        </p:txBody>
-      </p:sp>
-      <p:sp>
-        <p:nvSpPr>
-          <p:cNvPr id="8" name="Rectangle 7"/>
-          <p:cNvSpPr/>
-          <p:nvPr/>
-        </p:nvSpPr>
-        <p:spPr>
-          <a:xfrm>
-            <a:off x="914400" y="2819400"/>
-            <a:ext cx="228600" cy="1280160"/>
-          </a:xfrm>
-          <a:prstGeom prst="rect">
-            <a:avLst/>
-          </a:prstGeom>
-          <a:solidFill>
-            <a:schemeClr val="accent1"/>
-          </a:solidFill>
-          <a:ln w="6350" cap="rnd" cmpd="sng" algn="ctr">
-            <a:noFill/>
-            <a:prstDash val="solid"/>
-          </a:ln>
-          <a:effectLst/>
-        </p:spPr>
-        <p:style>
-          <a:lnRef idx="3">
-            <a:schemeClr val="lt1"/>
-          </a:lnRef>
-          <a:fillRef idx="1">
-            <a:schemeClr val="accent1"/>
-          </a:fillRef>
-          <a:effectRef idx="1">
-            <a:schemeClr val="accent1"/>
-          </a:effectRef>
-          <a:fontRef idx="minor">
-            <a:schemeClr val="lt1"/>
-          </a:fontRef>
-        </p:style>
-        <p:txBody>
-          <a:bodyPr anchor="ctr"/>
-          <a:lstStyle/>
-          <a:p>
-            <a:pPr algn="ctr" eaLnBrk="1" latinLnBrk="0" hangingPunct="1"/>
-            <a:endParaRPr kumimoji="0" lang="en-US"/>
-          </a:p>
-        </p:txBody>
-      </p:sp>
-      <p:sp>
-        <p:nvSpPr>
-          <p:cNvPr id="9" name="Date Placeholder 8"/>
+          <p:cNvPr id="4" name="Date Placeholder 3">
+            <a:extLst>
+              <a:ext uri="{FF2B5EF4-FFF2-40B4-BE49-F238E27FC236}">
+                <a16:creationId xmlns:a16="http://schemas.microsoft.com/office/drawing/2014/main" id="{EF437BFD-9F4E-6805-F977-51F089E381FC}"/>
+              </a:ext>
+            </a:extLst>
+          </p:cNvPr>
           <p:cNvSpPr>
             <a:spLocks noGrp="1"/>
           </p:cNvSpPr>
@@ -2270,7 +2021,7 @@
           <a:p>
             <a:r>
               <a:rPr lang="de-CH"/>
-              <a:t>June 2023, CC BY-SA 4.0</a:t>
+              <a:t>August 2023, CC BY-SA 4.0</a:t>
             </a:r>
             <a:endParaRPr lang="en-US"/>
           </a:p>
@@ -2278,7 +2029,13 @@
       </p:sp>
       <p:sp>
         <p:nvSpPr>
-          <p:cNvPr id="10" name="Footer Placeholder 9"/>
+          <p:cNvPr id="5" name="Footer Placeholder 4">
+            <a:extLst>
+              <a:ext uri="{FF2B5EF4-FFF2-40B4-BE49-F238E27FC236}">
+                <a16:creationId xmlns:a16="http://schemas.microsoft.com/office/drawing/2014/main" id="{E8A1538A-B262-729C-1159-299A6AD2C15B}"/>
+              </a:ext>
+            </a:extLst>
+          </p:cNvPr>
           <p:cNvSpPr>
             <a:spLocks noGrp="1"/>
           </p:cNvSpPr>
@@ -2293,14 +2050,20 @@
           <a:p>
             <a:r>
               <a:rPr lang="en-US"/>
-              <a:t>Continuous integration, v3.0</a:t>
-            </a:r>
-          </a:p>
-        </p:txBody>
-      </p:sp>
-      <p:sp>
-        <p:nvSpPr>
-          <p:cNvPr id="11" name="Slide Number Placeholder 10"/>
+              <a:t>Continuous integration, v4.0</a:t>
+            </a:r>
+          </a:p>
+        </p:txBody>
+      </p:sp>
+      <p:sp>
+        <p:nvSpPr>
+          <p:cNvPr id="6" name="Slide Number Placeholder 5">
+            <a:extLst>
+              <a:ext uri="{FF2B5EF4-FFF2-40B4-BE49-F238E27FC236}">
+                <a16:creationId xmlns:a16="http://schemas.microsoft.com/office/drawing/2014/main" id="{87B877DA-C93B-D754-DACE-19B3A7BCACEE}"/>
+              </a:ext>
+            </a:extLst>
+          </p:cNvPr>
           <p:cNvSpPr>
             <a:spLocks noGrp="1"/>
           </p:cNvSpPr>
@@ -2323,9 +2086,14 @@
         </p:txBody>
       </p:sp>
     </p:spTree>
+    <p:extLst>
+      <p:ext uri="{BB962C8B-B14F-4D97-AF65-F5344CB8AC3E}">
+        <p14:creationId xmlns:p14="http://schemas.microsoft.com/office/powerpoint/2010/main" val="4162978849"/>
+      </p:ext>
+    </p:extLst>
   </p:cSld>
   <p:clrMapOvr>
-    <a:overrideClrMapping bg1="dk1" tx1="lt1" bg2="dk2" tx2="lt2" accent1="accent1" accent2="accent2" accent3="accent3" accent4="accent4" accent5="accent5" accent6="accent6" hlink="hlink" folHlink="folHlink"/>
+    <a:masterClrMapping/>
   </p:clrMapOvr>
 </p:sldLayout>
 </file>
@@ -2349,193 +2117,225 @@
       </p:grpSpPr>
       <p:sp>
         <p:nvSpPr>
-          <p:cNvPr id="2" name="Title 1"/>
+          <p:cNvPr id="2" name="Title 1">
+            <a:extLst>
+              <a:ext uri="{FF2B5EF4-FFF2-40B4-BE49-F238E27FC236}">
+                <a16:creationId xmlns:a16="http://schemas.microsoft.com/office/drawing/2014/main" id="{EB8B9087-770E-503F-8A38-3CBFD7F990A6}"/>
+              </a:ext>
+            </a:extLst>
+          </p:cNvPr>
           <p:cNvSpPr>
             <a:spLocks noGrp="1"/>
           </p:cNvSpPr>
           <p:nvPr>
             <p:ph type="title"/>
+          </p:nvPr>
+        </p:nvSpPr>
+        <p:spPr/>
+        <p:txBody>
+          <a:bodyPr/>
+          <a:lstStyle/>
+          <a:p>
+            <a:r>
+              <a:rPr lang="en-US"/>
+              <a:t>Click to edit Master title style</a:t>
+            </a:r>
+            <a:endParaRPr lang="en-CH"/>
+          </a:p>
+        </p:txBody>
+      </p:sp>
+      <p:sp>
+        <p:nvSpPr>
+          <p:cNvPr id="3" name="Content Placeholder 2">
+            <a:extLst>
+              <a:ext uri="{FF2B5EF4-FFF2-40B4-BE49-F238E27FC236}">
+                <a16:creationId xmlns:a16="http://schemas.microsoft.com/office/drawing/2014/main" id="{1960196A-BF4B-7CB6-FDF6-A4C643AD1FBA}"/>
+              </a:ext>
+            </a:extLst>
+          </p:cNvPr>
+          <p:cNvSpPr>
+            <a:spLocks noGrp="1"/>
+          </p:cNvSpPr>
+          <p:nvPr>
+            <p:ph sz="half" idx="1"/>
           </p:nvPr>
         </p:nvSpPr>
         <p:spPr>
           <a:xfrm>
-            <a:off x="457200" y="228600"/>
-            <a:ext cx="8229600" cy="914400"/>
+            <a:off x="838200" y="1825625"/>
+            <a:ext cx="5181600" cy="4351338"/>
           </a:xfrm>
         </p:spPr>
         <p:txBody>
           <a:bodyPr/>
           <a:lstStyle/>
           <a:p>
-            <a:r>
-              <a:rPr kumimoji="0" lang="en-US"/>
-              <a:t>Click to edit Master title style</a:t>
-            </a:r>
-          </a:p>
-        </p:txBody>
-      </p:sp>
-      <p:sp>
-        <p:nvSpPr>
-          <p:cNvPr id="9" name="Content Placeholder 8"/>
-          <p:cNvSpPr>
-            <a:spLocks noGrp="1"/>
-          </p:cNvSpPr>
-          <p:nvPr>
-            <p:ph sz="quarter" idx="1"/>
+            <a:pPr lvl="0"/>
+            <a:r>
+              <a:rPr lang="en-US"/>
+              <a:t>Click to edit Master text styles</a:t>
+            </a:r>
+          </a:p>
+          <a:p>
+            <a:pPr lvl="1"/>
+            <a:r>
+              <a:rPr lang="en-US"/>
+              <a:t>Second level</a:t>
+            </a:r>
+          </a:p>
+          <a:p>
+            <a:pPr lvl="2"/>
+            <a:r>
+              <a:rPr lang="en-US"/>
+              <a:t>Third level</a:t>
+            </a:r>
+          </a:p>
+          <a:p>
+            <a:pPr lvl="3"/>
+            <a:r>
+              <a:rPr lang="en-US"/>
+              <a:t>Fourth level</a:t>
+            </a:r>
+          </a:p>
+          <a:p>
+            <a:pPr lvl="4"/>
+            <a:r>
+              <a:rPr lang="en-US"/>
+              <a:t>Fifth level</a:t>
+            </a:r>
+            <a:endParaRPr lang="en-CH"/>
+          </a:p>
+        </p:txBody>
+      </p:sp>
+      <p:sp>
+        <p:nvSpPr>
+          <p:cNvPr id="4" name="Content Placeholder 3">
+            <a:extLst>
+              <a:ext uri="{FF2B5EF4-FFF2-40B4-BE49-F238E27FC236}">
+                <a16:creationId xmlns:a16="http://schemas.microsoft.com/office/drawing/2014/main" id="{500A676E-C0AA-D429-5C85-EC89A80BA25B}"/>
+              </a:ext>
+            </a:extLst>
+          </p:cNvPr>
+          <p:cNvSpPr>
+            <a:spLocks noGrp="1"/>
+          </p:cNvSpPr>
+          <p:nvPr>
+            <p:ph sz="half" idx="2"/>
           </p:nvPr>
         </p:nvSpPr>
         <p:spPr>
           <a:xfrm>
-            <a:off x="457200" y="1219200"/>
-            <a:ext cx="4041648" cy="4937760"/>
+            <a:off x="6172200" y="1825625"/>
+            <a:ext cx="5181600" cy="4351338"/>
           </a:xfrm>
         </p:spPr>
         <p:txBody>
           <a:bodyPr/>
           <a:lstStyle/>
           <a:p>
-            <a:pPr lvl="0" eaLnBrk="1" latinLnBrk="0" hangingPunct="1"/>
+            <a:pPr lvl="0"/>
             <a:r>
               <a:rPr lang="en-US"/>
               <a:t>Click to edit Master text styles</a:t>
             </a:r>
           </a:p>
           <a:p>
-            <a:pPr lvl="1" eaLnBrk="1" latinLnBrk="0" hangingPunct="1"/>
+            <a:pPr lvl="1"/>
             <a:r>
               <a:rPr lang="en-US"/>
               <a:t>Second level</a:t>
             </a:r>
           </a:p>
           <a:p>
-            <a:pPr lvl="2" eaLnBrk="1" latinLnBrk="0" hangingPunct="1"/>
+            <a:pPr lvl="2"/>
             <a:r>
               <a:rPr lang="en-US"/>
               <a:t>Third level</a:t>
             </a:r>
           </a:p>
           <a:p>
-            <a:pPr lvl="3" eaLnBrk="1" latinLnBrk="0" hangingPunct="1"/>
+            <a:pPr lvl="3"/>
             <a:r>
               <a:rPr lang="en-US"/>
               <a:t>Fourth level</a:t>
             </a:r>
           </a:p>
           <a:p>
-            <a:pPr lvl="4" eaLnBrk="1" latinLnBrk="0" hangingPunct="1"/>
+            <a:pPr lvl="4"/>
             <a:r>
               <a:rPr lang="en-US"/>
               <a:t>Fifth level</a:t>
             </a:r>
-            <a:endParaRPr kumimoji="0" lang="en-US"/>
-          </a:p>
-        </p:txBody>
-      </p:sp>
-      <p:sp>
-        <p:nvSpPr>
-          <p:cNvPr id="11" name="Content Placeholder 10"/>
-          <p:cNvSpPr>
-            <a:spLocks noGrp="1"/>
-          </p:cNvSpPr>
-          <p:nvPr>
-            <p:ph sz="quarter" idx="2"/>
-          </p:nvPr>
-        </p:nvSpPr>
-        <p:spPr>
-          <a:xfrm>
-            <a:off x="4632198" y="1216152"/>
-            <a:ext cx="4041648" cy="4937760"/>
-          </a:xfrm>
-        </p:spPr>
-        <p:txBody>
-          <a:bodyPr/>
-          <a:lstStyle/>
-          <a:p>
-            <a:pPr lvl="0" eaLnBrk="1" latinLnBrk="0" hangingPunct="1"/>
+            <a:endParaRPr lang="en-CH"/>
+          </a:p>
+        </p:txBody>
+      </p:sp>
+      <p:sp>
+        <p:nvSpPr>
+          <p:cNvPr id="5" name="Date Placeholder 4">
+            <a:extLst>
+              <a:ext uri="{FF2B5EF4-FFF2-40B4-BE49-F238E27FC236}">
+                <a16:creationId xmlns:a16="http://schemas.microsoft.com/office/drawing/2014/main" id="{0682C2E9-C346-7A35-12DB-79B9040277C5}"/>
+              </a:ext>
+            </a:extLst>
+          </p:cNvPr>
+          <p:cNvSpPr>
+            <a:spLocks noGrp="1"/>
+          </p:cNvSpPr>
+          <p:nvPr>
+            <p:ph type="dt" sz="half" idx="10"/>
+          </p:nvPr>
+        </p:nvSpPr>
+        <p:spPr/>
+        <p:txBody>
+          <a:bodyPr/>
+          <a:lstStyle/>
+          <a:p>
+            <a:r>
+              <a:rPr lang="de-CH"/>
+              <a:t>August 2023, CC BY-SA 4.0</a:t>
+            </a:r>
+            <a:endParaRPr lang="en-US"/>
+          </a:p>
+        </p:txBody>
+      </p:sp>
+      <p:sp>
+        <p:nvSpPr>
+          <p:cNvPr id="6" name="Footer Placeholder 5">
+            <a:extLst>
+              <a:ext uri="{FF2B5EF4-FFF2-40B4-BE49-F238E27FC236}">
+                <a16:creationId xmlns:a16="http://schemas.microsoft.com/office/drawing/2014/main" id="{77B5587C-BADE-5A78-CDD3-9EB083B0E244}"/>
+              </a:ext>
+            </a:extLst>
+          </p:cNvPr>
+          <p:cNvSpPr>
+            <a:spLocks noGrp="1"/>
+          </p:cNvSpPr>
+          <p:nvPr>
+            <p:ph type="ftr" sz="quarter" idx="11"/>
+          </p:nvPr>
+        </p:nvSpPr>
+        <p:spPr/>
+        <p:txBody>
+          <a:bodyPr/>
+          <a:lstStyle/>
+          <a:p>
             <a:r>
               <a:rPr lang="en-US"/>
-              <a:t>Click to edit Master text styles</a:t>
-            </a:r>
-          </a:p>
-          <a:p>
-            <a:pPr lvl="1" eaLnBrk="1" latinLnBrk="0" hangingPunct="1"/>
-            <a:r>
-              <a:rPr lang="en-US"/>
-              <a:t>Second level</a:t>
-            </a:r>
-          </a:p>
-          <a:p>
-            <a:pPr lvl="2" eaLnBrk="1" latinLnBrk="0" hangingPunct="1"/>
-            <a:r>
-              <a:rPr lang="en-US"/>
-              <a:t>Third level</a:t>
-            </a:r>
-          </a:p>
-          <a:p>
-            <a:pPr lvl="3" eaLnBrk="1" latinLnBrk="0" hangingPunct="1"/>
-            <a:r>
-              <a:rPr lang="en-US"/>
-              <a:t>Fourth level</a:t>
-            </a:r>
-          </a:p>
-          <a:p>
-            <a:pPr lvl="4" eaLnBrk="1" latinLnBrk="0" hangingPunct="1"/>
-            <a:r>
-              <a:rPr lang="en-US"/>
-              <a:t>Fifth level</a:t>
-            </a:r>
-            <a:endParaRPr kumimoji="0" lang="en-US"/>
-          </a:p>
-        </p:txBody>
-      </p:sp>
-      <p:sp>
-        <p:nvSpPr>
-          <p:cNvPr id="3" name="Date Placeholder 2"/>
-          <p:cNvSpPr>
-            <a:spLocks noGrp="1"/>
-          </p:cNvSpPr>
-          <p:nvPr>
-            <p:ph type="dt" sz="half" idx="10"/>
-          </p:nvPr>
-        </p:nvSpPr>
-        <p:spPr/>
-        <p:txBody>
-          <a:bodyPr/>
-          <a:lstStyle/>
-          <a:p>
-            <a:r>
-              <a:rPr lang="de-CH"/>
-              <a:t>June 2023, CC BY-SA 4.0</a:t>
-            </a:r>
-            <a:endParaRPr lang="en-US"/>
-          </a:p>
-        </p:txBody>
-      </p:sp>
-      <p:sp>
-        <p:nvSpPr>
-          <p:cNvPr id="4" name="Footer Placeholder 3"/>
-          <p:cNvSpPr>
-            <a:spLocks noGrp="1"/>
-          </p:cNvSpPr>
-          <p:nvPr>
-            <p:ph type="ftr" sz="quarter" idx="11"/>
-          </p:nvPr>
-        </p:nvSpPr>
-        <p:spPr/>
-        <p:txBody>
-          <a:bodyPr/>
-          <a:lstStyle/>
-          <a:p>
-            <a:r>
-              <a:rPr lang="en-US"/>
-              <a:t>Continuous integration, v3.0</a:t>
-            </a:r>
-          </a:p>
-        </p:txBody>
-      </p:sp>
-      <p:sp>
-        <p:nvSpPr>
-          <p:cNvPr id="8" name="Slide Number Placeholder 7"/>
+              <a:t>Continuous integration, v4.0</a:t>
+            </a:r>
+          </a:p>
+        </p:txBody>
+      </p:sp>
+      <p:sp>
+        <p:nvSpPr>
+          <p:cNvPr id="7" name="Slide Number Placeholder 6">
+            <a:extLst>
+              <a:ext uri="{FF2B5EF4-FFF2-40B4-BE49-F238E27FC236}">
+                <a16:creationId xmlns:a16="http://schemas.microsoft.com/office/drawing/2014/main" id="{846ADC98-5931-37F6-ED0F-36C39E8F903E}"/>
+              </a:ext>
+            </a:extLst>
+          </p:cNvPr>
           <p:cNvSpPr>
             <a:spLocks noGrp="1"/>
           </p:cNvSpPr>
@@ -2558,6 +2358,11 @@
         </p:txBody>
       </p:sp>
     </p:spTree>
+    <p:extLst>
+      <p:ext uri="{BB962C8B-B14F-4D97-AF65-F5344CB8AC3E}">
+        <p14:creationId xmlns:p14="http://schemas.microsoft.com/office/powerpoint/2010/main" val="425192606"/>
+      </p:ext>
+    </p:extLst>
   </p:cSld>
   <p:clrMapOvr>
     <a:masterClrMapping/>
@@ -2584,7 +2389,13 @@
       </p:grpSpPr>
       <p:sp>
         <p:nvSpPr>
-          <p:cNvPr id="2" name="Title 1"/>
+          <p:cNvPr id="2" name="Title 1">
+            <a:extLst>
+              <a:ext uri="{FF2B5EF4-FFF2-40B4-BE49-F238E27FC236}">
+                <a16:creationId xmlns:a16="http://schemas.microsoft.com/office/drawing/2014/main" id="{E4456801-8018-4845-81F3-B3179F86C3BD}"/>
+              </a:ext>
+            </a:extLst>
+          </p:cNvPr>
           <p:cNvSpPr>
             <a:spLocks noGrp="1"/>
           </p:cNvSpPr>
@@ -2594,28 +2405,31 @@
         </p:nvSpPr>
         <p:spPr>
           <a:xfrm>
-            <a:off x="457200" y="228600"/>
-            <a:ext cx="8229600" cy="914400"/>
+            <a:off x="839788" y="365125"/>
+            <a:ext cx="10515600" cy="1325563"/>
           </a:xfrm>
         </p:spPr>
         <p:txBody>
-          <a:bodyPr anchor="ctr"/>
-          <a:lstStyle>
-            <a:lvl1pPr>
-              <a:defRPr/>
-            </a:lvl1pPr>
-          </a:lstStyle>
-          <a:p>
-            <a:r>
-              <a:rPr kumimoji="0" lang="en-US"/>
+          <a:bodyPr/>
+          <a:lstStyle/>
+          <a:p>
+            <a:r>
+              <a:rPr lang="en-US"/>
               <a:t>Click to edit Master title style</a:t>
             </a:r>
-          </a:p>
-        </p:txBody>
-      </p:sp>
-      <p:sp>
-        <p:nvSpPr>
-          <p:cNvPr id="3" name="Text Placeholder 2"/>
+            <a:endParaRPr lang="en-CH"/>
+          </a:p>
+        </p:txBody>
+      </p:sp>
+      <p:sp>
+        <p:nvSpPr>
+          <p:cNvPr id="3" name="Text Placeholder 2">
+            <a:extLst>
+              <a:ext uri="{FF2B5EF4-FFF2-40B4-BE49-F238E27FC236}">
+                <a16:creationId xmlns:a16="http://schemas.microsoft.com/office/drawing/2014/main" id="{4534E66C-4098-F305-5210-BDE8D497B9F5}"/>
+              </a:ext>
+            </a:extLst>
+          </p:cNvPr>
           <p:cNvSpPr>
             <a:spLocks noGrp="1"/>
           </p:cNvSpPr>
@@ -2625,48 +2439,54 @@
         </p:nvSpPr>
         <p:spPr>
           <a:xfrm>
-            <a:off x="457200" y="1285875"/>
-            <a:ext cx="4040188" cy="685800"/>
+            <a:off x="839788" y="1681163"/>
+            <a:ext cx="5157787" cy="823912"/>
           </a:xfrm>
-          <a:noFill/>
-          <a:ln>
-            <a:noFill/>
-          </a:ln>
         </p:spPr>
         <p:txBody>
-          <a:bodyPr lIns="91440" anchor="b" anchorCtr="0">
-            <a:noAutofit/>
-          </a:bodyPr>
+          <a:bodyPr anchor="b"/>
           <a:lstStyle>
             <a:lvl1pPr marL="0" indent="0">
               <a:buNone/>
-              <a:defRPr sz="2400" b="1">
-                <a:solidFill>
-                  <a:schemeClr val="accent2"/>
-                </a:solidFill>
-              </a:defRPr>
+              <a:defRPr sz="2400" b="1"/>
             </a:lvl1pPr>
-            <a:lvl2pPr>
+            <a:lvl2pPr marL="457200" indent="0">
               <a:buNone/>
               <a:defRPr sz="2000" b="1"/>
             </a:lvl2pPr>
-            <a:lvl3pPr>
+            <a:lvl3pPr marL="914400" indent="0">
               <a:buNone/>
               <a:defRPr sz="1800" b="1"/>
             </a:lvl3pPr>
-            <a:lvl4pPr>
+            <a:lvl4pPr marL="1371600" indent="0">
               <a:buNone/>
               <a:defRPr sz="1600" b="1"/>
             </a:lvl4pPr>
-            <a:lvl5pPr>
+            <a:lvl5pPr marL="1828800" indent="0">
               <a:buNone/>
               <a:defRPr sz="1600" b="1"/>
             </a:lvl5pPr>
+            <a:lvl6pPr marL="2286000" indent="0">
+              <a:buNone/>
+              <a:defRPr sz="1600" b="1"/>
+            </a:lvl6pPr>
+            <a:lvl7pPr marL="2743200" indent="0">
+              <a:buNone/>
+              <a:defRPr sz="1600" b="1"/>
+            </a:lvl7pPr>
+            <a:lvl8pPr marL="3200400" indent="0">
+              <a:buNone/>
+              <a:defRPr sz="1600" b="1"/>
+            </a:lvl8pPr>
+            <a:lvl9pPr marL="3657600" indent="0">
+              <a:buNone/>
+              <a:defRPr sz="1600" b="1"/>
+            </a:lvl9pPr>
           </a:lstStyle>
           <a:p>
-            <a:pPr lvl="0" eaLnBrk="1" latinLnBrk="0" hangingPunct="1"/>
-            <a:r>
-              <a:rPr kumimoji="0" lang="en-US"/>
+            <a:pPr lvl="0"/>
+            <a:r>
+              <a:rPr lang="en-US"/>
               <a:t>Click to edit Master text styles</a:t>
             </a:r>
           </a:p>
@@ -2674,56 +2494,133 @@
       </p:sp>
       <p:sp>
         <p:nvSpPr>
-          <p:cNvPr id="4" name="Text Placeholder 3"/>
-          <p:cNvSpPr>
-            <a:spLocks noGrp="1"/>
-          </p:cNvSpPr>
-          <p:nvPr>
-            <p:ph type="body" sz="half" idx="3"/>
+          <p:cNvPr id="4" name="Content Placeholder 3">
+            <a:extLst>
+              <a:ext uri="{FF2B5EF4-FFF2-40B4-BE49-F238E27FC236}">
+                <a16:creationId xmlns:a16="http://schemas.microsoft.com/office/drawing/2014/main" id="{047315FB-8747-7387-D937-3668F7B414B1}"/>
+              </a:ext>
+            </a:extLst>
+          </p:cNvPr>
+          <p:cNvSpPr>
+            <a:spLocks noGrp="1"/>
+          </p:cNvSpPr>
+          <p:nvPr>
+            <p:ph sz="half" idx="2"/>
           </p:nvPr>
         </p:nvSpPr>
         <p:spPr>
           <a:xfrm>
-            <a:off x="4648200" y="1295400"/>
-            <a:ext cx="4041775" cy="685800"/>
+            <a:off x="839788" y="2505075"/>
+            <a:ext cx="5157787" cy="3684588"/>
           </a:xfrm>
-          <a:noFill/>
-          <a:ln>
-            <a:noFill/>
-          </a:ln>
         </p:spPr>
         <p:txBody>
-          <a:bodyPr lIns="91440" anchor="b" anchorCtr="0"/>
+          <a:bodyPr/>
+          <a:lstStyle/>
+          <a:p>
+            <a:pPr lvl="0"/>
+            <a:r>
+              <a:rPr lang="en-US"/>
+              <a:t>Click to edit Master text styles</a:t>
+            </a:r>
+          </a:p>
+          <a:p>
+            <a:pPr lvl="1"/>
+            <a:r>
+              <a:rPr lang="en-US"/>
+              <a:t>Second level</a:t>
+            </a:r>
+          </a:p>
+          <a:p>
+            <a:pPr lvl="2"/>
+            <a:r>
+              <a:rPr lang="en-US"/>
+              <a:t>Third level</a:t>
+            </a:r>
+          </a:p>
+          <a:p>
+            <a:pPr lvl="3"/>
+            <a:r>
+              <a:rPr lang="en-US"/>
+              <a:t>Fourth level</a:t>
+            </a:r>
+          </a:p>
+          <a:p>
+            <a:pPr lvl="4"/>
+            <a:r>
+              <a:rPr lang="en-US"/>
+              <a:t>Fifth level</a:t>
+            </a:r>
+            <a:endParaRPr lang="en-CH"/>
+          </a:p>
+        </p:txBody>
+      </p:sp>
+      <p:sp>
+        <p:nvSpPr>
+          <p:cNvPr id="5" name="Text Placeholder 4">
+            <a:extLst>
+              <a:ext uri="{FF2B5EF4-FFF2-40B4-BE49-F238E27FC236}">
+                <a16:creationId xmlns:a16="http://schemas.microsoft.com/office/drawing/2014/main" id="{4A5B0F64-E95B-0BC5-C38B-B98E34B650BC}"/>
+              </a:ext>
+            </a:extLst>
+          </p:cNvPr>
+          <p:cNvSpPr>
+            <a:spLocks noGrp="1"/>
+          </p:cNvSpPr>
+          <p:nvPr>
+            <p:ph type="body" sz="quarter" idx="3"/>
+          </p:nvPr>
+        </p:nvSpPr>
+        <p:spPr>
+          <a:xfrm>
+            <a:off x="6172200" y="1681163"/>
+            <a:ext cx="5183188" cy="823912"/>
+          </a:xfrm>
+        </p:spPr>
+        <p:txBody>
+          <a:bodyPr anchor="b"/>
           <a:lstStyle>
             <a:lvl1pPr marL="0" indent="0">
               <a:buNone/>
-              <a:defRPr sz="2400" b="1">
-                <a:solidFill>
-                  <a:schemeClr val="accent2"/>
-                </a:solidFill>
-              </a:defRPr>
+              <a:defRPr sz="2400" b="1"/>
             </a:lvl1pPr>
-            <a:lvl2pPr>
+            <a:lvl2pPr marL="457200" indent="0">
               <a:buNone/>
               <a:defRPr sz="2000" b="1"/>
             </a:lvl2pPr>
-            <a:lvl3pPr>
+            <a:lvl3pPr marL="914400" indent="0">
               <a:buNone/>
               <a:defRPr sz="1800" b="1"/>
             </a:lvl3pPr>
-            <a:lvl4pPr>
+            <a:lvl4pPr marL="1371600" indent="0">
               <a:buNone/>
               <a:defRPr sz="1600" b="1"/>
             </a:lvl4pPr>
-            <a:lvl5pPr>
+            <a:lvl5pPr marL="1828800" indent="0">
               <a:buNone/>
               <a:defRPr sz="1600" b="1"/>
             </a:lvl5pPr>
+            <a:lvl6pPr marL="2286000" indent="0">
+              <a:buNone/>
+              <a:defRPr sz="1600" b="1"/>
+            </a:lvl6pPr>
+            <a:lvl7pPr marL="2743200" indent="0">
+              <a:buNone/>
+              <a:defRPr sz="1600" b="1"/>
+            </a:lvl7pPr>
+            <a:lvl8pPr marL="3200400" indent="0">
+              <a:buNone/>
+              <a:defRPr sz="1600" b="1"/>
+            </a:lvl8pPr>
+            <a:lvl9pPr marL="3657600" indent="0">
+              <a:buNone/>
+              <a:defRPr sz="1600" b="1"/>
+            </a:lvl9pPr>
           </a:lstStyle>
           <a:p>
-            <a:pPr lvl="0" eaLnBrk="1" latinLnBrk="0" hangingPunct="1"/>
-            <a:r>
-              <a:rPr kumimoji="0" lang="en-US"/>
+            <a:pPr lvl="0"/>
+            <a:r>
+              <a:rPr lang="en-US"/>
               <a:t>Click to edit Master text styles</a:t>
             </a:r>
           </a:p>
@@ -2731,166 +2628,133 @@
       </p:sp>
       <p:sp>
         <p:nvSpPr>
-          <p:cNvPr id="11" name="Content Placeholder 10"/>
-          <p:cNvSpPr>
-            <a:spLocks noGrp="1"/>
-          </p:cNvSpPr>
-          <p:nvPr>
-            <p:ph sz="quarter" idx="2"/>
+          <p:cNvPr id="6" name="Content Placeholder 5">
+            <a:extLst>
+              <a:ext uri="{FF2B5EF4-FFF2-40B4-BE49-F238E27FC236}">
+                <a16:creationId xmlns:a16="http://schemas.microsoft.com/office/drawing/2014/main" id="{FC5007B1-713B-C540-A118-48A557F01671}"/>
+              </a:ext>
+            </a:extLst>
+          </p:cNvPr>
+          <p:cNvSpPr>
+            <a:spLocks noGrp="1"/>
+          </p:cNvSpPr>
+          <p:nvPr>
+            <p:ph sz="quarter" idx="4"/>
           </p:nvPr>
         </p:nvSpPr>
         <p:spPr>
           <a:xfrm>
-            <a:off x="457200" y="2133600"/>
-            <a:ext cx="4038600" cy="4038600"/>
+            <a:off x="6172200" y="2505075"/>
+            <a:ext cx="5183188" cy="3684588"/>
           </a:xfrm>
         </p:spPr>
         <p:txBody>
           <a:bodyPr/>
           <a:lstStyle/>
           <a:p>
-            <a:pPr lvl="0" eaLnBrk="1" latinLnBrk="0" hangingPunct="1"/>
+            <a:pPr lvl="0"/>
             <a:r>
               <a:rPr lang="en-US"/>
               <a:t>Click to edit Master text styles</a:t>
             </a:r>
           </a:p>
           <a:p>
-            <a:pPr lvl="1" eaLnBrk="1" latinLnBrk="0" hangingPunct="1"/>
+            <a:pPr lvl="1"/>
             <a:r>
               <a:rPr lang="en-US"/>
               <a:t>Second level</a:t>
             </a:r>
           </a:p>
           <a:p>
-            <a:pPr lvl="2" eaLnBrk="1" latinLnBrk="0" hangingPunct="1"/>
+            <a:pPr lvl="2"/>
             <a:r>
               <a:rPr lang="en-US"/>
               <a:t>Third level</a:t>
             </a:r>
           </a:p>
           <a:p>
-            <a:pPr lvl="3" eaLnBrk="1" latinLnBrk="0" hangingPunct="1"/>
+            <a:pPr lvl="3"/>
             <a:r>
               <a:rPr lang="en-US"/>
               <a:t>Fourth level</a:t>
             </a:r>
           </a:p>
           <a:p>
-            <a:pPr lvl="4" eaLnBrk="1" latinLnBrk="0" hangingPunct="1"/>
+            <a:pPr lvl="4"/>
             <a:r>
               <a:rPr lang="en-US"/>
               <a:t>Fifth level</a:t>
             </a:r>
-            <a:endParaRPr kumimoji="0" lang="en-US"/>
-          </a:p>
-        </p:txBody>
-      </p:sp>
-      <p:sp>
-        <p:nvSpPr>
-          <p:cNvPr id="13" name="Content Placeholder 12"/>
-          <p:cNvSpPr>
-            <a:spLocks noGrp="1"/>
-          </p:cNvSpPr>
-          <p:nvPr>
-            <p:ph sz="quarter" idx="4"/>
-          </p:nvPr>
-        </p:nvSpPr>
-        <p:spPr>
-          <a:xfrm>
-            <a:off x="4648200" y="2133600"/>
-            <a:ext cx="4038600" cy="4038600"/>
-          </a:xfrm>
-        </p:spPr>
-        <p:txBody>
-          <a:bodyPr/>
-          <a:lstStyle/>
-          <a:p>
-            <a:pPr lvl="0" eaLnBrk="1" latinLnBrk="0" hangingPunct="1"/>
+            <a:endParaRPr lang="en-CH"/>
+          </a:p>
+        </p:txBody>
+      </p:sp>
+      <p:sp>
+        <p:nvSpPr>
+          <p:cNvPr id="7" name="Date Placeholder 6">
+            <a:extLst>
+              <a:ext uri="{FF2B5EF4-FFF2-40B4-BE49-F238E27FC236}">
+                <a16:creationId xmlns:a16="http://schemas.microsoft.com/office/drawing/2014/main" id="{326BCB77-139B-BEA6-738C-0DA580959171}"/>
+              </a:ext>
+            </a:extLst>
+          </p:cNvPr>
+          <p:cNvSpPr>
+            <a:spLocks noGrp="1"/>
+          </p:cNvSpPr>
+          <p:nvPr>
+            <p:ph type="dt" sz="half" idx="10"/>
+          </p:nvPr>
+        </p:nvSpPr>
+        <p:spPr/>
+        <p:txBody>
+          <a:bodyPr/>
+          <a:lstStyle/>
+          <a:p>
+            <a:r>
+              <a:rPr lang="de-CH"/>
+              <a:t>August 2023, CC BY-SA 4.0</a:t>
+            </a:r>
+            <a:endParaRPr lang="en-US"/>
+          </a:p>
+        </p:txBody>
+      </p:sp>
+      <p:sp>
+        <p:nvSpPr>
+          <p:cNvPr id="8" name="Footer Placeholder 7">
+            <a:extLst>
+              <a:ext uri="{FF2B5EF4-FFF2-40B4-BE49-F238E27FC236}">
+                <a16:creationId xmlns:a16="http://schemas.microsoft.com/office/drawing/2014/main" id="{C9D7D20F-35CB-D6E8-E6F0-279952A9E694}"/>
+              </a:ext>
+            </a:extLst>
+          </p:cNvPr>
+          <p:cNvSpPr>
+            <a:spLocks noGrp="1"/>
+          </p:cNvSpPr>
+          <p:nvPr>
+            <p:ph type="ftr" sz="quarter" idx="11"/>
+          </p:nvPr>
+        </p:nvSpPr>
+        <p:spPr/>
+        <p:txBody>
+          <a:bodyPr/>
+          <a:lstStyle/>
+          <a:p>
             <a:r>
               <a:rPr lang="en-US"/>
-              <a:t>Click to edit Master text styles</a:t>
-            </a:r>
-          </a:p>
-          <a:p>
-            <a:pPr lvl="1" eaLnBrk="1" latinLnBrk="0" hangingPunct="1"/>
-            <a:r>
-              <a:rPr lang="en-US"/>
-              <a:t>Second level</a:t>
-            </a:r>
-          </a:p>
-          <a:p>
-            <a:pPr lvl="2" eaLnBrk="1" latinLnBrk="0" hangingPunct="1"/>
-            <a:r>
-              <a:rPr lang="en-US"/>
-              <a:t>Third level</a:t>
-            </a:r>
-          </a:p>
-          <a:p>
-            <a:pPr lvl="3" eaLnBrk="1" latinLnBrk="0" hangingPunct="1"/>
-            <a:r>
-              <a:rPr lang="en-US"/>
-              <a:t>Fourth level</a:t>
-            </a:r>
-          </a:p>
-          <a:p>
-            <a:pPr lvl="4" eaLnBrk="1" latinLnBrk="0" hangingPunct="1"/>
-            <a:r>
-              <a:rPr lang="en-US"/>
-              <a:t>Fifth level</a:t>
-            </a:r>
-            <a:endParaRPr kumimoji="0" lang="en-US"/>
-          </a:p>
-        </p:txBody>
-      </p:sp>
-      <p:sp>
-        <p:nvSpPr>
-          <p:cNvPr id="5" name="Date Placeholder 4"/>
-          <p:cNvSpPr>
-            <a:spLocks noGrp="1"/>
-          </p:cNvSpPr>
-          <p:nvPr>
-            <p:ph type="dt" sz="half" idx="10"/>
-          </p:nvPr>
-        </p:nvSpPr>
-        <p:spPr/>
-        <p:txBody>
-          <a:bodyPr/>
-          <a:lstStyle/>
-          <a:p>
-            <a:r>
-              <a:rPr lang="de-CH"/>
-              <a:t>June 2023, CC BY-SA 4.0</a:t>
-            </a:r>
-            <a:endParaRPr lang="en-US"/>
-          </a:p>
-        </p:txBody>
-      </p:sp>
-      <p:sp>
-        <p:nvSpPr>
-          <p:cNvPr id="6" name="Footer Placeholder 5"/>
-          <p:cNvSpPr>
-            <a:spLocks noGrp="1"/>
-          </p:cNvSpPr>
-          <p:nvPr>
-            <p:ph type="ftr" sz="quarter" idx="11"/>
-          </p:nvPr>
-        </p:nvSpPr>
-        <p:spPr/>
-        <p:txBody>
-          <a:bodyPr/>
-          <a:lstStyle/>
-          <a:p>
-            <a:r>
-              <a:rPr lang="en-US"/>
-              <a:t>Continuous integration, v3.0</a:t>
-            </a:r>
-          </a:p>
-        </p:txBody>
-      </p:sp>
-      <p:sp>
-        <p:nvSpPr>
-          <p:cNvPr id="10" name="Slide Number Placeholder 9"/>
+              <a:t>Continuous integration, v4.0</a:t>
+            </a:r>
+          </a:p>
+        </p:txBody>
+      </p:sp>
+      <p:sp>
+        <p:nvSpPr>
+          <p:cNvPr id="9" name="Slide Number Placeholder 8">
+            <a:extLst>
+              <a:ext uri="{FF2B5EF4-FFF2-40B4-BE49-F238E27FC236}">
+                <a16:creationId xmlns:a16="http://schemas.microsoft.com/office/drawing/2014/main" id="{CC6E511F-7BE1-650D-2A5F-A350A37A1372}"/>
+              </a:ext>
+            </a:extLst>
+          </p:cNvPr>
           <p:cNvSpPr>
             <a:spLocks noGrp="1"/>
           </p:cNvSpPr>
@@ -2913,6 +2777,11 @@
         </p:txBody>
       </p:sp>
     </p:spTree>
+    <p:extLst>
+      <p:ext uri="{BB962C8B-B14F-4D97-AF65-F5344CB8AC3E}">
+        <p14:creationId xmlns:p14="http://schemas.microsoft.com/office/powerpoint/2010/main" val="276894820"/>
+      </p:ext>
+    </p:extLst>
   </p:cSld>
   <p:clrMapOvr>
     <a:masterClrMapping/>
@@ -2939,7 +2808,13 @@
       </p:grpSpPr>
       <p:sp>
         <p:nvSpPr>
-          <p:cNvPr id="2" name="Title 1"/>
+          <p:cNvPr id="2" name="Title 1">
+            <a:extLst>
+              <a:ext uri="{FF2B5EF4-FFF2-40B4-BE49-F238E27FC236}">
+                <a16:creationId xmlns:a16="http://schemas.microsoft.com/office/drawing/2014/main" id="{DAE2E4DC-D5E4-A0C7-AD78-8870D10C548C}"/>
+              </a:ext>
+            </a:extLst>
+          </p:cNvPr>
           <p:cNvSpPr>
             <a:spLocks noGrp="1"/>
           </p:cNvSpPr>
@@ -2947,76 +2822,28 @@
             <p:ph type="title"/>
           </p:nvPr>
         </p:nvSpPr>
-        <p:spPr>
-          <a:xfrm>
-            <a:off x="457200" y="228600"/>
-            <a:ext cx="8229600" cy="914400"/>
-          </a:xfrm>
-        </p:spPr>
-        <p:txBody>
-          <a:bodyPr/>
-          <a:lstStyle/>
-          <a:p>
-            <a:r>
-              <a:rPr kumimoji="0" lang="en-US"/>
+        <p:spPr/>
+        <p:txBody>
+          <a:bodyPr/>
+          <a:lstStyle/>
+          <a:p>
+            <a:r>
+              <a:rPr lang="en-US"/>
               <a:t>Click to edit Master title style</a:t>
             </a:r>
-          </a:p>
-        </p:txBody>
-      </p:sp>
-      <p:sp>
-        <p:nvSpPr>
-          <p:cNvPr id="6" name="Isosceles Triangle 5"/>
-          <p:cNvSpPr>
-            <a:spLocks noChangeAspect="1"/>
-          </p:cNvSpPr>
-          <p:nvPr/>
-        </p:nvSpPr>
-        <p:spPr>
-          <a:xfrm rot="5400000">
-            <a:off x="419100" y="6467475"/>
-            <a:ext cx="190849" cy="120314"/>
-          </a:xfrm>
-          <a:prstGeom prst="triangle">
-            <a:avLst>
-              <a:gd name="adj" fmla="val 50000"/>
-            </a:avLst>
-          </a:prstGeom>
-          <a:solidFill>
-            <a:schemeClr val="accent2"/>
-          </a:solidFill>
-          <a:ln w="25400" cap="rnd" cmpd="sng" algn="ctr">
-            <a:noFill/>
-            <a:prstDash val="solid"/>
-          </a:ln>
-          <a:effectLst/>
-        </p:spPr>
-        <p:style>
-          <a:lnRef idx="3">
-            <a:schemeClr val="lt1"/>
-          </a:lnRef>
-          <a:fillRef idx="1">
-            <a:schemeClr val="accent1"/>
-          </a:fillRef>
-          <a:effectRef idx="1">
-            <a:schemeClr val="accent1"/>
-          </a:effectRef>
-          <a:fontRef idx="minor">
-            <a:schemeClr val="lt1"/>
-          </a:fontRef>
-        </p:style>
-        <p:txBody>
-          <a:bodyPr anchor="ctr"/>
-          <a:lstStyle/>
-          <a:p>
-            <a:pPr algn="ctr" eaLnBrk="1" latinLnBrk="0" hangingPunct="1"/>
-            <a:endParaRPr kumimoji="0" lang="en-US"/>
-          </a:p>
-        </p:txBody>
-      </p:sp>
-      <p:sp>
-        <p:nvSpPr>
-          <p:cNvPr id="7" name="Date Placeholder 6"/>
+            <a:endParaRPr lang="en-CH"/>
+          </a:p>
+        </p:txBody>
+      </p:sp>
+      <p:sp>
+        <p:nvSpPr>
+          <p:cNvPr id="3" name="Date Placeholder 2">
+            <a:extLst>
+              <a:ext uri="{FF2B5EF4-FFF2-40B4-BE49-F238E27FC236}">
+                <a16:creationId xmlns:a16="http://schemas.microsoft.com/office/drawing/2014/main" id="{7CC3E7BE-A840-0EAE-C5DB-FEC475B29405}"/>
+              </a:ext>
+            </a:extLst>
+          </p:cNvPr>
           <p:cNvSpPr>
             <a:spLocks noGrp="1"/>
           </p:cNvSpPr>
@@ -3031,7 +2858,7 @@
           <a:p>
             <a:r>
               <a:rPr lang="de-CH"/>
-              <a:t>June 2023, CC BY-SA 4.0</a:t>
+              <a:t>August 2023, CC BY-SA 4.0</a:t>
             </a:r>
             <a:endParaRPr lang="en-US"/>
           </a:p>
@@ -3039,7 +2866,13 @@
       </p:sp>
       <p:sp>
         <p:nvSpPr>
-          <p:cNvPr id="8" name="Footer Placeholder 7"/>
+          <p:cNvPr id="4" name="Footer Placeholder 3">
+            <a:extLst>
+              <a:ext uri="{FF2B5EF4-FFF2-40B4-BE49-F238E27FC236}">
+                <a16:creationId xmlns:a16="http://schemas.microsoft.com/office/drawing/2014/main" id="{7161CC32-33C3-F6CF-4BC6-D42B94B1A212}"/>
+              </a:ext>
+            </a:extLst>
+          </p:cNvPr>
           <p:cNvSpPr>
             <a:spLocks noGrp="1"/>
           </p:cNvSpPr>
@@ -3054,14 +2887,20 @@
           <a:p>
             <a:r>
               <a:rPr lang="en-US"/>
-              <a:t>Continuous integration, v3.0</a:t>
-            </a:r>
-          </a:p>
-        </p:txBody>
-      </p:sp>
-      <p:sp>
-        <p:nvSpPr>
-          <p:cNvPr id="9" name="Slide Number Placeholder 8"/>
+              <a:t>Continuous integration, v4.0</a:t>
+            </a:r>
+          </a:p>
+        </p:txBody>
+      </p:sp>
+      <p:sp>
+        <p:nvSpPr>
+          <p:cNvPr id="5" name="Slide Number Placeholder 4">
+            <a:extLst>
+              <a:ext uri="{FF2B5EF4-FFF2-40B4-BE49-F238E27FC236}">
+                <a16:creationId xmlns:a16="http://schemas.microsoft.com/office/drawing/2014/main" id="{852B53F5-D46C-F5E2-BD2F-F10C029CCBA8}"/>
+              </a:ext>
+            </a:extLst>
+          </p:cNvPr>
           <p:cNvSpPr>
             <a:spLocks noGrp="1"/>
           </p:cNvSpPr>
@@ -3084,6 +2923,11 @@
         </p:txBody>
       </p:sp>
     </p:spTree>
+    <p:extLst>
+      <p:ext uri="{BB962C8B-B14F-4D97-AF65-F5344CB8AC3E}">
+        <p14:creationId xmlns:p14="http://schemas.microsoft.com/office/powerpoint/2010/main" val="241925287"/>
+      </p:ext>
+    </p:extLst>
   </p:cSld>
   <p:clrMapOvr>
     <a:masterClrMapping/>
@@ -3092,7 +2936,7 @@
 </file>
 
 <file path=ppt/slideLayouts/slideLayout7.xml><?xml version="1.0" encoding="utf-8"?>
-<p:sldLayout xmlns:a="http://schemas.openxmlformats.org/drawingml/2006/main" xmlns:r="http://schemas.openxmlformats.org/officeDocument/2006/relationships" xmlns:p="http://schemas.openxmlformats.org/presentationml/2006/main" showMasterSp="0" type="blank" preserve="1">
+<p:sldLayout xmlns:a="http://schemas.openxmlformats.org/drawingml/2006/main" xmlns:r="http://schemas.openxmlformats.org/officeDocument/2006/relationships" xmlns:p="http://schemas.openxmlformats.org/presentationml/2006/main" type="blank" preserve="1">
   <p:cSld name="Blank">
     <p:spTree>
       <p:nvGrpSpPr>
@@ -3110,93 +2954,13 @@
       </p:grpSpPr>
       <p:sp>
         <p:nvSpPr>
-          <p:cNvPr id="5" name="Straight Connector 4"/>
-          <p:cNvSpPr>
-            <a:spLocks noChangeShapeType="1"/>
-          </p:cNvSpPr>
-          <p:nvPr/>
-        </p:nvSpPr>
-        <p:spPr bwMode="auto">
-          <a:xfrm>
-            <a:off x="457200" y="6353175"/>
-            <a:ext cx="8229600" cy="0"/>
-          </a:xfrm>
-          <a:prstGeom prst="line">
-            <a:avLst/>
-          </a:prstGeom>
-          <a:noFill/>
-          <a:ln w="9525" cap="flat" cmpd="sng" algn="ctr">
-            <a:solidFill>
-              <a:schemeClr val="accent2"/>
-            </a:solidFill>
-            <a:prstDash val="dash"/>
-            <a:round/>
-            <a:headEnd type="none" w="med" len="med"/>
-            <a:tailEnd type="none" w="med" len="med"/>
-          </a:ln>
-          <a:effectLst/>
-        </p:spPr>
-        <p:txBody>
-          <a:bodyPr vert="horz" wrap="square" lIns="91440" tIns="45720" rIns="91440" bIns="45720" anchor="t" compatLnSpc="1"/>
-          <a:lstStyle/>
-          <a:p>
-            <a:endParaRPr kumimoji="0" lang="en-US"/>
-          </a:p>
-        </p:txBody>
-      </p:sp>
-      <p:sp>
-        <p:nvSpPr>
-          <p:cNvPr id="6" name="Isosceles Triangle 5"/>
-          <p:cNvSpPr>
-            <a:spLocks noChangeAspect="1"/>
-          </p:cNvSpPr>
-          <p:nvPr/>
-        </p:nvSpPr>
-        <p:spPr>
-          <a:xfrm rot="5400000">
-            <a:off x="419100" y="6467475"/>
-            <a:ext cx="190849" cy="120314"/>
-          </a:xfrm>
-          <a:prstGeom prst="triangle">
-            <a:avLst>
-              <a:gd name="adj" fmla="val 50000"/>
-            </a:avLst>
-          </a:prstGeom>
-          <a:solidFill>
-            <a:schemeClr val="accent2"/>
-          </a:solidFill>
-          <a:ln w="25400" cap="rnd" cmpd="sng" algn="ctr">
-            <a:noFill/>
-            <a:prstDash val="solid"/>
-          </a:ln>
-          <a:effectLst/>
-        </p:spPr>
-        <p:style>
-          <a:lnRef idx="3">
-            <a:schemeClr val="lt1"/>
-          </a:lnRef>
-          <a:fillRef idx="1">
-            <a:schemeClr val="accent1"/>
-          </a:fillRef>
-          <a:effectRef idx="1">
-            <a:schemeClr val="accent1"/>
-          </a:effectRef>
-          <a:fontRef idx="minor">
-            <a:schemeClr val="lt1"/>
-          </a:fontRef>
-        </p:style>
-        <p:txBody>
-          <a:bodyPr anchor="ctr"/>
-          <a:lstStyle/>
-          <a:p>
-            <a:pPr algn="ctr" eaLnBrk="1" latinLnBrk="0" hangingPunct="1"/>
-            <a:endParaRPr kumimoji="0" lang="en-US"/>
-          </a:p>
-        </p:txBody>
-      </p:sp>
-      <p:sp>
-        <p:nvSpPr>
-          <p:cNvPr id="7" name="Date Placeholder 6"/>
+          <p:cNvPr id="2" name="Date Placeholder 1">
+            <a:extLst>
+              <a:ext uri="{FF2B5EF4-FFF2-40B4-BE49-F238E27FC236}">
+                <a16:creationId xmlns:a16="http://schemas.microsoft.com/office/drawing/2014/main" id="{E08EC84C-EF87-5F1A-CE4E-19DB42CE50D6}"/>
+              </a:ext>
+            </a:extLst>
+          </p:cNvPr>
           <p:cNvSpPr>
             <a:spLocks noGrp="1"/>
           </p:cNvSpPr>
@@ -3211,7 +2975,7 @@
           <a:p>
             <a:r>
               <a:rPr lang="de-CH"/>
-              <a:t>June 2023, CC BY-SA 4.0</a:t>
+              <a:t>August 2023, CC BY-SA 4.0</a:t>
             </a:r>
             <a:endParaRPr lang="en-US"/>
           </a:p>
@@ -3219,7 +2983,13 @@
       </p:sp>
       <p:sp>
         <p:nvSpPr>
-          <p:cNvPr id="8" name="Footer Placeholder 7"/>
+          <p:cNvPr id="3" name="Footer Placeholder 2">
+            <a:extLst>
+              <a:ext uri="{FF2B5EF4-FFF2-40B4-BE49-F238E27FC236}">
+                <a16:creationId xmlns:a16="http://schemas.microsoft.com/office/drawing/2014/main" id="{673E7904-8555-0759-50C2-2161DBC02A81}"/>
+              </a:ext>
+            </a:extLst>
+          </p:cNvPr>
           <p:cNvSpPr>
             <a:spLocks noGrp="1"/>
           </p:cNvSpPr>
@@ -3234,14 +3004,20 @@
           <a:p>
             <a:r>
               <a:rPr lang="en-US"/>
-              <a:t>Continuous integration, v3.0</a:t>
-            </a:r>
-          </a:p>
-        </p:txBody>
-      </p:sp>
-      <p:sp>
-        <p:nvSpPr>
-          <p:cNvPr id="9" name="Slide Number Placeholder 8"/>
+              <a:t>Continuous integration, v4.0</a:t>
+            </a:r>
+          </a:p>
+        </p:txBody>
+      </p:sp>
+      <p:sp>
+        <p:nvSpPr>
+          <p:cNvPr id="4" name="Slide Number Placeholder 3">
+            <a:extLst>
+              <a:ext uri="{FF2B5EF4-FFF2-40B4-BE49-F238E27FC236}">
+                <a16:creationId xmlns:a16="http://schemas.microsoft.com/office/drawing/2014/main" id="{A301823B-9FAD-3B68-ED96-25D6FF0C501C}"/>
+              </a:ext>
+            </a:extLst>
+          </p:cNvPr>
           <p:cNvSpPr>
             <a:spLocks noGrp="1"/>
           </p:cNvSpPr>
@@ -3264,6 +3040,11 @@
         </p:txBody>
       </p:sp>
     </p:spTree>
+    <p:extLst>
+      <p:ext uri="{BB962C8B-B14F-4D97-AF65-F5344CB8AC3E}">
+        <p14:creationId xmlns:p14="http://schemas.microsoft.com/office/powerpoint/2010/main" val="3678425816"/>
+      </p:ext>
+    </p:extLst>
   </p:cSld>
   <p:clrMapOvr>
     <a:masterClrMapping/>
@@ -3272,7 +3053,7 @@
 </file>
 
 <file path=ppt/slideLayouts/slideLayout8.xml><?xml version="1.0" encoding="utf-8"?>
-<p:sldLayout xmlns:a="http://schemas.openxmlformats.org/drawingml/2006/main" xmlns:r="http://schemas.openxmlformats.org/officeDocument/2006/relationships" xmlns:p="http://schemas.openxmlformats.org/presentationml/2006/main" showMasterSp="0" type="objTx" preserve="1">
+<p:sldLayout xmlns:a="http://schemas.openxmlformats.org/drawingml/2006/main" xmlns:r="http://schemas.openxmlformats.org/officeDocument/2006/relationships" xmlns:p="http://schemas.openxmlformats.org/presentationml/2006/main" type="objTx" preserve="1">
   <p:cSld name="Content with Caption">
     <p:spTree>
       <p:nvGrpSpPr>
@@ -3290,7 +3071,13 @@
       </p:grpSpPr>
       <p:sp>
         <p:nvSpPr>
-          <p:cNvPr id="2" name="Title 1"/>
+          <p:cNvPr id="2" name="Title 1">
+            <a:extLst>
+              <a:ext uri="{FF2B5EF4-FFF2-40B4-BE49-F238E27FC236}">
+                <a16:creationId xmlns:a16="http://schemas.microsoft.com/office/drawing/2014/main" id="{6C08CC79-F839-BFE1-CF75-BA1045A7830F}"/>
+              </a:ext>
+            </a:extLst>
+          </p:cNvPr>
           <p:cNvSpPr>
             <a:spLocks noGrp="1"/>
           </p:cNvSpPr>
@@ -3300,321 +3087,254 @@
         </p:nvSpPr>
         <p:spPr>
           <a:xfrm>
-            <a:off x="6324600" y="304800"/>
-            <a:ext cx="2514600" cy="838200"/>
+            <a:off x="839788" y="457200"/>
+            <a:ext cx="3932237" cy="1600200"/>
           </a:xfrm>
         </p:spPr>
         <p:txBody>
-          <a:bodyPr anchor="b" anchorCtr="0">
-            <a:noAutofit/>
-          </a:bodyPr>
+          <a:bodyPr anchor="b"/>
           <a:lstStyle>
-            <a:lvl1pPr algn="l">
-              <a:buNone/>
-              <a:defRPr sz="2000" b="1">
-                <a:solidFill>
-                  <a:schemeClr val="tx2"/>
-                </a:solidFill>
-                <a:latin typeface="+mn-lt"/>
-                <a:ea typeface="+mn-ea"/>
-                <a:cs typeface="+mn-cs"/>
-              </a:defRPr>
+            <a:lvl1pPr>
+              <a:defRPr sz="3200"/>
             </a:lvl1pPr>
           </a:lstStyle>
           <a:p>
             <a:r>
-              <a:rPr kumimoji="0" lang="en-US"/>
+              <a:rPr lang="en-US"/>
               <a:t>Click to edit Master title style</a:t>
             </a:r>
-          </a:p>
-        </p:txBody>
-      </p:sp>
-      <p:sp>
-        <p:nvSpPr>
-          <p:cNvPr id="3" name="Text Placeholder 2"/>
-          <p:cNvSpPr>
-            <a:spLocks noGrp="1"/>
-          </p:cNvSpPr>
-          <p:nvPr>
-            <p:ph type="body" idx="2"/>
+            <a:endParaRPr lang="en-CH"/>
+          </a:p>
+        </p:txBody>
+      </p:sp>
+      <p:sp>
+        <p:nvSpPr>
+          <p:cNvPr id="3" name="Content Placeholder 2">
+            <a:extLst>
+              <a:ext uri="{FF2B5EF4-FFF2-40B4-BE49-F238E27FC236}">
+                <a16:creationId xmlns:a16="http://schemas.microsoft.com/office/drawing/2014/main" id="{828267B9-ACE2-6FDE-4585-04A17A577BDD}"/>
+              </a:ext>
+            </a:extLst>
+          </p:cNvPr>
+          <p:cNvSpPr>
+            <a:spLocks noGrp="1"/>
+          </p:cNvSpPr>
+          <p:nvPr>
+            <p:ph idx="1"/>
           </p:nvPr>
         </p:nvSpPr>
         <p:spPr>
           <a:xfrm>
-            <a:off x="6324600" y="1219200"/>
-            <a:ext cx="2514600" cy="4843463"/>
+            <a:off x="5183188" y="987425"/>
+            <a:ext cx="6172200" cy="4873625"/>
           </a:xfrm>
         </p:spPr>
         <p:txBody>
           <a:bodyPr/>
           <a:lstStyle>
-            <a:lvl1pPr marL="0" indent="0">
-              <a:lnSpc>
-                <a:spcPts val="2200"/>
-              </a:lnSpc>
-              <a:spcAft>
-                <a:spcPts val="1000"/>
-              </a:spcAft>
-              <a:buNone/>
-              <a:defRPr sz="1600">
-                <a:solidFill>
-                  <a:schemeClr val="tx2"/>
-                </a:solidFill>
-              </a:defRPr>
+            <a:lvl1pPr>
+              <a:defRPr sz="3200"/>
             </a:lvl1pPr>
             <a:lvl2pPr>
+              <a:defRPr sz="2800"/>
+            </a:lvl2pPr>
+            <a:lvl3pPr>
+              <a:defRPr sz="2400"/>
+            </a:lvl3pPr>
+            <a:lvl4pPr>
+              <a:defRPr sz="2000"/>
+            </a:lvl4pPr>
+            <a:lvl5pPr>
+              <a:defRPr sz="2000"/>
+            </a:lvl5pPr>
+            <a:lvl6pPr>
+              <a:defRPr sz="2000"/>
+            </a:lvl6pPr>
+            <a:lvl7pPr>
+              <a:defRPr sz="2000"/>
+            </a:lvl7pPr>
+            <a:lvl8pPr>
+              <a:defRPr sz="2000"/>
+            </a:lvl8pPr>
+            <a:lvl9pPr>
+              <a:defRPr sz="2000"/>
+            </a:lvl9pPr>
+          </a:lstStyle>
+          <a:p>
+            <a:pPr lvl="0"/>
+            <a:r>
+              <a:rPr lang="en-US"/>
+              <a:t>Click to edit Master text styles</a:t>
+            </a:r>
+          </a:p>
+          <a:p>
+            <a:pPr lvl="1"/>
+            <a:r>
+              <a:rPr lang="en-US"/>
+              <a:t>Second level</a:t>
+            </a:r>
+          </a:p>
+          <a:p>
+            <a:pPr lvl="2"/>
+            <a:r>
+              <a:rPr lang="en-US"/>
+              <a:t>Third level</a:t>
+            </a:r>
+          </a:p>
+          <a:p>
+            <a:pPr lvl="3"/>
+            <a:r>
+              <a:rPr lang="en-US"/>
+              <a:t>Fourth level</a:t>
+            </a:r>
+          </a:p>
+          <a:p>
+            <a:pPr lvl="4"/>
+            <a:r>
+              <a:rPr lang="en-US"/>
+              <a:t>Fifth level</a:t>
+            </a:r>
+            <a:endParaRPr lang="en-CH"/>
+          </a:p>
+        </p:txBody>
+      </p:sp>
+      <p:sp>
+        <p:nvSpPr>
+          <p:cNvPr id="4" name="Text Placeholder 3">
+            <a:extLst>
+              <a:ext uri="{FF2B5EF4-FFF2-40B4-BE49-F238E27FC236}">
+                <a16:creationId xmlns:a16="http://schemas.microsoft.com/office/drawing/2014/main" id="{58BF4F32-9480-6DFE-47AA-DCE4C6AF9221}"/>
+              </a:ext>
+            </a:extLst>
+          </p:cNvPr>
+          <p:cNvSpPr>
+            <a:spLocks noGrp="1"/>
+          </p:cNvSpPr>
+          <p:nvPr>
+            <p:ph type="body" sz="half" idx="2"/>
+          </p:nvPr>
+        </p:nvSpPr>
+        <p:spPr>
+          <a:xfrm>
+            <a:off x="839788" y="2057400"/>
+            <a:ext cx="3932237" cy="3811588"/>
+          </a:xfrm>
+        </p:spPr>
+        <p:txBody>
+          <a:bodyPr/>
+          <a:lstStyle>
+            <a:lvl1pPr marL="0" indent="0">
+              <a:buNone/>
+              <a:defRPr sz="1600"/>
+            </a:lvl1pPr>
+            <a:lvl2pPr marL="457200" indent="0">
+              <a:buNone/>
+              <a:defRPr sz="1400"/>
+            </a:lvl2pPr>
+            <a:lvl3pPr marL="914400" indent="0">
               <a:buNone/>
               <a:defRPr sz="1200"/>
-            </a:lvl2pPr>
-            <a:lvl3pPr>
+            </a:lvl3pPr>
+            <a:lvl4pPr marL="1371600" indent="0">
               <a:buNone/>
               <a:defRPr sz="1000"/>
-            </a:lvl3pPr>
-            <a:lvl4pPr>
+            </a:lvl4pPr>
+            <a:lvl5pPr marL="1828800" indent="0">
               <a:buNone/>
-              <a:defRPr sz="900"/>
-            </a:lvl4pPr>
-            <a:lvl5pPr>
+              <a:defRPr sz="1000"/>
+            </a:lvl5pPr>
+            <a:lvl6pPr marL="2286000" indent="0">
               <a:buNone/>
-              <a:defRPr sz="900"/>
-            </a:lvl5pPr>
+              <a:defRPr sz="1000"/>
+            </a:lvl6pPr>
+            <a:lvl7pPr marL="2743200" indent="0">
+              <a:buNone/>
+              <a:defRPr sz="1000"/>
+            </a:lvl7pPr>
+            <a:lvl8pPr marL="3200400" indent="0">
+              <a:buNone/>
+              <a:defRPr sz="1000"/>
+            </a:lvl8pPr>
+            <a:lvl9pPr marL="3657600" indent="0">
+              <a:buNone/>
+              <a:defRPr sz="1000"/>
+            </a:lvl9pPr>
           </a:lstStyle>
           <a:p>
-            <a:pPr lvl="0" eaLnBrk="1" latinLnBrk="0" hangingPunct="1"/>
-            <a:r>
-              <a:rPr kumimoji="0" lang="en-US"/>
-              <a:t>Click to edit Master text styles</a:t>
-            </a:r>
-          </a:p>
-        </p:txBody>
-      </p:sp>
-      <p:sp>
-        <p:nvSpPr>
-          <p:cNvPr id="8" name="Straight Connector 7"/>
-          <p:cNvSpPr>
-            <a:spLocks noChangeShapeType="1"/>
-          </p:cNvSpPr>
-          <p:nvPr/>
-        </p:nvSpPr>
-        <p:spPr bwMode="auto">
-          <a:xfrm>
-            <a:off x="457200" y="6353175"/>
-            <a:ext cx="8229600" cy="0"/>
-          </a:xfrm>
-          <a:prstGeom prst="line">
-            <a:avLst/>
-          </a:prstGeom>
-          <a:noFill/>
-          <a:ln w="9525" cap="flat" cmpd="sng" algn="ctr">
-            <a:solidFill>
-              <a:schemeClr val="accent2"/>
-            </a:solidFill>
-            <a:prstDash val="dash"/>
-            <a:round/>
-            <a:headEnd type="none" w="med" len="med"/>
-            <a:tailEnd type="none" w="med" len="med"/>
-          </a:ln>
-          <a:effectLst/>
-        </p:spPr>
-        <p:txBody>
-          <a:bodyPr vert="horz" wrap="square" lIns="91440" tIns="45720" rIns="91440" bIns="45720" anchor="t" compatLnSpc="1"/>
-          <a:lstStyle/>
-          <a:p>
-            <a:endParaRPr kumimoji="0" lang="en-US"/>
-          </a:p>
-        </p:txBody>
-      </p:sp>
-      <p:sp>
-        <p:nvSpPr>
-          <p:cNvPr id="10" name="Straight Connector 9"/>
-          <p:cNvSpPr>
-            <a:spLocks noChangeShapeType="1"/>
-          </p:cNvSpPr>
-          <p:nvPr/>
-        </p:nvSpPr>
-        <p:spPr bwMode="auto">
-          <a:xfrm rot="5400000">
-            <a:off x="3160645" y="3324225"/>
-            <a:ext cx="6035040" cy="0"/>
-          </a:xfrm>
-          <a:prstGeom prst="line">
-            <a:avLst/>
-          </a:prstGeom>
-          <a:noFill/>
-          <a:ln w="9525" cap="flat" cmpd="sng" algn="ctr">
-            <a:solidFill>
-              <a:schemeClr val="accent2"/>
-            </a:solidFill>
-            <a:prstDash val="dash"/>
-            <a:round/>
-            <a:headEnd type="none" w="med" len="med"/>
-            <a:tailEnd type="none" w="med" len="med"/>
-          </a:ln>
-          <a:effectLst/>
-        </p:spPr>
-        <p:txBody>
-          <a:bodyPr vert="horz" wrap="square" lIns="91440" tIns="45720" rIns="91440" bIns="45720" anchor="t" compatLnSpc="1"/>
-          <a:lstStyle/>
-          <a:p>
-            <a:endParaRPr kumimoji="0" lang="en-US" dirty="0"/>
-          </a:p>
-        </p:txBody>
-      </p:sp>
-      <p:sp>
-        <p:nvSpPr>
-          <p:cNvPr id="9" name="Isosceles Triangle 8"/>
-          <p:cNvSpPr>
-            <a:spLocks noChangeAspect="1"/>
-          </p:cNvSpPr>
-          <p:nvPr/>
-        </p:nvSpPr>
-        <p:spPr>
-          <a:xfrm rot="5400000">
-            <a:off x="419100" y="6467475"/>
-            <a:ext cx="190849" cy="120314"/>
-          </a:xfrm>
-          <a:prstGeom prst="triangle">
-            <a:avLst>
-              <a:gd name="adj" fmla="val 50000"/>
-            </a:avLst>
-          </a:prstGeom>
-          <a:solidFill>
-            <a:schemeClr val="accent2"/>
-          </a:solidFill>
-          <a:ln w="25400" cap="rnd" cmpd="sng" algn="ctr">
-            <a:noFill/>
-            <a:prstDash val="solid"/>
-          </a:ln>
-          <a:effectLst/>
-        </p:spPr>
-        <p:style>
-          <a:lnRef idx="3">
-            <a:schemeClr val="lt1"/>
-          </a:lnRef>
-          <a:fillRef idx="1">
-            <a:schemeClr val="accent1"/>
-          </a:fillRef>
-          <a:effectRef idx="1">
-            <a:schemeClr val="accent1"/>
-          </a:effectRef>
-          <a:fontRef idx="minor">
-            <a:schemeClr val="lt1"/>
-          </a:fontRef>
-        </p:style>
-        <p:txBody>
-          <a:bodyPr anchor="ctr"/>
-          <a:lstStyle/>
-          <a:p>
-            <a:pPr algn="ctr" eaLnBrk="1" latinLnBrk="0" hangingPunct="1"/>
-            <a:endParaRPr kumimoji="0" lang="en-US"/>
-          </a:p>
-        </p:txBody>
-      </p:sp>
-      <p:sp>
-        <p:nvSpPr>
-          <p:cNvPr id="12" name="Content Placeholder 11"/>
-          <p:cNvSpPr>
-            <a:spLocks noGrp="1"/>
-          </p:cNvSpPr>
-          <p:nvPr>
-            <p:ph sz="quarter" idx="1"/>
-          </p:nvPr>
-        </p:nvSpPr>
-        <p:spPr>
-          <a:xfrm>
-            <a:off x="304800" y="304800"/>
-            <a:ext cx="5715000" cy="5715000"/>
-          </a:xfrm>
-        </p:spPr>
-        <p:txBody>
-          <a:bodyPr/>
-          <a:lstStyle/>
-          <a:p>
-            <a:pPr lvl="0" eaLnBrk="1" latinLnBrk="0" hangingPunct="1"/>
+            <a:pPr lvl="0"/>
             <a:r>
               <a:rPr lang="en-US"/>
               <a:t>Click to edit Master text styles</a:t>
             </a:r>
           </a:p>
-          <a:p>
-            <a:pPr lvl="1" eaLnBrk="1" latinLnBrk="0" hangingPunct="1"/>
+        </p:txBody>
+      </p:sp>
+      <p:sp>
+        <p:nvSpPr>
+          <p:cNvPr id="5" name="Date Placeholder 4">
+            <a:extLst>
+              <a:ext uri="{FF2B5EF4-FFF2-40B4-BE49-F238E27FC236}">
+                <a16:creationId xmlns:a16="http://schemas.microsoft.com/office/drawing/2014/main" id="{32F8C4CE-5D8C-6AA7-AF84-EA8FD1BC87E0}"/>
+              </a:ext>
+            </a:extLst>
+          </p:cNvPr>
+          <p:cNvSpPr>
+            <a:spLocks noGrp="1"/>
+          </p:cNvSpPr>
+          <p:nvPr>
+            <p:ph type="dt" sz="half" idx="10"/>
+          </p:nvPr>
+        </p:nvSpPr>
+        <p:spPr/>
+        <p:txBody>
+          <a:bodyPr/>
+          <a:lstStyle/>
+          <a:p>
+            <a:r>
+              <a:rPr lang="de-CH"/>
+              <a:t>August 2023, CC BY-SA 4.0</a:t>
+            </a:r>
+            <a:endParaRPr lang="en-US"/>
+          </a:p>
+        </p:txBody>
+      </p:sp>
+      <p:sp>
+        <p:nvSpPr>
+          <p:cNvPr id="6" name="Footer Placeholder 5">
+            <a:extLst>
+              <a:ext uri="{FF2B5EF4-FFF2-40B4-BE49-F238E27FC236}">
+                <a16:creationId xmlns:a16="http://schemas.microsoft.com/office/drawing/2014/main" id="{DAA75546-D6ED-7EA2-D8FA-5C3FECA46915}"/>
+              </a:ext>
+            </a:extLst>
+          </p:cNvPr>
+          <p:cNvSpPr>
+            <a:spLocks noGrp="1"/>
+          </p:cNvSpPr>
+          <p:nvPr>
+            <p:ph type="ftr" sz="quarter" idx="11"/>
+          </p:nvPr>
+        </p:nvSpPr>
+        <p:spPr/>
+        <p:txBody>
+          <a:bodyPr/>
+          <a:lstStyle/>
+          <a:p>
             <a:r>
               <a:rPr lang="en-US"/>
-              <a:t>Second level</a:t>
-            </a:r>
-          </a:p>
-          <a:p>
-            <a:pPr lvl="2" eaLnBrk="1" latinLnBrk="0" hangingPunct="1"/>
-            <a:r>
-              <a:rPr lang="en-US"/>
-              <a:t>Third level</a:t>
-            </a:r>
-          </a:p>
-          <a:p>
-            <a:pPr lvl="3" eaLnBrk="1" latinLnBrk="0" hangingPunct="1"/>
-            <a:r>
-              <a:rPr lang="en-US"/>
-              <a:t>Fourth level</a:t>
-            </a:r>
-          </a:p>
-          <a:p>
-            <a:pPr lvl="4" eaLnBrk="1" latinLnBrk="0" hangingPunct="1"/>
-            <a:r>
-              <a:rPr lang="en-US"/>
-              <a:t>Fifth level</a:t>
-            </a:r>
-            <a:endParaRPr kumimoji="0" lang="en-US"/>
-          </a:p>
-        </p:txBody>
-      </p:sp>
-      <p:sp>
-        <p:nvSpPr>
-          <p:cNvPr id="4" name="Date Placeholder 3"/>
-          <p:cNvSpPr>
-            <a:spLocks noGrp="1"/>
-          </p:cNvSpPr>
-          <p:nvPr>
-            <p:ph type="dt" sz="half" idx="10"/>
-          </p:nvPr>
-        </p:nvSpPr>
-        <p:spPr/>
-        <p:txBody>
-          <a:bodyPr/>
-          <a:lstStyle/>
-          <a:p>
-            <a:r>
-              <a:rPr lang="de-CH"/>
-              <a:t>June 2023, CC BY-SA 4.0</a:t>
-            </a:r>
-            <a:endParaRPr lang="en-US"/>
-          </a:p>
-        </p:txBody>
-      </p:sp>
-      <p:sp>
-        <p:nvSpPr>
-          <p:cNvPr id="11" name="Footer Placeholder 10"/>
-          <p:cNvSpPr>
-            <a:spLocks noGrp="1"/>
-          </p:cNvSpPr>
-          <p:nvPr>
-            <p:ph type="ftr" sz="quarter" idx="11"/>
-          </p:nvPr>
-        </p:nvSpPr>
-        <p:spPr/>
-        <p:txBody>
-          <a:bodyPr/>
-          <a:lstStyle/>
-          <a:p>
-            <a:r>
-              <a:rPr lang="en-US"/>
-              <a:t>Continuous integration, v3.0</a:t>
-            </a:r>
-          </a:p>
-        </p:txBody>
-      </p:sp>
-      <p:sp>
-        <p:nvSpPr>
-          <p:cNvPr id="13" name="Slide Number Placeholder 12"/>
+              <a:t>Continuous integration, v4.0</a:t>
+            </a:r>
+          </a:p>
+        </p:txBody>
+      </p:sp>
+      <p:sp>
+        <p:nvSpPr>
+          <p:cNvPr id="7" name="Slide Number Placeholder 6">
+            <a:extLst>
+              <a:ext uri="{FF2B5EF4-FFF2-40B4-BE49-F238E27FC236}">
+                <a16:creationId xmlns:a16="http://schemas.microsoft.com/office/drawing/2014/main" id="{A3100734-AA31-204A-FD8D-57D4F0278543}"/>
+              </a:ext>
+            </a:extLst>
+          </p:cNvPr>
           <p:cNvSpPr>
             <a:spLocks noGrp="1"/>
           </p:cNvSpPr>
@@ -3637,6 +3357,11 @@
         </p:txBody>
       </p:sp>
     </p:spTree>
+    <p:extLst>
+      <p:ext uri="{BB962C8B-B14F-4D97-AF65-F5344CB8AC3E}">
+        <p14:creationId xmlns:p14="http://schemas.microsoft.com/office/powerpoint/2010/main" val="1072979345"/>
+      </p:ext>
+    </p:extLst>
   </p:cSld>
   <p:clrMapOvr>
     <a:masterClrMapping/>
@@ -3645,13 +3370,8 @@
 </file>
 
 <file path=ppt/slideLayouts/slideLayout9.xml><?xml version="1.0" encoding="utf-8"?>
-<p:sldLayout xmlns:a="http://schemas.openxmlformats.org/drawingml/2006/main" xmlns:r="http://schemas.openxmlformats.org/officeDocument/2006/relationships" xmlns:p="http://schemas.openxmlformats.org/presentationml/2006/main" showMasterSp="0" type="picTx" preserve="1">
+<p:sldLayout xmlns:a="http://schemas.openxmlformats.org/drawingml/2006/main" xmlns:r="http://schemas.openxmlformats.org/officeDocument/2006/relationships" xmlns:p="http://schemas.openxmlformats.org/presentationml/2006/main" type="picTx" preserve="1">
   <p:cSld name="Picture with Caption">
-    <p:bg>
-      <p:bgRef idx="1001">
-        <a:schemeClr val="bg2"/>
-      </p:bgRef>
-    </p:bg>
     <p:spTree>
       <p:nvGrpSpPr>
         <p:cNvPr id="1" name=""/>
@@ -3668,7 +3388,13 @@
       </p:grpSpPr>
       <p:sp>
         <p:nvSpPr>
-          <p:cNvPr id="2" name="Title 1"/>
+          <p:cNvPr id="2" name="Title 1">
+            <a:extLst>
+              <a:ext uri="{FF2B5EF4-FFF2-40B4-BE49-F238E27FC236}">
+                <a16:creationId xmlns:a16="http://schemas.microsoft.com/office/drawing/2014/main" id="{B918863C-5D24-B328-F889-A0580BEBAE9D}"/>
+              </a:ext>
+            </a:extLst>
+          </p:cNvPr>
           <p:cNvSpPr>
             <a:spLocks noGrp="1"/>
           </p:cNvSpPr>
@@ -3678,38 +3404,35 @@
         </p:nvSpPr>
         <p:spPr>
           <a:xfrm>
-            <a:off x="457200" y="500856"/>
-            <a:ext cx="8229600" cy="674688"/>
+            <a:off x="839788" y="457200"/>
+            <a:ext cx="3932237" cy="1600200"/>
           </a:xfrm>
-          <a:ln>
-            <a:solidFill>
-              <a:schemeClr val="accent1"/>
-            </a:solidFill>
-          </a:ln>
         </p:spPr>
         <p:txBody>
-          <a:bodyPr lIns="274320" anchor="ctr"/>
+          <a:bodyPr anchor="b"/>
           <a:lstStyle>
-            <a:lvl1pPr algn="r">
-              <a:buNone/>
-              <a:defRPr sz="2000" b="0">
-                <a:solidFill>
-                  <a:schemeClr val="tx1"/>
-                </a:solidFill>
-              </a:defRPr>
+            <a:lvl1pPr>
+              <a:defRPr sz="3200"/>
             </a:lvl1pPr>
           </a:lstStyle>
           <a:p>
             <a:r>
-              <a:rPr kumimoji="0" lang="en-US"/>
+              <a:rPr lang="en-US"/>
               <a:t>Click to edit Master title style</a:t>
             </a:r>
-          </a:p>
-        </p:txBody>
-      </p:sp>
-      <p:sp>
-        <p:nvSpPr>
-          <p:cNvPr id="3" name="Picture Placeholder 2"/>
+            <a:endParaRPr lang="en-CH"/>
+          </a:p>
+        </p:txBody>
+      </p:sp>
+      <p:sp>
+        <p:nvSpPr>
+          <p:cNvPr id="3" name="Picture Placeholder 2">
+            <a:extLst>
+              <a:ext uri="{FF2B5EF4-FFF2-40B4-BE49-F238E27FC236}">
+                <a16:creationId xmlns:a16="http://schemas.microsoft.com/office/drawing/2014/main" id="{05435685-DF64-404F-8D82-86B84977C07C}"/>
+              </a:ext>
+            </a:extLst>
+          </p:cNvPr>
           <p:cNvSpPr>
             <a:spLocks noGrp="1"/>
           </p:cNvSpPr>
@@ -3719,42 +3442,64 @@
         </p:nvSpPr>
         <p:spPr>
           <a:xfrm>
-            <a:off x="457200" y="1905000"/>
-            <a:ext cx="8229600" cy="4270248"/>
+            <a:off x="5183188" y="987425"/>
+            <a:ext cx="6172200" cy="4873625"/>
           </a:xfrm>
-          <a:solidFill>
-            <a:schemeClr val="tx1">
-              <a:shade val="50000"/>
-            </a:schemeClr>
-          </a:solidFill>
-          <a:ln>
-            <a:noFill/>
-          </a:ln>
-          <a:effectLst/>
         </p:spPr>
         <p:txBody>
           <a:bodyPr/>
           <a:lstStyle>
             <a:lvl1pPr marL="0" indent="0">
-              <a:spcBef>
-                <a:spcPts val="600"/>
-              </a:spcBef>
               <a:buNone/>
               <a:defRPr sz="3200"/>
             </a:lvl1pPr>
+            <a:lvl2pPr marL="457200" indent="0">
+              <a:buNone/>
+              <a:defRPr sz="2800"/>
+            </a:lvl2pPr>
+            <a:lvl3pPr marL="914400" indent="0">
+              <a:buNone/>
+              <a:defRPr sz="2400"/>
+            </a:lvl3pPr>
+            <a:lvl4pPr marL="1371600" indent="0">
+              <a:buNone/>
+              <a:defRPr sz="2000"/>
+            </a:lvl4pPr>
+            <a:lvl5pPr marL="1828800" indent="0">
+              <a:buNone/>
+              <a:defRPr sz="2000"/>
+            </a:lvl5pPr>
+            <a:lvl6pPr marL="2286000" indent="0">
+              <a:buNone/>
+              <a:defRPr sz="2000"/>
+            </a:lvl6pPr>
+            <a:lvl7pPr marL="2743200" indent="0">
+              <a:buNone/>
+              <a:defRPr sz="2000"/>
+            </a:lvl7pPr>
+            <a:lvl8pPr marL="3200400" indent="0">
+              <a:buNone/>
+              <a:defRPr sz="2000"/>
+            </a:lvl8pPr>
+            <a:lvl9pPr marL="3657600" indent="0">
+              <a:buNone/>
+              <a:defRPr sz="2000"/>
+            </a:lvl9pPr>
           </a:lstStyle>
           <a:p>
-            <a:r>
-              <a:rPr kumimoji="0" lang="en-US"/>
-              <a:t>Click icon to add picture</a:t>
-            </a:r>
-            <a:endParaRPr kumimoji="0" lang="en-US" dirty="0"/>
-          </a:p>
-        </p:txBody>
-      </p:sp>
-      <p:sp>
-        <p:nvSpPr>
-          <p:cNvPr id="4" name="Text Placeholder 3"/>
+            <a:endParaRPr lang="en-CH"/>
+          </a:p>
+        </p:txBody>
+      </p:sp>
+      <p:sp>
+        <p:nvSpPr>
+          <p:cNvPr id="4" name="Text Placeholder 3">
+            <a:extLst>
+              <a:ext uri="{FF2B5EF4-FFF2-40B4-BE49-F238E27FC236}">
+                <a16:creationId xmlns:a16="http://schemas.microsoft.com/office/drawing/2014/main" id="{06E4DD7D-E745-D763-53BE-87D5912C4E93}"/>
+              </a:ext>
+            </a:extLst>
+          </p:cNvPr>
           <p:cNvSpPr>
             <a:spLocks noGrp="1"/>
           </p:cNvSpPr>
@@ -3764,35 +3509,54 @@
         </p:nvSpPr>
         <p:spPr>
           <a:xfrm>
-            <a:off x="457200" y="1219200"/>
-            <a:ext cx="8229600" cy="533400"/>
+            <a:off x="839788" y="2057400"/>
+            <a:ext cx="3932237" cy="3811588"/>
           </a:xfrm>
         </p:spPr>
         <p:txBody>
-          <a:bodyPr anchor="ctr" anchorCtr="0"/>
+          <a:bodyPr/>
           <a:lstStyle>
-            <a:lvl1pPr marL="0" indent="0" algn="l">
-              <a:buFontTx/>
+            <a:lvl1pPr marL="0" indent="0">
+              <a:buNone/>
+              <a:defRPr sz="1600"/>
+            </a:lvl1pPr>
+            <a:lvl2pPr marL="457200" indent="0">
               <a:buNone/>
               <a:defRPr sz="1400"/>
-            </a:lvl1pPr>
-            <a:lvl2pPr>
+            </a:lvl2pPr>
+            <a:lvl3pPr marL="914400" indent="0">
+              <a:buNone/>
               <a:defRPr sz="1200"/>
-            </a:lvl2pPr>
-            <a:lvl3pPr>
+            </a:lvl3pPr>
+            <a:lvl4pPr marL="1371600" indent="0">
+              <a:buNone/>
               <a:defRPr sz="1000"/>
-            </a:lvl3pPr>
-            <a:lvl4pPr>
-              <a:defRPr sz="900"/>
             </a:lvl4pPr>
-            <a:lvl5pPr>
-              <a:defRPr sz="900"/>
+            <a:lvl5pPr marL="1828800" indent="0">
+              <a:buNone/>
+              <a:defRPr sz="1000"/>
             </a:lvl5pPr>
+            <a:lvl6pPr marL="2286000" indent="0">
+              <a:buNone/>
+              <a:defRPr sz="1000"/>
+            </a:lvl6pPr>
+            <a:lvl7pPr marL="2743200" indent="0">
+              <a:buNone/>
+              <a:defRPr sz="1000"/>
+            </a:lvl7pPr>
+            <a:lvl8pPr marL="3200400" indent="0">
+              <a:buNone/>
+              <a:defRPr sz="1000"/>
+            </a:lvl8pPr>
+            <a:lvl9pPr marL="3657600" indent="0">
+              <a:buNone/>
+              <a:defRPr sz="1000"/>
+            </a:lvl9pPr>
           </a:lstStyle>
           <a:p>
-            <a:pPr lvl="0" eaLnBrk="1" latinLnBrk="0" hangingPunct="1"/>
-            <a:r>
-              <a:rPr kumimoji="0" lang="en-US"/>
+            <a:pPr lvl="0"/>
+            <a:r>
+              <a:rPr lang="en-US"/>
               <a:t>Click to edit Master text styles</a:t>
             </a:r>
           </a:p>
@@ -3800,7 +3564,13 @@
       </p:sp>
       <p:sp>
         <p:nvSpPr>
-          <p:cNvPr id="5" name="Date Placeholder 4"/>
+          <p:cNvPr id="5" name="Date Placeholder 4">
+            <a:extLst>
+              <a:ext uri="{FF2B5EF4-FFF2-40B4-BE49-F238E27FC236}">
+                <a16:creationId xmlns:a16="http://schemas.microsoft.com/office/drawing/2014/main" id="{719CE0A6-C775-107F-92FD-B4B84329844F}"/>
+              </a:ext>
+            </a:extLst>
+          </p:cNvPr>
           <p:cNvSpPr>
             <a:spLocks noGrp="1"/>
           </p:cNvSpPr>
@@ -3815,7 +3585,7 @@
           <a:p>
             <a:r>
               <a:rPr lang="de-CH"/>
-              <a:t>June 2023, CC BY-SA 4.0</a:t>
+              <a:t>August 2023, CC BY-SA 4.0</a:t>
             </a:r>
             <a:endParaRPr lang="en-US"/>
           </a:p>
@@ -3823,7 +3593,13 @@
       </p:sp>
       <p:sp>
         <p:nvSpPr>
-          <p:cNvPr id="6" name="Footer Placeholder 5"/>
+          <p:cNvPr id="6" name="Footer Placeholder 5">
+            <a:extLst>
+              <a:ext uri="{FF2B5EF4-FFF2-40B4-BE49-F238E27FC236}">
+                <a16:creationId xmlns:a16="http://schemas.microsoft.com/office/drawing/2014/main" id="{E8D26F30-E569-2AA0-18C3-A484DD0A834B}"/>
+              </a:ext>
+            </a:extLst>
+          </p:cNvPr>
           <p:cNvSpPr>
             <a:spLocks noGrp="1"/>
           </p:cNvSpPr>
@@ -3838,14 +3614,20 @@
           <a:p>
             <a:r>
               <a:rPr lang="en-US"/>
-              <a:t>Continuous integration, v3.0</a:t>
-            </a:r>
-          </a:p>
-        </p:txBody>
-      </p:sp>
-      <p:sp>
-        <p:nvSpPr>
-          <p:cNvPr id="7" name="Slide Number Placeholder 6"/>
+              <a:t>Continuous integration, v4.0</a:t>
+            </a:r>
+          </a:p>
+        </p:txBody>
+      </p:sp>
+      <p:sp>
+        <p:nvSpPr>
+          <p:cNvPr id="7" name="Slide Number Placeholder 6">
+            <a:extLst>
+              <a:ext uri="{FF2B5EF4-FFF2-40B4-BE49-F238E27FC236}">
+                <a16:creationId xmlns:a16="http://schemas.microsoft.com/office/drawing/2014/main" id="{6CB2996C-7600-C9A4-5D3A-A89628BBE201}"/>
+              </a:ext>
+            </a:extLst>
+          </p:cNvPr>
           <p:cNvSpPr>
             <a:spLocks noGrp="1"/>
           </p:cNvSpPr>
@@ -3867,142 +3649,15 @@
           </a:p>
         </p:txBody>
       </p:sp>
-      <p:sp>
-        <p:nvSpPr>
-          <p:cNvPr id="8" name="Straight Connector 7"/>
-          <p:cNvSpPr>
-            <a:spLocks noChangeShapeType="1"/>
-          </p:cNvSpPr>
-          <p:nvPr/>
-        </p:nvSpPr>
-        <p:spPr bwMode="auto">
-          <a:xfrm>
-            <a:off x="457200" y="6353175"/>
-            <a:ext cx="8229600" cy="0"/>
-          </a:xfrm>
-          <a:prstGeom prst="line">
-            <a:avLst/>
-          </a:prstGeom>
-          <a:noFill/>
-          <a:ln w="9525" cap="flat" cmpd="sng" algn="ctr">
-            <a:solidFill>
-              <a:schemeClr val="accent2"/>
-            </a:solidFill>
-            <a:prstDash val="dash"/>
-            <a:round/>
-            <a:headEnd type="none" w="med" len="med"/>
-            <a:tailEnd type="none" w="med" len="med"/>
-          </a:ln>
-          <a:effectLst/>
-        </p:spPr>
-        <p:txBody>
-          <a:bodyPr vert="horz" wrap="square" lIns="91440" tIns="45720" rIns="91440" bIns="45720" anchor="t" compatLnSpc="1"/>
-          <a:lstStyle/>
-          <a:p>
-            <a:endParaRPr kumimoji="0" lang="en-US"/>
-          </a:p>
-        </p:txBody>
-      </p:sp>
-      <p:sp>
-        <p:nvSpPr>
-          <p:cNvPr id="9" name="Isosceles Triangle 8"/>
-          <p:cNvSpPr>
-            <a:spLocks noChangeAspect="1"/>
-          </p:cNvSpPr>
-          <p:nvPr/>
-        </p:nvSpPr>
-        <p:spPr>
-          <a:xfrm rot="5400000">
-            <a:off x="419100" y="6467475"/>
-            <a:ext cx="190849" cy="120314"/>
-          </a:xfrm>
-          <a:prstGeom prst="triangle">
-            <a:avLst>
-              <a:gd name="adj" fmla="val 50000"/>
-            </a:avLst>
-          </a:prstGeom>
-          <a:solidFill>
-            <a:schemeClr val="accent2"/>
-          </a:solidFill>
-          <a:ln w="25400" cap="rnd" cmpd="sng" algn="ctr">
-            <a:noFill/>
-            <a:prstDash val="solid"/>
-          </a:ln>
-          <a:effectLst/>
-        </p:spPr>
-        <p:style>
-          <a:lnRef idx="3">
-            <a:schemeClr val="lt1"/>
-          </a:lnRef>
-          <a:fillRef idx="1">
-            <a:schemeClr val="accent1"/>
-          </a:fillRef>
-          <a:effectRef idx="1">
-            <a:schemeClr val="accent1"/>
-          </a:effectRef>
-          <a:fontRef idx="minor">
-            <a:schemeClr val="lt1"/>
-          </a:fontRef>
-        </p:style>
-        <p:txBody>
-          <a:bodyPr anchor="ctr"/>
-          <a:lstStyle/>
-          <a:p>
-            <a:pPr algn="ctr" eaLnBrk="1" latinLnBrk="0" hangingPunct="1"/>
-            <a:endParaRPr kumimoji="0" lang="en-US"/>
-          </a:p>
-        </p:txBody>
-      </p:sp>
-      <p:sp>
-        <p:nvSpPr>
-          <p:cNvPr id="10" name="Rectangle 9"/>
-          <p:cNvSpPr/>
-          <p:nvPr/>
-        </p:nvSpPr>
-        <p:spPr>
-          <a:xfrm>
-            <a:off x="457200" y="500856"/>
-            <a:ext cx="182880" cy="685800"/>
-          </a:xfrm>
-          <a:prstGeom prst="rect">
-            <a:avLst/>
-          </a:prstGeom>
-          <a:solidFill>
-            <a:schemeClr val="accent1"/>
-          </a:solidFill>
-          <a:ln w="6350" cap="rnd" cmpd="sng" algn="ctr">
-            <a:noFill/>
-            <a:prstDash val="solid"/>
-          </a:ln>
-          <a:effectLst/>
-        </p:spPr>
-        <p:style>
-          <a:lnRef idx="3">
-            <a:schemeClr val="lt1"/>
-          </a:lnRef>
-          <a:fillRef idx="1">
-            <a:schemeClr val="accent1"/>
-          </a:fillRef>
-          <a:effectRef idx="1">
-            <a:schemeClr val="accent1"/>
-          </a:effectRef>
-          <a:fontRef idx="minor">
-            <a:schemeClr val="lt1"/>
-          </a:fontRef>
-        </p:style>
-        <p:txBody>
-          <a:bodyPr anchor="ctr"/>
-          <a:lstStyle/>
-          <a:p>
-            <a:pPr algn="ctr" eaLnBrk="1" latinLnBrk="0" hangingPunct="1"/>
-            <a:endParaRPr kumimoji="0" lang="en-US"/>
-          </a:p>
-        </p:txBody>
-      </p:sp>
     </p:spTree>
+    <p:extLst>
+      <p:ext uri="{BB962C8B-B14F-4D97-AF65-F5344CB8AC3E}">
+        <p14:creationId xmlns:p14="http://schemas.microsoft.com/office/powerpoint/2010/main" val="2656976306"/>
+      </p:ext>
+    </p:extLst>
   </p:cSld>
   <p:clrMapOvr>
-    <a:overrideClrMapping bg1="dk1" tx1="lt1" bg2="dk2" tx2="lt2" accent1="accent1" accent2="accent2" accent3="accent3" accent4="accent4" accent5="accent5" accent6="accent6" hlink="hlink" folHlink="folHlink"/>
+    <a:masterClrMapping/>
   </p:clrMapOvr>
 </p:sldLayout>
 </file>
@@ -4031,7 +3686,13 @@
       </p:grpSpPr>
       <p:sp>
         <p:nvSpPr>
-          <p:cNvPr id="22" name="Title Placeholder 21"/>
+          <p:cNvPr id="2" name="Title Placeholder 1">
+            <a:extLst>
+              <a:ext uri="{FF2B5EF4-FFF2-40B4-BE49-F238E27FC236}">
+                <a16:creationId xmlns:a16="http://schemas.microsoft.com/office/drawing/2014/main" id="{3DC9A551-7C95-6C02-30C4-6C55BDBC1FBC}"/>
+              </a:ext>
+            </a:extLst>
+          </p:cNvPr>
           <p:cNvSpPr>
             <a:spLocks noGrp="1"/>
           </p:cNvSpPr>
@@ -4041,29 +3702,36 @@
         </p:nvSpPr>
         <p:spPr>
           <a:xfrm>
-            <a:off x="457200" y="152400"/>
-            <a:ext cx="8229600" cy="990600"/>
+            <a:off x="838200" y="365125"/>
+            <a:ext cx="10515600" cy="831627"/>
           </a:xfrm>
           <a:prstGeom prst="rect">
             <a:avLst/>
           </a:prstGeom>
         </p:spPr>
         <p:txBody>
-          <a:bodyPr vert="horz" anchor="b" anchorCtr="0">
+          <a:bodyPr vert="horz" lIns="91440" tIns="45720" rIns="91440" bIns="45720" rtlCol="0" anchor="ctr">
             <a:normAutofit/>
           </a:bodyPr>
           <a:lstStyle/>
           <a:p>
             <a:r>
-              <a:rPr kumimoji="0" lang="en-US"/>
+              <a:rPr lang="en-US" dirty="0"/>
               <a:t>Click to edit Master title style</a:t>
             </a:r>
-          </a:p>
-        </p:txBody>
-      </p:sp>
-      <p:sp>
-        <p:nvSpPr>
-          <p:cNvPr id="13" name="Text Placeholder 12"/>
+            <a:endParaRPr lang="en-CH" dirty="0"/>
+          </a:p>
+        </p:txBody>
+      </p:sp>
+      <p:sp>
+        <p:nvSpPr>
+          <p:cNvPr id="3" name="Text Placeholder 2">
+            <a:extLst>
+              <a:ext uri="{FF2B5EF4-FFF2-40B4-BE49-F238E27FC236}">
+                <a16:creationId xmlns:a16="http://schemas.microsoft.com/office/drawing/2014/main" id="{D6B43160-898D-EDC2-FB98-73AA16153702}"/>
+              </a:ext>
+            </a:extLst>
+          </p:cNvPr>
           <p:cNvSpPr>
             <a:spLocks noGrp="1"/>
           </p:cNvSpPr>
@@ -4073,58 +3741,65 @@
         </p:nvSpPr>
         <p:spPr>
           <a:xfrm>
-            <a:off x="457200" y="1219200"/>
-            <a:ext cx="8229600" cy="4910328"/>
+            <a:off x="838200" y="1340768"/>
+            <a:ext cx="10515600" cy="4836195"/>
           </a:xfrm>
           <a:prstGeom prst="rect">
             <a:avLst/>
           </a:prstGeom>
         </p:spPr>
         <p:txBody>
-          <a:bodyPr vert="horz">
+          <a:bodyPr vert="horz" lIns="91440" tIns="45720" rIns="91440" bIns="45720" rtlCol="0">
             <a:normAutofit/>
           </a:bodyPr>
           <a:lstStyle/>
           <a:p>
-            <a:pPr lvl="0" eaLnBrk="1" latinLnBrk="0" hangingPunct="1"/>
-            <a:r>
-              <a:rPr kumimoji="0" lang="en-US"/>
+            <a:pPr lvl="0"/>
+            <a:r>
+              <a:rPr lang="en-US"/>
               <a:t>Click to edit Master text styles</a:t>
             </a:r>
           </a:p>
           <a:p>
-            <a:pPr lvl="1" eaLnBrk="1" latinLnBrk="0" hangingPunct="1"/>
-            <a:r>
-              <a:rPr kumimoji="0" lang="en-US"/>
+            <a:pPr lvl="1"/>
+            <a:r>
+              <a:rPr lang="en-US"/>
               <a:t>Second level</a:t>
             </a:r>
           </a:p>
           <a:p>
-            <a:pPr lvl="2" eaLnBrk="1" latinLnBrk="0" hangingPunct="1"/>
-            <a:r>
-              <a:rPr kumimoji="0" lang="en-US"/>
+            <a:pPr lvl="2"/>
+            <a:r>
+              <a:rPr lang="en-US"/>
               <a:t>Third level</a:t>
             </a:r>
           </a:p>
           <a:p>
-            <a:pPr lvl="3" eaLnBrk="1" latinLnBrk="0" hangingPunct="1"/>
-            <a:r>
-              <a:rPr kumimoji="0" lang="en-US"/>
+            <a:pPr lvl="3"/>
+            <a:r>
+              <a:rPr lang="en-US"/>
               <a:t>Fourth level</a:t>
             </a:r>
           </a:p>
           <a:p>
-            <a:pPr lvl="4" eaLnBrk="1" latinLnBrk="0" hangingPunct="1"/>
-            <a:r>
-              <a:rPr kumimoji="0" lang="en-US"/>
+            <a:pPr lvl="4"/>
+            <a:r>
+              <a:rPr lang="en-US"/>
               <a:t>Fifth level</a:t>
             </a:r>
-          </a:p>
-        </p:txBody>
-      </p:sp>
-      <p:sp>
-        <p:nvSpPr>
-          <p:cNvPr id="14" name="Date Placeholder 13"/>
+            <a:endParaRPr lang="en-CH"/>
+          </a:p>
+        </p:txBody>
+      </p:sp>
+      <p:sp>
+        <p:nvSpPr>
+          <p:cNvPr id="4" name="Date Placeholder 3">
+            <a:extLst>
+              <a:ext uri="{FF2B5EF4-FFF2-40B4-BE49-F238E27FC236}">
+                <a16:creationId xmlns:a16="http://schemas.microsoft.com/office/drawing/2014/main" id="{21071203-E804-0A12-3D40-DF6CFD5CA4D5}"/>
+              </a:ext>
+            </a:extLst>
+          </p:cNvPr>
           <p:cNvSpPr>
             <a:spLocks noGrp="1"/>
           </p:cNvSpPr>
@@ -4134,20 +3809,22 @@
         </p:nvSpPr>
         <p:spPr>
           <a:xfrm>
-            <a:off x="6400800" y="6356350"/>
-            <a:ext cx="2289048" cy="365760"/>
+            <a:off x="838200" y="6356350"/>
+            <a:ext cx="2743200" cy="365125"/>
           </a:xfrm>
           <a:prstGeom prst="rect">
             <a:avLst/>
           </a:prstGeom>
         </p:spPr>
         <p:txBody>
-          <a:bodyPr vert="horz"/>
+          <a:bodyPr vert="horz" lIns="91440" tIns="45720" rIns="91440" bIns="45720" rtlCol="0" anchor="ctr"/>
           <a:lstStyle>
-            <a:lvl1pPr algn="r" eaLnBrk="1" latinLnBrk="0" hangingPunct="1">
-              <a:defRPr kumimoji="0" sz="1000">
+            <a:lvl1pPr algn="l">
+              <a:defRPr sz="1200">
                 <a:solidFill>
-                  <a:schemeClr val="tx2"/>
+                  <a:schemeClr val="tx1">
+                    <a:tint val="75000"/>
+                  </a:schemeClr>
                 </a:solidFill>
               </a:defRPr>
             </a:lvl1pPr>
@@ -4155,7 +3832,7 @@
           <a:p>
             <a:r>
               <a:rPr lang="de-CH"/>
-              <a:t>June 2023, CC BY-SA 4.0</a:t>
+              <a:t>August 2023, CC BY-SA 4.0</a:t>
             </a:r>
             <a:endParaRPr lang="en-US" dirty="0"/>
           </a:p>
@@ -4163,7 +3840,13 @@
       </p:sp>
       <p:sp>
         <p:nvSpPr>
-          <p:cNvPr id="3" name="Footer Placeholder 2"/>
+          <p:cNvPr id="5" name="Footer Placeholder 4">
+            <a:extLst>
+              <a:ext uri="{FF2B5EF4-FFF2-40B4-BE49-F238E27FC236}">
+                <a16:creationId xmlns:a16="http://schemas.microsoft.com/office/drawing/2014/main" id="{137D8AF4-B1AA-C254-85DD-6A14EB105B14}"/>
+              </a:ext>
+            </a:extLst>
+          </p:cNvPr>
           <p:cNvSpPr>
             <a:spLocks noGrp="1"/>
           </p:cNvSpPr>
@@ -4173,20 +3856,22 @@
         </p:nvSpPr>
         <p:spPr>
           <a:xfrm>
-            <a:off x="2898648" y="6356350"/>
-            <a:ext cx="3505200" cy="365760"/>
+            <a:off x="4038600" y="6356350"/>
+            <a:ext cx="4114800" cy="365125"/>
           </a:xfrm>
           <a:prstGeom prst="rect">
             <a:avLst/>
           </a:prstGeom>
         </p:spPr>
         <p:txBody>
-          <a:bodyPr vert="horz"/>
+          <a:bodyPr vert="horz" lIns="91440" tIns="45720" rIns="91440" bIns="45720" rtlCol="0" anchor="ctr"/>
           <a:lstStyle>
-            <a:lvl1pPr algn="ctr" eaLnBrk="1" latinLnBrk="0" hangingPunct="1">
-              <a:defRPr kumimoji="0" sz="1000">
+            <a:lvl1pPr algn="ctr">
+              <a:defRPr sz="1200">
                 <a:solidFill>
-                  <a:schemeClr val="tx2"/>
+                  <a:schemeClr val="tx1">
+                    <a:tint val="75000"/>
+                  </a:schemeClr>
                 </a:solidFill>
               </a:defRPr>
             </a:lvl1pPr>
@@ -4194,7 +3879,7 @@
           <a:p>
             <a:r>
               <a:rPr lang="en-US"/>
-              <a:t>Continuous integration, v3.0</a:t>
+              <a:t>Continuous integration, v4.0</a:t>
             </a:r>
             <a:endParaRPr lang="en-US" dirty="0"/>
           </a:p>
@@ -4202,7 +3887,13 @@
       </p:sp>
       <p:sp>
         <p:nvSpPr>
-          <p:cNvPr id="23" name="Slide Number Placeholder 22"/>
+          <p:cNvPr id="6" name="Slide Number Placeholder 5">
+            <a:extLst>
+              <a:ext uri="{FF2B5EF4-FFF2-40B4-BE49-F238E27FC236}">
+                <a16:creationId xmlns:a16="http://schemas.microsoft.com/office/drawing/2014/main" id="{BB08D3A5-04DA-8240-5879-C4607AF682F7}"/>
+              </a:ext>
+            </a:extLst>
+          </p:cNvPr>
           <p:cNvSpPr>
             <a:spLocks noGrp="1"/>
           </p:cNvSpPr>
@@ -4212,20 +3903,22 @@
         </p:nvSpPr>
         <p:spPr>
           <a:xfrm>
-            <a:off x="612648" y="6356350"/>
-            <a:ext cx="1981200" cy="365760"/>
+            <a:off x="8610600" y="6356350"/>
+            <a:ext cx="2743200" cy="365125"/>
           </a:xfrm>
           <a:prstGeom prst="rect">
             <a:avLst/>
           </a:prstGeom>
         </p:spPr>
         <p:txBody>
-          <a:bodyPr vert="horz"/>
+          <a:bodyPr vert="horz" lIns="91440" tIns="45720" rIns="91440" bIns="45720" rtlCol="0" anchor="ctr"/>
           <a:lstStyle>
-            <a:lvl1pPr algn="l" eaLnBrk="1" latinLnBrk="0" hangingPunct="1">
-              <a:defRPr kumimoji="0" sz="1050">
+            <a:lvl1pPr algn="r">
+              <a:defRPr sz="1200">
                 <a:solidFill>
-                  <a:schemeClr val="tx2"/>
+                  <a:schemeClr val="tx1">
+                    <a:tint val="75000"/>
+                  </a:schemeClr>
                 </a:solidFill>
               </a:defRPr>
             </a:lvl1pPr>
@@ -4240,155 +3933,41 @@
           </a:p>
         </p:txBody>
       </p:sp>
-      <p:sp>
-        <p:nvSpPr>
-          <p:cNvPr id="28" name="Straight Connector 27"/>
-          <p:cNvSpPr>
-            <a:spLocks noChangeShapeType="1"/>
-          </p:cNvSpPr>
-          <p:nvPr/>
-        </p:nvSpPr>
-        <p:spPr bwMode="auto">
-          <a:xfrm>
-            <a:off x="457200" y="6353175"/>
-            <a:ext cx="8229600" cy="0"/>
-          </a:xfrm>
-          <a:prstGeom prst="line">
-            <a:avLst/>
-          </a:prstGeom>
-          <a:noFill/>
-          <a:ln w="9525" cap="flat" cmpd="sng" algn="ctr">
-            <a:solidFill>
-              <a:schemeClr val="accent2"/>
-            </a:solidFill>
-            <a:prstDash val="dash"/>
-            <a:round/>
-            <a:headEnd type="none" w="med" len="med"/>
-            <a:tailEnd type="none" w="med" len="med"/>
-          </a:ln>
-          <a:effectLst/>
-        </p:spPr>
-        <p:txBody>
-          <a:bodyPr vert="horz" wrap="square" lIns="91440" tIns="45720" rIns="91440" bIns="45720" anchor="t" compatLnSpc="1"/>
-          <a:lstStyle/>
-          <a:p>
-            <a:endParaRPr kumimoji="0" lang="en-US" sz="1000" dirty="0"/>
-          </a:p>
-        </p:txBody>
-      </p:sp>
-      <p:sp>
-        <p:nvSpPr>
-          <p:cNvPr id="29" name="Straight Connector 28"/>
-          <p:cNvSpPr>
-            <a:spLocks noChangeShapeType="1"/>
-          </p:cNvSpPr>
-          <p:nvPr/>
-        </p:nvSpPr>
-        <p:spPr bwMode="auto">
-          <a:xfrm>
-            <a:off x="457200" y="1143000"/>
-            <a:ext cx="8229600" cy="0"/>
-          </a:xfrm>
-          <a:prstGeom prst="line">
-            <a:avLst/>
-          </a:prstGeom>
-          <a:noFill/>
-          <a:ln w="9525" cap="flat" cmpd="sng" algn="ctr">
-            <a:solidFill>
-              <a:schemeClr val="accent2"/>
-            </a:solidFill>
-            <a:prstDash val="dash"/>
-            <a:round/>
-            <a:headEnd type="none" w="med" len="med"/>
-            <a:tailEnd type="none" w="med" len="med"/>
-          </a:ln>
-          <a:effectLst/>
-        </p:spPr>
-        <p:txBody>
-          <a:bodyPr vert="horz" wrap="square" lIns="91440" tIns="45720" rIns="91440" bIns="45720" anchor="t" compatLnSpc="1"/>
-          <a:lstStyle/>
-          <a:p>
-            <a:endParaRPr kumimoji="0" lang="en-US"/>
-          </a:p>
-        </p:txBody>
-      </p:sp>
-      <p:sp>
-        <p:nvSpPr>
-          <p:cNvPr id="10" name="Isosceles Triangle 9"/>
-          <p:cNvSpPr>
-            <a:spLocks noChangeAspect="1"/>
-          </p:cNvSpPr>
-          <p:nvPr/>
-        </p:nvSpPr>
-        <p:spPr>
-          <a:xfrm rot="5400000">
-            <a:off x="419100" y="6467475"/>
-            <a:ext cx="190849" cy="120314"/>
-          </a:xfrm>
-          <a:prstGeom prst="triangle">
-            <a:avLst>
-              <a:gd name="adj" fmla="val 50000"/>
-            </a:avLst>
-          </a:prstGeom>
-          <a:solidFill>
-            <a:schemeClr val="accent2"/>
-          </a:solidFill>
-          <a:ln w="25400" cap="rnd" cmpd="sng" algn="ctr">
-            <a:noFill/>
-            <a:prstDash val="solid"/>
-          </a:ln>
-          <a:effectLst/>
-        </p:spPr>
-        <p:style>
-          <a:lnRef idx="3">
-            <a:schemeClr val="lt1"/>
-          </a:lnRef>
-          <a:fillRef idx="1">
-            <a:schemeClr val="accent1"/>
-          </a:fillRef>
-          <a:effectRef idx="1">
-            <a:schemeClr val="accent1"/>
-          </a:effectRef>
-          <a:fontRef idx="minor">
-            <a:schemeClr val="lt1"/>
-          </a:fontRef>
-        </p:style>
-        <p:txBody>
-          <a:bodyPr anchor="ctr"/>
-          <a:lstStyle/>
-          <a:p>
-            <a:pPr algn="ctr" eaLnBrk="1" latinLnBrk="0" hangingPunct="1"/>
-            <a:endParaRPr kumimoji="0" lang="en-US"/>
-          </a:p>
-        </p:txBody>
-      </p:sp>
     </p:spTree>
+    <p:extLst>
+      <p:ext uri="{BB962C8B-B14F-4D97-AF65-F5344CB8AC3E}">
+        <p14:creationId xmlns:p14="http://schemas.microsoft.com/office/powerpoint/2010/main" val="552120868"/>
+      </p:ext>
+    </p:extLst>
   </p:cSld>
   <p:clrMap bg1="lt1" tx1="dk1" bg2="lt2" tx2="dk2" accent1="accent1" accent2="accent2" accent3="accent3" accent4="accent4" accent5="accent5" accent6="accent6" hlink="hlink" folHlink="folHlink"/>
   <p:sldLayoutIdLst>
-    <p:sldLayoutId id="2147483661" r:id="rId1"/>
-    <p:sldLayoutId id="2147483662" r:id="rId2"/>
-    <p:sldLayoutId id="2147483663" r:id="rId3"/>
-    <p:sldLayoutId id="2147483664" r:id="rId4"/>
-    <p:sldLayoutId id="2147483665" r:id="rId5"/>
-    <p:sldLayoutId id="2147483666" r:id="rId6"/>
-    <p:sldLayoutId id="2147483667" r:id="rId7"/>
-    <p:sldLayoutId id="2147483668" r:id="rId8"/>
-    <p:sldLayoutId id="2147483669" r:id="rId9"/>
-    <p:sldLayoutId id="2147483670" r:id="rId10"/>
-    <p:sldLayoutId id="2147483671" r:id="rId11"/>
+    <p:sldLayoutId id="2147483673" r:id="rId1"/>
+    <p:sldLayoutId id="2147483674" r:id="rId2"/>
+    <p:sldLayoutId id="2147483675" r:id="rId3"/>
+    <p:sldLayoutId id="2147483676" r:id="rId4"/>
+    <p:sldLayoutId id="2147483677" r:id="rId5"/>
+    <p:sldLayoutId id="2147483678" r:id="rId6"/>
+    <p:sldLayoutId id="2147483679" r:id="rId7"/>
+    <p:sldLayoutId id="2147483680" r:id="rId8"/>
+    <p:sldLayoutId id="2147483681" r:id="rId9"/>
+    <p:sldLayoutId id="2147483682" r:id="rId10"/>
+    <p:sldLayoutId id="2147483683" r:id="rId11"/>
   </p:sldLayoutIdLst>
-  <p:hf sldNum="0" hdr="0"/>
+  <p:hf hdr="0"/>
   <p:txStyles>
     <p:titleStyle>
-      <a:lvl1pPr algn="l" rtl="0" eaLnBrk="1" latinLnBrk="0" hangingPunct="1">
+      <a:lvl1pPr algn="l" defTabSz="914400" rtl="0" eaLnBrk="1" latinLnBrk="0" hangingPunct="1">
+        <a:lnSpc>
+          <a:spcPct val="90000"/>
+        </a:lnSpc>
         <a:spcBef>
           <a:spcPct val="0"/>
         </a:spcBef>
         <a:buNone/>
-        <a:defRPr kumimoji="0" sz="3200" kern="1200">
+        <a:defRPr sz="4400" kern="1200">
           <a:solidFill>
-            <a:schemeClr val="tx2"/>
+            <a:schemeClr val="tx1"/>
           </a:solidFill>
           <a:latin typeface="+mj-lt"/>
           <a:ea typeface="+mj-ea"/>
@@ -4397,17 +3976,16 @@
       </a:lvl1pPr>
     </p:titleStyle>
     <p:bodyStyle>
-      <a:lvl1pPr marL="274320" indent="-274320" algn="l" rtl="0" eaLnBrk="1" latinLnBrk="0" hangingPunct="1">
+      <a:lvl1pPr marL="228600" indent="-228600" algn="l" defTabSz="914400" rtl="0" eaLnBrk="1" latinLnBrk="0" hangingPunct="1">
+        <a:lnSpc>
+          <a:spcPct val="90000"/>
+        </a:lnSpc>
         <a:spcBef>
-          <a:spcPts val="600"/>
+          <a:spcPts val="1000"/>
         </a:spcBef>
-        <a:buClr>
-          <a:schemeClr val="accent1"/>
-        </a:buClr>
-        <a:buSzPct val="76000"/>
-        <a:buFont typeface="Wingdings 3"/>
-        <a:buChar char=""/>
-        <a:defRPr kumimoji="0" sz="2600" kern="1200">
+        <a:buFont typeface="Arial" panose="020B0604020202020204" pitchFamily="34" charset="0"/>
+        <a:buChar char="•"/>
+        <a:defRPr sz="2800" kern="1200">
           <a:solidFill>
             <a:schemeClr val="tx1"/>
           </a:solidFill>
@@ -4416,38 +3994,34 @@
           <a:cs typeface="+mn-cs"/>
         </a:defRPr>
       </a:lvl1pPr>
-      <a:lvl2pPr marL="548640" indent="-274320" algn="l" rtl="0" eaLnBrk="1" latinLnBrk="0" hangingPunct="1">
+      <a:lvl2pPr marL="685800" indent="-228600" algn="l" defTabSz="914400" rtl="0" eaLnBrk="1" latinLnBrk="0" hangingPunct="1">
+        <a:lnSpc>
+          <a:spcPct val="90000"/>
+        </a:lnSpc>
         <a:spcBef>
           <a:spcPts val="500"/>
         </a:spcBef>
-        <a:buClr>
-          <a:schemeClr val="accent2"/>
-        </a:buClr>
-        <a:buSzPct val="76000"/>
-        <a:buFont typeface="Wingdings 3"/>
-        <a:buChar char=""/>
-        <a:defRPr kumimoji="0" sz="2300" kern="1200">
+        <a:buFont typeface="Arial" panose="020B0604020202020204" pitchFamily="34" charset="0"/>
+        <a:buChar char="•"/>
+        <a:defRPr sz="2400" kern="1200">
           <a:solidFill>
-            <a:schemeClr val="tx2"/>
+            <a:schemeClr val="tx1"/>
           </a:solidFill>
           <a:latin typeface="+mn-lt"/>
           <a:ea typeface="+mn-ea"/>
           <a:cs typeface="+mn-cs"/>
         </a:defRPr>
       </a:lvl2pPr>
-      <a:lvl3pPr marL="822960" indent="-228600" algn="l" rtl="0" eaLnBrk="1" latinLnBrk="0" hangingPunct="1">
+      <a:lvl3pPr marL="1143000" indent="-228600" algn="l" defTabSz="914400" rtl="0" eaLnBrk="1" latinLnBrk="0" hangingPunct="1">
+        <a:lnSpc>
+          <a:spcPct val="90000"/>
+        </a:lnSpc>
         <a:spcBef>
           <a:spcPts val="500"/>
         </a:spcBef>
-        <a:buClr>
-          <a:schemeClr val="bg1">
-            <a:shade val="50000"/>
-          </a:schemeClr>
-        </a:buClr>
-        <a:buSzPct val="76000"/>
-        <a:buFont typeface="Wingdings 3"/>
-        <a:buChar char=""/>
-        <a:defRPr kumimoji="0" sz="2000" kern="1200">
+        <a:buFont typeface="Arial" panose="020B0604020202020204" pitchFamily="34" charset="0"/>
+        <a:buChar char="•"/>
+        <a:defRPr sz="2000" kern="1200">
           <a:solidFill>
             <a:schemeClr val="tx1"/>
           </a:solidFill>
@@ -4456,19 +4030,16 @@
           <a:cs typeface="+mn-cs"/>
         </a:defRPr>
       </a:lvl3pPr>
-      <a:lvl4pPr marL="1097280" indent="-228600" algn="l" rtl="0" eaLnBrk="1" latinLnBrk="0" hangingPunct="1">
+      <a:lvl4pPr marL="1600200" indent="-228600" algn="l" defTabSz="914400" rtl="0" eaLnBrk="1" latinLnBrk="0" hangingPunct="1">
+        <a:lnSpc>
+          <a:spcPct val="90000"/>
+        </a:lnSpc>
         <a:spcBef>
-          <a:spcPts val="400"/>
+          <a:spcPts val="500"/>
         </a:spcBef>
-        <a:buClr>
-          <a:schemeClr val="accent2">
-            <a:shade val="75000"/>
-          </a:schemeClr>
-        </a:buClr>
-        <a:buSzPct val="70000"/>
-        <a:buFont typeface="Wingdings"/>
-        <a:buChar char=""/>
-        <a:defRPr kumimoji="0" sz="1800" kern="1200">
+        <a:buFont typeface="Arial" panose="020B0604020202020204" pitchFamily="34" charset="0"/>
+        <a:buChar char="•"/>
+        <a:defRPr sz="1800" kern="1200">
           <a:solidFill>
             <a:schemeClr val="tx1"/>
           </a:solidFill>
@@ -4477,17 +4048,16 @@
           <a:cs typeface="+mn-cs"/>
         </a:defRPr>
       </a:lvl4pPr>
-      <a:lvl5pPr marL="1371600" indent="-228600" algn="l" rtl="0" eaLnBrk="1" latinLnBrk="0" hangingPunct="1">
+      <a:lvl5pPr marL="2057400" indent="-228600" algn="l" defTabSz="914400" rtl="0" eaLnBrk="1" latinLnBrk="0" hangingPunct="1">
+        <a:lnSpc>
+          <a:spcPct val="90000"/>
+        </a:lnSpc>
         <a:spcBef>
-          <a:spcPts val="300"/>
+          <a:spcPts val="500"/>
         </a:spcBef>
-        <a:buClr>
-          <a:schemeClr val="accent2"/>
-        </a:buClr>
-        <a:buSzPct val="70000"/>
-        <a:buFont typeface="Wingdings"/>
-        <a:buChar char=""/>
-        <a:defRPr kumimoji="0" sz="1600" kern="1200">
+        <a:buFont typeface="Arial" panose="020B0604020202020204" pitchFamily="34" charset="0"/>
+        <a:buChar char="•"/>
+        <a:defRPr sz="1800" kern="1200">
           <a:solidFill>
             <a:schemeClr val="tx1"/>
           </a:solidFill>
@@ -4496,19 +4066,16 @@
           <a:cs typeface="+mn-cs"/>
         </a:defRPr>
       </a:lvl5pPr>
-      <a:lvl6pPr marL="1645920" indent="-182880" algn="l" rtl="0" eaLnBrk="1" latinLnBrk="0" hangingPunct="1">
+      <a:lvl6pPr marL="2514600" indent="-228600" algn="l" defTabSz="914400" rtl="0" eaLnBrk="1" latinLnBrk="0" hangingPunct="1">
+        <a:lnSpc>
+          <a:spcPct val="90000"/>
+        </a:lnSpc>
         <a:spcBef>
-          <a:spcPts val="300"/>
+          <a:spcPts val="500"/>
         </a:spcBef>
-        <a:buClr>
-          <a:srgbClr val="9FB8CD">
-            <a:shade val="75000"/>
-          </a:srgbClr>
-        </a:buClr>
-        <a:buSzPct val="75000"/>
-        <a:buFont typeface="Wingdings 3"/>
-        <a:buChar char=""/>
-        <a:defRPr kumimoji="0" lang="en-US" sz="1600" kern="1200" smtClean="0">
+        <a:buFont typeface="Arial" panose="020B0604020202020204" pitchFamily="34" charset="0"/>
+        <a:buChar char="•"/>
+        <a:defRPr sz="1800" kern="1200">
           <a:solidFill>
             <a:schemeClr val="tx1"/>
           </a:solidFill>
@@ -4517,19 +4084,16 @@
           <a:cs typeface="+mn-cs"/>
         </a:defRPr>
       </a:lvl6pPr>
-      <a:lvl7pPr marL="1828800" indent="-182880" algn="l" rtl="0" eaLnBrk="1" latinLnBrk="0" hangingPunct="1">
+      <a:lvl7pPr marL="2971800" indent="-228600" algn="l" defTabSz="914400" rtl="0" eaLnBrk="1" latinLnBrk="0" hangingPunct="1">
+        <a:lnSpc>
+          <a:spcPct val="90000"/>
+        </a:lnSpc>
         <a:spcBef>
-          <a:spcPts val="300"/>
+          <a:spcPts val="500"/>
         </a:spcBef>
-        <a:buClr>
-          <a:srgbClr val="727CA3">
-            <a:shade val="75000"/>
-          </a:srgbClr>
-        </a:buClr>
-        <a:buSzPct val="75000"/>
-        <a:buFont typeface="Wingdings 3"/>
-        <a:buChar char=""/>
-        <a:defRPr kumimoji="0" lang="en-US" sz="1400" kern="1200" smtClean="0">
+        <a:buFont typeface="Arial" panose="020B0604020202020204" pitchFamily="34" charset="0"/>
+        <a:buChar char="•"/>
+        <a:defRPr sz="1800" kern="1200">
           <a:solidFill>
             <a:schemeClr val="tx1"/>
           </a:solidFill>
@@ -4538,19 +4102,16 @@
           <a:cs typeface="+mn-cs"/>
         </a:defRPr>
       </a:lvl7pPr>
-      <a:lvl8pPr marL="2011680" indent="-182880" algn="l" rtl="0" eaLnBrk="1" latinLnBrk="0" hangingPunct="1">
+      <a:lvl8pPr marL="3429000" indent="-228600" algn="l" defTabSz="914400" rtl="0" eaLnBrk="1" latinLnBrk="0" hangingPunct="1">
+        <a:lnSpc>
+          <a:spcPct val="90000"/>
+        </a:lnSpc>
         <a:spcBef>
-          <a:spcPts val="300"/>
+          <a:spcPts val="500"/>
         </a:spcBef>
-        <a:buClr>
-          <a:prstClr val="white">
-            <a:shade val="50000"/>
-          </a:prstClr>
-        </a:buClr>
-        <a:buSzPct val="75000"/>
-        <a:buFont typeface="Wingdings 3"/>
-        <a:buChar char=""/>
-        <a:defRPr kumimoji="0" lang="en-US" sz="1400" kern="1200" smtClean="0">
+        <a:buFont typeface="Arial" panose="020B0604020202020204" pitchFamily="34" charset="0"/>
+        <a:buChar char="•"/>
+        <a:defRPr sz="1800" kern="1200">
           <a:solidFill>
             <a:schemeClr val="tx1"/>
           </a:solidFill>
@@ -4559,17 +4120,16 @@
           <a:cs typeface="+mn-cs"/>
         </a:defRPr>
       </a:lvl8pPr>
-      <a:lvl9pPr marL="2194560" indent="-182880" algn="l" rtl="0" eaLnBrk="1" latinLnBrk="0" hangingPunct="1">
+      <a:lvl9pPr marL="3886200" indent="-228600" algn="l" defTabSz="914400" rtl="0" eaLnBrk="1" latinLnBrk="0" hangingPunct="1">
+        <a:lnSpc>
+          <a:spcPct val="90000"/>
+        </a:lnSpc>
         <a:spcBef>
-          <a:spcPts val="300"/>
+          <a:spcPts val="500"/>
         </a:spcBef>
-        <a:buClr>
-          <a:srgbClr val="9FB8CD"/>
-        </a:buClr>
-        <a:buSzPct val="75000"/>
-        <a:buFont typeface="Wingdings 3"/>
-        <a:buChar char=""/>
-        <a:defRPr kumimoji="0" lang="en-US" sz="1200" kern="1200" smtClean="0">
+        <a:buFont typeface="Arial" panose="020B0604020202020204" pitchFamily="34" charset="0"/>
+        <a:buChar char="•"/>
+        <a:defRPr sz="1800" kern="1200">
           <a:solidFill>
             <a:schemeClr val="tx1"/>
           </a:solidFill>
@@ -4580,8 +4140,11 @@
       </a:lvl9pPr>
     </p:bodyStyle>
     <p:otherStyle>
-      <a:lvl1pPr marL="0" algn="l" rtl="0" eaLnBrk="1" latinLnBrk="0" hangingPunct="1">
-        <a:defRPr kumimoji="0" kern="1200">
+      <a:defPPr>
+        <a:defRPr lang="en-CH"/>
+      </a:defPPr>
+      <a:lvl1pPr marL="0" algn="l" defTabSz="914400" rtl="0" eaLnBrk="1" latinLnBrk="0" hangingPunct="1">
+        <a:defRPr sz="1800" kern="1200">
           <a:solidFill>
             <a:schemeClr val="tx1"/>
           </a:solidFill>
@@ -4590,8 +4153,8 @@
           <a:cs typeface="+mn-cs"/>
         </a:defRPr>
       </a:lvl1pPr>
-      <a:lvl2pPr marL="457200" algn="l" rtl="0" eaLnBrk="1" latinLnBrk="0" hangingPunct="1">
-        <a:defRPr kumimoji="0" kern="1200">
+      <a:lvl2pPr marL="457200" algn="l" defTabSz="914400" rtl="0" eaLnBrk="1" latinLnBrk="0" hangingPunct="1">
+        <a:defRPr sz="1800" kern="1200">
           <a:solidFill>
             <a:schemeClr val="tx1"/>
           </a:solidFill>
@@ -4600,8 +4163,8 @@
           <a:cs typeface="+mn-cs"/>
         </a:defRPr>
       </a:lvl2pPr>
-      <a:lvl3pPr marL="914400" algn="l" rtl="0" eaLnBrk="1" latinLnBrk="0" hangingPunct="1">
-        <a:defRPr kumimoji="0" kern="1200">
+      <a:lvl3pPr marL="914400" algn="l" defTabSz="914400" rtl="0" eaLnBrk="1" latinLnBrk="0" hangingPunct="1">
+        <a:defRPr sz="1800" kern="1200">
           <a:solidFill>
             <a:schemeClr val="tx1"/>
           </a:solidFill>
@@ -4610,8 +4173,8 @@
           <a:cs typeface="+mn-cs"/>
         </a:defRPr>
       </a:lvl3pPr>
-      <a:lvl4pPr marL="1371600" algn="l" rtl="0" eaLnBrk="1" latinLnBrk="0" hangingPunct="1">
-        <a:defRPr kumimoji="0" kern="1200">
+      <a:lvl4pPr marL="1371600" algn="l" defTabSz="914400" rtl="0" eaLnBrk="1" latinLnBrk="0" hangingPunct="1">
+        <a:defRPr sz="1800" kern="1200">
           <a:solidFill>
             <a:schemeClr val="tx1"/>
           </a:solidFill>
@@ -4620,8 +4183,8 @@
           <a:cs typeface="+mn-cs"/>
         </a:defRPr>
       </a:lvl4pPr>
-      <a:lvl5pPr marL="1828800" algn="l" rtl="0" eaLnBrk="1" latinLnBrk="0" hangingPunct="1">
-        <a:defRPr kumimoji="0" kern="1200">
+      <a:lvl5pPr marL="1828800" algn="l" defTabSz="914400" rtl="0" eaLnBrk="1" latinLnBrk="0" hangingPunct="1">
+        <a:defRPr sz="1800" kern="1200">
           <a:solidFill>
             <a:schemeClr val="tx1"/>
           </a:solidFill>
@@ -4630,8 +4193,8 @@
           <a:cs typeface="+mn-cs"/>
         </a:defRPr>
       </a:lvl5pPr>
-      <a:lvl6pPr marL="2286000" algn="l" rtl="0" eaLnBrk="1" latinLnBrk="0" hangingPunct="1">
-        <a:defRPr kumimoji="0" kern="1200">
+      <a:lvl6pPr marL="2286000" algn="l" defTabSz="914400" rtl="0" eaLnBrk="1" latinLnBrk="0" hangingPunct="1">
+        <a:defRPr sz="1800" kern="1200">
           <a:solidFill>
             <a:schemeClr val="tx1"/>
           </a:solidFill>
@@ -4640,8 +4203,8 @@
           <a:cs typeface="+mn-cs"/>
         </a:defRPr>
       </a:lvl6pPr>
-      <a:lvl7pPr marL="2743200" algn="l" rtl="0" eaLnBrk="1" latinLnBrk="0" hangingPunct="1">
-        <a:defRPr kumimoji="0" kern="1200">
+      <a:lvl7pPr marL="2743200" algn="l" defTabSz="914400" rtl="0" eaLnBrk="1" latinLnBrk="0" hangingPunct="1">
+        <a:defRPr sz="1800" kern="1200">
           <a:solidFill>
             <a:schemeClr val="tx1"/>
           </a:solidFill>
@@ -4650,8 +4213,8 @@
           <a:cs typeface="+mn-cs"/>
         </a:defRPr>
       </a:lvl7pPr>
-      <a:lvl8pPr marL="3200400" algn="l" rtl="0" eaLnBrk="1" latinLnBrk="0" hangingPunct="1">
-        <a:defRPr kumimoji="0" kern="1200">
+      <a:lvl8pPr marL="3200400" algn="l" defTabSz="914400" rtl="0" eaLnBrk="1" latinLnBrk="0" hangingPunct="1">
+        <a:defRPr sz="1800" kern="1200">
           <a:solidFill>
             <a:schemeClr val="tx1"/>
           </a:solidFill>
@@ -4660,8 +4223,8 @@
           <a:cs typeface="+mn-cs"/>
         </a:defRPr>
       </a:lvl8pPr>
-      <a:lvl9pPr marL="3657600" algn="l" rtl="0" eaLnBrk="1" latinLnBrk="0" hangingPunct="1">
-        <a:defRPr kumimoji="0" kern="1200">
+      <a:lvl9pPr marL="3657600" algn="l" defTabSz="914400" rtl="0" eaLnBrk="1" latinLnBrk="0" hangingPunct="1">
+        <a:defRPr sz="1800" kern="1200">
           <a:solidFill>
             <a:schemeClr val="tx1"/>
           </a:solidFill>
@@ -4704,8 +4267,8 @@
         </p:nvSpPr>
         <p:spPr>
           <a:xfrm>
-            <a:off x="1187624" y="2204864"/>
-            <a:ext cx="6858000" cy="1162048"/>
+            <a:off x="1883532" y="2202678"/>
+            <a:ext cx="8424936" cy="1162048"/>
           </a:xfrm>
         </p:spPr>
         <p:txBody>
@@ -4753,7 +4316,7 @@
         </p:nvSpPr>
         <p:spPr>
           <a:xfrm>
-            <a:off x="1924944" y="3609231"/>
+            <a:off x="3035660" y="3861048"/>
             <a:ext cx="6120680" cy="533400"/>
           </a:xfrm>
         </p:spPr>
@@ -4844,7 +4407,7 @@
             <a:picLocks noGrp="1" noChangeAspect="1"/>
           </p:cNvPicPr>
           <p:nvPr>
-            <p:ph sz="quarter" idx="1"/>
+            <p:ph idx="1"/>
           </p:nvPr>
         </p:nvPicPr>
         <p:blipFill>
@@ -4861,8 +4424,8 @@
         </p:blipFill>
         <p:spPr>
           <a:xfrm>
-            <a:off x="105306" y="2466161"/>
-            <a:ext cx="8933387" cy="2520280"/>
+            <a:off x="833682" y="2204864"/>
+            <a:ext cx="10515600" cy="2966652"/>
           </a:xfrm>
         </p:spPr>
       </p:pic>
@@ -4889,7 +4452,7 @@
           <a:p>
             <a:r>
               <a:rPr lang="de-CH" sz="1000"/>
-              <a:t>June 2023, CC BY-SA 4.0</a:t>
+              <a:t>August 2023, CC BY-SA 4.0</a:t>
             </a:r>
             <a:endParaRPr lang="en-US" sz="1000" dirty="0"/>
           </a:p>
@@ -4918,9 +4481,39 @@
           <a:p>
             <a:r>
               <a:rPr lang="en-US"/>
-              <a:t>Continuous integration, v3.0</a:t>
+              <a:t>Continuous integration, v4.0</a:t>
             </a:r>
             <a:endParaRPr lang="en-US" dirty="0"/>
+          </a:p>
+        </p:txBody>
+      </p:sp>
+      <p:sp>
+        <p:nvSpPr>
+          <p:cNvPr id="3" name="Slide Number Placeholder 2">
+            <a:extLst>
+              <a:ext uri="{FF2B5EF4-FFF2-40B4-BE49-F238E27FC236}">
+                <a16:creationId xmlns:a16="http://schemas.microsoft.com/office/drawing/2014/main" id="{D1E7D8F0-C925-F65D-6DC0-6D9ED599415D}"/>
+              </a:ext>
+            </a:extLst>
+          </p:cNvPr>
+          <p:cNvSpPr>
+            <a:spLocks noGrp="1"/>
+          </p:cNvSpPr>
+          <p:nvPr>
+            <p:ph type="sldNum" sz="quarter" idx="12"/>
+          </p:nvPr>
+        </p:nvSpPr>
+        <p:spPr/>
+        <p:txBody>
+          <a:bodyPr/>
+          <a:lstStyle/>
+          <a:p>
+            <a:fld id="{EF79ADEA-B933-47CC-A4E9-04E6298B917C}" type="slidenum">
+              <a:rPr lang="en-US" smtClean="0"/>
+              <a:pPr/>
+              <a:t>10</a:t>
+            </a:fld>
+            <a:endParaRPr lang="en-US"/>
           </a:p>
         </p:txBody>
       </p:sp>
@@ -4970,16 +4563,28 @@
             <p:ph type="title"/>
           </p:nvPr>
         </p:nvSpPr>
-        <p:spPr/>
+        <p:spPr>
+          <a:xfrm>
+            <a:off x="263352" y="136525"/>
+            <a:ext cx="11593288" cy="1060227"/>
+          </a:xfrm>
+        </p:spPr>
         <p:txBody>
           <a:bodyPr>
-            <a:normAutofit fontScale="90000"/>
+            <a:noAutofit/>
           </a:bodyPr>
           <a:lstStyle/>
           <a:p>
             <a:r>
-              <a:rPr lang="en-CH" dirty="0"/>
-              <a:t>GitHub config file: Simple example to run tests every time a PR is opened or a commit is pushed</a:t>
+              <a:rPr lang="en-CH" sz="3600" dirty="0"/>
+              <a:t>GitHub config file: Example</a:t>
+            </a:r>
+            <a:br>
+              <a:rPr lang="en-CH" sz="3600" dirty="0"/>
+            </a:br>
+            <a:r>
+              <a:rPr lang="en-CH" sz="3600" dirty="0"/>
+              <a:t>Run tests every time a PR is opened or a commit is pushed</a:t>
             </a:r>
           </a:p>
         </p:txBody>
@@ -5006,10 +4611,10 @@
           <a:lstStyle/>
           <a:p>
             <a:r>
-              <a:rPr lang="de-CH" sz="1000"/>
-              <a:t>June 2023, CC BY-SA 4.0</a:t>
-            </a:r>
-            <a:endParaRPr lang="en-US" sz="1000" dirty="0"/>
+              <a:rPr lang="de-CH"/>
+              <a:t>August 2023, CC BY-SA 4.0</a:t>
+            </a:r>
+            <a:endParaRPr lang="en-US" dirty="0"/>
           </a:p>
         </p:txBody>
       </p:sp>
@@ -5036,7 +4641,7 @@
           <a:p>
             <a:r>
               <a:rPr lang="en-US"/>
-              <a:t>Continuous integration, v3.0</a:t>
+              <a:t>Continuous integration, v4.0</a:t>
             </a:r>
             <a:endParaRPr lang="en-US" dirty="0"/>
           </a:p>
@@ -5044,10 +4649,10 @@
       </p:sp>
       <p:sp>
         <p:nvSpPr>
-          <p:cNvPr id="9" name="TextBox 8">
-            <a:extLst>
-              <a:ext uri="{FF2B5EF4-FFF2-40B4-BE49-F238E27FC236}">
-                <a16:creationId xmlns:a16="http://schemas.microsoft.com/office/drawing/2014/main" id="{1C39B175-DFD8-C646-8C37-ABD922326EAB}"/>
+          <p:cNvPr id="11" name="TextBox 10">
+            <a:extLst>
+              <a:ext uri="{FF2B5EF4-FFF2-40B4-BE49-F238E27FC236}">
+                <a16:creationId xmlns:a16="http://schemas.microsoft.com/office/drawing/2014/main" id="{DEE13081-9E83-A44C-B226-BAAABE3F5163}"/>
               </a:ext>
             </a:extLst>
           </p:cNvPr>
@@ -5056,316 +4661,8 @@
         </p:nvSpPr>
         <p:spPr>
           <a:xfrm>
-            <a:off x="853857" y="1719247"/>
-            <a:ext cx="4695516" cy="4401205"/>
-          </a:xfrm>
-          <a:prstGeom prst="rect">
-            <a:avLst/>
-          </a:prstGeom>
-          <a:solidFill>
-            <a:schemeClr val="bg1"/>
-          </a:solidFill>
-        </p:spPr>
-        <p:txBody>
-          <a:bodyPr wrap="none" rtlCol="0">
-            <a:spAutoFit/>
-          </a:bodyPr>
-          <a:lstStyle/>
-          <a:p>
-            <a:r>
-              <a:rPr lang="en-US" sz="1400" dirty="0">
-                <a:latin typeface="Courier New" panose="02070309020205020404" pitchFamily="49" charset="0"/>
-                <a:cs typeface="Courier New" panose="02070309020205020404" pitchFamily="49" charset="0"/>
-              </a:rPr>
-              <a:t>name: Run all the tests for PRs</a:t>
-            </a:r>
-          </a:p>
-          <a:p>
-            <a:r>
-              <a:rPr lang="en-US" sz="1400" dirty="0">
-                <a:latin typeface="Courier New" panose="02070309020205020404" pitchFamily="49" charset="0"/>
-                <a:cs typeface="Courier New" panose="02070309020205020404" pitchFamily="49" charset="0"/>
-              </a:rPr>
-              <a:t>on:</a:t>
-            </a:r>
-          </a:p>
-          <a:p>
-            <a:r>
-              <a:rPr lang="en-US" sz="1400" dirty="0">
-                <a:latin typeface="Courier New" panose="02070309020205020404" pitchFamily="49" charset="0"/>
-                <a:cs typeface="Courier New" panose="02070309020205020404" pitchFamily="49" charset="0"/>
-              </a:rPr>
-              <a:t>  [push, </a:t>
-            </a:r>
-            <a:r>
-              <a:rPr lang="en-US" sz="1400" dirty="0" err="1">
-                <a:latin typeface="Courier New" panose="02070309020205020404" pitchFamily="49" charset="0"/>
-                <a:cs typeface="Courier New" panose="02070309020205020404" pitchFamily="49" charset="0"/>
-              </a:rPr>
-              <a:t>pull_request</a:t>
-            </a:r>
-            <a:r>
-              <a:rPr lang="en-US" sz="1400" dirty="0">
-                <a:latin typeface="Courier New" panose="02070309020205020404" pitchFamily="49" charset="0"/>
-                <a:cs typeface="Courier New" panose="02070309020205020404" pitchFamily="49" charset="0"/>
-              </a:rPr>
-              <a:t>]</a:t>
-            </a:r>
-          </a:p>
-          <a:p>
-            <a:endParaRPr lang="en-US" sz="1400" dirty="0">
-              <a:latin typeface="Courier New" panose="02070309020205020404" pitchFamily="49" charset="0"/>
-              <a:cs typeface="Courier New" panose="02070309020205020404" pitchFamily="49" charset="0"/>
-            </a:endParaRPr>
-          </a:p>
-          <a:p>
-            <a:r>
-              <a:rPr lang="en-US" sz="1400" dirty="0">
-                <a:latin typeface="Courier New" panose="02070309020205020404" pitchFamily="49" charset="0"/>
-                <a:cs typeface="Courier New" panose="02070309020205020404" pitchFamily="49" charset="0"/>
-              </a:rPr>
-              <a:t>jobs:</a:t>
-            </a:r>
-          </a:p>
-          <a:p>
-            <a:r>
-              <a:rPr lang="en-US" sz="1400" dirty="0">
-                <a:latin typeface="Courier New" panose="02070309020205020404" pitchFamily="49" charset="0"/>
-                <a:cs typeface="Courier New" panose="02070309020205020404" pitchFamily="49" charset="0"/>
-              </a:rPr>
-              <a:t>  run-tests:</a:t>
-            </a:r>
-          </a:p>
-          <a:p>
-            <a:r>
-              <a:rPr lang="en-US" sz="1400" dirty="0">
-                <a:latin typeface="Courier New" panose="02070309020205020404" pitchFamily="49" charset="0"/>
-                <a:cs typeface="Courier New" panose="02070309020205020404" pitchFamily="49" charset="0"/>
-              </a:rPr>
-              <a:t>    runs-on: ubuntu-latest</a:t>
-            </a:r>
-          </a:p>
-          <a:p>
-            <a:endParaRPr lang="en-US" sz="1400" dirty="0">
-              <a:latin typeface="Courier New" panose="02070309020205020404" pitchFamily="49" charset="0"/>
-              <a:cs typeface="Courier New" panose="02070309020205020404" pitchFamily="49" charset="0"/>
-            </a:endParaRPr>
-          </a:p>
-          <a:p>
-            <a:r>
-              <a:rPr lang="en-US" sz="1400" dirty="0">
-                <a:latin typeface="Courier New" panose="02070309020205020404" pitchFamily="49" charset="0"/>
-                <a:cs typeface="Courier New" panose="02070309020205020404" pitchFamily="49" charset="0"/>
-              </a:rPr>
-              <a:t>    steps:</a:t>
-            </a:r>
-          </a:p>
-          <a:p>
-            <a:r>
-              <a:rPr lang="en-US" sz="1400" dirty="0">
-                <a:latin typeface="Courier New" panose="02070309020205020404" pitchFamily="49" charset="0"/>
-                <a:cs typeface="Courier New" panose="02070309020205020404" pitchFamily="49" charset="0"/>
-              </a:rPr>
-              <a:t>    - uses: actions/checkout@v2</a:t>
-            </a:r>
-          </a:p>
-          <a:p>
-            <a:r>
-              <a:rPr lang="en-US" sz="1400" dirty="0">
-                <a:latin typeface="Courier New" panose="02070309020205020404" pitchFamily="49" charset="0"/>
-                <a:cs typeface="Courier New" panose="02070309020205020404" pitchFamily="49" charset="0"/>
-              </a:rPr>
-              <a:t>    - name: Set up Python</a:t>
-            </a:r>
-          </a:p>
-          <a:p>
-            <a:r>
-              <a:rPr lang="en-US" sz="1400" dirty="0">
-                <a:latin typeface="Courier New" panose="02070309020205020404" pitchFamily="49" charset="0"/>
-                <a:cs typeface="Courier New" panose="02070309020205020404" pitchFamily="49" charset="0"/>
-              </a:rPr>
-              <a:t>      uses: actions/setup-python@v2</a:t>
-            </a:r>
-          </a:p>
-          <a:p>
-            <a:r>
-              <a:rPr lang="en-US" sz="1400" dirty="0">
-                <a:latin typeface="Courier New" panose="02070309020205020404" pitchFamily="49" charset="0"/>
-                <a:cs typeface="Courier New" panose="02070309020205020404" pitchFamily="49" charset="0"/>
-              </a:rPr>
-              <a:t>      with:</a:t>
-            </a:r>
-          </a:p>
-          <a:p>
-            <a:r>
-              <a:rPr lang="en-US" sz="1400" dirty="0">
-                <a:latin typeface="Courier New" panose="02070309020205020404" pitchFamily="49" charset="0"/>
-                <a:cs typeface="Courier New" panose="02070309020205020404" pitchFamily="49" charset="0"/>
-              </a:rPr>
-              <a:t>        python-version: 3.9</a:t>
-            </a:r>
-          </a:p>
-          <a:p>
-            <a:r>
-              <a:rPr lang="en-US" sz="1400" dirty="0">
-                <a:latin typeface="Courier New" panose="02070309020205020404" pitchFamily="49" charset="0"/>
-                <a:cs typeface="Courier New" panose="02070309020205020404" pitchFamily="49" charset="0"/>
-              </a:rPr>
-              <a:t>    - name: Install dependencies</a:t>
-            </a:r>
-          </a:p>
-          <a:p>
-            <a:r>
-              <a:rPr lang="en-US" sz="1400" dirty="0">
-                <a:latin typeface="Courier New" panose="02070309020205020404" pitchFamily="49" charset="0"/>
-                <a:cs typeface="Courier New" panose="02070309020205020404" pitchFamily="49" charset="0"/>
-              </a:rPr>
-              <a:t>      run:</a:t>
-            </a:r>
-          </a:p>
-          <a:p>
-            <a:r>
-              <a:rPr lang="en-US" sz="1400" dirty="0">
-                <a:latin typeface="Courier New" panose="02070309020205020404" pitchFamily="49" charset="0"/>
-                <a:cs typeface="Courier New" panose="02070309020205020404" pitchFamily="49" charset="0"/>
-              </a:rPr>
-              <a:t>        python -m pip install </a:t>
-            </a:r>
-            <a:r>
-              <a:rPr lang="en-US" sz="1400" dirty="0" err="1">
-                <a:latin typeface="Courier New" panose="02070309020205020404" pitchFamily="49" charset="0"/>
-                <a:cs typeface="Courier New" panose="02070309020205020404" pitchFamily="49" charset="0"/>
-              </a:rPr>
-              <a:t>pytest</a:t>
-            </a:r>
-            <a:r>
-              <a:rPr lang="en-US" sz="1400" dirty="0">
-                <a:latin typeface="Courier New" panose="02070309020205020404" pitchFamily="49" charset="0"/>
-                <a:cs typeface="Courier New" panose="02070309020205020404" pitchFamily="49" charset="0"/>
-              </a:rPr>
-              <a:t> </a:t>
-            </a:r>
-            <a:r>
-              <a:rPr lang="en-US" sz="1400" dirty="0" err="1">
-                <a:latin typeface="Courier New" panose="02070309020205020404" pitchFamily="49" charset="0"/>
-                <a:cs typeface="Courier New" panose="02070309020205020404" pitchFamily="49" charset="0"/>
-              </a:rPr>
-              <a:t>numpy</a:t>
-            </a:r>
-            <a:endParaRPr lang="en-US" sz="1400" dirty="0">
-              <a:latin typeface="Courier New" panose="02070309020205020404" pitchFamily="49" charset="0"/>
-              <a:cs typeface="Courier New" panose="02070309020205020404" pitchFamily="49" charset="0"/>
-            </a:endParaRPr>
-          </a:p>
-          <a:p>
-            <a:r>
-              <a:rPr lang="en-US" sz="1400" dirty="0">
-                <a:latin typeface="Courier New" panose="02070309020205020404" pitchFamily="49" charset="0"/>
-                <a:cs typeface="Courier New" panose="02070309020205020404" pitchFamily="49" charset="0"/>
-              </a:rPr>
-              <a:t>    - name: Test with </a:t>
-            </a:r>
-            <a:r>
-              <a:rPr lang="en-US" sz="1400" dirty="0" err="1">
-                <a:latin typeface="Courier New" panose="02070309020205020404" pitchFamily="49" charset="0"/>
-                <a:cs typeface="Courier New" panose="02070309020205020404" pitchFamily="49" charset="0"/>
-              </a:rPr>
-              <a:t>pytest</a:t>
-            </a:r>
-            <a:endParaRPr lang="en-US" sz="1400" dirty="0">
-              <a:latin typeface="Courier New" panose="02070309020205020404" pitchFamily="49" charset="0"/>
-              <a:cs typeface="Courier New" panose="02070309020205020404" pitchFamily="49" charset="0"/>
-            </a:endParaRPr>
-          </a:p>
-          <a:p>
-            <a:r>
-              <a:rPr lang="en-US" sz="1400" dirty="0">
-                <a:latin typeface="Courier New" panose="02070309020205020404" pitchFamily="49" charset="0"/>
-                <a:cs typeface="Courier New" panose="02070309020205020404" pitchFamily="49" charset="0"/>
-              </a:rPr>
-              <a:t>      run:</a:t>
-            </a:r>
-          </a:p>
-          <a:p>
-            <a:r>
-              <a:rPr lang="en-US" sz="1400" dirty="0">
-                <a:latin typeface="Courier New" panose="02070309020205020404" pitchFamily="49" charset="0"/>
-                <a:cs typeface="Courier New" panose="02070309020205020404" pitchFamily="49" charset="0"/>
-              </a:rPr>
-              <a:t>        </a:t>
-            </a:r>
-            <a:r>
-              <a:rPr lang="en-US" sz="1400" dirty="0" err="1">
-                <a:latin typeface="Courier New" panose="02070309020205020404" pitchFamily="49" charset="0"/>
-                <a:cs typeface="Courier New" panose="02070309020205020404" pitchFamily="49" charset="0"/>
-              </a:rPr>
-              <a:t>pytest</a:t>
-            </a:r>
-            <a:r>
-              <a:rPr lang="en-US" sz="1400" dirty="0">
-                <a:latin typeface="Courier New" panose="02070309020205020404" pitchFamily="49" charset="0"/>
-                <a:cs typeface="Courier New" panose="02070309020205020404" pitchFamily="49" charset="0"/>
-              </a:rPr>
-              <a:t> -</a:t>
-            </a:r>
-            <a:r>
-              <a:rPr lang="en-US" sz="1400" dirty="0" err="1">
-                <a:latin typeface="Courier New" panose="02070309020205020404" pitchFamily="49" charset="0"/>
-                <a:cs typeface="Courier New" panose="02070309020205020404" pitchFamily="49" charset="0"/>
-              </a:rPr>
-              <a:t>sv</a:t>
-            </a:r>
-            <a:r>
-              <a:rPr lang="en-US" sz="1400" dirty="0">
-                <a:latin typeface="Courier New" panose="02070309020205020404" pitchFamily="49" charset="0"/>
-                <a:cs typeface="Courier New" panose="02070309020205020404" pitchFamily="49" charset="0"/>
-              </a:rPr>
-              <a:t> </a:t>
-            </a:r>
-            <a:r>
-              <a:rPr lang="en-US" sz="1400" dirty="0" err="1">
-                <a:latin typeface="Courier New" panose="02070309020205020404" pitchFamily="49" charset="0"/>
-                <a:cs typeface="Courier New" panose="02070309020205020404" pitchFamily="49" charset="0"/>
-              </a:rPr>
-              <a:t>hands_on</a:t>
-            </a:r>
-            <a:r>
-              <a:rPr lang="en-US" sz="1400" dirty="0">
-                <a:latin typeface="Courier New" panose="02070309020205020404" pitchFamily="49" charset="0"/>
-                <a:cs typeface="Courier New" panose="02070309020205020404" pitchFamily="49" charset="0"/>
-              </a:rPr>
-              <a:t>/</a:t>
-            </a:r>
-            <a:r>
-              <a:rPr lang="en-US" sz="1400" dirty="0" err="1">
-                <a:latin typeface="Courier New" panose="02070309020205020404" pitchFamily="49" charset="0"/>
-                <a:cs typeface="Courier New" panose="02070309020205020404" pitchFamily="49" charset="0"/>
-              </a:rPr>
-              <a:t>pyanno_voting</a:t>
-            </a:r>
-            <a:endParaRPr lang="en-CH" sz="1400" dirty="0">
-              <a:latin typeface="Courier New" panose="02070309020205020404" pitchFamily="49" charset="0"/>
-              <a:cs typeface="Courier New" panose="02070309020205020404" pitchFamily="49" charset="0"/>
-            </a:endParaRPr>
-          </a:p>
-        </p:txBody>
-      </p:sp>
-      <p:sp>
-        <p:nvSpPr>
-          <p:cNvPr id="11" name="TextBox 10">
-            <a:extLst>
-              <a:ext uri="{FF2B5EF4-FFF2-40B4-BE49-F238E27FC236}">
-                <a16:creationId xmlns:a16="http://schemas.microsoft.com/office/drawing/2014/main" id="{DEE13081-9E83-A44C-B226-BAAABE3F5163}"/>
-              </a:ext>
-            </a:extLst>
-          </p:cNvPr>
-          <p:cNvSpPr txBox="1"/>
-          <p:nvPr/>
-        </p:nvSpPr>
-        <p:spPr>
-          <a:xfrm>
-            <a:off x="457200" y="1124744"/>
-            <a:ext cx="8075240" cy="615553"/>
+            <a:off x="325552" y="1196752"/>
+            <a:ext cx="9946912" cy="400110"/>
           </a:xfrm>
           <a:prstGeom prst="rect">
             <a:avLst/>
@@ -5379,390 +4676,746 @@
           <a:lstStyle/>
           <a:p>
             <a:r>
-              <a:rPr lang="en-CH" sz="1800" dirty="0"/>
+              <a:rPr lang="en-CH" sz="2000" dirty="0"/>
               <a:t>The configuration file is saved somewhere in </a:t>
             </a:r>
-            <a:br>
-              <a:rPr lang="en-CH" sz="1800" dirty="0"/>
-            </a:br>
-            <a:r>
-              <a:rPr lang="en-CH" sz="1600" dirty="0">
+            <a:r>
+              <a:rPr lang="en-CH" dirty="0">
                 <a:latin typeface="Courier New" panose="02070309020205020404" pitchFamily="49" charset="0"/>
                 <a:cs typeface="Courier New" panose="02070309020205020404" pitchFamily="49" charset="0"/>
               </a:rPr>
               <a:t>.github/worflows/config-name.yml</a:t>
             </a:r>
-            <a:endParaRPr lang="en-CH" sz="1800" dirty="0">
+            <a:endParaRPr lang="en-CH" sz="2000" dirty="0">
               <a:latin typeface="Courier New" panose="02070309020205020404" pitchFamily="49" charset="0"/>
               <a:cs typeface="Courier New" panose="02070309020205020404" pitchFamily="49" charset="0"/>
             </a:endParaRPr>
           </a:p>
         </p:txBody>
       </p:sp>
-      <p:sp>
-        <p:nvSpPr>
-          <p:cNvPr id="12" name="Rectangle 11">
-            <a:extLst>
-              <a:ext uri="{FF2B5EF4-FFF2-40B4-BE49-F238E27FC236}">
-                <a16:creationId xmlns:a16="http://schemas.microsoft.com/office/drawing/2014/main" id="{4F801947-E24A-D048-B9D9-DAE8729A7778}"/>
-              </a:ext>
-            </a:extLst>
-          </p:cNvPr>
-          <p:cNvSpPr/>
+      <p:grpSp>
+        <p:nvGrpSpPr>
+          <p:cNvPr id="6" name="Group 5">
+            <a:extLst>
+              <a:ext uri="{FF2B5EF4-FFF2-40B4-BE49-F238E27FC236}">
+                <a16:creationId xmlns:a16="http://schemas.microsoft.com/office/drawing/2014/main" id="{E16F0D02-1798-AD2A-8794-0F0478179692}"/>
+              </a:ext>
+            </a:extLst>
+          </p:cNvPr>
+          <p:cNvGrpSpPr/>
           <p:nvPr/>
-        </p:nvSpPr>
-        <p:spPr>
+        </p:nvGrpSpPr>
+        <p:grpSpPr>
           <a:xfrm>
-            <a:off x="853855" y="2008303"/>
-            <a:ext cx="7832943" cy="529206"/>
+            <a:off x="2377856" y="1719247"/>
+            <a:ext cx="7832944" cy="4662081"/>
+            <a:chOff x="2377856" y="1852611"/>
+            <a:chExt cx="7832944" cy="4662081"/>
           </a:xfrm>
-          <a:prstGeom prst="rect">
-            <a:avLst/>
-          </a:prstGeom>
-          <a:solidFill>
-            <a:srgbClr val="FFFF00">
-              <a:alpha val="30196"/>
-            </a:srgbClr>
-          </a:solidFill>
-          <a:ln>
+        </p:grpSpPr>
+        <p:sp>
+          <p:nvSpPr>
+            <p:cNvPr id="9" name="TextBox 8">
+              <a:extLst>
+                <a:ext uri="{FF2B5EF4-FFF2-40B4-BE49-F238E27FC236}">
+                  <a16:creationId xmlns:a16="http://schemas.microsoft.com/office/drawing/2014/main" id="{1C39B175-DFD8-C646-8C37-ABD922326EAB}"/>
+                </a:ext>
+              </a:extLst>
+            </p:cNvPr>
+            <p:cNvSpPr txBox="1"/>
+            <p:nvPr/>
+          </p:nvSpPr>
+          <p:spPr>
+            <a:xfrm>
+              <a:off x="2377857" y="1852611"/>
+              <a:ext cx="4695516" cy="4401205"/>
+            </a:xfrm>
+            <a:prstGeom prst="rect">
+              <a:avLst/>
+            </a:prstGeom>
+            <a:solidFill>
+              <a:schemeClr val="bg1"/>
+            </a:solidFill>
+          </p:spPr>
+          <p:txBody>
+            <a:bodyPr wrap="none" rtlCol="0">
+              <a:spAutoFit/>
+            </a:bodyPr>
+            <a:lstStyle/>
+            <a:p>
+              <a:r>
+                <a:rPr lang="en-US" sz="1400" dirty="0">
+                  <a:latin typeface="Courier New" panose="02070309020205020404" pitchFamily="49" charset="0"/>
+                  <a:cs typeface="Courier New" panose="02070309020205020404" pitchFamily="49" charset="0"/>
+                </a:rPr>
+                <a:t>name: Run all the tests for PRs</a:t>
+              </a:r>
+            </a:p>
+            <a:p>
+              <a:r>
+                <a:rPr lang="en-US" sz="1400" dirty="0">
+                  <a:latin typeface="Courier New" panose="02070309020205020404" pitchFamily="49" charset="0"/>
+                  <a:cs typeface="Courier New" panose="02070309020205020404" pitchFamily="49" charset="0"/>
+                </a:rPr>
+                <a:t>on:</a:t>
+              </a:r>
+            </a:p>
+            <a:p>
+              <a:r>
+                <a:rPr lang="en-US" sz="1400" dirty="0">
+                  <a:latin typeface="Courier New" panose="02070309020205020404" pitchFamily="49" charset="0"/>
+                  <a:cs typeface="Courier New" panose="02070309020205020404" pitchFamily="49" charset="0"/>
+                </a:rPr>
+                <a:t>  [push, </a:t>
+              </a:r>
+              <a:r>
+                <a:rPr lang="en-US" sz="1400" dirty="0" err="1">
+                  <a:latin typeface="Courier New" panose="02070309020205020404" pitchFamily="49" charset="0"/>
+                  <a:cs typeface="Courier New" panose="02070309020205020404" pitchFamily="49" charset="0"/>
+                </a:rPr>
+                <a:t>pull_request</a:t>
+              </a:r>
+              <a:r>
+                <a:rPr lang="en-US" sz="1400" dirty="0">
+                  <a:latin typeface="Courier New" panose="02070309020205020404" pitchFamily="49" charset="0"/>
+                  <a:cs typeface="Courier New" panose="02070309020205020404" pitchFamily="49" charset="0"/>
+                </a:rPr>
+                <a:t>]</a:t>
+              </a:r>
+            </a:p>
+            <a:p>
+              <a:endParaRPr lang="en-US" sz="1400" dirty="0">
+                <a:latin typeface="Courier New" panose="02070309020205020404" pitchFamily="49" charset="0"/>
+                <a:cs typeface="Courier New" panose="02070309020205020404" pitchFamily="49" charset="0"/>
+              </a:endParaRPr>
+            </a:p>
+            <a:p>
+              <a:r>
+                <a:rPr lang="en-US" sz="1400" dirty="0">
+                  <a:latin typeface="Courier New" panose="02070309020205020404" pitchFamily="49" charset="0"/>
+                  <a:cs typeface="Courier New" panose="02070309020205020404" pitchFamily="49" charset="0"/>
+                </a:rPr>
+                <a:t>jobs:</a:t>
+              </a:r>
+            </a:p>
+            <a:p>
+              <a:r>
+                <a:rPr lang="en-US" sz="1400" dirty="0">
+                  <a:latin typeface="Courier New" panose="02070309020205020404" pitchFamily="49" charset="0"/>
+                  <a:cs typeface="Courier New" panose="02070309020205020404" pitchFamily="49" charset="0"/>
+                </a:rPr>
+                <a:t>  run-tests:</a:t>
+              </a:r>
+            </a:p>
+            <a:p>
+              <a:r>
+                <a:rPr lang="en-US" sz="1400" dirty="0">
+                  <a:latin typeface="Courier New" panose="02070309020205020404" pitchFamily="49" charset="0"/>
+                  <a:cs typeface="Courier New" panose="02070309020205020404" pitchFamily="49" charset="0"/>
+                </a:rPr>
+                <a:t>    runs-on: ubuntu-latest</a:t>
+              </a:r>
+            </a:p>
+            <a:p>
+              <a:endParaRPr lang="en-US" sz="1400" dirty="0">
+                <a:latin typeface="Courier New" panose="02070309020205020404" pitchFamily="49" charset="0"/>
+                <a:cs typeface="Courier New" panose="02070309020205020404" pitchFamily="49" charset="0"/>
+              </a:endParaRPr>
+            </a:p>
+            <a:p>
+              <a:r>
+                <a:rPr lang="en-US" sz="1400" dirty="0">
+                  <a:latin typeface="Courier New" panose="02070309020205020404" pitchFamily="49" charset="0"/>
+                  <a:cs typeface="Courier New" panose="02070309020205020404" pitchFamily="49" charset="0"/>
+                </a:rPr>
+                <a:t>    steps:</a:t>
+              </a:r>
+            </a:p>
+            <a:p>
+              <a:r>
+                <a:rPr lang="en-US" sz="1400" dirty="0">
+                  <a:latin typeface="Courier New" panose="02070309020205020404" pitchFamily="49" charset="0"/>
+                  <a:cs typeface="Courier New" panose="02070309020205020404" pitchFamily="49" charset="0"/>
+                </a:rPr>
+                <a:t>    - uses: actions/checkout@v2</a:t>
+              </a:r>
+            </a:p>
+            <a:p>
+              <a:r>
+                <a:rPr lang="en-US" sz="1400" dirty="0">
+                  <a:latin typeface="Courier New" panose="02070309020205020404" pitchFamily="49" charset="0"/>
+                  <a:cs typeface="Courier New" panose="02070309020205020404" pitchFamily="49" charset="0"/>
+                </a:rPr>
+                <a:t>    - name: Set up Python</a:t>
+              </a:r>
+            </a:p>
+            <a:p>
+              <a:r>
+                <a:rPr lang="en-US" sz="1400" dirty="0">
+                  <a:latin typeface="Courier New" panose="02070309020205020404" pitchFamily="49" charset="0"/>
+                  <a:cs typeface="Courier New" panose="02070309020205020404" pitchFamily="49" charset="0"/>
+                </a:rPr>
+                <a:t>      uses: actions/setup-python@v2</a:t>
+              </a:r>
+            </a:p>
+            <a:p>
+              <a:r>
+                <a:rPr lang="en-US" sz="1400" dirty="0">
+                  <a:latin typeface="Courier New" panose="02070309020205020404" pitchFamily="49" charset="0"/>
+                  <a:cs typeface="Courier New" panose="02070309020205020404" pitchFamily="49" charset="0"/>
+                </a:rPr>
+                <a:t>      with:</a:t>
+              </a:r>
+            </a:p>
+            <a:p>
+              <a:r>
+                <a:rPr lang="en-US" sz="1400" dirty="0">
+                  <a:latin typeface="Courier New" panose="02070309020205020404" pitchFamily="49" charset="0"/>
+                  <a:cs typeface="Courier New" panose="02070309020205020404" pitchFamily="49" charset="0"/>
+                </a:rPr>
+                <a:t>        python-version: 3.9</a:t>
+              </a:r>
+            </a:p>
+            <a:p>
+              <a:r>
+                <a:rPr lang="en-US" sz="1400" dirty="0">
+                  <a:latin typeface="Courier New" panose="02070309020205020404" pitchFamily="49" charset="0"/>
+                  <a:cs typeface="Courier New" panose="02070309020205020404" pitchFamily="49" charset="0"/>
+                </a:rPr>
+                <a:t>    - name: Install dependencies</a:t>
+              </a:r>
+            </a:p>
+            <a:p>
+              <a:r>
+                <a:rPr lang="en-US" sz="1400" dirty="0">
+                  <a:latin typeface="Courier New" panose="02070309020205020404" pitchFamily="49" charset="0"/>
+                  <a:cs typeface="Courier New" panose="02070309020205020404" pitchFamily="49" charset="0"/>
+                </a:rPr>
+                <a:t>      run:</a:t>
+              </a:r>
+            </a:p>
+            <a:p>
+              <a:r>
+                <a:rPr lang="en-US" sz="1400" dirty="0">
+                  <a:latin typeface="Courier New" panose="02070309020205020404" pitchFamily="49" charset="0"/>
+                  <a:cs typeface="Courier New" panose="02070309020205020404" pitchFamily="49" charset="0"/>
+                </a:rPr>
+                <a:t>        python -m pip install </a:t>
+              </a:r>
+              <a:r>
+                <a:rPr lang="en-US" sz="1400" dirty="0" err="1">
+                  <a:latin typeface="Courier New" panose="02070309020205020404" pitchFamily="49" charset="0"/>
+                  <a:cs typeface="Courier New" panose="02070309020205020404" pitchFamily="49" charset="0"/>
+                </a:rPr>
+                <a:t>pytest</a:t>
+              </a:r>
+              <a:r>
+                <a:rPr lang="en-US" sz="1400" dirty="0">
+                  <a:latin typeface="Courier New" panose="02070309020205020404" pitchFamily="49" charset="0"/>
+                  <a:cs typeface="Courier New" panose="02070309020205020404" pitchFamily="49" charset="0"/>
+                </a:rPr>
+                <a:t> </a:t>
+              </a:r>
+              <a:r>
+                <a:rPr lang="en-US" sz="1400" dirty="0" err="1">
+                  <a:latin typeface="Courier New" panose="02070309020205020404" pitchFamily="49" charset="0"/>
+                  <a:cs typeface="Courier New" panose="02070309020205020404" pitchFamily="49" charset="0"/>
+                </a:rPr>
+                <a:t>numpy</a:t>
+              </a:r>
+              <a:endParaRPr lang="en-US" sz="1400" dirty="0">
+                <a:latin typeface="Courier New" panose="02070309020205020404" pitchFamily="49" charset="0"/>
+                <a:cs typeface="Courier New" panose="02070309020205020404" pitchFamily="49" charset="0"/>
+              </a:endParaRPr>
+            </a:p>
+            <a:p>
+              <a:r>
+                <a:rPr lang="en-US" sz="1400" dirty="0">
+                  <a:latin typeface="Courier New" panose="02070309020205020404" pitchFamily="49" charset="0"/>
+                  <a:cs typeface="Courier New" panose="02070309020205020404" pitchFamily="49" charset="0"/>
+                </a:rPr>
+                <a:t>    - name: Test with </a:t>
+              </a:r>
+              <a:r>
+                <a:rPr lang="en-US" sz="1400" dirty="0" err="1">
+                  <a:latin typeface="Courier New" panose="02070309020205020404" pitchFamily="49" charset="0"/>
+                  <a:cs typeface="Courier New" panose="02070309020205020404" pitchFamily="49" charset="0"/>
+                </a:rPr>
+                <a:t>pytest</a:t>
+              </a:r>
+              <a:endParaRPr lang="en-US" sz="1400" dirty="0">
+                <a:latin typeface="Courier New" panose="02070309020205020404" pitchFamily="49" charset="0"/>
+                <a:cs typeface="Courier New" panose="02070309020205020404" pitchFamily="49" charset="0"/>
+              </a:endParaRPr>
+            </a:p>
+            <a:p>
+              <a:r>
+                <a:rPr lang="en-US" sz="1400" dirty="0">
+                  <a:latin typeface="Courier New" panose="02070309020205020404" pitchFamily="49" charset="0"/>
+                  <a:cs typeface="Courier New" panose="02070309020205020404" pitchFamily="49" charset="0"/>
+                </a:rPr>
+                <a:t>      run:</a:t>
+              </a:r>
+            </a:p>
+            <a:p>
+              <a:r>
+                <a:rPr lang="en-US" sz="1400" dirty="0">
+                  <a:latin typeface="Courier New" panose="02070309020205020404" pitchFamily="49" charset="0"/>
+                  <a:cs typeface="Courier New" panose="02070309020205020404" pitchFamily="49" charset="0"/>
+                </a:rPr>
+                <a:t>        </a:t>
+              </a:r>
+              <a:r>
+                <a:rPr lang="en-US" sz="1400" dirty="0" err="1">
+                  <a:latin typeface="Courier New" panose="02070309020205020404" pitchFamily="49" charset="0"/>
+                  <a:cs typeface="Courier New" panose="02070309020205020404" pitchFamily="49" charset="0"/>
+                </a:rPr>
+                <a:t>pytest</a:t>
+              </a:r>
+              <a:r>
+                <a:rPr lang="en-US" sz="1400" dirty="0">
+                  <a:latin typeface="Courier New" panose="02070309020205020404" pitchFamily="49" charset="0"/>
+                  <a:cs typeface="Courier New" panose="02070309020205020404" pitchFamily="49" charset="0"/>
+                </a:rPr>
+                <a:t> -</a:t>
+              </a:r>
+              <a:r>
+                <a:rPr lang="en-US" sz="1400" dirty="0" err="1">
+                  <a:latin typeface="Courier New" panose="02070309020205020404" pitchFamily="49" charset="0"/>
+                  <a:cs typeface="Courier New" panose="02070309020205020404" pitchFamily="49" charset="0"/>
+                </a:rPr>
+                <a:t>sv</a:t>
+              </a:r>
+              <a:r>
+                <a:rPr lang="en-US" sz="1400" dirty="0">
+                  <a:latin typeface="Courier New" panose="02070309020205020404" pitchFamily="49" charset="0"/>
+                  <a:cs typeface="Courier New" panose="02070309020205020404" pitchFamily="49" charset="0"/>
+                </a:rPr>
+                <a:t> </a:t>
+              </a:r>
+              <a:r>
+                <a:rPr lang="en-US" sz="1400" dirty="0" err="1">
+                  <a:latin typeface="Courier New" panose="02070309020205020404" pitchFamily="49" charset="0"/>
+                  <a:cs typeface="Courier New" panose="02070309020205020404" pitchFamily="49" charset="0"/>
+                </a:rPr>
+                <a:t>hands_on</a:t>
+              </a:r>
+              <a:r>
+                <a:rPr lang="en-US" sz="1400" dirty="0">
+                  <a:latin typeface="Courier New" panose="02070309020205020404" pitchFamily="49" charset="0"/>
+                  <a:cs typeface="Courier New" panose="02070309020205020404" pitchFamily="49" charset="0"/>
+                </a:rPr>
+                <a:t>/</a:t>
+              </a:r>
+              <a:r>
+                <a:rPr lang="en-US" sz="1400" dirty="0" err="1">
+                  <a:latin typeface="Courier New" panose="02070309020205020404" pitchFamily="49" charset="0"/>
+                  <a:cs typeface="Courier New" panose="02070309020205020404" pitchFamily="49" charset="0"/>
+                </a:rPr>
+                <a:t>pyanno_voting</a:t>
+              </a:r>
+              <a:endParaRPr lang="en-CH" sz="1400" dirty="0">
+                <a:latin typeface="Courier New" panose="02070309020205020404" pitchFamily="49" charset="0"/>
+                <a:cs typeface="Courier New" panose="02070309020205020404" pitchFamily="49" charset="0"/>
+              </a:endParaRPr>
+            </a:p>
+          </p:txBody>
+        </p:sp>
+        <p:sp>
+          <p:nvSpPr>
+            <p:cNvPr id="12" name="Rectangle 11">
+              <a:extLst>
+                <a:ext uri="{FF2B5EF4-FFF2-40B4-BE49-F238E27FC236}">
+                  <a16:creationId xmlns:a16="http://schemas.microsoft.com/office/drawing/2014/main" id="{4F801947-E24A-D048-B9D9-DAE8729A7778}"/>
+                </a:ext>
+              </a:extLst>
+            </p:cNvPr>
+            <p:cNvSpPr/>
+            <p:nvPr/>
+          </p:nvSpPr>
+          <p:spPr>
+            <a:xfrm>
+              <a:off x="2377856" y="2141666"/>
+              <a:ext cx="7832943" cy="529206"/>
+            </a:xfrm>
+            <a:prstGeom prst="rect">
+              <a:avLst/>
+            </a:prstGeom>
+            <a:solidFill>
+              <a:srgbClr val="FFFF00">
+                <a:alpha val="30196"/>
+              </a:srgbClr>
+            </a:solidFill>
+            <a:ln>
+              <a:noFill/>
+            </a:ln>
+          </p:spPr>
+          <p:style>
+            <a:lnRef idx="2">
+              <a:schemeClr val="accent1">
+                <a:shade val="50000"/>
+              </a:schemeClr>
+            </a:lnRef>
+            <a:fillRef idx="1">
+              <a:schemeClr val="accent1"/>
+            </a:fillRef>
+            <a:effectRef idx="0">
+              <a:schemeClr val="accent1"/>
+            </a:effectRef>
+            <a:fontRef idx="minor">
+              <a:schemeClr val="lt1"/>
+            </a:fontRef>
+          </p:style>
+          <p:txBody>
+            <a:bodyPr rtlCol="0" anchor="ctr"/>
+            <a:lstStyle/>
+            <a:p>
+              <a:pPr algn="ctr"/>
+              <a:endParaRPr lang="en-CH" dirty="0"/>
+            </a:p>
+          </p:txBody>
+        </p:sp>
+        <p:sp>
+          <p:nvSpPr>
+            <p:cNvPr id="13" name="TextBox 12">
+              <a:extLst>
+                <a:ext uri="{FF2B5EF4-FFF2-40B4-BE49-F238E27FC236}">
+                  <a16:creationId xmlns:a16="http://schemas.microsoft.com/office/drawing/2014/main" id="{75978976-BAFF-FA49-B539-F30FEBD8ADB6}"/>
+                </a:ext>
+              </a:extLst>
+            </p:cNvPr>
+            <p:cNvSpPr txBox="1"/>
+            <p:nvPr/>
+          </p:nvSpPr>
+          <p:spPr>
+            <a:xfrm>
+              <a:off x="7015513" y="2093046"/>
+              <a:ext cx="3168352" cy="584775"/>
+            </a:xfrm>
+            <a:prstGeom prst="rect">
+              <a:avLst/>
+            </a:prstGeom>
             <a:noFill/>
-          </a:ln>
-        </p:spPr>
-        <p:style>
-          <a:lnRef idx="2">
-            <a:schemeClr val="accent1">
-              <a:shade val="50000"/>
-            </a:schemeClr>
-          </a:lnRef>
-          <a:fillRef idx="1">
-            <a:schemeClr val="accent1"/>
-          </a:fillRef>
-          <a:effectRef idx="0">
-            <a:schemeClr val="accent1"/>
-          </a:effectRef>
-          <a:fontRef idx="minor">
-            <a:schemeClr val="lt1"/>
-          </a:fontRef>
-        </p:style>
-        <p:txBody>
-          <a:bodyPr rtlCol="0" anchor="ctr"/>
-          <a:lstStyle/>
-          <a:p>
-            <a:pPr algn="ctr"/>
-            <a:endParaRPr lang="en-CH" dirty="0"/>
-          </a:p>
-        </p:txBody>
-      </p:sp>
-      <p:sp>
-        <p:nvSpPr>
-          <p:cNvPr id="13" name="TextBox 12">
-            <a:extLst>
-              <a:ext uri="{FF2B5EF4-FFF2-40B4-BE49-F238E27FC236}">
-                <a16:creationId xmlns:a16="http://schemas.microsoft.com/office/drawing/2014/main" id="{75978976-BAFF-FA49-B539-F30FEBD8ADB6}"/>
-              </a:ext>
-            </a:extLst>
-          </p:cNvPr>
-          <p:cNvSpPr txBox="1"/>
-          <p:nvPr/>
-        </p:nvSpPr>
-        <p:spPr>
-          <a:xfrm>
-            <a:off x="5491513" y="1959682"/>
-            <a:ext cx="3168352" cy="584775"/>
-          </a:xfrm>
-          <a:prstGeom prst="rect">
-            <a:avLst/>
-          </a:prstGeom>
-          <a:noFill/>
-        </p:spPr>
-        <p:txBody>
-          <a:bodyPr wrap="square" rtlCol="0">
-            <a:spAutoFit/>
-          </a:bodyPr>
-          <a:lstStyle/>
-          <a:p>
-            <a:pPr algn="r"/>
-            <a:r>
-              <a:rPr lang="en-CH" sz="1600" dirty="0"/>
-              <a:t>Specifies the events that trigger the jobs below</a:t>
-            </a:r>
-          </a:p>
-        </p:txBody>
-      </p:sp>
-      <p:sp>
-        <p:nvSpPr>
-          <p:cNvPr id="14" name="Rectangle 13">
-            <a:extLst>
-              <a:ext uri="{FF2B5EF4-FFF2-40B4-BE49-F238E27FC236}">
-                <a16:creationId xmlns:a16="http://schemas.microsoft.com/office/drawing/2014/main" id="{CBB4318B-84F3-454E-8135-8D505AF389B5}"/>
-              </a:ext>
-            </a:extLst>
-          </p:cNvPr>
-          <p:cNvSpPr/>
-          <p:nvPr/>
-        </p:nvSpPr>
-        <p:spPr>
-          <a:xfrm>
-            <a:off x="853855" y="3009378"/>
-            <a:ext cx="7832943" cy="495426"/>
-          </a:xfrm>
-          <a:prstGeom prst="rect">
-            <a:avLst/>
-          </a:prstGeom>
-          <a:solidFill>
-            <a:srgbClr val="FF9300">
-              <a:alpha val="30196"/>
-            </a:srgbClr>
-          </a:solidFill>
-          <a:ln>
+          </p:spPr>
+          <p:txBody>
+            <a:bodyPr wrap="square" rtlCol="0">
+              <a:spAutoFit/>
+            </a:bodyPr>
+            <a:lstStyle/>
+            <a:p>
+              <a:pPr algn="r"/>
+              <a:r>
+                <a:rPr lang="en-CH" sz="1600" dirty="0"/>
+                <a:t>Specifies the events that trigger the jobs below</a:t>
+              </a:r>
+            </a:p>
+          </p:txBody>
+        </p:sp>
+        <p:sp>
+          <p:nvSpPr>
+            <p:cNvPr id="14" name="Rectangle 13">
+              <a:extLst>
+                <a:ext uri="{FF2B5EF4-FFF2-40B4-BE49-F238E27FC236}">
+                  <a16:creationId xmlns:a16="http://schemas.microsoft.com/office/drawing/2014/main" id="{CBB4318B-84F3-454E-8135-8D505AF389B5}"/>
+                </a:ext>
+              </a:extLst>
+            </p:cNvPr>
+            <p:cNvSpPr/>
+            <p:nvPr/>
+          </p:nvSpPr>
+          <p:spPr>
+            <a:xfrm>
+              <a:off x="2377856" y="3142741"/>
+              <a:ext cx="7832943" cy="495426"/>
+            </a:xfrm>
+            <a:prstGeom prst="rect">
+              <a:avLst/>
+            </a:prstGeom>
+            <a:solidFill>
+              <a:srgbClr val="FF9300">
+                <a:alpha val="30196"/>
+              </a:srgbClr>
+            </a:solidFill>
+            <a:ln>
+              <a:noFill/>
+            </a:ln>
+          </p:spPr>
+          <p:style>
+            <a:lnRef idx="2">
+              <a:schemeClr val="accent1">
+                <a:shade val="50000"/>
+              </a:schemeClr>
+            </a:lnRef>
+            <a:fillRef idx="1">
+              <a:schemeClr val="accent1"/>
+            </a:fillRef>
+            <a:effectRef idx="0">
+              <a:schemeClr val="accent1"/>
+            </a:effectRef>
+            <a:fontRef idx="minor">
+              <a:schemeClr val="lt1"/>
+            </a:fontRef>
+          </p:style>
+          <p:txBody>
+            <a:bodyPr rtlCol="0" anchor="ctr"/>
+            <a:lstStyle/>
+            <a:p>
+              <a:pPr algn="ctr"/>
+              <a:endParaRPr lang="en-CH"/>
+            </a:p>
+          </p:txBody>
+        </p:sp>
+        <p:sp>
+          <p:nvSpPr>
+            <p:cNvPr id="15" name="TextBox 14">
+              <a:extLst>
+                <a:ext uri="{FF2B5EF4-FFF2-40B4-BE49-F238E27FC236}">
+                  <a16:creationId xmlns:a16="http://schemas.microsoft.com/office/drawing/2014/main" id="{5EE61C67-6E7D-BC49-BF75-750DF40DCBC6}"/>
+                </a:ext>
+              </a:extLst>
+            </p:cNvPr>
+            <p:cNvSpPr txBox="1"/>
+            <p:nvPr/>
+          </p:nvSpPr>
+          <p:spPr>
+            <a:xfrm>
+              <a:off x="7037071" y="3092825"/>
+              <a:ext cx="3168352" cy="584775"/>
+            </a:xfrm>
+            <a:prstGeom prst="rect">
+              <a:avLst/>
+            </a:prstGeom>
             <a:noFill/>
-          </a:ln>
-        </p:spPr>
-        <p:style>
-          <a:lnRef idx="2">
-            <a:schemeClr val="accent1">
-              <a:shade val="50000"/>
-            </a:schemeClr>
-          </a:lnRef>
-          <a:fillRef idx="1">
-            <a:schemeClr val="accent1"/>
-          </a:fillRef>
-          <a:effectRef idx="0">
-            <a:schemeClr val="accent1"/>
-          </a:effectRef>
-          <a:fontRef idx="minor">
-            <a:schemeClr val="lt1"/>
-          </a:fontRef>
-        </p:style>
-        <p:txBody>
-          <a:bodyPr rtlCol="0" anchor="ctr"/>
-          <a:lstStyle/>
-          <a:p>
-            <a:pPr algn="ctr"/>
-            <a:endParaRPr lang="en-CH"/>
-          </a:p>
-        </p:txBody>
-      </p:sp>
-      <p:sp>
-        <p:nvSpPr>
-          <p:cNvPr id="15" name="TextBox 14">
-            <a:extLst>
-              <a:ext uri="{FF2B5EF4-FFF2-40B4-BE49-F238E27FC236}">
-                <a16:creationId xmlns:a16="http://schemas.microsoft.com/office/drawing/2014/main" id="{5EE61C67-6E7D-BC49-BF75-750DF40DCBC6}"/>
-              </a:ext>
-            </a:extLst>
-          </p:cNvPr>
-          <p:cNvSpPr txBox="1"/>
-          <p:nvPr/>
-        </p:nvSpPr>
-        <p:spPr>
-          <a:xfrm>
-            <a:off x="5513071" y="2959461"/>
-            <a:ext cx="3168352" cy="584775"/>
-          </a:xfrm>
-          <a:prstGeom prst="rect">
-            <a:avLst/>
-          </a:prstGeom>
-          <a:noFill/>
-        </p:spPr>
-        <p:txBody>
-          <a:bodyPr wrap="square" rtlCol="0">
-            <a:spAutoFit/>
-          </a:bodyPr>
-          <a:lstStyle/>
-          <a:p>
-            <a:pPr algn="r"/>
-            <a:r>
-              <a:rPr lang="en-CH" sz="1600" dirty="0"/>
-              <a:t>The type of virtual machine used to run the workflow </a:t>
-            </a:r>
-          </a:p>
-        </p:txBody>
-      </p:sp>
-      <p:sp>
-        <p:nvSpPr>
-          <p:cNvPr id="16" name="Rectangle 15">
-            <a:extLst>
-              <a:ext uri="{FF2B5EF4-FFF2-40B4-BE49-F238E27FC236}">
-                <a16:creationId xmlns:a16="http://schemas.microsoft.com/office/drawing/2014/main" id="{9C632AD0-4DDD-EF4B-AB97-4738A1232939}"/>
-              </a:ext>
-            </a:extLst>
-          </p:cNvPr>
-          <p:cNvSpPr/>
-          <p:nvPr/>
-        </p:nvSpPr>
-        <p:spPr>
-          <a:xfrm>
-            <a:off x="853856" y="3677100"/>
-            <a:ext cx="7832943" cy="1717819"/>
-          </a:xfrm>
-          <a:prstGeom prst="rect">
-            <a:avLst/>
-          </a:prstGeom>
-          <a:solidFill>
-            <a:srgbClr val="FF0000">
-              <a:alpha val="30196"/>
-            </a:srgbClr>
-          </a:solidFill>
-          <a:ln>
+          </p:spPr>
+          <p:txBody>
+            <a:bodyPr wrap="square" rtlCol="0">
+              <a:spAutoFit/>
+            </a:bodyPr>
+            <a:lstStyle/>
+            <a:p>
+              <a:pPr algn="r"/>
+              <a:r>
+                <a:rPr lang="en-CH" sz="1600" dirty="0"/>
+                <a:t>The type of virtual machine used to run the workflow </a:t>
+              </a:r>
+            </a:p>
+          </p:txBody>
+        </p:sp>
+        <p:sp>
+          <p:nvSpPr>
+            <p:cNvPr id="16" name="Rectangle 15">
+              <a:extLst>
+                <a:ext uri="{FF2B5EF4-FFF2-40B4-BE49-F238E27FC236}">
+                  <a16:creationId xmlns:a16="http://schemas.microsoft.com/office/drawing/2014/main" id="{9C632AD0-4DDD-EF4B-AB97-4738A1232939}"/>
+                </a:ext>
+              </a:extLst>
+            </p:cNvPr>
+            <p:cNvSpPr/>
+            <p:nvPr/>
+          </p:nvSpPr>
+          <p:spPr>
+            <a:xfrm>
+              <a:off x="2377857" y="3810464"/>
+              <a:ext cx="7832943" cy="1717819"/>
+            </a:xfrm>
+            <a:prstGeom prst="rect">
+              <a:avLst/>
+            </a:prstGeom>
+            <a:solidFill>
+              <a:srgbClr val="FF0000">
+                <a:alpha val="30196"/>
+              </a:srgbClr>
+            </a:solidFill>
+            <a:ln>
+              <a:noFill/>
+            </a:ln>
+          </p:spPr>
+          <p:style>
+            <a:lnRef idx="2">
+              <a:schemeClr val="accent1">
+                <a:shade val="50000"/>
+              </a:schemeClr>
+            </a:lnRef>
+            <a:fillRef idx="1">
+              <a:schemeClr val="accent1"/>
+            </a:fillRef>
+            <a:effectRef idx="0">
+              <a:schemeClr val="accent1"/>
+            </a:effectRef>
+            <a:fontRef idx="minor">
+              <a:schemeClr val="lt1"/>
+            </a:fontRef>
+          </p:style>
+          <p:txBody>
+            <a:bodyPr rtlCol="0" anchor="ctr"/>
+            <a:lstStyle/>
+            <a:p>
+              <a:pPr algn="ctr"/>
+              <a:endParaRPr lang="en-CH"/>
+            </a:p>
+          </p:txBody>
+        </p:sp>
+        <p:sp>
+          <p:nvSpPr>
+            <p:cNvPr id="17" name="TextBox 16">
+              <a:extLst>
+                <a:ext uri="{FF2B5EF4-FFF2-40B4-BE49-F238E27FC236}">
+                  <a16:creationId xmlns:a16="http://schemas.microsoft.com/office/drawing/2014/main" id="{4123B4AD-B136-F14B-879D-415CA5BBE3D0}"/>
+                </a:ext>
+              </a:extLst>
+            </p:cNvPr>
+            <p:cNvSpPr txBox="1"/>
+            <p:nvPr/>
+          </p:nvSpPr>
+          <p:spPr>
+            <a:xfrm>
+              <a:off x="7037071" y="3825503"/>
+              <a:ext cx="3168352" cy="1323439"/>
+            </a:xfrm>
+            <a:prstGeom prst="rect">
+              <a:avLst/>
+            </a:prstGeom>
             <a:noFill/>
-          </a:ln>
-        </p:spPr>
-        <p:style>
-          <a:lnRef idx="2">
-            <a:schemeClr val="accent1">
-              <a:shade val="50000"/>
-            </a:schemeClr>
-          </a:lnRef>
-          <a:fillRef idx="1">
-            <a:schemeClr val="accent1"/>
-          </a:fillRef>
-          <a:effectRef idx="0">
-            <a:schemeClr val="accent1"/>
-          </a:effectRef>
-          <a:fontRef idx="minor">
-            <a:schemeClr val="lt1"/>
-          </a:fontRef>
-        </p:style>
-        <p:txBody>
-          <a:bodyPr rtlCol="0" anchor="ctr"/>
-          <a:lstStyle/>
-          <a:p>
-            <a:pPr algn="ctr"/>
-            <a:endParaRPr lang="en-CH"/>
-          </a:p>
-        </p:txBody>
-      </p:sp>
-      <p:sp>
-        <p:nvSpPr>
-          <p:cNvPr id="17" name="TextBox 16">
-            <a:extLst>
-              <a:ext uri="{FF2B5EF4-FFF2-40B4-BE49-F238E27FC236}">
-                <a16:creationId xmlns:a16="http://schemas.microsoft.com/office/drawing/2014/main" id="{4123B4AD-B136-F14B-879D-415CA5BBE3D0}"/>
-              </a:ext>
-            </a:extLst>
-          </p:cNvPr>
-          <p:cNvSpPr txBox="1"/>
-          <p:nvPr/>
-        </p:nvSpPr>
-        <p:spPr>
-          <a:xfrm>
-            <a:off x="5513071" y="3692139"/>
-            <a:ext cx="3168352" cy="1323439"/>
-          </a:xfrm>
-          <a:prstGeom prst="rect">
-            <a:avLst/>
-          </a:prstGeom>
-          <a:noFill/>
-        </p:spPr>
-        <p:txBody>
-          <a:bodyPr wrap="square" rtlCol="0">
-            <a:spAutoFit/>
-          </a:bodyPr>
-          <a:lstStyle/>
-          <a:p>
-            <a:pPr algn="r"/>
-            <a:r>
-              <a:rPr lang="en-CH" sz="1600" dirty="0"/>
-              <a:t>Multiple steps are used to set up the environment so that we can run the tests.</a:t>
-            </a:r>
-            <a:br>
-              <a:rPr lang="en-CH" sz="1600" dirty="0"/>
-            </a:br>
-            <a:r>
-              <a:rPr lang="en-CH" sz="1600" dirty="0"/>
-              <a:t>Notice the use of community actions </a:t>
-            </a:r>
-          </a:p>
-        </p:txBody>
-      </p:sp>
-      <p:sp>
-        <p:nvSpPr>
-          <p:cNvPr id="18" name="Rectangle 17">
-            <a:extLst>
-              <a:ext uri="{FF2B5EF4-FFF2-40B4-BE49-F238E27FC236}">
-                <a16:creationId xmlns:a16="http://schemas.microsoft.com/office/drawing/2014/main" id="{FE2E6A0F-3DAE-4E4D-B6DE-2204DEFEA814}"/>
-              </a:ext>
-            </a:extLst>
-          </p:cNvPr>
-          <p:cNvSpPr/>
-          <p:nvPr/>
-        </p:nvSpPr>
-        <p:spPr>
-          <a:xfrm>
-            <a:off x="853856" y="5833882"/>
-            <a:ext cx="7832943" cy="483036"/>
-          </a:xfrm>
-          <a:prstGeom prst="rect">
-            <a:avLst/>
-          </a:prstGeom>
-          <a:solidFill>
-            <a:srgbClr val="92D050">
-              <a:alpha val="30196"/>
-            </a:srgbClr>
-          </a:solidFill>
-          <a:ln>
+          </p:spPr>
+          <p:txBody>
+            <a:bodyPr wrap="square" rtlCol="0">
+              <a:spAutoFit/>
+            </a:bodyPr>
+            <a:lstStyle/>
+            <a:p>
+              <a:pPr algn="r"/>
+              <a:r>
+                <a:rPr lang="en-CH" sz="1600" dirty="0"/>
+                <a:t>Multiple steps are used to set up the environment so that we can run the tests.</a:t>
+              </a:r>
+              <a:br>
+                <a:rPr lang="en-CH" sz="1600" dirty="0"/>
+              </a:br>
+              <a:r>
+                <a:rPr lang="en-CH" sz="1600" dirty="0"/>
+                <a:t>Notice the use of community actions </a:t>
+              </a:r>
+            </a:p>
+          </p:txBody>
+        </p:sp>
+        <p:sp>
+          <p:nvSpPr>
+            <p:cNvPr id="18" name="Rectangle 17">
+              <a:extLst>
+                <a:ext uri="{FF2B5EF4-FFF2-40B4-BE49-F238E27FC236}">
+                  <a16:creationId xmlns:a16="http://schemas.microsoft.com/office/drawing/2014/main" id="{FE2E6A0F-3DAE-4E4D-B6DE-2204DEFEA814}"/>
+                </a:ext>
+              </a:extLst>
+            </p:cNvPr>
+            <p:cNvSpPr/>
+            <p:nvPr/>
+          </p:nvSpPr>
+          <p:spPr>
+            <a:xfrm>
+              <a:off x="2377857" y="5967245"/>
+              <a:ext cx="7832943" cy="483036"/>
+            </a:xfrm>
+            <a:prstGeom prst="rect">
+              <a:avLst/>
+            </a:prstGeom>
+            <a:solidFill>
+              <a:srgbClr val="92D050">
+                <a:alpha val="30196"/>
+              </a:srgbClr>
+            </a:solidFill>
+            <a:ln>
+              <a:noFill/>
+            </a:ln>
+          </p:spPr>
+          <p:style>
+            <a:lnRef idx="2">
+              <a:schemeClr val="accent1">
+                <a:shade val="50000"/>
+              </a:schemeClr>
+            </a:lnRef>
+            <a:fillRef idx="1">
+              <a:schemeClr val="accent1"/>
+            </a:fillRef>
+            <a:effectRef idx="0">
+              <a:schemeClr val="accent1"/>
+            </a:effectRef>
+            <a:fontRef idx="minor">
+              <a:schemeClr val="lt1"/>
+            </a:fontRef>
+          </p:style>
+          <p:txBody>
+            <a:bodyPr rtlCol="0" anchor="ctr"/>
+            <a:lstStyle/>
+            <a:p>
+              <a:pPr algn="ctr"/>
+              <a:endParaRPr lang="en-CH"/>
+            </a:p>
+          </p:txBody>
+        </p:sp>
+        <p:sp>
+          <p:nvSpPr>
+            <p:cNvPr id="19" name="TextBox 18">
+              <a:extLst>
+                <a:ext uri="{FF2B5EF4-FFF2-40B4-BE49-F238E27FC236}">
+                  <a16:creationId xmlns:a16="http://schemas.microsoft.com/office/drawing/2014/main" id="{45661346-B527-5749-86F7-0FEC00E7A812}"/>
+                </a:ext>
+              </a:extLst>
+            </p:cNvPr>
+            <p:cNvSpPr txBox="1"/>
+            <p:nvPr/>
+          </p:nvSpPr>
+          <p:spPr>
+            <a:xfrm>
+              <a:off x="7032104" y="5929917"/>
+              <a:ext cx="3168352" cy="584775"/>
+            </a:xfrm>
+            <a:prstGeom prst="rect">
+              <a:avLst/>
+            </a:prstGeom>
             <a:noFill/>
-          </a:ln>
-        </p:spPr>
-        <p:style>
-          <a:lnRef idx="2">
-            <a:schemeClr val="accent1">
-              <a:shade val="50000"/>
-            </a:schemeClr>
-          </a:lnRef>
-          <a:fillRef idx="1">
-            <a:schemeClr val="accent1"/>
-          </a:fillRef>
-          <a:effectRef idx="0">
-            <a:schemeClr val="accent1"/>
-          </a:effectRef>
-          <a:fontRef idx="minor">
-            <a:schemeClr val="lt1"/>
-          </a:fontRef>
-        </p:style>
-        <p:txBody>
-          <a:bodyPr rtlCol="0" anchor="ctr"/>
-          <a:lstStyle/>
-          <a:p>
-            <a:pPr algn="ctr"/>
-            <a:endParaRPr lang="en-CH"/>
-          </a:p>
-        </p:txBody>
-      </p:sp>
-      <p:sp>
-        <p:nvSpPr>
-          <p:cNvPr id="19" name="TextBox 18">
-            <a:extLst>
-              <a:ext uri="{FF2B5EF4-FFF2-40B4-BE49-F238E27FC236}">
-                <a16:creationId xmlns:a16="http://schemas.microsoft.com/office/drawing/2014/main" id="{45661346-B527-5749-86F7-0FEC00E7A812}"/>
-              </a:ext>
-            </a:extLst>
-          </p:cNvPr>
-          <p:cNvSpPr txBox="1"/>
-          <p:nvPr/>
-        </p:nvSpPr>
-        <p:spPr>
-          <a:xfrm>
-            <a:off x="5508104" y="5796553"/>
-            <a:ext cx="3168352" cy="584775"/>
-          </a:xfrm>
-          <a:prstGeom prst="rect">
-            <a:avLst/>
-          </a:prstGeom>
-          <a:noFill/>
-        </p:spPr>
-        <p:txBody>
-          <a:bodyPr wrap="square" rtlCol="0">
-            <a:spAutoFit/>
-          </a:bodyPr>
-          <a:lstStyle/>
-          <a:p>
-            <a:pPr algn="r"/>
-            <a:r>
-              <a:rPr lang="en-CH" sz="1600" dirty="0"/>
-              <a:t>The command that we wanted to execute all along</a:t>
-            </a:r>
+          </p:spPr>
+          <p:txBody>
+            <a:bodyPr wrap="square" rtlCol="0">
+              <a:spAutoFit/>
+            </a:bodyPr>
+            <a:lstStyle/>
+            <a:p>
+              <a:pPr algn="r"/>
+              <a:r>
+                <a:rPr lang="en-CH" sz="1600" dirty="0"/>
+                <a:t>The command that we wanted to execute all along</a:t>
+              </a:r>
+            </a:p>
+          </p:txBody>
+        </p:sp>
+      </p:grpSp>
+      <p:sp>
+        <p:nvSpPr>
+          <p:cNvPr id="3" name="Slide Number Placeholder 2">
+            <a:extLst>
+              <a:ext uri="{FF2B5EF4-FFF2-40B4-BE49-F238E27FC236}">
+                <a16:creationId xmlns:a16="http://schemas.microsoft.com/office/drawing/2014/main" id="{0C99C21E-CCA4-E3B4-8E9D-1EA9E924578E}"/>
+              </a:ext>
+            </a:extLst>
+          </p:cNvPr>
+          <p:cNvSpPr>
+            <a:spLocks noGrp="1"/>
+          </p:cNvSpPr>
+          <p:nvPr>
+            <p:ph type="sldNum" sz="quarter" idx="12"/>
+          </p:nvPr>
+        </p:nvSpPr>
+        <p:spPr/>
+        <p:txBody>
+          <a:bodyPr/>
+          <a:lstStyle/>
+          <a:p>
+            <a:fld id="{EF79ADEA-B933-47CC-A4E9-04E6298B917C}" type="slidenum">
+              <a:rPr lang="en-US" smtClean="0"/>
+              <a:pPr/>
+              <a:t>11</a:t>
+            </a:fld>
+            <a:endParaRPr lang="en-US"/>
           </a:p>
         </p:txBody>
       </p:sp>
@@ -5837,7 +5490,7 @@
             <a:spLocks noGrp="1"/>
           </p:cNvSpPr>
           <p:nvPr>
-            <p:ph sz="quarter" idx="1"/>
+            <p:ph idx="1"/>
           </p:nvPr>
         </p:nvSpPr>
         <p:spPr/>
@@ -5946,7 +5599,7 @@
           <a:p>
             <a:r>
               <a:rPr lang="de-CH" sz="1000"/>
-              <a:t>June 2023, CC BY-SA 4.0</a:t>
+              <a:t>August 2023, CC BY-SA 4.0</a:t>
             </a:r>
             <a:endParaRPr lang="en-US" sz="1000" dirty="0"/>
           </a:p>
@@ -5975,9 +5628,39 @@
           <a:p>
             <a:r>
               <a:rPr lang="en-US"/>
-              <a:t>Continuous integration, v3.0</a:t>
+              <a:t>Continuous integration, v4.0</a:t>
             </a:r>
             <a:endParaRPr lang="en-US" dirty="0"/>
+          </a:p>
+        </p:txBody>
+      </p:sp>
+      <p:sp>
+        <p:nvSpPr>
+          <p:cNvPr id="6" name="Slide Number Placeholder 5">
+            <a:extLst>
+              <a:ext uri="{FF2B5EF4-FFF2-40B4-BE49-F238E27FC236}">
+                <a16:creationId xmlns:a16="http://schemas.microsoft.com/office/drawing/2014/main" id="{61F73B10-0263-0C7B-53B4-EA5BA0655AF5}"/>
+              </a:ext>
+            </a:extLst>
+          </p:cNvPr>
+          <p:cNvSpPr>
+            <a:spLocks noGrp="1"/>
+          </p:cNvSpPr>
+          <p:nvPr>
+            <p:ph type="sldNum" sz="quarter" idx="12"/>
+          </p:nvPr>
+        </p:nvSpPr>
+        <p:spPr/>
+        <p:txBody>
+          <a:bodyPr/>
+          <a:lstStyle/>
+          <a:p>
+            <a:fld id="{EF79ADEA-B933-47CC-A4E9-04E6298B917C}" type="slidenum">
+              <a:rPr lang="en-US" smtClean="0"/>
+              <a:pPr/>
+              <a:t>12</a:t>
+            </a:fld>
+            <a:endParaRPr lang="en-US"/>
           </a:p>
         </p:txBody>
       </p:sp>
@@ -6053,18 +5736,13 @@
             <a:spLocks noGrp="1"/>
           </p:cNvSpPr>
           <p:nvPr>
-            <p:ph sz="quarter" idx="1"/>
-          </p:nvPr>
-        </p:nvSpPr>
-        <p:spPr>
-          <a:xfrm>
-            <a:off x="457200" y="1295400"/>
-            <a:ext cx="8291264" cy="4861560"/>
-          </a:xfrm>
-        </p:spPr>
+            <p:ph idx="1"/>
+          </p:nvPr>
+        </p:nvSpPr>
+        <p:spPr/>
         <p:txBody>
           <a:bodyPr>
-            <a:normAutofit lnSpcReduction="10000"/>
+            <a:normAutofit/>
           </a:bodyPr>
           <a:lstStyle/>
           <a:p>
@@ -6802,7 +6480,7 @@
           <a:p>
             <a:r>
               <a:rPr lang="de-CH" sz="1000"/>
-              <a:t>June 2023, CC BY-SA 4.0</a:t>
+              <a:t>August 2023, CC BY-SA 4.0</a:t>
             </a:r>
             <a:endParaRPr lang="en-US" sz="1000" dirty="0"/>
           </a:p>
@@ -6831,9 +6509,39 @@
           <a:p>
             <a:r>
               <a:rPr lang="en-US"/>
-              <a:t>Continuous integration, v3.0</a:t>
+              <a:t>Continuous integration, v4.0</a:t>
             </a:r>
             <a:endParaRPr lang="en-US" dirty="0"/>
+          </a:p>
+        </p:txBody>
+      </p:sp>
+      <p:sp>
+        <p:nvSpPr>
+          <p:cNvPr id="6" name="Slide Number Placeholder 5">
+            <a:extLst>
+              <a:ext uri="{FF2B5EF4-FFF2-40B4-BE49-F238E27FC236}">
+                <a16:creationId xmlns:a16="http://schemas.microsoft.com/office/drawing/2014/main" id="{21A7DC04-C5C7-9BD7-DEF9-F21C46752F28}"/>
+              </a:ext>
+            </a:extLst>
+          </p:cNvPr>
+          <p:cNvSpPr>
+            <a:spLocks noGrp="1"/>
+          </p:cNvSpPr>
+          <p:nvPr>
+            <p:ph type="sldNum" sz="quarter" idx="12"/>
+          </p:nvPr>
+        </p:nvSpPr>
+        <p:spPr/>
+        <p:txBody>
+          <a:bodyPr/>
+          <a:lstStyle/>
+          <a:p>
+            <a:fld id="{EF79ADEA-B933-47CC-A4E9-04E6298B917C}" type="slidenum">
+              <a:rPr lang="en-US" smtClean="0"/>
+              <a:pPr/>
+              <a:t>13</a:t>
+            </a:fld>
+            <a:endParaRPr lang="en-US"/>
           </a:p>
         </p:txBody>
       </p:sp>
@@ -6851,8 +6559,8 @@
         </p:nvSpPr>
         <p:spPr>
           <a:xfrm>
-            <a:off x="0" y="0"/>
-            <a:ext cx="9144000" cy="6858000"/>
+            <a:off x="152400" y="188640"/>
+            <a:ext cx="11848256" cy="6532835"/>
           </a:xfrm>
           <a:prstGeom prst="rect">
             <a:avLst/>
@@ -6961,7 +6669,7 @@
             <a:spLocks noGrp="1"/>
           </p:cNvSpPr>
           <p:nvPr>
-            <p:ph sz="quarter" idx="1"/>
+            <p:ph idx="1"/>
           </p:nvPr>
         </p:nvSpPr>
         <p:spPr/>
@@ -6999,7 +6707,7 @@
           <a:p>
             <a:r>
               <a:rPr lang="de-CH" sz="1000"/>
-              <a:t>June 2023, CC BY-SA 4.0</a:t>
+              <a:t>August 2023, CC BY-SA 4.0</a:t>
             </a:r>
             <a:endParaRPr lang="en-US" sz="1000" dirty="0"/>
           </a:p>
@@ -7028,7 +6736,7 @@
           <a:p>
             <a:r>
               <a:rPr lang="en-US"/>
-              <a:t>Continuous integration, v3.0</a:t>
+              <a:t>Continuous integration, v4.0</a:t>
             </a:r>
             <a:endParaRPr lang="en-US" dirty="0"/>
           </a:p>
@@ -7056,7 +6764,7 @@
         </p:blipFill>
         <p:spPr>
           <a:xfrm>
-            <a:off x="1043608" y="2564904"/>
+            <a:off x="2567608" y="2564905"/>
             <a:ext cx="7056784" cy="3501633"/>
           </a:xfrm>
           <a:prstGeom prst="rect">
@@ -7064,6 +6772,36 @@
           </a:prstGeom>
         </p:spPr>
       </p:pic>
+      <p:sp>
+        <p:nvSpPr>
+          <p:cNvPr id="7" name="Slide Number Placeholder 6">
+            <a:extLst>
+              <a:ext uri="{FF2B5EF4-FFF2-40B4-BE49-F238E27FC236}">
+                <a16:creationId xmlns:a16="http://schemas.microsoft.com/office/drawing/2014/main" id="{712BA03D-98AD-5748-1F40-DECF3A537521}"/>
+              </a:ext>
+            </a:extLst>
+          </p:cNvPr>
+          <p:cNvSpPr>
+            <a:spLocks noGrp="1"/>
+          </p:cNvSpPr>
+          <p:nvPr>
+            <p:ph type="sldNum" sz="quarter" idx="12"/>
+          </p:nvPr>
+        </p:nvSpPr>
+        <p:spPr/>
+        <p:txBody>
+          <a:bodyPr/>
+          <a:lstStyle/>
+          <a:p>
+            <a:fld id="{EF79ADEA-B933-47CC-A4E9-04E6298B917C}" type="slidenum">
+              <a:rPr lang="en-US" smtClean="0"/>
+              <a:pPr/>
+              <a:t>14</a:t>
+            </a:fld>
+            <a:endParaRPr lang="en-US"/>
+          </a:p>
+        </p:txBody>
+      </p:sp>
     </p:spTree>
     <p:extLst>
       <p:ext uri="{BB962C8B-B14F-4D97-AF65-F5344CB8AC3E}">
@@ -7146,10 +6884,10 @@
           <a:lstStyle/>
           <a:p>
             <a:r>
-              <a:rPr lang="de-CH" sz="1000"/>
-              <a:t>June 2023, CC BY-SA 4.0</a:t>
-            </a:r>
-            <a:endParaRPr lang="en-US" sz="1000" dirty="0"/>
+              <a:rPr lang="de-CH"/>
+              <a:t>August 2023, CC BY-SA 4.0</a:t>
+            </a:r>
+            <a:endParaRPr lang="en-US" dirty="0"/>
           </a:p>
         </p:txBody>
       </p:sp>
@@ -7176,7 +6914,7 @@
           <a:p>
             <a:r>
               <a:rPr lang="en-US"/>
-              <a:t>Continuous integration, v3.0</a:t>
+              <a:t>Continuous integration, v4.0</a:t>
             </a:r>
             <a:endParaRPr lang="en-US" dirty="0"/>
           </a:p>
@@ -7196,7 +6934,7 @@
         </p:nvSpPr>
         <p:spPr>
           <a:xfrm>
-            <a:off x="827946" y="1164134"/>
+            <a:off x="2351947" y="1164135"/>
             <a:ext cx="5205271" cy="4893647"/>
           </a:xfrm>
           <a:prstGeom prst="rect">
@@ -7625,7 +7363,7 @@
         </p:nvSpPr>
         <p:spPr>
           <a:xfrm>
-            <a:off x="826922" y="2810714"/>
+            <a:off x="2350923" y="2810714"/>
             <a:ext cx="7832943" cy="811632"/>
           </a:xfrm>
           <a:prstGeom prst="rect">
@@ -7679,7 +7417,7 @@
         </p:nvSpPr>
         <p:spPr>
           <a:xfrm>
-            <a:off x="5076056" y="2780928"/>
+            <a:off x="6600056" y="2780929"/>
             <a:ext cx="3577568" cy="830997"/>
           </a:xfrm>
           <a:prstGeom prst="rect">
@@ -7698,6 +7436,36 @@
               <a:rPr lang="en-CH" sz="1600" dirty="0"/>
               <a:t>The strategy/matrix section specifies lists of parameters. The workflow is run for all combinations</a:t>
             </a:r>
+          </a:p>
+        </p:txBody>
+      </p:sp>
+      <p:sp>
+        <p:nvSpPr>
+          <p:cNvPr id="2" name="Slide Number Placeholder 1">
+            <a:extLst>
+              <a:ext uri="{FF2B5EF4-FFF2-40B4-BE49-F238E27FC236}">
+                <a16:creationId xmlns:a16="http://schemas.microsoft.com/office/drawing/2014/main" id="{0BFF9B36-5BBC-8E3E-7D9A-A79FA4B3E2ED}"/>
+              </a:ext>
+            </a:extLst>
+          </p:cNvPr>
+          <p:cNvSpPr>
+            <a:spLocks noGrp="1"/>
+          </p:cNvSpPr>
+          <p:nvPr>
+            <p:ph type="sldNum" sz="quarter" idx="12"/>
+          </p:nvPr>
+        </p:nvSpPr>
+        <p:spPr/>
+        <p:txBody>
+          <a:bodyPr/>
+          <a:lstStyle/>
+          <a:p>
+            <a:fld id="{EF79ADEA-B933-47CC-A4E9-04E6298B917C}" type="slidenum">
+              <a:rPr lang="en-US" smtClean="0"/>
+              <a:pPr/>
+              <a:t>15</a:t>
+            </a:fld>
+            <a:endParaRPr lang="en-US"/>
           </a:p>
         </p:txBody>
       </p:sp>
@@ -7784,10 +7552,10 @@
           <a:lstStyle/>
           <a:p>
             <a:r>
-              <a:rPr lang="de-CH" sz="1000"/>
-              <a:t>June 2023, CC BY-SA 4.0</a:t>
-            </a:r>
-            <a:endParaRPr lang="en-US" sz="1000" dirty="0"/>
+              <a:rPr lang="de-CH"/>
+              <a:t>August 2023, CC BY-SA 4.0</a:t>
+            </a:r>
+            <a:endParaRPr lang="en-US" dirty="0"/>
           </a:p>
         </p:txBody>
       </p:sp>
@@ -7814,7 +7582,7 @@
           <a:p>
             <a:r>
               <a:rPr lang="en-US"/>
-              <a:t>Continuous integration, v3.0</a:t>
+              <a:t>Continuous integration, v4.0</a:t>
             </a:r>
             <a:endParaRPr lang="en-US" dirty="0"/>
           </a:p>
@@ -7834,7 +7602,7 @@
         </p:nvSpPr>
         <p:spPr>
           <a:xfrm>
-            <a:off x="827946" y="1164134"/>
+            <a:off x="2351947" y="1164135"/>
             <a:ext cx="5205271" cy="4893647"/>
           </a:xfrm>
           <a:prstGeom prst="rect">
@@ -8263,7 +8031,7 @@
         </p:nvSpPr>
         <p:spPr>
           <a:xfrm>
-            <a:off x="853855" y="2477377"/>
+            <a:off x="2377856" y="2477377"/>
             <a:ext cx="7832943" cy="176992"/>
           </a:xfrm>
           <a:prstGeom prst="rect">
@@ -8317,7 +8085,7 @@
         </p:nvSpPr>
         <p:spPr>
           <a:xfrm>
-            <a:off x="826922" y="2810714"/>
+            <a:off x="2350923" y="2810714"/>
             <a:ext cx="7832943" cy="811632"/>
           </a:xfrm>
           <a:prstGeom prst="rect">
@@ -8371,7 +8139,7 @@
         </p:nvSpPr>
         <p:spPr>
           <a:xfrm>
-            <a:off x="820681" y="4663071"/>
+            <a:off x="2344682" y="4663071"/>
             <a:ext cx="7832943" cy="176992"/>
           </a:xfrm>
           <a:prstGeom prst="rect">
@@ -8425,7 +8193,7 @@
         </p:nvSpPr>
         <p:spPr>
           <a:xfrm>
-            <a:off x="853855" y="4140868"/>
+            <a:off x="2377856" y="4140868"/>
             <a:ext cx="7832943" cy="176992"/>
           </a:xfrm>
           <a:prstGeom prst="rect">
@@ -8479,7 +8247,7 @@
         </p:nvSpPr>
         <p:spPr>
           <a:xfrm>
-            <a:off x="5109230" y="2093288"/>
+            <a:off x="6633230" y="2093289"/>
             <a:ext cx="3577568" cy="584775"/>
           </a:xfrm>
           <a:prstGeom prst="rect">
@@ -8498,6 +8266,36 @@
               <a:rPr lang="en-CH" sz="1600" dirty="0"/>
               <a:t>This is how we refer to the matrix parameters in the config file</a:t>
             </a:r>
+          </a:p>
+        </p:txBody>
+      </p:sp>
+      <p:sp>
+        <p:nvSpPr>
+          <p:cNvPr id="2" name="Slide Number Placeholder 1">
+            <a:extLst>
+              <a:ext uri="{FF2B5EF4-FFF2-40B4-BE49-F238E27FC236}">
+                <a16:creationId xmlns:a16="http://schemas.microsoft.com/office/drawing/2014/main" id="{3061B05B-1D42-1EE8-2B16-827CD3BD90B4}"/>
+              </a:ext>
+            </a:extLst>
+          </p:cNvPr>
+          <p:cNvSpPr>
+            <a:spLocks noGrp="1"/>
+          </p:cNvSpPr>
+          <p:nvPr>
+            <p:ph type="sldNum" sz="quarter" idx="12"/>
+          </p:nvPr>
+        </p:nvSpPr>
+        <p:spPr/>
+        <p:txBody>
+          <a:bodyPr/>
+          <a:lstStyle/>
+          <a:p>
+            <a:fld id="{EF79ADEA-B933-47CC-A4E9-04E6298B917C}" type="slidenum">
+              <a:rPr lang="en-US" smtClean="0"/>
+              <a:pPr/>
+              <a:t>16</a:t>
+            </a:fld>
+            <a:endParaRPr lang="en-US"/>
           </a:p>
         </p:txBody>
       </p:sp>
@@ -8572,7 +8370,7 @@
             <a:spLocks noGrp="1"/>
           </p:cNvSpPr>
           <p:nvPr>
-            <p:ph sz="quarter" idx="1"/>
+            <p:ph idx="1"/>
           </p:nvPr>
         </p:nvSpPr>
         <p:spPr/>
@@ -8683,7 +8481,7 @@
           <a:p>
             <a:r>
               <a:rPr lang="de-CH" sz="1000"/>
-              <a:t>June 2023, CC BY-SA 4.0</a:t>
+              <a:t>August 2023, CC BY-SA 4.0</a:t>
             </a:r>
             <a:endParaRPr lang="en-US" sz="1000" dirty="0"/>
           </a:p>
@@ -8712,9 +8510,39 @@
           <a:p>
             <a:r>
               <a:rPr lang="en-US"/>
-              <a:t>Continuous integration, v3.0</a:t>
+              <a:t>Continuous integration, v4.0</a:t>
             </a:r>
             <a:endParaRPr lang="en-US" dirty="0"/>
+          </a:p>
+        </p:txBody>
+      </p:sp>
+      <p:sp>
+        <p:nvSpPr>
+          <p:cNvPr id="6" name="Slide Number Placeholder 5">
+            <a:extLst>
+              <a:ext uri="{FF2B5EF4-FFF2-40B4-BE49-F238E27FC236}">
+                <a16:creationId xmlns:a16="http://schemas.microsoft.com/office/drawing/2014/main" id="{D1A31B90-0CF8-18DE-6D32-3B65F6DE2E1C}"/>
+              </a:ext>
+            </a:extLst>
+          </p:cNvPr>
+          <p:cNvSpPr>
+            <a:spLocks noGrp="1"/>
+          </p:cNvSpPr>
+          <p:nvPr>
+            <p:ph type="sldNum" sz="quarter" idx="12"/>
+          </p:nvPr>
+        </p:nvSpPr>
+        <p:spPr/>
+        <p:txBody>
+          <a:bodyPr/>
+          <a:lstStyle/>
+          <a:p>
+            <a:fld id="{EF79ADEA-B933-47CC-A4E9-04E6298B917C}" type="slidenum">
+              <a:rPr lang="en-US" smtClean="0"/>
+              <a:pPr/>
+              <a:t>17</a:t>
+            </a:fld>
+            <a:endParaRPr lang="en-US"/>
           </a:p>
         </p:txBody>
       </p:sp>
@@ -8790,7 +8618,7 @@
             <a:spLocks noGrp="1"/>
           </p:cNvSpPr>
           <p:nvPr>
-            <p:ph sz="quarter" idx="1"/>
+            <p:ph idx="1"/>
           </p:nvPr>
         </p:nvSpPr>
         <p:spPr/>
@@ -8844,7 +8672,7 @@
           <a:p>
             <a:r>
               <a:rPr lang="de-CH" sz="1000"/>
-              <a:t>June 2023, CC BY-SA 4.0</a:t>
+              <a:t>August 2023, CC BY-SA 4.0</a:t>
             </a:r>
             <a:endParaRPr lang="en-US" sz="1000" dirty="0"/>
           </a:p>
@@ -8873,7 +8701,7 @@
           <a:p>
             <a:r>
               <a:rPr lang="en-US"/>
-              <a:t>Continuous integration, v3.0</a:t>
+              <a:t>Continuous integration, v4.0</a:t>
             </a:r>
             <a:endParaRPr lang="en-US" dirty="0"/>
           </a:p>
@@ -8881,10 +8709,40 @@
       </p:sp>
       <p:sp>
         <p:nvSpPr>
-          <p:cNvPr id="6" name="Rectangle 5">
-            <a:extLst>
-              <a:ext uri="{FF2B5EF4-FFF2-40B4-BE49-F238E27FC236}">
-                <a16:creationId xmlns:a16="http://schemas.microsoft.com/office/drawing/2014/main" id="{E5E7F766-B28F-8E46-8D39-C90C55B110F6}"/>
+          <p:cNvPr id="7" name="Slide Number Placeholder 6">
+            <a:extLst>
+              <a:ext uri="{FF2B5EF4-FFF2-40B4-BE49-F238E27FC236}">
+                <a16:creationId xmlns:a16="http://schemas.microsoft.com/office/drawing/2014/main" id="{C716BCF9-5081-0ECF-8F72-47C0DD17DEB3}"/>
+              </a:ext>
+            </a:extLst>
+          </p:cNvPr>
+          <p:cNvSpPr>
+            <a:spLocks noGrp="1"/>
+          </p:cNvSpPr>
+          <p:nvPr>
+            <p:ph type="sldNum" sz="quarter" idx="12"/>
+          </p:nvPr>
+        </p:nvSpPr>
+        <p:spPr/>
+        <p:txBody>
+          <a:bodyPr/>
+          <a:lstStyle/>
+          <a:p>
+            <a:fld id="{EF79ADEA-B933-47CC-A4E9-04E6298B917C}" type="slidenum">
+              <a:rPr lang="en-US" smtClean="0"/>
+              <a:pPr/>
+              <a:t>18</a:t>
+            </a:fld>
+            <a:endParaRPr lang="en-US"/>
+          </a:p>
+        </p:txBody>
+      </p:sp>
+      <p:sp>
+        <p:nvSpPr>
+          <p:cNvPr id="8" name="Rectangle 7">
+            <a:extLst>
+              <a:ext uri="{FF2B5EF4-FFF2-40B4-BE49-F238E27FC236}">
+                <a16:creationId xmlns:a16="http://schemas.microsoft.com/office/drawing/2014/main" id="{D88B4771-8822-7D60-1E3A-7E080EDDDE5B}"/>
               </a:ext>
             </a:extLst>
           </p:cNvPr>
@@ -8893,8 +8751,8 @@
         </p:nvSpPr>
         <p:spPr>
           <a:xfrm>
-            <a:off x="0" y="0"/>
-            <a:ext cx="9144000" cy="6858000"/>
+            <a:off x="152400" y="188640"/>
+            <a:ext cx="11848256" cy="6532835"/>
           </a:xfrm>
           <a:prstGeom prst="rect">
             <a:avLst/>
@@ -9003,7 +8861,7 @@
             <a:spLocks noGrp="1"/>
           </p:cNvSpPr>
           <p:nvPr>
-            <p:ph sz="quarter" idx="1"/>
+            <p:ph idx="1"/>
           </p:nvPr>
         </p:nvSpPr>
         <p:spPr/>
@@ -9046,7 +8904,7 @@
           <a:p>
             <a:r>
               <a:rPr lang="de-CH" sz="1000"/>
-              <a:t>June 2023, CC BY-SA 4.0</a:t>
+              <a:t>August 2023, CC BY-SA 4.0</a:t>
             </a:r>
             <a:endParaRPr lang="en-US" sz="1000" dirty="0"/>
           </a:p>
@@ -9075,7 +8933,7 @@
           <a:p>
             <a:r>
               <a:rPr lang="en-US"/>
-              <a:t>Continuous integration, v3.0</a:t>
+              <a:t>Continuous integration, v4.0</a:t>
             </a:r>
             <a:endParaRPr lang="en-US" dirty="0"/>
           </a:p>
@@ -9109,7 +8967,7 @@
         </p:blipFill>
         <p:spPr>
           <a:xfrm rot="16200000">
-            <a:off x="5957585" y="3157241"/>
+            <a:off x="7481585" y="3157241"/>
             <a:ext cx="3830908" cy="2567310"/>
           </a:xfrm>
           <a:prstGeom prst="rect">
@@ -9117,6 +8975,36 @@
           </a:prstGeom>
         </p:spPr>
       </p:pic>
+      <p:sp>
+        <p:nvSpPr>
+          <p:cNvPr id="6" name="Slide Number Placeholder 5">
+            <a:extLst>
+              <a:ext uri="{FF2B5EF4-FFF2-40B4-BE49-F238E27FC236}">
+                <a16:creationId xmlns:a16="http://schemas.microsoft.com/office/drawing/2014/main" id="{5DEDE8BE-6A16-9CF5-AAB2-D916CF912B21}"/>
+              </a:ext>
+            </a:extLst>
+          </p:cNvPr>
+          <p:cNvSpPr>
+            <a:spLocks noGrp="1"/>
+          </p:cNvSpPr>
+          <p:nvPr>
+            <p:ph type="sldNum" sz="quarter" idx="12"/>
+          </p:nvPr>
+        </p:nvSpPr>
+        <p:spPr/>
+        <p:txBody>
+          <a:bodyPr/>
+          <a:lstStyle/>
+          <a:p>
+            <a:fld id="{EF79ADEA-B933-47CC-A4E9-04E6298B917C}" type="slidenum">
+              <a:rPr lang="en-US" smtClean="0"/>
+              <a:pPr/>
+              <a:t>19</a:t>
+            </a:fld>
+            <a:endParaRPr lang="en-US"/>
+          </a:p>
+        </p:txBody>
+      </p:sp>
     </p:spTree>
     <p:extLst>
       <p:ext uri="{BB962C8B-B14F-4D97-AF65-F5344CB8AC3E}">
@@ -9206,10 +9094,10 @@
           <a:lstStyle/>
           <a:p>
             <a:r>
-              <a:rPr lang="de-CH" sz="1000"/>
-              <a:t>June 2023, CC BY-SA 4.0</a:t>
-            </a:r>
-            <a:endParaRPr lang="en-US" sz="1000" dirty="0"/>
+              <a:rPr lang="de-CH"/>
+              <a:t>August 2023, CC BY-SA 4.0</a:t>
+            </a:r>
+            <a:endParaRPr lang="en-US" dirty="0"/>
           </a:p>
         </p:txBody>
       </p:sp>
@@ -9236,7 +9124,7 @@
           <a:p>
             <a:r>
               <a:rPr lang="en-US"/>
-              <a:t>Continuous integration, v3.0</a:t>
+              <a:t>Continuous integration, v4.0</a:t>
             </a:r>
             <a:endParaRPr lang="en-US" dirty="0"/>
           </a:p>
@@ -9256,8 +9144,8 @@
         </p:nvSpPr>
         <p:spPr>
           <a:xfrm>
-            <a:off x="354569" y="4145012"/>
-            <a:ext cx="8537911" cy="2308324"/>
+            <a:off x="983432" y="4398262"/>
+            <a:ext cx="10793960" cy="2000548"/>
           </a:xfrm>
           <a:prstGeom prst="rect">
             <a:avLst/>
@@ -9270,7 +9158,7 @@
           <a:lstStyle/>
           <a:p>
             <a:r>
-              <a:rPr lang="en-CH" dirty="0">
+              <a:rPr lang="en-CH" sz="2400" dirty="0">
                 <a:latin typeface="+mn-lt"/>
               </a:rPr>
               <a:t>Potential issues</a:t>
@@ -9342,7 +9230,7 @@
         </p:blipFill>
         <p:spPr>
           <a:xfrm>
-            <a:off x="1050848" y="1053132"/>
+            <a:off x="2495600" y="1196752"/>
             <a:ext cx="7200800" cy="3181749"/>
           </a:xfrm>
           <a:prstGeom prst="rect">
@@ -9350,6 +9238,36 @@
           </a:prstGeom>
         </p:spPr>
       </p:pic>
+      <p:sp>
+        <p:nvSpPr>
+          <p:cNvPr id="3" name="Slide Number Placeholder 2">
+            <a:extLst>
+              <a:ext uri="{FF2B5EF4-FFF2-40B4-BE49-F238E27FC236}">
+                <a16:creationId xmlns:a16="http://schemas.microsoft.com/office/drawing/2014/main" id="{74910C84-24D3-716E-1EB5-1CBCED425CD9}"/>
+              </a:ext>
+            </a:extLst>
+          </p:cNvPr>
+          <p:cNvSpPr>
+            <a:spLocks noGrp="1"/>
+          </p:cNvSpPr>
+          <p:nvPr>
+            <p:ph type="sldNum" sz="quarter" idx="12"/>
+          </p:nvPr>
+        </p:nvSpPr>
+        <p:spPr/>
+        <p:txBody>
+          <a:bodyPr/>
+          <a:lstStyle/>
+          <a:p>
+            <a:fld id="{EF79ADEA-B933-47CC-A4E9-04E6298B917C}" type="slidenum">
+              <a:rPr lang="en-US" smtClean="0"/>
+              <a:pPr/>
+              <a:t>2</a:t>
+            </a:fld>
+            <a:endParaRPr lang="en-US"/>
+          </a:p>
+        </p:txBody>
+      </p:sp>
     </p:spTree>
     <p:extLst>
       <p:ext uri="{BB962C8B-B14F-4D97-AF65-F5344CB8AC3E}">
@@ -9404,6 +9322,51 @@
           </a:p>
         </p:txBody>
       </p:sp>
+      <p:sp>
+        <p:nvSpPr>
+          <p:cNvPr id="2" name="Date Placeholder 1"/>
+          <p:cNvSpPr>
+            <a:spLocks noGrp="1"/>
+          </p:cNvSpPr>
+          <p:nvPr>
+            <p:ph type="dt" sz="half" idx="10"/>
+          </p:nvPr>
+        </p:nvSpPr>
+        <p:spPr/>
+        <p:txBody>
+          <a:bodyPr/>
+          <a:lstStyle/>
+          <a:p>
+            <a:r>
+              <a:rPr lang="de-CH"/>
+              <a:t>August 2023, CC BY-SA 4.0</a:t>
+            </a:r>
+            <a:endParaRPr lang="en-US"/>
+          </a:p>
+        </p:txBody>
+      </p:sp>
+      <p:sp>
+        <p:nvSpPr>
+          <p:cNvPr id="3" name="Footer Placeholder 2"/>
+          <p:cNvSpPr>
+            <a:spLocks noGrp="1"/>
+          </p:cNvSpPr>
+          <p:nvPr>
+            <p:ph type="ftr" sz="quarter" idx="11"/>
+          </p:nvPr>
+        </p:nvSpPr>
+        <p:spPr/>
+        <p:txBody>
+          <a:bodyPr/>
+          <a:lstStyle/>
+          <a:p>
+            <a:r>
+              <a:rPr lang="en-US"/>
+              <a:t>Continuous integration, v4.0</a:t>
+            </a:r>
+          </a:p>
+        </p:txBody>
+      </p:sp>
       <p:pic>
         <p:nvPicPr>
           <p:cNvPr id="9" name="Picture 8"/>
@@ -9420,7 +9383,7 @@
         </p:blipFill>
         <p:spPr>
           <a:xfrm>
-            <a:off x="827584" y="2132856"/>
+            <a:off x="2351585" y="2132856"/>
             <a:ext cx="2352367" cy="2952328"/>
           </a:xfrm>
           <a:prstGeom prst="rect">
@@ -9444,7 +9407,7 @@
         </p:blipFill>
         <p:spPr>
           <a:xfrm>
-            <a:off x="3491880" y="2132856"/>
+            <a:off x="5015880" y="2132856"/>
             <a:ext cx="2355484" cy="2952328"/>
           </a:xfrm>
           <a:prstGeom prst="rect">
@@ -9468,7 +9431,7 @@
         </p:blipFill>
         <p:spPr>
           <a:xfrm>
-            <a:off x="6156176" y="2132856"/>
+            <a:off x="7680177" y="2132856"/>
             <a:ext cx="2273475" cy="2952328"/>
           </a:xfrm>
           <a:prstGeom prst="rect">
@@ -9478,46 +9441,31 @@
       </p:pic>
       <p:sp>
         <p:nvSpPr>
-          <p:cNvPr id="2" name="Date Placeholder 1"/>
-          <p:cNvSpPr>
-            <a:spLocks noGrp="1"/>
-          </p:cNvSpPr>
-          <p:nvPr>
-            <p:ph type="dt" sz="half" idx="10"/>
-          </p:nvPr>
-        </p:nvSpPr>
-        <p:spPr/>
-        <p:txBody>
-          <a:bodyPr/>
-          <a:lstStyle/>
-          <a:p>
-            <a:r>
-              <a:rPr lang="de-CH"/>
-              <a:t>June 2023, CC BY-SA 4.0</a:t>
-            </a:r>
+          <p:cNvPr id="4" name="Slide Number Placeholder 3">
+            <a:extLst>
+              <a:ext uri="{FF2B5EF4-FFF2-40B4-BE49-F238E27FC236}">
+                <a16:creationId xmlns:a16="http://schemas.microsoft.com/office/drawing/2014/main" id="{FEFFB0F3-FEA9-0348-6B4A-F74170B41898}"/>
+              </a:ext>
+            </a:extLst>
+          </p:cNvPr>
+          <p:cNvSpPr>
+            <a:spLocks noGrp="1"/>
+          </p:cNvSpPr>
+          <p:nvPr>
+            <p:ph type="sldNum" sz="quarter" idx="12"/>
+          </p:nvPr>
+        </p:nvSpPr>
+        <p:spPr/>
+        <p:txBody>
+          <a:bodyPr/>
+          <a:lstStyle/>
+          <a:p>
+            <a:fld id="{EF79ADEA-B933-47CC-A4E9-04E6298B917C}" type="slidenum">
+              <a:rPr lang="en-US" smtClean="0"/>
+              <a:pPr/>
+              <a:t>20</a:t>
+            </a:fld>
             <a:endParaRPr lang="en-US"/>
-          </a:p>
-        </p:txBody>
-      </p:sp>
-      <p:sp>
-        <p:nvSpPr>
-          <p:cNvPr id="3" name="Footer Placeholder 2"/>
-          <p:cNvSpPr>
-            <a:spLocks noGrp="1"/>
-          </p:cNvSpPr>
-          <p:nvPr>
-            <p:ph type="ftr" sz="quarter" idx="11"/>
-          </p:nvPr>
-        </p:nvSpPr>
-        <p:spPr/>
-        <p:txBody>
-          <a:bodyPr/>
-          <a:lstStyle/>
-          <a:p>
-            <a:r>
-              <a:rPr lang="en-US"/>
-              <a:t>Continuous integration, v3.0</a:t>
-            </a:r>
           </a:p>
         </p:txBody>
       </p:sp>
@@ -9568,7 +9516,7 @@
           <a:p>
             <a:r>
               <a:rPr lang="de-CH"/>
-              <a:t>June 2023, CC BY-SA 4.0</a:t>
+              <a:t>August 2023, CC BY-SA 4.0</a:t>
             </a:r>
             <a:endParaRPr lang="en-US"/>
           </a:p>
@@ -9591,7 +9539,7 @@
           <a:p>
             <a:r>
               <a:rPr lang="en-US"/>
-              <a:t>Continuous integration, v3.0</a:t>
+              <a:t>Continuous integration, v4.0</a:t>
             </a:r>
           </a:p>
         </p:txBody>
@@ -9608,7 +9556,7 @@
         </p:nvSpPr>
         <p:spPr>
           <a:xfrm>
-            <a:off x="460248" y="2705375"/>
+            <a:off x="3962400" y="2705100"/>
             <a:ext cx="8229600" cy="990600"/>
           </a:xfrm>
         </p:spPr>
@@ -9623,6 +9571,36 @@
               <a:rPr lang="en-GB" sz="5400" dirty="0"/>
               <a:t>Thank you!</a:t>
             </a:r>
+          </a:p>
+        </p:txBody>
+      </p:sp>
+      <p:sp>
+        <p:nvSpPr>
+          <p:cNvPr id="5" name="Slide Number Placeholder 4">
+            <a:extLst>
+              <a:ext uri="{FF2B5EF4-FFF2-40B4-BE49-F238E27FC236}">
+                <a16:creationId xmlns:a16="http://schemas.microsoft.com/office/drawing/2014/main" id="{42177564-7B7F-A6B5-E504-FD7CCEBE8303}"/>
+              </a:ext>
+            </a:extLst>
+          </p:cNvPr>
+          <p:cNvSpPr>
+            <a:spLocks noGrp="1"/>
+          </p:cNvSpPr>
+          <p:nvPr>
+            <p:ph type="sldNum" sz="quarter" idx="12"/>
+          </p:nvPr>
+        </p:nvSpPr>
+        <p:spPr/>
+        <p:txBody>
+          <a:bodyPr/>
+          <a:lstStyle/>
+          <a:p>
+            <a:fld id="{EF79ADEA-B933-47CC-A4E9-04E6298B917C}" type="slidenum">
+              <a:rPr lang="en-US" smtClean="0"/>
+              <a:pPr/>
+              <a:t>21</a:t>
+            </a:fld>
+            <a:endParaRPr lang="en-US"/>
           </a:p>
         </p:txBody>
       </p:sp>
@@ -9697,12 +9675,12 @@
             <a:spLocks noGrp="1"/>
           </p:cNvSpPr>
           <p:nvPr>
-            <p:ph sz="quarter" idx="1"/>
+            <p:ph idx="1"/>
           </p:nvPr>
         </p:nvSpPr>
         <p:spPr>
           <a:xfrm>
-            <a:off x="457200" y="1484784"/>
+            <a:off x="1981200" y="1484784"/>
             <a:ext cx="8229600" cy="4672176"/>
           </a:xfrm>
         </p:spPr>
@@ -9790,7 +9768,7 @@
           <a:p>
             <a:r>
               <a:rPr lang="de-CH" sz="1000"/>
-              <a:t>June 2023, CC BY-SA 4.0</a:t>
+              <a:t>August 2023, CC BY-SA 4.0</a:t>
             </a:r>
             <a:endParaRPr lang="en-US" sz="1000" dirty="0"/>
           </a:p>
@@ -9819,7 +9797,7 @@
           <a:p>
             <a:r>
               <a:rPr lang="en-US"/>
-              <a:t>Continuous integration, v3.0</a:t>
+              <a:t>Continuous integration, v4.0</a:t>
             </a:r>
             <a:endParaRPr lang="en-US" dirty="0"/>
           </a:p>
@@ -9839,7 +9817,7 @@
         </p:nvGrpSpPr>
         <p:grpSpPr>
           <a:xfrm rot="1160388">
-            <a:off x="5319971" y="4898591"/>
+            <a:off x="6843971" y="4898592"/>
             <a:ext cx="3888432" cy="830997"/>
             <a:chOff x="3707904" y="4221088"/>
             <a:chExt cx="3888432" cy="830997"/>
@@ -10150,6 +10128,36 @@
           </p:txBody>
         </p:sp>
       </p:grpSp>
+      <p:sp>
+        <p:nvSpPr>
+          <p:cNvPr id="6" name="Slide Number Placeholder 5">
+            <a:extLst>
+              <a:ext uri="{FF2B5EF4-FFF2-40B4-BE49-F238E27FC236}">
+                <a16:creationId xmlns:a16="http://schemas.microsoft.com/office/drawing/2014/main" id="{76556CB7-7106-F283-970D-98E5E27EAB97}"/>
+              </a:ext>
+            </a:extLst>
+          </p:cNvPr>
+          <p:cNvSpPr>
+            <a:spLocks noGrp="1"/>
+          </p:cNvSpPr>
+          <p:nvPr>
+            <p:ph type="sldNum" sz="quarter" idx="12"/>
+          </p:nvPr>
+        </p:nvSpPr>
+        <p:spPr/>
+        <p:txBody>
+          <a:bodyPr/>
+          <a:lstStyle/>
+          <a:p>
+            <a:fld id="{EF79ADEA-B933-47CC-A4E9-04E6298B917C}" type="slidenum">
+              <a:rPr lang="en-US" smtClean="0"/>
+              <a:pPr/>
+              <a:t>22</a:t>
+            </a:fld>
+            <a:endParaRPr lang="en-US"/>
+          </a:p>
+        </p:txBody>
+      </p:sp>
     </p:spTree>
     <p:extLst>
       <p:ext uri="{BB962C8B-B14F-4D97-AF65-F5344CB8AC3E}">
@@ -10226,12 +10234,12 @@
             <a:spLocks noGrp="1"/>
           </p:cNvSpPr>
           <p:nvPr>
-            <p:ph sz="quarter" idx="1"/>
+            <p:ph idx="1"/>
           </p:nvPr>
         </p:nvSpPr>
         <p:spPr>
           <a:xfrm>
-            <a:off x="457200" y="1412776"/>
+            <a:off x="1981200" y="1412776"/>
             <a:ext cx="8229600" cy="4744184"/>
           </a:xfrm>
         </p:spPr>
@@ -10324,7 +10332,7 @@
           <a:p>
             <a:r>
               <a:rPr lang="de-CH" sz="1000"/>
-              <a:t>June 2023, CC BY-SA 4.0</a:t>
+              <a:t>August 2023, CC BY-SA 4.0</a:t>
             </a:r>
             <a:endParaRPr lang="en-US" sz="1000" dirty="0"/>
           </a:p>
@@ -10353,7 +10361,7 @@
           <a:p>
             <a:r>
               <a:rPr lang="en-US"/>
-              <a:t>Continuous integration, v3.0</a:t>
+              <a:t>Continuous integration, v4.0</a:t>
             </a:r>
             <a:endParaRPr lang="en-US" dirty="0"/>
           </a:p>
@@ -10381,7 +10389,7 @@
         </p:blipFill>
         <p:spPr>
           <a:xfrm>
-            <a:off x="1619672" y="3789040"/>
+            <a:off x="3143672" y="3789040"/>
             <a:ext cx="5643482" cy="1800200"/>
           </a:xfrm>
           <a:prstGeom prst="rect">
@@ -10389,6 +10397,36 @@
           </a:prstGeom>
         </p:spPr>
       </p:pic>
+      <p:sp>
+        <p:nvSpPr>
+          <p:cNvPr id="7" name="Slide Number Placeholder 6">
+            <a:extLst>
+              <a:ext uri="{FF2B5EF4-FFF2-40B4-BE49-F238E27FC236}">
+                <a16:creationId xmlns:a16="http://schemas.microsoft.com/office/drawing/2014/main" id="{3F872150-F1C8-D16D-5401-B703854D69D1}"/>
+              </a:ext>
+            </a:extLst>
+          </p:cNvPr>
+          <p:cNvSpPr>
+            <a:spLocks noGrp="1"/>
+          </p:cNvSpPr>
+          <p:nvPr>
+            <p:ph type="sldNum" sz="quarter" idx="12"/>
+          </p:nvPr>
+        </p:nvSpPr>
+        <p:spPr/>
+        <p:txBody>
+          <a:bodyPr/>
+          <a:lstStyle/>
+          <a:p>
+            <a:fld id="{EF79ADEA-B933-47CC-A4E9-04E6298B917C}" type="slidenum">
+              <a:rPr lang="en-US" smtClean="0"/>
+              <a:pPr/>
+              <a:t>23</a:t>
+            </a:fld>
+            <a:endParaRPr lang="en-US"/>
+          </a:p>
+        </p:txBody>
+      </p:sp>
     </p:spTree>
     <p:extLst>
       <p:ext uri="{BB962C8B-B14F-4D97-AF65-F5344CB8AC3E}">
@@ -10468,18 +10506,18 @@
             <a:spLocks noGrp="1"/>
           </p:cNvSpPr>
           <p:nvPr>
-            <p:ph sz="quarter" idx="1"/>
+            <p:ph idx="1"/>
           </p:nvPr>
         </p:nvSpPr>
         <p:spPr>
           <a:xfrm>
-            <a:off x="457200" y="5318720"/>
+            <a:off x="1981200" y="5318720"/>
             <a:ext cx="8229600" cy="990600"/>
           </a:xfrm>
         </p:spPr>
         <p:txBody>
           <a:bodyPr>
-            <a:normAutofit lnSpcReduction="10000"/>
+            <a:normAutofit/>
           </a:bodyPr>
           <a:lstStyle/>
           <a:p>
@@ -10540,7 +10578,7 @@
           <a:p>
             <a:r>
               <a:rPr lang="de-CH" sz="1000"/>
-              <a:t>June 2023, CC BY-SA 4.0</a:t>
+              <a:t>August 2023, CC BY-SA 4.0</a:t>
             </a:r>
             <a:endParaRPr lang="en-US" sz="1000" dirty="0"/>
           </a:p>
@@ -10569,7 +10607,7 @@
           <a:p>
             <a:r>
               <a:rPr lang="en-US"/>
-              <a:t>Continuous integration, v3.0</a:t>
+              <a:t>Continuous integration, v4.0</a:t>
             </a:r>
             <a:endParaRPr lang="en-US" dirty="0"/>
           </a:p>
@@ -10589,7 +10627,7 @@
         </p:nvSpPr>
         <p:spPr>
           <a:xfrm>
-            <a:off x="457200" y="1268760"/>
+            <a:off x="1981200" y="1268760"/>
             <a:ext cx="6563072" cy="3970318"/>
           </a:xfrm>
           <a:prstGeom prst="rect">
@@ -10788,6 +10826,36 @@
               </a:rPr>
               <a:t>        fi</a:t>
             </a:r>
+          </a:p>
+        </p:txBody>
+      </p:sp>
+      <p:sp>
+        <p:nvSpPr>
+          <p:cNvPr id="6" name="Slide Number Placeholder 5">
+            <a:extLst>
+              <a:ext uri="{FF2B5EF4-FFF2-40B4-BE49-F238E27FC236}">
+                <a16:creationId xmlns:a16="http://schemas.microsoft.com/office/drawing/2014/main" id="{B7EEEE8A-D92F-4E52-5C1B-81AA2CFE3D6A}"/>
+              </a:ext>
+            </a:extLst>
+          </p:cNvPr>
+          <p:cNvSpPr>
+            <a:spLocks noGrp="1"/>
+          </p:cNvSpPr>
+          <p:nvPr>
+            <p:ph type="sldNum" sz="quarter" idx="12"/>
+          </p:nvPr>
+        </p:nvSpPr>
+        <p:spPr/>
+        <p:txBody>
+          <a:bodyPr/>
+          <a:lstStyle/>
+          <a:p>
+            <a:fld id="{EF79ADEA-B933-47CC-A4E9-04E6298B917C}" type="slidenum">
+              <a:rPr lang="en-US" smtClean="0"/>
+              <a:pPr/>
+              <a:t>24</a:t>
+            </a:fld>
+            <a:endParaRPr lang="en-US"/>
           </a:p>
         </p:txBody>
       </p:sp>
@@ -10838,7 +10906,7 @@
           <a:p>
             <a:r>
               <a:rPr lang="de-CH"/>
-              <a:t>June 2023, CC BY-SA 4.0</a:t>
+              <a:t>August 2023, CC BY-SA 4.0</a:t>
             </a:r>
             <a:endParaRPr lang="en-US"/>
           </a:p>
@@ -10861,8 +10929,38 @@
           <a:p>
             <a:r>
               <a:rPr lang="en-US"/>
-              <a:t>Continuous integration, v3.0</a:t>
-            </a:r>
+              <a:t>Continuous integration, v4.0</a:t>
+            </a:r>
+          </a:p>
+        </p:txBody>
+      </p:sp>
+      <p:sp>
+        <p:nvSpPr>
+          <p:cNvPr id="4" name="Slide Number Placeholder 3">
+            <a:extLst>
+              <a:ext uri="{FF2B5EF4-FFF2-40B4-BE49-F238E27FC236}">
+                <a16:creationId xmlns:a16="http://schemas.microsoft.com/office/drawing/2014/main" id="{681DCCF7-2560-B7FD-A1B3-CA321B59FEB7}"/>
+              </a:ext>
+            </a:extLst>
+          </p:cNvPr>
+          <p:cNvSpPr>
+            <a:spLocks noGrp="1"/>
+          </p:cNvSpPr>
+          <p:nvPr>
+            <p:ph type="sldNum" sz="quarter" idx="12"/>
+          </p:nvPr>
+        </p:nvSpPr>
+        <p:spPr/>
+        <p:txBody>
+          <a:bodyPr/>
+          <a:lstStyle/>
+          <a:p>
+            <a:fld id="{EF79ADEA-B933-47CC-A4E9-04E6298B917C}" type="slidenum">
+              <a:rPr lang="en-US" smtClean="0"/>
+              <a:pPr/>
+              <a:t>25</a:t>
+            </a:fld>
+            <a:endParaRPr lang="en-US"/>
           </a:p>
         </p:txBody>
       </p:sp>
@@ -10919,8 +11017,8 @@
         </p:blipFill>
         <p:spPr bwMode="auto">
           <a:xfrm>
-            <a:off x="-7425" y="1784350"/>
-            <a:ext cx="7818891" cy="4937760"/>
+            <a:off x="0" y="579472"/>
+            <a:ext cx="9147626" cy="5776878"/>
           </a:xfrm>
           <a:prstGeom prst="rect">
             <a:avLst/>
@@ -10978,7 +11076,7 @@
             <a:spLocks noGrp="1"/>
           </p:cNvSpPr>
           <p:nvPr>
-            <p:ph sz="quarter" idx="1"/>
+            <p:ph idx="1"/>
           </p:nvPr>
         </p:nvSpPr>
         <p:spPr/>
@@ -11001,31 +11099,31 @@
           <a:p>
             <a:pPr lvl="2"/>
             <a:r>
-              <a:rPr lang="en-CH" dirty="0"/>
-              <a:t>making sure that the tests always pass</a:t>
-            </a:r>
-            <a:endParaRPr lang="de-DE" dirty="0"/>
+              <a:rPr lang="en-CH" sz="2400" dirty="0"/>
+              <a:t>make sure that the tests always pass</a:t>
+            </a:r>
+            <a:endParaRPr lang="de-DE" sz="2400" dirty="0"/>
           </a:p>
           <a:p>
             <a:pPr lvl="2"/>
             <a:r>
-              <a:rPr lang="en-CH" dirty="0"/>
+              <a:rPr lang="en-CH" sz="2400" dirty="0"/>
               <a:t>check for style consistency</a:t>
             </a:r>
-            <a:endParaRPr lang="de-DE" dirty="0"/>
+            <a:endParaRPr lang="de-DE" sz="2400" dirty="0"/>
           </a:p>
           <a:p>
             <a:pPr lvl="2"/>
             <a:r>
-              <a:rPr lang="en-CH" dirty="0"/>
+              <a:rPr lang="en-CH" sz="2400" dirty="0"/>
               <a:t>build packages for distribution on multiple architectures</a:t>
             </a:r>
-            <a:endParaRPr lang="de-DE" dirty="0"/>
+            <a:endParaRPr lang="de-DE" sz="2400" dirty="0"/>
           </a:p>
           <a:p>
             <a:pPr lvl="2"/>
             <a:r>
-              <a:rPr lang="en-CH" dirty="0"/>
+              <a:rPr lang="en-CH" sz="2400" dirty="0"/>
               <a:t>build documentation</a:t>
             </a:r>
           </a:p>
@@ -11066,7 +11164,7 @@
           <a:p>
             <a:r>
               <a:rPr lang="de-CH"/>
-              <a:t>June 2023, CC BY-SA 4.0</a:t>
+              <a:t>August 2023, CC BY-SA 4.0</a:t>
             </a:r>
             <a:endParaRPr lang="en-US"/>
           </a:p>
@@ -11095,8 +11193,38 @@
           <a:p>
             <a:r>
               <a:rPr lang="en-US"/>
-              <a:t>Continuous integration, v3.0</a:t>
-            </a:r>
+              <a:t>Continuous integration, v4.0</a:t>
+            </a:r>
+          </a:p>
+        </p:txBody>
+      </p:sp>
+      <p:sp>
+        <p:nvSpPr>
+          <p:cNvPr id="6" name="Slide Number Placeholder 5">
+            <a:extLst>
+              <a:ext uri="{FF2B5EF4-FFF2-40B4-BE49-F238E27FC236}">
+                <a16:creationId xmlns:a16="http://schemas.microsoft.com/office/drawing/2014/main" id="{585F52AA-5E8E-9C92-F334-5C438A968E68}"/>
+              </a:ext>
+            </a:extLst>
+          </p:cNvPr>
+          <p:cNvSpPr>
+            <a:spLocks noGrp="1"/>
+          </p:cNvSpPr>
+          <p:nvPr>
+            <p:ph type="sldNum" sz="quarter" idx="12"/>
+          </p:nvPr>
+        </p:nvSpPr>
+        <p:spPr/>
+        <p:txBody>
+          <a:bodyPr/>
+          <a:lstStyle/>
+          <a:p>
+            <a:fld id="{EF79ADEA-B933-47CC-A4E9-04E6298B917C}" type="slidenum">
+              <a:rPr lang="en-US" smtClean="0"/>
+              <a:pPr/>
+              <a:t>3</a:t>
+            </a:fld>
+            <a:endParaRPr lang="en-US"/>
           </a:p>
         </p:txBody>
       </p:sp>
@@ -11189,10 +11317,10 @@
           <a:lstStyle/>
           <a:p>
             <a:r>
-              <a:rPr lang="de-CH" sz="1000"/>
-              <a:t>June 2023, CC BY-SA 4.0</a:t>
-            </a:r>
-            <a:endParaRPr lang="en-US" sz="1000" dirty="0"/>
+              <a:rPr lang="de-CH"/>
+              <a:t>August 2023, CC BY-SA 4.0</a:t>
+            </a:r>
+            <a:endParaRPr lang="en-US" dirty="0"/>
           </a:p>
         </p:txBody>
       </p:sp>
@@ -11219,7 +11347,7 @@
           <a:p>
             <a:r>
               <a:rPr lang="en-US"/>
-              <a:t>Continuous integration, v3.0</a:t>
+              <a:t>Continuous integration, v4.0</a:t>
             </a:r>
             <a:endParaRPr lang="en-US" dirty="0"/>
           </a:p>
@@ -11253,7 +11381,7 @@
         </p:blipFill>
         <p:spPr>
           <a:xfrm>
-            <a:off x="1297510" y="1134012"/>
+            <a:off x="2821510" y="1134012"/>
             <a:ext cx="6718140" cy="5222338"/>
           </a:xfrm>
           <a:prstGeom prst="rect">
@@ -11261,6 +11389,36 @@
           </a:prstGeom>
         </p:spPr>
       </p:pic>
+      <p:sp>
+        <p:nvSpPr>
+          <p:cNvPr id="3" name="Slide Number Placeholder 2">
+            <a:extLst>
+              <a:ext uri="{FF2B5EF4-FFF2-40B4-BE49-F238E27FC236}">
+                <a16:creationId xmlns:a16="http://schemas.microsoft.com/office/drawing/2014/main" id="{45E86116-63BB-9DDE-5B40-845E8BA637A6}"/>
+              </a:ext>
+            </a:extLst>
+          </p:cNvPr>
+          <p:cNvSpPr>
+            <a:spLocks noGrp="1"/>
+          </p:cNvSpPr>
+          <p:nvPr>
+            <p:ph type="sldNum" sz="quarter" idx="12"/>
+          </p:nvPr>
+        </p:nvSpPr>
+        <p:spPr/>
+        <p:txBody>
+          <a:bodyPr/>
+          <a:lstStyle/>
+          <a:p>
+            <a:fld id="{EF79ADEA-B933-47CC-A4E9-04E6298B917C}" type="slidenum">
+              <a:rPr lang="en-US" smtClean="0"/>
+              <a:pPr/>
+              <a:t>4</a:t>
+            </a:fld>
+            <a:endParaRPr lang="en-US"/>
+          </a:p>
+        </p:txBody>
+      </p:sp>
     </p:spTree>
     <p:extLst>
       <p:ext uri="{BB962C8B-B14F-4D97-AF65-F5344CB8AC3E}">
@@ -11332,18 +11490,13 @@
             <a:spLocks noGrp="1"/>
           </p:cNvSpPr>
           <p:nvPr>
-            <p:ph sz="quarter" idx="1"/>
-          </p:nvPr>
-        </p:nvSpPr>
-        <p:spPr>
-          <a:xfrm>
-            <a:off x="457200" y="1219200"/>
-            <a:ext cx="8229600" cy="5090120"/>
-          </a:xfrm>
-        </p:spPr>
+            <p:ph idx="1"/>
+          </p:nvPr>
+        </p:nvSpPr>
+        <p:spPr/>
         <p:txBody>
           <a:bodyPr>
-            <a:normAutofit/>
+            <a:normAutofit lnSpcReduction="10000"/>
           </a:bodyPr>
           <a:lstStyle/>
           <a:p>
@@ -11429,13 +11582,8 @@
             <a:pPr lvl="1"/>
             <a:r>
               <a:rPr lang="en-CH" dirty="0"/>
-              <a:t>Build and publish </a:t>
-            </a:r>
-            <a:r>
-              <a:rPr lang="en-CH"/>
-              <a:t>the documentation</a:t>
-            </a:r>
-            <a:endParaRPr lang="en-CH" dirty="0"/>
+              <a:t>Build and publish the documentation</a:t>
+            </a:r>
           </a:p>
         </p:txBody>
       </p:sp>
@@ -11462,7 +11610,7 @@
           <a:p>
             <a:r>
               <a:rPr lang="de-CH"/>
-              <a:t>June 2023, CC BY-SA 4.0</a:t>
+              <a:t>August 2023, CC BY-SA 4.0</a:t>
             </a:r>
             <a:endParaRPr lang="en-US"/>
           </a:p>
@@ -11491,8 +11639,38 @@
           <a:p>
             <a:r>
               <a:rPr lang="en-US"/>
-              <a:t>Continuous integration, v3.0</a:t>
-            </a:r>
+              <a:t>Continuous integration, v4.0</a:t>
+            </a:r>
+          </a:p>
+        </p:txBody>
+      </p:sp>
+      <p:sp>
+        <p:nvSpPr>
+          <p:cNvPr id="6" name="Slide Number Placeholder 5">
+            <a:extLst>
+              <a:ext uri="{FF2B5EF4-FFF2-40B4-BE49-F238E27FC236}">
+                <a16:creationId xmlns:a16="http://schemas.microsoft.com/office/drawing/2014/main" id="{E390B556-78E8-5BEC-04F7-DEEB7B6F4600}"/>
+              </a:ext>
+            </a:extLst>
+          </p:cNvPr>
+          <p:cNvSpPr>
+            <a:spLocks noGrp="1"/>
+          </p:cNvSpPr>
+          <p:nvPr>
+            <p:ph type="sldNum" sz="quarter" idx="12"/>
+          </p:nvPr>
+        </p:nvSpPr>
+        <p:spPr/>
+        <p:txBody>
+          <a:bodyPr/>
+          <a:lstStyle/>
+          <a:p>
+            <a:fld id="{EF79ADEA-B933-47CC-A4E9-04E6298B917C}" type="slidenum">
+              <a:rPr lang="en-US" smtClean="0"/>
+              <a:pPr/>
+              <a:t>5</a:t>
+            </a:fld>
+            <a:endParaRPr lang="en-US"/>
           </a:p>
         </p:txBody>
       </p:sp>
@@ -11576,10 +11754,10 @@
           <a:lstStyle/>
           <a:p>
             <a:r>
-              <a:rPr lang="de-CH" sz="1000"/>
-              <a:t>June 2023, CC BY-SA 4.0</a:t>
-            </a:r>
-            <a:endParaRPr lang="en-US" sz="1000" dirty="0"/>
+              <a:rPr lang="de-CH"/>
+              <a:t>August 2023, CC BY-SA 4.0</a:t>
+            </a:r>
+            <a:endParaRPr lang="en-US" dirty="0"/>
           </a:p>
         </p:txBody>
       </p:sp>
@@ -11606,7 +11784,7 @@
           <a:p>
             <a:r>
               <a:rPr lang="en-US"/>
-              <a:t>Continuous integration, v3.0</a:t>
+              <a:t>Continuous integration, v4.0</a:t>
             </a:r>
             <a:endParaRPr lang="en-US" dirty="0"/>
           </a:p>
@@ -11641,7 +11819,7 @@
         </p:blipFill>
         <p:spPr bwMode="auto">
           <a:xfrm>
-            <a:off x="1315651" y="1772816"/>
+            <a:off x="2839651" y="1772816"/>
             <a:ext cx="3024336" cy="933734"/>
           </a:xfrm>
           <a:prstGeom prst="rect">
@@ -11689,7 +11867,7 @@
         </p:blipFill>
         <p:spPr bwMode="auto">
           <a:xfrm>
-            <a:off x="5836179" y="1243598"/>
+            <a:off x="7360180" y="1243599"/>
             <a:ext cx="1992169" cy="1992169"/>
           </a:xfrm>
           <a:prstGeom prst="rect">
@@ -11737,7 +11915,7 @@
         </p:blipFill>
         <p:spPr bwMode="auto">
           <a:xfrm>
-            <a:off x="1243643" y="3856391"/>
+            <a:off x="2767643" y="3856392"/>
             <a:ext cx="3168352" cy="1597545"/>
           </a:xfrm>
           <a:prstGeom prst="rect">
@@ -11769,7 +11947,7 @@
         </p:nvSpPr>
         <p:spPr>
           <a:xfrm>
-            <a:off x="5248088" y="3916499"/>
+            <a:off x="6772088" y="3916499"/>
             <a:ext cx="3168352" cy="1477328"/>
           </a:xfrm>
           <a:prstGeom prst="rect">
@@ -11807,6 +11985,36 @@
               </a:rPr>
               <a:t>is at the moment the preferred choice for many open source projects. It is very flexible and well integrated with GitHub.</a:t>
             </a:r>
+          </a:p>
+        </p:txBody>
+      </p:sp>
+      <p:sp>
+        <p:nvSpPr>
+          <p:cNvPr id="3" name="Slide Number Placeholder 2">
+            <a:extLst>
+              <a:ext uri="{FF2B5EF4-FFF2-40B4-BE49-F238E27FC236}">
+                <a16:creationId xmlns:a16="http://schemas.microsoft.com/office/drawing/2014/main" id="{0B9A8264-3CA3-C76C-23D4-D1DF63C5B1B4}"/>
+              </a:ext>
+            </a:extLst>
+          </p:cNvPr>
+          <p:cNvSpPr>
+            <a:spLocks noGrp="1"/>
+          </p:cNvSpPr>
+          <p:nvPr>
+            <p:ph type="sldNum" sz="quarter" idx="12"/>
+          </p:nvPr>
+        </p:nvSpPr>
+        <p:spPr/>
+        <p:txBody>
+          <a:bodyPr/>
+          <a:lstStyle/>
+          <a:p>
+            <a:fld id="{EF79ADEA-B933-47CC-A4E9-04E6298B917C}" type="slidenum">
+              <a:rPr lang="en-US" smtClean="0"/>
+              <a:pPr/>
+              <a:t>6</a:t>
+            </a:fld>
+            <a:endParaRPr lang="en-US"/>
           </a:p>
         </p:txBody>
       </p:sp>
@@ -11856,115 +12064,110 @@
             <p:ph type="title"/>
           </p:nvPr>
         </p:nvSpPr>
+        <p:spPr/>
+        <p:txBody>
+          <a:bodyPr>
+            <a:normAutofit fontScale="90000"/>
+          </a:bodyPr>
+          <a:lstStyle/>
+          <a:p>
+            <a:r>
+              <a:rPr lang="de-DE" dirty="0"/>
+              <a:t>Collaborative Development </a:t>
+            </a:r>
+            <a:r>
+              <a:rPr lang="de-DE" dirty="0" err="1"/>
+              <a:t>with</a:t>
+            </a:r>
+            <a:r>
+              <a:rPr lang="de-DE" dirty="0"/>
+              <a:t> </a:t>
+            </a:r>
+            <a:r>
+              <a:rPr lang="de-DE" dirty="0" err="1"/>
+              <a:t>GitHub</a:t>
+            </a:r>
+            <a:r>
+              <a:rPr lang="de-DE" dirty="0"/>
+              <a:t> Actions</a:t>
+            </a:r>
+            <a:endParaRPr lang="en-CH" dirty="0"/>
+          </a:p>
+        </p:txBody>
+      </p:sp>
+      <p:sp>
+        <p:nvSpPr>
+          <p:cNvPr id="4" name="Date Placeholder 3">
+            <a:extLst>
+              <a:ext uri="{FF2B5EF4-FFF2-40B4-BE49-F238E27FC236}">
+                <a16:creationId xmlns:a16="http://schemas.microsoft.com/office/drawing/2014/main" id="{BB7DFD63-E8DE-9344-BDD0-A143F8BD67AC}"/>
+              </a:ext>
+            </a:extLst>
+          </p:cNvPr>
+          <p:cNvSpPr>
+            <a:spLocks noGrp="1"/>
+          </p:cNvSpPr>
+          <p:nvPr>
+            <p:ph type="dt" sz="half" idx="10"/>
+          </p:nvPr>
+        </p:nvSpPr>
+        <p:spPr/>
+        <p:txBody>
+          <a:bodyPr/>
+          <a:lstStyle/>
+          <a:p>
+            <a:r>
+              <a:rPr lang="de-CH"/>
+              <a:t>August 2023, CC BY-SA 4.0</a:t>
+            </a:r>
+            <a:endParaRPr lang="en-US" dirty="0"/>
+          </a:p>
+        </p:txBody>
+      </p:sp>
+      <p:sp>
+        <p:nvSpPr>
+          <p:cNvPr id="5" name="Footer Placeholder 4">
+            <a:extLst>
+              <a:ext uri="{FF2B5EF4-FFF2-40B4-BE49-F238E27FC236}">
+                <a16:creationId xmlns:a16="http://schemas.microsoft.com/office/drawing/2014/main" id="{5138C878-C3D9-AC4C-BDD7-9EFA39DFB1A1}"/>
+              </a:ext>
+            </a:extLst>
+          </p:cNvPr>
+          <p:cNvSpPr>
+            <a:spLocks noGrp="1"/>
+          </p:cNvSpPr>
+          <p:nvPr>
+            <p:ph type="ftr" sz="quarter" idx="11"/>
+          </p:nvPr>
+        </p:nvSpPr>
+        <p:spPr/>
+        <p:txBody>
+          <a:bodyPr/>
+          <a:lstStyle/>
+          <a:p>
+            <a:r>
+              <a:rPr lang="en-US"/>
+              <a:t>Continuous integration, v4.0</a:t>
+            </a:r>
+            <a:endParaRPr lang="en-US" dirty="0"/>
+          </a:p>
+        </p:txBody>
+      </p:sp>
+      <p:sp>
+        <p:nvSpPr>
+          <p:cNvPr id="3" name="TextBox 2">
+            <a:extLst>
+              <a:ext uri="{FF2B5EF4-FFF2-40B4-BE49-F238E27FC236}">
+                <a16:creationId xmlns:a16="http://schemas.microsoft.com/office/drawing/2014/main" id="{BD2CD179-DAE0-6E46-ADCE-D39859FCD15C}"/>
+              </a:ext>
+            </a:extLst>
+          </p:cNvPr>
+          <p:cNvSpPr txBox="1"/>
+          <p:nvPr/>
+        </p:nvSpPr>
         <p:spPr>
           <a:xfrm>
-            <a:off x="457200" y="228600"/>
-            <a:ext cx="8527976" cy="914400"/>
-          </a:xfrm>
-        </p:spPr>
-        <p:txBody>
-          <a:bodyPr>
-            <a:normAutofit/>
-          </a:bodyPr>
-          <a:lstStyle/>
-          <a:p>
-            <a:r>
-              <a:rPr lang="de-DE" dirty="0"/>
-              <a:t>Collaborative Development </a:t>
-            </a:r>
-            <a:r>
-              <a:rPr lang="de-DE" dirty="0" err="1"/>
-              <a:t>with</a:t>
-            </a:r>
-            <a:r>
-              <a:rPr lang="de-DE" dirty="0"/>
-              <a:t> </a:t>
-            </a:r>
-            <a:r>
-              <a:rPr lang="de-DE" dirty="0" err="1"/>
-              <a:t>GitHub</a:t>
-            </a:r>
-            <a:r>
-              <a:rPr lang="de-DE" dirty="0"/>
-              <a:t> Actions</a:t>
-            </a:r>
-            <a:endParaRPr lang="en-CH" dirty="0"/>
-          </a:p>
-        </p:txBody>
-      </p:sp>
-      <p:sp>
-        <p:nvSpPr>
-          <p:cNvPr id="4" name="Date Placeholder 3">
-            <a:extLst>
-              <a:ext uri="{FF2B5EF4-FFF2-40B4-BE49-F238E27FC236}">
-                <a16:creationId xmlns:a16="http://schemas.microsoft.com/office/drawing/2014/main" id="{BB7DFD63-E8DE-9344-BDD0-A143F8BD67AC}"/>
-              </a:ext>
-            </a:extLst>
-          </p:cNvPr>
-          <p:cNvSpPr>
-            <a:spLocks noGrp="1"/>
-          </p:cNvSpPr>
-          <p:nvPr>
-            <p:ph type="dt" sz="half" idx="10"/>
-          </p:nvPr>
-        </p:nvSpPr>
-        <p:spPr/>
-        <p:txBody>
-          <a:bodyPr/>
-          <a:lstStyle/>
-          <a:p>
-            <a:r>
-              <a:rPr lang="de-CH" sz="1000"/>
-              <a:t>June 2023, CC BY-SA 4.0</a:t>
-            </a:r>
-            <a:endParaRPr lang="en-US" sz="1000" dirty="0"/>
-          </a:p>
-        </p:txBody>
-      </p:sp>
-      <p:sp>
-        <p:nvSpPr>
-          <p:cNvPr id="5" name="Footer Placeholder 4">
-            <a:extLst>
-              <a:ext uri="{FF2B5EF4-FFF2-40B4-BE49-F238E27FC236}">
-                <a16:creationId xmlns:a16="http://schemas.microsoft.com/office/drawing/2014/main" id="{5138C878-C3D9-AC4C-BDD7-9EFA39DFB1A1}"/>
-              </a:ext>
-            </a:extLst>
-          </p:cNvPr>
-          <p:cNvSpPr>
-            <a:spLocks noGrp="1"/>
-          </p:cNvSpPr>
-          <p:nvPr>
-            <p:ph type="ftr" sz="quarter" idx="11"/>
-          </p:nvPr>
-        </p:nvSpPr>
-        <p:spPr/>
-        <p:txBody>
-          <a:bodyPr/>
-          <a:lstStyle/>
-          <a:p>
-            <a:r>
-              <a:rPr lang="en-US"/>
-              <a:t>Continuous integration, v3.0</a:t>
-            </a:r>
-            <a:endParaRPr lang="en-US" dirty="0"/>
-          </a:p>
-        </p:txBody>
-      </p:sp>
-      <p:sp>
-        <p:nvSpPr>
-          <p:cNvPr id="3" name="TextBox 2">
-            <a:extLst>
-              <a:ext uri="{FF2B5EF4-FFF2-40B4-BE49-F238E27FC236}">
-                <a16:creationId xmlns:a16="http://schemas.microsoft.com/office/drawing/2014/main" id="{BD2CD179-DAE0-6E46-ADCE-D39859FCD15C}"/>
-              </a:ext>
-            </a:extLst>
-          </p:cNvPr>
-          <p:cNvSpPr txBox="1"/>
-          <p:nvPr/>
-        </p:nvSpPr>
-        <p:spPr>
-          <a:xfrm>
-            <a:off x="6696128" y="2595513"/>
+            <a:off x="8220128" y="2595513"/>
             <a:ext cx="2289048" cy="1631216"/>
           </a:xfrm>
           <a:prstGeom prst="rect">
@@ -12013,7 +12216,7 @@
         </p:blipFill>
         <p:spPr>
           <a:xfrm>
-            <a:off x="524274" y="1143001"/>
+            <a:off x="2048274" y="1143001"/>
             <a:ext cx="6063950" cy="5382344"/>
           </a:xfrm>
           <a:prstGeom prst="rect">
@@ -12021,6 +12224,36 @@
           </a:prstGeom>
         </p:spPr>
       </p:pic>
+      <p:sp>
+        <p:nvSpPr>
+          <p:cNvPr id="6" name="Slide Number Placeholder 5">
+            <a:extLst>
+              <a:ext uri="{FF2B5EF4-FFF2-40B4-BE49-F238E27FC236}">
+                <a16:creationId xmlns:a16="http://schemas.microsoft.com/office/drawing/2014/main" id="{0719E97F-E9EE-C00B-7CE0-4D333CE99290}"/>
+              </a:ext>
+            </a:extLst>
+          </p:cNvPr>
+          <p:cNvSpPr>
+            <a:spLocks noGrp="1"/>
+          </p:cNvSpPr>
+          <p:nvPr>
+            <p:ph type="sldNum" sz="quarter" idx="12"/>
+          </p:nvPr>
+        </p:nvSpPr>
+        <p:spPr/>
+        <p:txBody>
+          <a:bodyPr/>
+          <a:lstStyle/>
+          <a:p>
+            <a:fld id="{EF79ADEA-B933-47CC-A4E9-04E6298B917C}" type="slidenum">
+              <a:rPr lang="en-US" smtClean="0"/>
+              <a:pPr/>
+              <a:t>7</a:t>
+            </a:fld>
+            <a:endParaRPr lang="en-US"/>
+          </a:p>
+        </p:txBody>
+      </p:sp>
     </p:spTree>
     <p:extLst>
       <p:ext uri="{BB962C8B-B14F-4D97-AF65-F5344CB8AC3E}">
@@ -12092,12 +12325,19 @@
             <a:spLocks noGrp="1"/>
           </p:cNvSpPr>
           <p:nvPr>
-            <p:ph sz="quarter" idx="1"/>
-          </p:nvPr>
-        </p:nvSpPr>
-        <p:spPr/>
-        <p:txBody>
-          <a:bodyPr/>
+            <p:ph idx="1"/>
+          </p:nvPr>
+        </p:nvSpPr>
+        <p:spPr>
+          <a:xfrm>
+            <a:off x="838200" y="1196752"/>
+            <a:ext cx="10515600" cy="4980211"/>
+          </a:xfrm>
+        </p:spPr>
+        <p:txBody>
+          <a:bodyPr>
+            <a:normAutofit lnSpcReduction="10000"/>
+          </a:bodyPr>
           <a:lstStyle/>
           <a:p>
             <a:pPr marL="0" indent="0">
@@ -12119,6 +12359,12 @@
             <a:pPr marL="0" indent="0">
               <a:buNone/>
             </a:pPr>
+            <a:br>
+              <a:rPr lang="en-CH" dirty="0"/>
+            </a:br>
+            <a:br>
+              <a:rPr lang="en-CH" dirty="0"/>
+            </a:br>
             <a:endParaRPr lang="de-DE" dirty="0"/>
           </a:p>
           <a:p>
@@ -12185,7 +12431,7 @@
           <a:p>
             <a:r>
               <a:rPr lang="de-CH" sz="1000"/>
-              <a:t>June 2023, CC BY-SA 4.0</a:t>
+              <a:t>August 2023, CC BY-SA 4.0</a:t>
             </a:r>
             <a:endParaRPr lang="en-US" sz="1000" dirty="0"/>
           </a:p>
@@ -12214,7 +12460,7 @@
           <a:p>
             <a:r>
               <a:rPr lang="en-US"/>
-              <a:t>Continuous integration, v3.0</a:t>
+              <a:t>Continuous integration, v4.0</a:t>
             </a:r>
             <a:endParaRPr lang="en-US" dirty="0"/>
           </a:p>
@@ -12234,7 +12480,7 @@
         </p:nvSpPr>
         <p:spPr>
           <a:xfrm>
-            <a:off x="4139952" y="2060848"/>
+            <a:off x="5663952" y="2366883"/>
             <a:ext cx="720080" cy="504056"/>
           </a:xfrm>
           <a:prstGeom prst="downArrow">
@@ -12280,7 +12526,7 @@
         </p:nvSpPr>
         <p:spPr>
           <a:xfrm>
-            <a:off x="4139952" y="3897053"/>
+            <a:off x="5663952" y="4125543"/>
             <a:ext cx="720080" cy="504056"/>
           </a:xfrm>
           <a:prstGeom prst="downArrow">
@@ -12309,6 +12555,36 @@
           <a:p>
             <a:pPr algn="ctr"/>
             <a:endParaRPr lang="en-DE"/>
+          </a:p>
+        </p:txBody>
+      </p:sp>
+      <p:sp>
+        <p:nvSpPr>
+          <p:cNvPr id="8" name="Slide Number Placeholder 7">
+            <a:extLst>
+              <a:ext uri="{FF2B5EF4-FFF2-40B4-BE49-F238E27FC236}">
+                <a16:creationId xmlns:a16="http://schemas.microsoft.com/office/drawing/2014/main" id="{B63FAC1A-9BFC-440F-8AC4-C3F27E96EB3D}"/>
+              </a:ext>
+            </a:extLst>
+          </p:cNvPr>
+          <p:cNvSpPr>
+            <a:spLocks noGrp="1"/>
+          </p:cNvSpPr>
+          <p:nvPr>
+            <p:ph type="sldNum" sz="quarter" idx="12"/>
+          </p:nvPr>
+        </p:nvSpPr>
+        <p:spPr/>
+        <p:txBody>
+          <a:bodyPr/>
+          <a:lstStyle/>
+          <a:p>
+            <a:fld id="{EF79ADEA-B933-47CC-A4E9-04E6298B917C}" type="slidenum">
+              <a:rPr lang="en-US" smtClean="0"/>
+              <a:pPr/>
+              <a:t>8</a:t>
+            </a:fld>
+            <a:endParaRPr lang="en-US"/>
           </a:p>
         </p:txBody>
       </p:sp>
@@ -12383,7 +12659,7 @@
             <a:spLocks noGrp="1"/>
           </p:cNvSpPr>
           <p:nvPr>
-            <p:ph sz="quarter" idx="1"/>
+            <p:ph idx="1"/>
           </p:nvPr>
         </p:nvSpPr>
         <p:spPr/>
@@ -12430,7 +12706,7 @@
           <a:p>
             <a:r>
               <a:rPr lang="de-CH" sz="1000"/>
-              <a:t>June 2023, CC BY-SA 4.0</a:t>
+              <a:t>August 2023, CC BY-SA 4.0</a:t>
             </a:r>
             <a:endParaRPr lang="en-US" sz="1000" dirty="0"/>
           </a:p>
@@ -12459,7 +12735,7 @@
           <a:p>
             <a:r>
               <a:rPr lang="en-US"/>
-              <a:t>Continuous integration, v3.0</a:t>
+              <a:t>Continuous integration, v4.0</a:t>
             </a:r>
             <a:endParaRPr lang="en-US" dirty="0"/>
           </a:p>
@@ -12493,7 +12769,7 @@
         </p:blipFill>
         <p:spPr>
           <a:xfrm>
-            <a:off x="467544" y="2562762"/>
+            <a:off x="1991544" y="2562763"/>
             <a:ext cx="5328592" cy="2316779"/>
           </a:xfrm>
           <a:prstGeom prst="rect">
@@ -12529,7 +12805,7 @@
         </p:blipFill>
         <p:spPr>
           <a:xfrm>
-            <a:off x="3254220" y="3920550"/>
+            <a:off x="4778220" y="3920550"/>
             <a:ext cx="5442924" cy="2316762"/>
           </a:xfrm>
           <a:prstGeom prst="rect">
@@ -12537,6 +12813,36 @@
           </a:prstGeom>
         </p:spPr>
       </p:pic>
+      <p:sp>
+        <p:nvSpPr>
+          <p:cNvPr id="6" name="Slide Number Placeholder 5">
+            <a:extLst>
+              <a:ext uri="{FF2B5EF4-FFF2-40B4-BE49-F238E27FC236}">
+                <a16:creationId xmlns:a16="http://schemas.microsoft.com/office/drawing/2014/main" id="{7B07FFD5-AD05-C0D7-BC0E-E8BF58378D85}"/>
+              </a:ext>
+            </a:extLst>
+          </p:cNvPr>
+          <p:cNvSpPr>
+            <a:spLocks noGrp="1"/>
+          </p:cNvSpPr>
+          <p:nvPr>
+            <p:ph type="sldNum" sz="quarter" idx="12"/>
+          </p:nvPr>
+        </p:nvSpPr>
+        <p:spPr/>
+        <p:txBody>
+          <a:bodyPr/>
+          <a:lstStyle/>
+          <a:p>
+            <a:fld id="{EF79ADEA-B933-47CC-A4E9-04E6298B917C}" type="slidenum">
+              <a:rPr lang="en-US" smtClean="0"/>
+              <a:pPr/>
+              <a:t>9</a:t>
+            </a:fld>
+            <a:endParaRPr lang="en-US"/>
+          </a:p>
+        </p:txBody>
+      </p:sp>
     </p:spTree>
     <p:extLst>
       <p:ext uri="{BB962C8B-B14F-4D97-AF65-F5344CB8AC3E}">
@@ -12551,9 +12857,9 @@
 </file>
 
 <file path=ppt/theme/theme1.xml><?xml version="1.0" encoding="utf-8"?>
-<a:theme xmlns:a="http://schemas.openxmlformats.org/drawingml/2006/main" name="Origin">
+<a:theme xmlns:a="http://schemas.openxmlformats.org/drawingml/2006/main" name="Office Theme">
   <a:themeElements>
-    <a:clrScheme name="Origin">
+    <a:clrScheme name="Office">
       <a:dk1>
         <a:sysClr val="windowText" lastClr="000000"/>
       </a:dk1>
@@ -12561,48 +12867,98 @@
         <a:sysClr val="window" lastClr="FFFFFF"/>
       </a:lt1>
       <a:dk2>
-        <a:srgbClr val="464653"/>
+        <a:srgbClr val="44546A"/>
       </a:dk2>
       <a:lt2>
-        <a:srgbClr val="DDE9EC"/>
+        <a:srgbClr val="E7E6E6"/>
       </a:lt2>
       <a:accent1>
-        <a:srgbClr val="727CA3"/>
+        <a:srgbClr val="4472C4"/>
       </a:accent1>
       <a:accent2>
-        <a:srgbClr val="9FB8CD"/>
+        <a:srgbClr val="ED7D31"/>
       </a:accent2>
       <a:accent3>
-        <a:srgbClr val="D2DA7A"/>
+        <a:srgbClr val="A5A5A5"/>
       </a:accent3>
       <a:accent4>
-        <a:srgbClr val="FADA7A"/>
+        <a:srgbClr val="FFC000"/>
       </a:accent4>
       <a:accent5>
-        <a:srgbClr val="B88472"/>
+        <a:srgbClr val="5B9BD5"/>
       </a:accent5>
       <a:accent6>
-        <a:srgbClr val="8E736A"/>
+        <a:srgbClr val="70AD47"/>
       </a:accent6>
       <a:hlink>
-        <a:srgbClr val="B292CA"/>
+        <a:srgbClr val="0563C1"/>
       </a:hlink>
       <a:folHlink>
-        <a:srgbClr val="6B5680"/>
+        <a:srgbClr val="954F72"/>
       </a:folHlink>
     </a:clrScheme>
-    <a:fontScheme name="Solstice">
+    <a:fontScheme name="Office">
       <a:majorFont>
-        <a:latin typeface="Gill Sans MT"/>
+        <a:latin typeface="Calibri Light" panose="020F0302020204030204"/>
         <a:ea typeface=""/>
         <a:cs typeface=""/>
-        <a:font script="Grek" typeface="Corbel"/>
-        <a:font script="Cyrl" typeface="Corbel"/>
-        <a:font script="Jpan" typeface="HGｺﾞｼｯｸE"/>
-        <a:font script="Hang" typeface="휴먼매직체"/>
-        <a:font script="Hans" typeface="华文中宋"/>
-        <a:font script="Hant" typeface="微軟正黑體"/>
-        <a:font script="Arab" typeface="Majalla UI"/>
+        <a:font script="Jpan" typeface="游ゴシック Light"/>
+        <a:font script="Hang" typeface="맑은 고딕"/>
+        <a:font script="Hans" typeface="等线 Light"/>
+        <a:font script="Hant" typeface="新細明體"/>
+        <a:font script="Arab" typeface="Times New Roman"/>
+        <a:font script="Hebr" typeface="Times New Roman"/>
+        <a:font script="Thai" typeface="Angsana New"/>
+        <a:font script="Ethi" typeface="Nyala"/>
+        <a:font script="Beng" typeface="Vrinda"/>
+        <a:font script="Gujr" typeface="Shruti"/>
+        <a:font script="Khmr" typeface="MoolBoran"/>
+        <a:font script="Knda" typeface="Tunga"/>
+        <a:font script="Guru" typeface="Raavi"/>
+        <a:font script="Cans" typeface="Euphemia"/>
+        <a:font script="Cher" typeface="Plantagenet Cherokee"/>
+        <a:font script="Yiii" typeface="Microsoft Yi Baiti"/>
+        <a:font script="Tibt" typeface="Microsoft Himalaya"/>
+        <a:font script="Thaa" typeface="MV Boli"/>
+        <a:font script="Deva" typeface="Mangal"/>
+        <a:font script="Telu" typeface="Gautami"/>
+        <a:font script="Taml" typeface="Latha"/>
+        <a:font script="Syrc" typeface="Estrangelo Edessa"/>
+        <a:font script="Orya" typeface="Kalinga"/>
+        <a:font script="Mlym" typeface="Kartika"/>
+        <a:font script="Laoo" typeface="DokChampa"/>
+        <a:font script="Sinh" typeface="Iskoola Pota"/>
+        <a:font script="Mong" typeface="Mongolian Baiti"/>
+        <a:font script="Viet" typeface="Times New Roman"/>
+        <a:font script="Uigh" typeface="Microsoft Uighur"/>
+        <a:font script="Geor" typeface="Sylfaen"/>
+        <a:font script="Armn" typeface="Arial"/>
+        <a:font script="Bugi" typeface="Leelawadee UI"/>
+        <a:font script="Bopo" typeface="Microsoft JhengHei"/>
+        <a:font script="Java" typeface="Javanese Text"/>
+        <a:font script="Lisu" typeface="Segoe UI"/>
+        <a:font script="Mymr" typeface="Myanmar Text"/>
+        <a:font script="Nkoo" typeface="Ebrima"/>
+        <a:font script="Olck" typeface="Nirmala UI"/>
+        <a:font script="Osma" typeface="Ebrima"/>
+        <a:font script="Phag" typeface="Phagspa"/>
+        <a:font script="Syrn" typeface="Estrangelo Edessa"/>
+        <a:font script="Syrj" typeface="Estrangelo Edessa"/>
+        <a:font script="Syre" typeface="Estrangelo Edessa"/>
+        <a:font script="Sora" typeface="Nirmala UI"/>
+        <a:font script="Tale" typeface="Microsoft Tai Le"/>
+        <a:font script="Talu" typeface="Microsoft New Tai Lue"/>
+        <a:font script="Tfng" typeface="Ebrima"/>
+      </a:majorFont>
+      <a:minorFont>
+        <a:latin typeface="Calibri" panose="020F0502020204030204"/>
+        <a:ea typeface=""/>
+        <a:cs typeface=""/>
+        <a:font script="Jpan" typeface="游ゴシック"/>
+        <a:font script="Hang" typeface="맑은 고딕"/>
+        <a:font script="Hans" typeface="等线"/>
+        <a:font script="Hant" typeface="新細明體"/>
+        <a:font script="Arab" typeface="Arial"/>
         <a:font script="Hebr" typeface="Arial"/>
         <a:font script="Thai" typeface="Cordia New"/>
         <a:font script="Ethi" typeface="Nyala"/>
@@ -12625,47 +12981,29 @@
         <a:font script="Laoo" typeface="DokChampa"/>
         <a:font script="Sinh" typeface="Iskoola Pota"/>
         <a:font script="Mong" typeface="Mongolian Baiti"/>
-        <a:font script="Viet" typeface="Tahoma"/>
+        <a:font script="Viet" typeface="Arial"/>
         <a:font script="Uigh" typeface="Microsoft Uighur"/>
-      </a:majorFont>
-      <a:minorFont>
-        <a:latin typeface="Gill Sans MT"/>
-        <a:ea typeface=""/>
-        <a:cs typeface=""/>
-        <a:font script="Grek" typeface="Corbel"/>
-        <a:font script="Cyrl" typeface="Corbel"/>
-        <a:font script="Jpan" typeface="HGｺﾞｼｯｸE"/>
-        <a:font script="Hang" typeface="HY엽서L"/>
-        <a:font script="Hans" typeface="华文中宋"/>
-        <a:font script="Hant" typeface="微軟正黑體"/>
-        <a:font script="Arab" typeface="Majalla UI"/>
-        <a:font script="Hebr" typeface="Arial"/>
-        <a:font script="Thai" typeface="Cordia New"/>
-        <a:font script="Ethi" typeface="Nyala"/>
-        <a:font script="Beng" typeface="Vrinda"/>
-        <a:font script="Gujr" typeface="Shruti"/>
-        <a:font script="Khmr" typeface="DaunPenh"/>
-        <a:font script="Knda" typeface="Tunga"/>
-        <a:font script="Guru" typeface="Raavi"/>
-        <a:font script="Cans" typeface="Euphemia"/>
-        <a:font script="Cher" typeface="Plantagenet Cherokee"/>
-        <a:font script="Yiii" typeface="Microsoft Yi Baiti"/>
-        <a:font script="Tibt" typeface="Microsoft Himalaya"/>
-        <a:font script="Thaa" typeface="MV Boli"/>
-        <a:font script="Deva" typeface="Mangal"/>
-        <a:font script="Telu" typeface="Gautami"/>
-        <a:font script="Taml" typeface="Latha"/>
-        <a:font script="Syrc" typeface="Estrangelo Edessa"/>
-        <a:font script="Orya" typeface="Kalinga"/>
-        <a:font script="Mlym" typeface="Kartika"/>
-        <a:font script="Laoo" typeface="DokChampa"/>
-        <a:font script="Sinh" typeface="Iskoola Pota"/>
-        <a:font script="Mong" typeface="Mongolian Baiti"/>
-        <a:font script="Viet" typeface="Tahoma"/>
-        <a:font script="Uigh" typeface="Microsoft Uighur"/>
+        <a:font script="Geor" typeface="Sylfaen"/>
+        <a:font script="Armn" typeface="Arial"/>
+        <a:font script="Bugi" typeface="Leelawadee UI"/>
+        <a:font script="Bopo" typeface="Microsoft JhengHei"/>
+        <a:font script="Java" typeface="Javanese Text"/>
+        <a:font script="Lisu" typeface="Segoe UI"/>
+        <a:font script="Mymr" typeface="Myanmar Text"/>
+        <a:font script="Nkoo" typeface="Ebrima"/>
+        <a:font script="Olck" typeface="Nirmala UI"/>
+        <a:font script="Osma" typeface="Ebrima"/>
+        <a:font script="Phag" typeface="Phagspa"/>
+        <a:font script="Syrn" typeface="Estrangelo Edessa"/>
+        <a:font script="Syrj" typeface="Estrangelo Edessa"/>
+        <a:font script="Syre" typeface="Estrangelo Edessa"/>
+        <a:font script="Sora" typeface="Nirmala UI"/>
+        <a:font script="Tale" typeface="Microsoft Tai Le"/>
+        <a:font script="Talu" typeface="Microsoft New Tai Lue"/>
+        <a:font script="Tfng" typeface="Ebrima"/>
       </a:minorFont>
     </a:fontScheme>
-    <a:fmtScheme name="Origin">
+    <a:fmtScheme name="Office">
       <a:fillStyleLst>
         <a:solidFill>
           <a:schemeClr val="phClr"/>
@@ -12674,211 +13012,142 @@
           <a:gsLst>
             <a:gs pos="0">
               <a:schemeClr val="phClr">
-                <a:tint val="45000"/>
-                <a:satMod val="200000"/>
+                <a:lumMod val="110000"/>
+                <a:satMod val="105000"/>
+                <a:tint val="67000"/>
               </a:schemeClr>
             </a:gs>
-            <a:gs pos="30000">
+            <a:gs pos="50000">
               <a:schemeClr val="phClr">
-                <a:tint val="61000"/>
-                <a:satMod val="200000"/>
-              </a:schemeClr>
-            </a:gs>
-            <a:gs pos="45000">
-              <a:schemeClr val="phClr">
-                <a:tint val="66000"/>
-                <a:satMod val="200000"/>
-              </a:schemeClr>
-            </a:gs>
-            <a:gs pos="55000">
-              <a:schemeClr val="phClr">
-                <a:tint val="66000"/>
-                <a:satMod val="200000"/>
-              </a:schemeClr>
-            </a:gs>
-            <a:gs pos="73000">
-              <a:schemeClr val="phClr">
-                <a:tint val="61000"/>
-                <a:satMod val="200000"/>
+                <a:lumMod val="105000"/>
+                <a:satMod val="103000"/>
+                <a:tint val="73000"/>
               </a:schemeClr>
             </a:gs>
             <a:gs pos="100000">
               <a:schemeClr val="phClr">
-                <a:tint val="45000"/>
-                <a:satMod val="200000"/>
+                <a:lumMod val="105000"/>
+                <a:satMod val="109000"/>
+                <a:tint val="81000"/>
               </a:schemeClr>
             </a:gs>
           </a:gsLst>
-          <a:lin ang="950000" scaled="1"/>
+          <a:lin ang="5400000" scaled="0"/>
         </a:gradFill>
         <a:gradFill rotWithShape="1">
           <a:gsLst>
             <a:gs pos="0">
               <a:schemeClr val="phClr">
-                <a:shade val="63000"/>
+                <a:satMod val="103000"/>
+                <a:lumMod val="102000"/>
+                <a:tint val="94000"/>
               </a:schemeClr>
             </a:gs>
-            <a:gs pos="30000">
+            <a:gs pos="50000">
               <a:schemeClr val="phClr">
-                <a:shade val="90000"/>
                 <a:satMod val="110000"/>
-              </a:schemeClr>
-            </a:gs>
-            <a:gs pos="45000">
-              <a:schemeClr val="phClr">
+                <a:lumMod val="100000"/>
                 <a:shade val="100000"/>
-                <a:satMod val="118000"/>
-              </a:schemeClr>
-            </a:gs>
-            <a:gs pos="55000">
-              <a:schemeClr val="phClr">
-                <a:shade val="100000"/>
-                <a:satMod val="118000"/>
-              </a:schemeClr>
-            </a:gs>
-            <a:gs pos="73000">
-              <a:schemeClr val="phClr">
-                <a:shade val="90000"/>
-                <a:satMod val="110000"/>
               </a:schemeClr>
             </a:gs>
             <a:gs pos="100000">
               <a:schemeClr val="phClr">
-                <a:shade val="63000"/>
+                <a:lumMod val="99000"/>
+                <a:satMod val="120000"/>
+                <a:shade val="78000"/>
               </a:schemeClr>
             </a:gs>
           </a:gsLst>
-          <a:lin ang="950000" scaled="1"/>
+          <a:lin ang="5400000" scaled="0"/>
         </a:gradFill>
       </a:fillStyleLst>
       <a:lnStyleLst>
-        <a:ln w="9525" cap="flat" cmpd="sng" algn="ctr">
+        <a:ln w="6350" cap="flat" cmpd="sng" algn="ctr">
           <a:solidFill>
             <a:schemeClr val="phClr"/>
           </a:solidFill>
           <a:prstDash val="solid"/>
+          <a:miter lim="800000"/>
+        </a:ln>
+        <a:ln w="12700" cap="flat" cmpd="sng" algn="ctr">
+          <a:solidFill>
+            <a:schemeClr val="phClr"/>
+          </a:solidFill>
+          <a:prstDash val="solid"/>
+          <a:miter lim="800000"/>
         </a:ln>
         <a:ln w="19050" cap="flat" cmpd="sng" algn="ctr">
           <a:solidFill>
             <a:schemeClr val="phClr"/>
           </a:solidFill>
           <a:prstDash val="solid"/>
-        </a:ln>
-        <a:ln w="25400" cap="flat" cmpd="sng" algn="ctr">
-          <a:solidFill>
-            <a:schemeClr val="phClr"/>
-          </a:solidFill>
-          <a:prstDash val="solid"/>
+          <a:miter lim="800000"/>
         </a:ln>
       </a:lnStyleLst>
       <a:effectStyleLst>
         <a:effectStyle>
+          <a:effectLst/>
+        </a:effectStyle>
+        <a:effectStyle>
+          <a:effectLst/>
+        </a:effectStyle>
+        <a:effectStyle>
           <a:effectLst>
-            <a:outerShdw blurRad="38100" dist="25400" dir="5400000" rotWithShape="0">
+            <a:outerShdw blurRad="57150" dist="19050" dir="5400000" algn="ctr" rotWithShape="0">
               <a:srgbClr val="000000">
-                <a:alpha val="40000"/>
+                <a:alpha val="63000"/>
               </a:srgbClr>
             </a:outerShdw>
           </a:effectLst>
-        </a:effectStyle>
-        <a:effectStyle>
-          <a:effectLst>
-            <a:outerShdw blurRad="50800" dist="43000" dir="5400000" rotWithShape="0">
-              <a:srgbClr val="000000">
-                <a:alpha val="40000"/>
-              </a:srgbClr>
-            </a:outerShdw>
-          </a:effectLst>
-          <a:scene3d>
-            <a:camera prst="orthographicFront" fov="0">
-              <a:rot lat="0" lon="0" rev="0"/>
-            </a:camera>
-            <a:lightRig rig="balanced" dir="t">
-              <a:rot lat="0" lon="0" rev="0"/>
-            </a:lightRig>
-          </a:scene3d>
-          <a:sp3d prstMaterial="matte">
-            <a:bevelT w="0" h="0"/>
-            <a:contourClr>
-              <a:schemeClr val="phClr">
-                <a:tint val="100000"/>
-                <a:shade val="100000"/>
-                <a:hueMod val="100000"/>
-                <a:satMod val="100000"/>
-              </a:schemeClr>
-            </a:contourClr>
-          </a:sp3d>
-        </a:effectStyle>
-        <a:effectStyle>
-          <a:effectLst>
-            <a:outerShdw blurRad="50800" dist="25400" dir="5400000" rotWithShape="0">
-              <a:srgbClr val="000000">
-                <a:alpha val="50000"/>
-              </a:srgbClr>
-            </a:outerShdw>
-          </a:effectLst>
-          <a:scene3d>
-            <a:camera prst="orthographicFront" fov="0">
-              <a:rot lat="0" lon="0" rev="0"/>
-            </a:camera>
-            <a:lightRig rig="soft" dir="t">
-              <a:rot lat="0" lon="0" rev="2700000"/>
-            </a:lightRig>
-          </a:scene3d>
-          <a:sp3d prstMaterial="matte">
-            <a:bevelT w="50800" h="50800"/>
-            <a:contourClr>
-              <a:schemeClr val="phClr"/>
-            </a:contourClr>
-          </a:sp3d>
         </a:effectStyle>
       </a:effectStyleLst>
       <a:bgFillStyleLst>
         <a:solidFill>
           <a:schemeClr val="phClr"/>
         </a:solidFill>
+        <a:solidFill>
+          <a:schemeClr val="phClr">
+            <a:tint val="95000"/>
+            <a:satMod val="170000"/>
+          </a:schemeClr>
+        </a:solidFill>
         <a:gradFill rotWithShape="1">
           <a:gsLst>
             <a:gs pos="0">
               <a:schemeClr val="phClr">
-                <a:shade val="60000"/>
-                <a:satMod val="300000"/>
+                <a:tint val="93000"/>
+                <a:satMod val="150000"/>
+                <a:shade val="98000"/>
+                <a:lumMod val="102000"/>
               </a:schemeClr>
             </a:gs>
-            <a:gs pos="30000">
+            <a:gs pos="50000">
               <a:schemeClr val="phClr">
-                <a:shade val="80000"/>
-                <a:satMod val="230000"/>
+                <a:tint val="98000"/>
+                <a:satMod val="130000"/>
+                <a:shade val="90000"/>
+                <a:lumMod val="103000"/>
               </a:schemeClr>
             </a:gs>
             <a:gs pos="100000">
               <a:schemeClr val="phClr">
-                <a:tint val="97000"/>
-                <a:satMod val="220000"/>
+                <a:shade val="63000"/>
+                <a:satMod val="120000"/>
               </a:schemeClr>
             </a:gs>
           </a:gsLst>
-          <a:lin ang="16200000" scaled="1"/>
+          <a:lin ang="5400000" scaled="0"/>
         </a:gradFill>
-        <a:blipFill>
-          <a:blip xmlns:r="http://schemas.openxmlformats.org/officeDocument/2006/relationships" r:embed="rId1">
-            <a:duotone>
-              <a:schemeClr val="phClr">
-                <a:shade val="6000"/>
-                <a:satMod val="120000"/>
-              </a:schemeClr>
-              <a:schemeClr val="phClr">
-                <a:tint val="90000"/>
-              </a:schemeClr>
-            </a:duotone>
-          </a:blip>
-          <a:tile tx="0" ty="0" sx="35000" sy="40000" flip="x" algn="tl"/>
-        </a:blipFill>
       </a:bgFillStyleLst>
     </a:fmtScheme>
   </a:themeElements>
   <a:objectDefaults/>
   <a:extraClrSchemeLst/>
+  <a:extLst>
+    <a:ext uri="{05A4C25C-085E-4340-85A3-A5531E510DB2}">
+      <thm15:themeFamily xmlns:thm15="http://schemas.microsoft.com/office/thememl/2012/main" name="Office Theme" id="{62F939B6-93AF-4DB8-9C6B-D6C7DFDC589F}" vid="{4A3C46E8-61CC-4603-A589-7422A47A8E4A}"/>
+    </a:ext>
+  </a:extLst>
 </a:theme>
 </file>
 

--- a/continuous_integration.pptx
+++ b/continuous_integration.pptx
@@ -269,7 +269,7 @@
             <a:fld id="{80AC11AF-147E-0A48-A5B0-8DA858D84551}" type="datetimeFigureOut">
               <a:rPr lang="en-US" smtClean="0"/>
               <a:pPr/>
-              <a:t>8/3/23</a:t>
+              <a:t>8/19/23</a:t>
             </a:fld>
             <a:endParaRPr lang="en-US"/>
           </a:p>
@@ -4681,14 +4681,14 @@
             </a:r>
             <a:r>
               <a:rPr lang="en-CH" dirty="0">
-                <a:latin typeface="Courier New" panose="02070309020205020404" pitchFamily="49" charset="0"/>
-                <a:cs typeface="Courier New" panose="02070309020205020404" pitchFamily="49" charset="0"/>
+                <a:latin typeface="Consolas" panose="020B0609020204030204" pitchFamily="49" charset="0"/>
+                <a:cs typeface="Consolas" panose="020B0609020204030204" pitchFamily="49" charset="0"/>
               </a:rPr>
               <a:t>.github/worflows/config-name.yml</a:t>
             </a:r>
             <a:endParaRPr lang="en-CH" sz="2000" dirty="0">
-              <a:latin typeface="Courier New" panose="02070309020205020404" pitchFamily="49" charset="0"/>
-              <a:cs typeface="Courier New" panose="02070309020205020404" pitchFamily="49" charset="0"/>
+              <a:latin typeface="Consolas" panose="020B0609020204030204" pitchFamily="49" charset="0"/>
+              <a:cs typeface="Consolas" panose="020B0609020204030204" pitchFamily="49" charset="0"/>
             </a:endParaRPr>
           </a:p>
         </p:txBody>
@@ -4728,7 +4728,7 @@
           <p:spPr>
             <a:xfrm>
               <a:off x="2377857" y="1852611"/>
-              <a:ext cx="4695516" cy="4401205"/>
+              <a:ext cx="4358886" cy="4401205"/>
             </a:xfrm>
             <a:prstGeom prst="rect">
               <a:avLst/>
@@ -4744,280 +4744,177 @@
             <a:lstStyle/>
             <a:p>
               <a:r>
-                <a:rPr lang="en-US" sz="1400" dirty="0">
-                  <a:latin typeface="Courier New" panose="02070309020205020404" pitchFamily="49" charset="0"/>
-                  <a:cs typeface="Courier New" panose="02070309020205020404" pitchFamily="49" charset="0"/>
+                <a:rPr lang="en-US" sz="1400" noProof="1">
+                  <a:latin typeface="Consolas" panose="020B0609020204030204" pitchFamily="49" charset="0"/>
+                  <a:cs typeface="Consolas" panose="020B0609020204030204" pitchFamily="49" charset="0"/>
                 </a:rPr>
                 <a:t>name: Run all the tests for PRs</a:t>
               </a:r>
             </a:p>
             <a:p>
               <a:r>
-                <a:rPr lang="en-US" sz="1400" dirty="0">
-                  <a:latin typeface="Courier New" panose="02070309020205020404" pitchFamily="49" charset="0"/>
-                  <a:cs typeface="Courier New" panose="02070309020205020404" pitchFamily="49" charset="0"/>
+                <a:rPr lang="en-US" sz="1400" noProof="1">
+                  <a:latin typeface="Consolas" panose="020B0609020204030204" pitchFamily="49" charset="0"/>
+                  <a:cs typeface="Consolas" panose="020B0609020204030204" pitchFamily="49" charset="0"/>
                 </a:rPr>
                 <a:t>on:</a:t>
               </a:r>
             </a:p>
             <a:p>
               <a:r>
-                <a:rPr lang="en-US" sz="1400" dirty="0">
-                  <a:latin typeface="Courier New" panose="02070309020205020404" pitchFamily="49" charset="0"/>
-                  <a:cs typeface="Courier New" panose="02070309020205020404" pitchFamily="49" charset="0"/>
+                <a:rPr lang="en-US" sz="1400" noProof="1">
+                  <a:latin typeface="Consolas" panose="020B0609020204030204" pitchFamily="49" charset="0"/>
+                  <a:cs typeface="Consolas" panose="020B0609020204030204" pitchFamily="49" charset="0"/>
                 </a:rPr>
-                <a:t>  [push, </a:t>
-              </a:r>
-              <a:r>
-                <a:rPr lang="en-US" sz="1400" dirty="0" err="1">
-                  <a:latin typeface="Courier New" panose="02070309020205020404" pitchFamily="49" charset="0"/>
-                  <a:cs typeface="Courier New" panose="02070309020205020404" pitchFamily="49" charset="0"/>
-                </a:rPr>
-                <a:t>pull_request</a:t>
-              </a:r>
-              <a:r>
-                <a:rPr lang="en-US" sz="1400" dirty="0">
-                  <a:latin typeface="Courier New" panose="02070309020205020404" pitchFamily="49" charset="0"/>
-                  <a:cs typeface="Courier New" panose="02070309020205020404" pitchFamily="49" charset="0"/>
-                </a:rPr>
-                <a:t>]</a:t>
+                <a:t>  [push, pull_request]</a:t>
               </a:r>
             </a:p>
             <a:p>
-              <a:endParaRPr lang="en-US" sz="1400" dirty="0">
-                <a:latin typeface="Courier New" panose="02070309020205020404" pitchFamily="49" charset="0"/>
-                <a:cs typeface="Courier New" panose="02070309020205020404" pitchFamily="49" charset="0"/>
+              <a:endParaRPr lang="en-US" sz="1400" noProof="1">
+                <a:latin typeface="Consolas" panose="020B0609020204030204" pitchFamily="49" charset="0"/>
+                <a:cs typeface="Consolas" panose="020B0609020204030204" pitchFamily="49" charset="0"/>
               </a:endParaRPr>
             </a:p>
             <a:p>
               <a:r>
-                <a:rPr lang="en-US" sz="1400" dirty="0">
-                  <a:latin typeface="Courier New" panose="02070309020205020404" pitchFamily="49" charset="0"/>
-                  <a:cs typeface="Courier New" panose="02070309020205020404" pitchFamily="49" charset="0"/>
+                <a:rPr lang="en-US" sz="1400" noProof="1">
+                  <a:latin typeface="Consolas" panose="020B0609020204030204" pitchFamily="49" charset="0"/>
+                  <a:cs typeface="Consolas" panose="020B0609020204030204" pitchFamily="49" charset="0"/>
                 </a:rPr>
                 <a:t>jobs:</a:t>
               </a:r>
             </a:p>
             <a:p>
               <a:r>
-                <a:rPr lang="en-US" sz="1400" dirty="0">
-                  <a:latin typeface="Courier New" panose="02070309020205020404" pitchFamily="49" charset="0"/>
-                  <a:cs typeface="Courier New" panose="02070309020205020404" pitchFamily="49" charset="0"/>
+                <a:rPr lang="en-US" sz="1400" noProof="1">
+                  <a:latin typeface="Consolas" panose="020B0609020204030204" pitchFamily="49" charset="0"/>
+                  <a:cs typeface="Consolas" panose="020B0609020204030204" pitchFamily="49" charset="0"/>
                 </a:rPr>
                 <a:t>  run-tests:</a:t>
               </a:r>
             </a:p>
             <a:p>
               <a:r>
-                <a:rPr lang="en-US" sz="1400" dirty="0">
-                  <a:latin typeface="Courier New" panose="02070309020205020404" pitchFamily="49" charset="0"/>
-                  <a:cs typeface="Courier New" panose="02070309020205020404" pitchFamily="49" charset="0"/>
+                <a:rPr lang="en-US" sz="1400" noProof="1">
+                  <a:latin typeface="Consolas" panose="020B0609020204030204" pitchFamily="49" charset="0"/>
+                  <a:cs typeface="Consolas" panose="020B0609020204030204" pitchFamily="49" charset="0"/>
                 </a:rPr>
                 <a:t>    runs-on: ubuntu-latest</a:t>
               </a:r>
             </a:p>
             <a:p>
-              <a:endParaRPr lang="en-US" sz="1400" dirty="0">
-                <a:latin typeface="Courier New" panose="02070309020205020404" pitchFamily="49" charset="0"/>
-                <a:cs typeface="Courier New" panose="02070309020205020404" pitchFamily="49" charset="0"/>
+              <a:endParaRPr lang="en-US" sz="1400" noProof="1">
+                <a:latin typeface="Consolas" panose="020B0609020204030204" pitchFamily="49" charset="0"/>
+                <a:cs typeface="Consolas" panose="020B0609020204030204" pitchFamily="49" charset="0"/>
               </a:endParaRPr>
             </a:p>
             <a:p>
               <a:r>
-                <a:rPr lang="en-US" sz="1400" dirty="0">
-                  <a:latin typeface="Courier New" panose="02070309020205020404" pitchFamily="49" charset="0"/>
-                  <a:cs typeface="Courier New" panose="02070309020205020404" pitchFamily="49" charset="0"/>
+                <a:rPr lang="en-US" sz="1400" noProof="1">
+                  <a:latin typeface="Consolas" panose="020B0609020204030204" pitchFamily="49" charset="0"/>
+                  <a:cs typeface="Consolas" panose="020B0609020204030204" pitchFamily="49" charset="0"/>
                 </a:rPr>
                 <a:t>    steps:</a:t>
               </a:r>
             </a:p>
             <a:p>
               <a:r>
-                <a:rPr lang="en-US" sz="1400" dirty="0">
-                  <a:latin typeface="Courier New" panose="02070309020205020404" pitchFamily="49" charset="0"/>
-                  <a:cs typeface="Courier New" panose="02070309020205020404" pitchFamily="49" charset="0"/>
+                <a:rPr lang="en-US" sz="1400" noProof="1">
+                  <a:latin typeface="Consolas" panose="020B0609020204030204" pitchFamily="49" charset="0"/>
+                  <a:cs typeface="Consolas" panose="020B0609020204030204" pitchFamily="49" charset="0"/>
                 </a:rPr>
                 <a:t>    - uses: actions/checkout@v2</a:t>
               </a:r>
             </a:p>
             <a:p>
               <a:r>
-                <a:rPr lang="en-US" sz="1400" dirty="0">
-                  <a:latin typeface="Courier New" panose="02070309020205020404" pitchFamily="49" charset="0"/>
-                  <a:cs typeface="Courier New" panose="02070309020205020404" pitchFamily="49" charset="0"/>
+                <a:rPr lang="en-US" sz="1400" noProof="1">
+                  <a:latin typeface="Consolas" panose="020B0609020204030204" pitchFamily="49" charset="0"/>
+                  <a:cs typeface="Consolas" panose="020B0609020204030204" pitchFamily="49" charset="0"/>
                 </a:rPr>
                 <a:t>    - name: Set up Python</a:t>
               </a:r>
             </a:p>
             <a:p>
               <a:r>
-                <a:rPr lang="en-US" sz="1400" dirty="0">
-                  <a:latin typeface="Courier New" panose="02070309020205020404" pitchFamily="49" charset="0"/>
-                  <a:cs typeface="Courier New" panose="02070309020205020404" pitchFamily="49" charset="0"/>
+                <a:rPr lang="en-US" sz="1400" noProof="1">
+                  <a:latin typeface="Consolas" panose="020B0609020204030204" pitchFamily="49" charset="0"/>
+                  <a:cs typeface="Consolas" panose="020B0609020204030204" pitchFamily="49" charset="0"/>
                 </a:rPr>
                 <a:t>      uses: actions/setup-python@v2</a:t>
               </a:r>
             </a:p>
             <a:p>
               <a:r>
-                <a:rPr lang="en-US" sz="1400" dirty="0">
-                  <a:latin typeface="Courier New" panose="02070309020205020404" pitchFamily="49" charset="0"/>
-                  <a:cs typeface="Courier New" panose="02070309020205020404" pitchFamily="49" charset="0"/>
+                <a:rPr lang="en-US" sz="1400" noProof="1">
+                  <a:latin typeface="Consolas" panose="020B0609020204030204" pitchFamily="49" charset="0"/>
+                  <a:cs typeface="Consolas" panose="020B0609020204030204" pitchFamily="49" charset="0"/>
                 </a:rPr>
                 <a:t>      with:</a:t>
               </a:r>
             </a:p>
             <a:p>
               <a:r>
-                <a:rPr lang="en-US" sz="1400" dirty="0">
-                  <a:latin typeface="Courier New" panose="02070309020205020404" pitchFamily="49" charset="0"/>
-                  <a:cs typeface="Courier New" panose="02070309020205020404" pitchFamily="49" charset="0"/>
+                <a:rPr lang="en-US" sz="1400" noProof="1">
+                  <a:latin typeface="Consolas" panose="020B0609020204030204" pitchFamily="49" charset="0"/>
+                  <a:cs typeface="Consolas" panose="020B0609020204030204" pitchFamily="49" charset="0"/>
                 </a:rPr>
                 <a:t>        python-version: 3.9</a:t>
               </a:r>
             </a:p>
             <a:p>
               <a:r>
-                <a:rPr lang="en-US" sz="1400" dirty="0">
-                  <a:latin typeface="Courier New" panose="02070309020205020404" pitchFamily="49" charset="0"/>
-                  <a:cs typeface="Courier New" panose="02070309020205020404" pitchFamily="49" charset="0"/>
+                <a:rPr lang="en-US" sz="1400" noProof="1">
+                  <a:latin typeface="Consolas" panose="020B0609020204030204" pitchFamily="49" charset="0"/>
+                  <a:cs typeface="Consolas" panose="020B0609020204030204" pitchFamily="49" charset="0"/>
                 </a:rPr>
                 <a:t>    - name: Install dependencies</a:t>
               </a:r>
             </a:p>
             <a:p>
               <a:r>
-                <a:rPr lang="en-US" sz="1400" dirty="0">
-                  <a:latin typeface="Courier New" panose="02070309020205020404" pitchFamily="49" charset="0"/>
-                  <a:cs typeface="Courier New" panose="02070309020205020404" pitchFamily="49" charset="0"/>
+                <a:rPr lang="en-US" sz="1400" noProof="1">
+                  <a:latin typeface="Consolas" panose="020B0609020204030204" pitchFamily="49" charset="0"/>
+                  <a:cs typeface="Consolas" panose="020B0609020204030204" pitchFamily="49" charset="0"/>
                 </a:rPr>
                 <a:t>      run:</a:t>
               </a:r>
             </a:p>
             <a:p>
               <a:r>
-                <a:rPr lang="en-US" sz="1400" dirty="0">
-                  <a:latin typeface="Courier New" panose="02070309020205020404" pitchFamily="49" charset="0"/>
-                  <a:cs typeface="Courier New" panose="02070309020205020404" pitchFamily="49" charset="0"/>
+                <a:rPr lang="en-US" sz="1400" noProof="1">
+                  <a:latin typeface="Consolas" panose="020B0609020204030204" pitchFamily="49" charset="0"/>
+                  <a:cs typeface="Consolas" panose="020B0609020204030204" pitchFamily="49" charset="0"/>
                 </a:rPr>
-                <a:t>        python -m pip install </a:t>
+                <a:t>        python -m pip install pytest numpy</a:t>
               </a:r>
-              <a:r>
-                <a:rPr lang="en-US" sz="1400" dirty="0" err="1">
-                  <a:latin typeface="Courier New" panose="02070309020205020404" pitchFamily="49" charset="0"/>
-                  <a:cs typeface="Courier New" panose="02070309020205020404" pitchFamily="49" charset="0"/>
-                </a:rPr>
-                <a:t>pytest</a:t>
-              </a:r>
-              <a:r>
-                <a:rPr lang="en-US" sz="1400" dirty="0">
-                  <a:latin typeface="Courier New" panose="02070309020205020404" pitchFamily="49" charset="0"/>
-                  <a:cs typeface="Courier New" panose="02070309020205020404" pitchFamily="49" charset="0"/>
-                </a:rPr>
-                <a:t> </a:t>
-              </a:r>
-              <a:r>
-                <a:rPr lang="en-US" sz="1400" dirty="0" err="1">
-                  <a:latin typeface="Courier New" panose="02070309020205020404" pitchFamily="49" charset="0"/>
-                  <a:cs typeface="Courier New" panose="02070309020205020404" pitchFamily="49" charset="0"/>
-                </a:rPr>
-                <a:t>numpy</a:t>
-              </a:r>
-              <a:endParaRPr lang="en-US" sz="1400" dirty="0">
-                <a:latin typeface="Courier New" panose="02070309020205020404" pitchFamily="49" charset="0"/>
-                <a:cs typeface="Courier New" panose="02070309020205020404" pitchFamily="49" charset="0"/>
-              </a:endParaRPr>
             </a:p>
             <a:p>
               <a:r>
-                <a:rPr lang="en-US" sz="1400" dirty="0">
-                  <a:latin typeface="Courier New" panose="02070309020205020404" pitchFamily="49" charset="0"/>
-                  <a:cs typeface="Courier New" panose="02070309020205020404" pitchFamily="49" charset="0"/>
+                <a:rPr lang="en-US" sz="1400" noProof="1">
+                  <a:latin typeface="Consolas" panose="020B0609020204030204" pitchFamily="49" charset="0"/>
+                  <a:cs typeface="Consolas" panose="020B0609020204030204" pitchFamily="49" charset="0"/>
                 </a:rPr>
-                <a:t>    - name: Test with </a:t>
+                <a:t>    - name: Test with pytest</a:t>
               </a:r>
-              <a:r>
-                <a:rPr lang="en-US" sz="1400" dirty="0" err="1">
-                  <a:latin typeface="Courier New" panose="02070309020205020404" pitchFamily="49" charset="0"/>
-                  <a:cs typeface="Courier New" panose="02070309020205020404" pitchFamily="49" charset="0"/>
-                </a:rPr>
-                <a:t>pytest</a:t>
-              </a:r>
-              <a:endParaRPr lang="en-US" sz="1400" dirty="0">
-                <a:latin typeface="Courier New" panose="02070309020205020404" pitchFamily="49" charset="0"/>
-                <a:cs typeface="Courier New" panose="02070309020205020404" pitchFamily="49" charset="0"/>
-              </a:endParaRPr>
             </a:p>
             <a:p>
               <a:r>
-                <a:rPr lang="en-US" sz="1400" dirty="0">
-                  <a:latin typeface="Courier New" panose="02070309020205020404" pitchFamily="49" charset="0"/>
-                  <a:cs typeface="Courier New" panose="02070309020205020404" pitchFamily="49" charset="0"/>
+                <a:rPr lang="en-US" sz="1400" noProof="1">
+                  <a:latin typeface="Consolas" panose="020B0609020204030204" pitchFamily="49" charset="0"/>
+                  <a:cs typeface="Consolas" panose="020B0609020204030204" pitchFamily="49" charset="0"/>
                 </a:rPr>
                 <a:t>      run:</a:t>
               </a:r>
             </a:p>
             <a:p>
               <a:r>
-                <a:rPr lang="en-US" sz="1400" dirty="0">
-                  <a:latin typeface="Courier New" panose="02070309020205020404" pitchFamily="49" charset="0"/>
-                  <a:cs typeface="Courier New" panose="02070309020205020404" pitchFamily="49" charset="0"/>
+                <a:rPr lang="en-US" sz="1400" noProof="1">
+                  <a:latin typeface="Consolas" panose="020B0609020204030204" pitchFamily="49" charset="0"/>
+                  <a:cs typeface="Consolas" panose="020B0609020204030204" pitchFamily="49" charset="0"/>
                 </a:rPr>
-                <a:t>        </a:t>
+                <a:t>        pytest -sv hands_on/pyanno_voting</a:t>
               </a:r>
-              <a:r>
-                <a:rPr lang="en-US" sz="1400" dirty="0" err="1">
-                  <a:latin typeface="Courier New" panose="02070309020205020404" pitchFamily="49" charset="0"/>
-                  <a:cs typeface="Courier New" panose="02070309020205020404" pitchFamily="49" charset="0"/>
-                </a:rPr>
-                <a:t>pytest</a:t>
-              </a:r>
-              <a:r>
-                <a:rPr lang="en-US" sz="1400" dirty="0">
-                  <a:latin typeface="Courier New" panose="02070309020205020404" pitchFamily="49" charset="0"/>
-                  <a:cs typeface="Courier New" panose="02070309020205020404" pitchFamily="49" charset="0"/>
-                </a:rPr>
-                <a:t> -</a:t>
-              </a:r>
-              <a:r>
-                <a:rPr lang="en-US" sz="1400" dirty="0" err="1">
-                  <a:latin typeface="Courier New" panose="02070309020205020404" pitchFamily="49" charset="0"/>
-                  <a:cs typeface="Courier New" panose="02070309020205020404" pitchFamily="49" charset="0"/>
-                </a:rPr>
-                <a:t>sv</a:t>
-              </a:r>
-              <a:r>
-                <a:rPr lang="en-US" sz="1400" dirty="0">
-                  <a:latin typeface="Courier New" panose="02070309020205020404" pitchFamily="49" charset="0"/>
-                  <a:cs typeface="Courier New" panose="02070309020205020404" pitchFamily="49" charset="0"/>
-                </a:rPr>
-                <a:t> </a:t>
-              </a:r>
-              <a:r>
-                <a:rPr lang="en-US" sz="1400" dirty="0" err="1">
-                  <a:latin typeface="Courier New" panose="02070309020205020404" pitchFamily="49" charset="0"/>
-                  <a:cs typeface="Courier New" panose="02070309020205020404" pitchFamily="49" charset="0"/>
-                </a:rPr>
-                <a:t>hands_on</a:t>
-              </a:r>
-              <a:r>
-                <a:rPr lang="en-US" sz="1400" dirty="0">
-                  <a:latin typeface="Courier New" panose="02070309020205020404" pitchFamily="49" charset="0"/>
-                  <a:cs typeface="Courier New" panose="02070309020205020404" pitchFamily="49" charset="0"/>
-                </a:rPr>
-                <a:t>/</a:t>
-              </a:r>
-              <a:r>
-                <a:rPr lang="en-US" sz="1400" dirty="0" err="1">
-                  <a:latin typeface="Courier New" panose="02070309020205020404" pitchFamily="49" charset="0"/>
-                  <a:cs typeface="Courier New" panose="02070309020205020404" pitchFamily="49" charset="0"/>
-                </a:rPr>
-                <a:t>pyanno_voting</a:t>
-              </a:r>
-              <a:endParaRPr lang="en-CH" sz="1400" dirty="0">
-                <a:latin typeface="Courier New" panose="02070309020205020404" pitchFamily="49" charset="0"/>
-                <a:cs typeface="Courier New" panose="02070309020205020404" pitchFamily="49" charset="0"/>
-              </a:endParaRPr>
             </a:p>
           </p:txBody>
         </p:sp>
@@ -5750,56 +5647,8 @@
               <a:buNone/>
             </a:pPr>
             <a:r>
-              <a:rPr lang="de-DE" b="1" dirty="0"/>
-              <a:t>Add a CI </a:t>
-            </a:r>
-            <a:r>
-              <a:rPr lang="de-DE" b="1" dirty="0" err="1"/>
-              <a:t>pipeline</a:t>
-            </a:r>
-            <a:r>
-              <a:rPr lang="de-DE" b="1" dirty="0"/>
-              <a:t> </a:t>
-            </a:r>
-            <a:r>
-              <a:rPr lang="de-DE" b="1" dirty="0" err="1"/>
-              <a:t>to</a:t>
-            </a:r>
-            <a:r>
-              <a:rPr lang="de-DE" b="1" dirty="0"/>
-              <a:t> </a:t>
-            </a:r>
-            <a:r>
-              <a:rPr lang="de-DE" b="1" dirty="0" err="1"/>
-              <a:t>your</a:t>
-            </a:r>
-            <a:r>
-              <a:rPr lang="de-DE" b="1" dirty="0"/>
-              <a:t> </a:t>
-            </a:r>
-            <a:r>
-              <a:rPr lang="de-DE" b="1" dirty="0" err="1"/>
-              <a:t>logistic</a:t>
-            </a:r>
-            <a:r>
-              <a:rPr lang="de-DE" b="1" dirty="0"/>
-              <a:t> </a:t>
-            </a:r>
-            <a:r>
-              <a:rPr lang="de-DE" b="1" dirty="0" err="1"/>
-              <a:t>function</a:t>
-            </a:r>
-            <a:r>
-              <a:rPr lang="de-DE" b="1" dirty="0"/>
-              <a:t> </a:t>
-            </a:r>
-            <a:r>
-              <a:rPr lang="de-DE" b="1" dirty="0" err="1"/>
-              <a:t>project</a:t>
-            </a:r>
-            <a:r>
-              <a:rPr lang="de-DE" b="1" dirty="0"/>
-              <a:t>!</a:t>
+              <a:rPr lang="en-US" b="1" dirty="0"/>
+              <a:t>Add a CI pipeline to your logistic function project!</a:t>
             </a:r>
           </a:p>
           <a:p>
@@ -5808,105 +5657,30 @@
               <a:buAutoNum type="arabicPeriod"/>
             </a:pPr>
             <a:r>
-              <a:rPr lang="de-DE" dirty="0"/>
-              <a:t>In </a:t>
-            </a:r>
-            <a:r>
-              <a:rPr lang="de-DE" dirty="0" err="1"/>
-              <a:t>your</a:t>
-            </a:r>
-            <a:r>
-              <a:rPr lang="de-DE" dirty="0"/>
-              <a:t> </a:t>
-            </a:r>
-            <a:r>
-              <a:rPr lang="de-DE" dirty="0" err="1"/>
-              <a:t>local</a:t>
-            </a:r>
-            <a:r>
-              <a:rPr lang="de-DE" dirty="0"/>
-              <a:t> </a:t>
-            </a:r>
-            <a:r>
-              <a:rPr lang="de-DE" dirty="0" err="1"/>
-              <a:t>version</a:t>
-            </a:r>
-            <a:r>
-              <a:rPr lang="de-DE" dirty="0"/>
-              <a:t> </a:t>
-            </a:r>
-            <a:r>
-              <a:rPr lang="de-DE" dirty="0" err="1"/>
-              <a:t>of</a:t>
-            </a:r>
-            <a:r>
-              <a:rPr lang="de-DE" dirty="0"/>
-              <a:t> </a:t>
-            </a:r>
-            <a:r>
-              <a:rPr lang="de-DE" dirty="0" err="1"/>
-              <a:t>the</a:t>
-            </a:r>
-            <a:r>
-              <a:rPr lang="de-DE" dirty="0"/>
-              <a:t> </a:t>
-            </a:r>
-            <a:r>
-              <a:rPr lang="de-DE" dirty="0" err="1"/>
-              <a:t>project</a:t>
-            </a:r>
-            <a:r>
-              <a:rPr lang="de-DE" dirty="0"/>
-              <a:t> </a:t>
-            </a:r>
-            <a:r>
-              <a:rPr lang="de-DE" dirty="0" err="1"/>
-              <a:t>make</a:t>
-            </a:r>
-            <a:r>
-              <a:rPr lang="de-DE" dirty="0"/>
-              <a:t> a </a:t>
-            </a:r>
-            <a:r>
-              <a:rPr lang="de-DE" dirty="0" err="1"/>
-              <a:t>folder</a:t>
-            </a:r>
-            <a:r>
-              <a:rPr lang="de-DE" dirty="0"/>
-              <a:t> </a:t>
-            </a:r>
-            <a:r>
-              <a:rPr lang="de-DE" dirty="0">
-                <a:latin typeface="Courier New" panose="02070309020205020404" pitchFamily="49" charset="0"/>
-                <a:cs typeface="Courier New" panose="02070309020205020404" pitchFamily="49" charset="0"/>
+              <a:rPr lang="en-US" dirty="0"/>
+              <a:t>In your local version of the project make a folder </a:t>
+            </a:r>
+            <a:r>
+              <a:rPr lang="en-US" dirty="0">
+                <a:latin typeface="Consolas" panose="020B0609020204030204" pitchFamily="49" charset="0"/>
+                <a:cs typeface="Consolas" panose="020B0609020204030204" pitchFamily="49" charset="0"/>
               </a:rPr>
               <a:t>.</a:t>
             </a:r>
             <a:r>
-              <a:rPr lang="de-DE" dirty="0" err="1">
-                <a:latin typeface="Courier New" panose="02070309020205020404" pitchFamily="49" charset="0"/>
-                <a:cs typeface="Courier New" panose="02070309020205020404" pitchFamily="49" charset="0"/>
+              <a:rPr lang="en-US" dirty="0" err="1">
+                <a:latin typeface="Consolas" panose="020B0609020204030204" pitchFamily="49" charset="0"/>
+                <a:cs typeface="Consolas" panose="020B0609020204030204" pitchFamily="49" charset="0"/>
               </a:rPr>
               <a:t>github</a:t>
             </a:r>
             <a:r>
-              <a:rPr lang="de-DE" dirty="0">
-                <a:latin typeface="Courier New" panose="02070309020205020404" pitchFamily="49" charset="0"/>
-                <a:cs typeface="Courier New" panose="02070309020205020404" pitchFamily="49" charset="0"/>
+              <a:rPr lang="en-US" dirty="0">
+                <a:latin typeface="Consolas" panose="020B0609020204030204" pitchFamily="49" charset="0"/>
+                <a:cs typeface="Consolas" panose="020B0609020204030204" pitchFamily="49" charset="0"/>
               </a:rPr>
-              <a:t>/</a:t>
-            </a:r>
-            <a:r>
-              <a:rPr lang="de-DE" dirty="0" err="1">
-                <a:latin typeface="Courier New" panose="02070309020205020404" pitchFamily="49" charset="0"/>
-                <a:cs typeface="Courier New" panose="02070309020205020404" pitchFamily="49" charset="0"/>
-              </a:rPr>
-              <a:t>workflows</a:t>
-            </a:r>
-            <a:endParaRPr lang="de-DE" dirty="0">
-              <a:latin typeface="Courier New" panose="02070309020205020404" pitchFamily="49" charset="0"/>
-              <a:cs typeface="Courier New" panose="02070309020205020404" pitchFamily="49" charset="0"/>
-            </a:endParaRPr>
+              <a:t>/workflows</a:t>
+            </a:r>
           </a:p>
           <a:p>
             <a:pPr marL="731520" lvl="1" indent="-457200">
@@ -5914,35 +5688,19 @@
               <a:buAutoNum type="arabicPeriod"/>
             </a:pPr>
             <a:r>
-              <a:rPr lang="de-DE" dirty="0"/>
-              <a:t>Create a </a:t>
-            </a:r>
-            <a:r>
-              <a:rPr lang="de-DE" dirty="0" err="1"/>
-              <a:t>file</a:t>
-            </a:r>
-            <a:r>
-              <a:rPr lang="de-DE" dirty="0"/>
-              <a:t> </a:t>
-            </a:r>
-            <a:r>
-              <a:rPr lang="de-DE" dirty="0" err="1"/>
-              <a:t>called</a:t>
-            </a:r>
-            <a:r>
-              <a:rPr lang="de-DE" dirty="0"/>
-              <a:t> </a:t>
-            </a:r>
-            <a:r>
-              <a:rPr lang="de-DE" dirty="0" err="1">
-                <a:latin typeface="Courier New" panose="02070309020205020404" pitchFamily="49" charset="0"/>
-                <a:cs typeface="Courier New" panose="02070309020205020404" pitchFamily="49" charset="0"/>
+              <a:rPr lang="en-US" dirty="0"/>
+              <a:t>Create a file called </a:t>
+            </a:r>
+            <a:r>
+              <a:rPr lang="en-US" dirty="0" err="1">
+                <a:latin typeface="Consolas" panose="020B0609020204030204" pitchFamily="49" charset="0"/>
+                <a:cs typeface="Consolas" panose="020B0609020204030204" pitchFamily="49" charset="0"/>
               </a:rPr>
-              <a:t>my_configuration.yml</a:t>
-            </a:r>
-            <a:endParaRPr lang="de-DE" dirty="0">
-              <a:latin typeface="Courier New" panose="02070309020205020404" pitchFamily="49" charset="0"/>
-              <a:cs typeface="Courier New" panose="02070309020205020404" pitchFamily="49" charset="0"/>
+              <a:t>run_test_on_push.yml</a:t>
+            </a:r>
+            <a:endParaRPr lang="en-US" dirty="0">
+              <a:latin typeface="Consolas" panose="020B0609020204030204" pitchFamily="49" charset="0"/>
+              <a:cs typeface="Consolas" panose="020B0609020204030204" pitchFamily="49" charset="0"/>
             </a:endParaRPr>
           </a:p>
           <a:p>
@@ -5951,166 +5709,15 @@
               <a:buAutoNum type="arabicPeriod"/>
             </a:pPr>
             <a:r>
-              <a:rPr lang="de-DE" dirty="0">
+              <a:rPr lang="en-US" dirty="0">
                 <a:cs typeface="Courier New" panose="02070309020205020404" pitchFamily="49" charset="0"/>
               </a:rPr>
-              <a:t>Write </a:t>
-            </a:r>
-            <a:r>
-              <a:rPr lang="de-DE" dirty="0" err="1">
-                <a:cs typeface="Courier New" panose="02070309020205020404" pitchFamily="49" charset="0"/>
-              </a:rPr>
-              <a:t>your</a:t>
-            </a:r>
-            <a:r>
-              <a:rPr lang="de-DE" dirty="0">
-                <a:cs typeface="Courier New" panose="02070309020205020404" pitchFamily="49" charset="0"/>
-              </a:rPr>
-              <a:t> </a:t>
-            </a:r>
-            <a:r>
-              <a:rPr lang="de-DE" dirty="0" err="1">
-                <a:cs typeface="Courier New" panose="02070309020205020404" pitchFamily="49" charset="0"/>
-              </a:rPr>
-              <a:t>configuration</a:t>
-            </a:r>
-            <a:r>
-              <a:rPr lang="de-DE" dirty="0">
-                <a:cs typeface="Courier New" panose="02070309020205020404" pitchFamily="49" charset="0"/>
-              </a:rPr>
-              <a:t> </a:t>
-            </a:r>
-            <a:r>
-              <a:rPr lang="de-DE" dirty="0" err="1">
-                <a:cs typeface="Courier New" panose="02070309020205020404" pitchFamily="49" charset="0"/>
-              </a:rPr>
-              <a:t>file</a:t>
-            </a:r>
-            <a:r>
-              <a:rPr lang="de-DE" dirty="0">
-                <a:cs typeface="Courier New" panose="02070309020205020404" pitchFamily="49" charset="0"/>
-              </a:rPr>
-              <a:t> </a:t>
-            </a:r>
-            <a:r>
-              <a:rPr lang="de-DE" dirty="0" err="1">
-                <a:cs typeface="Courier New" panose="02070309020205020404" pitchFamily="49" charset="0"/>
-              </a:rPr>
-              <a:t>to</a:t>
-            </a:r>
-            <a:r>
-              <a:rPr lang="de-DE" dirty="0">
-                <a:cs typeface="Courier New" panose="02070309020205020404" pitchFamily="49" charset="0"/>
-              </a:rPr>
-              <a:t> </a:t>
-            </a:r>
-            <a:r>
-              <a:rPr lang="de-DE" dirty="0" err="1">
-                <a:cs typeface="Courier New" panose="02070309020205020404" pitchFamily="49" charset="0"/>
-              </a:rPr>
-              <a:t>r</a:t>
-            </a:r>
-            <a:r>
-              <a:rPr lang="de-DE" dirty="0" err="1"/>
-              <a:t>un</a:t>
-            </a:r>
-            <a:r>
-              <a:rPr lang="de-DE" dirty="0"/>
-              <a:t> </a:t>
-            </a:r>
-            <a:r>
-              <a:rPr lang="de-DE" dirty="0" err="1"/>
-              <a:t>the</a:t>
-            </a:r>
-            <a:r>
-              <a:rPr lang="de-DE" dirty="0"/>
-              <a:t> </a:t>
-            </a:r>
-            <a:r>
-              <a:rPr lang="de-DE" dirty="0" err="1"/>
-              <a:t>tests</a:t>
-            </a:r>
-            <a:r>
-              <a:rPr lang="de-DE" dirty="0"/>
-              <a:t> </a:t>
-            </a:r>
-            <a:r>
-              <a:rPr lang="de-DE" dirty="0" err="1"/>
-              <a:t>every</a:t>
-            </a:r>
-            <a:r>
-              <a:rPr lang="de-DE" dirty="0"/>
-              <a:t> time </a:t>
-            </a:r>
-            <a:r>
-              <a:rPr lang="de-DE" dirty="0" err="1"/>
-              <a:t>someone</a:t>
-            </a:r>
-            <a:r>
-              <a:rPr lang="de-DE" dirty="0"/>
-              <a:t> </a:t>
-            </a:r>
-            <a:r>
-              <a:rPr lang="de-DE" dirty="0" err="1"/>
-              <a:t>pushes</a:t>
-            </a:r>
-            <a:r>
-              <a:rPr lang="de-DE" dirty="0"/>
-              <a:t> </a:t>
-            </a:r>
-            <a:r>
-              <a:rPr lang="de-DE" dirty="0" err="1"/>
-              <a:t>some</a:t>
-            </a:r>
-            <a:r>
-              <a:rPr lang="de-DE" dirty="0"/>
-              <a:t> </a:t>
-            </a:r>
-            <a:r>
-              <a:rPr lang="de-DE" dirty="0" err="1"/>
-              <a:t>commits</a:t>
-            </a:r>
-            <a:r>
-              <a:rPr lang="de-DE" dirty="0"/>
-              <a:t> </a:t>
-            </a:r>
-            <a:r>
-              <a:rPr lang="de-DE" dirty="0" err="1"/>
-              <a:t>or</a:t>
-            </a:r>
-            <a:r>
-              <a:rPr lang="de-DE" dirty="0"/>
-              <a:t> </a:t>
-            </a:r>
-            <a:r>
-              <a:rPr lang="de-DE" dirty="0" err="1"/>
-              <a:t>every</a:t>
-            </a:r>
-            <a:r>
-              <a:rPr lang="de-DE" dirty="0"/>
-              <a:t> time </a:t>
-            </a:r>
-            <a:r>
-              <a:rPr lang="de-DE" dirty="0" err="1"/>
-              <a:t>someone</a:t>
-            </a:r>
-            <a:r>
-              <a:rPr lang="de-DE" dirty="0"/>
-              <a:t> </a:t>
-            </a:r>
-            <a:r>
-              <a:rPr lang="de-DE" dirty="0" err="1"/>
-              <a:t>creates</a:t>
-            </a:r>
-            <a:r>
-              <a:rPr lang="de-DE" dirty="0"/>
-              <a:t> a pull </a:t>
-            </a:r>
-            <a:r>
-              <a:rPr lang="de-DE" dirty="0" err="1"/>
-              <a:t>request</a:t>
-            </a:r>
-            <a:endParaRPr lang="de-DE" dirty="0"/>
+              <a:t>Write your configuration file to r</a:t>
+            </a:r>
+            <a:r>
+              <a:rPr lang="en-US" dirty="0"/>
+              <a:t>un the tests every time someone pushes some commits or every time someone creates a pull request</a:t>
+            </a:r>
           </a:p>
           <a:p>
             <a:pPr marL="731520" lvl="1" indent="-457200">
@@ -6118,46 +5725,9 @@
               <a:buAutoNum type="arabicPeriod"/>
             </a:pPr>
             <a:r>
-              <a:rPr lang="de-DE" dirty="0"/>
-              <a:t>Commit </a:t>
-            </a:r>
-            <a:r>
-              <a:rPr lang="de-DE" dirty="0" err="1"/>
-              <a:t>and</a:t>
-            </a:r>
-            <a:r>
-              <a:rPr lang="de-DE" dirty="0"/>
-              <a:t> push </a:t>
-            </a:r>
-            <a:r>
-              <a:rPr lang="de-DE" dirty="0" err="1"/>
-              <a:t>the</a:t>
-            </a:r>
-            <a:r>
-              <a:rPr lang="de-DE" dirty="0"/>
-              <a:t> </a:t>
-            </a:r>
-            <a:r>
-              <a:rPr lang="de-DE" dirty="0" err="1"/>
-              <a:t>changes</a:t>
-            </a:r>
-            <a:r>
-              <a:rPr lang="de-DE" dirty="0"/>
-              <a:t> </a:t>
-            </a:r>
-            <a:r>
-              <a:rPr lang="de-DE" dirty="0" err="1"/>
-              <a:t>to</a:t>
-            </a:r>
-            <a:r>
-              <a:rPr lang="de-DE" dirty="0"/>
-              <a:t> </a:t>
-            </a:r>
-            <a:r>
-              <a:rPr lang="de-DE" dirty="0" err="1"/>
-              <a:t>GitHub</a:t>
-            </a:r>
-            <a:endParaRPr lang="de-DE" dirty="0"/>
+              <a:rPr lang="en-US" dirty="0"/>
+              <a:t>Commit and push the changes to GitHub</a:t>
+            </a:r>
           </a:p>
           <a:p>
             <a:pPr marL="731520" lvl="1" indent="-457200">
@@ -6165,284 +5735,31 @@
               <a:buAutoNum type="arabicPeriod"/>
             </a:pPr>
             <a:r>
-              <a:rPr lang="de-DE" dirty="0"/>
-              <a:t>Check </a:t>
-            </a:r>
-            <a:r>
-              <a:rPr lang="de-DE" dirty="0" err="1"/>
-              <a:t>the</a:t>
-            </a:r>
-            <a:r>
-              <a:rPr lang="de-DE" dirty="0"/>
-              <a:t> </a:t>
-            </a:r>
-            <a:r>
-              <a:rPr lang="de-DE" dirty="0" err="1"/>
-              <a:t>actions</a:t>
-            </a:r>
-            <a:r>
-              <a:rPr lang="de-DE" dirty="0"/>
-              <a:t> </a:t>
-            </a:r>
-            <a:r>
-              <a:rPr lang="de-DE" dirty="0" err="1"/>
-              <a:t>tab</a:t>
-            </a:r>
-            <a:r>
-              <a:rPr lang="de-DE" dirty="0"/>
-              <a:t> </a:t>
-            </a:r>
-            <a:r>
-              <a:rPr lang="de-DE" dirty="0" err="1"/>
-              <a:t>of</a:t>
-            </a:r>
-            <a:r>
-              <a:rPr lang="de-DE" dirty="0"/>
-              <a:t> </a:t>
-            </a:r>
-            <a:r>
-              <a:rPr lang="de-DE" dirty="0" err="1"/>
-              <a:t>your</a:t>
-            </a:r>
-            <a:r>
-              <a:rPr lang="de-DE" dirty="0"/>
-              <a:t> </a:t>
-            </a:r>
-            <a:r>
-              <a:rPr lang="de-DE" dirty="0" err="1"/>
-              <a:t>GitHub</a:t>
-            </a:r>
-            <a:r>
-              <a:rPr lang="de-DE" dirty="0"/>
-              <a:t> </a:t>
-            </a:r>
-            <a:r>
-              <a:rPr lang="de-DE" dirty="0" err="1"/>
-              <a:t>repo</a:t>
-            </a:r>
-            <a:r>
-              <a:rPr lang="de-DE" dirty="0"/>
-              <a:t> </a:t>
-            </a:r>
-            <a:r>
-              <a:rPr lang="de-DE" dirty="0" err="1"/>
-              <a:t>to</a:t>
-            </a:r>
-            <a:r>
-              <a:rPr lang="de-DE" dirty="0"/>
-              <a:t> </a:t>
-            </a:r>
-            <a:r>
-              <a:rPr lang="de-DE" dirty="0" err="1"/>
-              <a:t>see</a:t>
-            </a:r>
-            <a:r>
-              <a:rPr lang="de-DE" dirty="0"/>
-              <a:t> </a:t>
-            </a:r>
-            <a:r>
-              <a:rPr lang="de-DE" dirty="0" err="1"/>
-              <a:t>if</a:t>
-            </a:r>
-            <a:r>
-              <a:rPr lang="de-DE" dirty="0"/>
-              <a:t> </a:t>
-            </a:r>
-            <a:r>
-              <a:rPr lang="de-DE" dirty="0" err="1"/>
-              <a:t>it</a:t>
-            </a:r>
-            <a:r>
-              <a:rPr lang="de-DE" dirty="0"/>
-              <a:t> </a:t>
-            </a:r>
-            <a:r>
-              <a:rPr lang="de-DE" dirty="0" err="1"/>
-              <a:t>worked</a:t>
-            </a:r>
-            <a:endParaRPr lang="de-DE" dirty="0"/>
+              <a:rPr lang="en-US" dirty="0"/>
+              <a:t>Check the actions tab of your GitHub repo to see if it worked</a:t>
+            </a:r>
           </a:p>
           <a:p>
             <a:pPr marL="0" indent="0">
               <a:buNone/>
             </a:pPr>
-            <a:endParaRPr lang="en-CH" dirty="0"/>
+            <a:endParaRPr lang="en-US" dirty="0"/>
           </a:p>
           <a:p>
             <a:pPr lvl="1"/>
             <a:r>
-              <a:rPr lang="de-DE" dirty="0"/>
-              <a:t>Bonus: check </a:t>
-            </a:r>
-            <a:r>
-              <a:rPr lang="de-DE" dirty="0" err="1"/>
-              <a:t>the</a:t>
-            </a:r>
-            <a:r>
-              <a:rPr lang="de-DE" dirty="0"/>
-              <a:t> </a:t>
-            </a:r>
-            <a:r>
-              <a:rPr lang="de-DE" dirty="0" err="1"/>
-              <a:t>GitHub</a:t>
-            </a:r>
-            <a:r>
-              <a:rPr lang="de-DE" dirty="0"/>
-              <a:t> </a:t>
-            </a:r>
-            <a:r>
-              <a:rPr lang="de-DE" dirty="0" err="1"/>
-              <a:t>actions</a:t>
-            </a:r>
-            <a:r>
-              <a:rPr lang="de-DE" dirty="0"/>
-              <a:t> </a:t>
-            </a:r>
-            <a:r>
-              <a:rPr lang="de-DE" dirty="0" err="1"/>
-              <a:t>documentation</a:t>
-            </a:r>
-            <a:r>
-              <a:rPr lang="de-DE" dirty="0"/>
-              <a:t> </a:t>
-            </a:r>
-            <a:r>
-              <a:rPr lang="de-DE" dirty="0" err="1"/>
-              <a:t>and</a:t>
-            </a:r>
-            <a:r>
-              <a:rPr lang="de-DE" dirty="0"/>
-              <a:t> </a:t>
-            </a:r>
-            <a:r>
-              <a:rPr lang="de-DE" dirty="0" err="1"/>
-              <a:t>modify</a:t>
-            </a:r>
-            <a:r>
-              <a:rPr lang="de-DE" dirty="0"/>
-              <a:t> </a:t>
-            </a:r>
-            <a:r>
-              <a:rPr lang="de-DE" dirty="0" err="1"/>
-              <a:t>the</a:t>
-            </a:r>
-            <a:r>
-              <a:rPr lang="de-DE" dirty="0"/>
-              <a:t> </a:t>
-            </a:r>
-            <a:r>
-              <a:rPr lang="de-DE" dirty="0" err="1"/>
-              <a:t>configuration</a:t>
-            </a:r>
-            <a:r>
-              <a:rPr lang="de-DE" dirty="0"/>
-              <a:t> </a:t>
-            </a:r>
-            <a:r>
-              <a:rPr lang="de-DE" dirty="0" err="1"/>
-              <a:t>file</a:t>
-            </a:r>
-            <a:r>
-              <a:rPr lang="de-DE" dirty="0"/>
-              <a:t> so </a:t>
-            </a:r>
-            <a:r>
-              <a:rPr lang="de-DE" dirty="0" err="1"/>
-              <a:t>that</a:t>
-            </a:r>
-            <a:r>
-              <a:rPr lang="de-DE" dirty="0"/>
-              <a:t> </a:t>
-            </a:r>
-            <a:r>
-              <a:rPr lang="de-DE" dirty="0" err="1"/>
-              <a:t>the</a:t>
-            </a:r>
-            <a:r>
-              <a:rPr lang="de-DE" dirty="0"/>
-              <a:t> </a:t>
-            </a:r>
-            <a:r>
-              <a:rPr lang="de-DE" dirty="0" err="1"/>
-              <a:t>tasks</a:t>
-            </a:r>
-            <a:r>
-              <a:rPr lang="de-DE" dirty="0"/>
-              <a:t> </a:t>
-            </a:r>
-            <a:r>
-              <a:rPr lang="de-DE" dirty="0" err="1"/>
-              <a:t>run</a:t>
-            </a:r>
-            <a:r>
-              <a:rPr lang="de-DE" dirty="0"/>
-              <a:t> </a:t>
-            </a:r>
-            <a:r>
-              <a:rPr lang="de-DE" dirty="0" err="1"/>
-              <a:t>only</a:t>
-            </a:r>
-            <a:r>
-              <a:rPr lang="de-DE" dirty="0"/>
-              <a:t> </a:t>
-            </a:r>
-            <a:r>
-              <a:rPr lang="de-DE" dirty="0" err="1"/>
-              <a:t>for</a:t>
-            </a:r>
-            <a:r>
-              <a:rPr lang="de-DE" dirty="0"/>
-              <a:t> </a:t>
-            </a:r>
-            <a:r>
-              <a:rPr lang="de-DE" dirty="0" err="1"/>
-              <a:t>pushes</a:t>
-            </a:r>
-            <a:r>
-              <a:rPr lang="de-DE" dirty="0"/>
-              <a:t> </a:t>
-            </a:r>
-            <a:r>
-              <a:rPr lang="de-DE" dirty="0" err="1"/>
-              <a:t>and</a:t>
-            </a:r>
-            <a:r>
-              <a:rPr lang="de-DE" dirty="0"/>
-              <a:t> PRs </a:t>
-            </a:r>
-            <a:r>
-              <a:rPr lang="de-DE" dirty="0" err="1"/>
-              <a:t>against</a:t>
-            </a:r>
-            <a:r>
-              <a:rPr lang="de-DE" dirty="0"/>
-              <a:t> </a:t>
-            </a:r>
-            <a:r>
-              <a:rPr lang="de-DE" dirty="0" err="1"/>
-              <a:t>the</a:t>
-            </a:r>
-            <a:r>
-              <a:rPr lang="de-DE" dirty="0"/>
-              <a:t> </a:t>
-            </a:r>
-            <a:r>
-              <a:rPr lang="de-DE" dirty="0" err="1"/>
-              <a:t>branch</a:t>
-            </a:r>
-            <a:r>
-              <a:rPr lang="de-DE" dirty="0"/>
-              <a:t> </a:t>
-            </a:r>
-            <a:r>
-              <a:rPr lang="de-DE" dirty="0" err="1">
-                <a:latin typeface="Courier New" panose="02070309020205020404" pitchFamily="49" charset="0"/>
-                <a:cs typeface="Courier New" panose="02070309020205020404" pitchFamily="49" charset="0"/>
+              <a:rPr lang="en-US" dirty="0"/>
+              <a:t>Bonus: check the GitHub actions documentation and modify the configuration file so that the tasks run only for pushes and PRs against the branch </a:t>
+            </a:r>
+            <a:r>
+              <a:rPr lang="en-US" dirty="0">
+                <a:latin typeface="Consolas" panose="020B0609020204030204" pitchFamily="49" charset="0"/>
+                <a:cs typeface="Consolas" panose="020B0609020204030204" pitchFamily="49" charset="0"/>
               </a:rPr>
               <a:t>main</a:t>
             </a:r>
             <a:r>
-              <a:rPr lang="de-DE" dirty="0"/>
+              <a:rPr lang="en-US" dirty="0"/>
               <a:t> </a:t>
             </a:r>
           </a:p>
@@ -6450,10 +5767,10 @@
             <a:pPr marL="0" indent="0">
               <a:buNone/>
             </a:pPr>
-            <a:endParaRPr lang="en-CH" dirty="0"/>
-          </a:p>
-          <a:p>
-            <a:endParaRPr lang="en-CH" dirty="0"/>
+            <a:endParaRPr lang="en-US" dirty="0"/>
+          </a:p>
+          <a:p>
+            <a:endParaRPr lang="en-US" dirty="0"/>
           </a:p>
         </p:txBody>
       </p:sp>
@@ -6935,7 +6252,7 @@
         <p:spPr>
           <a:xfrm>
             <a:off x="2351947" y="1164135"/>
-            <a:ext cx="5205271" cy="4893647"/>
+            <a:ext cx="4772460" cy="4893647"/>
           </a:xfrm>
           <a:prstGeom prst="rect">
             <a:avLst/>
@@ -6951,401 +6268,228 @@
           <a:lstStyle/>
           <a:p>
             <a:r>
-              <a:rPr lang="en-US" sz="1200" dirty="0">
-                <a:latin typeface="Courier New" panose="02070309020205020404" pitchFamily="49" charset="0"/>
-                <a:cs typeface="Courier New" panose="02070309020205020404" pitchFamily="49" charset="0"/>
+              <a:rPr lang="en-US" sz="1200" noProof="1">
+                <a:latin typeface="Consolas" panose="020B0609020204030204" pitchFamily="49" charset="0"/>
+                <a:cs typeface="Consolas" panose="020B0609020204030204" pitchFamily="49" charset="0"/>
               </a:rPr>
               <a:t>Name: Run all the tests for PRs, with OS/Python matrix</a:t>
             </a:r>
           </a:p>
           <a:p>
-            <a:endParaRPr lang="en-US" sz="1200" dirty="0">
-              <a:latin typeface="Courier New" panose="02070309020205020404" pitchFamily="49" charset="0"/>
-              <a:cs typeface="Courier New" panose="02070309020205020404" pitchFamily="49" charset="0"/>
+            <a:endParaRPr lang="en-US" sz="1200" noProof="1">
+              <a:latin typeface="Consolas" panose="020B0609020204030204" pitchFamily="49" charset="0"/>
+              <a:cs typeface="Consolas" panose="020B0609020204030204" pitchFamily="49" charset="0"/>
             </a:endParaRPr>
           </a:p>
           <a:p>
             <a:r>
-              <a:rPr lang="en-US" sz="1200" dirty="0">
-                <a:latin typeface="Courier New" panose="02070309020205020404" pitchFamily="49" charset="0"/>
-                <a:cs typeface="Courier New" panose="02070309020205020404" pitchFamily="49" charset="0"/>
+              <a:rPr lang="en-US" sz="1200" noProof="1">
+                <a:latin typeface="Consolas" panose="020B0609020204030204" pitchFamily="49" charset="0"/>
+                <a:cs typeface="Consolas" panose="020B0609020204030204" pitchFamily="49" charset="0"/>
               </a:rPr>
               <a:t>on:</a:t>
             </a:r>
           </a:p>
           <a:p>
             <a:r>
-              <a:rPr lang="en-US" sz="1200" dirty="0">
-                <a:latin typeface="Courier New" panose="02070309020205020404" pitchFamily="49" charset="0"/>
-                <a:cs typeface="Courier New" panose="02070309020205020404" pitchFamily="49" charset="0"/>
+              <a:rPr lang="en-US" sz="1200" noProof="1">
+                <a:latin typeface="Consolas" panose="020B0609020204030204" pitchFamily="49" charset="0"/>
+                <a:cs typeface="Consolas" panose="020B0609020204030204" pitchFamily="49" charset="0"/>
               </a:rPr>
-              <a:t>  [push, </a:t>
-            </a:r>
-            <a:r>
-              <a:rPr lang="en-US" sz="1200" dirty="0" err="1">
-                <a:latin typeface="Courier New" panose="02070309020205020404" pitchFamily="49" charset="0"/>
-                <a:cs typeface="Courier New" panose="02070309020205020404" pitchFamily="49" charset="0"/>
-              </a:rPr>
-              <a:t>pull_request</a:t>
-            </a:r>
-            <a:r>
-              <a:rPr lang="en-US" sz="1200" dirty="0">
-                <a:latin typeface="Courier New" panose="02070309020205020404" pitchFamily="49" charset="0"/>
-                <a:cs typeface="Courier New" panose="02070309020205020404" pitchFamily="49" charset="0"/>
-              </a:rPr>
-              <a:t>]</a:t>
-            </a:r>
-          </a:p>
-          <a:p>
-            <a:endParaRPr lang="en-US" sz="1200" dirty="0">
-              <a:latin typeface="Courier New" panose="02070309020205020404" pitchFamily="49" charset="0"/>
-              <a:cs typeface="Courier New" panose="02070309020205020404" pitchFamily="49" charset="0"/>
+              <a:t>  [push, pull_request]</a:t>
+            </a:r>
+          </a:p>
+          <a:p>
+            <a:endParaRPr lang="en-US" sz="1200" noProof="1">
+              <a:latin typeface="Consolas" panose="020B0609020204030204" pitchFamily="49" charset="0"/>
+              <a:cs typeface="Consolas" panose="020B0609020204030204" pitchFamily="49" charset="0"/>
             </a:endParaRPr>
           </a:p>
           <a:p>
             <a:r>
-              <a:rPr lang="en-US" sz="1200" dirty="0">
-                <a:latin typeface="Courier New" panose="02070309020205020404" pitchFamily="49" charset="0"/>
-                <a:cs typeface="Courier New" panose="02070309020205020404" pitchFamily="49" charset="0"/>
+              <a:rPr lang="en-US" sz="1200" noProof="1">
+                <a:latin typeface="Consolas" panose="020B0609020204030204" pitchFamily="49" charset="0"/>
+                <a:cs typeface="Consolas" panose="020B0609020204030204" pitchFamily="49" charset="0"/>
               </a:rPr>
               <a:t>jobs:</a:t>
             </a:r>
           </a:p>
           <a:p>
             <a:r>
-              <a:rPr lang="en-US" sz="1200" dirty="0">
-                <a:latin typeface="Courier New" panose="02070309020205020404" pitchFamily="49" charset="0"/>
-                <a:cs typeface="Courier New" panose="02070309020205020404" pitchFamily="49" charset="0"/>
+              <a:rPr lang="en-US" sz="1200" noProof="1">
+                <a:latin typeface="Consolas" panose="020B0609020204030204" pitchFamily="49" charset="0"/>
+                <a:cs typeface="Consolas" panose="020B0609020204030204" pitchFamily="49" charset="0"/>
               </a:rPr>
               <a:t>  run-tests:</a:t>
             </a:r>
           </a:p>
           <a:p>
             <a:r>
-              <a:rPr lang="en-US" sz="1200" dirty="0">
-                <a:latin typeface="Courier New" panose="02070309020205020404" pitchFamily="49" charset="0"/>
-                <a:cs typeface="Courier New" panose="02070309020205020404" pitchFamily="49" charset="0"/>
+              <a:rPr lang="en-US" sz="1200" noProof="1">
+                <a:latin typeface="Consolas" panose="020B0609020204030204" pitchFamily="49" charset="0"/>
+                <a:cs typeface="Consolas" panose="020B0609020204030204" pitchFamily="49" charset="0"/>
               </a:rPr>
-              <a:t>    runs-on: ${{ </a:t>
-            </a:r>
-            <a:r>
-              <a:rPr lang="en-US" sz="1200" dirty="0" err="1">
-                <a:latin typeface="Courier New" panose="02070309020205020404" pitchFamily="49" charset="0"/>
-                <a:cs typeface="Courier New" panose="02070309020205020404" pitchFamily="49" charset="0"/>
-              </a:rPr>
-              <a:t>matrix.os</a:t>
-            </a:r>
-            <a:r>
-              <a:rPr lang="en-US" sz="1200" dirty="0">
-                <a:latin typeface="Courier New" panose="02070309020205020404" pitchFamily="49" charset="0"/>
-                <a:cs typeface="Courier New" panose="02070309020205020404" pitchFamily="49" charset="0"/>
-              </a:rPr>
-              <a:t> }}</a:t>
-            </a:r>
-          </a:p>
-          <a:p>
-            <a:r>
-              <a:rPr lang="en-US" sz="1200" dirty="0">
-                <a:latin typeface="Courier New" panose="02070309020205020404" pitchFamily="49" charset="0"/>
-                <a:cs typeface="Courier New" panose="02070309020205020404" pitchFamily="49" charset="0"/>
+              <a:t>    runs-on: ${{ matrix.os }}</a:t>
+            </a:r>
+          </a:p>
+          <a:p>
+            <a:r>
+              <a:rPr lang="en-US" sz="1200" noProof="1">
+                <a:latin typeface="Consolas" panose="020B0609020204030204" pitchFamily="49" charset="0"/>
+                <a:cs typeface="Consolas" panose="020B0609020204030204" pitchFamily="49" charset="0"/>
               </a:rPr>
               <a:t>    </a:t>
             </a:r>
           </a:p>
           <a:p>
             <a:r>
-              <a:rPr lang="en-US" sz="1200" dirty="0">
-                <a:latin typeface="Courier New" panose="02070309020205020404" pitchFamily="49" charset="0"/>
-                <a:cs typeface="Courier New" panose="02070309020205020404" pitchFamily="49" charset="0"/>
+              <a:rPr lang="en-US" sz="1200" noProof="1">
+                <a:latin typeface="Consolas" panose="020B0609020204030204" pitchFamily="49" charset="0"/>
+                <a:cs typeface="Consolas" panose="020B0609020204030204" pitchFamily="49" charset="0"/>
               </a:rPr>
               <a:t>    strategy:</a:t>
             </a:r>
           </a:p>
           <a:p>
             <a:r>
-              <a:rPr lang="en-US" sz="1200" dirty="0">
-                <a:latin typeface="Courier New" panose="02070309020205020404" pitchFamily="49" charset="0"/>
-                <a:cs typeface="Courier New" panose="02070309020205020404" pitchFamily="49" charset="0"/>
+              <a:rPr lang="en-US" sz="1200" noProof="1">
+                <a:latin typeface="Consolas" panose="020B0609020204030204" pitchFamily="49" charset="0"/>
+                <a:cs typeface="Consolas" panose="020B0609020204030204" pitchFamily="49" charset="0"/>
               </a:rPr>
               <a:t>      matrix:</a:t>
             </a:r>
           </a:p>
           <a:p>
             <a:r>
-              <a:rPr lang="en-US" sz="1200" dirty="0">
-                <a:latin typeface="Courier New" panose="02070309020205020404" pitchFamily="49" charset="0"/>
-                <a:cs typeface="Courier New" panose="02070309020205020404" pitchFamily="49" charset="0"/>
+              <a:rPr lang="en-US" sz="1200" noProof="1">
+                <a:latin typeface="Consolas" panose="020B0609020204030204" pitchFamily="49" charset="0"/>
+                <a:cs typeface="Consolas" panose="020B0609020204030204" pitchFamily="49" charset="0"/>
               </a:rPr>
-              <a:t>        </a:t>
-            </a:r>
-            <a:r>
-              <a:rPr lang="en-US" sz="1200" dirty="0" err="1">
-                <a:latin typeface="Courier New" panose="02070309020205020404" pitchFamily="49" charset="0"/>
-                <a:cs typeface="Courier New" panose="02070309020205020404" pitchFamily="49" charset="0"/>
-              </a:rPr>
-              <a:t>os</a:t>
-            </a:r>
-            <a:r>
-              <a:rPr lang="en-US" sz="1200" dirty="0">
-                <a:latin typeface="Courier New" panose="02070309020205020404" pitchFamily="49" charset="0"/>
-                <a:cs typeface="Courier New" panose="02070309020205020404" pitchFamily="49" charset="0"/>
-              </a:rPr>
-              <a:t>: [ubuntu-latest, </a:t>
-            </a:r>
-            <a:r>
-              <a:rPr lang="en-US" sz="1200" dirty="0" err="1">
-                <a:latin typeface="Courier New" panose="02070309020205020404" pitchFamily="49" charset="0"/>
-                <a:cs typeface="Courier New" panose="02070309020205020404" pitchFamily="49" charset="0"/>
-              </a:rPr>
-              <a:t>macos</a:t>
-            </a:r>
-            <a:r>
-              <a:rPr lang="en-US" sz="1200" dirty="0">
-                <a:latin typeface="Courier New" panose="02070309020205020404" pitchFamily="49" charset="0"/>
-                <a:cs typeface="Courier New" panose="02070309020205020404" pitchFamily="49" charset="0"/>
-              </a:rPr>
-              <a:t>-latest]</a:t>
-            </a:r>
-          </a:p>
-          <a:p>
-            <a:r>
-              <a:rPr lang="en-US" sz="1200" dirty="0">
-                <a:latin typeface="Courier New" panose="02070309020205020404" pitchFamily="49" charset="0"/>
-                <a:cs typeface="Courier New" panose="02070309020205020404" pitchFamily="49" charset="0"/>
+              <a:t>        os: [ubuntu-latest, macos-latest]</a:t>
+            </a:r>
+          </a:p>
+          <a:p>
+            <a:r>
+              <a:rPr lang="en-US" sz="1200" noProof="1">
+                <a:latin typeface="Consolas" panose="020B0609020204030204" pitchFamily="49" charset="0"/>
+                <a:cs typeface="Consolas" panose="020B0609020204030204" pitchFamily="49" charset="0"/>
               </a:rPr>
               <a:t>        python-version: [3.8, 3.9]</a:t>
             </a:r>
           </a:p>
           <a:p>
-            <a:endParaRPr lang="en-US" sz="1200" dirty="0">
-              <a:latin typeface="Courier New" panose="02070309020205020404" pitchFamily="49" charset="0"/>
-              <a:cs typeface="Courier New" panose="02070309020205020404" pitchFamily="49" charset="0"/>
+            <a:endParaRPr lang="en-US" sz="1200" noProof="1">
+              <a:latin typeface="Consolas" panose="020B0609020204030204" pitchFamily="49" charset="0"/>
+              <a:cs typeface="Consolas" panose="020B0609020204030204" pitchFamily="49" charset="0"/>
             </a:endParaRPr>
           </a:p>
           <a:p>
             <a:r>
-              <a:rPr lang="en-US" sz="1200" dirty="0">
-                <a:latin typeface="Courier New" panose="02070309020205020404" pitchFamily="49" charset="0"/>
-                <a:cs typeface="Courier New" panose="02070309020205020404" pitchFamily="49" charset="0"/>
+              <a:rPr lang="en-US" sz="1200" noProof="1">
+                <a:latin typeface="Consolas" panose="020B0609020204030204" pitchFamily="49" charset="0"/>
+                <a:cs typeface="Consolas" panose="020B0609020204030204" pitchFamily="49" charset="0"/>
               </a:rPr>
               <a:t>    steps:</a:t>
             </a:r>
           </a:p>
           <a:p>
             <a:r>
-              <a:rPr lang="en-US" sz="1200" dirty="0">
-                <a:latin typeface="Courier New" panose="02070309020205020404" pitchFamily="49" charset="0"/>
-                <a:cs typeface="Courier New" panose="02070309020205020404" pitchFamily="49" charset="0"/>
+              <a:rPr lang="en-US" sz="1200" noProof="1">
+                <a:latin typeface="Consolas" panose="020B0609020204030204" pitchFamily="49" charset="0"/>
+                <a:cs typeface="Consolas" panose="020B0609020204030204" pitchFamily="49" charset="0"/>
               </a:rPr>
               <a:t>    - uses: actions/checkout@v2</a:t>
             </a:r>
           </a:p>
           <a:p>
             <a:r>
-              <a:rPr lang="en-US" sz="1200" dirty="0">
-                <a:latin typeface="Courier New" panose="02070309020205020404" pitchFamily="49" charset="0"/>
-                <a:cs typeface="Courier New" panose="02070309020205020404" pitchFamily="49" charset="0"/>
+              <a:rPr lang="en-US" sz="1200" noProof="1">
+                <a:latin typeface="Consolas" panose="020B0609020204030204" pitchFamily="49" charset="0"/>
+                <a:cs typeface="Consolas" panose="020B0609020204030204" pitchFamily="49" charset="0"/>
               </a:rPr>
-              <a:t>    - name: Set up Python ${{ </a:t>
-            </a:r>
-            <a:r>
-              <a:rPr lang="en-US" sz="1200" dirty="0" err="1">
-                <a:latin typeface="Courier New" panose="02070309020205020404" pitchFamily="49" charset="0"/>
-                <a:cs typeface="Courier New" panose="02070309020205020404" pitchFamily="49" charset="0"/>
-              </a:rPr>
-              <a:t>matrix.python</a:t>
-            </a:r>
-            <a:r>
-              <a:rPr lang="en-US" sz="1200" dirty="0">
-                <a:latin typeface="Courier New" panose="02070309020205020404" pitchFamily="49" charset="0"/>
-                <a:cs typeface="Courier New" panose="02070309020205020404" pitchFamily="49" charset="0"/>
-              </a:rPr>
-              <a:t>-version }}</a:t>
-            </a:r>
-          </a:p>
-          <a:p>
-            <a:r>
-              <a:rPr lang="en-US" sz="1200" dirty="0">
-                <a:latin typeface="Courier New" panose="02070309020205020404" pitchFamily="49" charset="0"/>
-                <a:cs typeface="Courier New" panose="02070309020205020404" pitchFamily="49" charset="0"/>
+              <a:t>    - name: Set up Python ${{ matrix.python-version }}</a:t>
+            </a:r>
+          </a:p>
+          <a:p>
+            <a:r>
+              <a:rPr lang="en-US" sz="1200" noProof="1">
+                <a:latin typeface="Consolas" panose="020B0609020204030204" pitchFamily="49" charset="0"/>
+                <a:cs typeface="Consolas" panose="020B0609020204030204" pitchFamily="49" charset="0"/>
               </a:rPr>
               <a:t>      uses: actions/setup-python@v2</a:t>
             </a:r>
           </a:p>
           <a:p>
             <a:r>
-              <a:rPr lang="en-US" sz="1200" dirty="0">
-                <a:latin typeface="Courier New" panose="02070309020205020404" pitchFamily="49" charset="0"/>
-                <a:cs typeface="Courier New" panose="02070309020205020404" pitchFamily="49" charset="0"/>
+              <a:rPr lang="en-US" sz="1200" noProof="1">
+                <a:latin typeface="Consolas" panose="020B0609020204030204" pitchFamily="49" charset="0"/>
+                <a:cs typeface="Consolas" panose="020B0609020204030204" pitchFamily="49" charset="0"/>
               </a:rPr>
               <a:t>      with:</a:t>
             </a:r>
           </a:p>
           <a:p>
             <a:r>
-              <a:rPr lang="en-US" sz="1200" dirty="0">
-                <a:latin typeface="Courier New" panose="02070309020205020404" pitchFamily="49" charset="0"/>
-                <a:cs typeface="Courier New" panose="02070309020205020404" pitchFamily="49" charset="0"/>
+              <a:rPr lang="en-US" sz="1200" noProof="1">
+                <a:latin typeface="Consolas" panose="020B0609020204030204" pitchFamily="49" charset="0"/>
+                <a:cs typeface="Consolas" panose="020B0609020204030204" pitchFamily="49" charset="0"/>
               </a:rPr>
-              <a:t>        python-version: ${{ </a:t>
-            </a:r>
-            <a:r>
-              <a:rPr lang="en-US" sz="1200" dirty="0" err="1">
-                <a:latin typeface="Courier New" panose="02070309020205020404" pitchFamily="49" charset="0"/>
-                <a:cs typeface="Courier New" panose="02070309020205020404" pitchFamily="49" charset="0"/>
-              </a:rPr>
-              <a:t>matrix.python</a:t>
-            </a:r>
-            <a:r>
-              <a:rPr lang="en-US" sz="1200" dirty="0">
-                <a:latin typeface="Courier New" panose="02070309020205020404" pitchFamily="49" charset="0"/>
-                <a:cs typeface="Courier New" panose="02070309020205020404" pitchFamily="49" charset="0"/>
-              </a:rPr>
-              <a:t>-version }}</a:t>
-            </a:r>
-          </a:p>
-          <a:p>
-            <a:r>
-              <a:rPr lang="en-US" sz="1200" dirty="0">
-                <a:latin typeface="Courier New" panose="02070309020205020404" pitchFamily="49" charset="0"/>
-                <a:cs typeface="Courier New" panose="02070309020205020404" pitchFamily="49" charset="0"/>
+              <a:t>        python-version: ${{ matrix.python-version }}</a:t>
+            </a:r>
+          </a:p>
+          <a:p>
+            <a:r>
+              <a:rPr lang="en-US" sz="1200" noProof="1">
+                <a:latin typeface="Consolas" panose="020B0609020204030204" pitchFamily="49" charset="0"/>
+                <a:cs typeface="Consolas" panose="020B0609020204030204" pitchFamily="49" charset="0"/>
               </a:rPr>
               <a:t>    - name: Install dependencies</a:t>
             </a:r>
           </a:p>
           <a:p>
             <a:r>
-              <a:rPr lang="en-US" sz="1200" dirty="0">
-                <a:latin typeface="Courier New" panose="02070309020205020404" pitchFamily="49" charset="0"/>
-                <a:cs typeface="Courier New" panose="02070309020205020404" pitchFamily="49" charset="0"/>
+              <a:rPr lang="en-US" sz="1200" noProof="1">
+                <a:latin typeface="Consolas" panose="020B0609020204030204" pitchFamily="49" charset="0"/>
+                <a:cs typeface="Consolas" panose="020B0609020204030204" pitchFamily="49" charset="0"/>
               </a:rPr>
               <a:t>      run:</a:t>
             </a:r>
           </a:p>
           <a:p>
             <a:r>
-              <a:rPr lang="en-US" sz="1200" dirty="0">
-                <a:latin typeface="Courier New" panose="02070309020205020404" pitchFamily="49" charset="0"/>
-                <a:cs typeface="Courier New" panose="02070309020205020404" pitchFamily="49" charset="0"/>
+              <a:rPr lang="en-US" sz="1200" noProof="1">
+                <a:latin typeface="Consolas" panose="020B0609020204030204" pitchFamily="49" charset="0"/>
+                <a:cs typeface="Consolas" panose="020B0609020204030204" pitchFamily="49" charset="0"/>
               </a:rPr>
-              <a:t>        python -m pip install </a:t>
-            </a:r>
-            <a:r>
-              <a:rPr lang="en-US" sz="1200" dirty="0" err="1">
-                <a:latin typeface="Courier New" panose="02070309020205020404" pitchFamily="49" charset="0"/>
-                <a:cs typeface="Courier New" panose="02070309020205020404" pitchFamily="49" charset="0"/>
+              <a:t>        python -m pip install pytest numpy</a:t>
+            </a:r>
+          </a:p>
+          <a:p>
+            <a:r>
+              <a:rPr lang="en-US" sz="1200" noProof="1">
+                <a:latin typeface="Consolas" panose="020B0609020204030204" pitchFamily="49" charset="0"/>
+                <a:cs typeface="Consolas" panose="020B0609020204030204" pitchFamily="49" charset="0"/>
               </a:rPr>
-              <a:t>pytest</a:t>
-            </a:r>
-            <a:r>
-              <a:rPr lang="en-US" sz="1200" dirty="0">
-                <a:latin typeface="Courier New" panose="02070309020205020404" pitchFamily="49" charset="0"/>
-                <a:cs typeface="Courier New" panose="02070309020205020404" pitchFamily="49" charset="0"/>
-              </a:rPr>
-              <a:t> </a:t>
-            </a:r>
-            <a:r>
-              <a:rPr lang="en-US" sz="1200" dirty="0" err="1">
-                <a:latin typeface="Courier New" panose="02070309020205020404" pitchFamily="49" charset="0"/>
-                <a:cs typeface="Courier New" panose="02070309020205020404" pitchFamily="49" charset="0"/>
-              </a:rPr>
-              <a:t>numpy</a:t>
-            </a:r>
-            <a:endParaRPr lang="en-US" sz="1200" dirty="0">
-              <a:latin typeface="Courier New" panose="02070309020205020404" pitchFamily="49" charset="0"/>
-              <a:cs typeface="Courier New" panose="02070309020205020404" pitchFamily="49" charset="0"/>
-            </a:endParaRPr>
-          </a:p>
-          <a:p>
-            <a:r>
-              <a:rPr lang="en-US" sz="1200" dirty="0">
-                <a:latin typeface="Courier New" panose="02070309020205020404" pitchFamily="49" charset="0"/>
-                <a:cs typeface="Courier New" panose="02070309020205020404" pitchFamily="49" charset="0"/>
-              </a:rPr>
-              <a:t>    - name: Test with </a:t>
-            </a:r>
-            <a:r>
-              <a:rPr lang="en-US" sz="1200" dirty="0" err="1">
-                <a:latin typeface="Courier New" panose="02070309020205020404" pitchFamily="49" charset="0"/>
-                <a:cs typeface="Courier New" panose="02070309020205020404" pitchFamily="49" charset="0"/>
-              </a:rPr>
-              <a:t>pytest</a:t>
-            </a:r>
-            <a:endParaRPr lang="en-US" sz="1200" dirty="0">
-              <a:latin typeface="Courier New" panose="02070309020205020404" pitchFamily="49" charset="0"/>
-              <a:cs typeface="Courier New" panose="02070309020205020404" pitchFamily="49" charset="0"/>
-            </a:endParaRPr>
-          </a:p>
-          <a:p>
-            <a:r>
-              <a:rPr lang="en-US" sz="1200" dirty="0">
-                <a:latin typeface="Courier New" panose="02070309020205020404" pitchFamily="49" charset="0"/>
-                <a:cs typeface="Courier New" panose="02070309020205020404" pitchFamily="49" charset="0"/>
+              <a:t>    - name: Test with pytest</a:t>
+            </a:r>
+          </a:p>
+          <a:p>
+            <a:r>
+              <a:rPr lang="en-US" sz="1200" noProof="1">
+                <a:latin typeface="Consolas" panose="020B0609020204030204" pitchFamily="49" charset="0"/>
+                <a:cs typeface="Consolas" panose="020B0609020204030204" pitchFamily="49" charset="0"/>
               </a:rPr>
               <a:t>      run:</a:t>
             </a:r>
           </a:p>
           <a:p>
             <a:r>
-              <a:rPr lang="en-US" sz="1200" dirty="0">
-                <a:latin typeface="Courier New" panose="02070309020205020404" pitchFamily="49" charset="0"/>
-                <a:cs typeface="Courier New" panose="02070309020205020404" pitchFamily="49" charset="0"/>
+              <a:rPr lang="en-US" sz="1200" noProof="1">
+                <a:latin typeface="Consolas" panose="020B0609020204030204" pitchFamily="49" charset="0"/>
+                <a:cs typeface="Consolas" panose="020B0609020204030204" pitchFamily="49" charset="0"/>
               </a:rPr>
-              <a:t>        </a:t>
-            </a:r>
-            <a:r>
-              <a:rPr lang="en-US" sz="1200" dirty="0" err="1">
-                <a:latin typeface="Courier New" panose="02070309020205020404" pitchFamily="49" charset="0"/>
-                <a:cs typeface="Courier New" panose="02070309020205020404" pitchFamily="49" charset="0"/>
-              </a:rPr>
-              <a:t>pytest</a:t>
-            </a:r>
-            <a:r>
-              <a:rPr lang="en-US" sz="1200" dirty="0">
-                <a:latin typeface="Courier New" panose="02070309020205020404" pitchFamily="49" charset="0"/>
-                <a:cs typeface="Courier New" panose="02070309020205020404" pitchFamily="49" charset="0"/>
-              </a:rPr>
-              <a:t> -</a:t>
-            </a:r>
-            <a:r>
-              <a:rPr lang="en-US" sz="1200" dirty="0" err="1">
-                <a:latin typeface="Courier New" panose="02070309020205020404" pitchFamily="49" charset="0"/>
-                <a:cs typeface="Courier New" panose="02070309020205020404" pitchFamily="49" charset="0"/>
-              </a:rPr>
-              <a:t>sv</a:t>
-            </a:r>
-            <a:r>
-              <a:rPr lang="en-US" sz="1200" dirty="0">
-                <a:latin typeface="Courier New" panose="02070309020205020404" pitchFamily="49" charset="0"/>
-                <a:cs typeface="Courier New" panose="02070309020205020404" pitchFamily="49" charset="0"/>
-              </a:rPr>
-              <a:t> </a:t>
-            </a:r>
-            <a:r>
-              <a:rPr lang="en-US" sz="1200" dirty="0" err="1">
-                <a:latin typeface="Courier New" panose="02070309020205020404" pitchFamily="49" charset="0"/>
-                <a:cs typeface="Courier New" panose="02070309020205020404" pitchFamily="49" charset="0"/>
-              </a:rPr>
-              <a:t>hands_on</a:t>
-            </a:r>
-            <a:r>
-              <a:rPr lang="en-US" sz="1200" dirty="0">
-                <a:latin typeface="Courier New" panose="02070309020205020404" pitchFamily="49" charset="0"/>
-                <a:cs typeface="Courier New" panose="02070309020205020404" pitchFamily="49" charset="0"/>
-              </a:rPr>
-              <a:t>/</a:t>
-            </a:r>
-            <a:r>
-              <a:rPr lang="en-US" sz="1200" dirty="0" err="1">
-                <a:latin typeface="Courier New" panose="02070309020205020404" pitchFamily="49" charset="0"/>
-                <a:cs typeface="Courier New" panose="02070309020205020404" pitchFamily="49" charset="0"/>
-              </a:rPr>
-              <a:t>pyanno_votin</a:t>
-            </a:r>
-            <a:endParaRPr lang="en-CH" sz="1200" dirty="0">
-              <a:latin typeface="Courier New" panose="02070309020205020404" pitchFamily="49" charset="0"/>
-              <a:cs typeface="Courier New" panose="02070309020205020404" pitchFamily="49" charset="0"/>
-            </a:endParaRPr>
+              <a:t>        pytest -sv hands_on/pyanno_votin</a:t>
+            </a:r>
           </a:p>
         </p:txBody>
       </p:sp>
@@ -7603,7 +6747,7 @@
         <p:spPr>
           <a:xfrm>
             <a:off x="2351947" y="1164135"/>
-            <a:ext cx="5205271" cy="4893647"/>
+            <a:ext cx="4772460" cy="4893647"/>
           </a:xfrm>
           <a:prstGeom prst="rect">
             <a:avLst/>
@@ -7619,401 +6763,228 @@
           <a:lstStyle/>
           <a:p>
             <a:r>
-              <a:rPr lang="en-US" sz="1200" dirty="0">
-                <a:latin typeface="Courier New" panose="02070309020205020404" pitchFamily="49" charset="0"/>
-                <a:cs typeface="Courier New" panose="02070309020205020404" pitchFamily="49" charset="0"/>
+              <a:rPr lang="en-US" sz="1200" noProof="1">
+                <a:latin typeface="Consolas" panose="020B0609020204030204" pitchFamily="49" charset="0"/>
+                <a:cs typeface="Consolas" panose="020B0609020204030204" pitchFamily="49" charset="0"/>
               </a:rPr>
               <a:t>Name: Run all the tests for PRs, with OS/Python matrix</a:t>
             </a:r>
           </a:p>
           <a:p>
-            <a:endParaRPr lang="en-US" sz="1200" dirty="0">
-              <a:latin typeface="Courier New" panose="02070309020205020404" pitchFamily="49" charset="0"/>
-              <a:cs typeface="Courier New" panose="02070309020205020404" pitchFamily="49" charset="0"/>
+            <a:endParaRPr lang="en-US" sz="1200" noProof="1">
+              <a:latin typeface="Consolas" panose="020B0609020204030204" pitchFamily="49" charset="0"/>
+              <a:cs typeface="Consolas" panose="020B0609020204030204" pitchFamily="49" charset="0"/>
             </a:endParaRPr>
           </a:p>
           <a:p>
             <a:r>
-              <a:rPr lang="en-US" sz="1200" dirty="0">
-                <a:latin typeface="Courier New" panose="02070309020205020404" pitchFamily="49" charset="0"/>
-                <a:cs typeface="Courier New" panose="02070309020205020404" pitchFamily="49" charset="0"/>
+              <a:rPr lang="en-US" sz="1200" noProof="1">
+                <a:latin typeface="Consolas" panose="020B0609020204030204" pitchFamily="49" charset="0"/>
+                <a:cs typeface="Consolas" panose="020B0609020204030204" pitchFamily="49" charset="0"/>
               </a:rPr>
               <a:t>on:</a:t>
             </a:r>
           </a:p>
           <a:p>
             <a:r>
-              <a:rPr lang="en-US" sz="1200" dirty="0">
-                <a:latin typeface="Courier New" panose="02070309020205020404" pitchFamily="49" charset="0"/>
-                <a:cs typeface="Courier New" panose="02070309020205020404" pitchFamily="49" charset="0"/>
+              <a:rPr lang="en-US" sz="1200" noProof="1">
+                <a:latin typeface="Consolas" panose="020B0609020204030204" pitchFamily="49" charset="0"/>
+                <a:cs typeface="Consolas" panose="020B0609020204030204" pitchFamily="49" charset="0"/>
               </a:rPr>
-              <a:t>  [push, </a:t>
-            </a:r>
-            <a:r>
-              <a:rPr lang="en-US" sz="1200" dirty="0" err="1">
-                <a:latin typeface="Courier New" panose="02070309020205020404" pitchFamily="49" charset="0"/>
-                <a:cs typeface="Courier New" panose="02070309020205020404" pitchFamily="49" charset="0"/>
-              </a:rPr>
-              <a:t>pull_request</a:t>
-            </a:r>
-            <a:r>
-              <a:rPr lang="en-US" sz="1200" dirty="0">
-                <a:latin typeface="Courier New" panose="02070309020205020404" pitchFamily="49" charset="0"/>
-                <a:cs typeface="Courier New" panose="02070309020205020404" pitchFamily="49" charset="0"/>
-              </a:rPr>
-              <a:t>]</a:t>
-            </a:r>
-          </a:p>
-          <a:p>
-            <a:endParaRPr lang="en-US" sz="1200" dirty="0">
-              <a:latin typeface="Courier New" panose="02070309020205020404" pitchFamily="49" charset="0"/>
-              <a:cs typeface="Courier New" panose="02070309020205020404" pitchFamily="49" charset="0"/>
+              <a:t>  [push, pull_request]</a:t>
+            </a:r>
+          </a:p>
+          <a:p>
+            <a:endParaRPr lang="en-US" sz="1200" noProof="1">
+              <a:latin typeface="Consolas" panose="020B0609020204030204" pitchFamily="49" charset="0"/>
+              <a:cs typeface="Consolas" panose="020B0609020204030204" pitchFamily="49" charset="0"/>
             </a:endParaRPr>
           </a:p>
           <a:p>
             <a:r>
-              <a:rPr lang="en-US" sz="1200" dirty="0">
-                <a:latin typeface="Courier New" panose="02070309020205020404" pitchFamily="49" charset="0"/>
-                <a:cs typeface="Courier New" panose="02070309020205020404" pitchFamily="49" charset="0"/>
+              <a:rPr lang="en-US" sz="1200" noProof="1">
+                <a:latin typeface="Consolas" panose="020B0609020204030204" pitchFamily="49" charset="0"/>
+                <a:cs typeface="Consolas" panose="020B0609020204030204" pitchFamily="49" charset="0"/>
               </a:rPr>
               <a:t>jobs:</a:t>
             </a:r>
           </a:p>
           <a:p>
             <a:r>
-              <a:rPr lang="en-US" sz="1200" dirty="0">
-                <a:latin typeface="Courier New" panose="02070309020205020404" pitchFamily="49" charset="0"/>
-                <a:cs typeface="Courier New" panose="02070309020205020404" pitchFamily="49" charset="0"/>
+              <a:rPr lang="en-US" sz="1200" noProof="1">
+                <a:latin typeface="Consolas" panose="020B0609020204030204" pitchFamily="49" charset="0"/>
+                <a:cs typeface="Consolas" panose="020B0609020204030204" pitchFamily="49" charset="0"/>
               </a:rPr>
               <a:t>  run-tests:</a:t>
             </a:r>
           </a:p>
           <a:p>
             <a:r>
-              <a:rPr lang="en-US" sz="1200" dirty="0">
-                <a:latin typeface="Courier New" panose="02070309020205020404" pitchFamily="49" charset="0"/>
-                <a:cs typeface="Courier New" panose="02070309020205020404" pitchFamily="49" charset="0"/>
+              <a:rPr lang="en-US" sz="1200" noProof="1">
+                <a:latin typeface="Consolas" panose="020B0609020204030204" pitchFamily="49" charset="0"/>
+                <a:cs typeface="Consolas" panose="020B0609020204030204" pitchFamily="49" charset="0"/>
               </a:rPr>
-              <a:t>    runs-on: ${{ </a:t>
-            </a:r>
-            <a:r>
-              <a:rPr lang="en-US" sz="1200" dirty="0" err="1">
-                <a:latin typeface="Courier New" panose="02070309020205020404" pitchFamily="49" charset="0"/>
-                <a:cs typeface="Courier New" panose="02070309020205020404" pitchFamily="49" charset="0"/>
-              </a:rPr>
-              <a:t>matrix.os</a:t>
-            </a:r>
-            <a:r>
-              <a:rPr lang="en-US" sz="1200" dirty="0">
-                <a:latin typeface="Courier New" panose="02070309020205020404" pitchFamily="49" charset="0"/>
-                <a:cs typeface="Courier New" panose="02070309020205020404" pitchFamily="49" charset="0"/>
-              </a:rPr>
-              <a:t> }}</a:t>
-            </a:r>
-          </a:p>
-          <a:p>
-            <a:r>
-              <a:rPr lang="en-US" sz="1200" dirty="0">
-                <a:latin typeface="Courier New" panose="02070309020205020404" pitchFamily="49" charset="0"/>
-                <a:cs typeface="Courier New" panose="02070309020205020404" pitchFamily="49" charset="0"/>
+              <a:t>    runs-on: ${{ matrix.os }}</a:t>
+            </a:r>
+          </a:p>
+          <a:p>
+            <a:r>
+              <a:rPr lang="en-US" sz="1200" noProof="1">
+                <a:latin typeface="Consolas" panose="020B0609020204030204" pitchFamily="49" charset="0"/>
+                <a:cs typeface="Consolas" panose="020B0609020204030204" pitchFamily="49" charset="0"/>
               </a:rPr>
               <a:t>    </a:t>
             </a:r>
           </a:p>
           <a:p>
             <a:r>
-              <a:rPr lang="en-US" sz="1200" dirty="0">
-                <a:latin typeface="Courier New" panose="02070309020205020404" pitchFamily="49" charset="0"/>
-                <a:cs typeface="Courier New" panose="02070309020205020404" pitchFamily="49" charset="0"/>
+              <a:rPr lang="en-US" sz="1200" noProof="1">
+                <a:latin typeface="Consolas" panose="020B0609020204030204" pitchFamily="49" charset="0"/>
+                <a:cs typeface="Consolas" panose="020B0609020204030204" pitchFamily="49" charset="0"/>
               </a:rPr>
               <a:t>    strategy:</a:t>
             </a:r>
           </a:p>
           <a:p>
             <a:r>
-              <a:rPr lang="en-US" sz="1200" dirty="0">
-                <a:latin typeface="Courier New" panose="02070309020205020404" pitchFamily="49" charset="0"/>
-                <a:cs typeface="Courier New" panose="02070309020205020404" pitchFamily="49" charset="0"/>
+              <a:rPr lang="en-US" sz="1200" noProof="1">
+                <a:latin typeface="Consolas" panose="020B0609020204030204" pitchFamily="49" charset="0"/>
+                <a:cs typeface="Consolas" panose="020B0609020204030204" pitchFamily="49" charset="0"/>
               </a:rPr>
               <a:t>      matrix:</a:t>
             </a:r>
           </a:p>
           <a:p>
             <a:r>
-              <a:rPr lang="en-US" sz="1200" dirty="0">
-                <a:latin typeface="Courier New" panose="02070309020205020404" pitchFamily="49" charset="0"/>
-                <a:cs typeface="Courier New" panose="02070309020205020404" pitchFamily="49" charset="0"/>
+              <a:rPr lang="en-US" sz="1200" noProof="1">
+                <a:latin typeface="Consolas" panose="020B0609020204030204" pitchFamily="49" charset="0"/>
+                <a:cs typeface="Consolas" panose="020B0609020204030204" pitchFamily="49" charset="0"/>
               </a:rPr>
-              <a:t>        </a:t>
-            </a:r>
-            <a:r>
-              <a:rPr lang="en-US" sz="1200" dirty="0" err="1">
-                <a:latin typeface="Courier New" panose="02070309020205020404" pitchFamily="49" charset="0"/>
-                <a:cs typeface="Courier New" panose="02070309020205020404" pitchFamily="49" charset="0"/>
-              </a:rPr>
-              <a:t>os</a:t>
-            </a:r>
-            <a:r>
-              <a:rPr lang="en-US" sz="1200" dirty="0">
-                <a:latin typeface="Courier New" panose="02070309020205020404" pitchFamily="49" charset="0"/>
-                <a:cs typeface="Courier New" panose="02070309020205020404" pitchFamily="49" charset="0"/>
-              </a:rPr>
-              <a:t>: [ubuntu-latest, </a:t>
-            </a:r>
-            <a:r>
-              <a:rPr lang="en-US" sz="1200" dirty="0" err="1">
-                <a:latin typeface="Courier New" panose="02070309020205020404" pitchFamily="49" charset="0"/>
-                <a:cs typeface="Courier New" panose="02070309020205020404" pitchFamily="49" charset="0"/>
-              </a:rPr>
-              <a:t>macos</a:t>
-            </a:r>
-            <a:r>
-              <a:rPr lang="en-US" sz="1200" dirty="0">
-                <a:latin typeface="Courier New" panose="02070309020205020404" pitchFamily="49" charset="0"/>
-                <a:cs typeface="Courier New" panose="02070309020205020404" pitchFamily="49" charset="0"/>
-              </a:rPr>
-              <a:t>-latest]</a:t>
-            </a:r>
-          </a:p>
-          <a:p>
-            <a:r>
-              <a:rPr lang="en-US" sz="1200" dirty="0">
-                <a:latin typeface="Courier New" panose="02070309020205020404" pitchFamily="49" charset="0"/>
-                <a:cs typeface="Courier New" panose="02070309020205020404" pitchFamily="49" charset="0"/>
+              <a:t>        os: [ubuntu-latest, macos-latest]</a:t>
+            </a:r>
+          </a:p>
+          <a:p>
+            <a:r>
+              <a:rPr lang="en-US" sz="1200" noProof="1">
+                <a:latin typeface="Consolas" panose="020B0609020204030204" pitchFamily="49" charset="0"/>
+                <a:cs typeface="Consolas" panose="020B0609020204030204" pitchFamily="49" charset="0"/>
               </a:rPr>
               <a:t>        python-version: [3.8, 3.9]</a:t>
             </a:r>
           </a:p>
           <a:p>
-            <a:endParaRPr lang="en-US" sz="1200" dirty="0">
-              <a:latin typeface="Courier New" panose="02070309020205020404" pitchFamily="49" charset="0"/>
-              <a:cs typeface="Courier New" panose="02070309020205020404" pitchFamily="49" charset="0"/>
+            <a:endParaRPr lang="en-US" sz="1200" noProof="1">
+              <a:latin typeface="Consolas" panose="020B0609020204030204" pitchFamily="49" charset="0"/>
+              <a:cs typeface="Consolas" panose="020B0609020204030204" pitchFamily="49" charset="0"/>
             </a:endParaRPr>
           </a:p>
           <a:p>
             <a:r>
-              <a:rPr lang="en-US" sz="1200" dirty="0">
-                <a:latin typeface="Courier New" panose="02070309020205020404" pitchFamily="49" charset="0"/>
-                <a:cs typeface="Courier New" panose="02070309020205020404" pitchFamily="49" charset="0"/>
+              <a:rPr lang="en-US" sz="1200" noProof="1">
+                <a:latin typeface="Consolas" panose="020B0609020204030204" pitchFamily="49" charset="0"/>
+                <a:cs typeface="Consolas" panose="020B0609020204030204" pitchFamily="49" charset="0"/>
               </a:rPr>
               <a:t>    steps:</a:t>
             </a:r>
           </a:p>
           <a:p>
             <a:r>
-              <a:rPr lang="en-US" sz="1200" dirty="0">
-                <a:latin typeface="Courier New" panose="02070309020205020404" pitchFamily="49" charset="0"/>
-                <a:cs typeface="Courier New" panose="02070309020205020404" pitchFamily="49" charset="0"/>
+              <a:rPr lang="en-US" sz="1200" noProof="1">
+                <a:latin typeface="Consolas" panose="020B0609020204030204" pitchFamily="49" charset="0"/>
+                <a:cs typeface="Consolas" panose="020B0609020204030204" pitchFamily="49" charset="0"/>
               </a:rPr>
               <a:t>    - uses: actions/checkout@v2</a:t>
             </a:r>
           </a:p>
           <a:p>
             <a:r>
-              <a:rPr lang="en-US" sz="1200" dirty="0">
-                <a:latin typeface="Courier New" panose="02070309020205020404" pitchFamily="49" charset="0"/>
-                <a:cs typeface="Courier New" panose="02070309020205020404" pitchFamily="49" charset="0"/>
+              <a:rPr lang="en-US" sz="1200" noProof="1">
+                <a:latin typeface="Consolas" panose="020B0609020204030204" pitchFamily="49" charset="0"/>
+                <a:cs typeface="Consolas" panose="020B0609020204030204" pitchFamily="49" charset="0"/>
               </a:rPr>
-              <a:t>    - name: Set up Python ${{ </a:t>
-            </a:r>
-            <a:r>
-              <a:rPr lang="en-US" sz="1200" dirty="0" err="1">
-                <a:latin typeface="Courier New" panose="02070309020205020404" pitchFamily="49" charset="0"/>
-                <a:cs typeface="Courier New" panose="02070309020205020404" pitchFamily="49" charset="0"/>
-              </a:rPr>
-              <a:t>matrix.python</a:t>
-            </a:r>
-            <a:r>
-              <a:rPr lang="en-US" sz="1200" dirty="0">
-                <a:latin typeface="Courier New" panose="02070309020205020404" pitchFamily="49" charset="0"/>
-                <a:cs typeface="Courier New" panose="02070309020205020404" pitchFamily="49" charset="0"/>
-              </a:rPr>
-              <a:t>-version }}</a:t>
-            </a:r>
-          </a:p>
-          <a:p>
-            <a:r>
-              <a:rPr lang="en-US" sz="1200" dirty="0">
-                <a:latin typeface="Courier New" panose="02070309020205020404" pitchFamily="49" charset="0"/>
-                <a:cs typeface="Courier New" panose="02070309020205020404" pitchFamily="49" charset="0"/>
+              <a:t>    - name: Set up Python ${{ matrix.python-version }}</a:t>
+            </a:r>
+          </a:p>
+          <a:p>
+            <a:r>
+              <a:rPr lang="en-US" sz="1200" noProof="1">
+                <a:latin typeface="Consolas" panose="020B0609020204030204" pitchFamily="49" charset="0"/>
+                <a:cs typeface="Consolas" panose="020B0609020204030204" pitchFamily="49" charset="0"/>
               </a:rPr>
               <a:t>      uses: actions/setup-python@v2</a:t>
             </a:r>
           </a:p>
           <a:p>
             <a:r>
-              <a:rPr lang="en-US" sz="1200" dirty="0">
-                <a:latin typeface="Courier New" panose="02070309020205020404" pitchFamily="49" charset="0"/>
-                <a:cs typeface="Courier New" panose="02070309020205020404" pitchFamily="49" charset="0"/>
+              <a:rPr lang="en-US" sz="1200" noProof="1">
+                <a:latin typeface="Consolas" panose="020B0609020204030204" pitchFamily="49" charset="0"/>
+                <a:cs typeface="Consolas" panose="020B0609020204030204" pitchFamily="49" charset="0"/>
               </a:rPr>
               <a:t>      with:</a:t>
             </a:r>
           </a:p>
           <a:p>
             <a:r>
-              <a:rPr lang="en-US" sz="1200" dirty="0">
-                <a:latin typeface="Courier New" panose="02070309020205020404" pitchFamily="49" charset="0"/>
-                <a:cs typeface="Courier New" panose="02070309020205020404" pitchFamily="49" charset="0"/>
+              <a:rPr lang="en-US" sz="1200" noProof="1">
+                <a:latin typeface="Consolas" panose="020B0609020204030204" pitchFamily="49" charset="0"/>
+                <a:cs typeface="Consolas" panose="020B0609020204030204" pitchFamily="49" charset="0"/>
               </a:rPr>
-              <a:t>        python-version: ${{ </a:t>
-            </a:r>
-            <a:r>
-              <a:rPr lang="en-US" sz="1200" dirty="0" err="1">
-                <a:latin typeface="Courier New" panose="02070309020205020404" pitchFamily="49" charset="0"/>
-                <a:cs typeface="Courier New" panose="02070309020205020404" pitchFamily="49" charset="0"/>
-              </a:rPr>
-              <a:t>matrix.python</a:t>
-            </a:r>
-            <a:r>
-              <a:rPr lang="en-US" sz="1200" dirty="0">
-                <a:latin typeface="Courier New" panose="02070309020205020404" pitchFamily="49" charset="0"/>
-                <a:cs typeface="Courier New" panose="02070309020205020404" pitchFamily="49" charset="0"/>
-              </a:rPr>
-              <a:t>-version }}</a:t>
-            </a:r>
-          </a:p>
-          <a:p>
-            <a:r>
-              <a:rPr lang="en-US" sz="1200" dirty="0">
-                <a:latin typeface="Courier New" panose="02070309020205020404" pitchFamily="49" charset="0"/>
-                <a:cs typeface="Courier New" panose="02070309020205020404" pitchFamily="49" charset="0"/>
+              <a:t>        python-version: ${{ matrix.python-version }}</a:t>
+            </a:r>
+          </a:p>
+          <a:p>
+            <a:r>
+              <a:rPr lang="en-US" sz="1200" noProof="1">
+                <a:latin typeface="Consolas" panose="020B0609020204030204" pitchFamily="49" charset="0"/>
+                <a:cs typeface="Consolas" panose="020B0609020204030204" pitchFamily="49" charset="0"/>
               </a:rPr>
               <a:t>    - name: Install dependencies</a:t>
             </a:r>
           </a:p>
           <a:p>
             <a:r>
-              <a:rPr lang="en-US" sz="1200" dirty="0">
-                <a:latin typeface="Courier New" panose="02070309020205020404" pitchFamily="49" charset="0"/>
-                <a:cs typeface="Courier New" panose="02070309020205020404" pitchFamily="49" charset="0"/>
+              <a:rPr lang="en-US" sz="1200" noProof="1">
+                <a:latin typeface="Consolas" panose="020B0609020204030204" pitchFamily="49" charset="0"/>
+                <a:cs typeface="Consolas" panose="020B0609020204030204" pitchFamily="49" charset="0"/>
               </a:rPr>
               <a:t>      run:</a:t>
             </a:r>
           </a:p>
           <a:p>
             <a:r>
-              <a:rPr lang="en-US" sz="1200" dirty="0">
-                <a:latin typeface="Courier New" panose="02070309020205020404" pitchFamily="49" charset="0"/>
-                <a:cs typeface="Courier New" panose="02070309020205020404" pitchFamily="49" charset="0"/>
+              <a:rPr lang="en-US" sz="1200" noProof="1">
+                <a:latin typeface="Consolas" panose="020B0609020204030204" pitchFamily="49" charset="0"/>
+                <a:cs typeface="Consolas" panose="020B0609020204030204" pitchFamily="49" charset="0"/>
               </a:rPr>
-              <a:t>        python -m pip install </a:t>
-            </a:r>
-            <a:r>
-              <a:rPr lang="en-US" sz="1200" dirty="0" err="1">
-                <a:latin typeface="Courier New" panose="02070309020205020404" pitchFamily="49" charset="0"/>
-                <a:cs typeface="Courier New" panose="02070309020205020404" pitchFamily="49" charset="0"/>
+              <a:t>        python -m pip install pytest numpy</a:t>
+            </a:r>
+          </a:p>
+          <a:p>
+            <a:r>
+              <a:rPr lang="en-US" sz="1200" noProof="1">
+                <a:latin typeface="Consolas" panose="020B0609020204030204" pitchFamily="49" charset="0"/>
+                <a:cs typeface="Consolas" panose="020B0609020204030204" pitchFamily="49" charset="0"/>
               </a:rPr>
-              <a:t>pytest</a:t>
-            </a:r>
-            <a:r>
-              <a:rPr lang="en-US" sz="1200" dirty="0">
-                <a:latin typeface="Courier New" panose="02070309020205020404" pitchFamily="49" charset="0"/>
-                <a:cs typeface="Courier New" panose="02070309020205020404" pitchFamily="49" charset="0"/>
-              </a:rPr>
-              <a:t> </a:t>
-            </a:r>
-            <a:r>
-              <a:rPr lang="en-US" sz="1200" dirty="0" err="1">
-                <a:latin typeface="Courier New" panose="02070309020205020404" pitchFamily="49" charset="0"/>
-                <a:cs typeface="Courier New" panose="02070309020205020404" pitchFamily="49" charset="0"/>
-              </a:rPr>
-              <a:t>numpy</a:t>
-            </a:r>
-            <a:endParaRPr lang="en-US" sz="1200" dirty="0">
-              <a:latin typeface="Courier New" panose="02070309020205020404" pitchFamily="49" charset="0"/>
-              <a:cs typeface="Courier New" panose="02070309020205020404" pitchFamily="49" charset="0"/>
-            </a:endParaRPr>
-          </a:p>
-          <a:p>
-            <a:r>
-              <a:rPr lang="en-US" sz="1200" dirty="0">
-                <a:latin typeface="Courier New" panose="02070309020205020404" pitchFamily="49" charset="0"/>
-                <a:cs typeface="Courier New" panose="02070309020205020404" pitchFamily="49" charset="0"/>
-              </a:rPr>
-              <a:t>    - name: Test with </a:t>
-            </a:r>
-            <a:r>
-              <a:rPr lang="en-US" sz="1200" dirty="0" err="1">
-                <a:latin typeface="Courier New" panose="02070309020205020404" pitchFamily="49" charset="0"/>
-                <a:cs typeface="Courier New" panose="02070309020205020404" pitchFamily="49" charset="0"/>
-              </a:rPr>
-              <a:t>pytest</a:t>
-            </a:r>
-            <a:endParaRPr lang="en-US" sz="1200" dirty="0">
-              <a:latin typeface="Courier New" panose="02070309020205020404" pitchFamily="49" charset="0"/>
-              <a:cs typeface="Courier New" panose="02070309020205020404" pitchFamily="49" charset="0"/>
-            </a:endParaRPr>
-          </a:p>
-          <a:p>
-            <a:r>
-              <a:rPr lang="en-US" sz="1200" dirty="0">
-                <a:latin typeface="Courier New" panose="02070309020205020404" pitchFamily="49" charset="0"/>
-                <a:cs typeface="Courier New" panose="02070309020205020404" pitchFamily="49" charset="0"/>
+              <a:t>    - name: Test with pytest</a:t>
+            </a:r>
+          </a:p>
+          <a:p>
+            <a:r>
+              <a:rPr lang="en-US" sz="1200" noProof="1">
+                <a:latin typeface="Consolas" panose="020B0609020204030204" pitchFamily="49" charset="0"/>
+                <a:cs typeface="Consolas" panose="020B0609020204030204" pitchFamily="49" charset="0"/>
               </a:rPr>
               <a:t>      run:</a:t>
             </a:r>
           </a:p>
           <a:p>
             <a:r>
-              <a:rPr lang="en-US" sz="1200" dirty="0">
-                <a:latin typeface="Courier New" panose="02070309020205020404" pitchFamily="49" charset="0"/>
-                <a:cs typeface="Courier New" panose="02070309020205020404" pitchFamily="49" charset="0"/>
+              <a:rPr lang="en-US" sz="1200" noProof="1">
+                <a:latin typeface="Consolas" panose="020B0609020204030204" pitchFamily="49" charset="0"/>
+                <a:cs typeface="Consolas" panose="020B0609020204030204" pitchFamily="49" charset="0"/>
               </a:rPr>
-              <a:t>        </a:t>
-            </a:r>
-            <a:r>
-              <a:rPr lang="en-US" sz="1200" dirty="0" err="1">
-                <a:latin typeface="Courier New" panose="02070309020205020404" pitchFamily="49" charset="0"/>
-                <a:cs typeface="Courier New" panose="02070309020205020404" pitchFamily="49" charset="0"/>
-              </a:rPr>
-              <a:t>pytest</a:t>
-            </a:r>
-            <a:r>
-              <a:rPr lang="en-US" sz="1200" dirty="0">
-                <a:latin typeface="Courier New" panose="02070309020205020404" pitchFamily="49" charset="0"/>
-                <a:cs typeface="Courier New" panose="02070309020205020404" pitchFamily="49" charset="0"/>
-              </a:rPr>
-              <a:t> -</a:t>
-            </a:r>
-            <a:r>
-              <a:rPr lang="en-US" sz="1200" dirty="0" err="1">
-                <a:latin typeface="Courier New" panose="02070309020205020404" pitchFamily="49" charset="0"/>
-                <a:cs typeface="Courier New" panose="02070309020205020404" pitchFamily="49" charset="0"/>
-              </a:rPr>
-              <a:t>sv</a:t>
-            </a:r>
-            <a:r>
-              <a:rPr lang="en-US" sz="1200" dirty="0">
-                <a:latin typeface="Courier New" panose="02070309020205020404" pitchFamily="49" charset="0"/>
-                <a:cs typeface="Courier New" panose="02070309020205020404" pitchFamily="49" charset="0"/>
-              </a:rPr>
-              <a:t> </a:t>
-            </a:r>
-            <a:r>
-              <a:rPr lang="en-US" sz="1200" dirty="0" err="1">
-                <a:latin typeface="Courier New" panose="02070309020205020404" pitchFamily="49" charset="0"/>
-                <a:cs typeface="Courier New" panose="02070309020205020404" pitchFamily="49" charset="0"/>
-              </a:rPr>
-              <a:t>hands_on</a:t>
-            </a:r>
-            <a:r>
-              <a:rPr lang="en-US" sz="1200" dirty="0">
-                <a:latin typeface="Courier New" panose="02070309020205020404" pitchFamily="49" charset="0"/>
-                <a:cs typeface="Courier New" panose="02070309020205020404" pitchFamily="49" charset="0"/>
-              </a:rPr>
-              <a:t>/</a:t>
-            </a:r>
-            <a:r>
-              <a:rPr lang="en-US" sz="1200" dirty="0" err="1">
-                <a:latin typeface="Courier New" panose="02070309020205020404" pitchFamily="49" charset="0"/>
-                <a:cs typeface="Courier New" panose="02070309020205020404" pitchFamily="49" charset="0"/>
-              </a:rPr>
-              <a:t>pyanno_votin</a:t>
-            </a:r>
-            <a:endParaRPr lang="en-CH" sz="1200" dirty="0">
-              <a:latin typeface="Courier New" panose="02070309020205020404" pitchFamily="49" charset="0"/>
-              <a:cs typeface="Courier New" panose="02070309020205020404" pitchFamily="49" charset="0"/>
-            </a:endParaRPr>
+              <a:t>        pytest -sv hands_on/pyanno_votin</a:t>
+            </a:r>
           </a:p>
         </p:txBody>
       </p:sp>
@@ -8628,13 +7599,31 @@
           <a:p>
             <a:r>
               <a:rPr lang="en-US" dirty="0"/>
-              <a:t>Adapt your configuration file and push it to GitHub</a:t>
-            </a:r>
-          </a:p>
-          <a:p>
+              <a:t>Adapt your git actions configuration file </a:t>
+            </a:r>
+            <a:r>
+              <a:rPr lang="en-US" dirty="0" err="1">
+                <a:latin typeface="Consolas" panose="020B0609020204030204" pitchFamily="49" charset="0"/>
+                <a:cs typeface="Consolas" panose="020B0609020204030204" pitchFamily="49" charset="0"/>
+              </a:rPr>
+              <a:t>run_test_on_push.yml</a:t>
+            </a:r>
+            <a:r>
+              <a:rPr lang="en-US" dirty="0">
+                <a:latin typeface="Consolas" panose="020B0609020204030204" pitchFamily="49" charset="0"/>
+                <a:cs typeface="Consolas" panose="020B0609020204030204" pitchFamily="49" charset="0"/>
+              </a:rPr>
+              <a:t> </a:t>
+            </a:r>
+            <a:r>
+              <a:rPr lang="en-US" dirty="0">
+                <a:cs typeface="Consolas" panose="020B0609020204030204" pitchFamily="49" charset="0"/>
+              </a:rPr>
+              <a:t>to r</a:t>
+            </a:r>
             <a:r>
               <a:rPr lang="en-US" dirty="0"/>
-              <a:t>Run the logistic function CI workflow on Python 3.7, 3.8, 3.9, and on Linux and Windows</a:t>
+              <a:t>un the testing workflow on Python 3.7, 3.8, 3.9, and on Linux and Windows</a:t>
             </a:r>
             <a:endParaRPr lang="en-CH" dirty="0"/>
           </a:p>
@@ -9556,7 +8545,7 @@
         </p:nvSpPr>
         <p:spPr>
           <a:xfrm>
-            <a:off x="3962400" y="2705100"/>
+            <a:off x="1981200" y="2708920"/>
             <a:ext cx="8229600" cy="990600"/>
           </a:xfrm>
         </p:spPr>
@@ -9568,7 +8557,7 @@
           <a:p>
             <a:pPr algn="ctr"/>
             <a:r>
-              <a:rPr lang="en-GB" sz="5400" dirty="0"/>
+              <a:rPr lang="en-GB" sz="6000" dirty="0"/>
               <a:t>Thank you!</a:t>
             </a:r>
           </a:p>
@@ -11280,18 +10269,9 @@
           <a:lstStyle/>
           <a:p>
             <a:r>
-              <a:rPr lang="de-DE" dirty="0"/>
-              <a:t>Collaborative Development </a:t>
-            </a:r>
-            <a:r>
-              <a:rPr lang="de-DE" dirty="0" err="1"/>
-              <a:t>with</a:t>
-            </a:r>
-            <a:r>
-              <a:rPr lang="de-DE" dirty="0"/>
-              <a:t> CI</a:t>
-            </a:r>
-            <a:endParaRPr lang="en-CH" dirty="0"/>
+              <a:rPr lang="en-US"/>
+              <a:t>Collaborative Development with CI</a:t>
+            </a:r>
           </a:p>
         </p:txBody>
       </p:sp>
@@ -12377,8 +11357,8 @@
             </a:r>
             <a:r>
               <a:rPr lang="en-CH" sz="2000" dirty="0">
-                <a:latin typeface="Courier New" panose="02070309020205020404" pitchFamily="49" charset="0"/>
-                <a:cs typeface="Courier New" panose="02070309020205020404" pitchFamily="49" charset="0"/>
+                <a:latin typeface="Consolas" panose="020B0609020204030204" pitchFamily="49" charset="0"/>
+                <a:cs typeface="Consolas" panose="020B0609020204030204" pitchFamily="49" charset="0"/>
               </a:rPr>
               <a:t>.github/workflows </a:t>
             </a:r>

--- a/continuous_integration.pptx
+++ b/continuous_integration.pptx
@@ -15,7 +15,7 @@
     <p:sldId id="316" r:id="rId3"/>
     <p:sldId id="314" r:id="rId4"/>
     <p:sldId id="317" r:id="rId5"/>
-    <p:sldId id="315" r:id="rId6"/>
+    <p:sldId id="477" r:id="rId6"/>
     <p:sldId id="306" r:id="rId7"/>
     <p:sldId id="318" r:id="rId8"/>
     <p:sldId id="308" r:id="rId9"/>
@@ -32,10 +32,10 @@
     <p:sldId id="322" r:id="rId20"/>
     <p:sldId id="476" r:id="rId21"/>
     <p:sldId id="288" r:id="rId22"/>
-    <p:sldId id="328" r:id="rId23"/>
-    <p:sldId id="307" r:id="rId24"/>
-    <p:sldId id="321" r:id="rId25"/>
-    <p:sldId id="298" r:id="rId26"/>
+    <p:sldId id="298" r:id="rId23"/>
+    <p:sldId id="328" r:id="rId24"/>
+    <p:sldId id="307" r:id="rId25"/>
+    <p:sldId id="321" r:id="rId26"/>
   </p:sldIdLst>
   <p:sldSz cx="12192000" cy="6858000"/>
   <p:notesSz cx="6858000" cy="9144000"/>
@@ -143,7 +143,7 @@
             <p14:sldId id="316"/>
             <p14:sldId id="314"/>
             <p14:sldId id="317"/>
-            <p14:sldId id="315"/>
+            <p14:sldId id="477"/>
             <p14:sldId id="306"/>
             <p14:sldId id="318"/>
             <p14:sldId id="308"/>
@@ -160,10 +160,10 @@
             <p14:sldId id="322"/>
             <p14:sldId id="476"/>
             <p14:sldId id="288"/>
+            <p14:sldId id="298"/>
             <p14:sldId id="328"/>
             <p14:sldId id="307"/>
             <p14:sldId id="321"/>
-            <p14:sldId id="298"/>
           </p14:sldIdLst>
         </p14:section>
       </p14:sectionLst>
@@ -269,7 +269,7 @@
             <a:fld id="{80AC11AF-147E-0A48-A5B0-8DA858D84551}" type="datetimeFigureOut">
               <a:rPr lang="en-US" smtClean="0"/>
               <a:pPr/>
-              <a:t>8/19/23</a:t>
+              <a:t>8/28/23</a:t>
             </a:fld>
             <a:endParaRPr lang="en-US"/>
           </a:p>
@@ -4388,8 +4388,20 @@
           <a:lstStyle/>
           <a:p>
             <a:r>
+              <a:rPr lang="en-DE"/>
+              <a:t>Git</a:t>
+            </a:r>
+            <a:r>
+              <a:rPr lang="en-US" dirty="0"/>
+              <a:t>H</a:t>
+            </a:r>
+            <a:r>
+              <a:rPr lang="en-DE"/>
+              <a:t>ub </a:t>
+            </a:r>
+            <a:r>
               <a:rPr lang="en-DE" dirty="0"/>
-              <a:t>Github Actions</a:t>
+              <a:t>Actions</a:t>
             </a:r>
           </a:p>
         </p:txBody>
@@ -4662,7 +4674,7 @@
         <p:spPr>
           <a:xfrm>
             <a:off x="325552" y="1196752"/>
-            <a:ext cx="9946912" cy="400110"/>
+            <a:ext cx="11315064" cy="400110"/>
           </a:xfrm>
           <a:prstGeom prst="rect">
             <a:avLst/>
@@ -4677,14 +4689,27 @@
           <a:p>
             <a:r>
               <a:rPr lang="en-CH" sz="2000" dirty="0"/>
-              <a:t>The configuration file is saved somewhere in </a:t>
+              <a:t>The configuration file is saved in </a:t>
             </a:r>
             <a:r>
               <a:rPr lang="en-CH" dirty="0">
                 <a:latin typeface="Consolas" panose="020B0609020204030204" pitchFamily="49" charset="0"/>
                 <a:cs typeface="Consolas" panose="020B0609020204030204" pitchFamily="49" charset="0"/>
               </a:rPr>
-              <a:t>.github/worflows/config-name.yml</a:t>
+              <a:t>.github/workflows </a:t>
+            </a:r>
+            <a:r>
+              <a:rPr lang="en-CH" sz="2000" dirty="0">
+                <a:cs typeface="Consolas" panose="020B0609020204030204" pitchFamily="49" charset="0"/>
+              </a:rPr>
+              <a:t>, with a name related to its task, e.g.  </a:t>
+            </a:r>
+            <a:r>
+              <a:rPr lang="en-CH" dirty="0">
+                <a:latin typeface="Consolas" panose="020B0609020204030204" pitchFamily="49" charset="0"/>
+                <a:cs typeface="Consolas" panose="020B0609020204030204" pitchFamily="49" charset="0"/>
+              </a:rPr>
+              <a:t>run-tests.yml</a:t>
             </a:r>
             <a:endParaRPr lang="en-CH" sz="2000" dirty="0">
               <a:latin typeface="Consolas" panose="020B0609020204030204" pitchFamily="49" charset="0"/>
@@ -8620,6 +8645,106 @@
       </p:grpSpPr>
       <p:sp>
         <p:nvSpPr>
+          <p:cNvPr id="2" name="Date Placeholder 1"/>
+          <p:cNvSpPr>
+            <a:spLocks noGrp="1"/>
+          </p:cNvSpPr>
+          <p:nvPr>
+            <p:ph type="dt" sz="half" idx="10"/>
+          </p:nvPr>
+        </p:nvSpPr>
+        <p:spPr/>
+        <p:txBody>
+          <a:bodyPr/>
+          <a:lstStyle/>
+          <a:p>
+            <a:r>
+              <a:rPr lang="de-CH"/>
+              <a:t>August 2023, CC BY-SA 4.0</a:t>
+            </a:r>
+            <a:endParaRPr lang="en-US"/>
+          </a:p>
+        </p:txBody>
+      </p:sp>
+      <p:sp>
+        <p:nvSpPr>
+          <p:cNvPr id="3" name="Footer Placeholder 2"/>
+          <p:cNvSpPr>
+            <a:spLocks noGrp="1"/>
+          </p:cNvSpPr>
+          <p:nvPr>
+            <p:ph type="ftr" sz="quarter" idx="11"/>
+          </p:nvPr>
+        </p:nvSpPr>
+        <p:spPr/>
+        <p:txBody>
+          <a:bodyPr/>
+          <a:lstStyle/>
+          <a:p>
+            <a:r>
+              <a:rPr lang="en-US"/>
+              <a:t>Continuous integration, v4.0</a:t>
+            </a:r>
+          </a:p>
+        </p:txBody>
+      </p:sp>
+      <p:sp>
+        <p:nvSpPr>
+          <p:cNvPr id="4" name="Slide Number Placeholder 3">
+            <a:extLst>
+              <a:ext uri="{FF2B5EF4-FFF2-40B4-BE49-F238E27FC236}">
+                <a16:creationId xmlns:a16="http://schemas.microsoft.com/office/drawing/2014/main" id="{681DCCF7-2560-B7FD-A1B3-CA321B59FEB7}"/>
+              </a:ext>
+            </a:extLst>
+          </p:cNvPr>
+          <p:cNvSpPr>
+            <a:spLocks noGrp="1"/>
+          </p:cNvSpPr>
+          <p:nvPr>
+            <p:ph type="sldNum" sz="quarter" idx="12"/>
+          </p:nvPr>
+        </p:nvSpPr>
+        <p:spPr/>
+        <p:txBody>
+          <a:bodyPr/>
+          <a:lstStyle/>
+          <a:p>
+            <a:fld id="{EF79ADEA-B933-47CC-A4E9-04E6298B917C}" type="slidenum">
+              <a:rPr lang="en-US" smtClean="0"/>
+              <a:pPr/>
+              <a:t>22</a:t>
+            </a:fld>
+            <a:endParaRPr lang="en-US"/>
+          </a:p>
+        </p:txBody>
+      </p:sp>
+    </p:spTree>
+  </p:cSld>
+  <p:clrMapOvr>
+    <a:masterClrMapping/>
+  </p:clrMapOvr>
+</p:sld>
+</file>
+
+<file path=ppt/slides/slide23.xml><?xml version="1.0" encoding="utf-8"?>
+<p:sld xmlns:a="http://schemas.openxmlformats.org/drawingml/2006/main" xmlns:r="http://schemas.openxmlformats.org/officeDocument/2006/relationships" xmlns:p="http://schemas.openxmlformats.org/presentationml/2006/main">
+  <p:cSld>
+    <p:spTree>
+      <p:nvGrpSpPr>
+        <p:cNvPr id="1" name=""/>
+        <p:cNvGrpSpPr/>
+        <p:nvPr/>
+      </p:nvGrpSpPr>
+      <p:grpSpPr>
+        <a:xfrm>
+          <a:off x="0" y="0"/>
+          <a:ext cx="0" cy="0"/>
+          <a:chOff x="0" y="0"/>
+          <a:chExt cx="0" cy="0"/>
+        </a:xfrm>
+      </p:grpSpPr>
+      <p:sp>
+        <p:nvSpPr>
           <p:cNvPr id="2" name="Title 1">
             <a:extLst>
               <a:ext uri="{FF2B5EF4-FFF2-40B4-BE49-F238E27FC236}">
@@ -9141,7 +9266,7 @@
             <a:fld id="{EF79ADEA-B933-47CC-A4E9-04E6298B917C}" type="slidenum">
               <a:rPr lang="en-US" smtClean="0"/>
               <a:pPr/>
-              <a:t>22</a:t>
+              <a:t>23</a:t>
             </a:fld>
             <a:endParaRPr lang="en-US"/>
           </a:p>
@@ -9151,275 +9276,6 @@
     <p:extLst>
       <p:ext uri="{BB962C8B-B14F-4D97-AF65-F5344CB8AC3E}">
         <p14:creationId xmlns:p14="http://schemas.microsoft.com/office/powerpoint/2010/main" val="261603392"/>
-      </p:ext>
-    </p:extLst>
-  </p:cSld>
-  <p:clrMapOvr>
-    <a:masterClrMapping/>
-  </p:clrMapOvr>
-</p:sld>
-</file>
-
-<file path=ppt/slides/slide23.xml><?xml version="1.0" encoding="utf-8"?>
-<p:sld xmlns:a="http://schemas.openxmlformats.org/drawingml/2006/main" xmlns:r="http://schemas.openxmlformats.org/officeDocument/2006/relationships" xmlns:p="http://schemas.openxmlformats.org/presentationml/2006/main">
-  <p:cSld>
-    <p:spTree>
-      <p:nvGrpSpPr>
-        <p:cNvPr id="1" name=""/>
-        <p:cNvGrpSpPr/>
-        <p:nvPr/>
-      </p:nvGrpSpPr>
-      <p:grpSpPr>
-        <a:xfrm>
-          <a:off x="0" y="0"/>
-          <a:ext cx="0" cy="0"/>
-          <a:chOff x="0" y="0"/>
-          <a:chExt cx="0" cy="0"/>
-        </a:xfrm>
-      </p:grpSpPr>
-      <p:sp>
-        <p:nvSpPr>
-          <p:cNvPr id="2" name="Title 1">
-            <a:extLst>
-              <a:ext uri="{FF2B5EF4-FFF2-40B4-BE49-F238E27FC236}">
-                <a16:creationId xmlns:a16="http://schemas.microsoft.com/office/drawing/2014/main" id="{061016C8-512C-EB4B-9D32-9CF4CB9D4F11}"/>
-              </a:ext>
-            </a:extLst>
-          </p:cNvPr>
-          <p:cNvSpPr>
-            <a:spLocks noGrp="1"/>
-          </p:cNvSpPr>
-          <p:nvPr>
-            <p:ph type="title"/>
-          </p:nvPr>
-        </p:nvSpPr>
-        <p:spPr/>
-        <p:txBody>
-          <a:bodyPr/>
-          <a:lstStyle/>
-          <a:p>
-            <a:r>
-              <a:rPr lang="de-DE" dirty="0"/>
-              <a:t>Bonus: </a:t>
-            </a:r>
-            <a:r>
-              <a:rPr lang="en-CH"/>
-              <a:t>Security</a:t>
-            </a:r>
-            <a:endParaRPr lang="en-CH" dirty="0"/>
-          </a:p>
-        </p:txBody>
-      </p:sp>
-      <p:sp>
-        <p:nvSpPr>
-          <p:cNvPr id="3" name="Content Placeholder 2">
-            <a:extLst>
-              <a:ext uri="{FF2B5EF4-FFF2-40B4-BE49-F238E27FC236}">
-                <a16:creationId xmlns:a16="http://schemas.microsoft.com/office/drawing/2014/main" id="{463079FE-7331-C647-815D-07795DC7ED3D}"/>
-              </a:ext>
-            </a:extLst>
-          </p:cNvPr>
-          <p:cNvSpPr>
-            <a:spLocks noGrp="1"/>
-          </p:cNvSpPr>
-          <p:nvPr>
-            <p:ph idx="1"/>
-          </p:nvPr>
-        </p:nvSpPr>
-        <p:spPr>
-          <a:xfrm>
-            <a:off x="1981200" y="1412776"/>
-            <a:ext cx="8229600" cy="4744184"/>
-          </a:xfrm>
-        </p:spPr>
-        <p:txBody>
-          <a:bodyPr>
-            <a:normAutofit/>
-          </a:bodyPr>
-          <a:lstStyle/>
-          <a:p>
-            <a:r>
-              <a:rPr lang="en-CH"/>
-              <a:t>Secrets </a:t>
-            </a:r>
-            <a:r>
-              <a:rPr lang="en-CH" dirty="0"/>
-              <a:t>in GitHub actions can be added </a:t>
-            </a:r>
-            <a:r>
-              <a:rPr lang="en-CH"/>
-              <a:t>under </a:t>
-            </a:r>
-            <a:br>
-              <a:rPr lang="de-DE" dirty="0"/>
-            </a:br>
-            <a:r>
-              <a:rPr lang="en-CH">
-                <a:latin typeface="Courier New" panose="02070309020205020404" pitchFamily="49" charset="0"/>
-                <a:cs typeface="Courier New" panose="02070309020205020404" pitchFamily="49" charset="0"/>
-              </a:rPr>
-              <a:t>Settings </a:t>
-            </a:r>
-            <a:r>
-              <a:rPr lang="de-DE" dirty="0">
-                <a:latin typeface="Courier New" panose="02070309020205020404" pitchFamily="49" charset="0"/>
-                <a:cs typeface="Courier New" panose="02070309020205020404" pitchFamily="49" charset="0"/>
-              </a:rPr>
-              <a:t>-</a:t>
-            </a:r>
-            <a:r>
-              <a:rPr lang="en-CH">
-                <a:latin typeface="Courier New" panose="02070309020205020404" pitchFamily="49" charset="0"/>
-                <a:cs typeface="Courier New" panose="02070309020205020404" pitchFamily="49" charset="0"/>
-              </a:rPr>
-              <a:t>&gt; </a:t>
-            </a:r>
-            <a:r>
-              <a:rPr lang="en-CH" dirty="0">
-                <a:latin typeface="Courier New" panose="02070309020205020404" pitchFamily="49" charset="0"/>
-                <a:cs typeface="Courier New" panose="02070309020205020404" pitchFamily="49" charset="0"/>
-              </a:rPr>
-              <a:t>Secrets</a:t>
-            </a:r>
-            <a:r>
-              <a:rPr lang="en-CH" dirty="0"/>
-              <a:t>.  The secret is stored encrypted by GitHub, and decrypted at the moment of running the workflow</a:t>
-            </a:r>
-          </a:p>
-          <a:p>
-            <a:r>
-              <a:rPr lang="en-CH" dirty="0"/>
-              <a:t>Secrets can then be referred to in the workflow as</a:t>
-            </a:r>
-            <a:br>
-              <a:rPr lang="en-CH" dirty="0"/>
-            </a:br>
-            <a:endParaRPr lang="en-CH" dirty="0"/>
-          </a:p>
-        </p:txBody>
-      </p:sp>
-      <p:sp>
-        <p:nvSpPr>
-          <p:cNvPr id="4" name="Date Placeholder 3">
-            <a:extLst>
-              <a:ext uri="{FF2B5EF4-FFF2-40B4-BE49-F238E27FC236}">
-                <a16:creationId xmlns:a16="http://schemas.microsoft.com/office/drawing/2014/main" id="{9EE323CB-7E09-7C4F-B160-F4B2E2E319F3}"/>
-              </a:ext>
-            </a:extLst>
-          </p:cNvPr>
-          <p:cNvSpPr>
-            <a:spLocks noGrp="1"/>
-          </p:cNvSpPr>
-          <p:nvPr>
-            <p:ph type="dt" sz="half" idx="10"/>
-          </p:nvPr>
-        </p:nvSpPr>
-        <p:spPr/>
-        <p:txBody>
-          <a:bodyPr/>
-          <a:lstStyle/>
-          <a:p>
-            <a:r>
-              <a:rPr lang="de-CH" sz="1000"/>
-              <a:t>August 2023, CC BY-SA 4.0</a:t>
-            </a:r>
-            <a:endParaRPr lang="en-US" sz="1000" dirty="0"/>
-          </a:p>
-        </p:txBody>
-      </p:sp>
-      <p:sp>
-        <p:nvSpPr>
-          <p:cNvPr id="5" name="Footer Placeholder 4">
-            <a:extLst>
-              <a:ext uri="{FF2B5EF4-FFF2-40B4-BE49-F238E27FC236}">
-                <a16:creationId xmlns:a16="http://schemas.microsoft.com/office/drawing/2014/main" id="{3453E2C3-64E5-E44E-8FAB-45D4F29AD119}"/>
-              </a:ext>
-            </a:extLst>
-          </p:cNvPr>
-          <p:cNvSpPr>
-            <a:spLocks noGrp="1"/>
-          </p:cNvSpPr>
-          <p:nvPr>
-            <p:ph type="ftr" sz="quarter" idx="11"/>
-          </p:nvPr>
-        </p:nvSpPr>
-        <p:spPr/>
-        <p:txBody>
-          <a:bodyPr/>
-          <a:lstStyle/>
-          <a:p>
-            <a:r>
-              <a:rPr lang="en-US"/>
-              <a:t>Continuous integration, v4.0</a:t>
-            </a:r>
-            <a:endParaRPr lang="en-US" dirty="0"/>
-          </a:p>
-        </p:txBody>
-      </p:sp>
-      <p:pic>
-        <p:nvPicPr>
-          <p:cNvPr id="6" name="Picture 5">
-            <a:extLst>
-              <a:ext uri="{FF2B5EF4-FFF2-40B4-BE49-F238E27FC236}">
-                <a16:creationId xmlns:a16="http://schemas.microsoft.com/office/drawing/2014/main" id="{6160D76E-090E-DD4A-92D3-5E3DA427B157}"/>
-              </a:ext>
-            </a:extLst>
-          </p:cNvPr>
-          <p:cNvPicPr>
-            <a:picLocks noChangeAspect="1"/>
-          </p:cNvPicPr>
-          <p:nvPr/>
-        </p:nvPicPr>
-        <p:blipFill>
-          <a:blip r:embed="rId2"/>
-          <a:stretch>
-            <a:fillRect/>
-          </a:stretch>
-        </p:blipFill>
-        <p:spPr>
-          <a:xfrm>
-            <a:off x="3143672" y="3789040"/>
-            <a:ext cx="5643482" cy="1800200"/>
-          </a:xfrm>
-          <a:prstGeom prst="rect">
-            <a:avLst/>
-          </a:prstGeom>
-        </p:spPr>
-      </p:pic>
-      <p:sp>
-        <p:nvSpPr>
-          <p:cNvPr id="7" name="Slide Number Placeholder 6">
-            <a:extLst>
-              <a:ext uri="{FF2B5EF4-FFF2-40B4-BE49-F238E27FC236}">
-                <a16:creationId xmlns:a16="http://schemas.microsoft.com/office/drawing/2014/main" id="{3F872150-F1C8-D16D-5401-B703854D69D1}"/>
-              </a:ext>
-            </a:extLst>
-          </p:cNvPr>
-          <p:cNvSpPr>
-            <a:spLocks noGrp="1"/>
-          </p:cNvSpPr>
-          <p:nvPr>
-            <p:ph type="sldNum" sz="quarter" idx="12"/>
-          </p:nvPr>
-        </p:nvSpPr>
-        <p:spPr/>
-        <p:txBody>
-          <a:bodyPr/>
-          <a:lstStyle/>
-          <a:p>
-            <a:fld id="{EF79ADEA-B933-47CC-A4E9-04E6298B917C}" type="slidenum">
-              <a:rPr lang="en-US" smtClean="0"/>
-              <a:pPr/>
-              <a:t>23</a:t>
-            </a:fld>
-            <a:endParaRPr lang="en-US"/>
-          </a:p>
-        </p:txBody>
-      </p:sp>
-    </p:spTree>
-    <p:extLst>
-      <p:ext uri="{BB962C8B-B14F-4D97-AF65-F5344CB8AC3E}">
-        <p14:creationId xmlns:p14="http://schemas.microsoft.com/office/powerpoint/2010/main" val="2375245855"/>
       </p:ext>
     </p:extLst>
   </p:cSld>
@@ -9451,7 +9307,7 @@
           <p:cNvPr id="2" name="Title 1">
             <a:extLst>
               <a:ext uri="{FF2B5EF4-FFF2-40B4-BE49-F238E27FC236}">
-                <a16:creationId xmlns:a16="http://schemas.microsoft.com/office/drawing/2014/main" id="{D85EDF41-0FBB-5548-8206-29D15F1E1334}"/>
+                <a16:creationId xmlns:a16="http://schemas.microsoft.com/office/drawing/2014/main" id="{061016C8-512C-EB4B-9D32-9CF4CB9D4F11}"/>
               </a:ext>
             </a:extLst>
           </p:cNvPr>
@@ -9473,12 +9329,9 @@
             </a:r>
             <a:r>
               <a:rPr lang="en-CH"/>
-              <a:t>Examples </a:t>
-            </a:r>
-            <a:r>
-              <a:rPr lang="en-CH" dirty="0"/>
-              <a:t>of handling secrets</a:t>
-            </a:r>
+              <a:t>Security</a:t>
+            </a:r>
+            <a:endParaRPr lang="en-CH" dirty="0"/>
           </a:p>
         </p:txBody>
       </p:sp>
@@ -9487,7 +9340,7 @@
           <p:cNvPr id="3" name="Content Placeholder 2">
             <a:extLst>
               <a:ext uri="{FF2B5EF4-FFF2-40B4-BE49-F238E27FC236}">
-                <a16:creationId xmlns:a16="http://schemas.microsoft.com/office/drawing/2014/main" id="{BB2C67C3-32BF-C441-8A6B-23796F786C85}"/>
+                <a16:creationId xmlns:a16="http://schemas.microsoft.com/office/drawing/2014/main" id="{463079FE-7331-C647-815D-07795DC7ED3D}"/>
               </a:ext>
             </a:extLst>
           </p:cNvPr>
@@ -9500,8 +9353,8 @@
         </p:nvSpPr>
         <p:spPr>
           <a:xfrm>
-            <a:off x="1981200" y="5318720"/>
-            <a:ext cx="8229600" cy="990600"/>
+            <a:off x="1981200" y="1412776"/>
+            <a:ext cx="8229600" cy="4744184"/>
           </a:xfrm>
         </p:spPr>
         <p:txBody>
@@ -9510,37 +9363,63 @@
           </a:bodyPr>
           <a:lstStyle/>
           <a:p>
-            <a:pPr marL="0" indent="0">
-              <a:buNone/>
-            </a:pPr>
+            <a:r>
+              <a:rPr lang="en-CH"/>
+              <a:t>Secrets </a:t>
+            </a:r>
             <a:r>
               <a:rPr lang="en-CH" dirty="0"/>
-              <a:t>Details available at</a:t>
+              <a:t>in GitHub actions can be added </a:t>
+            </a:r>
+            <a:r>
+              <a:rPr lang="en-CH"/>
+              <a:t>under </a:t>
+            </a:r>
+            <a:br>
+              <a:rPr lang="de-DE" dirty="0"/>
+            </a:br>
+            <a:r>
+              <a:rPr lang="en-CH">
+                <a:latin typeface="Courier New" panose="02070309020205020404" pitchFamily="49" charset="0"/>
+                <a:cs typeface="Courier New" panose="02070309020205020404" pitchFamily="49" charset="0"/>
+              </a:rPr>
+              <a:t>Settings </a:t>
+            </a:r>
+            <a:r>
+              <a:rPr lang="de-DE" dirty="0">
+                <a:latin typeface="Courier New" panose="02070309020205020404" pitchFamily="49" charset="0"/>
+                <a:cs typeface="Courier New" panose="02070309020205020404" pitchFamily="49" charset="0"/>
+              </a:rPr>
+              <a:t>-</a:t>
+            </a:r>
+            <a:r>
+              <a:rPr lang="en-CH">
+                <a:latin typeface="Courier New" panose="02070309020205020404" pitchFamily="49" charset="0"/>
+                <a:cs typeface="Courier New" panose="02070309020205020404" pitchFamily="49" charset="0"/>
+              </a:rPr>
+              <a:t>&gt; </a:t>
+            </a:r>
+            <a:r>
+              <a:rPr lang="en-CH" dirty="0">
+                <a:latin typeface="Courier New" panose="02070309020205020404" pitchFamily="49" charset="0"/>
+                <a:cs typeface="Courier New" panose="02070309020205020404" pitchFamily="49" charset="0"/>
+              </a:rPr>
+              <a:t>Secrets</a:t>
+            </a:r>
+            <a:r>
+              <a:rPr lang="en-CH" dirty="0"/>
+              <a:t>.  The secret is stored encrypted by GitHub, and decrypted at the moment of running the workflow</a:t>
+            </a:r>
+          </a:p>
+          <a:p>
+            <a:r>
+              <a:rPr lang="en-CH" dirty="0"/>
+              <a:t>Secrets can then be referred to in the workflow as</a:t>
             </a:r>
             <a:br>
               <a:rPr lang="en-CH" dirty="0"/>
             </a:br>
-            <a:r>
-              <a:rPr lang="en-US" sz="1800" dirty="0">
-                <a:latin typeface="Courier New" panose="02070309020205020404" pitchFamily="49" charset="0"/>
-                <a:cs typeface="Courier New" panose="02070309020205020404" pitchFamily="49" charset="0"/>
-                <a:hlinkClick r:id="rId2"/>
-              </a:rPr>
-              <a:t>https://docs.github.com/en/actions/reference/encrypted-secrets</a:t>
-            </a:r>
-            <a:endParaRPr lang="en-US" sz="1800" dirty="0">
-              <a:latin typeface="Courier New" panose="02070309020205020404" pitchFamily="49" charset="0"/>
-              <a:cs typeface="Courier New" panose="02070309020205020404" pitchFamily="49" charset="0"/>
-            </a:endParaRPr>
-          </a:p>
-          <a:p>
-            <a:pPr marL="0" indent="0">
-              <a:buNone/>
-            </a:pPr>
-            <a:endParaRPr lang="en-CH" dirty="0">
-              <a:latin typeface="Courier New" panose="02070309020205020404" pitchFamily="49" charset="0"/>
-              <a:cs typeface="Courier New" panose="02070309020205020404" pitchFamily="49" charset="0"/>
-            </a:endParaRPr>
+            <a:endParaRPr lang="en-CH" dirty="0"/>
           </a:p>
         </p:txBody>
       </p:sp>
@@ -9549,7 +9428,7 @@
           <p:cNvPr id="4" name="Date Placeholder 3">
             <a:extLst>
               <a:ext uri="{FF2B5EF4-FFF2-40B4-BE49-F238E27FC236}">
-                <a16:creationId xmlns:a16="http://schemas.microsoft.com/office/drawing/2014/main" id="{EFDE6383-63B8-0F40-A2F9-3C9190716F80}"/>
+                <a16:creationId xmlns:a16="http://schemas.microsoft.com/office/drawing/2014/main" id="{9EE323CB-7E09-7C4F-B160-F4B2E2E319F3}"/>
               </a:ext>
             </a:extLst>
           </p:cNvPr>
@@ -9578,7 +9457,7 @@
           <p:cNvPr id="5" name="Footer Placeholder 4">
             <a:extLst>
               <a:ext uri="{FF2B5EF4-FFF2-40B4-BE49-F238E27FC236}">
-                <a16:creationId xmlns:a16="http://schemas.microsoft.com/office/drawing/2014/main" id="{33A31BB0-4A2A-6C47-9EAA-F64406BF1A82}"/>
+                <a16:creationId xmlns:a16="http://schemas.microsoft.com/office/drawing/2014/main" id="{3453E2C3-64E5-E44E-8FAB-45D4F29AD119}"/>
               </a:ext>
             </a:extLst>
           </p:cNvPr>
@@ -9602,228 +9481,42 @@
           </a:p>
         </p:txBody>
       </p:sp>
-      <p:sp>
-        <p:nvSpPr>
-          <p:cNvPr id="7" name="TextBox 6">
-            <a:extLst>
-              <a:ext uri="{FF2B5EF4-FFF2-40B4-BE49-F238E27FC236}">
-                <a16:creationId xmlns:a16="http://schemas.microsoft.com/office/drawing/2014/main" id="{039746D5-6BF5-384F-93EB-C12A9E07EB20}"/>
-              </a:ext>
-            </a:extLst>
-          </p:cNvPr>
-          <p:cNvSpPr txBox="1"/>
+      <p:pic>
+        <p:nvPicPr>
+          <p:cNvPr id="6" name="Picture 5">
+            <a:extLst>
+              <a:ext uri="{FF2B5EF4-FFF2-40B4-BE49-F238E27FC236}">
+                <a16:creationId xmlns:a16="http://schemas.microsoft.com/office/drawing/2014/main" id="{6160D76E-090E-DD4A-92D3-5E3DA427B157}"/>
+              </a:ext>
+            </a:extLst>
+          </p:cNvPr>
+          <p:cNvPicPr>
+            <a:picLocks noChangeAspect="1"/>
+          </p:cNvPicPr>
           <p:nvPr/>
-        </p:nvSpPr>
+        </p:nvPicPr>
+        <p:blipFill>
+          <a:blip r:embed="rId2"/>
+          <a:stretch>
+            <a:fillRect/>
+          </a:stretch>
+        </p:blipFill>
         <p:spPr>
           <a:xfrm>
-            <a:off x="1981200" y="1268760"/>
-            <a:ext cx="6563072" cy="3970318"/>
+            <a:off x="3143672" y="3789040"/>
+            <a:ext cx="5643482" cy="1800200"/>
           </a:xfrm>
           <a:prstGeom prst="rect">
             <a:avLst/>
           </a:prstGeom>
-          <a:solidFill>
-            <a:schemeClr val="bg1"/>
-          </a:solidFill>
         </p:spPr>
-        <p:txBody>
-          <a:bodyPr wrap="square" rtlCol="0">
-            <a:spAutoFit/>
-          </a:bodyPr>
-          <a:lstStyle/>
-          <a:p>
-            <a:r>
-              <a:rPr lang="en-US" sz="1200" dirty="0">
-                <a:latin typeface="Courier New" panose="02070309020205020404" pitchFamily="49" charset="0"/>
-                <a:cs typeface="Courier New" panose="02070309020205020404" pitchFamily="49" charset="0"/>
-              </a:rPr>
-              <a:t>name: Reveal a secret when the repository is tagged as something starting by secret</a:t>
-            </a:r>
-          </a:p>
-          <a:p>
-            <a:endParaRPr lang="en-US" sz="1200" dirty="0">
-              <a:latin typeface="Courier New" panose="02070309020205020404" pitchFamily="49" charset="0"/>
-              <a:cs typeface="Courier New" panose="02070309020205020404" pitchFamily="49" charset="0"/>
-            </a:endParaRPr>
-          </a:p>
-          <a:p>
-            <a:r>
-              <a:rPr lang="en-US" sz="1200" dirty="0">
-                <a:latin typeface="Courier New" panose="02070309020205020404" pitchFamily="49" charset="0"/>
-                <a:cs typeface="Courier New" panose="02070309020205020404" pitchFamily="49" charset="0"/>
-              </a:rPr>
-              <a:t>on:</a:t>
-            </a:r>
-          </a:p>
-          <a:p>
-            <a:r>
-              <a:rPr lang="en-US" sz="1200" dirty="0">
-                <a:latin typeface="Courier New" panose="02070309020205020404" pitchFamily="49" charset="0"/>
-                <a:cs typeface="Courier New" panose="02070309020205020404" pitchFamily="49" charset="0"/>
-              </a:rPr>
-              <a:t>  push:</a:t>
-            </a:r>
-          </a:p>
-          <a:p>
-            <a:r>
-              <a:rPr lang="en-US" sz="1200" dirty="0">
-                <a:latin typeface="Courier New" panose="02070309020205020404" pitchFamily="49" charset="0"/>
-                <a:cs typeface="Courier New" panose="02070309020205020404" pitchFamily="49" charset="0"/>
-              </a:rPr>
-              <a:t>    tags:</a:t>
-            </a:r>
-          </a:p>
-          <a:p>
-            <a:r>
-              <a:rPr lang="en-US" sz="1200" dirty="0">
-                <a:latin typeface="Courier New" panose="02070309020205020404" pitchFamily="49" charset="0"/>
-                <a:cs typeface="Courier New" panose="02070309020205020404" pitchFamily="49" charset="0"/>
-              </a:rPr>
-              <a:t>      - 'secret*'</a:t>
-            </a:r>
-          </a:p>
-          <a:p>
-            <a:endParaRPr lang="en-US" sz="1200" dirty="0">
-              <a:latin typeface="Courier New" panose="02070309020205020404" pitchFamily="49" charset="0"/>
-              <a:cs typeface="Courier New" panose="02070309020205020404" pitchFamily="49" charset="0"/>
-            </a:endParaRPr>
-          </a:p>
-          <a:p>
-            <a:r>
-              <a:rPr lang="en-US" sz="1200" dirty="0">
-                <a:latin typeface="Courier New" panose="02070309020205020404" pitchFamily="49" charset="0"/>
-                <a:cs typeface="Courier New" panose="02070309020205020404" pitchFamily="49" charset="0"/>
-              </a:rPr>
-              <a:t>jobs:</a:t>
-            </a:r>
-          </a:p>
-          <a:p>
-            <a:r>
-              <a:rPr lang="en-US" sz="1200" dirty="0">
-                <a:latin typeface="Courier New" panose="02070309020205020404" pitchFamily="49" charset="0"/>
-                <a:cs typeface="Courier New" panose="02070309020205020404" pitchFamily="49" charset="0"/>
-              </a:rPr>
-              <a:t>  reveal-secret:</a:t>
-            </a:r>
-          </a:p>
-          <a:p>
-            <a:r>
-              <a:rPr lang="en-US" sz="1200" dirty="0">
-                <a:latin typeface="Courier New" panose="02070309020205020404" pitchFamily="49" charset="0"/>
-                <a:cs typeface="Courier New" panose="02070309020205020404" pitchFamily="49" charset="0"/>
-              </a:rPr>
-              <a:t>    runs-on: ubuntu-latest</a:t>
-            </a:r>
-          </a:p>
-          <a:p>
-            <a:endParaRPr lang="en-US" sz="1200" dirty="0">
-              <a:latin typeface="Courier New" panose="02070309020205020404" pitchFamily="49" charset="0"/>
-              <a:cs typeface="Courier New" panose="02070309020205020404" pitchFamily="49" charset="0"/>
-            </a:endParaRPr>
-          </a:p>
-          <a:p>
-            <a:r>
-              <a:rPr lang="en-US" sz="1200" dirty="0">
-                <a:latin typeface="Courier New" panose="02070309020205020404" pitchFamily="49" charset="0"/>
-                <a:cs typeface="Courier New" panose="02070309020205020404" pitchFamily="49" charset="0"/>
-              </a:rPr>
-              <a:t>    steps:</a:t>
-            </a:r>
-          </a:p>
-          <a:p>
-            <a:r>
-              <a:rPr lang="en-US" sz="1200" dirty="0">
-                <a:latin typeface="Courier New" panose="02070309020205020404" pitchFamily="49" charset="0"/>
-                <a:cs typeface="Courier New" panose="02070309020205020404" pitchFamily="49" charset="0"/>
-              </a:rPr>
-              <a:t>    - shell: bash</a:t>
-            </a:r>
-          </a:p>
-          <a:p>
-            <a:r>
-              <a:rPr lang="en-US" sz="1200" dirty="0">
-                <a:latin typeface="Courier New" panose="02070309020205020404" pitchFamily="49" charset="0"/>
-                <a:cs typeface="Courier New" panose="02070309020205020404" pitchFamily="49" charset="0"/>
-              </a:rPr>
-              <a:t>      env:</a:t>
-            </a:r>
-          </a:p>
-          <a:p>
-            <a:r>
-              <a:rPr lang="en-US" sz="1200" dirty="0">
-                <a:latin typeface="Courier New" panose="02070309020205020404" pitchFamily="49" charset="0"/>
-                <a:cs typeface="Courier New" panose="02070309020205020404" pitchFamily="49" charset="0"/>
-              </a:rPr>
-              <a:t>        SECRET_MSG: ${{ </a:t>
-            </a:r>
-            <a:r>
-              <a:rPr lang="en-US" sz="1200" dirty="0" err="1">
-                <a:latin typeface="Courier New" panose="02070309020205020404" pitchFamily="49" charset="0"/>
-                <a:cs typeface="Courier New" panose="02070309020205020404" pitchFamily="49" charset="0"/>
-              </a:rPr>
-              <a:t>secrets.TOP_SECRET</a:t>
-            </a:r>
-            <a:r>
-              <a:rPr lang="en-US" sz="1200" dirty="0">
-                <a:latin typeface="Courier New" panose="02070309020205020404" pitchFamily="49" charset="0"/>
-                <a:cs typeface="Courier New" panose="02070309020205020404" pitchFamily="49" charset="0"/>
-              </a:rPr>
-              <a:t> }}</a:t>
-            </a:r>
-          </a:p>
-          <a:p>
-            <a:r>
-              <a:rPr lang="en-US" sz="1200" dirty="0">
-                <a:latin typeface="Courier New" panose="02070309020205020404" pitchFamily="49" charset="0"/>
-                <a:cs typeface="Courier New" panose="02070309020205020404" pitchFamily="49" charset="0"/>
-              </a:rPr>
-              <a:t>      run: |</a:t>
-            </a:r>
-          </a:p>
-          <a:p>
-            <a:r>
-              <a:rPr lang="en-US" sz="1200" dirty="0">
-                <a:latin typeface="Courier New" panose="02070309020205020404" pitchFamily="49" charset="0"/>
-                <a:cs typeface="Courier New" panose="02070309020205020404" pitchFamily="49" charset="0"/>
-              </a:rPr>
-              <a:t>        echo The secret is "$SECRET_MSG"</a:t>
-            </a:r>
-          </a:p>
-          <a:p>
-            <a:r>
-              <a:rPr lang="en-US" sz="1200" dirty="0">
-                <a:latin typeface="Courier New" panose="02070309020205020404" pitchFamily="49" charset="0"/>
-                <a:cs typeface="Courier New" panose="02070309020205020404" pitchFamily="49" charset="0"/>
-              </a:rPr>
-              <a:t>        if [ "$SECRET_MSG" = 'do not tell anyone' ]; then</a:t>
-            </a:r>
-          </a:p>
-          <a:p>
-            <a:r>
-              <a:rPr lang="en-US" sz="1200" dirty="0">
-                <a:latin typeface="Courier New" panose="02070309020205020404" pitchFamily="49" charset="0"/>
-                <a:cs typeface="Courier New" panose="02070309020205020404" pitchFamily="49" charset="0"/>
-              </a:rPr>
-              <a:t>          echo matches</a:t>
-            </a:r>
-          </a:p>
-          <a:p>
-            <a:r>
-              <a:rPr lang="en-US" sz="1200" dirty="0">
-                <a:latin typeface="Courier New" panose="02070309020205020404" pitchFamily="49" charset="0"/>
-                <a:cs typeface="Courier New" panose="02070309020205020404" pitchFamily="49" charset="0"/>
-              </a:rPr>
-              <a:t>        fi</a:t>
-            </a:r>
-          </a:p>
-        </p:txBody>
-      </p:sp>
-      <p:sp>
-        <p:nvSpPr>
-          <p:cNvPr id="6" name="Slide Number Placeholder 5">
-            <a:extLst>
-              <a:ext uri="{FF2B5EF4-FFF2-40B4-BE49-F238E27FC236}">
-                <a16:creationId xmlns:a16="http://schemas.microsoft.com/office/drawing/2014/main" id="{B7EEEE8A-D92F-4E52-5C1B-81AA2CFE3D6A}"/>
+      </p:pic>
+      <p:sp>
+        <p:nvSpPr>
+          <p:cNvPr id="7" name="Slide Number Placeholder 6">
+            <a:extLst>
+              <a:ext uri="{FF2B5EF4-FFF2-40B4-BE49-F238E27FC236}">
+                <a16:creationId xmlns:a16="http://schemas.microsoft.com/office/drawing/2014/main" id="{3F872150-F1C8-D16D-5401-B703854D69D1}"/>
               </a:ext>
             </a:extLst>
           </p:cNvPr>
@@ -9851,7 +9544,7 @@
     </p:spTree>
     <p:extLst>
       <p:ext uri="{BB962C8B-B14F-4D97-AF65-F5344CB8AC3E}">
-        <p14:creationId xmlns:p14="http://schemas.microsoft.com/office/powerpoint/2010/main" val="2944273705"/>
+        <p14:creationId xmlns:p14="http://schemas.microsoft.com/office/powerpoint/2010/main" val="2375245855"/>
       </p:ext>
     </p:extLst>
   </p:cSld>
@@ -9880,7 +9573,111 @@
       </p:grpSpPr>
       <p:sp>
         <p:nvSpPr>
-          <p:cNvPr id="2" name="Date Placeholder 1"/>
+          <p:cNvPr id="2" name="Title 1">
+            <a:extLst>
+              <a:ext uri="{FF2B5EF4-FFF2-40B4-BE49-F238E27FC236}">
+                <a16:creationId xmlns:a16="http://schemas.microsoft.com/office/drawing/2014/main" id="{D85EDF41-0FBB-5548-8206-29D15F1E1334}"/>
+              </a:ext>
+            </a:extLst>
+          </p:cNvPr>
+          <p:cNvSpPr>
+            <a:spLocks noGrp="1"/>
+          </p:cNvSpPr>
+          <p:nvPr>
+            <p:ph type="title"/>
+          </p:nvPr>
+        </p:nvSpPr>
+        <p:spPr/>
+        <p:txBody>
+          <a:bodyPr/>
+          <a:lstStyle/>
+          <a:p>
+            <a:r>
+              <a:rPr lang="de-DE" dirty="0"/>
+              <a:t>Bonus: </a:t>
+            </a:r>
+            <a:r>
+              <a:rPr lang="en-CH"/>
+              <a:t>Examples </a:t>
+            </a:r>
+            <a:r>
+              <a:rPr lang="en-CH" dirty="0"/>
+              <a:t>of handling secrets</a:t>
+            </a:r>
+          </a:p>
+        </p:txBody>
+      </p:sp>
+      <p:sp>
+        <p:nvSpPr>
+          <p:cNvPr id="3" name="Content Placeholder 2">
+            <a:extLst>
+              <a:ext uri="{FF2B5EF4-FFF2-40B4-BE49-F238E27FC236}">
+                <a16:creationId xmlns:a16="http://schemas.microsoft.com/office/drawing/2014/main" id="{BB2C67C3-32BF-C441-8A6B-23796F786C85}"/>
+              </a:ext>
+            </a:extLst>
+          </p:cNvPr>
+          <p:cNvSpPr>
+            <a:spLocks noGrp="1"/>
+          </p:cNvSpPr>
+          <p:nvPr>
+            <p:ph idx="1"/>
+          </p:nvPr>
+        </p:nvSpPr>
+        <p:spPr>
+          <a:xfrm>
+            <a:off x="1981200" y="5318720"/>
+            <a:ext cx="8229600" cy="990600"/>
+          </a:xfrm>
+        </p:spPr>
+        <p:txBody>
+          <a:bodyPr>
+            <a:normAutofit/>
+          </a:bodyPr>
+          <a:lstStyle/>
+          <a:p>
+            <a:pPr marL="0" indent="0">
+              <a:buNone/>
+            </a:pPr>
+            <a:r>
+              <a:rPr lang="en-CH" dirty="0"/>
+              <a:t>Details available at</a:t>
+            </a:r>
+            <a:br>
+              <a:rPr lang="en-CH" dirty="0"/>
+            </a:br>
+            <a:r>
+              <a:rPr lang="en-US" sz="1800" dirty="0">
+                <a:latin typeface="Courier New" panose="02070309020205020404" pitchFamily="49" charset="0"/>
+                <a:cs typeface="Courier New" panose="02070309020205020404" pitchFamily="49" charset="0"/>
+                <a:hlinkClick r:id="rId2"/>
+              </a:rPr>
+              <a:t>https://docs.github.com/en/actions/reference/encrypted-secrets</a:t>
+            </a:r>
+            <a:endParaRPr lang="en-US" sz="1800" dirty="0">
+              <a:latin typeface="Courier New" panose="02070309020205020404" pitchFamily="49" charset="0"/>
+              <a:cs typeface="Courier New" panose="02070309020205020404" pitchFamily="49" charset="0"/>
+            </a:endParaRPr>
+          </a:p>
+          <a:p>
+            <a:pPr marL="0" indent="0">
+              <a:buNone/>
+            </a:pPr>
+            <a:endParaRPr lang="en-CH" dirty="0">
+              <a:latin typeface="Courier New" panose="02070309020205020404" pitchFamily="49" charset="0"/>
+              <a:cs typeface="Courier New" panose="02070309020205020404" pitchFamily="49" charset="0"/>
+            </a:endParaRPr>
+          </a:p>
+        </p:txBody>
+      </p:sp>
+      <p:sp>
+        <p:nvSpPr>
+          <p:cNvPr id="4" name="Date Placeholder 3">
+            <a:extLst>
+              <a:ext uri="{FF2B5EF4-FFF2-40B4-BE49-F238E27FC236}">
+                <a16:creationId xmlns:a16="http://schemas.microsoft.com/office/drawing/2014/main" id="{EFDE6383-63B8-0F40-A2F9-3C9190716F80}"/>
+              </a:ext>
+            </a:extLst>
+          </p:cNvPr>
           <p:cNvSpPr>
             <a:spLocks noGrp="1"/>
           </p:cNvSpPr>
@@ -9894,16 +9691,22 @@
           <a:lstStyle/>
           <a:p>
             <a:r>
-              <a:rPr lang="de-CH"/>
+              <a:rPr lang="de-CH" sz="1000"/>
               <a:t>August 2023, CC BY-SA 4.0</a:t>
             </a:r>
-            <a:endParaRPr lang="en-US"/>
-          </a:p>
-        </p:txBody>
-      </p:sp>
-      <p:sp>
-        <p:nvSpPr>
-          <p:cNvPr id="3" name="Footer Placeholder 2"/>
+            <a:endParaRPr lang="en-US" sz="1000" dirty="0"/>
+          </a:p>
+        </p:txBody>
+      </p:sp>
+      <p:sp>
+        <p:nvSpPr>
+          <p:cNvPr id="5" name="Footer Placeholder 4">
+            <a:extLst>
+              <a:ext uri="{FF2B5EF4-FFF2-40B4-BE49-F238E27FC236}">
+                <a16:creationId xmlns:a16="http://schemas.microsoft.com/office/drawing/2014/main" id="{33A31BB0-4A2A-6C47-9EAA-F64406BF1A82}"/>
+              </a:ext>
+            </a:extLst>
+          </p:cNvPr>
           <p:cNvSpPr>
             <a:spLocks noGrp="1"/>
           </p:cNvSpPr>
@@ -9920,15 +9723,232 @@
               <a:rPr lang="en-US"/>
               <a:t>Continuous integration, v4.0</a:t>
             </a:r>
-          </a:p>
-        </p:txBody>
-      </p:sp>
-      <p:sp>
-        <p:nvSpPr>
-          <p:cNvPr id="4" name="Slide Number Placeholder 3">
-            <a:extLst>
-              <a:ext uri="{FF2B5EF4-FFF2-40B4-BE49-F238E27FC236}">
-                <a16:creationId xmlns:a16="http://schemas.microsoft.com/office/drawing/2014/main" id="{681DCCF7-2560-B7FD-A1B3-CA321B59FEB7}"/>
+            <a:endParaRPr lang="en-US" dirty="0"/>
+          </a:p>
+        </p:txBody>
+      </p:sp>
+      <p:sp>
+        <p:nvSpPr>
+          <p:cNvPr id="7" name="TextBox 6">
+            <a:extLst>
+              <a:ext uri="{FF2B5EF4-FFF2-40B4-BE49-F238E27FC236}">
+                <a16:creationId xmlns:a16="http://schemas.microsoft.com/office/drawing/2014/main" id="{039746D5-6BF5-384F-93EB-C12A9E07EB20}"/>
+              </a:ext>
+            </a:extLst>
+          </p:cNvPr>
+          <p:cNvSpPr txBox="1"/>
+          <p:nvPr/>
+        </p:nvSpPr>
+        <p:spPr>
+          <a:xfrm>
+            <a:off x="1981200" y="1268760"/>
+            <a:ext cx="6563072" cy="3970318"/>
+          </a:xfrm>
+          <a:prstGeom prst="rect">
+            <a:avLst/>
+          </a:prstGeom>
+          <a:solidFill>
+            <a:schemeClr val="bg1"/>
+          </a:solidFill>
+        </p:spPr>
+        <p:txBody>
+          <a:bodyPr wrap="square" rtlCol="0">
+            <a:spAutoFit/>
+          </a:bodyPr>
+          <a:lstStyle/>
+          <a:p>
+            <a:r>
+              <a:rPr lang="en-US" sz="1200" dirty="0">
+                <a:latin typeface="Courier New" panose="02070309020205020404" pitchFamily="49" charset="0"/>
+                <a:cs typeface="Courier New" panose="02070309020205020404" pitchFamily="49" charset="0"/>
+              </a:rPr>
+              <a:t>name: Reveal a secret when the repository is tagged as something starting by secret</a:t>
+            </a:r>
+          </a:p>
+          <a:p>
+            <a:endParaRPr lang="en-US" sz="1200" dirty="0">
+              <a:latin typeface="Courier New" panose="02070309020205020404" pitchFamily="49" charset="0"/>
+              <a:cs typeface="Courier New" panose="02070309020205020404" pitchFamily="49" charset="0"/>
+            </a:endParaRPr>
+          </a:p>
+          <a:p>
+            <a:r>
+              <a:rPr lang="en-US" sz="1200" dirty="0">
+                <a:latin typeface="Courier New" panose="02070309020205020404" pitchFamily="49" charset="0"/>
+                <a:cs typeface="Courier New" panose="02070309020205020404" pitchFamily="49" charset="0"/>
+              </a:rPr>
+              <a:t>on:</a:t>
+            </a:r>
+          </a:p>
+          <a:p>
+            <a:r>
+              <a:rPr lang="en-US" sz="1200" dirty="0">
+                <a:latin typeface="Courier New" panose="02070309020205020404" pitchFamily="49" charset="0"/>
+                <a:cs typeface="Courier New" panose="02070309020205020404" pitchFamily="49" charset="0"/>
+              </a:rPr>
+              <a:t>  push:</a:t>
+            </a:r>
+          </a:p>
+          <a:p>
+            <a:r>
+              <a:rPr lang="en-US" sz="1200" dirty="0">
+                <a:latin typeface="Courier New" panose="02070309020205020404" pitchFamily="49" charset="0"/>
+                <a:cs typeface="Courier New" panose="02070309020205020404" pitchFamily="49" charset="0"/>
+              </a:rPr>
+              <a:t>    tags:</a:t>
+            </a:r>
+          </a:p>
+          <a:p>
+            <a:r>
+              <a:rPr lang="en-US" sz="1200" dirty="0">
+                <a:latin typeface="Courier New" panose="02070309020205020404" pitchFamily="49" charset="0"/>
+                <a:cs typeface="Courier New" panose="02070309020205020404" pitchFamily="49" charset="0"/>
+              </a:rPr>
+              <a:t>      - 'secret*'</a:t>
+            </a:r>
+          </a:p>
+          <a:p>
+            <a:endParaRPr lang="en-US" sz="1200" dirty="0">
+              <a:latin typeface="Courier New" panose="02070309020205020404" pitchFamily="49" charset="0"/>
+              <a:cs typeface="Courier New" panose="02070309020205020404" pitchFamily="49" charset="0"/>
+            </a:endParaRPr>
+          </a:p>
+          <a:p>
+            <a:r>
+              <a:rPr lang="en-US" sz="1200" dirty="0">
+                <a:latin typeface="Courier New" panose="02070309020205020404" pitchFamily="49" charset="0"/>
+                <a:cs typeface="Courier New" panose="02070309020205020404" pitchFamily="49" charset="0"/>
+              </a:rPr>
+              <a:t>jobs:</a:t>
+            </a:r>
+          </a:p>
+          <a:p>
+            <a:r>
+              <a:rPr lang="en-US" sz="1200" dirty="0">
+                <a:latin typeface="Courier New" panose="02070309020205020404" pitchFamily="49" charset="0"/>
+                <a:cs typeface="Courier New" panose="02070309020205020404" pitchFamily="49" charset="0"/>
+              </a:rPr>
+              <a:t>  reveal-secret:</a:t>
+            </a:r>
+          </a:p>
+          <a:p>
+            <a:r>
+              <a:rPr lang="en-US" sz="1200" dirty="0">
+                <a:latin typeface="Courier New" panose="02070309020205020404" pitchFamily="49" charset="0"/>
+                <a:cs typeface="Courier New" panose="02070309020205020404" pitchFamily="49" charset="0"/>
+              </a:rPr>
+              <a:t>    runs-on: ubuntu-latest</a:t>
+            </a:r>
+          </a:p>
+          <a:p>
+            <a:endParaRPr lang="en-US" sz="1200" dirty="0">
+              <a:latin typeface="Courier New" panose="02070309020205020404" pitchFamily="49" charset="0"/>
+              <a:cs typeface="Courier New" panose="02070309020205020404" pitchFamily="49" charset="0"/>
+            </a:endParaRPr>
+          </a:p>
+          <a:p>
+            <a:r>
+              <a:rPr lang="en-US" sz="1200" dirty="0">
+                <a:latin typeface="Courier New" panose="02070309020205020404" pitchFamily="49" charset="0"/>
+                <a:cs typeface="Courier New" panose="02070309020205020404" pitchFamily="49" charset="0"/>
+              </a:rPr>
+              <a:t>    steps:</a:t>
+            </a:r>
+          </a:p>
+          <a:p>
+            <a:r>
+              <a:rPr lang="en-US" sz="1200" dirty="0">
+                <a:latin typeface="Courier New" panose="02070309020205020404" pitchFamily="49" charset="0"/>
+                <a:cs typeface="Courier New" panose="02070309020205020404" pitchFamily="49" charset="0"/>
+              </a:rPr>
+              <a:t>    - shell: bash</a:t>
+            </a:r>
+          </a:p>
+          <a:p>
+            <a:r>
+              <a:rPr lang="en-US" sz="1200" dirty="0">
+                <a:latin typeface="Courier New" panose="02070309020205020404" pitchFamily="49" charset="0"/>
+                <a:cs typeface="Courier New" panose="02070309020205020404" pitchFamily="49" charset="0"/>
+              </a:rPr>
+              <a:t>      env:</a:t>
+            </a:r>
+          </a:p>
+          <a:p>
+            <a:r>
+              <a:rPr lang="en-US" sz="1200" dirty="0">
+                <a:latin typeface="Courier New" panose="02070309020205020404" pitchFamily="49" charset="0"/>
+                <a:cs typeface="Courier New" panose="02070309020205020404" pitchFamily="49" charset="0"/>
+              </a:rPr>
+              <a:t>        SECRET_MSG: ${{ </a:t>
+            </a:r>
+            <a:r>
+              <a:rPr lang="en-US" sz="1200" dirty="0" err="1">
+                <a:latin typeface="Courier New" panose="02070309020205020404" pitchFamily="49" charset="0"/>
+                <a:cs typeface="Courier New" panose="02070309020205020404" pitchFamily="49" charset="0"/>
+              </a:rPr>
+              <a:t>secrets.TOP_SECRET</a:t>
+            </a:r>
+            <a:r>
+              <a:rPr lang="en-US" sz="1200" dirty="0">
+                <a:latin typeface="Courier New" panose="02070309020205020404" pitchFamily="49" charset="0"/>
+                <a:cs typeface="Courier New" panose="02070309020205020404" pitchFamily="49" charset="0"/>
+              </a:rPr>
+              <a:t> }}</a:t>
+            </a:r>
+          </a:p>
+          <a:p>
+            <a:r>
+              <a:rPr lang="en-US" sz="1200" dirty="0">
+                <a:latin typeface="Courier New" panose="02070309020205020404" pitchFamily="49" charset="0"/>
+                <a:cs typeface="Courier New" panose="02070309020205020404" pitchFamily="49" charset="0"/>
+              </a:rPr>
+              <a:t>      run: |</a:t>
+            </a:r>
+          </a:p>
+          <a:p>
+            <a:r>
+              <a:rPr lang="en-US" sz="1200" dirty="0">
+                <a:latin typeface="Courier New" panose="02070309020205020404" pitchFamily="49" charset="0"/>
+                <a:cs typeface="Courier New" panose="02070309020205020404" pitchFamily="49" charset="0"/>
+              </a:rPr>
+              <a:t>        echo The secret is "$SECRET_MSG"</a:t>
+            </a:r>
+          </a:p>
+          <a:p>
+            <a:r>
+              <a:rPr lang="en-US" sz="1200" dirty="0">
+                <a:latin typeface="Courier New" panose="02070309020205020404" pitchFamily="49" charset="0"/>
+                <a:cs typeface="Courier New" panose="02070309020205020404" pitchFamily="49" charset="0"/>
+              </a:rPr>
+              <a:t>        if [ "$SECRET_MSG" = 'do not tell anyone' ]; then</a:t>
+            </a:r>
+          </a:p>
+          <a:p>
+            <a:r>
+              <a:rPr lang="en-US" sz="1200" dirty="0">
+                <a:latin typeface="Courier New" panose="02070309020205020404" pitchFamily="49" charset="0"/>
+                <a:cs typeface="Courier New" panose="02070309020205020404" pitchFamily="49" charset="0"/>
+              </a:rPr>
+              <a:t>          echo matches</a:t>
+            </a:r>
+          </a:p>
+          <a:p>
+            <a:r>
+              <a:rPr lang="en-US" sz="1200" dirty="0">
+                <a:latin typeface="Courier New" panose="02070309020205020404" pitchFamily="49" charset="0"/>
+                <a:cs typeface="Courier New" panose="02070309020205020404" pitchFamily="49" charset="0"/>
+              </a:rPr>
+              <a:t>        fi</a:t>
+            </a:r>
+          </a:p>
+        </p:txBody>
+      </p:sp>
+      <p:sp>
+        <p:nvSpPr>
+          <p:cNvPr id="6" name="Slide Number Placeholder 5">
+            <a:extLst>
+              <a:ext uri="{FF2B5EF4-FFF2-40B4-BE49-F238E27FC236}">
+                <a16:creationId xmlns:a16="http://schemas.microsoft.com/office/drawing/2014/main" id="{B7EEEE8A-D92F-4E52-5C1B-81AA2CFE3D6A}"/>
               </a:ext>
             </a:extLst>
           </p:cNvPr>
@@ -9954,6 +9974,11 @@
         </p:txBody>
       </p:sp>
     </p:spTree>
+    <p:extLst>
+      <p:ext uri="{BB962C8B-B14F-4D97-AF65-F5344CB8AC3E}">
+        <p14:creationId xmlns:p14="http://schemas.microsoft.com/office/powerpoint/2010/main" val="2944273705"/>
+      </p:ext>
+    </p:extLst>
   </p:cSld>
   <p:clrMapOvr>
     <a:masterClrMapping/>
@@ -10482,66 +10507,79 @@
           <a:p>
             <a:r>
               <a:rPr lang="en-CH" b="1" dirty="0"/>
+              <a:t>Task 1: Run test when a PR is created</a:t>
+            </a:r>
+          </a:p>
+          <a:p>
+            <a:pPr lvl="1"/>
+            <a:r>
+              <a:rPr lang="en-CH" b="1" dirty="0"/>
               <a:t>Event trigger: </a:t>
             </a:r>
             <a:r>
               <a:rPr lang="en-CH" dirty="0"/>
-              <a:t>PR is created or a commit is pushed to master</a:t>
-            </a:r>
-            <a:br>
+              <a:t>PR is created</a:t>
+            </a:r>
+          </a:p>
+          <a:p>
+            <a:pPr lvl="1"/>
+            <a:r>
+              <a:rPr lang="en-CH" b="1" dirty="0"/>
+              <a:t>Action: </a:t>
+            </a:r>
+            <a:r>
               <a:rPr lang="en-CH" dirty="0"/>
-            </a:br>
+              <a:t>Run all tests for different Python versions</a:t>
+            </a:r>
+          </a:p>
+          <a:p>
+            <a:pPr marL="0" indent="0">
+              <a:buNone/>
+            </a:pPr>
+            <a:endParaRPr lang="en-CH" dirty="0"/>
+          </a:p>
+          <a:p>
             <a:r>
               <a:rPr lang="en-CH" b="1" dirty="0"/>
-              <a:t>Tasks:</a:t>
+              <a:t>Task 2: Release package when version is bumped</a:t>
             </a:r>
           </a:p>
           <a:p>
             <a:pPr lvl="1"/>
             <a:r>
-              <a:rPr lang="en-CH" dirty="0"/>
-              <a:t>Run all tests for different Python versions </a:t>
-            </a:r>
-          </a:p>
-          <a:p>
-            <a:pPr lvl="1"/>
-            <a:r>
-              <a:rPr lang="en-CH" dirty="0"/>
-              <a:t>(Verify code coverage)</a:t>
-            </a:r>
-          </a:p>
-          <a:p>
-            <a:pPr lvl="1"/>
-            <a:r>
-              <a:rPr lang="en-CH" dirty="0"/>
-              <a:t>(Check code style)</a:t>
-            </a:r>
-          </a:p>
-          <a:p>
-            <a:r>
               <a:rPr lang="en-CH" b="1" dirty="0"/>
-              <a:t>Event trigger:  </a:t>
+              <a:t>Event trigger: </a:t>
             </a:r>
             <a:r>
               <a:rPr lang="en-CH" dirty="0"/>
               <a:t>Version is bumped</a:t>
             </a:r>
-            <a:br>
-              <a:rPr lang="en-CH" dirty="0"/>
-            </a:br>
+          </a:p>
+          <a:p>
+            <a:pPr lvl="1"/>
             <a:r>
               <a:rPr lang="en-CH" b="1" dirty="0"/>
-              <a:t>Tasks:</a:t>
-            </a:r>
-          </a:p>
-          <a:p>
-            <a:pPr lvl="1"/>
+              <a:t>Action: </a:t>
+            </a:r>
             <a:r>
               <a:rPr lang="en-CH" dirty="0"/>
               <a:t>Create binary packages for Linux, Mac, Windows and upload them to a package repository</a:t>
             </a:r>
           </a:p>
           <a:p>
+            <a:pPr marL="0" indent="0">
+              <a:buNone/>
+            </a:pPr>
+            <a:endParaRPr lang="en-CH" b="1" dirty="0"/>
+          </a:p>
+          <a:p>
+            <a:r>
+              <a:rPr lang="en-CH" b="1" dirty="0"/>
+              <a:t>Task 3: Publish documentation on request</a:t>
+            </a:r>
+          </a:p>
+          <a:p>
+            <a:pPr lvl="1"/>
             <a:r>
               <a:rPr lang="en-CH" b="1" dirty="0"/>
               <a:t>Event trigger:</a:t>
@@ -10550,16 +10588,13 @@
               <a:rPr lang="en-CH" dirty="0"/>
               <a:t> Repository is tagged in a certain way</a:t>
             </a:r>
-            <a:br>
-              <a:rPr lang="en-CH" dirty="0"/>
-            </a:br>
+          </a:p>
+          <a:p>
+            <a:pPr lvl="1"/>
             <a:r>
               <a:rPr lang="en-CH" b="1" dirty="0"/>
-              <a:t>Tasks:</a:t>
-            </a:r>
-          </a:p>
-          <a:p>
-            <a:pPr lvl="1"/>
+              <a:t>Action: </a:t>
+            </a:r>
             <a:r>
               <a:rPr lang="en-CH" dirty="0"/>
               <a:t>Build and publish the documentation</a:t>
@@ -10657,7 +10692,7 @@
     </p:spTree>
     <p:extLst>
       <p:ext uri="{BB962C8B-B14F-4D97-AF65-F5344CB8AC3E}">
-        <p14:creationId xmlns:p14="http://schemas.microsoft.com/office/powerpoint/2010/main" val="3902177127"/>
+        <p14:creationId xmlns:p14="http://schemas.microsoft.com/office/powerpoint/2010/main" val="335450895"/>
       </p:ext>
     </p:extLst>
   </p:cSld>

--- a/continuous_integration.pptx
+++ b/continuous_integration.pptx
@@ -18,20 +18,20 @@
     <p:sldId id="477" r:id="rId6"/>
     <p:sldId id="306" r:id="rId7"/>
     <p:sldId id="318" r:id="rId8"/>
-    <p:sldId id="308" r:id="rId9"/>
-    <p:sldId id="312" r:id="rId10"/>
-    <p:sldId id="329" r:id="rId11"/>
-    <p:sldId id="324" r:id="rId12"/>
-    <p:sldId id="323" r:id="rId13"/>
-    <p:sldId id="313" r:id="rId14"/>
-    <p:sldId id="319" r:id="rId15"/>
-    <p:sldId id="325" r:id="rId16"/>
-    <p:sldId id="326" r:id="rId17"/>
-    <p:sldId id="327" r:id="rId18"/>
-    <p:sldId id="320" r:id="rId19"/>
-    <p:sldId id="322" r:id="rId20"/>
-    <p:sldId id="476" r:id="rId21"/>
-    <p:sldId id="288" r:id="rId22"/>
+    <p:sldId id="322" r:id="rId9"/>
+    <p:sldId id="476" r:id="rId10"/>
+    <p:sldId id="288" r:id="rId11"/>
+    <p:sldId id="308" r:id="rId12"/>
+    <p:sldId id="312" r:id="rId13"/>
+    <p:sldId id="329" r:id="rId14"/>
+    <p:sldId id="324" r:id="rId15"/>
+    <p:sldId id="323" r:id="rId16"/>
+    <p:sldId id="313" r:id="rId17"/>
+    <p:sldId id="319" r:id="rId18"/>
+    <p:sldId id="325" r:id="rId19"/>
+    <p:sldId id="326" r:id="rId20"/>
+    <p:sldId id="327" r:id="rId21"/>
+    <p:sldId id="320" r:id="rId22"/>
     <p:sldId id="298" r:id="rId23"/>
     <p:sldId id="328" r:id="rId24"/>
     <p:sldId id="307" r:id="rId25"/>
@@ -146,6 +146,9 @@
             <p14:sldId id="477"/>
             <p14:sldId id="306"/>
             <p14:sldId id="318"/>
+            <p14:sldId id="322"/>
+            <p14:sldId id="476"/>
+            <p14:sldId id="288"/>
             <p14:sldId id="308"/>
             <p14:sldId id="312"/>
             <p14:sldId id="329"/>
@@ -157,9 +160,6 @@
             <p14:sldId id="326"/>
             <p14:sldId id="327"/>
             <p14:sldId id="320"/>
-            <p14:sldId id="322"/>
-            <p14:sldId id="476"/>
-            <p14:sldId id="288"/>
             <p14:sldId id="298"/>
             <p14:sldId id="328"/>
             <p14:sldId id="307"/>
@@ -269,7 +269,7 @@
             <a:fld id="{80AC11AF-147E-0A48-A5B0-8DA858D84551}" type="datetimeFigureOut">
               <a:rPr lang="en-US" smtClean="0"/>
               <a:pPr/>
-              <a:t>8/28/23</a:t>
+              <a:t>8/26/24</a:t>
             </a:fld>
             <a:endParaRPr lang="en-US"/>
           </a:p>
@@ -4316,28 +4316,25 @@
         </p:nvSpPr>
         <p:spPr>
           <a:xfrm>
-            <a:off x="3035660" y="3861048"/>
-            <a:ext cx="6120680" cy="533400"/>
+            <a:off x="3035660" y="4509120"/>
+            <a:ext cx="6120680" cy="317376"/>
           </a:xfrm>
         </p:spPr>
         <p:txBody>
           <a:bodyPr>
-            <a:normAutofit/>
+            <a:normAutofit fontScale="62500" lnSpcReduction="20000"/>
           </a:bodyPr>
           <a:lstStyle/>
           <a:p>
             <a:r>
               <a:rPr lang="en-GB" sz="2800" dirty="0"/>
-              <a:t>Lisa </a:t>
+              <a:t>Lisa Schwetlick and Pamela </a:t>
             </a:r>
             <a:r>
               <a:rPr lang="en-GB" sz="2800" dirty="0" err="1"/>
-              <a:t>Schwetlick</a:t>
-            </a:r>
-            <a:r>
-              <a:rPr lang="en-GB" sz="2800" dirty="0"/>
-              <a:t> and Pietro Berkes</a:t>
-            </a:r>
+              <a:t>Hathway</a:t>
+            </a:r>
+            <a:endParaRPr lang="en-GB" sz="2800" dirty="0"/>
           </a:p>
         </p:txBody>
       </p:sp>
@@ -4368,6 +4365,725 @@
       </p:grpSpPr>
       <p:sp>
         <p:nvSpPr>
+          <p:cNvPr id="3" name="Date Placeholder 2"/>
+          <p:cNvSpPr>
+            <a:spLocks noGrp="1"/>
+          </p:cNvSpPr>
+          <p:nvPr>
+            <p:ph type="dt" sz="half" idx="10"/>
+          </p:nvPr>
+        </p:nvSpPr>
+        <p:spPr/>
+        <p:txBody>
+          <a:bodyPr/>
+          <a:lstStyle/>
+          <a:p>
+            <a:r>
+              <a:rPr lang="de-CH"/>
+              <a:t>August 2023, CC BY-SA 4.0</a:t>
+            </a:r>
+            <a:endParaRPr lang="en-US"/>
+          </a:p>
+        </p:txBody>
+      </p:sp>
+      <p:sp>
+        <p:nvSpPr>
+          <p:cNvPr id="4" name="Footer Placeholder 3"/>
+          <p:cNvSpPr>
+            <a:spLocks noGrp="1"/>
+          </p:cNvSpPr>
+          <p:nvPr>
+            <p:ph type="ftr" sz="quarter" idx="11"/>
+          </p:nvPr>
+        </p:nvSpPr>
+        <p:spPr/>
+        <p:txBody>
+          <a:bodyPr/>
+          <a:lstStyle/>
+          <a:p>
+            <a:r>
+              <a:rPr lang="en-US"/>
+              <a:t>Continuous integration, v4.0</a:t>
+            </a:r>
+          </a:p>
+        </p:txBody>
+      </p:sp>
+      <p:sp>
+        <p:nvSpPr>
+          <p:cNvPr id="2" name="Title 1"/>
+          <p:cNvSpPr>
+            <a:spLocks noGrp="1"/>
+          </p:cNvSpPr>
+          <p:nvPr>
+            <p:ph type="title" idx="4294967295"/>
+          </p:nvPr>
+        </p:nvSpPr>
+        <p:spPr>
+          <a:xfrm>
+            <a:off x="1981200" y="2708920"/>
+            <a:ext cx="8229600" cy="990600"/>
+          </a:xfrm>
+        </p:spPr>
+        <p:txBody>
+          <a:bodyPr anchor="ctr">
+            <a:normAutofit/>
+          </a:bodyPr>
+          <a:lstStyle/>
+          <a:p>
+            <a:pPr algn="ctr"/>
+            <a:r>
+              <a:rPr lang="en-GB" sz="6000" dirty="0"/>
+              <a:t>Thank you!</a:t>
+            </a:r>
+          </a:p>
+        </p:txBody>
+      </p:sp>
+      <p:sp>
+        <p:nvSpPr>
+          <p:cNvPr id="5" name="Slide Number Placeholder 4">
+            <a:extLst>
+              <a:ext uri="{FF2B5EF4-FFF2-40B4-BE49-F238E27FC236}">
+                <a16:creationId xmlns:a16="http://schemas.microsoft.com/office/drawing/2014/main" id="{42177564-7B7F-A6B5-E504-FD7CCEBE8303}"/>
+              </a:ext>
+            </a:extLst>
+          </p:cNvPr>
+          <p:cNvSpPr>
+            <a:spLocks noGrp="1"/>
+          </p:cNvSpPr>
+          <p:nvPr>
+            <p:ph type="sldNum" sz="quarter" idx="12"/>
+          </p:nvPr>
+        </p:nvSpPr>
+        <p:spPr/>
+        <p:txBody>
+          <a:bodyPr/>
+          <a:lstStyle/>
+          <a:p>
+            <a:fld id="{EF79ADEA-B933-47CC-A4E9-04E6298B917C}" type="slidenum">
+              <a:rPr lang="en-US" smtClean="0"/>
+              <a:pPr/>
+              <a:t>10</a:t>
+            </a:fld>
+            <a:endParaRPr lang="en-US"/>
+          </a:p>
+        </p:txBody>
+      </p:sp>
+    </p:spTree>
+  </p:cSld>
+  <p:clrMapOvr>
+    <a:masterClrMapping/>
+  </p:clrMapOvr>
+</p:sld>
+</file>
+
+<file path=ppt/slides/slide11.xml><?xml version="1.0" encoding="utf-8"?>
+<p:sld xmlns:a="http://schemas.openxmlformats.org/drawingml/2006/main" xmlns:r="http://schemas.openxmlformats.org/officeDocument/2006/relationships" xmlns:p="http://schemas.openxmlformats.org/presentationml/2006/main" show="0">
+  <p:cSld>
+    <p:spTree>
+      <p:nvGrpSpPr>
+        <p:cNvPr id="1" name=""/>
+        <p:cNvGrpSpPr/>
+        <p:nvPr/>
+      </p:nvGrpSpPr>
+      <p:grpSpPr>
+        <a:xfrm>
+          <a:off x="0" y="0"/>
+          <a:ext cx="0" cy="0"/>
+          <a:chOff x="0" y="0"/>
+          <a:chExt cx="0" cy="0"/>
+        </a:xfrm>
+      </p:grpSpPr>
+      <p:sp>
+        <p:nvSpPr>
+          <p:cNvPr id="2" name="Title 1">
+            <a:extLst>
+              <a:ext uri="{FF2B5EF4-FFF2-40B4-BE49-F238E27FC236}">
+                <a16:creationId xmlns:a16="http://schemas.microsoft.com/office/drawing/2014/main" id="{BD476358-0FD2-764F-AEC5-3A574E8F39D1}"/>
+              </a:ext>
+            </a:extLst>
+          </p:cNvPr>
+          <p:cNvSpPr>
+            <a:spLocks noGrp="1"/>
+          </p:cNvSpPr>
+          <p:nvPr>
+            <p:ph type="title"/>
+          </p:nvPr>
+        </p:nvSpPr>
+        <p:spPr/>
+        <p:txBody>
+          <a:bodyPr/>
+          <a:lstStyle/>
+          <a:p>
+            <a:r>
+              <a:rPr lang="en-CH" dirty="0"/>
+              <a:t>GitHub Actions basic ideas</a:t>
+            </a:r>
+          </a:p>
+        </p:txBody>
+      </p:sp>
+      <p:sp>
+        <p:nvSpPr>
+          <p:cNvPr id="3" name="Content Placeholder 2">
+            <a:extLst>
+              <a:ext uri="{FF2B5EF4-FFF2-40B4-BE49-F238E27FC236}">
+                <a16:creationId xmlns:a16="http://schemas.microsoft.com/office/drawing/2014/main" id="{6D76AC3E-727D-9345-BF91-E141F622FCB8}"/>
+              </a:ext>
+            </a:extLst>
+          </p:cNvPr>
+          <p:cNvSpPr>
+            <a:spLocks noGrp="1"/>
+          </p:cNvSpPr>
+          <p:nvPr>
+            <p:ph idx="1"/>
+          </p:nvPr>
+        </p:nvSpPr>
+        <p:spPr>
+          <a:xfrm>
+            <a:off x="838200" y="1196752"/>
+            <a:ext cx="10515600" cy="4980211"/>
+          </a:xfrm>
+        </p:spPr>
+        <p:txBody>
+          <a:bodyPr>
+            <a:normAutofit lnSpcReduction="10000"/>
+          </a:bodyPr>
+          <a:lstStyle/>
+          <a:p>
+            <a:pPr marL="0" indent="0">
+              <a:buNone/>
+            </a:pPr>
+            <a:r>
+              <a:rPr lang="en-CH" dirty="0"/>
+              <a:t>An event occurs, it has an associated commit SHA</a:t>
+            </a:r>
+            <a:br>
+              <a:rPr lang="en-CH" dirty="0"/>
+            </a:br>
+            <a:r>
+              <a:rPr lang="en-CH" dirty="0"/>
+              <a:t>(e.g., a PR is opened or a commit tag is pushed)</a:t>
+            </a:r>
+          </a:p>
+          <a:p>
+            <a:pPr marL="0" indent="0">
+              <a:buNone/>
+            </a:pPr>
+            <a:br>
+              <a:rPr lang="en-CH" dirty="0"/>
+            </a:br>
+            <a:br>
+              <a:rPr lang="en-CH" dirty="0"/>
+            </a:br>
+            <a:endParaRPr lang="de-DE" dirty="0"/>
+          </a:p>
+          <a:p>
+            <a:pPr marL="0" indent="0">
+              <a:buNone/>
+            </a:pPr>
+            <a:r>
+              <a:rPr lang="en-CH" dirty="0"/>
+              <a:t>GitHub searches for config files in </a:t>
+            </a:r>
+            <a:r>
+              <a:rPr lang="en-CH" sz="2000" dirty="0">
+                <a:latin typeface="Consolas" panose="020B0609020204030204" pitchFamily="49" charset="0"/>
+                <a:cs typeface="Consolas" panose="020B0609020204030204" pitchFamily="49" charset="0"/>
+              </a:rPr>
+              <a:t>.github/workflows </a:t>
+            </a:r>
+            <a:r>
+              <a:rPr lang="en-CH" dirty="0"/>
+              <a:t>at that SHA, and looks if there is a trigger that matches the event</a:t>
+            </a:r>
+            <a:br>
+              <a:rPr lang="en-CH" dirty="0"/>
+            </a:br>
+            <a:br>
+              <a:rPr lang="en-CH" dirty="0"/>
+            </a:br>
+            <a:br>
+              <a:rPr lang="en-CH" dirty="0"/>
+            </a:br>
+            <a:endParaRPr lang="de-DE" dirty="0"/>
+          </a:p>
+          <a:p>
+            <a:pPr marL="0" indent="0">
+              <a:buNone/>
+            </a:pPr>
+            <a:r>
+              <a:rPr lang="en-CH" dirty="0"/>
+              <a:t>It then creates a virtual machine as specified in the config file and runs the commands listed there</a:t>
+            </a:r>
+          </a:p>
+        </p:txBody>
+      </p:sp>
+      <p:sp>
+        <p:nvSpPr>
+          <p:cNvPr id="4" name="Date Placeholder 3">
+            <a:extLst>
+              <a:ext uri="{FF2B5EF4-FFF2-40B4-BE49-F238E27FC236}">
+                <a16:creationId xmlns:a16="http://schemas.microsoft.com/office/drawing/2014/main" id="{01B74FBB-6928-0E40-87F8-3689137B6A44}"/>
+              </a:ext>
+            </a:extLst>
+          </p:cNvPr>
+          <p:cNvSpPr>
+            <a:spLocks noGrp="1"/>
+          </p:cNvSpPr>
+          <p:nvPr>
+            <p:ph type="dt" sz="half" idx="10"/>
+          </p:nvPr>
+        </p:nvSpPr>
+        <p:spPr/>
+        <p:txBody>
+          <a:bodyPr/>
+          <a:lstStyle/>
+          <a:p>
+            <a:r>
+              <a:rPr lang="de-CH" sz="1000"/>
+              <a:t>August 2023, CC BY-SA 4.0</a:t>
+            </a:r>
+            <a:endParaRPr lang="en-US" sz="1000" dirty="0"/>
+          </a:p>
+        </p:txBody>
+      </p:sp>
+      <p:sp>
+        <p:nvSpPr>
+          <p:cNvPr id="5" name="Footer Placeholder 4">
+            <a:extLst>
+              <a:ext uri="{FF2B5EF4-FFF2-40B4-BE49-F238E27FC236}">
+                <a16:creationId xmlns:a16="http://schemas.microsoft.com/office/drawing/2014/main" id="{4FB5E559-28D2-B742-A608-B353E85B9786}"/>
+              </a:ext>
+            </a:extLst>
+          </p:cNvPr>
+          <p:cNvSpPr>
+            <a:spLocks noGrp="1"/>
+          </p:cNvSpPr>
+          <p:nvPr>
+            <p:ph type="ftr" sz="quarter" idx="11"/>
+          </p:nvPr>
+        </p:nvSpPr>
+        <p:spPr/>
+        <p:txBody>
+          <a:bodyPr/>
+          <a:lstStyle/>
+          <a:p>
+            <a:r>
+              <a:rPr lang="en-US"/>
+              <a:t>Continuous integration, v4.0</a:t>
+            </a:r>
+            <a:endParaRPr lang="en-US" dirty="0"/>
+          </a:p>
+        </p:txBody>
+      </p:sp>
+      <p:sp>
+        <p:nvSpPr>
+          <p:cNvPr id="6" name="Down Arrow 5">
+            <a:extLst>
+              <a:ext uri="{FF2B5EF4-FFF2-40B4-BE49-F238E27FC236}">
+                <a16:creationId xmlns:a16="http://schemas.microsoft.com/office/drawing/2014/main" id="{50A72591-34F8-1346-A0C1-FA32BF9E01FA}"/>
+              </a:ext>
+            </a:extLst>
+          </p:cNvPr>
+          <p:cNvSpPr/>
+          <p:nvPr/>
+        </p:nvSpPr>
+        <p:spPr>
+          <a:xfrm>
+            <a:off x="5663952" y="2366883"/>
+            <a:ext cx="720080" cy="504056"/>
+          </a:xfrm>
+          <a:prstGeom prst="downArrow">
+            <a:avLst/>
+          </a:prstGeom>
+        </p:spPr>
+        <p:style>
+          <a:lnRef idx="2">
+            <a:schemeClr val="dk1">
+              <a:shade val="50000"/>
+            </a:schemeClr>
+          </a:lnRef>
+          <a:fillRef idx="1">
+            <a:schemeClr val="dk1"/>
+          </a:fillRef>
+          <a:effectRef idx="0">
+            <a:schemeClr val="dk1"/>
+          </a:effectRef>
+          <a:fontRef idx="minor">
+            <a:schemeClr val="lt1"/>
+          </a:fontRef>
+        </p:style>
+        <p:txBody>
+          <a:bodyPr rtlCol="0" anchor="ctr"/>
+          <a:lstStyle/>
+          <a:p>
+            <a:pPr algn="ctr"/>
+            <a:endParaRPr lang="en-DE"/>
+          </a:p>
+        </p:txBody>
+      </p:sp>
+      <p:sp>
+        <p:nvSpPr>
+          <p:cNvPr id="7" name="Down Arrow 6">
+            <a:extLst>
+              <a:ext uri="{FF2B5EF4-FFF2-40B4-BE49-F238E27FC236}">
+                <a16:creationId xmlns:a16="http://schemas.microsoft.com/office/drawing/2014/main" id="{CDB19F76-86CF-6A42-A378-4363121B737B}"/>
+              </a:ext>
+            </a:extLst>
+          </p:cNvPr>
+          <p:cNvSpPr/>
+          <p:nvPr/>
+        </p:nvSpPr>
+        <p:spPr>
+          <a:xfrm>
+            <a:off x="5663952" y="4125543"/>
+            <a:ext cx="720080" cy="504056"/>
+          </a:xfrm>
+          <a:prstGeom prst="downArrow">
+            <a:avLst/>
+          </a:prstGeom>
+        </p:spPr>
+        <p:style>
+          <a:lnRef idx="2">
+            <a:schemeClr val="dk1">
+              <a:shade val="50000"/>
+            </a:schemeClr>
+          </a:lnRef>
+          <a:fillRef idx="1">
+            <a:schemeClr val="dk1"/>
+          </a:fillRef>
+          <a:effectRef idx="0">
+            <a:schemeClr val="dk1"/>
+          </a:effectRef>
+          <a:fontRef idx="minor">
+            <a:schemeClr val="lt1"/>
+          </a:fontRef>
+        </p:style>
+        <p:txBody>
+          <a:bodyPr rtlCol="0" anchor="ctr"/>
+          <a:lstStyle/>
+          <a:p>
+            <a:pPr algn="ctr"/>
+            <a:endParaRPr lang="en-DE"/>
+          </a:p>
+        </p:txBody>
+      </p:sp>
+      <p:sp>
+        <p:nvSpPr>
+          <p:cNvPr id="8" name="Slide Number Placeholder 7">
+            <a:extLst>
+              <a:ext uri="{FF2B5EF4-FFF2-40B4-BE49-F238E27FC236}">
+                <a16:creationId xmlns:a16="http://schemas.microsoft.com/office/drawing/2014/main" id="{B63FAC1A-9BFC-440F-8AC4-C3F27E96EB3D}"/>
+              </a:ext>
+            </a:extLst>
+          </p:cNvPr>
+          <p:cNvSpPr>
+            <a:spLocks noGrp="1"/>
+          </p:cNvSpPr>
+          <p:nvPr>
+            <p:ph type="sldNum" sz="quarter" idx="12"/>
+          </p:nvPr>
+        </p:nvSpPr>
+        <p:spPr/>
+        <p:txBody>
+          <a:bodyPr/>
+          <a:lstStyle/>
+          <a:p>
+            <a:fld id="{EF79ADEA-B933-47CC-A4E9-04E6298B917C}" type="slidenum">
+              <a:rPr lang="en-US" smtClean="0"/>
+              <a:pPr/>
+              <a:t>11</a:t>
+            </a:fld>
+            <a:endParaRPr lang="en-US"/>
+          </a:p>
+        </p:txBody>
+      </p:sp>
+    </p:spTree>
+    <p:extLst>
+      <p:ext uri="{BB962C8B-B14F-4D97-AF65-F5344CB8AC3E}">
+        <p14:creationId xmlns:p14="http://schemas.microsoft.com/office/powerpoint/2010/main" val="3315879559"/>
+      </p:ext>
+    </p:extLst>
+  </p:cSld>
+  <p:clrMapOvr>
+    <a:masterClrMapping/>
+  </p:clrMapOvr>
+</p:sld>
+</file>
+
+<file path=ppt/slides/slide12.xml><?xml version="1.0" encoding="utf-8"?>
+<p:sld xmlns:a="http://schemas.openxmlformats.org/drawingml/2006/main" xmlns:r="http://schemas.openxmlformats.org/officeDocument/2006/relationships" xmlns:p="http://schemas.openxmlformats.org/presentationml/2006/main" show="0">
+  <p:cSld>
+    <p:spTree>
+      <p:nvGrpSpPr>
+        <p:cNvPr id="1" name=""/>
+        <p:cNvGrpSpPr/>
+        <p:nvPr/>
+      </p:nvGrpSpPr>
+      <p:grpSpPr>
+        <a:xfrm>
+          <a:off x="0" y="0"/>
+          <a:ext cx="0" cy="0"/>
+          <a:chOff x="0" y="0"/>
+          <a:chExt cx="0" cy="0"/>
+        </a:xfrm>
+      </p:grpSpPr>
+      <p:sp>
+        <p:nvSpPr>
+          <p:cNvPr id="2" name="Title 1">
+            <a:extLst>
+              <a:ext uri="{FF2B5EF4-FFF2-40B4-BE49-F238E27FC236}">
+                <a16:creationId xmlns:a16="http://schemas.microsoft.com/office/drawing/2014/main" id="{BD476358-0FD2-764F-AEC5-3A574E8F39D1}"/>
+              </a:ext>
+            </a:extLst>
+          </p:cNvPr>
+          <p:cNvSpPr>
+            <a:spLocks noGrp="1"/>
+          </p:cNvSpPr>
+          <p:nvPr>
+            <p:ph type="title"/>
+          </p:nvPr>
+        </p:nvSpPr>
+        <p:spPr/>
+        <p:txBody>
+          <a:bodyPr/>
+          <a:lstStyle/>
+          <a:p>
+            <a:r>
+              <a:rPr lang="en-CH" dirty="0"/>
+              <a:t>GitHub Actions basic ideas</a:t>
+            </a:r>
+          </a:p>
+        </p:txBody>
+      </p:sp>
+      <p:sp>
+        <p:nvSpPr>
+          <p:cNvPr id="3" name="Content Placeholder 2">
+            <a:extLst>
+              <a:ext uri="{FF2B5EF4-FFF2-40B4-BE49-F238E27FC236}">
+                <a16:creationId xmlns:a16="http://schemas.microsoft.com/office/drawing/2014/main" id="{6D76AC3E-727D-9345-BF91-E141F622FCB8}"/>
+              </a:ext>
+            </a:extLst>
+          </p:cNvPr>
+          <p:cNvSpPr>
+            <a:spLocks noGrp="1"/>
+          </p:cNvSpPr>
+          <p:nvPr>
+            <p:ph idx="1"/>
+          </p:nvPr>
+        </p:nvSpPr>
+        <p:spPr/>
+        <p:txBody>
+          <a:bodyPr/>
+          <a:lstStyle/>
+          <a:p>
+            <a:r>
+              <a:rPr lang="en-CH"/>
+              <a:t>The </a:t>
+            </a:r>
+            <a:r>
+              <a:rPr lang="en-CH" dirty="0"/>
+              <a:t>outcome is logged and if the job exits cleanly it is marked as ”passed” otherwise “</a:t>
+            </a:r>
+            <a:r>
+              <a:rPr lang="en-CH"/>
+              <a:t>failed”</a:t>
+            </a:r>
+            <a:endParaRPr lang="de-DE" dirty="0"/>
+          </a:p>
+        </p:txBody>
+      </p:sp>
+      <p:sp>
+        <p:nvSpPr>
+          <p:cNvPr id="4" name="Date Placeholder 3">
+            <a:extLst>
+              <a:ext uri="{FF2B5EF4-FFF2-40B4-BE49-F238E27FC236}">
+                <a16:creationId xmlns:a16="http://schemas.microsoft.com/office/drawing/2014/main" id="{01B74FBB-6928-0E40-87F8-3689137B6A44}"/>
+              </a:ext>
+            </a:extLst>
+          </p:cNvPr>
+          <p:cNvSpPr>
+            <a:spLocks noGrp="1"/>
+          </p:cNvSpPr>
+          <p:nvPr>
+            <p:ph type="dt" sz="half" idx="10"/>
+          </p:nvPr>
+        </p:nvSpPr>
+        <p:spPr/>
+        <p:txBody>
+          <a:bodyPr/>
+          <a:lstStyle/>
+          <a:p>
+            <a:r>
+              <a:rPr lang="de-CH" sz="1000"/>
+              <a:t>August 2023, CC BY-SA 4.0</a:t>
+            </a:r>
+            <a:endParaRPr lang="en-US" sz="1000" dirty="0"/>
+          </a:p>
+        </p:txBody>
+      </p:sp>
+      <p:sp>
+        <p:nvSpPr>
+          <p:cNvPr id="5" name="Footer Placeholder 4">
+            <a:extLst>
+              <a:ext uri="{FF2B5EF4-FFF2-40B4-BE49-F238E27FC236}">
+                <a16:creationId xmlns:a16="http://schemas.microsoft.com/office/drawing/2014/main" id="{4FB5E559-28D2-B742-A608-B353E85B9786}"/>
+              </a:ext>
+            </a:extLst>
+          </p:cNvPr>
+          <p:cNvSpPr>
+            <a:spLocks noGrp="1"/>
+          </p:cNvSpPr>
+          <p:nvPr>
+            <p:ph type="ftr" sz="quarter" idx="11"/>
+          </p:nvPr>
+        </p:nvSpPr>
+        <p:spPr/>
+        <p:txBody>
+          <a:bodyPr/>
+          <a:lstStyle/>
+          <a:p>
+            <a:r>
+              <a:rPr lang="en-US"/>
+              <a:t>Continuous integration, v4.0</a:t>
+            </a:r>
+            <a:endParaRPr lang="en-US" dirty="0"/>
+          </a:p>
+        </p:txBody>
+      </p:sp>
+      <p:pic>
+        <p:nvPicPr>
+          <p:cNvPr id="8" name="Picture 7" descr="A screenshot of a computer&#10;&#10;Description automatically generated with medium confidence">
+            <a:extLst>
+              <a:ext uri="{FF2B5EF4-FFF2-40B4-BE49-F238E27FC236}">
+                <a16:creationId xmlns:a16="http://schemas.microsoft.com/office/drawing/2014/main" id="{2161033D-8E2B-394A-B1ED-5F835F679C2E}"/>
+              </a:ext>
+            </a:extLst>
+          </p:cNvPr>
+          <p:cNvPicPr>
+            <a:picLocks noChangeAspect="1"/>
+          </p:cNvPicPr>
+          <p:nvPr/>
+        </p:nvPicPr>
+        <p:blipFill>
+          <a:blip r:embed="rId2">
+            <a:extLst>
+              <a:ext uri="{28A0092B-C50C-407E-A947-70E740481C1C}">
+                <a14:useLocalDpi xmlns:a14="http://schemas.microsoft.com/office/drawing/2010/main" val="0"/>
+              </a:ext>
+            </a:extLst>
+          </a:blip>
+          <a:stretch>
+            <a:fillRect/>
+          </a:stretch>
+        </p:blipFill>
+        <p:spPr>
+          <a:xfrm>
+            <a:off x="1991544" y="2562763"/>
+            <a:ext cx="5328592" cy="2316779"/>
+          </a:xfrm>
+          <a:prstGeom prst="rect">
+            <a:avLst/>
+          </a:prstGeom>
+        </p:spPr>
+      </p:pic>
+      <p:pic>
+        <p:nvPicPr>
+          <p:cNvPr id="9" name="Picture 8" descr="Graphical user interface, text, application&#10;&#10;Description automatically generated">
+            <a:extLst>
+              <a:ext uri="{FF2B5EF4-FFF2-40B4-BE49-F238E27FC236}">
+                <a16:creationId xmlns:a16="http://schemas.microsoft.com/office/drawing/2014/main" id="{EC30FD2E-55B1-4D4E-8DCD-80DC18F36C5A}"/>
+              </a:ext>
+            </a:extLst>
+          </p:cNvPr>
+          <p:cNvPicPr>
+            <a:picLocks noChangeAspect="1"/>
+          </p:cNvPicPr>
+          <p:nvPr/>
+        </p:nvPicPr>
+        <p:blipFill>
+          <a:blip r:embed="rId3">
+            <a:extLst>
+              <a:ext uri="{28A0092B-C50C-407E-A947-70E740481C1C}">
+                <a14:useLocalDpi xmlns:a14="http://schemas.microsoft.com/office/drawing/2010/main" val="0"/>
+              </a:ext>
+            </a:extLst>
+          </a:blip>
+          <a:stretch>
+            <a:fillRect/>
+          </a:stretch>
+        </p:blipFill>
+        <p:spPr>
+          <a:xfrm>
+            <a:off x="4778220" y="3920550"/>
+            <a:ext cx="5442924" cy="2316762"/>
+          </a:xfrm>
+          <a:prstGeom prst="rect">
+            <a:avLst/>
+          </a:prstGeom>
+        </p:spPr>
+      </p:pic>
+      <p:sp>
+        <p:nvSpPr>
+          <p:cNvPr id="6" name="Slide Number Placeholder 5">
+            <a:extLst>
+              <a:ext uri="{FF2B5EF4-FFF2-40B4-BE49-F238E27FC236}">
+                <a16:creationId xmlns:a16="http://schemas.microsoft.com/office/drawing/2014/main" id="{7B07FFD5-AD05-C0D7-BC0E-E8BF58378D85}"/>
+              </a:ext>
+            </a:extLst>
+          </p:cNvPr>
+          <p:cNvSpPr>
+            <a:spLocks noGrp="1"/>
+          </p:cNvSpPr>
+          <p:nvPr>
+            <p:ph type="sldNum" sz="quarter" idx="12"/>
+          </p:nvPr>
+        </p:nvSpPr>
+        <p:spPr/>
+        <p:txBody>
+          <a:bodyPr/>
+          <a:lstStyle/>
+          <a:p>
+            <a:fld id="{EF79ADEA-B933-47CC-A4E9-04E6298B917C}" type="slidenum">
+              <a:rPr lang="en-US" smtClean="0"/>
+              <a:pPr/>
+              <a:t>12</a:t>
+            </a:fld>
+            <a:endParaRPr lang="en-US"/>
+          </a:p>
+        </p:txBody>
+      </p:sp>
+    </p:spTree>
+    <p:extLst>
+      <p:ext uri="{BB962C8B-B14F-4D97-AF65-F5344CB8AC3E}">
+        <p14:creationId xmlns:p14="http://schemas.microsoft.com/office/powerpoint/2010/main" val="4034475540"/>
+      </p:ext>
+    </p:extLst>
+  </p:cSld>
+  <p:clrMapOvr>
+    <a:masterClrMapping/>
+  </p:clrMapOvr>
+</p:sld>
+</file>
+
+<file path=ppt/slides/slide13.xml><?xml version="1.0" encoding="utf-8"?>
+<p:sld xmlns:a="http://schemas.openxmlformats.org/drawingml/2006/main" xmlns:r="http://schemas.openxmlformats.org/officeDocument/2006/relationships" xmlns:p="http://schemas.openxmlformats.org/presentationml/2006/main" show="0">
+  <p:cSld>
+    <p:spTree>
+      <p:nvGrpSpPr>
+        <p:cNvPr id="1" name=""/>
+        <p:cNvGrpSpPr/>
+        <p:nvPr/>
+      </p:nvGrpSpPr>
+      <p:grpSpPr>
+        <a:xfrm>
+          <a:off x="0" y="0"/>
+          <a:ext cx="0" cy="0"/>
+          <a:chOff x="0" y="0"/>
+          <a:chExt cx="0" cy="0"/>
+        </a:xfrm>
+      </p:grpSpPr>
+      <p:sp>
+        <p:nvSpPr>
           <p:cNvPr id="2" name="Title 1">
             <a:extLst>
               <a:ext uri="{FF2B5EF4-FFF2-40B4-BE49-F238E27FC236}">
@@ -4523,7 +5239,7 @@
             <a:fld id="{EF79ADEA-B933-47CC-A4E9-04E6298B917C}" type="slidenum">
               <a:rPr lang="en-US" smtClean="0"/>
               <a:pPr/>
-              <a:t>10</a:t>
+              <a:t>13</a:t>
             </a:fld>
             <a:endParaRPr lang="en-US"/>
           </a:p>
@@ -4542,8 +5258,8 @@
 </p:sld>
 </file>
 
-<file path=ppt/slides/slide11.xml><?xml version="1.0" encoding="utf-8"?>
-<p:sld xmlns:a="http://schemas.openxmlformats.org/drawingml/2006/main" xmlns:r="http://schemas.openxmlformats.org/officeDocument/2006/relationships" xmlns:p="http://schemas.openxmlformats.org/presentationml/2006/main">
+<file path=ppt/slides/slide14.xml><?xml version="1.0" encoding="utf-8"?>
+<p:sld xmlns:a="http://schemas.openxmlformats.org/drawingml/2006/main" xmlns:r="http://schemas.openxmlformats.org/officeDocument/2006/relationships" xmlns:p="http://schemas.openxmlformats.org/presentationml/2006/main" show="0">
   <p:cSld>
     <p:spTree>
       <p:nvGrpSpPr>
@@ -5335,7 +6051,7 @@
             <a:fld id="{EF79ADEA-B933-47CC-A4E9-04E6298B917C}" type="slidenum">
               <a:rPr lang="en-US" smtClean="0"/>
               <a:pPr/>
-              <a:t>11</a:t>
+              <a:t>14</a:t>
             </a:fld>
             <a:endParaRPr lang="en-US"/>
           </a:p>
@@ -5354,8 +6070,8 @@
 </p:sld>
 </file>
 
-<file path=ppt/slides/slide12.xml><?xml version="1.0" encoding="utf-8"?>
-<p:sld xmlns:a="http://schemas.openxmlformats.org/drawingml/2006/main" xmlns:r="http://schemas.openxmlformats.org/officeDocument/2006/relationships" xmlns:p="http://schemas.openxmlformats.org/presentationml/2006/main">
+<file path=ppt/slides/slide15.xml><?xml version="1.0" encoding="utf-8"?>
+<p:sld xmlns:a="http://schemas.openxmlformats.org/drawingml/2006/main" xmlns:r="http://schemas.openxmlformats.org/officeDocument/2006/relationships" xmlns:p="http://schemas.openxmlformats.org/presentationml/2006/main" show="0">
   <p:cSld>
     <p:spTree>
       <p:nvGrpSpPr>
@@ -5580,7 +6296,7 @@
             <a:fld id="{EF79ADEA-B933-47CC-A4E9-04E6298B917C}" type="slidenum">
               <a:rPr lang="en-US" smtClean="0"/>
               <a:pPr/>
-              <a:t>12</a:t>
+              <a:t>15</a:t>
             </a:fld>
             <a:endParaRPr lang="en-US"/>
           </a:p>
@@ -5599,8 +6315,8 @@
 </p:sld>
 </file>
 
-<file path=ppt/slides/slide13.xml><?xml version="1.0" encoding="utf-8"?>
-<p:sld xmlns:a="http://schemas.openxmlformats.org/drawingml/2006/main" xmlns:r="http://schemas.openxmlformats.org/officeDocument/2006/relationships" xmlns:p="http://schemas.openxmlformats.org/presentationml/2006/main">
+<file path=ppt/slides/slide16.xml><?xml version="1.0" encoding="utf-8"?>
+<p:sld xmlns:a="http://schemas.openxmlformats.org/drawingml/2006/main" xmlns:r="http://schemas.openxmlformats.org/officeDocument/2006/relationships" xmlns:p="http://schemas.openxmlformats.org/presentationml/2006/main" show="0">
   <p:cSld>
     <p:spTree>
       <p:nvGrpSpPr>
@@ -5881,7 +6597,7 @@
             <a:fld id="{EF79ADEA-B933-47CC-A4E9-04E6298B917C}" type="slidenum">
               <a:rPr lang="en-US" smtClean="0"/>
               <a:pPr/>
-              <a:t>13</a:t>
+              <a:t>16</a:t>
             </a:fld>
             <a:endParaRPr lang="en-US"/>
           </a:p>
@@ -5953,8 +6669,8 @@
 </p:sld>
 </file>
 
-<file path=ppt/slides/slide14.xml><?xml version="1.0" encoding="utf-8"?>
-<p:sld xmlns:a="http://schemas.openxmlformats.org/drawingml/2006/main" xmlns:r="http://schemas.openxmlformats.org/officeDocument/2006/relationships" xmlns:p="http://schemas.openxmlformats.org/presentationml/2006/main">
+<file path=ppt/slides/slide17.xml><?xml version="1.0" encoding="utf-8"?>
+<p:sld xmlns:a="http://schemas.openxmlformats.org/drawingml/2006/main" xmlns:r="http://schemas.openxmlformats.org/officeDocument/2006/relationships" xmlns:p="http://schemas.openxmlformats.org/presentationml/2006/main" show="0">
   <p:cSld>
     <p:spTree>
       <p:nvGrpSpPr>
@@ -6138,7 +6854,7 @@
             <a:fld id="{EF79ADEA-B933-47CC-A4E9-04E6298B917C}" type="slidenum">
               <a:rPr lang="en-US" smtClean="0"/>
               <a:pPr/>
-              <a:t>14</a:t>
+              <a:t>17</a:t>
             </a:fld>
             <a:endParaRPr lang="en-US"/>
           </a:p>
@@ -6157,8 +6873,8 @@
 </p:sld>
 </file>
 
-<file path=ppt/slides/slide15.xml><?xml version="1.0" encoding="utf-8"?>
-<p:sld xmlns:a="http://schemas.openxmlformats.org/drawingml/2006/main" xmlns:r="http://schemas.openxmlformats.org/officeDocument/2006/relationships" xmlns:p="http://schemas.openxmlformats.org/presentationml/2006/main">
+<file path=ppt/slides/slide18.xml><?xml version="1.0" encoding="utf-8"?>
+<p:sld xmlns:a="http://schemas.openxmlformats.org/drawingml/2006/main" xmlns:r="http://schemas.openxmlformats.org/officeDocument/2006/relationships" xmlns:p="http://schemas.openxmlformats.org/presentationml/2006/main" show="0">
   <p:cSld>
     <p:spTree>
       <p:nvGrpSpPr>
@@ -6632,7 +7348,7 @@
             <a:fld id="{EF79ADEA-B933-47CC-A4E9-04E6298B917C}" type="slidenum">
               <a:rPr lang="en-US" smtClean="0"/>
               <a:pPr/>
-              <a:t>15</a:t>
+              <a:t>18</a:t>
             </a:fld>
             <a:endParaRPr lang="en-US"/>
           </a:p>
@@ -6651,8 +7367,8 @@
 </p:sld>
 </file>
 
-<file path=ppt/slides/slide16.xml><?xml version="1.0" encoding="utf-8"?>
-<p:sld xmlns:a="http://schemas.openxmlformats.org/drawingml/2006/main" xmlns:r="http://schemas.openxmlformats.org/officeDocument/2006/relationships" xmlns:p="http://schemas.openxmlformats.org/presentationml/2006/main">
+<file path=ppt/slides/slide19.xml><?xml version="1.0" encoding="utf-8"?>
+<p:sld xmlns:a="http://schemas.openxmlformats.org/drawingml/2006/main" xmlns:r="http://schemas.openxmlformats.org/officeDocument/2006/relationships" xmlns:p="http://schemas.openxmlformats.org/presentationml/2006/main" show="0">
   <p:cSld>
     <p:spTree>
       <p:nvGrpSpPr>
@@ -7289,7 +8005,7 @@
             <a:fld id="{EF79ADEA-B933-47CC-A4E9-04E6298B917C}" type="slidenum">
               <a:rPr lang="en-US" smtClean="0"/>
               <a:pPr/>
-              <a:t>16</a:t>
+              <a:t>19</a:t>
             </a:fld>
             <a:endParaRPr lang="en-US"/>
           </a:p>
@@ -7308,7 +8024,7 @@
 </p:sld>
 </file>
 
-<file path=ppt/slides/slide17.xml><?xml version="1.0" encoding="utf-8"?>
+<file path=ppt/slides/slide2.xml><?xml version="1.0" encoding="utf-8"?>
 <p:sld xmlns:a="http://schemas.openxmlformats.org/drawingml/2006/main" xmlns:r="http://schemas.openxmlformats.org/officeDocument/2006/relationships" xmlns:p="http://schemas.openxmlformats.org/presentationml/2006/main">
   <p:cSld>
     <p:spTree>
@@ -7330,7 +8046,7 @@
           <p:cNvPr id="2" name="Title 1">
             <a:extLst>
               <a:ext uri="{FF2B5EF4-FFF2-40B4-BE49-F238E27FC236}">
-                <a16:creationId xmlns:a16="http://schemas.microsoft.com/office/drawing/2014/main" id="{EACC7A8A-CD41-EB49-BCCF-D1CC9D385024}"/>
+                <a16:creationId xmlns:a16="http://schemas.microsoft.com/office/drawing/2014/main" id="{4993AE45-A766-0F4D-9D65-D692ECB4ED00}"/>
               </a:ext>
             </a:extLst>
           </p:cNvPr>
@@ -7347,140 +8063,48 @@
           <a:lstStyle/>
           <a:p>
             <a:r>
-              <a:rPr lang="en-CH" dirty="0"/>
-              <a:t>GitHub Actions reference</a:t>
-            </a:r>
-          </a:p>
-        </p:txBody>
-      </p:sp>
-      <p:sp>
-        <p:nvSpPr>
-          <p:cNvPr id="3" name="Content Placeholder 2">
-            <a:extLst>
-              <a:ext uri="{FF2B5EF4-FFF2-40B4-BE49-F238E27FC236}">
-                <a16:creationId xmlns:a16="http://schemas.microsoft.com/office/drawing/2014/main" id="{DE78B902-F52A-5B4E-AC89-A7164CC5CB2E}"/>
-              </a:ext>
-            </a:extLst>
-          </p:cNvPr>
-          <p:cNvSpPr>
-            <a:spLocks noGrp="1"/>
-          </p:cNvSpPr>
-          <p:nvPr>
-            <p:ph idx="1"/>
-          </p:nvPr>
-        </p:nvSpPr>
-        <p:spPr/>
-        <p:txBody>
-          <a:bodyPr>
-            <a:normAutofit/>
-          </a:bodyPr>
-          <a:lstStyle/>
-          <a:p>
-            <a:r>
-              <a:rPr lang="en-US" dirty="0"/>
-              <a:t>Types of virtual machines available on GitHub Actions:</a:t>
-            </a:r>
-            <a:br>
-              <a:rPr lang="en-US" dirty="0"/>
-            </a:br>
-            <a:r>
-              <a:rPr lang="en-US" sz="1800" dirty="0">
-                <a:latin typeface="Courier New" panose="02070309020205020404" pitchFamily="49" charset="0"/>
-                <a:cs typeface="Courier New" panose="02070309020205020404" pitchFamily="49" charset="0"/>
-                <a:hlinkClick r:id="rId2"/>
-              </a:rPr>
-              <a:t>https://docs.github.com/en/actions/using-github-hosted-runners/about-github-hosted-runners#supported-runners-and-hardware-resources</a:t>
-            </a:r>
-            <a:endParaRPr lang="en-US" sz="1800" dirty="0">
-              <a:latin typeface="Courier New" panose="02070309020205020404" pitchFamily="49" charset="0"/>
-              <a:cs typeface="Courier New" panose="02070309020205020404" pitchFamily="49" charset="0"/>
-            </a:endParaRPr>
-          </a:p>
-          <a:p>
-            <a:r>
-              <a:rPr lang="en-US" sz="1800" dirty="0">
-                <a:latin typeface="Courier New" panose="02070309020205020404" pitchFamily="49" charset="0"/>
-                <a:cs typeface="Courier New" panose="02070309020205020404" pitchFamily="49" charset="0"/>
-              </a:rPr>
-              <a:t>setup-python</a:t>
-            </a:r>
-            <a:r>
-              <a:rPr lang="en-US" sz="1800" dirty="0">
-                <a:cs typeface="Courier New" panose="02070309020205020404" pitchFamily="49" charset="0"/>
-              </a:rPr>
-              <a:t> </a:t>
-            </a:r>
-            <a:r>
-              <a:rPr lang="en-US" sz="2000" dirty="0">
-                <a:cs typeface="Courier New" panose="02070309020205020404" pitchFamily="49" charset="0"/>
-              </a:rPr>
-              <a:t>community action, all available Python flavors and versions:</a:t>
-            </a:r>
-            <a:br>
-              <a:rPr lang="en-US" sz="2000" dirty="0">
-                <a:cs typeface="Courier New" panose="02070309020205020404" pitchFamily="49" charset="0"/>
-              </a:rPr>
-            </a:br>
-            <a:r>
-              <a:rPr lang="en-US" sz="1800" dirty="0">
-                <a:latin typeface="Courier New" panose="02070309020205020404" pitchFamily="49" charset="0"/>
-                <a:cs typeface="Courier New" panose="02070309020205020404" pitchFamily="49" charset="0"/>
-                <a:hlinkClick r:id="rId3"/>
-              </a:rPr>
-              <a:t>https://github.com/marketplace/actions/setup-python</a:t>
-            </a:r>
-            <a:endParaRPr lang="en-US" sz="1800" dirty="0">
-              <a:latin typeface="Courier New" panose="02070309020205020404" pitchFamily="49" charset="0"/>
-              <a:cs typeface="Courier New" panose="02070309020205020404" pitchFamily="49" charset="0"/>
-            </a:endParaRPr>
-          </a:p>
-          <a:p>
-            <a:endParaRPr lang="en-US" sz="1800" dirty="0">
-              <a:latin typeface="Courier New" panose="02070309020205020404" pitchFamily="49" charset="0"/>
-              <a:cs typeface="Courier New" panose="02070309020205020404" pitchFamily="49" charset="0"/>
-            </a:endParaRPr>
-          </a:p>
-          <a:p>
-            <a:pPr marL="0" indent="0">
-              <a:buNone/>
-            </a:pPr>
+              <a:rPr lang="de-DE" dirty="0"/>
+              <a:t>Collaborative Development </a:t>
+            </a:r>
+            <a:r>
+              <a:rPr lang="de-DE" dirty="0" err="1"/>
+              <a:t>without</a:t>
+            </a:r>
+            <a:r>
+              <a:rPr lang="de-DE" dirty="0"/>
+              <a:t> CI</a:t>
+            </a:r>
+            <a:endParaRPr lang="en-CH" dirty="0"/>
+          </a:p>
+        </p:txBody>
+      </p:sp>
+      <p:sp>
+        <p:nvSpPr>
+          <p:cNvPr id="4" name="Date Placeholder 3">
+            <a:extLst>
+              <a:ext uri="{FF2B5EF4-FFF2-40B4-BE49-F238E27FC236}">
+                <a16:creationId xmlns:a16="http://schemas.microsoft.com/office/drawing/2014/main" id="{BB7DFD63-E8DE-9344-BDD0-A143F8BD67AC}"/>
+              </a:ext>
+            </a:extLst>
+          </p:cNvPr>
+          <p:cNvSpPr>
+            <a:spLocks noGrp="1"/>
+          </p:cNvSpPr>
+          <p:nvPr>
+            <p:ph type="dt" sz="half" idx="10"/>
+          </p:nvPr>
+        </p:nvSpPr>
+        <p:spPr/>
+        <p:txBody>
+          <a:bodyPr/>
+          <a:lstStyle/>
+          <a:p>
+            <a:r>
+              <a:rPr lang="de-CH"/>
+              <a:t>August 2023, CC BY-SA 4.0</a:t>
+            </a:r>
             <a:endParaRPr lang="en-US" dirty="0"/>
           </a:p>
-          <a:p>
-            <a:pPr marL="0" indent="0">
-              <a:buNone/>
-            </a:pPr>
-            <a:endParaRPr lang="en-CH" dirty="0"/>
-          </a:p>
-        </p:txBody>
-      </p:sp>
-      <p:sp>
-        <p:nvSpPr>
-          <p:cNvPr id="4" name="Date Placeholder 3">
-            <a:extLst>
-              <a:ext uri="{FF2B5EF4-FFF2-40B4-BE49-F238E27FC236}">
-                <a16:creationId xmlns:a16="http://schemas.microsoft.com/office/drawing/2014/main" id="{BD10E3E1-D420-6649-A15F-D53900236E0F}"/>
-              </a:ext>
-            </a:extLst>
-          </p:cNvPr>
-          <p:cNvSpPr>
-            <a:spLocks noGrp="1"/>
-          </p:cNvSpPr>
-          <p:nvPr>
-            <p:ph type="dt" sz="half" idx="10"/>
-          </p:nvPr>
-        </p:nvSpPr>
-        <p:spPr/>
-        <p:txBody>
-          <a:bodyPr/>
-          <a:lstStyle/>
-          <a:p>
-            <a:r>
-              <a:rPr lang="de-CH" sz="1000"/>
-              <a:t>August 2023, CC BY-SA 4.0</a:t>
-            </a:r>
-            <a:endParaRPr lang="en-US" sz="1000" dirty="0"/>
-          </a:p>
         </p:txBody>
       </p:sp>
       <p:sp>
@@ -7488,7 +8112,7 @@
           <p:cNvPr id="5" name="Footer Placeholder 4">
             <a:extLst>
               <a:ext uri="{FF2B5EF4-FFF2-40B4-BE49-F238E27FC236}">
-                <a16:creationId xmlns:a16="http://schemas.microsoft.com/office/drawing/2014/main" id="{6F012DDD-E088-A248-B0DC-043A5AFA7F11}"/>
+                <a16:creationId xmlns:a16="http://schemas.microsoft.com/office/drawing/2014/main" id="{5138C878-C3D9-AC4C-BDD7-9EFA39DFB1A1}"/>
               </a:ext>
             </a:extLst>
           </p:cNvPr>
@@ -7514,10 +8138,118 @@
       </p:sp>
       <p:sp>
         <p:nvSpPr>
-          <p:cNvPr id="6" name="Slide Number Placeholder 5">
-            <a:extLst>
-              <a:ext uri="{FF2B5EF4-FFF2-40B4-BE49-F238E27FC236}">
-                <a16:creationId xmlns:a16="http://schemas.microsoft.com/office/drawing/2014/main" id="{D1A31B90-0CF8-18DE-6D32-3B65F6DE2E1C}"/>
+          <p:cNvPr id="15" name="Rectangle 14">
+            <a:extLst>
+              <a:ext uri="{FF2B5EF4-FFF2-40B4-BE49-F238E27FC236}">
+                <a16:creationId xmlns:a16="http://schemas.microsoft.com/office/drawing/2014/main" id="{A6D19DE0-5F67-1746-9159-5DDB1C4C03CA}"/>
+              </a:ext>
+            </a:extLst>
+          </p:cNvPr>
+          <p:cNvSpPr/>
+          <p:nvPr/>
+        </p:nvSpPr>
+        <p:spPr>
+          <a:xfrm>
+            <a:off x="983432" y="4398262"/>
+            <a:ext cx="10793960" cy="2000548"/>
+          </a:xfrm>
+          <a:prstGeom prst="rect">
+            <a:avLst/>
+          </a:prstGeom>
+        </p:spPr>
+        <p:txBody>
+          <a:bodyPr wrap="square">
+            <a:spAutoFit/>
+          </a:bodyPr>
+          <a:lstStyle/>
+          <a:p>
+            <a:r>
+              <a:rPr lang="en-CH" sz="2400" dirty="0">
+                <a:latin typeface="+mn-lt"/>
+              </a:rPr>
+              <a:t>Potential issues</a:t>
+            </a:r>
+          </a:p>
+          <a:p>
+            <a:pPr marL="342900" indent="-342900">
+              <a:buFontTx/>
+              <a:buChar char="-"/>
+            </a:pPr>
+            <a:r>
+              <a:rPr lang="en-CH" sz="2000" dirty="0">
+                <a:latin typeface="+mn-lt"/>
+              </a:rPr>
+              <a:t>The tests might pass on one machine and/or the other, but not in a third-party environment (versions, OS, etc.)</a:t>
+            </a:r>
+          </a:p>
+          <a:p>
+            <a:pPr marL="342900" indent="-342900">
+              <a:buFontTx/>
+              <a:buChar char="-"/>
+            </a:pPr>
+            <a:r>
+              <a:rPr lang="en-CH" sz="2000" dirty="0">
+                <a:latin typeface="+mn-lt"/>
+              </a:rPr>
+              <a:t>A maintainer needs to ensure that the software works on all the supported combinations of versions / OSs</a:t>
+            </a:r>
+          </a:p>
+          <a:p>
+            <a:pPr marL="342900" indent="-342900">
+              <a:buFontTx/>
+              <a:buChar char="-"/>
+            </a:pPr>
+            <a:r>
+              <a:rPr lang="en-CH" sz="2000" dirty="0">
+                <a:latin typeface="+mn-lt"/>
+              </a:rPr>
+              <a:t>A maintainer needs to create and upload artifacts like binary packages, documentation, etc </a:t>
+            </a:r>
+          </a:p>
+        </p:txBody>
+      </p:sp>
+      <p:pic>
+        <p:nvPicPr>
+          <p:cNvPr id="7" name="Picture 6" descr="Graphical user interface, diagram&#10;&#10;Description automatically generated">
+            <a:extLst>
+              <a:ext uri="{FF2B5EF4-FFF2-40B4-BE49-F238E27FC236}">
+                <a16:creationId xmlns:a16="http://schemas.microsoft.com/office/drawing/2014/main" id="{D7FC7664-635F-E842-8D8C-22F2EAE1C75C}"/>
+              </a:ext>
+            </a:extLst>
+          </p:cNvPr>
+          <p:cNvPicPr>
+            <a:picLocks noChangeAspect="1"/>
+          </p:cNvPicPr>
+          <p:nvPr/>
+        </p:nvPicPr>
+        <p:blipFill>
+          <a:blip r:embed="rId2">
+            <a:extLst>
+              <a:ext uri="{28A0092B-C50C-407E-A947-70E740481C1C}">
+                <a14:useLocalDpi xmlns:a14="http://schemas.microsoft.com/office/drawing/2010/main" val="0"/>
+              </a:ext>
+            </a:extLst>
+          </a:blip>
+          <a:stretch>
+            <a:fillRect/>
+          </a:stretch>
+        </p:blipFill>
+        <p:spPr>
+          <a:xfrm>
+            <a:off x="2495600" y="1196752"/>
+            <a:ext cx="7200800" cy="3181749"/>
+          </a:xfrm>
+          <a:prstGeom prst="rect">
+            <a:avLst/>
+          </a:prstGeom>
+        </p:spPr>
+      </p:pic>
+      <p:sp>
+        <p:nvSpPr>
+          <p:cNvPr id="3" name="Slide Number Placeholder 2">
+            <a:extLst>
+              <a:ext uri="{FF2B5EF4-FFF2-40B4-BE49-F238E27FC236}">
+                <a16:creationId xmlns:a16="http://schemas.microsoft.com/office/drawing/2014/main" id="{74910C84-24D3-716E-1EB5-1CBCED425CD9}"/>
               </a:ext>
             </a:extLst>
           </p:cNvPr>
@@ -7536,7 +8268,7 @@
             <a:fld id="{EF79ADEA-B933-47CC-A4E9-04E6298B917C}" type="slidenum">
               <a:rPr lang="en-US" smtClean="0"/>
               <a:pPr/>
-              <a:t>17</a:t>
+              <a:t>2</a:t>
             </a:fld>
             <a:endParaRPr lang="en-US"/>
           </a:p>
@@ -7545,7 +8277,7 @@
     </p:spTree>
     <p:extLst>
       <p:ext uri="{BB962C8B-B14F-4D97-AF65-F5344CB8AC3E}">
-        <p14:creationId xmlns:p14="http://schemas.microsoft.com/office/powerpoint/2010/main" val="3469218920"/>
+        <p14:creationId xmlns:p14="http://schemas.microsoft.com/office/powerpoint/2010/main" val="578119186"/>
       </p:ext>
     </p:extLst>
   </p:cSld>
@@ -7555,8 +8287,8 @@
 </p:sld>
 </file>
 
-<file path=ppt/slides/slide18.xml><?xml version="1.0" encoding="utf-8"?>
-<p:sld xmlns:a="http://schemas.openxmlformats.org/drawingml/2006/main" xmlns:r="http://schemas.openxmlformats.org/officeDocument/2006/relationships" xmlns:p="http://schemas.openxmlformats.org/presentationml/2006/main">
+<file path=ppt/slides/slide20.xml><?xml version="1.0" encoding="utf-8"?>
+<p:sld xmlns:a="http://schemas.openxmlformats.org/drawingml/2006/main" xmlns:r="http://schemas.openxmlformats.org/officeDocument/2006/relationships" xmlns:p="http://schemas.openxmlformats.org/presentationml/2006/main" show="0">
   <p:cSld>
     <p:spTree>
       <p:nvGrpSpPr>
@@ -7577,6 +8309,253 @@
           <p:cNvPr id="2" name="Title 1">
             <a:extLst>
               <a:ext uri="{FF2B5EF4-FFF2-40B4-BE49-F238E27FC236}">
+                <a16:creationId xmlns:a16="http://schemas.microsoft.com/office/drawing/2014/main" id="{EACC7A8A-CD41-EB49-BCCF-D1CC9D385024}"/>
+              </a:ext>
+            </a:extLst>
+          </p:cNvPr>
+          <p:cNvSpPr>
+            <a:spLocks noGrp="1"/>
+          </p:cNvSpPr>
+          <p:nvPr>
+            <p:ph type="title"/>
+          </p:nvPr>
+        </p:nvSpPr>
+        <p:spPr/>
+        <p:txBody>
+          <a:bodyPr/>
+          <a:lstStyle/>
+          <a:p>
+            <a:r>
+              <a:rPr lang="en-CH" dirty="0"/>
+              <a:t>GitHub Actions reference</a:t>
+            </a:r>
+          </a:p>
+        </p:txBody>
+      </p:sp>
+      <p:sp>
+        <p:nvSpPr>
+          <p:cNvPr id="3" name="Content Placeholder 2">
+            <a:extLst>
+              <a:ext uri="{FF2B5EF4-FFF2-40B4-BE49-F238E27FC236}">
+                <a16:creationId xmlns:a16="http://schemas.microsoft.com/office/drawing/2014/main" id="{DE78B902-F52A-5B4E-AC89-A7164CC5CB2E}"/>
+              </a:ext>
+            </a:extLst>
+          </p:cNvPr>
+          <p:cNvSpPr>
+            <a:spLocks noGrp="1"/>
+          </p:cNvSpPr>
+          <p:nvPr>
+            <p:ph idx="1"/>
+          </p:nvPr>
+        </p:nvSpPr>
+        <p:spPr/>
+        <p:txBody>
+          <a:bodyPr>
+            <a:normAutofit/>
+          </a:bodyPr>
+          <a:lstStyle/>
+          <a:p>
+            <a:r>
+              <a:rPr lang="en-US" dirty="0"/>
+              <a:t>Types of virtual machines available on GitHub Actions:</a:t>
+            </a:r>
+            <a:br>
+              <a:rPr lang="en-US" dirty="0"/>
+            </a:br>
+            <a:r>
+              <a:rPr lang="en-US" sz="1800" dirty="0">
+                <a:latin typeface="Courier New" panose="02070309020205020404" pitchFamily="49" charset="0"/>
+                <a:cs typeface="Courier New" panose="02070309020205020404" pitchFamily="49" charset="0"/>
+                <a:hlinkClick r:id="rId2"/>
+              </a:rPr>
+              <a:t>https://docs.github.com/en/actions/using-github-hosted-runners/about-github-hosted-runners#supported-runners-and-hardware-resources</a:t>
+            </a:r>
+            <a:endParaRPr lang="en-US" sz="1800" dirty="0">
+              <a:latin typeface="Courier New" panose="02070309020205020404" pitchFamily="49" charset="0"/>
+              <a:cs typeface="Courier New" panose="02070309020205020404" pitchFamily="49" charset="0"/>
+            </a:endParaRPr>
+          </a:p>
+          <a:p>
+            <a:r>
+              <a:rPr lang="en-US" sz="1800" dirty="0">
+                <a:latin typeface="Courier New" panose="02070309020205020404" pitchFamily="49" charset="0"/>
+                <a:cs typeface="Courier New" panose="02070309020205020404" pitchFamily="49" charset="0"/>
+              </a:rPr>
+              <a:t>setup-python</a:t>
+            </a:r>
+            <a:r>
+              <a:rPr lang="en-US" sz="1800" dirty="0">
+                <a:cs typeface="Courier New" panose="02070309020205020404" pitchFamily="49" charset="0"/>
+              </a:rPr>
+              <a:t> </a:t>
+            </a:r>
+            <a:r>
+              <a:rPr lang="en-US" sz="2000" dirty="0">
+                <a:cs typeface="Courier New" panose="02070309020205020404" pitchFamily="49" charset="0"/>
+              </a:rPr>
+              <a:t>community action, all available Python flavors and versions:</a:t>
+            </a:r>
+            <a:br>
+              <a:rPr lang="en-US" sz="2000" dirty="0">
+                <a:cs typeface="Courier New" panose="02070309020205020404" pitchFamily="49" charset="0"/>
+              </a:rPr>
+            </a:br>
+            <a:r>
+              <a:rPr lang="en-US" sz="1800" dirty="0">
+                <a:latin typeface="Courier New" panose="02070309020205020404" pitchFamily="49" charset="0"/>
+                <a:cs typeface="Courier New" panose="02070309020205020404" pitchFamily="49" charset="0"/>
+                <a:hlinkClick r:id="rId3"/>
+              </a:rPr>
+              <a:t>https://github.com/marketplace/actions/setup-python</a:t>
+            </a:r>
+            <a:endParaRPr lang="en-US" sz="1800" dirty="0">
+              <a:latin typeface="Courier New" panose="02070309020205020404" pitchFamily="49" charset="0"/>
+              <a:cs typeface="Courier New" panose="02070309020205020404" pitchFamily="49" charset="0"/>
+            </a:endParaRPr>
+          </a:p>
+          <a:p>
+            <a:endParaRPr lang="en-US" sz="1800" dirty="0">
+              <a:latin typeface="Courier New" panose="02070309020205020404" pitchFamily="49" charset="0"/>
+              <a:cs typeface="Courier New" panose="02070309020205020404" pitchFamily="49" charset="0"/>
+            </a:endParaRPr>
+          </a:p>
+          <a:p>
+            <a:pPr marL="0" indent="0">
+              <a:buNone/>
+            </a:pPr>
+            <a:endParaRPr lang="en-US" dirty="0"/>
+          </a:p>
+          <a:p>
+            <a:pPr marL="0" indent="0">
+              <a:buNone/>
+            </a:pPr>
+            <a:endParaRPr lang="en-CH" dirty="0"/>
+          </a:p>
+        </p:txBody>
+      </p:sp>
+      <p:sp>
+        <p:nvSpPr>
+          <p:cNvPr id="4" name="Date Placeholder 3">
+            <a:extLst>
+              <a:ext uri="{FF2B5EF4-FFF2-40B4-BE49-F238E27FC236}">
+                <a16:creationId xmlns:a16="http://schemas.microsoft.com/office/drawing/2014/main" id="{BD10E3E1-D420-6649-A15F-D53900236E0F}"/>
+              </a:ext>
+            </a:extLst>
+          </p:cNvPr>
+          <p:cNvSpPr>
+            <a:spLocks noGrp="1"/>
+          </p:cNvSpPr>
+          <p:nvPr>
+            <p:ph type="dt" sz="half" idx="10"/>
+          </p:nvPr>
+        </p:nvSpPr>
+        <p:spPr/>
+        <p:txBody>
+          <a:bodyPr/>
+          <a:lstStyle/>
+          <a:p>
+            <a:r>
+              <a:rPr lang="de-CH" sz="1000"/>
+              <a:t>August 2023, CC BY-SA 4.0</a:t>
+            </a:r>
+            <a:endParaRPr lang="en-US" sz="1000" dirty="0"/>
+          </a:p>
+        </p:txBody>
+      </p:sp>
+      <p:sp>
+        <p:nvSpPr>
+          <p:cNvPr id="5" name="Footer Placeholder 4">
+            <a:extLst>
+              <a:ext uri="{FF2B5EF4-FFF2-40B4-BE49-F238E27FC236}">
+                <a16:creationId xmlns:a16="http://schemas.microsoft.com/office/drawing/2014/main" id="{6F012DDD-E088-A248-B0DC-043A5AFA7F11}"/>
+              </a:ext>
+            </a:extLst>
+          </p:cNvPr>
+          <p:cNvSpPr>
+            <a:spLocks noGrp="1"/>
+          </p:cNvSpPr>
+          <p:nvPr>
+            <p:ph type="ftr" sz="quarter" idx="11"/>
+          </p:nvPr>
+        </p:nvSpPr>
+        <p:spPr/>
+        <p:txBody>
+          <a:bodyPr/>
+          <a:lstStyle/>
+          <a:p>
+            <a:r>
+              <a:rPr lang="en-US"/>
+              <a:t>Continuous integration, v4.0</a:t>
+            </a:r>
+            <a:endParaRPr lang="en-US" dirty="0"/>
+          </a:p>
+        </p:txBody>
+      </p:sp>
+      <p:sp>
+        <p:nvSpPr>
+          <p:cNvPr id="6" name="Slide Number Placeholder 5">
+            <a:extLst>
+              <a:ext uri="{FF2B5EF4-FFF2-40B4-BE49-F238E27FC236}">
+                <a16:creationId xmlns:a16="http://schemas.microsoft.com/office/drawing/2014/main" id="{D1A31B90-0CF8-18DE-6D32-3B65F6DE2E1C}"/>
+              </a:ext>
+            </a:extLst>
+          </p:cNvPr>
+          <p:cNvSpPr>
+            <a:spLocks noGrp="1"/>
+          </p:cNvSpPr>
+          <p:nvPr>
+            <p:ph type="sldNum" sz="quarter" idx="12"/>
+          </p:nvPr>
+        </p:nvSpPr>
+        <p:spPr/>
+        <p:txBody>
+          <a:bodyPr/>
+          <a:lstStyle/>
+          <a:p>
+            <a:fld id="{EF79ADEA-B933-47CC-A4E9-04E6298B917C}" type="slidenum">
+              <a:rPr lang="en-US" smtClean="0"/>
+              <a:pPr/>
+              <a:t>20</a:t>
+            </a:fld>
+            <a:endParaRPr lang="en-US"/>
+          </a:p>
+        </p:txBody>
+      </p:sp>
+    </p:spTree>
+    <p:extLst>
+      <p:ext uri="{BB962C8B-B14F-4D97-AF65-F5344CB8AC3E}">
+        <p14:creationId xmlns:p14="http://schemas.microsoft.com/office/powerpoint/2010/main" val="3469218920"/>
+      </p:ext>
+    </p:extLst>
+  </p:cSld>
+  <p:clrMapOvr>
+    <a:masterClrMapping/>
+  </p:clrMapOvr>
+</p:sld>
+</file>
+
+<file path=ppt/slides/slide21.xml><?xml version="1.0" encoding="utf-8"?>
+<p:sld xmlns:a="http://schemas.openxmlformats.org/drawingml/2006/main" xmlns:r="http://schemas.openxmlformats.org/officeDocument/2006/relationships" xmlns:p="http://schemas.openxmlformats.org/presentationml/2006/main" show="0">
+  <p:cSld>
+    <p:spTree>
+      <p:nvGrpSpPr>
+        <p:cNvPr id="1" name=""/>
+        <p:cNvGrpSpPr/>
+        <p:nvPr/>
+      </p:nvGrpSpPr>
+      <p:grpSpPr>
+        <a:xfrm>
+          <a:off x="0" y="0"/>
+          <a:ext cx="0" cy="0"/>
+          <a:chOff x="0" y="0"/>
+          <a:chExt cx="0" cy="0"/>
+        </a:xfrm>
+      </p:grpSpPr>
+      <p:sp>
+        <p:nvSpPr>
+          <p:cNvPr id="2" name="Title 1">
+            <a:extLst>
+              <a:ext uri="{FF2B5EF4-FFF2-40B4-BE49-F238E27FC236}">
                 <a16:creationId xmlns:a16="http://schemas.microsoft.com/office/drawing/2014/main" id="{33165359-9CD5-EF41-9C08-A5F425B6C08E}"/>
               </a:ext>
             </a:extLst>
@@ -7745,7 +8724,7 @@
             <a:fld id="{EF79ADEA-B933-47CC-A4E9-04E6298B917C}" type="slidenum">
               <a:rPr lang="en-US" smtClean="0"/>
               <a:pPr/>
-              <a:t>18</a:t>
+              <a:t>21</a:t>
             </a:fld>
             <a:endParaRPr lang="en-US"/>
           </a:p>
@@ -7817,8 +8796,8 @@
 </p:sld>
 </file>
 
-<file path=ppt/slides/slide19.xml><?xml version="1.0" encoding="utf-8"?>
-<p:sld xmlns:a="http://schemas.openxmlformats.org/drawingml/2006/main" xmlns:r="http://schemas.openxmlformats.org/officeDocument/2006/relationships" xmlns:p="http://schemas.openxmlformats.org/presentationml/2006/main">
+<file path=ppt/slides/slide22.xml><?xml version="1.0" encoding="utf-8"?>
+<p:sld xmlns:a="http://schemas.openxmlformats.org/drawingml/2006/main" xmlns:r="http://schemas.openxmlformats.org/officeDocument/2006/relationships" xmlns:p="http://schemas.openxmlformats.org/presentationml/2006/main" show="0">
   <p:cSld>
     <p:spTree>
       <p:nvGrpSpPr>
@@ -7836,815 +8815,6 @@
       </p:grpSpPr>
       <p:sp>
         <p:nvSpPr>
-          <p:cNvPr id="2" name="Title 1">
-            <a:extLst>
-              <a:ext uri="{FF2B5EF4-FFF2-40B4-BE49-F238E27FC236}">
-                <a16:creationId xmlns:a16="http://schemas.microsoft.com/office/drawing/2014/main" id="{0209F7B9-B500-6A48-B3AA-7D5C6DC44CB2}"/>
-              </a:ext>
-            </a:extLst>
-          </p:cNvPr>
-          <p:cNvSpPr>
-            <a:spLocks noGrp="1"/>
-          </p:cNvSpPr>
-          <p:nvPr>
-            <p:ph type="title"/>
-          </p:nvPr>
-        </p:nvSpPr>
-        <p:spPr/>
-        <p:txBody>
-          <a:bodyPr/>
-          <a:lstStyle/>
-          <a:p>
-            <a:r>
-              <a:rPr lang="en-CH" dirty="0"/>
-              <a:t>Conclusions</a:t>
-            </a:r>
-          </a:p>
-        </p:txBody>
-      </p:sp>
-      <p:sp>
-        <p:nvSpPr>
-          <p:cNvPr id="3" name="Content Placeholder 2">
-            <a:extLst>
-              <a:ext uri="{FF2B5EF4-FFF2-40B4-BE49-F238E27FC236}">
-                <a16:creationId xmlns:a16="http://schemas.microsoft.com/office/drawing/2014/main" id="{B483744F-BEF5-0B46-9B81-355BEB76BA2A}"/>
-              </a:ext>
-            </a:extLst>
-          </p:cNvPr>
-          <p:cNvSpPr>
-            <a:spLocks noGrp="1"/>
-          </p:cNvSpPr>
-          <p:nvPr>
-            <p:ph idx="1"/>
-          </p:nvPr>
-        </p:nvSpPr>
-        <p:spPr/>
-        <p:txBody>
-          <a:bodyPr/>
-          <a:lstStyle/>
-          <a:p>
-            <a:r>
-              <a:rPr lang="en-CH" dirty="0"/>
-              <a:t>It takes a bit of time to set up and debug a Continuous Integration workflow, but it’s a good investment that can save you a lot </a:t>
-            </a:r>
-            <a:r>
-              <a:rPr lang="en-CH"/>
-              <a:t>of time later on!</a:t>
-            </a:r>
-            <a:endParaRPr lang="en-CH" dirty="0"/>
-          </a:p>
-        </p:txBody>
-      </p:sp>
-      <p:sp>
-        <p:nvSpPr>
-          <p:cNvPr id="4" name="Date Placeholder 3">
-            <a:extLst>
-              <a:ext uri="{FF2B5EF4-FFF2-40B4-BE49-F238E27FC236}">
-                <a16:creationId xmlns:a16="http://schemas.microsoft.com/office/drawing/2014/main" id="{C03D37C7-B59B-1048-A802-78F6FA69F6C7}"/>
-              </a:ext>
-            </a:extLst>
-          </p:cNvPr>
-          <p:cNvSpPr>
-            <a:spLocks noGrp="1"/>
-          </p:cNvSpPr>
-          <p:nvPr>
-            <p:ph type="dt" sz="half" idx="10"/>
-          </p:nvPr>
-        </p:nvSpPr>
-        <p:spPr/>
-        <p:txBody>
-          <a:bodyPr/>
-          <a:lstStyle/>
-          <a:p>
-            <a:r>
-              <a:rPr lang="de-CH" sz="1000"/>
-              <a:t>August 2023, CC BY-SA 4.0</a:t>
-            </a:r>
-            <a:endParaRPr lang="en-US" sz="1000" dirty="0"/>
-          </a:p>
-        </p:txBody>
-      </p:sp>
-      <p:sp>
-        <p:nvSpPr>
-          <p:cNvPr id="5" name="Footer Placeholder 4">
-            <a:extLst>
-              <a:ext uri="{FF2B5EF4-FFF2-40B4-BE49-F238E27FC236}">
-                <a16:creationId xmlns:a16="http://schemas.microsoft.com/office/drawing/2014/main" id="{DB93DB5F-4A03-CA44-A54B-D5F34E39E00B}"/>
-              </a:ext>
-            </a:extLst>
-          </p:cNvPr>
-          <p:cNvSpPr>
-            <a:spLocks noGrp="1"/>
-          </p:cNvSpPr>
-          <p:nvPr>
-            <p:ph type="ftr" sz="quarter" idx="11"/>
-          </p:nvPr>
-        </p:nvSpPr>
-        <p:spPr/>
-        <p:txBody>
-          <a:bodyPr/>
-          <a:lstStyle/>
-          <a:p>
-            <a:r>
-              <a:rPr lang="en-US"/>
-              <a:t>Continuous integration, v4.0</a:t>
-            </a:r>
-            <a:endParaRPr lang="en-US" dirty="0"/>
-          </a:p>
-        </p:txBody>
-      </p:sp>
-      <p:pic>
-        <p:nvPicPr>
-          <p:cNvPr id="7" name="Picture 6" descr="A picture containing metalware, gear, white&#10;&#10;Description automatically generated">
-            <a:extLst>
-              <a:ext uri="{FF2B5EF4-FFF2-40B4-BE49-F238E27FC236}">
-                <a16:creationId xmlns:a16="http://schemas.microsoft.com/office/drawing/2014/main" id="{1C8CF780-D6FA-BB4C-A576-417D77749A00}"/>
-              </a:ext>
-            </a:extLst>
-          </p:cNvPr>
-          <p:cNvPicPr>
-            <a:picLocks noChangeAspect="1"/>
-          </p:cNvPicPr>
-          <p:nvPr/>
-        </p:nvPicPr>
-        <p:blipFill>
-          <a:blip r:embed="rId2">
-            <a:extLst>
-              <a:ext uri="{28A0092B-C50C-407E-A947-70E740481C1C}">
-                <a14:useLocalDpi xmlns:a14="http://schemas.microsoft.com/office/drawing/2010/main" val="0"/>
-              </a:ext>
-            </a:extLst>
-          </a:blip>
-          <a:stretch>
-            <a:fillRect/>
-          </a:stretch>
-        </p:blipFill>
-        <p:spPr>
-          <a:xfrm rot="16200000">
-            <a:off x="7481585" y="3157241"/>
-            <a:ext cx="3830908" cy="2567310"/>
-          </a:xfrm>
-          <a:prstGeom prst="rect">
-            <a:avLst/>
-          </a:prstGeom>
-        </p:spPr>
-      </p:pic>
-      <p:sp>
-        <p:nvSpPr>
-          <p:cNvPr id="6" name="Slide Number Placeholder 5">
-            <a:extLst>
-              <a:ext uri="{FF2B5EF4-FFF2-40B4-BE49-F238E27FC236}">
-                <a16:creationId xmlns:a16="http://schemas.microsoft.com/office/drawing/2014/main" id="{5DEDE8BE-6A16-9CF5-AAB2-D916CF912B21}"/>
-              </a:ext>
-            </a:extLst>
-          </p:cNvPr>
-          <p:cNvSpPr>
-            <a:spLocks noGrp="1"/>
-          </p:cNvSpPr>
-          <p:nvPr>
-            <p:ph type="sldNum" sz="quarter" idx="12"/>
-          </p:nvPr>
-        </p:nvSpPr>
-        <p:spPr/>
-        <p:txBody>
-          <a:bodyPr/>
-          <a:lstStyle/>
-          <a:p>
-            <a:fld id="{EF79ADEA-B933-47CC-A4E9-04E6298B917C}" type="slidenum">
-              <a:rPr lang="en-US" smtClean="0"/>
-              <a:pPr/>
-              <a:t>19</a:t>
-            </a:fld>
-            <a:endParaRPr lang="en-US"/>
-          </a:p>
-        </p:txBody>
-      </p:sp>
-    </p:spTree>
-    <p:extLst>
-      <p:ext uri="{BB962C8B-B14F-4D97-AF65-F5344CB8AC3E}">
-        <p14:creationId xmlns:p14="http://schemas.microsoft.com/office/powerpoint/2010/main" val="202595180"/>
-      </p:ext>
-    </p:extLst>
-  </p:cSld>
-  <p:clrMapOvr>
-    <a:masterClrMapping/>
-  </p:clrMapOvr>
-</p:sld>
-</file>
-
-<file path=ppt/slides/slide2.xml><?xml version="1.0" encoding="utf-8"?>
-<p:sld xmlns:a="http://schemas.openxmlformats.org/drawingml/2006/main" xmlns:r="http://schemas.openxmlformats.org/officeDocument/2006/relationships" xmlns:p="http://schemas.openxmlformats.org/presentationml/2006/main">
-  <p:cSld>
-    <p:spTree>
-      <p:nvGrpSpPr>
-        <p:cNvPr id="1" name=""/>
-        <p:cNvGrpSpPr/>
-        <p:nvPr/>
-      </p:nvGrpSpPr>
-      <p:grpSpPr>
-        <a:xfrm>
-          <a:off x="0" y="0"/>
-          <a:ext cx="0" cy="0"/>
-          <a:chOff x="0" y="0"/>
-          <a:chExt cx="0" cy="0"/>
-        </a:xfrm>
-      </p:grpSpPr>
-      <p:sp>
-        <p:nvSpPr>
-          <p:cNvPr id="2" name="Title 1">
-            <a:extLst>
-              <a:ext uri="{FF2B5EF4-FFF2-40B4-BE49-F238E27FC236}">
-                <a16:creationId xmlns:a16="http://schemas.microsoft.com/office/drawing/2014/main" id="{4993AE45-A766-0F4D-9D65-D692ECB4ED00}"/>
-              </a:ext>
-            </a:extLst>
-          </p:cNvPr>
-          <p:cNvSpPr>
-            <a:spLocks noGrp="1"/>
-          </p:cNvSpPr>
-          <p:nvPr>
-            <p:ph type="title"/>
-          </p:nvPr>
-        </p:nvSpPr>
-        <p:spPr/>
-        <p:txBody>
-          <a:bodyPr/>
-          <a:lstStyle/>
-          <a:p>
-            <a:r>
-              <a:rPr lang="de-DE" dirty="0"/>
-              <a:t>Collaborative Development </a:t>
-            </a:r>
-            <a:r>
-              <a:rPr lang="de-DE" dirty="0" err="1"/>
-              <a:t>without</a:t>
-            </a:r>
-            <a:r>
-              <a:rPr lang="de-DE" dirty="0"/>
-              <a:t> CI</a:t>
-            </a:r>
-            <a:endParaRPr lang="en-CH" dirty="0"/>
-          </a:p>
-        </p:txBody>
-      </p:sp>
-      <p:sp>
-        <p:nvSpPr>
-          <p:cNvPr id="4" name="Date Placeholder 3">
-            <a:extLst>
-              <a:ext uri="{FF2B5EF4-FFF2-40B4-BE49-F238E27FC236}">
-                <a16:creationId xmlns:a16="http://schemas.microsoft.com/office/drawing/2014/main" id="{BB7DFD63-E8DE-9344-BDD0-A143F8BD67AC}"/>
-              </a:ext>
-            </a:extLst>
-          </p:cNvPr>
-          <p:cNvSpPr>
-            <a:spLocks noGrp="1"/>
-          </p:cNvSpPr>
-          <p:nvPr>
-            <p:ph type="dt" sz="half" idx="10"/>
-          </p:nvPr>
-        </p:nvSpPr>
-        <p:spPr/>
-        <p:txBody>
-          <a:bodyPr/>
-          <a:lstStyle/>
-          <a:p>
-            <a:r>
-              <a:rPr lang="de-CH"/>
-              <a:t>August 2023, CC BY-SA 4.0</a:t>
-            </a:r>
-            <a:endParaRPr lang="en-US" dirty="0"/>
-          </a:p>
-        </p:txBody>
-      </p:sp>
-      <p:sp>
-        <p:nvSpPr>
-          <p:cNvPr id="5" name="Footer Placeholder 4">
-            <a:extLst>
-              <a:ext uri="{FF2B5EF4-FFF2-40B4-BE49-F238E27FC236}">
-                <a16:creationId xmlns:a16="http://schemas.microsoft.com/office/drawing/2014/main" id="{5138C878-C3D9-AC4C-BDD7-9EFA39DFB1A1}"/>
-              </a:ext>
-            </a:extLst>
-          </p:cNvPr>
-          <p:cNvSpPr>
-            <a:spLocks noGrp="1"/>
-          </p:cNvSpPr>
-          <p:nvPr>
-            <p:ph type="ftr" sz="quarter" idx="11"/>
-          </p:nvPr>
-        </p:nvSpPr>
-        <p:spPr/>
-        <p:txBody>
-          <a:bodyPr/>
-          <a:lstStyle/>
-          <a:p>
-            <a:r>
-              <a:rPr lang="en-US"/>
-              <a:t>Continuous integration, v4.0</a:t>
-            </a:r>
-            <a:endParaRPr lang="en-US" dirty="0"/>
-          </a:p>
-        </p:txBody>
-      </p:sp>
-      <p:sp>
-        <p:nvSpPr>
-          <p:cNvPr id="15" name="Rectangle 14">
-            <a:extLst>
-              <a:ext uri="{FF2B5EF4-FFF2-40B4-BE49-F238E27FC236}">
-                <a16:creationId xmlns:a16="http://schemas.microsoft.com/office/drawing/2014/main" id="{A6D19DE0-5F67-1746-9159-5DDB1C4C03CA}"/>
-              </a:ext>
-            </a:extLst>
-          </p:cNvPr>
-          <p:cNvSpPr/>
-          <p:nvPr/>
-        </p:nvSpPr>
-        <p:spPr>
-          <a:xfrm>
-            <a:off x="983432" y="4398262"/>
-            <a:ext cx="10793960" cy="2000548"/>
-          </a:xfrm>
-          <a:prstGeom prst="rect">
-            <a:avLst/>
-          </a:prstGeom>
-        </p:spPr>
-        <p:txBody>
-          <a:bodyPr wrap="square">
-            <a:spAutoFit/>
-          </a:bodyPr>
-          <a:lstStyle/>
-          <a:p>
-            <a:r>
-              <a:rPr lang="en-CH" sz="2400" dirty="0">
-                <a:latin typeface="+mn-lt"/>
-              </a:rPr>
-              <a:t>Potential issues</a:t>
-            </a:r>
-          </a:p>
-          <a:p>
-            <a:pPr marL="342900" indent="-342900">
-              <a:buFontTx/>
-              <a:buChar char="-"/>
-            </a:pPr>
-            <a:r>
-              <a:rPr lang="en-CH" sz="2000" dirty="0">
-                <a:latin typeface="+mn-lt"/>
-              </a:rPr>
-              <a:t>The tests might pass on one machine and/or the other, but not in a third-party environment (versions, OS, etc.)</a:t>
-            </a:r>
-          </a:p>
-          <a:p>
-            <a:pPr marL="342900" indent="-342900">
-              <a:buFontTx/>
-              <a:buChar char="-"/>
-            </a:pPr>
-            <a:r>
-              <a:rPr lang="en-CH" sz="2000" dirty="0">
-                <a:latin typeface="+mn-lt"/>
-              </a:rPr>
-              <a:t>A maintainer needs to ensure that the software works on all the supported combinations of versions / OSs</a:t>
-            </a:r>
-          </a:p>
-          <a:p>
-            <a:pPr marL="342900" indent="-342900">
-              <a:buFontTx/>
-              <a:buChar char="-"/>
-            </a:pPr>
-            <a:r>
-              <a:rPr lang="en-CH" sz="2000" dirty="0">
-                <a:latin typeface="+mn-lt"/>
-              </a:rPr>
-              <a:t>A maintainer needs to create and upload artifacts like binary packages, documentation, etc </a:t>
-            </a:r>
-          </a:p>
-        </p:txBody>
-      </p:sp>
-      <p:pic>
-        <p:nvPicPr>
-          <p:cNvPr id="7" name="Picture 6" descr="Graphical user interface, diagram&#10;&#10;Description automatically generated">
-            <a:extLst>
-              <a:ext uri="{FF2B5EF4-FFF2-40B4-BE49-F238E27FC236}">
-                <a16:creationId xmlns:a16="http://schemas.microsoft.com/office/drawing/2014/main" id="{D7FC7664-635F-E842-8D8C-22F2EAE1C75C}"/>
-              </a:ext>
-            </a:extLst>
-          </p:cNvPr>
-          <p:cNvPicPr>
-            <a:picLocks noChangeAspect="1"/>
-          </p:cNvPicPr>
-          <p:nvPr/>
-        </p:nvPicPr>
-        <p:blipFill>
-          <a:blip r:embed="rId2">
-            <a:extLst>
-              <a:ext uri="{28A0092B-C50C-407E-A947-70E740481C1C}">
-                <a14:useLocalDpi xmlns:a14="http://schemas.microsoft.com/office/drawing/2010/main" val="0"/>
-              </a:ext>
-            </a:extLst>
-          </a:blip>
-          <a:stretch>
-            <a:fillRect/>
-          </a:stretch>
-        </p:blipFill>
-        <p:spPr>
-          <a:xfrm>
-            <a:off x="2495600" y="1196752"/>
-            <a:ext cx="7200800" cy="3181749"/>
-          </a:xfrm>
-          <a:prstGeom prst="rect">
-            <a:avLst/>
-          </a:prstGeom>
-        </p:spPr>
-      </p:pic>
-      <p:sp>
-        <p:nvSpPr>
-          <p:cNvPr id="3" name="Slide Number Placeholder 2">
-            <a:extLst>
-              <a:ext uri="{FF2B5EF4-FFF2-40B4-BE49-F238E27FC236}">
-                <a16:creationId xmlns:a16="http://schemas.microsoft.com/office/drawing/2014/main" id="{74910C84-24D3-716E-1EB5-1CBCED425CD9}"/>
-              </a:ext>
-            </a:extLst>
-          </p:cNvPr>
-          <p:cNvSpPr>
-            <a:spLocks noGrp="1"/>
-          </p:cNvSpPr>
-          <p:nvPr>
-            <p:ph type="sldNum" sz="quarter" idx="12"/>
-          </p:nvPr>
-        </p:nvSpPr>
-        <p:spPr/>
-        <p:txBody>
-          <a:bodyPr/>
-          <a:lstStyle/>
-          <a:p>
-            <a:fld id="{EF79ADEA-B933-47CC-A4E9-04E6298B917C}" type="slidenum">
-              <a:rPr lang="en-US" smtClean="0"/>
-              <a:pPr/>
-              <a:t>2</a:t>
-            </a:fld>
-            <a:endParaRPr lang="en-US"/>
-          </a:p>
-        </p:txBody>
-      </p:sp>
-    </p:spTree>
-    <p:extLst>
-      <p:ext uri="{BB962C8B-B14F-4D97-AF65-F5344CB8AC3E}">
-        <p14:creationId xmlns:p14="http://schemas.microsoft.com/office/powerpoint/2010/main" val="578119186"/>
-      </p:ext>
-    </p:extLst>
-  </p:cSld>
-  <p:clrMapOvr>
-    <a:masterClrMapping/>
-  </p:clrMapOvr>
-</p:sld>
-</file>
-
-<file path=ppt/slides/slide20.xml><?xml version="1.0" encoding="utf-8"?>
-<p:sld xmlns:a="http://schemas.openxmlformats.org/drawingml/2006/main" xmlns:r="http://schemas.openxmlformats.org/officeDocument/2006/relationships" xmlns:p="http://schemas.openxmlformats.org/presentationml/2006/main">
-  <p:cSld>
-    <p:spTree>
-      <p:nvGrpSpPr>
-        <p:cNvPr id="1" name=""/>
-        <p:cNvGrpSpPr/>
-        <p:nvPr/>
-      </p:nvGrpSpPr>
-      <p:grpSpPr>
-        <a:xfrm>
-          <a:off x="0" y="0"/>
-          <a:ext cx="0" cy="0"/>
-          <a:chOff x="0" y="0"/>
-          <a:chExt cx="0" cy="0"/>
-        </a:xfrm>
-      </p:grpSpPr>
-      <p:sp>
-        <p:nvSpPr>
-          <p:cNvPr id="6" name="Title 5"/>
-          <p:cNvSpPr>
-            <a:spLocks noGrp="1"/>
-          </p:cNvSpPr>
-          <p:nvPr>
-            <p:ph type="title"/>
-          </p:nvPr>
-        </p:nvSpPr>
-        <p:spPr/>
-        <p:txBody>
-          <a:bodyPr>
-            <a:normAutofit/>
-          </a:bodyPr>
-          <a:lstStyle/>
-          <a:p>
-            <a:r>
-              <a:rPr lang="en-US" dirty="0"/>
-              <a:t>Recommended reading</a:t>
-            </a:r>
-          </a:p>
-        </p:txBody>
-      </p:sp>
-      <p:sp>
-        <p:nvSpPr>
-          <p:cNvPr id="2" name="Date Placeholder 1"/>
-          <p:cNvSpPr>
-            <a:spLocks noGrp="1"/>
-          </p:cNvSpPr>
-          <p:nvPr>
-            <p:ph type="dt" sz="half" idx="10"/>
-          </p:nvPr>
-        </p:nvSpPr>
-        <p:spPr/>
-        <p:txBody>
-          <a:bodyPr/>
-          <a:lstStyle/>
-          <a:p>
-            <a:r>
-              <a:rPr lang="de-CH"/>
-              <a:t>August 2023, CC BY-SA 4.0</a:t>
-            </a:r>
-            <a:endParaRPr lang="en-US"/>
-          </a:p>
-        </p:txBody>
-      </p:sp>
-      <p:sp>
-        <p:nvSpPr>
-          <p:cNvPr id="3" name="Footer Placeholder 2"/>
-          <p:cNvSpPr>
-            <a:spLocks noGrp="1"/>
-          </p:cNvSpPr>
-          <p:nvPr>
-            <p:ph type="ftr" sz="quarter" idx="11"/>
-          </p:nvPr>
-        </p:nvSpPr>
-        <p:spPr/>
-        <p:txBody>
-          <a:bodyPr/>
-          <a:lstStyle/>
-          <a:p>
-            <a:r>
-              <a:rPr lang="en-US"/>
-              <a:t>Continuous integration, v4.0</a:t>
-            </a:r>
-          </a:p>
-        </p:txBody>
-      </p:sp>
-      <p:pic>
-        <p:nvPicPr>
-          <p:cNvPr id="9" name="Picture 8"/>
-          <p:cNvPicPr>
-            <a:picLocks noChangeAspect="1"/>
-          </p:cNvPicPr>
-          <p:nvPr/>
-        </p:nvPicPr>
-        <p:blipFill>
-          <a:blip r:embed="rId2"/>
-          <a:stretch>
-            <a:fillRect/>
-          </a:stretch>
-        </p:blipFill>
-        <p:spPr>
-          <a:xfrm>
-            <a:off x="2351585" y="2132856"/>
-            <a:ext cx="2352367" cy="2952328"/>
-          </a:xfrm>
-          <a:prstGeom prst="rect">
-            <a:avLst/>
-          </a:prstGeom>
-        </p:spPr>
-      </p:pic>
-      <p:pic>
-        <p:nvPicPr>
-          <p:cNvPr id="10" name="Picture 9"/>
-          <p:cNvPicPr>
-            <a:picLocks noChangeAspect="1"/>
-          </p:cNvPicPr>
-          <p:nvPr/>
-        </p:nvPicPr>
-        <p:blipFill>
-          <a:blip r:embed="rId3"/>
-          <a:stretch>
-            <a:fillRect/>
-          </a:stretch>
-        </p:blipFill>
-        <p:spPr>
-          <a:xfrm>
-            <a:off x="5015880" y="2132856"/>
-            <a:ext cx="2355484" cy="2952328"/>
-          </a:xfrm>
-          <a:prstGeom prst="rect">
-            <a:avLst/>
-          </a:prstGeom>
-        </p:spPr>
-      </p:pic>
-      <p:pic>
-        <p:nvPicPr>
-          <p:cNvPr id="11" name="Picture 10"/>
-          <p:cNvPicPr>
-            <a:picLocks noChangeAspect="1"/>
-          </p:cNvPicPr>
-          <p:nvPr/>
-        </p:nvPicPr>
-        <p:blipFill>
-          <a:blip r:embed="rId4"/>
-          <a:stretch>
-            <a:fillRect/>
-          </a:stretch>
-        </p:blipFill>
-        <p:spPr>
-          <a:xfrm>
-            <a:off x="7680177" y="2132856"/>
-            <a:ext cx="2273475" cy="2952328"/>
-          </a:xfrm>
-          <a:prstGeom prst="rect">
-            <a:avLst/>
-          </a:prstGeom>
-        </p:spPr>
-      </p:pic>
-      <p:sp>
-        <p:nvSpPr>
-          <p:cNvPr id="4" name="Slide Number Placeholder 3">
-            <a:extLst>
-              <a:ext uri="{FF2B5EF4-FFF2-40B4-BE49-F238E27FC236}">
-                <a16:creationId xmlns:a16="http://schemas.microsoft.com/office/drawing/2014/main" id="{FEFFB0F3-FEA9-0348-6B4A-F74170B41898}"/>
-              </a:ext>
-            </a:extLst>
-          </p:cNvPr>
-          <p:cNvSpPr>
-            <a:spLocks noGrp="1"/>
-          </p:cNvSpPr>
-          <p:nvPr>
-            <p:ph type="sldNum" sz="quarter" idx="12"/>
-          </p:nvPr>
-        </p:nvSpPr>
-        <p:spPr/>
-        <p:txBody>
-          <a:bodyPr/>
-          <a:lstStyle/>
-          <a:p>
-            <a:fld id="{EF79ADEA-B933-47CC-A4E9-04E6298B917C}" type="slidenum">
-              <a:rPr lang="en-US" smtClean="0"/>
-              <a:pPr/>
-              <a:t>20</a:t>
-            </a:fld>
-            <a:endParaRPr lang="en-US"/>
-          </a:p>
-        </p:txBody>
-      </p:sp>
-    </p:spTree>
-    <p:extLst>
-      <p:ext uri="{BB962C8B-B14F-4D97-AF65-F5344CB8AC3E}">
-        <p14:creationId xmlns:p14="http://schemas.microsoft.com/office/powerpoint/2010/main" val="554997526"/>
-      </p:ext>
-    </p:extLst>
-  </p:cSld>
-  <p:clrMapOvr>
-    <a:masterClrMapping/>
-  </p:clrMapOvr>
-</p:sld>
-</file>
-
-<file path=ppt/slides/slide21.xml><?xml version="1.0" encoding="utf-8"?>
-<p:sld xmlns:a="http://schemas.openxmlformats.org/drawingml/2006/main" xmlns:r="http://schemas.openxmlformats.org/officeDocument/2006/relationships" xmlns:p="http://schemas.openxmlformats.org/presentationml/2006/main">
-  <p:cSld>
-    <p:spTree>
-      <p:nvGrpSpPr>
-        <p:cNvPr id="1" name=""/>
-        <p:cNvGrpSpPr/>
-        <p:nvPr/>
-      </p:nvGrpSpPr>
-      <p:grpSpPr>
-        <a:xfrm>
-          <a:off x="0" y="0"/>
-          <a:ext cx="0" cy="0"/>
-          <a:chOff x="0" y="0"/>
-          <a:chExt cx="0" cy="0"/>
-        </a:xfrm>
-      </p:grpSpPr>
-      <p:sp>
-        <p:nvSpPr>
-          <p:cNvPr id="3" name="Date Placeholder 2"/>
-          <p:cNvSpPr>
-            <a:spLocks noGrp="1"/>
-          </p:cNvSpPr>
-          <p:nvPr>
-            <p:ph type="dt" sz="half" idx="10"/>
-          </p:nvPr>
-        </p:nvSpPr>
-        <p:spPr/>
-        <p:txBody>
-          <a:bodyPr/>
-          <a:lstStyle/>
-          <a:p>
-            <a:r>
-              <a:rPr lang="de-CH"/>
-              <a:t>August 2023, CC BY-SA 4.0</a:t>
-            </a:r>
-            <a:endParaRPr lang="en-US"/>
-          </a:p>
-        </p:txBody>
-      </p:sp>
-      <p:sp>
-        <p:nvSpPr>
-          <p:cNvPr id="4" name="Footer Placeholder 3"/>
-          <p:cNvSpPr>
-            <a:spLocks noGrp="1"/>
-          </p:cNvSpPr>
-          <p:nvPr>
-            <p:ph type="ftr" sz="quarter" idx="11"/>
-          </p:nvPr>
-        </p:nvSpPr>
-        <p:spPr/>
-        <p:txBody>
-          <a:bodyPr/>
-          <a:lstStyle/>
-          <a:p>
-            <a:r>
-              <a:rPr lang="en-US"/>
-              <a:t>Continuous integration, v4.0</a:t>
-            </a:r>
-          </a:p>
-        </p:txBody>
-      </p:sp>
-      <p:sp>
-        <p:nvSpPr>
-          <p:cNvPr id="2" name="Title 1"/>
-          <p:cNvSpPr>
-            <a:spLocks noGrp="1"/>
-          </p:cNvSpPr>
-          <p:nvPr>
-            <p:ph type="title" idx="4294967295"/>
-          </p:nvPr>
-        </p:nvSpPr>
-        <p:spPr>
-          <a:xfrm>
-            <a:off x="1981200" y="2708920"/>
-            <a:ext cx="8229600" cy="990600"/>
-          </a:xfrm>
-        </p:spPr>
-        <p:txBody>
-          <a:bodyPr anchor="ctr">
-            <a:normAutofit/>
-          </a:bodyPr>
-          <a:lstStyle/>
-          <a:p>
-            <a:pPr algn="ctr"/>
-            <a:r>
-              <a:rPr lang="en-GB" sz="6000" dirty="0"/>
-              <a:t>Thank you!</a:t>
-            </a:r>
-          </a:p>
-        </p:txBody>
-      </p:sp>
-      <p:sp>
-        <p:nvSpPr>
-          <p:cNvPr id="5" name="Slide Number Placeholder 4">
-            <a:extLst>
-              <a:ext uri="{FF2B5EF4-FFF2-40B4-BE49-F238E27FC236}">
-                <a16:creationId xmlns:a16="http://schemas.microsoft.com/office/drawing/2014/main" id="{42177564-7B7F-A6B5-E504-FD7CCEBE8303}"/>
-              </a:ext>
-            </a:extLst>
-          </p:cNvPr>
-          <p:cNvSpPr>
-            <a:spLocks noGrp="1"/>
-          </p:cNvSpPr>
-          <p:nvPr>
-            <p:ph type="sldNum" sz="quarter" idx="12"/>
-          </p:nvPr>
-        </p:nvSpPr>
-        <p:spPr/>
-        <p:txBody>
-          <a:bodyPr/>
-          <a:lstStyle/>
-          <a:p>
-            <a:fld id="{EF79ADEA-B933-47CC-A4E9-04E6298B917C}" type="slidenum">
-              <a:rPr lang="en-US" smtClean="0"/>
-              <a:pPr/>
-              <a:t>21</a:t>
-            </a:fld>
-            <a:endParaRPr lang="en-US"/>
-          </a:p>
-        </p:txBody>
-      </p:sp>
-    </p:spTree>
-  </p:cSld>
-  <p:clrMapOvr>
-    <a:masterClrMapping/>
-  </p:clrMapOvr>
-</p:sld>
-</file>
-
-<file path=ppt/slides/slide22.xml><?xml version="1.0" encoding="utf-8"?>
-<p:sld xmlns:a="http://schemas.openxmlformats.org/drawingml/2006/main" xmlns:r="http://schemas.openxmlformats.org/officeDocument/2006/relationships" xmlns:p="http://schemas.openxmlformats.org/presentationml/2006/main">
-  <p:cSld>
-    <p:spTree>
-      <p:nvGrpSpPr>
-        <p:cNvPr id="1" name=""/>
-        <p:cNvGrpSpPr/>
-        <p:nvPr/>
-      </p:nvGrpSpPr>
-      <p:grpSpPr>
-        <a:xfrm>
-          <a:off x="0" y="0"/>
-          <a:ext cx="0" cy="0"/>
-          <a:chOff x="0" y="0"/>
-          <a:chExt cx="0" cy="0"/>
-        </a:xfrm>
-      </p:grpSpPr>
-      <p:sp>
-        <p:nvSpPr>
           <p:cNvPr id="2" name="Date Placeholder 1"/>
           <p:cNvSpPr>
             <a:spLocks noGrp="1"/>
@@ -8727,7 +8897,7 @@
 </file>
 
 <file path=ppt/slides/slide23.xml><?xml version="1.0" encoding="utf-8"?>
-<p:sld xmlns:a="http://schemas.openxmlformats.org/drawingml/2006/main" xmlns:r="http://schemas.openxmlformats.org/officeDocument/2006/relationships" xmlns:p="http://schemas.openxmlformats.org/presentationml/2006/main">
+<p:sld xmlns:a="http://schemas.openxmlformats.org/drawingml/2006/main" xmlns:r="http://schemas.openxmlformats.org/officeDocument/2006/relationships" xmlns:p="http://schemas.openxmlformats.org/presentationml/2006/main" show="0">
   <p:cSld>
     <p:spTree>
       <p:nvGrpSpPr>
@@ -9286,7 +9456,7 @@
 </file>
 
 <file path=ppt/slides/slide24.xml><?xml version="1.0" encoding="utf-8"?>
-<p:sld xmlns:a="http://schemas.openxmlformats.org/drawingml/2006/main" xmlns:r="http://schemas.openxmlformats.org/officeDocument/2006/relationships" xmlns:p="http://schemas.openxmlformats.org/presentationml/2006/main">
+<p:sld xmlns:a="http://schemas.openxmlformats.org/drawingml/2006/main" xmlns:r="http://schemas.openxmlformats.org/officeDocument/2006/relationships" xmlns:p="http://schemas.openxmlformats.org/presentationml/2006/main" show="0">
   <p:cSld>
     <p:spTree>
       <p:nvGrpSpPr>
@@ -9555,7 +9725,7 @@
 </file>
 
 <file path=ppt/slides/slide25.xml><?xml version="1.0" encoding="utf-8"?>
-<p:sld xmlns:a="http://schemas.openxmlformats.org/drawingml/2006/main" xmlns:r="http://schemas.openxmlformats.org/officeDocument/2006/relationships" xmlns:p="http://schemas.openxmlformats.org/presentationml/2006/main">
+<p:sld xmlns:a="http://schemas.openxmlformats.org/drawingml/2006/main" xmlns:r="http://schemas.openxmlformats.org/officeDocument/2006/relationships" xmlns:p="http://schemas.openxmlformats.org/presentationml/2006/main" show="0">
   <p:cSld>
     <p:spTree>
       <p:nvGrpSpPr>
@@ -11304,7 +11474,7 @@
           <p:cNvPr id="2" name="Title 1">
             <a:extLst>
               <a:ext uri="{FF2B5EF4-FFF2-40B4-BE49-F238E27FC236}">
-                <a16:creationId xmlns:a16="http://schemas.microsoft.com/office/drawing/2014/main" id="{BD476358-0FD2-764F-AEC5-3A574E8F39D1}"/>
+                <a16:creationId xmlns:a16="http://schemas.microsoft.com/office/drawing/2014/main" id="{0209F7B9-B500-6A48-B3AA-7D5C6DC44CB2}"/>
               </a:ext>
             </a:extLst>
           </p:cNvPr>
@@ -11322,7 +11492,7 @@
           <a:p>
             <a:r>
               <a:rPr lang="en-CH" dirty="0"/>
-              <a:t>GitHub Actions basic ideas</a:t>
+              <a:t>Conclusions</a:t>
             </a:r>
           </a:p>
         </p:txBody>
@@ -11332,7 +11502,7 @@
           <p:cNvPr id="3" name="Content Placeholder 2">
             <a:extLst>
               <a:ext uri="{FF2B5EF4-FFF2-40B4-BE49-F238E27FC236}">
-                <a16:creationId xmlns:a16="http://schemas.microsoft.com/office/drawing/2014/main" id="{6D76AC3E-727D-9345-BF91-E141F622FCB8}"/>
+                <a16:creationId xmlns:a16="http://schemas.microsoft.com/office/drawing/2014/main" id="{B483744F-BEF5-0B46-9B81-355BEB76BA2A}"/>
               </a:ext>
             </a:extLst>
           </p:cNvPr>
@@ -11343,83 +11513,20 @@
             <p:ph idx="1"/>
           </p:nvPr>
         </p:nvSpPr>
-        <p:spPr>
-          <a:xfrm>
-            <a:off x="838200" y="1196752"/>
-            <a:ext cx="10515600" cy="4980211"/>
-          </a:xfrm>
-        </p:spPr>
-        <p:txBody>
-          <a:bodyPr>
-            <a:normAutofit lnSpcReduction="10000"/>
-          </a:bodyPr>
-          <a:lstStyle/>
-          <a:p>
-            <a:pPr marL="0" indent="0">
-              <a:buNone/>
-            </a:pPr>
+        <p:spPr/>
+        <p:txBody>
+          <a:bodyPr/>
+          <a:lstStyle/>
+          <a:p>
             <a:r>
               <a:rPr lang="en-CH" dirty="0"/>
-              <a:t>An event occurs, it has an associated commit SHA</a:t>
-            </a:r>
-            <a:br>
-              <a:rPr lang="en-CH" dirty="0"/>
-            </a:br>
-            <a:r>
-              <a:rPr lang="en-CH" dirty="0"/>
-              <a:t>(e.g., a PR is opened or a commit tag is pushed)</a:t>
-            </a:r>
-          </a:p>
-          <a:p>
-            <a:pPr marL="0" indent="0">
-              <a:buNone/>
-            </a:pPr>
-            <a:br>
-              <a:rPr lang="en-CH" dirty="0"/>
-            </a:br>
-            <a:br>
-              <a:rPr lang="en-CH" dirty="0"/>
-            </a:br>
-            <a:endParaRPr lang="de-DE" dirty="0"/>
-          </a:p>
-          <a:p>
-            <a:pPr marL="0" indent="0">
-              <a:buNone/>
-            </a:pPr>
-            <a:r>
-              <a:rPr lang="en-CH" dirty="0"/>
-              <a:t>GitHub searches for config files in </a:t>
-            </a:r>
-            <a:r>
-              <a:rPr lang="en-CH" sz="2000" dirty="0">
-                <a:latin typeface="Consolas" panose="020B0609020204030204" pitchFamily="49" charset="0"/>
-                <a:cs typeface="Consolas" panose="020B0609020204030204" pitchFamily="49" charset="0"/>
-              </a:rPr>
-              <a:t>.github/workflows </a:t>
-            </a:r>
-            <a:r>
-              <a:rPr lang="en-CH" dirty="0"/>
-              <a:t>at that SHA, and looks if there is a trigger that matches the event</a:t>
-            </a:r>
-            <a:br>
-              <a:rPr lang="en-CH" dirty="0"/>
-            </a:br>
-            <a:br>
-              <a:rPr lang="en-CH" dirty="0"/>
-            </a:br>
-            <a:br>
-              <a:rPr lang="en-CH" dirty="0"/>
-            </a:br>
-            <a:endParaRPr lang="de-DE" dirty="0"/>
-          </a:p>
-          <a:p>
-            <a:pPr marL="0" indent="0">
-              <a:buNone/>
-            </a:pPr>
-            <a:r>
-              <a:rPr lang="en-CH" dirty="0"/>
-              <a:t>It then creates a virtual machine as specified in the config file and runs the commands listed there</a:t>
-            </a:r>
+              <a:t>It takes a bit of time to set up and debug a Continuous Integration workflow, but it’s a good investment that can save you a lot </a:t>
+            </a:r>
+            <a:r>
+              <a:rPr lang="en-CH"/>
+              <a:t>of time later on!</a:t>
+            </a:r>
+            <a:endParaRPr lang="en-CH" dirty="0"/>
           </a:p>
         </p:txBody>
       </p:sp>
@@ -11428,7 +11535,7 @@
           <p:cNvPr id="4" name="Date Placeholder 3">
             <a:extLst>
               <a:ext uri="{FF2B5EF4-FFF2-40B4-BE49-F238E27FC236}">
-                <a16:creationId xmlns:a16="http://schemas.microsoft.com/office/drawing/2014/main" id="{01B74FBB-6928-0E40-87F8-3689137B6A44}"/>
+                <a16:creationId xmlns:a16="http://schemas.microsoft.com/office/drawing/2014/main" id="{C03D37C7-B59B-1048-A802-78F6FA69F6C7}"/>
               </a:ext>
             </a:extLst>
           </p:cNvPr>
@@ -11457,7 +11564,7 @@
           <p:cNvPr id="5" name="Footer Placeholder 4">
             <a:extLst>
               <a:ext uri="{FF2B5EF4-FFF2-40B4-BE49-F238E27FC236}">
-                <a16:creationId xmlns:a16="http://schemas.microsoft.com/office/drawing/2014/main" id="{4FB5E559-28D2-B742-A608-B353E85B9786}"/>
+                <a16:creationId xmlns:a16="http://schemas.microsoft.com/office/drawing/2014/main" id="{DB93DB5F-4A03-CA44-A54B-D5F34E39E00B}"/>
               </a:ext>
             </a:extLst>
           </p:cNvPr>
@@ -11481,104 +11588,48 @@
           </a:p>
         </p:txBody>
       </p:sp>
-      <p:sp>
-        <p:nvSpPr>
-          <p:cNvPr id="6" name="Down Arrow 5">
-            <a:extLst>
-              <a:ext uri="{FF2B5EF4-FFF2-40B4-BE49-F238E27FC236}">
-                <a16:creationId xmlns:a16="http://schemas.microsoft.com/office/drawing/2014/main" id="{50A72591-34F8-1346-A0C1-FA32BF9E01FA}"/>
-              </a:ext>
-            </a:extLst>
-          </p:cNvPr>
-          <p:cNvSpPr/>
+      <p:pic>
+        <p:nvPicPr>
+          <p:cNvPr id="7" name="Picture 6" descr="A picture containing metalware, gear, white&#10;&#10;Description automatically generated">
+            <a:extLst>
+              <a:ext uri="{FF2B5EF4-FFF2-40B4-BE49-F238E27FC236}">
+                <a16:creationId xmlns:a16="http://schemas.microsoft.com/office/drawing/2014/main" id="{1C8CF780-D6FA-BB4C-A576-417D77749A00}"/>
+              </a:ext>
+            </a:extLst>
+          </p:cNvPr>
+          <p:cNvPicPr>
+            <a:picLocks noChangeAspect="1"/>
+          </p:cNvPicPr>
           <p:nvPr/>
-        </p:nvSpPr>
+        </p:nvPicPr>
+        <p:blipFill>
+          <a:blip r:embed="rId2">
+            <a:extLst>
+              <a:ext uri="{28A0092B-C50C-407E-A947-70E740481C1C}">
+                <a14:useLocalDpi xmlns:a14="http://schemas.microsoft.com/office/drawing/2010/main" val="0"/>
+              </a:ext>
+            </a:extLst>
+          </a:blip>
+          <a:stretch>
+            <a:fillRect/>
+          </a:stretch>
+        </p:blipFill>
         <p:spPr>
-          <a:xfrm>
-            <a:off x="5663952" y="2366883"/>
-            <a:ext cx="720080" cy="504056"/>
+          <a:xfrm rot="16200000">
+            <a:off x="7481585" y="3157241"/>
+            <a:ext cx="3830908" cy="2567310"/>
           </a:xfrm>
-          <a:prstGeom prst="downArrow">
+          <a:prstGeom prst="rect">
             <a:avLst/>
           </a:prstGeom>
         </p:spPr>
-        <p:style>
-          <a:lnRef idx="2">
-            <a:schemeClr val="dk1">
-              <a:shade val="50000"/>
-            </a:schemeClr>
-          </a:lnRef>
-          <a:fillRef idx="1">
-            <a:schemeClr val="dk1"/>
-          </a:fillRef>
-          <a:effectRef idx="0">
-            <a:schemeClr val="dk1"/>
-          </a:effectRef>
-          <a:fontRef idx="minor">
-            <a:schemeClr val="lt1"/>
-          </a:fontRef>
-        </p:style>
-        <p:txBody>
-          <a:bodyPr rtlCol="0" anchor="ctr"/>
-          <a:lstStyle/>
-          <a:p>
-            <a:pPr algn="ctr"/>
-            <a:endParaRPr lang="en-DE"/>
-          </a:p>
-        </p:txBody>
-      </p:sp>
-      <p:sp>
-        <p:nvSpPr>
-          <p:cNvPr id="7" name="Down Arrow 6">
-            <a:extLst>
-              <a:ext uri="{FF2B5EF4-FFF2-40B4-BE49-F238E27FC236}">
-                <a16:creationId xmlns:a16="http://schemas.microsoft.com/office/drawing/2014/main" id="{CDB19F76-86CF-6A42-A378-4363121B737B}"/>
-              </a:ext>
-            </a:extLst>
-          </p:cNvPr>
-          <p:cNvSpPr/>
-          <p:nvPr/>
-        </p:nvSpPr>
-        <p:spPr>
-          <a:xfrm>
-            <a:off x="5663952" y="4125543"/>
-            <a:ext cx="720080" cy="504056"/>
-          </a:xfrm>
-          <a:prstGeom prst="downArrow">
-            <a:avLst/>
-          </a:prstGeom>
-        </p:spPr>
-        <p:style>
-          <a:lnRef idx="2">
-            <a:schemeClr val="dk1">
-              <a:shade val="50000"/>
-            </a:schemeClr>
-          </a:lnRef>
-          <a:fillRef idx="1">
-            <a:schemeClr val="dk1"/>
-          </a:fillRef>
-          <a:effectRef idx="0">
-            <a:schemeClr val="dk1"/>
-          </a:effectRef>
-          <a:fontRef idx="minor">
-            <a:schemeClr val="lt1"/>
-          </a:fontRef>
-        </p:style>
-        <p:txBody>
-          <a:bodyPr rtlCol="0" anchor="ctr"/>
-          <a:lstStyle/>
-          <a:p>
-            <a:pPr algn="ctr"/>
-            <a:endParaRPr lang="en-DE"/>
-          </a:p>
-        </p:txBody>
-      </p:sp>
-      <p:sp>
-        <p:nvSpPr>
-          <p:cNvPr id="8" name="Slide Number Placeholder 7">
-            <a:extLst>
-              <a:ext uri="{FF2B5EF4-FFF2-40B4-BE49-F238E27FC236}">
-                <a16:creationId xmlns:a16="http://schemas.microsoft.com/office/drawing/2014/main" id="{B63FAC1A-9BFC-440F-8AC4-C3F27E96EB3D}"/>
+      </p:pic>
+      <p:sp>
+        <p:nvSpPr>
+          <p:cNvPr id="6" name="Slide Number Placeholder 5">
+            <a:extLst>
+              <a:ext uri="{FF2B5EF4-FFF2-40B4-BE49-F238E27FC236}">
+                <a16:creationId xmlns:a16="http://schemas.microsoft.com/office/drawing/2014/main" id="{5DEDE8BE-6A16-9CF5-AAB2-D916CF912B21}"/>
               </a:ext>
             </a:extLst>
           </p:cNvPr>
@@ -11606,7 +11657,7 @@
     </p:spTree>
     <p:extLst>
       <p:ext uri="{BB962C8B-B14F-4D97-AF65-F5344CB8AC3E}">
-        <p14:creationId xmlns:p14="http://schemas.microsoft.com/office/powerpoint/2010/main" val="3315879559"/>
+        <p14:creationId xmlns:p14="http://schemas.microsoft.com/office/powerpoint/2010/main" val="202595180"/>
       </p:ext>
     </p:extLst>
   </p:cSld>
@@ -11635,13 +11686,7 @@
       </p:grpSpPr>
       <p:sp>
         <p:nvSpPr>
-          <p:cNvPr id="2" name="Title 1">
-            <a:extLst>
-              <a:ext uri="{FF2B5EF4-FFF2-40B4-BE49-F238E27FC236}">
-                <a16:creationId xmlns:a16="http://schemas.microsoft.com/office/drawing/2014/main" id="{BD476358-0FD2-764F-AEC5-3A574E8F39D1}"/>
-              </a:ext>
-            </a:extLst>
-          </p:cNvPr>
+          <p:cNvPr id="6" name="Title 5"/>
           <p:cNvSpPr>
             <a:spLocks noGrp="1"/>
           </p:cNvSpPr>
@@ -11651,62 +11696,21 @@
         </p:nvSpPr>
         <p:spPr/>
         <p:txBody>
-          <a:bodyPr/>
-          <a:lstStyle/>
-          <a:p>
-            <a:r>
-              <a:rPr lang="en-CH" dirty="0"/>
-              <a:t>GitHub Actions basic ideas</a:t>
-            </a:r>
-          </a:p>
-        </p:txBody>
-      </p:sp>
-      <p:sp>
-        <p:nvSpPr>
-          <p:cNvPr id="3" name="Content Placeholder 2">
-            <a:extLst>
-              <a:ext uri="{FF2B5EF4-FFF2-40B4-BE49-F238E27FC236}">
-                <a16:creationId xmlns:a16="http://schemas.microsoft.com/office/drawing/2014/main" id="{6D76AC3E-727D-9345-BF91-E141F622FCB8}"/>
-              </a:ext>
-            </a:extLst>
-          </p:cNvPr>
-          <p:cNvSpPr>
-            <a:spLocks noGrp="1"/>
-          </p:cNvSpPr>
-          <p:nvPr>
-            <p:ph idx="1"/>
-          </p:nvPr>
-        </p:nvSpPr>
-        <p:spPr/>
-        <p:txBody>
-          <a:bodyPr/>
-          <a:lstStyle/>
-          <a:p>
-            <a:r>
-              <a:rPr lang="en-CH"/>
-              <a:t>The </a:t>
-            </a:r>
-            <a:r>
-              <a:rPr lang="en-CH" dirty="0"/>
-              <a:t>outcome is logged and if the job exits cleanly it is marked as ”passed” otherwise “</a:t>
-            </a:r>
-            <a:r>
-              <a:rPr lang="en-CH"/>
-              <a:t>failed”</a:t>
-            </a:r>
-            <a:endParaRPr lang="de-DE" dirty="0"/>
-          </a:p>
-        </p:txBody>
-      </p:sp>
-      <p:sp>
-        <p:nvSpPr>
-          <p:cNvPr id="4" name="Date Placeholder 3">
-            <a:extLst>
-              <a:ext uri="{FF2B5EF4-FFF2-40B4-BE49-F238E27FC236}">
-                <a16:creationId xmlns:a16="http://schemas.microsoft.com/office/drawing/2014/main" id="{01B74FBB-6928-0E40-87F8-3689137B6A44}"/>
-              </a:ext>
-            </a:extLst>
-          </p:cNvPr>
+          <a:bodyPr>
+            <a:normAutofit/>
+          </a:bodyPr>
+          <a:lstStyle/>
+          <a:p>
+            <a:r>
+              <a:rPr lang="en-US" dirty="0"/>
+              <a:t>Recommended reading</a:t>
+            </a:r>
+          </a:p>
+        </p:txBody>
+      </p:sp>
+      <p:sp>
+        <p:nvSpPr>
+          <p:cNvPr id="2" name="Date Placeholder 1"/>
           <p:cNvSpPr>
             <a:spLocks noGrp="1"/>
           </p:cNvSpPr>
@@ -11720,22 +11724,16 @@
           <a:lstStyle/>
           <a:p>
             <a:r>
-              <a:rPr lang="de-CH" sz="1000"/>
+              <a:rPr lang="de-CH"/>
               <a:t>August 2023, CC BY-SA 4.0</a:t>
             </a:r>
-            <a:endParaRPr lang="en-US" sz="1000" dirty="0"/>
-          </a:p>
-        </p:txBody>
-      </p:sp>
-      <p:sp>
-        <p:nvSpPr>
-          <p:cNvPr id="5" name="Footer Placeholder 4">
-            <a:extLst>
-              <a:ext uri="{FF2B5EF4-FFF2-40B4-BE49-F238E27FC236}">
-                <a16:creationId xmlns:a16="http://schemas.microsoft.com/office/drawing/2014/main" id="{4FB5E559-28D2-B742-A608-B353E85B9786}"/>
-              </a:ext>
-            </a:extLst>
-          </p:cNvPr>
+            <a:endParaRPr lang="en-US"/>
+          </a:p>
+        </p:txBody>
+      </p:sp>
+      <p:sp>
+        <p:nvSpPr>
+          <p:cNvPr id="3" name="Footer Placeholder 2"/>
           <p:cNvSpPr>
             <a:spLocks noGrp="1"/>
           </p:cNvSpPr>
@@ -11752,40 +11750,27 @@
               <a:rPr lang="en-US"/>
               <a:t>Continuous integration, v4.0</a:t>
             </a:r>
-            <a:endParaRPr lang="en-US" dirty="0"/>
           </a:p>
         </p:txBody>
       </p:sp>
       <p:pic>
         <p:nvPicPr>
-          <p:cNvPr id="8" name="Picture 7" descr="A screenshot of a computer&#10;&#10;Description automatically generated with medium confidence">
-            <a:extLst>
-              <a:ext uri="{FF2B5EF4-FFF2-40B4-BE49-F238E27FC236}">
-                <a16:creationId xmlns:a16="http://schemas.microsoft.com/office/drawing/2014/main" id="{2161033D-8E2B-394A-B1ED-5F835F679C2E}"/>
-              </a:ext>
-            </a:extLst>
-          </p:cNvPr>
+          <p:cNvPr id="9" name="Picture 8"/>
           <p:cNvPicPr>
             <a:picLocks noChangeAspect="1"/>
           </p:cNvPicPr>
           <p:nvPr/>
         </p:nvPicPr>
         <p:blipFill>
-          <a:blip r:embed="rId2">
-            <a:extLst>
-              <a:ext uri="{28A0092B-C50C-407E-A947-70E740481C1C}">
-                <a14:useLocalDpi xmlns:a14="http://schemas.microsoft.com/office/drawing/2010/main" val="0"/>
-              </a:ext>
-            </a:extLst>
-          </a:blip>
+          <a:blip r:embed="rId2"/>
           <a:stretch>
             <a:fillRect/>
           </a:stretch>
         </p:blipFill>
         <p:spPr>
           <a:xfrm>
-            <a:off x="1991544" y="2562763"/>
-            <a:ext cx="5328592" cy="2316779"/>
+            <a:off x="2351585" y="2132856"/>
+            <a:ext cx="2352367" cy="2952328"/>
           </a:xfrm>
           <a:prstGeom prst="rect">
             <a:avLst/>
@@ -11794,46 +11779,58 @@
       </p:pic>
       <p:pic>
         <p:nvPicPr>
-          <p:cNvPr id="9" name="Picture 8" descr="Graphical user interface, text, application&#10;&#10;Description automatically generated">
-            <a:extLst>
-              <a:ext uri="{FF2B5EF4-FFF2-40B4-BE49-F238E27FC236}">
-                <a16:creationId xmlns:a16="http://schemas.microsoft.com/office/drawing/2014/main" id="{EC30FD2E-55B1-4D4E-8DCD-80DC18F36C5A}"/>
-              </a:ext>
-            </a:extLst>
-          </p:cNvPr>
+          <p:cNvPr id="10" name="Picture 9"/>
           <p:cNvPicPr>
             <a:picLocks noChangeAspect="1"/>
           </p:cNvPicPr>
           <p:nvPr/>
         </p:nvPicPr>
         <p:blipFill>
-          <a:blip r:embed="rId3">
-            <a:extLst>
-              <a:ext uri="{28A0092B-C50C-407E-A947-70E740481C1C}">
-                <a14:useLocalDpi xmlns:a14="http://schemas.microsoft.com/office/drawing/2010/main" val="0"/>
-              </a:ext>
-            </a:extLst>
-          </a:blip>
+          <a:blip r:embed="rId3"/>
           <a:stretch>
             <a:fillRect/>
           </a:stretch>
         </p:blipFill>
         <p:spPr>
           <a:xfrm>
-            <a:off x="4778220" y="3920550"/>
-            <a:ext cx="5442924" cy="2316762"/>
+            <a:off x="5015880" y="2132856"/>
+            <a:ext cx="2355484" cy="2952328"/>
           </a:xfrm>
           <a:prstGeom prst="rect">
             <a:avLst/>
           </a:prstGeom>
         </p:spPr>
       </p:pic>
-      <p:sp>
-        <p:nvSpPr>
-          <p:cNvPr id="6" name="Slide Number Placeholder 5">
-            <a:extLst>
-              <a:ext uri="{FF2B5EF4-FFF2-40B4-BE49-F238E27FC236}">
-                <a16:creationId xmlns:a16="http://schemas.microsoft.com/office/drawing/2014/main" id="{7B07FFD5-AD05-C0D7-BC0E-E8BF58378D85}"/>
+      <p:pic>
+        <p:nvPicPr>
+          <p:cNvPr id="11" name="Picture 10"/>
+          <p:cNvPicPr>
+            <a:picLocks noChangeAspect="1"/>
+          </p:cNvPicPr>
+          <p:nvPr/>
+        </p:nvPicPr>
+        <p:blipFill>
+          <a:blip r:embed="rId4"/>
+          <a:stretch>
+            <a:fillRect/>
+          </a:stretch>
+        </p:blipFill>
+        <p:spPr>
+          <a:xfrm>
+            <a:off x="7680177" y="2132856"/>
+            <a:ext cx="2273475" cy="2952328"/>
+          </a:xfrm>
+          <a:prstGeom prst="rect">
+            <a:avLst/>
+          </a:prstGeom>
+        </p:spPr>
+      </p:pic>
+      <p:sp>
+        <p:nvSpPr>
+          <p:cNvPr id="4" name="Slide Number Placeholder 3">
+            <a:extLst>
+              <a:ext uri="{FF2B5EF4-FFF2-40B4-BE49-F238E27FC236}">
+                <a16:creationId xmlns:a16="http://schemas.microsoft.com/office/drawing/2014/main" id="{FEFFB0F3-FEA9-0348-6B4A-F74170B41898}"/>
               </a:ext>
             </a:extLst>
           </p:cNvPr>
@@ -11861,7 +11858,7 @@
     </p:spTree>
     <p:extLst>
       <p:ext uri="{BB962C8B-B14F-4D97-AF65-F5344CB8AC3E}">
-        <p14:creationId xmlns:p14="http://schemas.microsoft.com/office/powerpoint/2010/main" val="4034475540"/>
+        <p14:creationId xmlns:p14="http://schemas.microsoft.com/office/powerpoint/2010/main" val="554997526"/>
       </p:ext>
     </p:extLst>
   </p:cSld>

--- a/continuous_integration.pptx
+++ b/continuous_integration.pptx
@@ -5,10 +5,10 @@
     <p:sldMasterId id="2147483672" r:id="rId1"/>
   </p:sldMasterIdLst>
   <p:notesMasterIdLst>
-    <p:notesMasterId r:id="rId27"/>
+    <p:notesMasterId r:id="rId28"/>
   </p:notesMasterIdLst>
   <p:handoutMasterIdLst>
-    <p:handoutMasterId r:id="rId28"/>
+    <p:handoutMasterId r:id="rId29"/>
   </p:handoutMasterIdLst>
   <p:sldIdLst>
     <p:sldId id="273" r:id="rId2"/>
@@ -18,24 +18,25 @@
     <p:sldId id="477" r:id="rId6"/>
     <p:sldId id="306" r:id="rId7"/>
     <p:sldId id="318" r:id="rId8"/>
-    <p:sldId id="322" r:id="rId9"/>
-    <p:sldId id="476" r:id="rId10"/>
-    <p:sldId id="288" r:id="rId11"/>
-    <p:sldId id="308" r:id="rId12"/>
-    <p:sldId id="312" r:id="rId13"/>
-    <p:sldId id="329" r:id="rId14"/>
-    <p:sldId id="324" r:id="rId15"/>
-    <p:sldId id="323" r:id="rId16"/>
-    <p:sldId id="313" r:id="rId17"/>
-    <p:sldId id="319" r:id="rId18"/>
-    <p:sldId id="325" r:id="rId19"/>
-    <p:sldId id="326" r:id="rId20"/>
-    <p:sldId id="327" r:id="rId21"/>
-    <p:sldId id="320" r:id="rId22"/>
-    <p:sldId id="298" r:id="rId23"/>
-    <p:sldId id="328" r:id="rId24"/>
-    <p:sldId id="307" r:id="rId25"/>
-    <p:sldId id="321" r:id="rId26"/>
+    <p:sldId id="478" r:id="rId9"/>
+    <p:sldId id="322" r:id="rId10"/>
+    <p:sldId id="476" r:id="rId11"/>
+    <p:sldId id="288" r:id="rId12"/>
+    <p:sldId id="308" r:id="rId13"/>
+    <p:sldId id="312" r:id="rId14"/>
+    <p:sldId id="329" r:id="rId15"/>
+    <p:sldId id="324" r:id="rId16"/>
+    <p:sldId id="323" r:id="rId17"/>
+    <p:sldId id="313" r:id="rId18"/>
+    <p:sldId id="319" r:id="rId19"/>
+    <p:sldId id="325" r:id="rId20"/>
+    <p:sldId id="326" r:id="rId21"/>
+    <p:sldId id="327" r:id="rId22"/>
+    <p:sldId id="320" r:id="rId23"/>
+    <p:sldId id="298" r:id="rId24"/>
+    <p:sldId id="328" r:id="rId25"/>
+    <p:sldId id="307" r:id="rId26"/>
+    <p:sldId id="321" r:id="rId27"/>
   </p:sldIdLst>
   <p:sldSz cx="12192000" cy="6858000"/>
   <p:notesSz cx="6858000" cy="9144000"/>
@@ -146,6 +147,7 @@
             <p14:sldId id="477"/>
             <p14:sldId id="306"/>
             <p14:sldId id="318"/>
+            <p14:sldId id="478"/>
             <p14:sldId id="322"/>
             <p14:sldId id="476"/>
             <p14:sldId id="288"/>
@@ -4365,6 +4367,207 @@
       </p:grpSpPr>
       <p:sp>
         <p:nvSpPr>
+          <p:cNvPr id="6" name="Title 5"/>
+          <p:cNvSpPr>
+            <a:spLocks noGrp="1"/>
+          </p:cNvSpPr>
+          <p:nvPr>
+            <p:ph type="title"/>
+          </p:nvPr>
+        </p:nvSpPr>
+        <p:spPr/>
+        <p:txBody>
+          <a:bodyPr>
+            <a:normAutofit/>
+          </a:bodyPr>
+          <a:lstStyle/>
+          <a:p>
+            <a:r>
+              <a:rPr lang="en-US" dirty="0"/>
+              <a:t>Recommended reading</a:t>
+            </a:r>
+          </a:p>
+        </p:txBody>
+      </p:sp>
+      <p:sp>
+        <p:nvSpPr>
+          <p:cNvPr id="2" name="Date Placeholder 1"/>
+          <p:cNvSpPr>
+            <a:spLocks noGrp="1"/>
+          </p:cNvSpPr>
+          <p:nvPr>
+            <p:ph type="dt" sz="half" idx="10"/>
+          </p:nvPr>
+        </p:nvSpPr>
+        <p:spPr/>
+        <p:txBody>
+          <a:bodyPr/>
+          <a:lstStyle/>
+          <a:p>
+            <a:r>
+              <a:rPr lang="de-CH"/>
+              <a:t>August 2023, CC BY-SA 4.0</a:t>
+            </a:r>
+            <a:endParaRPr lang="en-US"/>
+          </a:p>
+        </p:txBody>
+      </p:sp>
+      <p:sp>
+        <p:nvSpPr>
+          <p:cNvPr id="3" name="Footer Placeholder 2"/>
+          <p:cNvSpPr>
+            <a:spLocks noGrp="1"/>
+          </p:cNvSpPr>
+          <p:nvPr>
+            <p:ph type="ftr" sz="quarter" idx="11"/>
+          </p:nvPr>
+        </p:nvSpPr>
+        <p:spPr/>
+        <p:txBody>
+          <a:bodyPr/>
+          <a:lstStyle/>
+          <a:p>
+            <a:r>
+              <a:rPr lang="en-US"/>
+              <a:t>Continuous integration, v4.0</a:t>
+            </a:r>
+          </a:p>
+        </p:txBody>
+      </p:sp>
+      <p:pic>
+        <p:nvPicPr>
+          <p:cNvPr id="9" name="Picture 8"/>
+          <p:cNvPicPr>
+            <a:picLocks noChangeAspect="1"/>
+          </p:cNvPicPr>
+          <p:nvPr/>
+        </p:nvPicPr>
+        <p:blipFill>
+          <a:blip r:embed="rId2"/>
+          <a:stretch>
+            <a:fillRect/>
+          </a:stretch>
+        </p:blipFill>
+        <p:spPr>
+          <a:xfrm>
+            <a:off x="2351585" y="2132856"/>
+            <a:ext cx="2352367" cy="2952328"/>
+          </a:xfrm>
+          <a:prstGeom prst="rect">
+            <a:avLst/>
+          </a:prstGeom>
+        </p:spPr>
+      </p:pic>
+      <p:pic>
+        <p:nvPicPr>
+          <p:cNvPr id="10" name="Picture 9"/>
+          <p:cNvPicPr>
+            <a:picLocks noChangeAspect="1"/>
+          </p:cNvPicPr>
+          <p:nvPr/>
+        </p:nvPicPr>
+        <p:blipFill>
+          <a:blip r:embed="rId3"/>
+          <a:stretch>
+            <a:fillRect/>
+          </a:stretch>
+        </p:blipFill>
+        <p:spPr>
+          <a:xfrm>
+            <a:off x="5015880" y="2132856"/>
+            <a:ext cx="2355484" cy="2952328"/>
+          </a:xfrm>
+          <a:prstGeom prst="rect">
+            <a:avLst/>
+          </a:prstGeom>
+        </p:spPr>
+      </p:pic>
+      <p:pic>
+        <p:nvPicPr>
+          <p:cNvPr id="11" name="Picture 10"/>
+          <p:cNvPicPr>
+            <a:picLocks noChangeAspect="1"/>
+          </p:cNvPicPr>
+          <p:nvPr/>
+        </p:nvPicPr>
+        <p:blipFill>
+          <a:blip r:embed="rId4"/>
+          <a:stretch>
+            <a:fillRect/>
+          </a:stretch>
+        </p:blipFill>
+        <p:spPr>
+          <a:xfrm>
+            <a:off x="7680177" y="2132856"/>
+            <a:ext cx="2273475" cy="2952328"/>
+          </a:xfrm>
+          <a:prstGeom prst="rect">
+            <a:avLst/>
+          </a:prstGeom>
+        </p:spPr>
+      </p:pic>
+      <p:sp>
+        <p:nvSpPr>
+          <p:cNvPr id="4" name="Slide Number Placeholder 3">
+            <a:extLst>
+              <a:ext uri="{FF2B5EF4-FFF2-40B4-BE49-F238E27FC236}">
+                <a16:creationId xmlns:a16="http://schemas.microsoft.com/office/drawing/2014/main" id="{FEFFB0F3-FEA9-0348-6B4A-F74170B41898}"/>
+              </a:ext>
+            </a:extLst>
+          </p:cNvPr>
+          <p:cNvSpPr>
+            <a:spLocks noGrp="1"/>
+          </p:cNvSpPr>
+          <p:nvPr>
+            <p:ph type="sldNum" sz="quarter" idx="12"/>
+          </p:nvPr>
+        </p:nvSpPr>
+        <p:spPr/>
+        <p:txBody>
+          <a:bodyPr/>
+          <a:lstStyle/>
+          <a:p>
+            <a:fld id="{EF79ADEA-B933-47CC-A4E9-04E6298B917C}" type="slidenum">
+              <a:rPr lang="en-US" smtClean="0"/>
+              <a:pPr/>
+              <a:t>10</a:t>
+            </a:fld>
+            <a:endParaRPr lang="en-US"/>
+          </a:p>
+        </p:txBody>
+      </p:sp>
+    </p:spTree>
+    <p:extLst>
+      <p:ext uri="{BB962C8B-B14F-4D97-AF65-F5344CB8AC3E}">
+        <p14:creationId xmlns:p14="http://schemas.microsoft.com/office/powerpoint/2010/main" val="554997526"/>
+      </p:ext>
+    </p:extLst>
+  </p:cSld>
+  <p:clrMapOvr>
+    <a:masterClrMapping/>
+  </p:clrMapOvr>
+</p:sld>
+</file>
+
+<file path=ppt/slides/slide11.xml><?xml version="1.0" encoding="utf-8"?>
+<p:sld xmlns:a="http://schemas.openxmlformats.org/drawingml/2006/main" xmlns:r="http://schemas.openxmlformats.org/officeDocument/2006/relationships" xmlns:p="http://schemas.openxmlformats.org/presentationml/2006/main">
+  <p:cSld>
+    <p:spTree>
+      <p:nvGrpSpPr>
+        <p:cNvPr id="1" name=""/>
+        <p:cNvGrpSpPr/>
+        <p:nvPr/>
+      </p:nvGrpSpPr>
+      <p:grpSpPr>
+        <a:xfrm>
+          <a:off x="0" y="0"/>
+          <a:ext cx="0" cy="0"/>
+          <a:chOff x="0" y="0"/>
+          <a:chExt cx="0" cy="0"/>
+        </a:xfrm>
+      </p:grpSpPr>
+      <p:sp>
+        <p:nvSpPr>
           <p:cNvPr id="3" name="Date Placeholder 2"/>
           <p:cNvSpPr>
             <a:spLocks noGrp="1"/>
@@ -4462,7 +4665,7 @@
             <a:fld id="{EF79ADEA-B933-47CC-A4E9-04E6298B917C}" type="slidenum">
               <a:rPr lang="en-US" smtClean="0"/>
               <a:pPr/>
-              <a:t>10</a:t>
+              <a:t>11</a:t>
             </a:fld>
             <a:endParaRPr lang="en-US"/>
           </a:p>
@@ -4476,7 +4679,7 @@
 </p:sld>
 </file>
 
-<file path=ppt/slides/slide11.xml><?xml version="1.0" encoding="utf-8"?>
+<file path=ppt/slides/slide12.xml><?xml version="1.0" encoding="utf-8"?>
 <p:sld xmlns:a="http://schemas.openxmlformats.org/drawingml/2006/main" xmlns:r="http://schemas.openxmlformats.org/officeDocument/2006/relationships" xmlns:p="http://schemas.openxmlformats.org/presentationml/2006/main" show="0">
   <p:cSld>
     <p:spTree>
@@ -4791,7 +4994,7 @@
             <a:fld id="{EF79ADEA-B933-47CC-A4E9-04E6298B917C}" type="slidenum">
               <a:rPr lang="en-US" smtClean="0"/>
               <a:pPr/>
-              <a:t>11</a:t>
+              <a:t>12</a:t>
             </a:fld>
             <a:endParaRPr lang="en-US"/>
           </a:p>
@@ -4801,261 +5004,6 @@
     <p:extLst>
       <p:ext uri="{BB962C8B-B14F-4D97-AF65-F5344CB8AC3E}">
         <p14:creationId xmlns:p14="http://schemas.microsoft.com/office/powerpoint/2010/main" val="3315879559"/>
-      </p:ext>
-    </p:extLst>
-  </p:cSld>
-  <p:clrMapOvr>
-    <a:masterClrMapping/>
-  </p:clrMapOvr>
-</p:sld>
-</file>
-
-<file path=ppt/slides/slide12.xml><?xml version="1.0" encoding="utf-8"?>
-<p:sld xmlns:a="http://schemas.openxmlformats.org/drawingml/2006/main" xmlns:r="http://schemas.openxmlformats.org/officeDocument/2006/relationships" xmlns:p="http://schemas.openxmlformats.org/presentationml/2006/main" show="0">
-  <p:cSld>
-    <p:spTree>
-      <p:nvGrpSpPr>
-        <p:cNvPr id="1" name=""/>
-        <p:cNvGrpSpPr/>
-        <p:nvPr/>
-      </p:nvGrpSpPr>
-      <p:grpSpPr>
-        <a:xfrm>
-          <a:off x="0" y="0"/>
-          <a:ext cx="0" cy="0"/>
-          <a:chOff x="0" y="0"/>
-          <a:chExt cx="0" cy="0"/>
-        </a:xfrm>
-      </p:grpSpPr>
-      <p:sp>
-        <p:nvSpPr>
-          <p:cNvPr id="2" name="Title 1">
-            <a:extLst>
-              <a:ext uri="{FF2B5EF4-FFF2-40B4-BE49-F238E27FC236}">
-                <a16:creationId xmlns:a16="http://schemas.microsoft.com/office/drawing/2014/main" id="{BD476358-0FD2-764F-AEC5-3A574E8F39D1}"/>
-              </a:ext>
-            </a:extLst>
-          </p:cNvPr>
-          <p:cNvSpPr>
-            <a:spLocks noGrp="1"/>
-          </p:cNvSpPr>
-          <p:nvPr>
-            <p:ph type="title"/>
-          </p:nvPr>
-        </p:nvSpPr>
-        <p:spPr/>
-        <p:txBody>
-          <a:bodyPr/>
-          <a:lstStyle/>
-          <a:p>
-            <a:r>
-              <a:rPr lang="en-CH" dirty="0"/>
-              <a:t>GitHub Actions basic ideas</a:t>
-            </a:r>
-          </a:p>
-        </p:txBody>
-      </p:sp>
-      <p:sp>
-        <p:nvSpPr>
-          <p:cNvPr id="3" name="Content Placeholder 2">
-            <a:extLst>
-              <a:ext uri="{FF2B5EF4-FFF2-40B4-BE49-F238E27FC236}">
-                <a16:creationId xmlns:a16="http://schemas.microsoft.com/office/drawing/2014/main" id="{6D76AC3E-727D-9345-BF91-E141F622FCB8}"/>
-              </a:ext>
-            </a:extLst>
-          </p:cNvPr>
-          <p:cNvSpPr>
-            <a:spLocks noGrp="1"/>
-          </p:cNvSpPr>
-          <p:nvPr>
-            <p:ph idx="1"/>
-          </p:nvPr>
-        </p:nvSpPr>
-        <p:spPr/>
-        <p:txBody>
-          <a:bodyPr/>
-          <a:lstStyle/>
-          <a:p>
-            <a:r>
-              <a:rPr lang="en-CH"/>
-              <a:t>The </a:t>
-            </a:r>
-            <a:r>
-              <a:rPr lang="en-CH" dirty="0"/>
-              <a:t>outcome is logged and if the job exits cleanly it is marked as ”passed” otherwise “</a:t>
-            </a:r>
-            <a:r>
-              <a:rPr lang="en-CH"/>
-              <a:t>failed”</a:t>
-            </a:r>
-            <a:endParaRPr lang="de-DE" dirty="0"/>
-          </a:p>
-        </p:txBody>
-      </p:sp>
-      <p:sp>
-        <p:nvSpPr>
-          <p:cNvPr id="4" name="Date Placeholder 3">
-            <a:extLst>
-              <a:ext uri="{FF2B5EF4-FFF2-40B4-BE49-F238E27FC236}">
-                <a16:creationId xmlns:a16="http://schemas.microsoft.com/office/drawing/2014/main" id="{01B74FBB-6928-0E40-87F8-3689137B6A44}"/>
-              </a:ext>
-            </a:extLst>
-          </p:cNvPr>
-          <p:cNvSpPr>
-            <a:spLocks noGrp="1"/>
-          </p:cNvSpPr>
-          <p:nvPr>
-            <p:ph type="dt" sz="half" idx="10"/>
-          </p:nvPr>
-        </p:nvSpPr>
-        <p:spPr/>
-        <p:txBody>
-          <a:bodyPr/>
-          <a:lstStyle/>
-          <a:p>
-            <a:r>
-              <a:rPr lang="de-CH" sz="1000"/>
-              <a:t>August 2023, CC BY-SA 4.0</a:t>
-            </a:r>
-            <a:endParaRPr lang="en-US" sz="1000" dirty="0"/>
-          </a:p>
-        </p:txBody>
-      </p:sp>
-      <p:sp>
-        <p:nvSpPr>
-          <p:cNvPr id="5" name="Footer Placeholder 4">
-            <a:extLst>
-              <a:ext uri="{FF2B5EF4-FFF2-40B4-BE49-F238E27FC236}">
-                <a16:creationId xmlns:a16="http://schemas.microsoft.com/office/drawing/2014/main" id="{4FB5E559-28D2-B742-A608-B353E85B9786}"/>
-              </a:ext>
-            </a:extLst>
-          </p:cNvPr>
-          <p:cNvSpPr>
-            <a:spLocks noGrp="1"/>
-          </p:cNvSpPr>
-          <p:nvPr>
-            <p:ph type="ftr" sz="quarter" idx="11"/>
-          </p:nvPr>
-        </p:nvSpPr>
-        <p:spPr/>
-        <p:txBody>
-          <a:bodyPr/>
-          <a:lstStyle/>
-          <a:p>
-            <a:r>
-              <a:rPr lang="en-US"/>
-              <a:t>Continuous integration, v4.0</a:t>
-            </a:r>
-            <a:endParaRPr lang="en-US" dirty="0"/>
-          </a:p>
-        </p:txBody>
-      </p:sp>
-      <p:pic>
-        <p:nvPicPr>
-          <p:cNvPr id="8" name="Picture 7" descr="A screenshot of a computer&#10;&#10;Description automatically generated with medium confidence">
-            <a:extLst>
-              <a:ext uri="{FF2B5EF4-FFF2-40B4-BE49-F238E27FC236}">
-                <a16:creationId xmlns:a16="http://schemas.microsoft.com/office/drawing/2014/main" id="{2161033D-8E2B-394A-B1ED-5F835F679C2E}"/>
-              </a:ext>
-            </a:extLst>
-          </p:cNvPr>
-          <p:cNvPicPr>
-            <a:picLocks noChangeAspect="1"/>
-          </p:cNvPicPr>
-          <p:nvPr/>
-        </p:nvPicPr>
-        <p:blipFill>
-          <a:blip r:embed="rId2">
-            <a:extLst>
-              <a:ext uri="{28A0092B-C50C-407E-A947-70E740481C1C}">
-                <a14:useLocalDpi xmlns:a14="http://schemas.microsoft.com/office/drawing/2010/main" val="0"/>
-              </a:ext>
-            </a:extLst>
-          </a:blip>
-          <a:stretch>
-            <a:fillRect/>
-          </a:stretch>
-        </p:blipFill>
-        <p:spPr>
-          <a:xfrm>
-            <a:off x="1991544" y="2562763"/>
-            <a:ext cx="5328592" cy="2316779"/>
-          </a:xfrm>
-          <a:prstGeom prst="rect">
-            <a:avLst/>
-          </a:prstGeom>
-        </p:spPr>
-      </p:pic>
-      <p:pic>
-        <p:nvPicPr>
-          <p:cNvPr id="9" name="Picture 8" descr="Graphical user interface, text, application&#10;&#10;Description automatically generated">
-            <a:extLst>
-              <a:ext uri="{FF2B5EF4-FFF2-40B4-BE49-F238E27FC236}">
-                <a16:creationId xmlns:a16="http://schemas.microsoft.com/office/drawing/2014/main" id="{EC30FD2E-55B1-4D4E-8DCD-80DC18F36C5A}"/>
-              </a:ext>
-            </a:extLst>
-          </p:cNvPr>
-          <p:cNvPicPr>
-            <a:picLocks noChangeAspect="1"/>
-          </p:cNvPicPr>
-          <p:nvPr/>
-        </p:nvPicPr>
-        <p:blipFill>
-          <a:blip r:embed="rId3">
-            <a:extLst>
-              <a:ext uri="{28A0092B-C50C-407E-A947-70E740481C1C}">
-                <a14:useLocalDpi xmlns:a14="http://schemas.microsoft.com/office/drawing/2010/main" val="0"/>
-              </a:ext>
-            </a:extLst>
-          </a:blip>
-          <a:stretch>
-            <a:fillRect/>
-          </a:stretch>
-        </p:blipFill>
-        <p:spPr>
-          <a:xfrm>
-            <a:off x="4778220" y="3920550"/>
-            <a:ext cx="5442924" cy="2316762"/>
-          </a:xfrm>
-          <a:prstGeom prst="rect">
-            <a:avLst/>
-          </a:prstGeom>
-        </p:spPr>
-      </p:pic>
-      <p:sp>
-        <p:nvSpPr>
-          <p:cNvPr id="6" name="Slide Number Placeholder 5">
-            <a:extLst>
-              <a:ext uri="{FF2B5EF4-FFF2-40B4-BE49-F238E27FC236}">
-                <a16:creationId xmlns:a16="http://schemas.microsoft.com/office/drawing/2014/main" id="{7B07FFD5-AD05-C0D7-BC0E-E8BF58378D85}"/>
-              </a:ext>
-            </a:extLst>
-          </p:cNvPr>
-          <p:cNvSpPr>
-            <a:spLocks noGrp="1"/>
-          </p:cNvSpPr>
-          <p:nvPr>
-            <p:ph type="sldNum" sz="quarter" idx="12"/>
-          </p:nvPr>
-        </p:nvSpPr>
-        <p:spPr/>
-        <p:txBody>
-          <a:bodyPr/>
-          <a:lstStyle/>
-          <a:p>
-            <a:fld id="{EF79ADEA-B933-47CC-A4E9-04E6298B917C}" type="slidenum">
-              <a:rPr lang="en-US" smtClean="0"/>
-              <a:pPr/>
-              <a:t>12</a:t>
-            </a:fld>
-            <a:endParaRPr lang="en-US"/>
-          </a:p>
-        </p:txBody>
-      </p:sp>
-    </p:spTree>
-    <p:extLst>
-      <p:ext uri="{BB962C8B-B14F-4D97-AF65-F5344CB8AC3E}">
-        <p14:creationId xmlns:p14="http://schemas.microsoft.com/office/powerpoint/2010/main" val="4034475540"/>
       </p:ext>
     </p:extLst>
   </p:cSld>
@@ -5087,6 +5035,261 @@
           <p:cNvPr id="2" name="Title 1">
             <a:extLst>
               <a:ext uri="{FF2B5EF4-FFF2-40B4-BE49-F238E27FC236}">
+                <a16:creationId xmlns:a16="http://schemas.microsoft.com/office/drawing/2014/main" id="{BD476358-0FD2-764F-AEC5-3A574E8F39D1}"/>
+              </a:ext>
+            </a:extLst>
+          </p:cNvPr>
+          <p:cNvSpPr>
+            <a:spLocks noGrp="1"/>
+          </p:cNvSpPr>
+          <p:nvPr>
+            <p:ph type="title"/>
+          </p:nvPr>
+        </p:nvSpPr>
+        <p:spPr/>
+        <p:txBody>
+          <a:bodyPr/>
+          <a:lstStyle/>
+          <a:p>
+            <a:r>
+              <a:rPr lang="en-CH" dirty="0"/>
+              <a:t>GitHub Actions basic ideas</a:t>
+            </a:r>
+          </a:p>
+        </p:txBody>
+      </p:sp>
+      <p:sp>
+        <p:nvSpPr>
+          <p:cNvPr id="3" name="Content Placeholder 2">
+            <a:extLst>
+              <a:ext uri="{FF2B5EF4-FFF2-40B4-BE49-F238E27FC236}">
+                <a16:creationId xmlns:a16="http://schemas.microsoft.com/office/drawing/2014/main" id="{6D76AC3E-727D-9345-BF91-E141F622FCB8}"/>
+              </a:ext>
+            </a:extLst>
+          </p:cNvPr>
+          <p:cNvSpPr>
+            <a:spLocks noGrp="1"/>
+          </p:cNvSpPr>
+          <p:nvPr>
+            <p:ph idx="1"/>
+          </p:nvPr>
+        </p:nvSpPr>
+        <p:spPr/>
+        <p:txBody>
+          <a:bodyPr/>
+          <a:lstStyle/>
+          <a:p>
+            <a:r>
+              <a:rPr lang="en-CH"/>
+              <a:t>The </a:t>
+            </a:r>
+            <a:r>
+              <a:rPr lang="en-CH" dirty="0"/>
+              <a:t>outcome is logged and if the job exits cleanly it is marked as ”passed” otherwise “</a:t>
+            </a:r>
+            <a:r>
+              <a:rPr lang="en-CH"/>
+              <a:t>failed”</a:t>
+            </a:r>
+            <a:endParaRPr lang="de-DE" dirty="0"/>
+          </a:p>
+        </p:txBody>
+      </p:sp>
+      <p:sp>
+        <p:nvSpPr>
+          <p:cNvPr id="4" name="Date Placeholder 3">
+            <a:extLst>
+              <a:ext uri="{FF2B5EF4-FFF2-40B4-BE49-F238E27FC236}">
+                <a16:creationId xmlns:a16="http://schemas.microsoft.com/office/drawing/2014/main" id="{01B74FBB-6928-0E40-87F8-3689137B6A44}"/>
+              </a:ext>
+            </a:extLst>
+          </p:cNvPr>
+          <p:cNvSpPr>
+            <a:spLocks noGrp="1"/>
+          </p:cNvSpPr>
+          <p:nvPr>
+            <p:ph type="dt" sz="half" idx="10"/>
+          </p:nvPr>
+        </p:nvSpPr>
+        <p:spPr/>
+        <p:txBody>
+          <a:bodyPr/>
+          <a:lstStyle/>
+          <a:p>
+            <a:r>
+              <a:rPr lang="de-CH" sz="1000"/>
+              <a:t>August 2023, CC BY-SA 4.0</a:t>
+            </a:r>
+            <a:endParaRPr lang="en-US" sz="1000" dirty="0"/>
+          </a:p>
+        </p:txBody>
+      </p:sp>
+      <p:sp>
+        <p:nvSpPr>
+          <p:cNvPr id="5" name="Footer Placeholder 4">
+            <a:extLst>
+              <a:ext uri="{FF2B5EF4-FFF2-40B4-BE49-F238E27FC236}">
+                <a16:creationId xmlns:a16="http://schemas.microsoft.com/office/drawing/2014/main" id="{4FB5E559-28D2-B742-A608-B353E85B9786}"/>
+              </a:ext>
+            </a:extLst>
+          </p:cNvPr>
+          <p:cNvSpPr>
+            <a:spLocks noGrp="1"/>
+          </p:cNvSpPr>
+          <p:nvPr>
+            <p:ph type="ftr" sz="quarter" idx="11"/>
+          </p:nvPr>
+        </p:nvSpPr>
+        <p:spPr/>
+        <p:txBody>
+          <a:bodyPr/>
+          <a:lstStyle/>
+          <a:p>
+            <a:r>
+              <a:rPr lang="en-US"/>
+              <a:t>Continuous integration, v4.0</a:t>
+            </a:r>
+            <a:endParaRPr lang="en-US" dirty="0"/>
+          </a:p>
+        </p:txBody>
+      </p:sp>
+      <p:pic>
+        <p:nvPicPr>
+          <p:cNvPr id="8" name="Picture 7" descr="A screenshot of a computer&#10;&#10;Description automatically generated with medium confidence">
+            <a:extLst>
+              <a:ext uri="{FF2B5EF4-FFF2-40B4-BE49-F238E27FC236}">
+                <a16:creationId xmlns:a16="http://schemas.microsoft.com/office/drawing/2014/main" id="{2161033D-8E2B-394A-B1ED-5F835F679C2E}"/>
+              </a:ext>
+            </a:extLst>
+          </p:cNvPr>
+          <p:cNvPicPr>
+            <a:picLocks noChangeAspect="1"/>
+          </p:cNvPicPr>
+          <p:nvPr/>
+        </p:nvPicPr>
+        <p:blipFill>
+          <a:blip r:embed="rId2">
+            <a:extLst>
+              <a:ext uri="{28A0092B-C50C-407E-A947-70E740481C1C}">
+                <a14:useLocalDpi xmlns:a14="http://schemas.microsoft.com/office/drawing/2010/main" val="0"/>
+              </a:ext>
+            </a:extLst>
+          </a:blip>
+          <a:stretch>
+            <a:fillRect/>
+          </a:stretch>
+        </p:blipFill>
+        <p:spPr>
+          <a:xfrm>
+            <a:off x="1991544" y="2562763"/>
+            <a:ext cx="5328592" cy="2316779"/>
+          </a:xfrm>
+          <a:prstGeom prst="rect">
+            <a:avLst/>
+          </a:prstGeom>
+        </p:spPr>
+      </p:pic>
+      <p:pic>
+        <p:nvPicPr>
+          <p:cNvPr id="9" name="Picture 8" descr="Graphical user interface, text, application&#10;&#10;Description automatically generated">
+            <a:extLst>
+              <a:ext uri="{FF2B5EF4-FFF2-40B4-BE49-F238E27FC236}">
+                <a16:creationId xmlns:a16="http://schemas.microsoft.com/office/drawing/2014/main" id="{EC30FD2E-55B1-4D4E-8DCD-80DC18F36C5A}"/>
+              </a:ext>
+            </a:extLst>
+          </p:cNvPr>
+          <p:cNvPicPr>
+            <a:picLocks noChangeAspect="1"/>
+          </p:cNvPicPr>
+          <p:nvPr/>
+        </p:nvPicPr>
+        <p:blipFill>
+          <a:blip r:embed="rId3">
+            <a:extLst>
+              <a:ext uri="{28A0092B-C50C-407E-A947-70E740481C1C}">
+                <a14:useLocalDpi xmlns:a14="http://schemas.microsoft.com/office/drawing/2010/main" val="0"/>
+              </a:ext>
+            </a:extLst>
+          </a:blip>
+          <a:stretch>
+            <a:fillRect/>
+          </a:stretch>
+        </p:blipFill>
+        <p:spPr>
+          <a:xfrm>
+            <a:off x="4778220" y="3920550"/>
+            <a:ext cx="5442924" cy="2316762"/>
+          </a:xfrm>
+          <a:prstGeom prst="rect">
+            <a:avLst/>
+          </a:prstGeom>
+        </p:spPr>
+      </p:pic>
+      <p:sp>
+        <p:nvSpPr>
+          <p:cNvPr id="6" name="Slide Number Placeholder 5">
+            <a:extLst>
+              <a:ext uri="{FF2B5EF4-FFF2-40B4-BE49-F238E27FC236}">
+                <a16:creationId xmlns:a16="http://schemas.microsoft.com/office/drawing/2014/main" id="{7B07FFD5-AD05-C0D7-BC0E-E8BF58378D85}"/>
+              </a:ext>
+            </a:extLst>
+          </p:cNvPr>
+          <p:cNvSpPr>
+            <a:spLocks noGrp="1"/>
+          </p:cNvSpPr>
+          <p:nvPr>
+            <p:ph type="sldNum" sz="quarter" idx="12"/>
+          </p:nvPr>
+        </p:nvSpPr>
+        <p:spPr/>
+        <p:txBody>
+          <a:bodyPr/>
+          <a:lstStyle/>
+          <a:p>
+            <a:fld id="{EF79ADEA-B933-47CC-A4E9-04E6298B917C}" type="slidenum">
+              <a:rPr lang="en-US" smtClean="0"/>
+              <a:pPr/>
+              <a:t>13</a:t>
+            </a:fld>
+            <a:endParaRPr lang="en-US"/>
+          </a:p>
+        </p:txBody>
+      </p:sp>
+    </p:spTree>
+    <p:extLst>
+      <p:ext uri="{BB962C8B-B14F-4D97-AF65-F5344CB8AC3E}">
+        <p14:creationId xmlns:p14="http://schemas.microsoft.com/office/powerpoint/2010/main" val="4034475540"/>
+      </p:ext>
+    </p:extLst>
+  </p:cSld>
+  <p:clrMapOvr>
+    <a:masterClrMapping/>
+  </p:clrMapOvr>
+</p:sld>
+</file>
+
+<file path=ppt/slides/slide14.xml><?xml version="1.0" encoding="utf-8"?>
+<p:sld xmlns:a="http://schemas.openxmlformats.org/drawingml/2006/main" xmlns:r="http://schemas.openxmlformats.org/officeDocument/2006/relationships" xmlns:p="http://schemas.openxmlformats.org/presentationml/2006/main" show="0">
+  <p:cSld>
+    <p:spTree>
+      <p:nvGrpSpPr>
+        <p:cNvPr id="1" name=""/>
+        <p:cNvGrpSpPr/>
+        <p:nvPr/>
+      </p:nvGrpSpPr>
+      <p:grpSpPr>
+        <a:xfrm>
+          <a:off x="0" y="0"/>
+          <a:ext cx="0" cy="0"/>
+          <a:chOff x="0" y="0"/>
+          <a:chExt cx="0" cy="0"/>
+        </a:xfrm>
+      </p:grpSpPr>
+      <p:sp>
+        <p:nvSpPr>
+          <p:cNvPr id="2" name="Title 1">
+            <a:extLst>
+              <a:ext uri="{FF2B5EF4-FFF2-40B4-BE49-F238E27FC236}">
                 <a16:creationId xmlns:a16="http://schemas.microsoft.com/office/drawing/2014/main" id="{C7CDE157-4CBF-1945-A0D6-4ACAD77885F7}"/>
               </a:ext>
             </a:extLst>
@@ -5239,7 +5442,7 @@
             <a:fld id="{EF79ADEA-B933-47CC-A4E9-04E6298B917C}" type="slidenum">
               <a:rPr lang="en-US" smtClean="0"/>
               <a:pPr/>
-              <a:t>13</a:t>
+              <a:t>14</a:t>
             </a:fld>
             <a:endParaRPr lang="en-US"/>
           </a:p>
@@ -5258,7 +5461,7 @@
 </p:sld>
 </file>
 
-<file path=ppt/slides/slide14.xml><?xml version="1.0" encoding="utf-8"?>
+<file path=ppt/slides/slide15.xml><?xml version="1.0" encoding="utf-8"?>
 <p:sld xmlns:a="http://schemas.openxmlformats.org/drawingml/2006/main" xmlns:r="http://schemas.openxmlformats.org/officeDocument/2006/relationships" xmlns:p="http://schemas.openxmlformats.org/presentationml/2006/main" show="0">
   <p:cSld>
     <p:spTree>
@@ -6051,7 +6254,7 @@
             <a:fld id="{EF79ADEA-B933-47CC-A4E9-04E6298B917C}" type="slidenum">
               <a:rPr lang="en-US" smtClean="0"/>
               <a:pPr/>
-              <a:t>14</a:t>
+              <a:t>15</a:t>
             </a:fld>
             <a:endParaRPr lang="en-US"/>
           </a:p>
@@ -6061,251 +6264,6 @@
     <p:extLst>
       <p:ext uri="{BB962C8B-B14F-4D97-AF65-F5344CB8AC3E}">
         <p14:creationId xmlns:p14="http://schemas.microsoft.com/office/powerpoint/2010/main" val="4154345638"/>
-      </p:ext>
-    </p:extLst>
-  </p:cSld>
-  <p:clrMapOvr>
-    <a:masterClrMapping/>
-  </p:clrMapOvr>
-</p:sld>
-</file>
-
-<file path=ppt/slides/slide15.xml><?xml version="1.0" encoding="utf-8"?>
-<p:sld xmlns:a="http://schemas.openxmlformats.org/drawingml/2006/main" xmlns:r="http://schemas.openxmlformats.org/officeDocument/2006/relationships" xmlns:p="http://schemas.openxmlformats.org/presentationml/2006/main" show="0">
-  <p:cSld>
-    <p:spTree>
-      <p:nvGrpSpPr>
-        <p:cNvPr id="1" name=""/>
-        <p:cNvGrpSpPr/>
-        <p:nvPr/>
-      </p:nvGrpSpPr>
-      <p:grpSpPr>
-        <a:xfrm>
-          <a:off x="0" y="0"/>
-          <a:ext cx="0" cy="0"/>
-          <a:chOff x="0" y="0"/>
-          <a:chExt cx="0" cy="0"/>
-        </a:xfrm>
-      </p:grpSpPr>
-      <p:sp>
-        <p:nvSpPr>
-          <p:cNvPr id="2" name="Title 1">
-            <a:extLst>
-              <a:ext uri="{FF2B5EF4-FFF2-40B4-BE49-F238E27FC236}">
-                <a16:creationId xmlns:a16="http://schemas.microsoft.com/office/drawing/2014/main" id="{EACC7A8A-CD41-EB49-BCCF-D1CC9D385024}"/>
-              </a:ext>
-            </a:extLst>
-          </p:cNvPr>
-          <p:cNvSpPr>
-            <a:spLocks noGrp="1"/>
-          </p:cNvSpPr>
-          <p:nvPr>
-            <p:ph type="title"/>
-          </p:nvPr>
-        </p:nvSpPr>
-        <p:spPr/>
-        <p:txBody>
-          <a:bodyPr/>
-          <a:lstStyle/>
-          <a:p>
-            <a:r>
-              <a:rPr lang="en-CH" dirty="0"/>
-              <a:t>GitHub Actions reference</a:t>
-            </a:r>
-          </a:p>
-        </p:txBody>
-      </p:sp>
-      <p:sp>
-        <p:nvSpPr>
-          <p:cNvPr id="3" name="Content Placeholder 2">
-            <a:extLst>
-              <a:ext uri="{FF2B5EF4-FFF2-40B4-BE49-F238E27FC236}">
-                <a16:creationId xmlns:a16="http://schemas.microsoft.com/office/drawing/2014/main" id="{DE78B902-F52A-5B4E-AC89-A7164CC5CB2E}"/>
-              </a:ext>
-            </a:extLst>
-          </p:cNvPr>
-          <p:cNvSpPr>
-            <a:spLocks noGrp="1"/>
-          </p:cNvSpPr>
-          <p:nvPr>
-            <p:ph idx="1"/>
-          </p:nvPr>
-        </p:nvSpPr>
-        <p:spPr/>
-        <p:txBody>
-          <a:bodyPr>
-            <a:normAutofit/>
-          </a:bodyPr>
-          <a:lstStyle/>
-          <a:p>
-            <a:r>
-              <a:rPr lang="en-CH" dirty="0"/>
-              <a:t>Introduction:</a:t>
-            </a:r>
-            <a:br>
-              <a:rPr lang="en-CH" dirty="0"/>
-            </a:br>
-            <a:r>
-              <a:rPr lang="en-US" sz="1800" dirty="0">
-                <a:latin typeface="Courier New" panose="02070309020205020404" pitchFamily="49" charset="0"/>
-                <a:cs typeface="Courier New" panose="02070309020205020404" pitchFamily="49" charset="0"/>
-                <a:hlinkClick r:id="rId2"/>
-              </a:rPr>
-              <a:t>https://docs.github.com/en/actions/learn-github-actions/introduction-to-github-actions</a:t>
-            </a:r>
-            <a:endParaRPr lang="en-US" sz="1800" dirty="0">
-              <a:latin typeface="Courier New" panose="02070309020205020404" pitchFamily="49" charset="0"/>
-              <a:cs typeface="Courier New" panose="02070309020205020404" pitchFamily="49" charset="0"/>
-            </a:endParaRPr>
-          </a:p>
-          <a:p>
-            <a:r>
-              <a:rPr lang="en-US" dirty="0"/>
-              <a:t>Events that can trigger actions, and their config options:</a:t>
-            </a:r>
-            <a:br>
-              <a:rPr lang="en-US" dirty="0"/>
-            </a:br>
-            <a:r>
-              <a:rPr lang="en-US" sz="1800" dirty="0">
-                <a:latin typeface="Courier New" panose="02070309020205020404" pitchFamily="49" charset="0"/>
-                <a:cs typeface="Courier New" panose="02070309020205020404" pitchFamily="49" charset="0"/>
-                <a:hlinkClick r:id="rId3"/>
-              </a:rPr>
-              <a:t>https://docs.github.com/en/actions/reference/events-that-trigger-workflows#pull_request</a:t>
-            </a:r>
-            <a:endParaRPr lang="en-US" sz="1800" dirty="0">
-              <a:latin typeface="Courier New" panose="02070309020205020404" pitchFamily="49" charset="0"/>
-              <a:cs typeface="Courier New" panose="02070309020205020404" pitchFamily="49" charset="0"/>
-            </a:endParaRPr>
-          </a:p>
-          <a:p>
-            <a:r>
-              <a:rPr lang="en-US" dirty="0"/>
-              <a:t>Catalog of community actions:</a:t>
-            </a:r>
-            <a:br>
-              <a:rPr lang="en-US" dirty="0"/>
-            </a:br>
-            <a:r>
-              <a:rPr lang="en-US" sz="1800" dirty="0">
-                <a:latin typeface="Courier New" panose="02070309020205020404" pitchFamily="49" charset="0"/>
-                <a:cs typeface="Courier New" panose="02070309020205020404" pitchFamily="49" charset="0"/>
-                <a:hlinkClick r:id="rId4"/>
-              </a:rPr>
-              <a:t>https://github.com/marketplace?type=actions</a:t>
-            </a:r>
-            <a:endParaRPr lang="en-US" sz="1800" dirty="0">
-              <a:latin typeface="Courier New" panose="02070309020205020404" pitchFamily="49" charset="0"/>
-              <a:cs typeface="Courier New" panose="02070309020205020404" pitchFamily="49" charset="0"/>
-            </a:endParaRPr>
-          </a:p>
-          <a:p>
-            <a:pPr marL="0" indent="0">
-              <a:buNone/>
-            </a:pPr>
-            <a:endParaRPr lang="en-US" dirty="0"/>
-          </a:p>
-          <a:p>
-            <a:pPr marL="0" indent="0">
-              <a:buNone/>
-            </a:pPr>
-            <a:endParaRPr lang="en-CH" dirty="0"/>
-          </a:p>
-        </p:txBody>
-      </p:sp>
-      <p:sp>
-        <p:nvSpPr>
-          <p:cNvPr id="4" name="Date Placeholder 3">
-            <a:extLst>
-              <a:ext uri="{FF2B5EF4-FFF2-40B4-BE49-F238E27FC236}">
-                <a16:creationId xmlns:a16="http://schemas.microsoft.com/office/drawing/2014/main" id="{BD10E3E1-D420-6649-A15F-D53900236E0F}"/>
-              </a:ext>
-            </a:extLst>
-          </p:cNvPr>
-          <p:cNvSpPr>
-            <a:spLocks noGrp="1"/>
-          </p:cNvSpPr>
-          <p:nvPr>
-            <p:ph type="dt" sz="half" idx="10"/>
-          </p:nvPr>
-        </p:nvSpPr>
-        <p:spPr/>
-        <p:txBody>
-          <a:bodyPr/>
-          <a:lstStyle/>
-          <a:p>
-            <a:r>
-              <a:rPr lang="de-CH" sz="1000"/>
-              <a:t>August 2023, CC BY-SA 4.0</a:t>
-            </a:r>
-            <a:endParaRPr lang="en-US" sz="1000" dirty="0"/>
-          </a:p>
-        </p:txBody>
-      </p:sp>
-      <p:sp>
-        <p:nvSpPr>
-          <p:cNvPr id="5" name="Footer Placeholder 4">
-            <a:extLst>
-              <a:ext uri="{FF2B5EF4-FFF2-40B4-BE49-F238E27FC236}">
-                <a16:creationId xmlns:a16="http://schemas.microsoft.com/office/drawing/2014/main" id="{6F012DDD-E088-A248-B0DC-043A5AFA7F11}"/>
-              </a:ext>
-            </a:extLst>
-          </p:cNvPr>
-          <p:cNvSpPr>
-            <a:spLocks noGrp="1"/>
-          </p:cNvSpPr>
-          <p:nvPr>
-            <p:ph type="ftr" sz="quarter" idx="11"/>
-          </p:nvPr>
-        </p:nvSpPr>
-        <p:spPr/>
-        <p:txBody>
-          <a:bodyPr/>
-          <a:lstStyle/>
-          <a:p>
-            <a:r>
-              <a:rPr lang="en-US"/>
-              <a:t>Continuous integration, v4.0</a:t>
-            </a:r>
-            <a:endParaRPr lang="en-US" dirty="0"/>
-          </a:p>
-        </p:txBody>
-      </p:sp>
-      <p:sp>
-        <p:nvSpPr>
-          <p:cNvPr id="6" name="Slide Number Placeholder 5">
-            <a:extLst>
-              <a:ext uri="{FF2B5EF4-FFF2-40B4-BE49-F238E27FC236}">
-                <a16:creationId xmlns:a16="http://schemas.microsoft.com/office/drawing/2014/main" id="{61F73B10-0263-0C7B-53B4-EA5BA0655AF5}"/>
-              </a:ext>
-            </a:extLst>
-          </p:cNvPr>
-          <p:cNvSpPr>
-            <a:spLocks noGrp="1"/>
-          </p:cNvSpPr>
-          <p:nvPr>
-            <p:ph type="sldNum" sz="quarter" idx="12"/>
-          </p:nvPr>
-        </p:nvSpPr>
-        <p:spPr/>
-        <p:txBody>
-          <a:bodyPr/>
-          <a:lstStyle/>
-          <a:p>
-            <a:fld id="{EF79ADEA-B933-47CC-A4E9-04E6298B917C}" type="slidenum">
-              <a:rPr lang="en-US" smtClean="0"/>
-              <a:pPr/>
-              <a:t>15</a:t>
-            </a:fld>
-            <a:endParaRPr lang="en-US"/>
-          </a:p>
-        </p:txBody>
-      </p:sp>
-    </p:spTree>
-    <p:extLst>
-      <p:ext uri="{BB962C8B-B14F-4D97-AF65-F5344CB8AC3E}">
-        <p14:creationId xmlns:p14="http://schemas.microsoft.com/office/powerpoint/2010/main" val="2663453477"/>
       </p:ext>
     </p:extLst>
   </p:cSld>
@@ -6337,6 +6295,251 @@
           <p:cNvPr id="2" name="Title 1">
             <a:extLst>
               <a:ext uri="{FF2B5EF4-FFF2-40B4-BE49-F238E27FC236}">
+                <a16:creationId xmlns:a16="http://schemas.microsoft.com/office/drawing/2014/main" id="{EACC7A8A-CD41-EB49-BCCF-D1CC9D385024}"/>
+              </a:ext>
+            </a:extLst>
+          </p:cNvPr>
+          <p:cNvSpPr>
+            <a:spLocks noGrp="1"/>
+          </p:cNvSpPr>
+          <p:nvPr>
+            <p:ph type="title"/>
+          </p:nvPr>
+        </p:nvSpPr>
+        <p:spPr/>
+        <p:txBody>
+          <a:bodyPr/>
+          <a:lstStyle/>
+          <a:p>
+            <a:r>
+              <a:rPr lang="en-CH" dirty="0"/>
+              <a:t>GitHub Actions reference</a:t>
+            </a:r>
+          </a:p>
+        </p:txBody>
+      </p:sp>
+      <p:sp>
+        <p:nvSpPr>
+          <p:cNvPr id="3" name="Content Placeholder 2">
+            <a:extLst>
+              <a:ext uri="{FF2B5EF4-FFF2-40B4-BE49-F238E27FC236}">
+                <a16:creationId xmlns:a16="http://schemas.microsoft.com/office/drawing/2014/main" id="{DE78B902-F52A-5B4E-AC89-A7164CC5CB2E}"/>
+              </a:ext>
+            </a:extLst>
+          </p:cNvPr>
+          <p:cNvSpPr>
+            <a:spLocks noGrp="1"/>
+          </p:cNvSpPr>
+          <p:nvPr>
+            <p:ph idx="1"/>
+          </p:nvPr>
+        </p:nvSpPr>
+        <p:spPr/>
+        <p:txBody>
+          <a:bodyPr>
+            <a:normAutofit/>
+          </a:bodyPr>
+          <a:lstStyle/>
+          <a:p>
+            <a:r>
+              <a:rPr lang="en-CH" dirty="0"/>
+              <a:t>Introduction:</a:t>
+            </a:r>
+            <a:br>
+              <a:rPr lang="en-CH" dirty="0"/>
+            </a:br>
+            <a:r>
+              <a:rPr lang="en-US" sz="1800" dirty="0">
+                <a:latin typeface="Courier New" panose="02070309020205020404" pitchFamily="49" charset="0"/>
+                <a:cs typeface="Courier New" panose="02070309020205020404" pitchFamily="49" charset="0"/>
+                <a:hlinkClick r:id="rId2"/>
+              </a:rPr>
+              <a:t>https://docs.github.com/en/actions/learn-github-actions/introduction-to-github-actions</a:t>
+            </a:r>
+            <a:endParaRPr lang="en-US" sz="1800" dirty="0">
+              <a:latin typeface="Courier New" panose="02070309020205020404" pitchFamily="49" charset="0"/>
+              <a:cs typeface="Courier New" panose="02070309020205020404" pitchFamily="49" charset="0"/>
+            </a:endParaRPr>
+          </a:p>
+          <a:p>
+            <a:r>
+              <a:rPr lang="en-US" dirty="0"/>
+              <a:t>Events that can trigger actions, and their config options:</a:t>
+            </a:r>
+            <a:br>
+              <a:rPr lang="en-US" dirty="0"/>
+            </a:br>
+            <a:r>
+              <a:rPr lang="en-US" sz="1800" dirty="0">
+                <a:latin typeface="Courier New" panose="02070309020205020404" pitchFamily="49" charset="0"/>
+                <a:cs typeface="Courier New" panose="02070309020205020404" pitchFamily="49" charset="0"/>
+                <a:hlinkClick r:id="rId3"/>
+              </a:rPr>
+              <a:t>https://docs.github.com/en/actions/reference/events-that-trigger-workflows#pull_request</a:t>
+            </a:r>
+            <a:endParaRPr lang="en-US" sz="1800" dirty="0">
+              <a:latin typeface="Courier New" panose="02070309020205020404" pitchFamily="49" charset="0"/>
+              <a:cs typeface="Courier New" panose="02070309020205020404" pitchFamily="49" charset="0"/>
+            </a:endParaRPr>
+          </a:p>
+          <a:p>
+            <a:r>
+              <a:rPr lang="en-US" dirty="0"/>
+              <a:t>Catalog of community actions:</a:t>
+            </a:r>
+            <a:br>
+              <a:rPr lang="en-US" dirty="0"/>
+            </a:br>
+            <a:r>
+              <a:rPr lang="en-US" sz="1800" dirty="0">
+                <a:latin typeface="Courier New" panose="02070309020205020404" pitchFamily="49" charset="0"/>
+                <a:cs typeface="Courier New" panose="02070309020205020404" pitchFamily="49" charset="0"/>
+                <a:hlinkClick r:id="rId4"/>
+              </a:rPr>
+              <a:t>https://github.com/marketplace?type=actions</a:t>
+            </a:r>
+            <a:endParaRPr lang="en-US" sz="1800" dirty="0">
+              <a:latin typeface="Courier New" panose="02070309020205020404" pitchFamily="49" charset="0"/>
+              <a:cs typeface="Courier New" panose="02070309020205020404" pitchFamily="49" charset="0"/>
+            </a:endParaRPr>
+          </a:p>
+          <a:p>
+            <a:pPr marL="0" indent="0">
+              <a:buNone/>
+            </a:pPr>
+            <a:endParaRPr lang="en-US" dirty="0"/>
+          </a:p>
+          <a:p>
+            <a:pPr marL="0" indent="0">
+              <a:buNone/>
+            </a:pPr>
+            <a:endParaRPr lang="en-CH" dirty="0"/>
+          </a:p>
+        </p:txBody>
+      </p:sp>
+      <p:sp>
+        <p:nvSpPr>
+          <p:cNvPr id="4" name="Date Placeholder 3">
+            <a:extLst>
+              <a:ext uri="{FF2B5EF4-FFF2-40B4-BE49-F238E27FC236}">
+                <a16:creationId xmlns:a16="http://schemas.microsoft.com/office/drawing/2014/main" id="{BD10E3E1-D420-6649-A15F-D53900236E0F}"/>
+              </a:ext>
+            </a:extLst>
+          </p:cNvPr>
+          <p:cNvSpPr>
+            <a:spLocks noGrp="1"/>
+          </p:cNvSpPr>
+          <p:nvPr>
+            <p:ph type="dt" sz="half" idx="10"/>
+          </p:nvPr>
+        </p:nvSpPr>
+        <p:spPr/>
+        <p:txBody>
+          <a:bodyPr/>
+          <a:lstStyle/>
+          <a:p>
+            <a:r>
+              <a:rPr lang="de-CH" sz="1000"/>
+              <a:t>August 2023, CC BY-SA 4.0</a:t>
+            </a:r>
+            <a:endParaRPr lang="en-US" sz="1000" dirty="0"/>
+          </a:p>
+        </p:txBody>
+      </p:sp>
+      <p:sp>
+        <p:nvSpPr>
+          <p:cNvPr id="5" name="Footer Placeholder 4">
+            <a:extLst>
+              <a:ext uri="{FF2B5EF4-FFF2-40B4-BE49-F238E27FC236}">
+                <a16:creationId xmlns:a16="http://schemas.microsoft.com/office/drawing/2014/main" id="{6F012DDD-E088-A248-B0DC-043A5AFA7F11}"/>
+              </a:ext>
+            </a:extLst>
+          </p:cNvPr>
+          <p:cNvSpPr>
+            <a:spLocks noGrp="1"/>
+          </p:cNvSpPr>
+          <p:nvPr>
+            <p:ph type="ftr" sz="quarter" idx="11"/>
+          </p:nvPr>
+        </p:nvSpPr>
+        <p:spPr/>
+        <p:txBody>
+          <a:bodyPr/>
+          <a:lstStyle/>
+          <a:p>
+            <a:r>
+              <a:rPr lang="en-US"/>
+              <a:t>Continuous integration, v4.0</a:t>
+            </a:r>
+            <a:endParaRPr lang="en-US" dirty="0"/>
+          </a:p>
+        </p:txBody>
+      </p:sp>
+      <p:sp>
+        <p:nvSpPr>
+          <p:cNvPr id="6" name="Slide Number Placeholder 5">
+            <a:extLst>
+              <a:ext uri="{FF2B5EF4-FFF2-40B4-BE49-F238E27FC236}">
+                <a16:creationId xmlns:a16="http://schemas.microsoft.com/office/drawing/2014/main" id="{61F73B10-0263-0C7B-53B4-EA5BA0655AF5}"/>
+              </a:ext>
+            </a:extLst>
+          </p:cNvPr>
+          <p:cNvSpPr>
+            <a:spLocks noGrp="1"/>
+          </p:cNvSpPr>
+          <p:nvPr>
+            <p:ph type="sldNum" sz="quarter" idx="12"/>
+          </p:nvPr>
+        </p:nvSpPr>
+        <p:spPr/>
+        <p:txBody>
+          <a:bodyPr/>
+          <a:lstStyle/>
+          <a:p>
+            <a:fld id="{EF79ADEA-B933-47CC-A4E9-04E6298B917C}" type="slidenum">
+              <a:rPr lang="en-US" smtClean="0"/>
+              <a:pPr/>
+              <a:t>16</a:t>
+            </a:fld>
+            <a:endParaRPr lang="en-US"/>
+          </a:p>
+        </p:txBody>
+      </p:sp>
+    </p:spTree>
+    <p:extLst>
+      <p:ext uri="{BB962C8B-B14F-4D97-AF65-F5344CB8AC3E}">
+        <p14:creationId xmlns:p14="http://schemas.microsoft.com/office/powerpoint/2010/main" val="2663453477"/>
+      </p:ext>
+    </p:extLst>
+  </p:cSld>
+  <p:clrMapOvr>
+    <a:masterClrMapping/>
+  </p:clrMapOvr>
+</p:sld>
+</file>
+
+<file path=ppt/slides/slide17.xml><?xml version="1.0" encoding="utf-8"?>
+<p:sld xmlns:a="http://schemas.openxmlformats.org/drawingml/2006/main" xmlns:r="http://schemas.openxmlformats.org/officeDocument/2006/relationships" xmlns:p="http://schemas.openxmlformats.org/presentationml/2006/main" show="0">
+  <p:cSld>
+    <p:spTree>
+      <p:nvGrpSpPr>
+        <p:cNvPr id="1" name=""/>
+        <p:cNvGrpSpPr/>
+        <p:nvPr/>
+      </p:nvGrpSpPr>
+      <p:grpSpPr>
+        <a:xfrm>
+          <a:off x="0" y="0"/>
+          <a:ext cx="0" cy="0"/>
+          <a:chOff x="0" y="0"/>
+          <a:chExt cx="0" cy="0"/>
+        </a:xfrm>
+      </p:grpSpPr>
+      <p:sp>
+        <p:nvSpPr>
+          <p:cNvPr id="2" name="Title 1">
+            <a:extLst>
+              <a:ext uri="{FF2B5EF4-FFF2-40B4-BE49-F238E27FC236}">
                 <a16:creationId xmlns:a16="http://schemas.microsoft.com/office/drawing/2014/main" id="{33165359-9CD5-EF41-9C08-A5F425B6C08E}"/>
               </a:ext>
             </a:extLst>
@@ -6597,7 +6800,7 @@
             <a:fld id="{EF79ADEA-B933-47CC-A4E9-04E6298B917C}" type="slidenum">
               <a:rPr lang="en-US" smtClean="0"/>
               <a:pPr/>
-              <a:t>16</a:t>
+              <a:t>17</a:t>
             </a:fld>
             <a:endParaRPr lang="en-US"/>
           </a:p>
@@ -6669,7 +6872,7 @@
 </p:sld>
 </file>
 
-<file path=ppt/slides/slide17.xml><?xml version="1.0" encoding="utf-8"?>
+<file path=ppt/slides/slide18.xml><?xml version="1.0" encoding="utf-8"?>
 <p:sld xmlns:a="http://schemas.openxmlformats.org/drawingml/2006/main" xmlns:r="http://schemas.openxmlformats.org/officeDocument/2006/relationships" xmlns:p="http://schemas.openxmlformats.org/presentationml/2006/main" show="0">
   <p:cSld>
     <p:spTree>
@@ -6854,7 +7057,7 @@
             <a:fld id="{EF79ADEA-B933-47CC-A4E9-04E6298B917C}" type="slidenum">
               <a:rPr lang="en-US" smtClean="0"/>
               <a:pPr/>
-              <a:t>17</a:t>
+              <a:t>18</a:t>
             </a:fld>
             <a:endParaRPr lang="en-US"/>
           </a:p>
@@ -6873,7 +7076,7 @@
 </p:sld>
 </file>
 
-<file path=ppt/slides/slide18.xml><?xml version="1.0" encoding="utf-8"?>
+<file path=ppt/slides/slide19.xml><?xml version="1.0" encoding="utf-8"?>
 <p:sld xmlns:a="http://schemas.openxmlformats.org/drawingml/2006/main" xmlns:r="http://schemas.openxmlformats.org/officeDocument/2006/relationships" xmlns:p="http://schemas.openxmlformats.org/presentationml/2006/main" show="0">
   <p:cSld>
     <p:spTree>
@@ -7348,7 +7551,7 @@
             <a:fld id="{EF79ADEA-B933-47CC-A4E9-04E6298B917C}" type="slidenum">
               <a:rPr lang="en-US" smtClean="0"/>
               <a:pPr/>
-              <a:t>18</a:t>
+              <a:t>19</a:t>
             </a:fld>
             <a:endParaRPr lang="en-US"/>
           </a:p>
@@ -7367,7 +7570,270 @@
 </p:sld>
 </file>
 
-<file path=ppt/slides/slide19.xml><?xml version="1.0" encoding="utf-8"?>
+<file path=ppt/slides/slide2.xml><?xml version="1.0" encoding="utf-8"?>
+<p:sld xmlns:a="http://schemas.openxmlformats.org/drawingml/2006/main" xmlns:r="http://schemas.openxmlformats.org/officeDocument/2006/relationships" xmlns:p="http://schemas.openxmlformats.org/presentationml/2006/main">
+  <p:cSld>
+    <p:spTree>
+      <p:nvGrpSpPr>
+        <p:cNvPr id="1" name=""/>
+        <p:cNvGrpSpPr/>
+        <p:nvPr/>
+      </p:nvGrpSpPr>
+      <p:grpSpPr>
+        <a:xfrm>
+          <a:off x="0" y="0"/>
+          <a:ext cx="0" cy="0"/>
+          <a:chOff x="0" y="0"/>
+          <a:chExt cx="0" cy="0"/>
+        </a:xfrm>
+      </p:grpSpPr>
+      <p:sp>
+        <p:nvSpPr>
+          <p:cNvPr id="2" name="Title 1">
+            <a:extLst>
+              <a:ext uri="{FF2B5EF4-FFF2-40B4-BE49-F238E27FC236}">
+                <a16:creationId xmlns:a16="http://schemas.microsoft.com/office/drawing/2014/main" id="{4993AE45-A766-0F4D-9D65-D692ECB4ED00}"/>
+              </a:ext>
+            </a:extLst>
+          </p:cNvPr>
+          <p:cNvSpPr>
+            <a:spLocks noGrp="1"/>
+          </p:cNvSpPr>
+          <p:nvPr>
+            <p:ph type="title"/>
+          </p:nvPr>
+        </p:nvSpPr>
+        <p:spPr/>
+        <p:txBody>
+          <a:bodyPr/>
+          <a:lstStyle/>
+          <a:p>
+            <a:r>
+              <a:rPr lang="de-DE" dirty="0"/>
+              <a:t>Collaborative Development </a:t>
+            </a:r>
+            <a:r>
+              <a:rPr lang="de-DE" dirty="0" err="1"/>
+              <a:t>without</a:t>
+            </a:r>
+            <a:r>
+              <a:rPr lang="de-DE" dirty="0"/>
+              <a:t> CI</a:t>
+            </a:r>
+            <a:endParaRPr lang="en-CH" dirty="0"/>
+          </a:p>
+        </p:txBody>
+      </p:sp>
+      <p:sp>
+        <p:nvSpPr>
+          <p:cNvPr id="4" name="Date Placeholder 3">
+            <a:extLst>
+              <a:ext uri="{FF2B5EF4-FFF2-40B4-BE49-F238E27FC236}">
+                <a16:creationId xmlns:a16="http://schemas.microsoft.com/office/drawing/2014/main" id="{BB7DFD63-E8DE-9344-BDD0-A143F8BD67AC}"/>
+              </a:ext>
+            </a:extLst>
+          </p:cNvPr>
+          <p:cNvSpPr>
+            <a:spLocks noGrp="1"/>
+          </p:cNvSpPr>
+          <p:nvPr>
+            <p:ph type="dt" sz="half" idx="10"/>
+          </p:nvPr>
+        </p:nvSpPr>
+        <p:spPr/>
+        <p:txBody>
+          <a:bodyPr/>
+          <a:lstStyle/>
+          <a:p>
+            <a:r>
+              <a:rPr lang="de-CH"/>
+              <a:t>August 2023, CC BY-SA 4.0</a:t>
+            </a:r>
+            <a:endParaRPr lang="en-US" dirty="0"/>
+          </a:p>
+        </p:txBody>
+      </p:sp>
+      <p:sp>
+        <p:nvSpPr>
+          <p:cNvPr id="5" name="Footer Placeholder 4">
+            <a:extLst>
+              <a:ext uri="{FF2B5EF4-FFF2-40B4-BE49-F238E27FC236}">
+                <a16:creationId xmlns:a16="http://schemas.microsoft.com/office/drawing/2014/main" id="{5138C878-C3D9-AC4C-BDD7-9EFA39DFB1A1}"/>
+              </a:ext>
+            </a:extLst>
+          </p:cNvPr>
+          <p:cNvSpPr>
+            <a:spLocks noGrp="1"/>
+          </p:cNvSpPr>
+          <p:nvPr>
+            <p:ph type="ftr" sz="quarter" idx="11"/>
+          </p:nvPr>
+        </p:nvSpPr>
+        <p:spPr/>
+        <p:txBody>
+          <a:bodyPr/>
+          <a:lstStyle/>
+          <a:p>
+            <a:r>
+              <a:rPr lang="en-US"/>
+              <a:t>Continuous integration, v4.0</a:t>
+            </a:r>
+            <a:endParaRPr lang="en-US" dirty="0"/>
+          </a:p>
+        </p:txBody>
+      </p:sp>
+      <p:sp>
+        <p:nvSpPr>
+          <p:cNvPr id="15" name="Rectangle 14">
+            <a:extLst>
+              <a:ext uri="{FF2B5EF4-FFF2-40B4-BE49-F238E27FC236}">
+                <a16:creationId xmlns:a16="http://schemas.microsoft.com/office/drawing/2014/main" id="{A6D19DE0-5F67-1746-9159-5DDB1C4C03CA}"/>
+              </a:ext>
+            </a:extLst>
+          </p:cNvPr>
+          <p:cNvSpPr/>
+          <p:nvPr/>
+        </p:nvSpPr>
+        <p:spPr>
+          <a:xfrm>
+            <a:off x="983432" y="4398262"/>
+            <a:ext cx="10793960" cy="2000548"/>
+          </a:xfrm>
+          <a:prstGeom prst="rect">
+            <a:avLst/>
+          </a:prstGeom>
+        </p:spPr>
+        <p:txBody>
+          <a:bodyPr wrap="square">
+            <a:spAutoFit/>
+          </a:bodyPr>
+          <a:lstStyle/>
+          <a:p>
+            <a:r>
+              <a:rPr lang="en-CH" sz="2400" dirty="0">
+                <a:latin typeface="+mn-lt"/>
+              </a:rPr>
+              <a:t>Potential issues</a:t>
+            </a:r>
+          </a:p>
+          <a:p>
+            <a:pPr marL="342900" indent="-342900">
+              <a:buFontTx/>
+              <a:buChar char="-"/>
+            </a:pPr>
+            <a:r>
+              <a:rPr lang="en-CH" sz="2000" dirty="0">
+                <a:latin typeface="+mn-lt"/>
+              </a:rPr>
+              <a:t>The tests might pass on one machine and/or the other, but not in a third-party environment (versions, OS, etc.)</a:t>
+            </a:r>
+          </a:p>
+          <a:p>
+            <a:pPr marL="342900" indent="-342900">
+              <a:buFontTx/>
+              <a:buChar char="-"/>
+            </a:pPr>
+            <a:r>
+              <a:rPr lang="en-CH" sz="2000" dirty="0">
+                <a:latin typeface="+mn-lt"/>
+              </a:rPr>
+              <a:t>A maintainer needs to ensure that the software works on all the supported combinations of versions / OSs</a:t>
+            </a:r>
+          </a:p>
+          <a:p>
+            <a:pPr marL="342900" indent="-342900">
+              <a:buFontTx/>
+              <a:buChar char="-"/>
+            </a:pPr>
+            <a:r>
+              <a:rPr lang="en-CH" sz="2000" dirty="0">
+                <a:latin typeface="+mn-lt"/>
+              </a:rPr>
+              <a:t>A maintainer needs to create and upload artifacts like binary packages, documentation, etc </a:t>
+            </a:r>
+          </a:p>
+        </p:txBody>
+      </p:sp>
+      <p:pic>
+        <p:nvPicPr>
+          <p:cNvPr id="7" name="Picture 6" descr="Graphical user interface, diagram&#10;&#10;Description automatically generated">
+            <a:extLst>
+              <a:ext uri="{FF2B5EF4-FFF2-40B4-BE49-F238E27FC236}">
+                <a16:creationId xmlns:a16="http://schemas.microsoft.com/office/drawing/2014/main" id="{D7FC7664-635F-E842-8D8C-22F2EAE1C75C}"/>
+              </a:ext>
+            </a:extLst>
+          </p:cNvPr>
+          <p:cNvPicPr>
+            <a:picLocks noChangeAspect="1"/>
+          </p:cNvPicPr>
+          <p:nvPr/>
+        </p:nvPicPr>
+        <p:blipFill>
+          <a:blip r:embed="rId2">
+            <a:extLst>
+              <a:ext uri="{28A0092B-C50C-407E-A947-70E740481C1C}">
+                <a14:useLocalDpi xmlns:a14="http://schemas.microsoft.com/office/drawing/2010/main" val="0"/>
+              </a:ext>
+            </a:extLst>
+          </a:blip>
+          <a:stretch>
+            <a:fillRect/>
+          </a:stretch>
+        </p:blipFill>
+        <p:spPr>
+          <a:xfrm>
+            <a:off x="2495600" y="1196752"/>
+            <a:ext cx="7200800" cy="3181749"/>
+          </a:xfrm>
+          <a:prstGeom prst="rect">
+            <a:avLst/>
+          </a:prstGeom>
+        </p:spPr>
+      </p:pic>
+      <p:sp>
+        <p:nvSpPr>
+          <p:cNvPr id="3" name="Slide Number Placeholder 2">
+            <a:extLst>
+              <a:ext uri="{FF2B5EF4-FFF2-40B4-BE49-F238E27FC236}">
+                <a16:creationId xmlns:a16="http://schemas.microsoft.com/office/drawing/2014/main" id="{74910C84-24D3-716E-1EB5-1CBCED425CD9}"/>
+              </a:ext>
+            </a:extLst>
+          </p:cNvPr>
+          <p:cNvSpPr>
+            <a:spLocks noGrp="1"/>
+          </p:cNvSpPr>
+          <p:nvPr>
+            <p:ph type="sldNum" sz="quarter" idx="12"/>
+          </p:nvPr>
+        </p:nvSpPr>
+        <p:spPr/>
+        <p:txBody>
+          <a:bodyPr/>
+          <a:lstStyle/>
+          <a:p>
+            <a:fld id="{EF79ADEA-B933-47CC-A4E9-04E6298B917C}" type="slidenum">
+              <a:rPr lang="en-US" smtClean="0"/>
+              <a:pPr/>
+              <a:t>2</a:t>
+            </a:fld>
+            <a:endParaRPr lang="en-US"/>
+          </a:p>
+        </p:txBody>
+      </p:sp>
+    </p:spTree>
+    <p:extLst>
+      <p:ext uri="{BB962C8B-B14F-4D97-AF65-F5344CB8AC3E}">
+        <p14:creationId xmlns:p14="http://schemas.microsoft.com/office/powerpoint/2010/main" val="578119186"/>
+      </p:ext>
+    </p:extLst>
+  </p:cSld>
+  <p:clrMapOvr>
+    <a:masterClrMapping/>
+  </p:clrMapOvr>
+</p:sld>
+</file>
+
+<file path=ppt/slides/slide20.xml><?xml version="1.0" encoding="utf-8"?>
 <p:sld xmlns:a="http://schemas.openxmlformats.org/drawingml/2006/main" xmlns:r="http://schemas.openxmlformats.org/officeDocument/2006/relationships" xmlns:p="http://schemas.openxmlformats.org/presentationml/2006/main" show="0">
   <p:cSld>
     <p:spTree>
@@ -8005,7 +8471,7 @@
             <a:fld id="{EF79ADEA-B933-47CC-A4E9-04E6298B917C}" type="slidenum">
               <a:rPr lang="en-US" smtClean="0"/>
               <a:pPr/>
-              <a:t>19</a:t>
+              <a:t>20</a:t>
             </a:fld>
             <a:endParaRPr lang="en-US"/>
           </a:p>
@@ -8015,516 +8481,6 @@
     <p:extLst>
       <p:ext uri="{BB962C8B-B14F-4D97-AF65-F5344CB8AC3E}">
         <p14:creationId xmlns:p14="http://schemas.microsoft.com/office/powerpoint/2010/main" val="2711912215"/>
-      </p:ext>
-    </p:extLst>
-  </p:cSld>
-  <p:clrMapOvr>
-    <a:masterClrMapping/>
-  </p:clrMapOvr>
-</p:sld>
-</file>
-
-<file path=ppt/slides/slide2.xml><?xml version="1.0" encoding="utf-8"?>
-<p:sld xmlns:a="http://schemas.openxmlformats.org/drawingml/2006/main" xmlns:r="http://schemas.openxmlformats.org/officeDocument/2006/relationships" xmlns:p="http://schemas.openxmlformats.org/presentationml/2006/main">
-  <p:cSld>
-    <p:spTree>
-      <p:nvGrpSpPr>
-        <p:cNvPr id="1" name=""/>
-        <p:cNvGrpSpPr/>
-        <p:nvPr/>
-      </p:nvGrpSpPr>
-      <p:grpSpPr>
-        <a:xfrm>
-          <a:off x="0" y="0"/>
-          <a:ext cx="0" cy="0"/>
-          <a:chOff x="0" y="0"/>
-          <a:chExt cx="0" cy="0"/>
-        </a:xfrm>
-      </p:grpSpPr>
-      <p:sp>
-        <p:nvSpPr>
-          <p:cNvPr id="2" name="Title 1">
-            <a:extLst>
-              <a:ext uri="{FF2B5EF4-FFF2-40B4-BE49-F238E27FC236}">
-                <a16:creationId xmlns:a16="http://schemas.microsoft.com/office/drawing/2014/main" id="{4993AE45-A766-0F4D-9D65-D692ECB4ED00}"/>
-              </a:ext>
-            </a:extLst>
-          </p:cNvPr>
-          <p:cNvSpPr>
-            <a:spLocks noGrp="1"/>
-          </p:cNvSpPr>
-          <p:nvPr>
-            <p:ph type="title"/>
-          </p:nvPr>
-        </p:nvSpPr>
-        <p:spPr/>
-        <p:txBody>
-          <a:bodyPr/>
-          <a:lstStyle/>
-          <a:p>
-            <a:r>
-              <a:rPr lang="de-DE" dirty="0"/>
-              <a:t>Collaborative Development </a:t>
-            </a:r>
-            <a:r>
-              <a:rPr lang="de-DE" dirty="0" err="1"/>
-              <a:t>without</a:t>
-            </a:r>
-            <a:r>
-              <a:rPr lang="de-DE" dirty="0"/>
-              <a:t> CI</a:t>
-            </a:r>
-            <a:endParaRPr lang="en-CH" dirty="0"/>
-          </a:p>
-        </p:txBody>
-      </p:sp>
-      <p:sp>
-        <p:nvSpPr>
-          <p:cNvPr id="4" name="Date Placeholder 3">
-            <a:extLst>
-              <a:ext uri="{FF2B5EF4-FFF2-40B4-BE49-F238E27FC236}">
-                <a16:creationId xmlns:a16="http://schemas.microsoft.com/office/drawing/2014/main" id="{BB7DFD63-E8DE-9344-BDD0-A143F8BD67AC}"/>
-              </a:ext>
-            </a:extLst>
-          </p:cNvPr>
-          <p:cNvSpPr>
-            <a:spLocks noGrp="1"/>
-          </p:cNvSpPr>
-          <p:nvPr>
-            <p:ph type="dt" sz="half" idx="10"/>
-          </p:nvPr>
-        </p:nvSpPr>
-        <p:spPr/>
-        <p:txBody>
-          <a:bodyPr/>
-          <a:lstStyle/>
-          <a:p>
-            <a:r>
-              <a:rPr lang="de-CH"/>
-              <a:t>August 2023, CC BY-SA 4.0</a:t>
-            </a:r>
-            <a:endParaRPr lang="en-US" dirty="0"/>
-          </a:p>
-        </p:txBody>
-      </p:sp>
-      <p:sp>
-        <p:nvSpPr>
-          <p:cNvPr id="5" name="Footer Placeholder 4">
-            <a:extLst>
-              <a:ext uri="{FF2B5EF4-FFF2-40B4-BE49-F238E27FC236}">
-                <a16:creationId xmlns:a16="http://schemas.microsoft.com/office/drawing/2014/main" id="{5138C878-C3D9-AC4C-BDD7-9EFA39DFB1A1}"/>
-              </a:ext>
-            </a:extLst>
-          </p:cNvPr>
-          <p:cNvSpPr>
-            <a:spLocks noGrp="1"/>
-          </p:cNvSpPr>
-          <p:nvPr>
-            <p:ph type="ftr" sz="quarter" idx="11"/>
-          </p:nvPr>
-        </p:nvSpPr>
-        <p:spPr/>
-        <p:txBody>
-          <a:bodyPr/>
-          <a:lstStyle/>
-          <a:p>
-            <a:r>
-              <a:rPr lang="en-US"/>
-              <a:t>Continuous integration, v4.0</a:t>
-            </a:r>
-            <a:endParaRPr lang="en-US" dirty="0"/>
-          </a:p>
-        </p:txBody>
-      </p:sp>
-      <p:sp>
-        <p:nvSpPr>
-          <p:cNvPr id="15" name="Rectangle 14">
-            <a:extLst>
-              <a:ext uri="{FF2B5EF4-FFF2-40B4-BE49-F238E27FC236}">
-                <a16:creationId xmlns:a16="http://schemas.microsoft.com/office/drawing/2014/main" id="{A6D19DE0-5F67-1746-9159-5DDB1C4C03CA}"/>
-              </a:ext>
-            </a:extLst>
-          </p:cNvPr>
-          <p:cNvSpPr/>
-          <p:nvPr/>
-        </p:nvSpPr>
-        <p:spPr>
-          <a:xfrm>
-            <a:off x="983432" y="4398262"/>
-            <a:ext cx="10793960" cy="2000548"/>
-          </a:xfrm>
-          <a:prstGeom prst="rect">
-            <a:avLst/>
-          </a:prstGeom>
-        </p:spPr>
-        <p:txBody>
-          <a:bodyPr wrap="square">
-            <a:spAutoFit/>
-          </a:bodyPr>
-          <a:lstStyle/>
-          <a:p>
-            <a:r>
-              <a:rPr lang="en-CH" sz="2400" dirty="0">
-                <a:latin typeface="+mn-lt"/>
-              </a:rPr>
-              <a:t>Potential issues</a:t>
-            </a:r>
-          </a:p>
-          <a:p>
-            <a:pPr marL="342900" indent="-342900">
-              <a:buFontTx/>
-              <a:buChar char="-"/>
-            </a:pPr>
-            <a:r>
-              <a:rPr lang="en-CH" sz="2000" dirty="0">
-                <a:latin typeface="+mn-lt"/>
-              </a:rPr>
-              <a:t>The tests might pass on one machine and/or the other, but not in a third-party environment (versions, OS, etc.)</a:t>
-            </a:r>
-          </a:p>
-          <a:p>
-            <a:pPr marL="342900" indent="-342900">
-              <a:buFontTx/>
-              <a:buChar char="-"/>
-            </a:pPr>
-            <a:r>
-              <a:rPr lang="en-CH" sz="2000" dirty="0">
-                <a:latin typeface="+mn-lt"/>
-              </a:rPr>
-              <a:t>A maintainer needs to ensure that the software works on all the supported combinations of versions / OSs</a:t>
-            </a:r>
-          </a:p>
-          <a:p>
-            <a:pPr marL="342900" indent="-342900">
-              <a:buFontTx/>
-              <a:buChar char="-"/>
-            </a:pPr>
-            <a:r>
-              <a:rPr lang="en-CH" sz="2000" dirty="0">
-                <a:latin typeface="+mn-lt"/>
-              </a:rPr>
-              <a:t>A maintainer needs to create and upload artifacts like binary packages, documentation, etc </a:t>
-            </a:r>
-          </a:p>
-        </p:txBody>
-      </p:sp>
-      <p:pic>
-        <p:nvPicPr>
-          <p:cNvPr id="7" name="Picture 6" descr="Graphical user interface, diagram&#10;&#10;Description automatically generated">
-            <a:extLst>
-              <a:ext uri="{FF2B5EF4-FFF2-40B4-BE49-F238E27FC236}">
-                <a16:creationId xmlns:a16="http://schemas.microsoft.com/office/drawing/2014/main" id="{D7FC7664-635F-E842-8D8C-22F2EAE1C75C}"/>
-              </a:ext>
-            </a:extLst>
-          </p:cNvPr>
-          <p:cNvPicPr>
-            <a:picLocks noChangeAspect="1"/>
-          </p:cNvPicPr>
-          <p:nvPr/>
-        </p:nvPicPr>
-        <p:blipFill>
-          <a:blip r:embed="rId2">
-            <a:extLst>
-              <a:ext uri="{28A0092B-C50C-407E-A947-70E740481C1C}">
-                <a14:useLocalDpi xmlns:a14="http://schemas.microsoft.com/office/drawing/2010/main" val="0"/>
-              </a:ext>
-            </a:extLst>
-          </a:blip>
-          <a:stretch>
-            <a:fillRect/>
-          </a:stretch>
-        </p:blipFill>
-        <p:spPr>
-          <a:xfrm>
-            <a:off x="2495600" y="1196752"/>
-            <a:ext cx="7200800" cy="3181749"/>
-          </a:xfrm>
-          <a:prstGeom prst="rect">
-            <a:avLst/>
-          </a:prstGeom>
-        </p:spPr>
-      </p:pic>
-      <p:sp>
-        <p:nvSpPr>
-          <p:cNvPr id="3" name="Slide Number Placeholder 2">
-            <a:extLst>
-              <a:ext uri="{FF2B5EF4-FFF2-40B4-BE49-F238E27FC236}">
-                <a16:creationId xmlns:a16="http://schemas.microsoft.com/office/drawing/2014/main" id="{74910C84-24D3-716E-1EB5-1CBCED425CD9}"/>
-              </a:ext>
-            </a:extLst>
-          </p:cNvPr>
-          <p:cNvSpPr>
-            <a:spLocks noGrp="1"/>
-          </p:cNvSpPr>
-          <p:nvPr>
-            <p:ph type="sldNum" sz="quarter" idx="12"/>
-          </p:nvPr>
-        </p:nvSpPr>
-        <p:spPr/>
-        <p:txBody>
-          <a:bodyPr/>
-          <a:lstStyle/>
-          <a:p>
-            <a:fld id="{EF79ADEA-B933-47CC-A4E9-04E6298B917C}" type="slidenum">
-              <a:rPr lang="en-US" smtClean="0"/>
-              <a:pPr/>
-              <a:t>2</a:t>
-            </a:fld>
-            <a:endParaRPr lang="en-US"/>
-          </a:p>
-        </p:txBody>
-      </p:sp>
-    </p:spTree>
-    <p:extLst>
-      <p:ext uri="{BB962C8B-B14F-4D97-AF65-F5344CB8AC3E}">
-        <p14:creationId xmlns:p14="http://schemas.microsoft.com/office/powerpoint/2010/main" val="578119186"/>
-      </p:ext>
-    </p:extLst>
-  </p:cSld>
-  <p:clrMapOvr>
-    <a:masterClrMapping/>
-  </p:clrMapOvr>
-</p:sld>
-</file>
-
-<file path=ppt/slides/slide20.xml><?xml version="1.0" encoding="utf-8"?>
-<p:sld xmlns:a="http://schemas.openxmlformats.org/drawingml/2006/main" xmlns:r="http://schemas.openxmlformats.org/officeDocument/2006/relationships" xmlns:p="http://schemas.openxmlformats.org/presentationml/2006/main" show="0">
-  <p:cSld>
-    <p:spTree>
-      <p:nvGrpSpPr>
-        <p:cNvPr id="1" name=""/>
-        <p:cNvGrpSpPr/>
-        <p:nvPr/>
-      </p:nvGrpSpPr>
-      <p:grpSpPr>
-        <a:xfrm>
-          <a:off x="0" y="0"/>
-          <a:ext cx="0" cy="0"/>
-          <a:chOff x="0" y="0"/>
-          <a:chExt cx="0" cy="0"/>
-        </a:xfrm>
-      </p:grpSpPr>
-      <p:sp>
-        <p:nvSpPr>
-          <p:cNvPr id="2" name="Title 1">
-            <a:extLst>
-              <a:ext uri="{FF2B5EF4-FFF2-40B4-BE49-F238E27FC236}">
-                <a16:creationId xmlns:a16="http://schemas.microsoft.com/office/drawing/2014/main" id="{EACC7A8A-CD41-EB49-BCCF-D1CC9D385024}"/>
-              </a:ext>
-            </a:extLst>
-          </p:cNvPr>
-          <p:cNvSpPr>
-            <a:spLocks noGrp="1"/>
-          </p:cNvSpPr>
-          <p:nvPr>
-            <p:ph type="title"/>
-          </p:nvPr>
-        </p:nvSpPr>
-        <p:spPr/>
-        <p:txBody>
-          <a:bodyPr/>
-          <a:lstStyle/>
-          <a:p>
-            <a:r>
-              <a:rPr lang="en-CH" dirty="0"/>
-              <a:t>GitHub Actions reference</a:t>
-            </a:r>
-          </a:p>
-        </p:txBody>
-      </p:sp>
-      <p:sp>
-        <p:nvSpPr>
-          <p:cNvPr id="3" name="Content Placeholder 2">
-            <a:extLst>
-              <a:ext uri="{FF2B5EF4-FFF2-40B4-BE49-F238E27FC236}">
-                <a16:creationId xmlns:a16="http://schemas.microsoft.com/office/drawing/2014/main" id="{DE78B902-F52A-5B4E-AC89-A7164CC5CB2E}"/>
-              </a:ext>
-            </a:extLst>
-          </p:cNvPr>
-          <p:cNvSpPr>
-            <a:spLocks noGrp="1"/>
-          </p:cNvSpPr>
-          <p:nvPr>
-            <p:ph idx="1"/>
-          </p:nvPr>
-        </p:nvSpPr>
-        <p:spPr/>
-        <p:txBody>
-          <a:bodyPr>
-            <a:normAutofit/>
-          </a:bodyPr>
-          <a:lstStyle/>
-          <a:p>
-            <a:r>
-              <a:rPr lang="en-US" dirty="0"/>
-              <a:t>Types of virtual machines available on GitHub Actions:</a:t>
-            </a:r>
-            <a:br>
-              <a:rPr lang="en-US" dirty="0"/>
-            </a:br>
-            <a:r>
-              <a:rPr lang="en-US" sz="1800" dirty="0">
-                <a:latin typeface="Courier New" panose="02070309020205020404" pitchFamily="49" charset="0"/>
-                <a:cs typeface="Courier New" panose="02070309020205020404" pitchFamily="49" charset="0"/>
-                <a:hlinkClick r:id="rId2"/>
-              </a:rPr>
-              <a:t>https://docs.github.com/en/actions/using-github-hosted-runners/about-github-hosted-runners#supported-runners-and-hardware-resources</a:t>
-            </a:r>
-            <a:endParaRPr lang="en-US" sz="1800" dirty="0">
-              <a:latin typeface="Courier New" panose="02070309020205020404" pitchFamily="49" charset="0"/>
-              <a:cs typeface="Courier New" panose="02070309020205020404" pitchFamily="49" charset="0"/>
-            </a:endParaRPr>
-          </a:p>
-          <a:p>
-            <a:r>
-              <a:rPr lang="en-US" sz="1800" dirty="0">
-                <a:latin typeface="Courier New" panose="02070309020205020404" pitchFamily="49" charset="0"/>
-                <a:cs typeface="Courier New" panose="02070309020205020404" pitchFamily="49" charset="0"/>
-              </a:rPr>
-              <a:t>setup-python</a:t>
-            </a:r>
-            <a:r>
-              <a:rPr lang="en-US" sz="1800" dirty="0">
-                <a:cs typeface="Courier New" panose="02070309020205020404" pitchFamily="49" charset="0"/>
-              </a:rPr>
-              <a:t> </a:t>
-            </a:r>
-            <a:r>
-              <a:rPr lang="en-US" sz="2000" dirty="0">
-                <a:cs typeface="Courier New" panose="02070309020205020404" pitchFamily="49" charset="0"/>
-              </a:rPr>
-              <a:t>community action, all available Python flavors and versions:</a:t>
-            </a:r>
-            <a:br>
-              <a:rPr lang="en-US" sz="2000" dirty="0">
-                <a:cs typeface="Courier New" panose="02070309020205020404" pitchFamily="49" charset="0"/>
-              </a:rPr>
-            </a:br>
-            <a:r>
-              <a:rPr lang="en-US" sz="1800" dirty="0">
-                <a:latin typeface="Courier New" panose="02070309020205020404" pitchFamily="49" charset="0"/>
-                <a:cs typeface="Courier New" panose="02070309020205020404" pitchFamily="49" charset="0"/>
-                <a:hlinkClick r:id="rId3"/>
-              </a:rPr>
-              <a:t>https://github.com/marketplace/actions/setup-python</a:t>
-            </a:r>
-            <a:endParaRPr lang="en-US" sz="1800" dirty="0">
-              <a:latin typeface="Courier New" panose="02070309020205020404" pitchFamily="49" charset="0"/>
-              <a:cs typeface="Courier New" panose="02070309020205020404" pitchFamily="49" charset="0"/>
-            </a:endParaRPr>
-          </a:p>
-          <a:p>
-            <a:endParaRPr lang="en-US" sz="1800" dirty="0">
-              <a:latin typeface="Courier New" panose="02070309020205020404" pitchFamily="49" charset="0"/>
-              <a:cs typeface="Courier New" panose="02070309020205020404" pitchFamily="49" charset="0"/>
-            </a:endParaRPr>
-          </a:p>
-          <a:p>
-            <a:pPr marL="0" indent="0">
-              <a:buNone/>
-            </a:pPr>
-            <a:endParaRPr lang="en-US" dirty="0"/>
-          </a:p>
-          <a:p>
-            <a:pPr marL="0" indent="0">
-              <a:buNone/>
-            </a:pPr>
-            <a:endParaRPr lang="en-CH" dirty="0"/>
-          </a:p>
-        </p:txBody>
-      </p:sp>
-      <p:sp>
-        <p:nvSpPr>
-          <p:cNvPr id="4" name="Date Placeholder 3">
-            <a:extLst>
-              <a:ext uri="{FF2B5EF4-FFF2-40B4-BE49-F238E27FC236}">
-                <a16:creationId xmlns:a16="http://schemas.microsoft.com/office/drawing/2014/main" id="{BD10E3E1-D420-6649-A15F-D53900236E0F}"/>
-              </a:ext>
-            </a:extLst>
-          </p:cNvPr>
-          <p:cNvSpPr>
-            <a:spLocks noGrp="1"/>
-          </p:cNvSpPr>
-          <p:nvPr>
-            <p:ph type="dt" sz="half" idx="10"/>
-          </p:nvPr>
-        </p:nvSpPr>
-        <p:spPr/>
-        <p:txBody>
-          <a:bodyPr/>
-          <a:lstStyle/>
-          <a:p>
-            <a:r>
-              <a:rPr lang="de-CH" sz="1000"/>
-              <a:t>August 2023, CC BY-SA 4.0</a:t>
-            </a:r>
-            <a:endParaRPr lang="en-US" sz="1000" dirty="0"/>
-          </a:p>
-        </p:txBody>
-      </p:sp>
-      <p:sp>
-        <p:nvSpPr>
-          <p:cNvPr id="5" name="Footer Placeholder 4">
-            <a:extLst>
-              <a:ext uri="{FF2B5EF4-FFF2-40B4-BE49-F238E27FC236}">
-                <a16:creationId xmlns:a16="http://schemas.microsoft.com/office/drawing/2014/main" id="{6F012DDD-E088-A248-B0DC-043A5AFA7F11}"/>
-              </a:ext>
-            </a:extLst>
-          </p:cNvPr>
-          <p:cNvSpPr>
-            <a:spLocks noGrp="1"/>
-          </p:cNvSpPr>
-          <p:nvPr>
-            <p:ph type="ftr" sz="quarter" idx="11"/>
-          </p:nvPr>
-        </p:nvSpPr>
-        <p:spPr/>
-        <p:txBody>
-          <a:bodyPr/>
-          <a:lstStyle/>
-          <a:p>
-            <a:r>
-              <a:rPr lang="en-US"/>
-              <a:t>Continuous integration, v4.0</a:t>
-            </a:r>
-            <a:endParaRPr lang="en-US" dirty="0"/>
-          </a:p>
-        </p:txBody>
-      </p:sp>
-      <p:sp>
-        <p:nvSpPr>
-          <p:cNvPr id="6" name="Slide Number Placeholder 5">
-            <a:extLst>
-              <a:ext uri="{FF2B5EF4-FFF2-40B4-BE49-F238E27FC236}">
-                <a16:creationId xmlns:a16="http://schemas.microsoft.com/office/drawing/2014/main" id="{D1A31B90-0CF8-18DE-6D32-3B65F6DE2E1C}"/>
-              </a:ext>
-            </a:extLst>
-          </p:cNvPr>
-          <p:cNvSpPr>
-            <a:spLocks noGrp="1"/>
-          </p:cNvSpPr>
-          <p:nvPr>
-            <p:ph type="sldNum" sz="quarter" idx="12"/>
-          </p:nvPr>
-        </p:nvSpPr>
-        <p:spPr/>
-        <p:txBody>
-          <a:bodyPr/>
-          <a:lstStyle/>
-          <a:p>
-            <a:fld id="{EF79ADEA-B933-47CC-A4E9-04E6298B917C}" type="slidenum">
-              <a:rPr lang="en-US" smtClean="0"/>
-              <a:pPr/>
-              <a:t>20</a:t>
-            </a:fld>
-            <a:endParaRPr lang="en-US"/>
-          </a:p>
-        </p:txBody>
-      </p:sp>
-    </p:spTree>
-    <p:extLst>
-      <p:ext uri="{BB962C8B-B14F-4D97-AF65-F5344CB8AC3E}">
-        <p14:creationId xmlns:p14="http://schemas.microsoft.com/office/powerpoint/2010/main" val="3469218920"/>
       </p:ext>
     </p:extLst>
   </p:cSld>
@@ -8556,6 +8512,253 @@
           <p:cNvPr id="2" name="Title 1">
             <a:extLst>
               <a:ext uri="{FF2B5EF4-FFF2-40B4-BE49-F238E27FC236}">
+                <a16:creationId xmlns:a16="http://schemas.microsoft.com/office/drawing/2014/main" id="{EACC7A8A-CD41-EB49-BCCF-D1CC9D385024}"/>
+              </a:ext>
+            </a:extLst>
+          </p:cNvPr>
+          <p:cNvSpPr>
+            <a:spLocks noGrp="1"/>
+          </p:cNvSpPr>
+          <p:nvPr>
+            <p:ph type="title"/>
+          </p:nvPr>
+        </p:nvSpPr>
+        <p:spPr/>
+        <p:txBody>
+          <a:bodyPr/>
+          <a:lstStyle/>
+          <a:p>
+            <a:r>
+              <a:rPr lang="en-CH" dirty="0"/>
+              <a:t>GitHub Actions reference</a:t>
+            </a:r>
+          </a:p>
+        </p:txBody>
+      </p:sp>
+      <p:sp>
+        <p:nvSpPr>
+          <p:cNvPr id="3" name="Content Placeholder 2">
+            <a:extLst>
+              <a:ext uri="{FF2B5EF4-FFF2-40B4-BE49-F238E27FC236}">
+                <a16:creationId xmlns:a16="http://schemas.microsoft.com/office/drawing/2014/main" id="{DE78B902-F52A-5B4E-AC89-A7164CC5CB2E}"/>
+              </a:ext>
+            </a:extLst>
+          </p:cNvPr>
+          <p:cNvSpPr>
+            <a:spLocks noGrp="1"/>
+          </p:cNvSpPr>
+          <p:nvPr>
+            <p:ph idx="1"/>
+          </p:nvPr>
+        </p:nvSpPr>
+        <p:spPr/>
+        <p:txBody>
+          <a:bodyPr>
+            <a:normAutofit/>
+          </a:bodyPr>
+          <a:lstStyle/>
+          <a:p>
+            <a:r>
+              <a:rPr lang="en-US" dirty="0"/>
+              <a:t>Types of virtual machines available on GitHub Actions:</a:t>
+            </a:r>
+            <a:br>
+              <a:rPr lang="en-US" dirty="0"/>
+            </a:br>
+            <a:r>
+              <a:rPr lang="en-US" sz="1800" dirty="0">
+                <a:latin typeface="Courier New" panose="02070309020205020404" pitchFamily="49" charset="0"/>
+                <a:cs typeface="Courier New" panose="02070309020205020404" pitchFamily="49" charset="0"/>
+                <a:hlinkClick r:id="rId2"/>
+              </a:rPr>
+              <a:t>https://docs.github.com/en/actions/using-github-hosted-runners/about-github-hosted-runners#supported-runners-and-hardware-resources</a:t>
+            </a:r>
+            <a:endParaRPr lang="en-US" sz="1800" dirty="0">
+              <a:latin typeface="Courier New" panose="02070309020205020404" pitchFamily="49" charset="0"/>
+              <a:cs typeface="Courier New" panose="02070309020205020404" pitchFamily="49" charset="0"/>
+            </a:endParaRPr>
+          </a:p>
+          <a:p>
+            <a:r>
+              <a:rPr lang="en-US" sz="1800" dirty="0">
+                <a:latin typeface="Courier New" panose="02070309020205020404" pitchFamily="49" charset="0"/>
+                <a:cs typeface="Courier New" panose="02070309020205020404" pitchFamily="49" charset="0"/>
+              </a:rPr>
+              <a:t>setup-python</a:t>
+            </a:r>
+            <a:r>
+              <a:rPr lang="en-US" sz="1800" dirty="0">
+                <a:cs typeface="Courier New" panose="02070309020205020404" pitchFamily="49" charset="0"/>
+              </a:rPr>
+              <a:t> </a:t>
+            </a:r>
+            <a:r>
+              <a:rPr lang="en-US" sz="2000" dirty="0">
+                <a:cs typeface="Courier New" panose="02070309020205020404" pitchFamily="49" charset="0"/>
+              </a:rPr>
+              <a:t>community action, all available Python flavors and versions:</a:t>
+            </a:r>
+            <a:br>
+              <a:rPr lang="en-US" sz="2000" dirty="0">
+                <a:cs typeface="Courier New" panose="02070309020205020404" pitchFamily="49" charset="0"/>
+              </a:rPr>
+            </a:br>
+            <a:r>
+              <a:rPr lang="en-US" sz="1800" dirty="0">
+                <a:latin typeface="Courier New" panose="02070309020205020404" pitchFamily="49" charset="0"/>
+                <a:cs typeface="Courier New" panose="02070309020205020404" pitchFamily="49" charset="0"/>
+                <a:hlinkClick r:id="rId3"/>
+              </a:rPr>
+              <a:t>https://github.com/marketplace/actions/setup-python</a:t>
+            </a:r>
+            <a:endParaRPr lang="en-US" sz="1800" dirty="0">
+              <a:latin typeface="Courier New" panose="02070309020205020404" pitchFamily="49" charset="0"/>
+              <a:cs typeface="Courier New" panose="02070309020205020404" pitchFamily="49" charset="0"/>
+            </a:endParaRPr>
+          </a:p>
+          <a:p>
+            <a:endParaRPr lang="en-US" sz="1800" dirty="0">
+              <a:latin typeface="Courier New" panose="02070309020205020404" pitchFamily="49" charset="0"/>
+              <a:cs typeface="Courier New" panose="02070309020205020404" pitchFamily="49" charset="0"/>
+            </a:endParaRPr>
+          </a:p>
+          <a:p>
+            <a:pPr marL="0" indent="0">
+              <a:buNone/>
+            </a:pPr>
+            <a:endParaRPr lang="en-US" dirty="0"/>
+          </a:p>
+          <a:p>
+            <a:pPr marL="0" indent="0">
+              <a:buNone/>
+            </a:pPr>
+            <a:endParaRPr lang="en-CH" dirty="0"/>
+          </a:p>
+        </p:txBody>
+      </p:sp>
+      <p:sp>
+        <p:nvSpPr>
+          <p:cNvPr id="4" name="Date Placeholder 3">
+            <a:extLst>
+              <a:ext uri="{FF2B5EF4-FFF2-40B4-BE49-F238E27FC236}">
+                <a16:creationId xmlns:a16="http://schemas.microsoft.com/office/drawing/2014/main" id="{BD10E3E1-D420-6649-A15F-D53900236E0F}"/>
+              </a:ext>
+            </a:extLst>
+          </p:cNvPr>
+          <p:cNvSpPr>
+            <a:spLocks noGrp="1"/>
+          </p:cNvSpPr>
+          <p:nvPr>
+            <p:ph type="dt" sz="half" idx="10"/>
+          </p:nvPr>
+        </p:nvSpPr>
+        <p:spPr/>
+        <p:txBody>
+          <a:bodyPr/>
+          <a:lstStyle/>
+          <a:p>
+            <a:r>
+              <a:rPr lang="de-CH" sz="1000"/>
+              <a:t>August 2023, CC BY-SA 4.0</a:t>
+            </a:r>
+            <a:endParaRPr lang="en-US" sz="1000" dirty="0"/>
+          </a:p>
+        </p:txBody>
+      </p:sp>
+      <p:sp>
+        <p:nvSpPr>
+          <p:cNvPr id="5" name="Footer Placeholder 4">
+            <a:extLst>
+              <a:ext uri="{FF2B5EF4-FFF2-40B4-BE49-F238E27FC236}">
+                <a16:creationId xmlns:a16="http://schemas.microsoft.com/office/drawing/2014/main" id="{6F012DDD-E088-A248-B0DC-043A5AFA7F11}"/>
+              </a:ext>
+            </a:extLst>
+          </p:cNvPr>
+          <p:cNvSpPr>
+            <a:spLocks noGrp="1"/>
+          </p:cNvSpPr>
+          <p:nvPr>
+            <p:ph type="ftr" sz="quarter" idx="11"/>
+          </p:nvPr>
+        </p:nvSpPr>
+        <p:spPr/>
+        <p:txBody>
+          <a:bodyPr/>
+          <a:lstStyle/>
+          <a:p>
+            <a:r>
+              <a:rPr lang="en-US"/>
+              <a:t>Continuous integration, v4.0</a:t>
+            </a:r>
+            <a:endParaRPr lang="en-US" dirty="0"/>
+          </a:p>
+        </p:txBody>
+      </p:sp>
+      <p:sp>
+        <p:nvSpPr>
+          <p:cNvPr id="6" name="Slide Number Placeholder 5">
+            <a:extLst>
+              <a:ext uri="{FF2B5EF4-FFF2-40B4-BE49-F238E27FC236}">
+                <a16:creationId xmlns:a16="http://schemas.microsoft.com/office/drawing/2014/main" id="{D1A31B90-0CF8-18DE-6D32-3B65F6DE2E1C}"/>
+              </a:ext>
+            </a:extLst>
+          </p:cNvPr>
+          <p:cNvSpPr>
+            <a:spLocks noGrp="1"/>
+          </p:cNvSpPr>
+          <p:nvPr>
+            <p:ph type="sldNum" sz="quarter" idx="12"/>
+          </p:nvPr>
+        </p:nvSpPr>
+        <p:spPr/>
+        <p:txBody>
+          <a:bodyPr/>
+          <a:lstStyle/>
+          <a:p>
+            <a:fld id="{EF79ADEA-B933-47CC-A4E9-04E6298B917C}" type="slidenum">
+              <a:rPr lang="en-US" smtClean="0"/>
+              <a:pPr/>
+              <a:t>21</a:t>
+            </a:fld>
+            <a:endParaRPr lang="en-US"/>
+          </a:p>
+        </p:txBody>
+      </p:sp>
+    </p:spTree>
+    <p:extLst>
+      <p:ext uri="{BB962C8B-B14F-4D97-AF65-F5344CB8AC3E}">
+        <p14:creationId xmlns:p14="http://schemas.microsoft.com/office/powerpoint/2010/main" val="3469218920"/>
+      </p:ext>
+    </p:extLst>
+  </p:cSld>
+  <p:clrMapOvr>
+    <a:masterClrMapping/>
+  </p:clrMapOvr>
+</p:sld>
+</file>
+
+<file path=ppt/slides/slide22.xml><?xml version="1.0" encoding="utf-8"?>
+<p:sld xmlns:a="http://schemas.openxmlformats.org/drawingml/2006/main" xmlns:r="http://schemas.openxmlformats.org/officeDocument/2006/relationships" xmlns:p="http://schemas.openxmlformats.org/presentationml/2006/main" show="0">
+  <p:cSld>
+    <p:spTree>
+      <p:nvGrpSpPr>
+        <p:cNvPr id="1" name=""/>
+        <p:cNvGrpSpPr/>
+        <p:nvPr/>
+      </p:nvGrpSpPr>
+      <p:grpSpPr>
+        <a:xfrm>
+          <a:off x="0" y="0"/>
+          <a:ext cx="0" cy="0"/>
+          <a:chOff x="0" y="0"/>
+          <a:chExt cx="0" cy="0"/>
+        </a:xfrm>
+      </p:grpSpPr>
+      <p:sp>
+        <p:nvSpPr>
+          <p:cNvPr id="2" name="Title 1">
+            <a:extLst>
+              <a:ext uri="{FF2B5EF4-FFF2-40B4-BE49-F238E27FC236}">
                 <a16:creationId xmlns:a16="http://schemas.microsoft.com/office/drawing/2014/main" id="{33165359-9CD5-EF41-9C08-A5F425B6C08E}"/>
               </a:ext>
             </a:extLst>
@@ -8724,7 +8927,7 @@
             <a:fld id="{EF79ADEA-B933-47CC-A4E9-04E6298B917C}" type="slidenum">
               <a:rPr lang="en-US" smtClean="0"/>
               <a:pPr/>
-              <a:t>21</a:t>
+              <a:t>22</a:t>
             </a:fld>
             <a:endParaRPr lang="en-US"/>
           </a:p>
@@ -8796,7 +8999,7 @@
 </p:sld>
 </file>
 
-<file path=ppt/slides/slide22.xml><?xml version="1.0" encoding="utf-8"?>
+<file path=ppt/slides/slide23.xml><?xml version="1.0" encoding="utf-8"?>
 <p:sld xmlns:a="http://schemas.openxmlformats.org/drawingml/2006/main" xmlns:r="http://schemas.openxmlformats.org/officeDocument/2006/relationships" xmlns:p="http://schemas.openxmlformats.org/presentationml/2006/main" show="0">
   <p:cSld>
     <p:spTree>
@@ -8882,7 +9085,7 @@
             <a:fld id="{EF79ADEA-B933-47CC-A4E9-04E6298B917C}" type="slidenum">
               <a:rPr lang="en-US" smtClean="0"/>
               <a:pPr/>
-              <a:t>22</a:t>
+              <a:t>23</a:t>
             </a:fld>
             <a:endParaRPr lang="en-US"/>
           </a:p>
@@ -8896,7 +9099,7 @@
 </p:sld>
 </file>
 
-<file path=ppt/slides/slide23.xml><?xml version="1.0" encoding="utf-8"?>
+<file path=ppt/slides/slide24.xml><?xml version="1.0" encoding="utf-8"?>
 <p:sld xmlns:a="http://schemas.openxmlformats.org/drawingml/2006/main" xmlns:r="http://schemas.openxmlformats.org/officeDocument/2006/relationships" xmlns:p="http://schemas.openxmlformats.org/presentationml/2006/main" show="0">
   <p:cSld>
     <p:spTree>
@@ -9436,7 +9639,7 @@
             <a:fld id="{EF79ADEA-B933-47CC-A4E9-04E6298B917C}" type="slidenum">
               <a:rPr lang="en-US" smtClean="0"/>
               <a:pPr/>
-              <a:t>23</a:t>
+              <a:t>24</a:t>
             </a:fld>
             <a:endParaRPr lang="en-US"/>
           </a:p>
@@ -9446,275 +9649,6 @@
     <p:extLst>
       <p:ext uri="{BB962C8B-B14F-4D97-AF65-F5344CB8AC3E}">
         <p14:creationId xmlns:p14="http://schemas.microsoft.com/office/powerpoint/2010/main" val="261603392"/>
-      </p:ext>
-    </p:extLst>
-  </p:cSld>
-  <p:clrMapOvr>
-    <a:masterClrMapping/>
-  </p:clrMapOvr>
-</p:sld>
-</file>
-
-<file path=ppt/slides/slide24.xml><?xml version="1.0" encoding="utf-8"?>
-<p:sld xmlns:a="http://schemas.openxmlformats.org/drawingml/2006/main" xmlns:r="http://schemas.openxmlformats.org/officeDocument/2006/relationships" xmlns:p="http://schemas.openxmlformats.org/presentationml/2006/main" show="0">
-  <p:cSld>
-    <p:spTree>
-      <p:nvGrpSpPr>
-        <p:cNvPr id="1" name=""/>
-        <p:cNvGrpSpPr/>
-        <p:nvPr/>
-      </p:nvGrpSpPr>
-      <p:grpSpPr>
-        <a:xfrm>
-          <a:off x="0" y="0"/>
-          <a:ext cx="0" cy="0"/>
-          <a:chOff x="0" y="0"/>
-          <a:chExt cx="0" cy="0"/>
-        </a:xfrm>
-      </p:grpSpPr>
-      <p:sp>
-        <p:nvSpPr>
-          <p:cNvPr id="2" name="Title 1">
-            <a:extLst>
-              <a:ext uri="{FF2B5EF4-FFF2-40B4-BE49-F238E27FC236}">
-                <a16:creationId xmlns:a16="http://schemas.microsoft.com/office/drawing/2014/main" id="{061016C8-512C-EB4B-9D32-9CF4CB9D4F11}"/>
-              </a:ext>
-            </a:extLst>
-          </p:cNvPr>
-          <p:cNvSpPr>
-            <a:spLocks noGrp="1"/>
-          </p:cNvSpPr>
-          <p:nvPr>
-            <p:ph type="title"/>
-          </p:nvPr>
-        </p:nvSpPr>
-        <p:spPr/>
-        <p:txBody>
-          <a:bodyPr/>
-          <a:lstStyle/>
-          <a:p>
-            <a:r>
-              <a:rPr lang="de-DE" dirty="0"/>
-              <a:t>Bonus: </a:t>
-            </a:r>
-            <a:r>
-              <a:rPr lang="en-CH"/>
-              <a:t>Security</a:t>
-            </a:r>
-            <a:endParaRPr lang="en-CH" dirty="0"/>
-          </a:p>
-        </p:txBody>
-      </p:sp>
-      <p:sp>
-        <p:nvSpPr>
-          <p:cNvPr id="3" name="Content Placeholder 2">
-            <a:extLst>
-              <a:ext uri="{FF2B5EF4-FFF2-40B4-BE49-F238E27FC236}">
-                <a16:creationId xmlns:a16="http://schemas.microsoft.com/office/drawing/2014/main" id="{463079FE-7331-C647-815D-07795DC7ED3D}"/>
-              </a:ext>
-            </a:extLst>
-          </p:cNvPr>
-          <p:cNvSpPr>
-            <a:spLocks noGrp="1"/>
-          </p:cNvSpPr>
-          <p:nvPr>
-            <p:ph idx="1"/>
-          </p:nvPr>
-        </p:nvSpPr>
-        <p:spPr>
-          <a:xfrm>
-            <a:off x="1981200" y="1412776"/>
-            <a:ext cx="8229600" cy="4744184"/>
-          </a:xfrm>
-        </p:spPr>
-        <p:txBody>
-          <a:bodyPr>
-            <a:normAutofit/>
-          </a:bodyPr>
-          <a:lstStyle/>
-          <a:p>
-            <a:r>
-              <a:rPr lang="en-CH"/>
-              <a:t>Secrets </a:t>
-            </a:r>
-            <a:r>
-              <a:rPr lang="en-CH" dirty="0"/>
-              <a:t>in GitHub actions can be added </a:t>
-            </a:r>
-            <a:r>
-              <a:rPr lang="en-CH"/>
-              <a:t>under </a:t>
-            </a:r>
-            <a:br>
-              <a:rPr lang="de-DE" dirty="0"/>
-            </a:br>
-            <a:r>
-              <a:rPr lang="en-CH">
-                <a:latin typeface="Courier New" panose="02070309020205020404" pitchFamily="49" charset="0"/>
-                <a:cs typeface="Courier New" panose="02070309020205020404" pitchFamily="49" charset="0"/>
-              </a:rPr>
-              <a:t>Settings </a:t>
-            </a:r>
-            <a:r>
-              <a:rPr lang="de-DE" dirty="0">
-                <a:latin typeface="Courier New" panose="02070309020205020404" pitchFamily="49" charset="0"/>
-                <a:cs typeface="Courier New" panose="02070309020205020404" pitchFamily="49" charset="0"/>
-              </a:rPr>
-              <a:t>-</a:t>
-            </a:r>
-            <a:r>
-              <a:rPr lang="en-CH">
-                <a:latin typeface="Courier New" panose="02070309020205020404" pitchFamily="49" charset="0"/>
-                <a:cs typeface="Courier New" panose="02070309020205020404" pitchFamily="49" charset="0"/>
-              </a:rPr>
-              <a:t>&gt; </a:t>
-            </a:r>
-            <a:r>
-              <a:rPr lang="en-CH" dirty="0">
-                <a:latin typeface="Courier New" panose="02070309020205020404" pitchFamily="49" charset="0"/>
-                <a:cs typeface="Courier New" panose="02070309020205020404" pitchFamily="49" charset="0"/>
-              </a:rPr>
-              <a:t>Secrets</a:t>
-            </a:r>
-            <a:r>
-              <a:rPr lang="en-CH" dirty="0"/>
-              <a:t>.  The secret is stored encrypted by GitHub, and decrypted at the moment of running the workflow</a:t>
-            </a:r>
-          </a:p>
-          <a:p>
-            <a:r>
-              <a:rPr lang="en-CH" dirty="0"/>
-              <a:t>Secrets can then be referred to in the workflow as</a:t>
-            </a:r>
-            <a:br>
-              <a:rPr lang="en-CH" dirty="0"/>
-            </a:br>
-            <a:endParaRPr lang="en-CH" dirty="0"/>
-          </a:p>
-        </p:txBody>
-      </p:sp>
-      <p:sp>
-        <p:nvSpPr>
-          <p:cNvPr id="4" name="Date Placeholder 3">
-            <a:extLst>
-              <a:ext uri="{FF2B5EF4-FFF2-40B4-BE49-F238E27FC236}">
-                <a16:creationId xmlns:a16="http://schemas.microsoft.com/office/drawing/2014/main" id="{9EE323CB-7E09-7C4F-B160-F4B2E2E319F3}"/>
-              </a:ext>
-            </a:extLst>
-          </p:cNvPr>
-          <p:cNvSpPr>
-            <a:spLocks noGrp="1"/>
-          </p:cNvSpPr>
-          <p:nvPr>
-            <p:ph type="dt" sz="half" idx="10"/>
-          </p:nvPr>
-        </p:nvSpPr>
-        <p:spPr/>
-        <p:txBody>
-          <a:bodyPr/>
-          <a:lstStyle/>
-          <a:p>
-            <a:r>
-              <a:rPr lang="de-CH" sz="1000"/>
-              <a:t>August 2023, CC BY-SA 4.0</a:t>
-            </a:r>
-            <a:endParaRPr lang="en-US" sz="1000" dirty="0"/>
-          </a:p>
-        </p:txBody>
-      </p:sp>
-      <p:sp>
-        <p:nvSpPr>
-          <p:cNvPr id="5" name="Footer Placeholder 4">
-            <a:extLst>
-              <a:ext uri="{FF2B5EF4-FFF2-40B4-BE49-F238E27FC236}">
-                <a16:creationId xmlns:a16="http://schemas.microsoft.com/office/drawing/2014/main" id="{3453E2C3-64E5-E44E-8FAB-45D4F29AD119}"/>
-              </a:ext>
-            </a:extLst>
-          </p:cNvPr>
-          <p:cNvSpPr>
-            <a:spLocks noGrp="1"/>
-          </p:cNvSpPr>
-          <p:nvPr>
-            <p:ph type="ftr" sz="quarter" idx="11"/>
-          </p:nvPr>
-        </p:nvSpPr>
-        <p:spPr/>
-        <p:txBody>
-          <a:bodyPr/>
-          <a:lstStyle/>
-          <a:p>
-            <a:r>
-              <a:rPr lang="en-US"/>
-              <a:t>Continuous integration, v4.0</a:t>
-            </a:r>
-            <a:endParaRPr lang="en-US" dirty="0"/>
-          </a:p>
-        </p:txBody>
-      </p:sp>
-      <p:pic>
-        <p:nvPicPr>
-          <p:cNvPr id="6" name="Picture 5">
-            <a:extLst>
-              <a:ext uri="{FF2B5EF4-FFF2-40B4-BE49-F238E27FC236}">
-                <a16:creationId xmlns:a16="http://schemas.microsoft.com/office/drawing/2014/main" id="{6160D76E-090E-DD4A-92D3-5E3DA427B157}"/>
-              </a:ext>
-            </a:extLst>
-          </p:cNvPr>
-          <p:cNvPicPr>
-            <a:picLocks noChangeAspect="1"/>
-          </p:cNvPicPr>
-          <p:nvPr/>
-        </p:nvPicPr>
-        <p:blipFill>
-          <a:blip r:embed="rId2"/>
-          <a:stretch>
-            <a:fillRect/>
-          </a:stretch>
-        </p:blipFill>
-        <p:spPr>
-          <a:xfrm>
-            <a:off x="3143672" y="3789040"/>
-            <a:ext cx="5643482" cy="1800200"/>
-          </a:xfrm>
-          <a:prstGeom prst="rect">
-            <a:avLst/>
-          </a:prstGeom>
-        </p:spPr>
-      </p:pic>
-      <p:sp>
-        <p:nvSpPr>
-          <p:cNvPr id="7" name="Slide Number Placeholder 6">
-            <a:extLst>
-              <a:ext uri="{FF2B5EF4-FFF2-40B4-BE49-F238E27FC236}">
-                <a16:creationId xmlns:a16="http://schemas.microsoft.com/office/drawing/2014/main" id="{3F872150-F1C8-D16D-5401-B703854D69D1}"/>
-              </a:ext>
-            </a:extLst>
-          </p:cNvPr>
-          <p:cNvSpPr>
-            <a:spLocks noGrp="1"/>
-          </p:cNvSpPr>
-          <p:nvPr>
-            <p:ph type="sldNum" sz="quarter" idx="12"/>
-          </p:nvPr>
-        </p:nvSpPr>
-        <p:spPr/>
-        <p:txBody>
-          <a:bodyPr/>
-          <a:lstStyle/>
-          <a:p>
-            <a:fld id="{EF79ADEA-B933-47CC-A4E9-04E6298B917C}" type="slidenum">
-              <a:rPr lang="en-US" smtClean="0"/>
-              <a:pPr/>
-              <a:t>24</a:t>
-            </a:fld>
-            <a:endParaRPr lang="en-US"/>
-          </a:p>
-        </p:txBody>
-      </p:sp>
-    </p:spTree>
-    <p:extLst>
-      <p:ext uri="{BB962C8B-B14F-4D97-AF65-F5344CB8AC3E}">
-        <p14:creationId xmlns:p14="http://schemas.microsoft.com/office/powerpoint/2010/main" val="2375245855"/>
       </p:ext>
     </p:extLst>
   </p:cSld>
@@ -9746,6 +9680,275 @@
           <p:cNvPr id="2" name="Title 1">
             <a:extLst>
               <a:ext uri="{FF2B5EF4-FFF2-40B4-BE49-F238E27FC236}">
+                <a16:creationId xmlns:a16="http://schemas.microsoft.com/office/drawing/2014/main" id="{061016C8-512C-EB4B-9D32-9CF4CB9D4F11}"/>
+              </a:ext>
+            </a:extLst>
+          </p:cNvPr>
+          <p:cNvSpPr>
+            <a:spLocks noGrp="1"/>
+          </p:cNvSpPr>
+          <p:nvPr>
+            <p:ph type="title"/>
+          </p:nvPr>
+        </p:nvSpPr>
+        <p:spPr/>
+        <p:txBody>
+          <a:bodyPr/>
+          <a:lstStyle/>
+          <a:p>
+            <a:r>
+              <a:rPr lang="de-DE" dirty="0"/>
+              <a:t>Bonus: </a:t>
+            </a:r>
+            <a:r>
+              <a:rPr lang="en-CH"/>
+              <a:t>Security</a:t>
+            </a:r>
+            <a:endParaRPr lang="en-CH" dirty="0"/>
+          </a:p>
+        </p:txBody>
+      </p:sp>
+      <p:sp>
+        <p:nvSpPr>
+          <p:cNvPr id="3" name="Content Placeholder 2">
+            <a:extLst>
+              <a:ext uri="{FF2B5EF4-FFF2-40B4-BE49-F238E27FC236}">
+                <a16:creationId xmlns:a16="http://schemas.microsoft.com/office/drawing/2014/main" id="{463079FE-7331-C647-815D-07795DC7ED3D}"/>
+              </a:ext>
+            </a:extLst>
+          </p:cNvPr>
+          <p:cNvSpPr>
+            <a:spLocks noGrp="1"/>
+          </p:cNvSpPr>
+          <p:nvPr>
+            <p:ph idx="1"/>
+          </p:nvPr>
+        </p:nvSpPr>
+        <p:spPr>
+          <a:xfrm>
+            <a:off x="1981200" y="1412776"/>
+            <a:ext cx="8229600" cy="4744184"/>
+          </a:xfrm>
+        </p:spPr>
+        <p:txBody>
+          <a:bodyPr>
+            <a:normAutofit/>
+          </a:bodyPr>
+          <a:lstStyle/>
+          <a:p>
+            <a:r>
+              <a:rPr lang="en-CH"/>
+              <a:t>Secrets </a:t>
+            </a:r>
+            <a:r>
+              <a:rPr lang="en-CH" dirty="0"/>
+              <a:t>in GitHub actions can be added </a:t>
+            </a:r>
+            <a:r>
+              <a:rPr lang="en-CH"/>
+              <a:t>under </a:t>
+            </a:r>
+            <a:br>
+              <a:rPr lang="de-DE" dirty="0"/>
+            </a:br>
+            <a:r>
+              <a:rPr lang="en-CH">
+                <a:latin typeface="Courier New" panose="02070309020205020404" pitchFamily="49" charset="0"/>
+                <a:cs typeface="Courier New" panose="02070309020205020404" pitchFamily="49" charset="0"/>
+              </a:rPr>
+              <a:t>Settings </a:t>
+            </a:r>
+            <a:r>
+              <a:rPr lang="de-DE" dirty="0">
+                <a:latin typeface="Courier New" panose="02070309020205020404" pitchFamily="49" charset="0"/>
+                <a:cs typeface="Courier New" panose="02070309020205020404" pitchFamily="49" charset="0"/>
+              </a:rPr>
+              <a:t>-</a:t>
+            </a:r>
+            <a:r>
+              <a:rPr lang="en-CH">
+                <a:latin typeface="Courier New" panose="02070309020205020404" pitchFamily="49" charset="0"/>
+                <a:cs typeface="Courier New" panose="02070309020205020404" pitchFamily="49" charset="0"/>
+              </a:rPr>
+              <a:t>&gt; </a:t>
+            </a:r>
+            <a:r>
+              <a:rPr lang="en-CH" dirty="0">
+                <a:latin typeface="Courier New" panose="02070309020205020404" pitchFamily="49" charset="0"/>
+                <a:cs typeface="Courier New" panose="02070309020205020404" pitchFamily="49" charset="0"/>
+              </a:rPr>
+              <a:t>Secrets</a:t>
+            </a:r>
+            <a:r>
+              <a:rPr lang="en-CH" dirty="0"/>
+              <a:t>.  The secret is stored encrypted by GitHub, and decrypted at the moment of running the workflow</a:t>
+            </a:r>
+          </a:p>
+          <a:p>
+            <a:r>
+              <a:rPr lang="en-CH" dirty="0"/>
+              <a:t>Secrets can then be referred to in the workflow as</a:t>
+            </a:r>
+            <a:br>
+              <a:rPr lang="en-CH" dirty="0"/>
+            </a:br>
+            <a:endParaRPr lang="en-CH" dirty="0"/>
+          </a:p>
+        </p:txBody>
+      </p:sp>
+      <p:sp>
+        <p:nvSpPr>
+          <p:cNvPr id="4" name="Date Placeholder 3">
+            <a:extLst>
+              <a:ext uri="{FF2B5EF4-FFF2-40B4-BE49-F238E27FC236}">
+                <a16:creationId xmlns:a16="http://schemas.microsoft.com/office/drawing/2014/main" id="{9EE323CB-7E09-7C4F-B160-F4B2E2E319F3}"/>
+              </a:ext>
+            </a:extLst>
+          </p:cNvPr>
+          <p:cNvSpPr>
+            <a:spLocks noGrp="1"/>
+          </p:cNvSpPr>
+          <p:nvPr>
+            <p:ph type="dt" sz="half" idx="10"/>
+          </p:nvPr>
+        </p:nvSpPr>
+        <p:spPr/>
+        <p:txBody>
+          <a:bodyPr/>
+          <a:lstStyle/>
+          <a:p>
+            <a:r>
+              <a:rPr lang="de-CH" sz="1000"/>
+              <a:t>August 2023, CC BY-SA 4.0</a:t>
+            </a:r>
+            <a:endParaRPr lang="en-US" sz="1000" dirty="0"/>
+          </a:p>
+        </p:txBody>
+      </p:sp>
+      <p:sp>
+        <p:nvSpPr>
+          <p:cNvPr id="5" name="Footer Placeholder 4">
+            <a:extLst>
+              <a:ext uri="{FF2B5EF4-FFF2-40B4-BE49-F238E27FC236}">
+                <a16:creationId xmlns:a16="http://schemas.microsoft.com/office/drawing/2014/main" id="{3453E2C3-64E5-E44E-8FAB-45D4F29AD119}"/>
+              </a:ext>
+            </a:extLst>
+          </p:cNvPr>
+          <p:cNvSpPr>
+            <a:spLocks noGrp="1"/>
+          </p:cNvSpPr>
+          <p:nvPr>
+            <p:ph type="ftr" sz="quarter" idx="11"/>
+          </p:nvPr>
+        </p:nvSpPr>
+        <p:spPr/>
+        <p:txBody>
+          <a:bodyPr/>
+          <a:lstStyle/>
+          <a:p>
+            <a:r>
+              <a:rPr lang="en-US"/>
+              <a:t>Continuous integration, v4.0</a:t>
+            </a:r>
+            <a:endParaRPr lang="en-US" dirty="0"/>
+          </a:p>
+        </p:txBody>
+      </p:sp>
+      <p:pic>
+        <p:nvPicPr>
+          <p:cNvPr id="6" name="Picture 5">
+            <a:extLst>
+              <a:ext uri="{FF2B5EF4-FFF2-40B4-BE49-F238E27FC236}">
+                <a16:creationId xmlns:a16="http://schemas.microsoft.com/office/drawing/2014/main" id="{6160D76E-090E-DD4A-92D3-5E3DA427B157}"/>
+              </a:ext>
+            </a:extLst>
+          </p:cNvPr>
+          <p:cNvPicPr>
+            <a:picLocks noChangeAspect="1"/>
+          </p:cNvPicPr>
+          <p:nvPr/>
+        </p:nvPicPr>
+        <p:blipFill>
+          <a:blip r:embed="rId2"/>
+          <a:stretch>
+            <a:fillRect/>
+          </a:stretch>
+        </p:blipFill>
+        <p:spPr>
+          <a:xfrm>
+            <a:off x="3143672" y="3789040"/>
+            <a:ext cx="5643482" cy="1800200"/>
+          </a:xfrm>
+          <a:prstGeom prst="rect">
+            <a:avLst/>
+          </a:prstGeom>
+        </p:spPr>
+      </p:pic>
+      <p:sp>
+        <p:nvSpPr>
+          <p:cNvPr id="7" name="Slide Number Placeholder 6">
+            <a:extLst>
+              <a:ext uri="{FF2B5EF4-FFF2-40B4-BE49-F238E27FC236}">
+                <a16:creationId xmlns:a16="http://schemas.microsoft.com/office/drawing/2014/main" id="{3F872150-F1C8-D16D-5401-B703854D69D1}"/>
+              </a:ext>
+            </a:extLst>
+          </p:cNvPr>
+          <p:cNvSpPr>
+            <a:spLocks noGrp="1"/>
+          </p:cNvSpPr>
+          <p:nvPr>
+            <p:ph type="sldNum" sz="quarter" idx="12"/>
+          </p:nvPr>
+        </p:nvSpPr>
+        <p:spPr/>
+        <p:txBody>
+          <a:bodyPr/>
+          <a:lstStyle/>
+          <a:p>
+            <a:fld id="{EF79ADEA-B933-47CC-A4E9-04E6298B917C}" type="slidenum">
+              <a:rPr lang="en-US" smtClean="0"/>
+              <a:pPr/>
+              <a:t>25</a:t>
+            </a:fld>
+            <a:endParaRPr lang="en-US"/>
+          </a:p>
+        </p:txBody>
+      </p:sp>
+    </p:spTree>
+    <p:extLst>
+      <p:ext uri="{BB962C8B-B14F-4D97-AF65-F5344CB8AC3E}">
+        <p14:creationId xmlns:p14="http://schemas.microsoft.com/office/powerpoint/2010/main" val="2375245855"/>
+      </p:ext>
+    </p:extLst>
+  </p:cSld>
+  <p:clrMapOvr>
+    <a:masterClrMapping/>
+  </p:clrMapOvr>
+</p:sld>
+</file>
+
+<file path=ppt/slides/slide26.xml><?xml version="1.0" encoding="utf-8"?>
+<p:sld xmlns:a="http://schemas.openxmlformats.org/drawingml/2006/main" xmlns:r="http://schemas.openxmlformats.org/officeDocument/2006/relationships" xmlns:p="http://schemas.openxmlformats.org/presentationml/2006/main" show="0">
+  <p:cSld>
+    <p:spTree>
+      <p:nvGrpSpPr>
+        <p:cNvPr id="1" name=""/>
+        <p:cNvGrpSpPr/>
+        <p:nvPr/>
+      </p:nvGrpSpPr>
+      <p:grpSpPr>
+        <a:xfrm>
+          <a:off x="0" y="0"/>
+          <a:ext cx="0" cy="0"/>
+          <a:chOff x="0" y="0"/>
+          <a:chExt cx="0" cy="0"/>
+        </a:xfrm>
+      </p:grpSpPr>
+      <p:sp>
+        <p:nvSpPr>
+          <p:cNvPr id="2" name="Title 1">
+            <a:extLst>
+              <a:ext uri="{FF2B5EF4-FFF2-40B4-BE49-F238E27FC236}">
                 <a16:creationId xmlns:a16="http://schemas.microsoft.com/office/drawing/2014/main" id="{D85EDF41-0FBB-5548-8206-29D15F1E1334}"/>
               </a:ext>
             </a:extLst>
@@ -10137,7 +10340,7 @@
             <a:fld id="{EF79ADEA-B933-47CC-A4E9-04E6298B917C}" type="slidenum">
               <a:rPr lang="en-US" smtClean="0"/>
               <a:pPr/>
-              <a:t>25</a:t>
+              <a:t>26</a:t>
             </a:fld>
             <a:endParaRPr lang="en-US"/>
           </a:p>
@@ -11474,7 +11677,7 @@
           <p:cNvPr id="2" name="Title 1">
             <a:extLst>
               <a:ext uri="{FF2B5EF4-FFF2-40B4-BE49-F238E27FC236}">
-                <a16:creationId xmlns:a16="http://schemas.microsoft.com/office/drawing/2014/main" id="{0209F7B9-B500-6A48-B3AA-7D5C6DC44CB2}"/>
+                <a16:creationId xmlns:a16="http://schemas.microsoft.com/office/drawing/2014/main" id="{7E1CDB04-5B12-2113-30D7-EBBED79C22EC}"/>
               </a:ext>
             </a:extLst>
           </p:cNvPr>
@@ -11485,57 +11688,43 @@
             <p:ph type="title"/>
           </p:nvPr>
         </p:nvSpPr>
-        <p:spPr/>
-        <p:txBody>
-          <a:bodyPr/>
-          <a:lstStyle/>
-          <a:p>
-            <a:r>
-              <a:rPr lang="en-CH" dirty="0"/>
-              <a:t>Conclusions</a:t>
-            </a:r>
-          </a:p>
-        </p:txBody>
-      </p:sp>
-      <p:sp>
-        <p:nvSpPr>
-          <p:cNvPr id="3" name="Content Placeholder 2">
-            <a:extLst>
-              <a:ext uri="{FF2B5EF4-FFF2-40B4-BE49-F238E27FC236}">
-                <a16:creationId xmlns:a16="http://schemas.microsoft.com/office/drawing/2014/main" id="{B483744F-BEF5-0B46-9B81-355BEB76BA2A}"/>
-              </a:ext>
-            </a:extLst>
-          </p:cNvPr>
-          <p:cNvSpPr>
-            <a:spLocks noGrp="1"/>
-          </p:cNvSpPr>
-          <p:nvPr>
-            <p:ph idx="1"/>
-          </p:nvPr>
-        </p:nvSpPr>
-        <p:spPr/>
-        <p:txBody>
-          <a:bodyPr/>
-          <a:lstStyle/>
-          <a:p>
-            <a:r>
-              <a:rPr lang="en-CH" dirty="0"/>
-              <a:t>It takes a bit of time to set up and debug a Continuous Integration workflow, but it’s a good investment that can save you a lot </a:t>
-            </a:r>
-            <a:r>
-              <a:rPr lang="en-CH"/>
-              <a:t>of time later on!</a:t>
-            </a:r>
-            <a:endParaRPr lang="en-CH" dirty="0"/>
-          </a:p>
-        </p:txBody>
-      </p:sp>
-      <p:sp>
-        <p:nvSpPr>
-          <p:cNvPr id="4" name="Date Placeholder 3">
-            <a:extLst>
-              <a:ext uri="{FF2B5EF4-FFF2-40B4-BE49-F238E27FC236}">
-                <a16:creationId xmlns:a16="http://schemas.microsoft.com/office/drawing/2014/main" id="{C03D37C7-B59B-1048-A802-78F6FA69F6C7}"/>
+        <p:spPr>
+          <a:xfrm>
+            <a:off x="983432" y="2636912"/>
+            <a:ext cx="8787408" cy="831627"/>
+          </a:xfrm>
+        </p:spPr>
+        <p:txBody>
+          <a:bodyPr>
+            <a:normAutofit fontScale="90000"/>
+          </a:bodyPr>
+          <a:lstStyle/>
+          <a:p>
+            <a:br>
+              <a:rPr lang="en-GB" sz="2800" dirty="0">
+                <a:hlinkClick r:id="rId2"/>
+              </a:rPr>
+            </a:br>
+            <a:r>
+              <a:rPr lang="en-GB" sz="2800" dirty="0">
+                <a:hlinkClick r:id="rId2"/>
+              </a:rPr>
+              <a:t>https://github.com/lschwetlick/ASPP_testing_project_ci</a:t>
+            </a:r>
+            <a:r>
+              <a:rPr lang="en-GB" sz="2800" dirty="0"/>
+              <a:t> </a:t>
+            </a:r>
+            <a:endParaRPr lang="en-DE" sz="2800" dirty="0"/>
+          </a:p>
+        </p:txBody>
+      </p:sp>
+      <p:sp>
+        <p:nvSpPr>
+          <p:cNvPr id="3" name="Date Placeholder 2">
+            <a:extLst>
+              <a:ext uri="{FF2B5EF4-FFF2-40B4-BE49-F238E27FC236}">
+                <a16:creationId xmlns:a16="http://schemas.microsoft.com/office/drawing/2014/main" id="{3EC39654-5AFB-D589-B7DA-26F8E517C558}"/>
               </a:ext>
             </a:extLst>
           </p:cNvPr>
@@ -11552,19 +11741,19 @@
           <a:lstStyle/>
           <a:p>
             <a:r>
-              <a:rPr lang="de-CH" sz="1000"/>
+              <a:rPr lang="de-CH"/>
               <a:t>August 2023, CC BY-SA 4.0</a:t>
             </a:r>
-            <a:endParaRPr lang="en-US" sz="1000" dirty="0"/>
-          </a:p>
-        </p:txBody>
-      </p:sp>
-      <p:sp>
-        <p:nvSpPr>
-          <p:cNvPr id="5" name="Footer Placeholder 4">
-            <a:extLst>
-              <a:ext uri="{FF2B5EF4-FFF2-40B4-BE49-F238E27FC236}">
-                <a16:creationId xmlns:a16="http://schemas.microsoft.com/office/drawing/2014/main" id="{DB93DB5F-4A03-CA44-A54B-D5F34E39E00B}"/>
+            <a:endParaRPr lang="en-US"/>
+          </a:p>
+        </p:txBody>
+      </p:sp>
+      <p:sp>
+        <p:nvSpPr>
+          <p:cNvPr id="4" name="Footer Placeholder 3">
+            <a:extLst>
+              <a:ext uri="{FF2B5EF4-FFF2-40B4-BE49-F238E27FC236}">
+                <a16:creationId xmlns:a16="http://schemas.microsoft.com/office/drawing/2014/main" id="{851FEB0A-E68B-473B-7B14-7553FB65880A}"/>
               </a:ext>
             </a:extLst>
           </p:cNvPr>
@@ -11584,52 +11773,15 @@
               <a:rPr lang="en-US"/>
               <a:t>Continuous integration, v4.0</a:t>
             </a:r>
-            <a:endParaRPr lang="en-US" dirty="0"/>
-          </a:p>
-        </p:txBody>
-      </p:sp>
-      <p:pic>
-        <p:nvPicPr>
-          <p:cNvPr id="7" name="Picture 6" descr="A picture containing metalware, gear, white&#10;&#10;Description automatically generated">
-            <a:extLst>
-              <a:ext uri="{FF2B5EF4-FFF2-40B4-BE49-F238E27FC236}">
-                <a16:creationId xmlns:a16="http://schemas.microsoft.com/office/drawing/2014/main" id="{1C8CF780-D6FA-BB4C-A576-417D77749A00}"/>
-              </a:ext>
-            </a:extLst>
-          </p:cNvPr>
-          <p:cNvPicPr>
-            <a:picLocks noChangeAspect="1"/>
-          </p:cNvPicPr>
-          <p:nvPr/>
-        </p:nvPicPr>
-        <p:blipFill>
-          <a:blip r:embed="rId2">
-            <a:extLst>
-              <a:ext uri="{28A0092B-C50C-407E-A947-70E740481C1C}">
-                <a14:useLocalDpi xmlns:a14="http://schemas.microsoft.com/office/drawing/2010/main" val="0"/>
-              </a:ext>
-            </a:extLst>
-          </a:blip>
-          <a:stretch>
-            <a:fillRect/>
-          </a:stretch>
-        </p:blipFill>
-        <p:spPr>
-          <a:xfrm rot="16200000">
-            <a:off x="7481585" y="3157241"/>
-            <a:ext cx="3830908" cy="2567310"/>
-          </a:xfrm>
-          <a:prstGeom prst="rect">
-            <a:avLst/>
-          </a:prstGeom>
-        </p:spPr>
-      </p:pic>
-      <p:sp>
-        <p:nvSpPr>
-          <p:cNvPr id="6" name="Slide Number Placeholder 5">
-            <a:extLst>
-              <a:ext uri="{FF2B5EF4-FFF2-40B4-BE49-F238E27FC236}">
-                <a16:creationId xmlns:a16="http://schemas.microsoft.com/office/drawing/2014/main" id="{5DEDE8BE-6A16-9CF5-AAB2-D916CF912B21}"/>
+          </a:p>
+        </p:txBody>
+      </p:sp>
+      <p:sp>
+        <p:nvSpPr>
+          <p:cNvPr id="5" name="Slide Number Placeholder 4">
+            <a:extLst>
+              <a:ext uri="{FF2B5EF4-FFF2-40B4-BE49-F238E27FC236}">
+                <a16:creationId xmlns:a16="http://schemas.microsoft.com/office/drawing/2014/main" id="{F7B9CD3F-DFF7-FB39-4B55-37BE41A85EE5}"/>
               </a:ext>
             </a:extLst>
           </p:cNvPr>
@@ -11654,10 +11806,77 @@
           </a:p>
         </p:txBody>
       </p:sp>
+      <p:sp>
+        <p:nvSpPr>
+          <p:cNvPr id="6" name="TextBox 5">
+            <a:extLst>
+              <a:ext uri="{FF2B5EF4-FFF2-40B4-BE49-F238E27FC236}">
+                <a16:creationId xmlns:a16="http://schemas.microsoft.com/office/drawing/2014/main" id="{0C5A5ECF-F835-930D-3243-82F088989FA0}"/>
+              </a:ext>
+            </a:extLst>
+          </p:cNvPr>
+          <p:cNvSpPr txBox="1"/>
+          <p:nvPr/>
+        </p:nvSpPr>
+        <p:spPr>
+          <a:xfrm>
+            <a:off x="4913906" y="2719346"/>
+            <a:ext cx="184731" cy="369332"/>
+          </a:xfrm>
+          <a:prstGeom prst="rect">
+            <a:avLst/>
+          </a:prstGeom>
+          <a:noFill/>
+        </p:spPr>
+        <p:txBody>
+          <a:bodyPr wrap="none" rtlCol="0">
+            <a:spAutoFit/>
+          </a:bodyPr>
+          <a:lstStyle/>
+          <a:p>
+            <a:endParaRPr lang="en-DE" dirty="0"/>
+          </a:p>
+        </p:txBody>
+      </p:sp>
+      <p:sp>
+        <p:nvSpPr>
+          <p:cNvPr id="7" name="TextBox 6">
+            <a:extLst>
+              <a:ext uri="{FF2B5EF4-FFF2-40B4-BE49-F238E27FC236}">
+                <a16:creationId xmlns:a16="http://schemas.microsoft.com/office/drawing/2014/main" id="{26AEC2FB-2E92-52B4-796F-3E7C25AC2A14}"/>
+              </a:ext>
+            </a:extLst>
+          </p:cNvPr>
+          <p:cNvSpPr txBox="1"/>
+          <p:nvPr/>
+        </p:nvSpPr>
+        <p:spPr>
+          <a:xfrm>
+            <a:off x="3503712" y="2132856"/>
+            <a:ext cx="2305439" cy="707886"/>
+          </a:xfrm>
+          <a:prstGeom prst="rect">
+            <a:avLst/>
+          </a:prstGeom>
+          <a:noFill/>
+        </p:spPr>
+        <p:txBody>
+          <a:bodyPr wrap="none" rtlCol="0">
+            <a:spAutoFit/>
+          </a:bodyPr>
+          <a:lstStyle/>
+          <a:p>
+            <a:r>
+              <a:rPr lang="en-DE" sz="4000" dirty="0"/>
+              <a:t>EXAMPLE:</a:t>
+            </a:r>
+          </a:p>
+        </p:txBody>
+      </p:sp>
     </p:spTree>
     <p:extLst>
       <p:ext uri="{BB962C8B-B14F-4D97-AF65-F5344CB8AC3E}">
-        <p14:creationId xmlns:p14="http://schemas.microsoft.com/office/powerpoint/2010/main" val="202595180"/>
+        <p14:creationId xmlns:p14="http://schemas.microsoft.com/office/powerpoint/2010/main" val="3985310547"/>
       </p:ext>
     </p:extLst>
   </p:cSld>
@@ -11686,7 +11905,13 @@
       </p:grpSpPr>
       <p:sp>
         <p:nvSpPr>
-          <p:cNvPr id="6" name="Title 5"/>
+          <p:cNvPr id="2" name="Title 1">
+            <a:extLst>
+              <a:ext uri="{FF2B5EF4-FFF2-40B4-BE49-F238E27FC236}">
+                <a16:creationId xmlns:a16="http://schemas.microsoft.com/office/drawing/2014/main" id="{0209F7B9-B500-6A48-B3AA-7D5C6DC44CB2}"/>
+              </a:ext>
+            </a:extLst>
+          </p:cNvPr>
           <p:cNvSpPr>
             <a:spLocks noGrp="1"/>
           </p:cNvSpPr>
@@ -11696,21 +11921,58 @@
         </p:nvSpPr>
         <p:spPr/>
         <p:txBody>
-          <a:bodyPr>
-            <a:normAutofit/>
-          </a:bodyPr>
-          <a:lstStyle/>
-          <a:p>
-            <a:r>
-              <a:rPr lang="en-US" dirty="0"/>
-              <a:t>Recommended reading</a:t>
-            </a:r>
-          </a:p>
-        </p:txBody>
-      </p:sp>
-      <p:sp>
-        <p:nvSpPr>
-          <p:cNvPr id="2" name="Date Placeholder 1"/>
+          <a:bodyPr/>
+          <a:lstStyle/>
+          <a:p>
+            <a:r>
+              <a:rPr lang="en-CH" dirty="0"/>
+              <a:t>Conclusions</a:t>
+            </a:r>
+          </a:p>
+        </p:txBody>
+      </p:sp>
+      <p:sp>
+        <p:nvSpPr>
+          <p:cNvPr id="3" name="Content Placeholder 2">
+            <a:extLst>
+              <a:ext uri="{FF2B5EF4-FFF2-40B4-BE49-F238E27FC236}">
+                <a16:creationId xmlns:a16="http://schemas.microsoft.com/office/drawing/2014/main" id="{B483744F-BEF5-0B46-9B81-355BEB76BA2A}"/>
+              </a:ext>
+            </a:extLst>
+          </p:cNvPr>
+          <p:cNvSpPr>
+            <a:spLocks noGrp="1"/>
+          </p:cNvSpPr>
+          <p:nvPr>
+            <p:ph idx="1"/>
+          </p:nvPr>
+        </p:nvSpPr>
+        <p:spPr/>
+        <p:txBody>
+          <a:bodyPr/>
+          <a:lstStyle/>
+          <a:p>
+            <a:r>
+              <a:rPr lang="en-CH" dirty="0"/>
+              <a:t>It takes a bit of time to set up and debug a Continuous Integration workflow, but it’s a good investment that can save you a lot </a:t>
+            </a:r>
+            <a:r>
+              <a:rPr lang="en-CH"/>
+              <a:t>of time later on!</a:t>
+            </a:r>
+            <a:endParaRPr lang="en-CH" dirty="0"/>
+          </a:p>
+        </p:txBody>
+      </p:sp>
+      <p:sp>
+        <p:nvSpPr>
+          <p:cNvPr id="4" name="Date Placeholder 3">
+            <a:extLst>
+              <a:ext uri="{FF2B5EF4-FFF2-40B4-BE49-F238E27FC236}">
+                <a16:creationId xmlns:a16="http://schemas.microsoft.com/office/drawing/2014/main" id="{C03D37C7-B59B-1048-A802-78F6FA69F6C7}"/>
+              </a:ext>
+            </a:extLst>
+          </p:cNvPr>
           <p:cNvSpPr>
             <a:spLocks noGrp="1"/>
           </p:cNvSpPr>
@@ -11724,16 +11986,22 @@
           <a:lstStyle/>
           <a:p>
             <a:r>
-              <a:rPr lang="de-CH"/>
+              <a:rPr lang="de-CH" sz="1000"/>
               <a:t>August 2023, CC BY-SA 4.0</a:t>
             </a:r>
-            <a:endParaRPr lang="en-US"/>
-          </a:p>
-        </p:txBody>
-      </p:sp>
-      <p:sp>
-        <p:nvSpPr>
-          <p:cNvPr id="3" name="Footer Placeholder 2"/>
+            <a:endParaRPr lang="en-US" sz="1000" dirty="0"/>
+          </a:p>
+        </p:txBody>
+      </p:sp>
+      <p:sp>
+        <p:nvSpPr>
+          <p:cNvPr id="5" name="Footer Placeholder 4">
+            <a:extLst>
+              <a:ext uri="{FF2B5EF4-FFF2-40B4-BE49-F238E27FC236}">
+                <a16:creationId xmlns:a16="http://schemas.microsoft.com/office/drawing/2014/main" id="{DB93DB5F-4A03-CA44-A54B-D5F34E39E00B}"/>
+              </a:ext>
+            </a:extLst>
+          </p:cNvPr>
           <p:cNvSpPr>
             <a:spLocks noGrp="1"/>
           </p:cNvSpPr>
@@ -11750,87 +12018,52 @@
               <a:rPr lang="en-US"/>
               <a:t>Continuous integration, v4.0</a:t>
             </a:r>
+            <a:endParaRPr lang="en-US" dirty="0"/>
           </a:p>
         </p:txBody>
       </p:sp>
       <p:pic>
         <p:nvPicPr>
-          <p:cNvPr id="9" name="Picture 8"/>
+          <p:cNvPr id="7" name="Picture 6" descr="A picture containing metalware, gear, white&#10;&#10;Description automatically generated">
+            <a:extLst>
+              <a:ext uri="{FF2B5EF4-FFF2-40B4-BE49-F238E27FC236}">
+                <a16:creationId xmlns:a16="http://schemas.microsoft.com/office/drawing/2014/main" id="{1C8CF780-D6FA-BB4C-A576-417D77749A00}"/>
+              </a:ext>
+            </a:extLst>
+          </p:cNvPr>
           <p:cNvPicPr>
             <a:picLocks noChangeAspect="1"/>
           </p:cNvPicPr>
           <p:nvPr/>
         </p:nvPicPr>
         <p:blipFill>
-          <a:blip r:embed="rId2"/>
+          <a:blip r:embed="rId2">
+            <a:extLst>
+              <a:ext uri="{28A0092B-C50C-407E-A947-70E740481C1C}">
+                <a14:useLocalDpi xmlns:a14="http://schemas.microsoft.com/office/drawing/2010/main" val="0"/>
+              </a:ext>
+            </a:extLst>
+          </a:blip>
           <a:stretch>
             <a:fillRect/>
           </a:stretch>
         </p:blipFill>
         <p:spPr>
-          <a:xfrm>
-            <a:off x="2351585" y="2132856"/>
-            <a:ext cx="2352367" cy="2952328"/>
+          <a:xfrm rot="16200000">
+            <a:off x="7481585" y="3157241"/>
+            <a:ext cx="3830908" cy="2567310"/>
           </a:xfrm>
           <a:prstGeom prst="rect">
             <a:avLst/>
           </a:prstGeom>
         </p:spPr>
       </p:pic>
-      <p:pic>
-        <p:nvPicPr>
-          <p:cNvPr id="10" name="Picture 9"/>
-          <p:cNvPicPr>
-            <a:picLocks noChangeAspect="1"/>
-          </p:cNvPicPr>
-          <p:nvPr/>
-        </p:nvPicPr>
-        <p:blipFill>
-          <a:blip r:embed="rId3"/>
-          <a:stretch>
-            <a:fillRect/>
-          </a:stretch>
-        </p:blipFill>
-        <p:spPr>
-          <a:xfrm>
-            <a:off x="5015880" y="2132856"/>
-            <a:ext cx="2355484" cy="2952328"/>
-          </a:xfrm>
-          <a:prstGeom prst="rect">
-            <a:avLst/>
-          </a:prstGeom>
-        </p:spPr>
-      </p:pic>
-      <p:pic>
-        <p:nvPicPr>
-          <p:cNvPr id="11" name="Picture 10"/>
-          <p:cNvPicPr>
-            <a:picLocks noChangeAspect="1"/>
-          </p:cNvPicPr>
-          <p:nvPr/>
-        </p:nvPicPr>
-        <p:blipFill>
-          <a:blip r:embed="rId4"/>
-          <a:stretch>
-            <a:fillRect/>
-          </a:stretch>
-        </p:blipFill>
-        <p:spPr>
-          <a:xfrm>
-            <a:off x="7680177" y="2132856"/>
-            <a:ext cx="2273475" cy="2952328"/>
-          </a:xfrm>
-          <a:prstGeom prst="rect">
-            <a:avLst/>
-          </a:prstGeom>
-        </p:spPr>
-      </p:pic>
-      <p:sp>
-        <p:nvSpPr>
-          <p:cNvPr id="4" name="Slide Number Placeholder 3">
-            <a:extLst>
-              <a:ext uri="{FF2B5EF4-FFF2-40B4-BE49-F238E27FC236}">
-                <a16:creationId xmlns:a16="http://schemas.microsoft.com/office/drawing/2014/main" id="{FEFFB0F3-FEA9-0348-6B4A-F74170B41898}"/>
+      <p:sp>
+        <p:nvSpPr>
+          <p:cNvPr id="6" name="Slide Number Placeholder 5">
+            <a:extLst>
+              <a:ext uri="{FF2B5EF4-FFF2-40B4-BE49-F238E27FC236}">
+                <a16:creationId xmlns:a16="http://schemas.microsoft.com/office/drawing/2014/main" id="{5DEDE8BE-6A16-9CF5-AAB2-D916CF912B21}"/>
               </a:ext>
             </a:extLst>
           </p:cNvPr>
@@ -11858,7 +12091,7 @@
     </p:spTree>
     <p:extLst>
       <p:ext uri="{BB962C8B-B14F-4D97-AF65-F5344CB8AC3E}">
-        <p14:creationId xmlns:p14="http://schemas.microsoft.com/office/powerpoint/2010/main" val="554997526"/>
+        <p14:creationId xmlns:p14="http://schemas.microsoft.com/office/powerpoint/2010/main" val="202595180"/>
       </p:ext>
     </p:extLst>
   </p:cSld>
